--- a/Exceptional Exceptions.pptx
+++ b/Exceptional Exceptions.pptx
@@ -26,9 +26,9 @@
     <p:sldId id="284" r:id="rId20"/>
     <p:sldId id="277" r:id="rId21"/>
     <p:sldId id="278" r:id="rId22"/>
-    <p:sldId id="279" r:id="rId23"/>
-    <p:sldId id="264" r:id="rId24"/>
-    <p:sldId id="262" r:id="rId25"/>
+    <p:sldId id="301" r:id="rId23"/>
+    <p:sldId id="279" r:id="rId24"/>
+    <p:sldId id="264" r:id="rId25"/>
     <p:sldId id="285" r:id="rId26"/>
     <p:sldId id="289" r:id="rId27"/>
     <p:sldId id="287" r:id="rId28"/>
@@ -40,11 +40,12 @@
     <p:sldId id="295" r:id="rId34"/>
     <p:sldId id="296" r:id="rId35"/>
     <p:sldId id="291" r:id="rId36"/>
-    <p:sldId id="265" r:id="rId37"/>
-    <p:sldId id="297" r:id="rId38"/>
-    <p:sldId id="299" r:id="rId39"/>
-    <p:sldId id="300" r:id="rId40"/>
-    <p:sldId id="298" r:id="rId41"/>
+    <p:sldId id="297" r:id="rId37"/>
+    <p:sldId id="299" r:id="rId38"/>
+    <p:sldId id="300" r:id="rId39"/>
+    <p:sldId id="298" r:id="rId40"/>
+    <p:sldId id="262" r:id="rId41"/>
+    <p:sldId id="265" r:id="rId42"/>
   </p:sldIdLst>
   <p:sldSz cx="12192000" cy="6858000"/>
   <p:notesSz cx="6858000" cy="9144000"/>
@@ -145,7 +146,7 @@
   </p:defaultTextStyle>
   <p:extLst>
     <p:ext uri="{EFAFB233-063F-42B5-8137-9DF3F51BA10A}">
-      <p15:sldGuideLst xmlns:p15="http://schemas.microsoft.com/office/powerpoint/2012/main" xmlns="">
+      <p15:sldGuideLst xmlns:p15="http://schemas.microsoft.com/office/powerpoint/2012/main">
         <p15:guide id="1" orient="horz" pos="2160">
           <p15:clr>
             <a:srgbClr val="A4A3A4"/>
@@ -388,7 +389,7 @@
           <a:p>
             <a:fld id="{96DFF08F-DC6B-4601-B491-B0F83F6DD2DA}" type="datetimeFigureOut">
               <a:rPr lang="en-US" dirty="0"/>
-              <a:t>6/25/14</a:t>
+              <a:t>6/26/2014</a:t>
             </a:fld>
             <a:endParaRPr lang="en-US" dirty="0"/>
           </a:p>
@@ -591,7 +592,7 @@
           <a:p>
             <a:fld id="{96DFF08F-DC6B-4601-B491-B0F83F6DD2DA}" type="datetimeFigureOut">
               <a:rPr lang="en-US" dirty="0"/>
-              <a:t>6/25/14</a:t>
+              <a:t>6/26/2014</a:t>
             </a:fld>
             <a:endParaRPr lang="en-US" dirty="0"/>
           </a:p>
@@ -842,7 +843,7 @@
           <a:p>
             <a:fld id="{96DFF08F-DC6B-4601-B491-B0F83F6DD2DA}" type="datetimeFigureOut">
               <a:rPr lang="en-US" dirty="0"/>
-              <a:t>6/25/14</a:t>
+              <a:t>6/26/2014</a:t>
             </a:fld>
             <a:endParaRPr lang="en-US" dirty="0"/>
           </a:p>
@@ -928,7 +929,7 @@
   <p:timing>
     <p:tnLst>
       <p:par>
-        <p:cTn xmlns:p14="http://schemas.microsoft.com/office/powerpoint/2010/main" id="1" dur="indefinite" restart="never" nodeType="tmRoot"/>
+        <p:cTn id="1" dur="indefinite" restart="never" nodeType="tmRoot"/>
       </p:par>
     </p:tnLst>
   </p:timing>
@@ -1044,7 +1045,7 @@
           <a:p>
             <a:fld id="{D62CEF3B-A037-46D0-B02C-1428F07E9383}" type="datetimeFigureOut">
               <a:rPr lang="en-US" dirty="0"/>
-              <a:t>6/25/14</a:t>
+              <a:t>6/26/2014</a:t>
             </a:fld>
             <a:endParaRPr lang="en-US" dirty="0"/>
           </a:p>
@@ -1382,7 +1383,7 @@
           <a:p>
             <a:fld id="{96DFF08F-DC6B-4601-B491-B0F83F6DD2DA}" type="datetimeFigureOut">
               <a:rPr lang="en-US" dirty="0"/>
-              <a:t>6/25/14</a:t>
+              <a:t>6/26/2014</a:t>
             </a:fld>
             <a:endParaRPr lang="en-US" dirty="0"/>
           </a:p>
@@ -1652,7 +1653,7 @@
           <a:p>
             <a:fld id="{96DFF08F-DC6B-4601-B491-B0F83F6DD2DA}" type="datetimeFigureOut">
               <a:rPr lang="en-US" dirty="0"/>
-              <a:t>6/25/14</a:t>
+              <a:t>6/26/2014</a:t>
             </a:fld>
             <a:endParaRPr lang="en-US" dirty="0"/>
           </a:p>
@@ -2026,7 +2027,7 @@
           <a:p>
             <a:fld id="{96DFF08F-DC6B-4601-B491-B0F83F6DD2DA}" type="datetimeFigureOut">
               <a:rPr lang="en-US" dirty="0"/>
-              <a:t>6/25/14</a:t>
+              <a:t>6/26/2014</a:t>
             </a:fld>
             <a:endParaRPr lang="en-US" dirty="0"/>
           </a:p>
@@ -2139,7 +2140,7 @@
           <a:p>
             <a:fld id="{96DFF08F-DC6B-4601-B491-B0F83F6DD2DA}" type="datetimeFigureOut">
               <a:rPr lang="en-US" dirty="0"/>
-              <a:t>6/25/14</a:t>
+              <a:t>6/26/2014</a:t>
             </a:fld>
             <a:endParaRPr lang="en-US" dirty="0"/>
           </a:p>
@@ -2306,7 +2307,7 @@
             <a:fld id="{96DFF08F-DC6B-4601-B491-B0F83F6DD2DA}" type="datetimeFigureOut">
               <a:rPr lang="en-US" dirty="0"/>
               <a:pPr/>
-              <a:t>6/25/14</a:t>
+              <a:t>6/26/2014</a:t>
             </a:fld>
             <a:endParaRPr lang="en-US" dirty="0"/>
           </a:p>
@@ -2657,7 +2658,7 @@
             <a:fld id="{96DFF08F-DC6B-4601-B491-B0F83F6DD2DA}" type="datetimeFigureOut">
               <a:rPr lang="en-US" dirty="0"/>
               <a:pPr/>
-              <a:t>6/25/14</a:t>
+              <a:t>6/26/2014</a:t>
             </a:fld>
             <a:endParaRPr lang="en-US" dirty="0"/>
           </a:p>
@@ -3030,7 +3031,7 @@
           <a:p>
             <a:fld id="{96DFF08F-DC6B-4601-B491-B0F83F6DD2DA}" type="datetimeFigureOut">
               <a:rPr lang="en-US" dirty="0"/>
-              <a:t>6/25/14</a:t>
+              <a:t>6/26/2014</a:t>
             </a:fld>
             <a:endParaRPr lang="en-US" dirty="0"/>
           </a:p>
@@ -3313,7 +3314,7 @@
             <a:fld id="{96DFF08F-DC6B-4601-B491-B0F83F6DD2DA}" type="datetimeFigureOut">
               <a:rPr lang="en-US" dirty="0"/>
               <a:pPr/>
-              <a:t>6/25/14</a:t>
+              <a:t>6/26/2014</a:t>
             </a:fld>
             <a:endParaRPr lang="en-US" dirty="0"/>
           </a:p>
@@ -3913,7 +3914,7 @@
   <p:timing>
     <p:tnLst>
       <p:par>
-        <p:cTn xmlns:p14="http://schemas.microsoft.com/office/powerpoint/2010/main" id="1" dur="indefinite" restart="never" nodeType="tmRoot"/>
+        <p:cTn id="1" dur="indefinite" restart="never" nodeType="tmRoot"/>
       </p:par>
     </p:tnLst>
   </p:timing>
@@ -4463,7 +4464,7 @@
   <p:timing>
     <p:tnLst>
       <p:par>
-        <p:cTn xmlns:p14="http://schemas.microsoft.com/office/powerpoint/2010/main" id="1" dur="indefinite" restart="never" nodeType="tmRoot"/>
+        <p:cTn id="1" dur="indefinite" restart="never" nodeType="tmRoot"/>
       </p:par>
     </p:tnLst>
   </p:timing>
@@ -6010,7 +6011,7 @@
   <p:timing>
     <p:tnLst>
       <p:par>
-        <p:cTn xmlns:p14="http://schemas.microsoft.com/office/powerpoint/2010/main" id="1" dur="indefinite" restart="never" nodeType="tmRoot">
+        <p:cTn id="1" dur="indefinite" restart="never" nodeType="tmRoot">
           <p:childTnLst>
             <p:seq concurrent="1" nextAc="seek">
               <p:cTn id="2" dur="indefinite" nodeType="mainSeq">
@@ -6240,7 +6241,7 @@
   <p:timing>
     <p:tnLst>
       <p:par>
-        <p:cTn xmlns:p14="http://schemas.microsoft.com/office/powerpoint/2010/main" id="1" dur="indefinite" restart="never" nodeType="tmRoot"/>
+        <p:cTn id="1" dur="indefinite" restart="never" nodeType="tmRoot"/>
       </p:par>
     </p:tnLst>
   </p:timing>
@@ -6441,7 +6442,7 @@
   <p:timing>
     <p:tnLst>
       <p:par>
-        <p:cTn xmlns:p14="http://schemas.microsoft.com/office/powerpoint/2010/main" id="1" dur="indefinite" restart="never" nodeType="tmRoot"/>
+        <p:cTn id="1" dur="indefinite" restart="never" nodeType="tmRoot"/>
       </p:par>
     </p:tnLst>
   </p:timing>
@@ -6517,6 +6518,13 @@
   <p:clrMapOvr>
     <a:masterClrMapping/>
   </p:clrMapOvr>
+  <p:timing>
+    <p:tnLst>
+      <p:par>
+        <p:cTn id="1" dur="indefinite" restart="never" nodeType="tmRoot"/>
+      </p:par>
+    </p:tnLst>
+  </p:timing>
 </p:sld>
 </file>
 
@@ -7189,7 +7197,7 @@
   <p:timing>
     <p:tnLst>
       <p:par>
-        <p:cTn xmlns:p14="http://schemas.microsoft.com/office/powerpoint/2010/main" id="1" dur="indefinite" restart="never" nodeType="tmRoot">
+        <p:cTn id="1" dur="indefinite" restart="never" nodeType="tmRoot">
           <p:childTnLst>
             <p:seq concurrent="1" nextAc="seek">
               <p:cTn id="2" dur="indefinite" nodeType="mainSeq">
@@ -7631,7 +7639,7 @@
   <p:timing>
     <p:tnLst>
       <p:par>
-        <p:cTn xmlns:p14="http://schemas.microsoft.com/office/powerpoint/2010/main" id="1" dur="indefinite" restart="never" nodeType="tmRoot"/>
+        <p:cTn id="1" dur="indefinite" restart="never" nodeType="tmRoot"/>
       </p:par>
     </p:tnLst>
   </p:timing>
@@ -8311,126 +8319,9 @@
   <p:timing>
     <p:tnLst>
       <p:par>
-        <p:cTn xmlns:p14="http://schemas.microsoft.com/office/powerpoint/2010/main" id="1" dur="indefinite" restart="never" nodeType="tmRoot">
-          <p:childTnLst>
-            <p:seq concurrent="1" nextAc="seek">
-              <p:cTn id="2" dur="indefinite" nodeType="mainSeq">
-                <p:childTnLst>
-                  <p:par>
-                    <p:cTn id="3" fill="hold">
-                      <p:stCondLst>
-                        <p:cond delay="indefinite"/>
-                      </p:stCondLst>
-                      <p:childTnLst>
-                        <p:par>
-                          <p:cTn id="4" fill="hold">
-                            <p:stCondLst>
-                              <p:cond delay="0"/>
-                            </p:stCondLst>
-                            <p:childTnLst>
-                              <p:par>
-                                <p:cTn id="5" presetID="1" presetClass="entr" presetSubtype="0" fill="hold" grpId="0" nodeType="clickEffect">
-                                  <p:stCondLst>
-                                    <p:cond delay="0"/>
-                                  </p:stCondLst>
-                                  <p:childTnLst>
-                                    <p:set>
-                                      <p:cBhvr>
-                                        <p:cTn id="6" dur="1" fill="hold">
-                                          <p:stCondLst>
-                                            <p:cond delay="0"/>
-                                          </p:stCondLst>
-                                        </p:cTn>
-                                        <p:tgtEl>
-                                          <p:spTgt spid="5"/>
-                                        </p:tgtEl>
-                                        <p:attrNameLst>
-                                          <p:attrName>style.visibility</p:attrName>
-                                        </p:attrNameLst>
-                                      </p:cBhvr>
-                                      <p:to>
-                                        <p:strVal val="visible"/>
-                                      </p:to>
-                                    </p:set>
-                                  </p:childTnLst>
-                                </p:cTn>
-                              </p:par>
-                            </p:childTnLst>
-                          </p:cTn>
-                        </p:par>
-                      </p:childTnLst>
-                    </p:cTn>
-                  </p:par>
-                  <p:par>
-                    <p:cTn id="7" fill="hold">
-                      <p:stCondLst>
-                        <p:cond delay="indefinite"/>
-                      </p:stCondLst>
-                      <p:childTnLst>
-                        <p:par>
-                          <p:cTn id="8" fill="hold">
-                            <p:stCondLst>
-                              <p:cond delay="0"/>
-                            </p:stCondLst>
-                            <p:childTnLst>
-                              <p:par>
-                                <p:cTn id="9" presetID="1" presetClass="entr" presetSubtype="0" fill="hold" grpId="0" nodeType="clickEffect">
-                                  <p:stCondLst>
-                                    <p:cond delay="0"/>
-                                  </p:stCondLst>
-                                  <p:childTnLst>
-                                    <p:set>
-                                      <p:cBhvr>
-                                        <p:cTn id="10" dur="1" fill="hold">
-                                          <p:stCondLst>
-                                            <p:cond delay="0"/>
-                                          </p:stCondLst>
-                                        </p:cTn>
-                                        <p:tgtEl>
-                                          <p:spTgt spid="7"/>
-                                        </p:tgtEl>
-                                        <p:attrNameLst>
-                                          <p:attrName>style.visibility</p:attrName>
-                                        </p:attrNameLst>
-                                      </p:cBhvr>
-                                      <p:to>
-                                        <p:strVal val="visible"/>
-                                      </p:to>
-                                    </p:set>
-                                  </p:childTnLst>
-                                </p:cTn>
-                              </p:par>
-                            </p:childTnLst>
-                          </p:cTn>
-                        </p:par>
-                      </p:childTnLst>
-                    </p:cTn>
-                  </p:par>
-                </p:childTnLst>
-              </p:cTn>
-              <p:prevCondLst>
-                <p:cond evt="onPrev" delay="0">
-                  <p:tgtEl>
-                    <p:sldTgt/>
-                  </p:tgtEl>
-                </p:cond>
-              </p:prevCondLst>
-              <p:nextCondLst>
-                <p:cond evt="onNext" delay="0">
-                  <p:tgtEl>
-                    <p:sldTgt/>
-                  </p:tgtEl>
-                </p:cond>
-              </p:nextCondLst>
-            </p:seq>
-          </p:childTnLst>
-        </p:cTn>
+        <p:cTn id="1" dur="indefinite" restart="never" nodeType="tmRoot"/>
       </p:par>
     </p:tnLst>
-    <p:bldLst>
-      <p:bldP spid="5" grpId="0" animBg="1"/>
-      <p:bldP spid="7" grpId="0" animBg="1"/>
-    </p:bldLst>
   </p:timing>
 </p:sld>
 </file>
@@ -8587,7 +8478,7 @@
   <p:timing>
     <p:tnLst>
       <p:par>
-        <p:cTn xmlns:p14="http://schemas.microsoft.com/office/powerpoint/2010/main" id="1" dur="indefinite" restart="never" nodeType="tmRoot"/>
+        <p:cTn id="1" dur="indefinite" restart="never" nodeType="tmRoot"/>
       </p:par>
     </p:tnLst>
   </p:timing>
@@ -8666,7 +8557,7 @@
   <p:timing>
     <p:tnLst>
       <p:par>
-        <p:cTn xmlns:p14="http://schemas.microsoft.com/office/powerpoint/2010/main" id="1" dur="indefinite" restart="never" nodeType="tmRoot"/>
+        <p:cTn id="1" dur="indefinite" restart="never" nodeType="tmRoot"/>
       </p:par>
     </p:tnLst>
   </p:timing>
@@ -8758,6 +8649,13 @@
   <p:clrMapOvr>
     <a:masterClrMapping/>
   </p:clrMapOvr>
+  <p:timing>
+    <p:tnLst>
+      <p:par>
+        <p:cTn id="1" dur="indefinite" restart="never" nodeType="tmRoot"/>
+      </p:par>
+    </p:tnLst>
+  </p:timing>
 </p:sld>
 </file>
 
@@ -9185,7 +9083,7 @@
         <p:spPr>
           <a:xfrm>
             <a:off x="296996" y="3718790"/>
-            <a:ext cx="5317674" cy="2308324"/>
+            <a:ext cx="5471562" cy="2308324"/>
           </a:xfrm>
           <a:prstGeom prst="rect">
             <a:avLst/>
@@ -9268,7 +9166,15 @@
             </a:r>
             <a:r>
               <a:rPr lang="en-US" sz="2400" dirty="0" smtClean="0"/>
-              <a:t>Only us first three letters of the month</a:t>
+              <a:t>Only </a:t>
+            </a:r>
+            <a:r>
+              <a:rPr lang="en-US" sz="2400" dirty="0" smtClean="0"/>
+              <a:t>use </a:t>
+            </a:r>
+            <a:r>
+              <a:rPr lang="en-US" sz="2400" dirty="0" smtClean="0"/>
+              <a:t>first three letters of the month</a:t>
             </a:r>
           </a:p>
           <a:p>
@@ -9436,7 +9342,7 @@
   <p:timing>
     <p:tnLst>
       <p:par>
-        <p:cTn xmlns:p14="http://schemas.microsoft.com/office/powerpoint/2010/main" id="1" dur="indefinite" restart="never" nodeType="tmRoot">
+        <p:cTn id="1" dur="indefinite" restart="never" nodeType="tmRoot">
           <p:childTnLst>
             <p:seq concurrent="1" nextAc="seek">
               <p:cTn id="2" dur="indefinite" nodeType="mainSeq">
@@ -9962,7 +9868,7 @@
   <p:timing>
     <p:tnLst>
       <p:par>
-        <p:cTn xmlns:p14="http://schemas.microsoft.com/office/powerpoint/2010/main" id="1" dur="indefinite" restart="never" nodeType="tmRoot"/>
+        <p:cTn id="1" dur="indefinite" restart="never" nodeType="tmRoot"/>
       </p:par>
     </p:tnLst>
   </p:timing>
@@ -9970,6 +9876,67 @@
 </file>
 
 <file path=ppt/slides/slide22.xml><?xml version="1.0" encoding="utf-8"?>
+<p:sld xmlns:a="http://schemas.openxmlformats.org/drawingml/2006/main" xmlns:r="http://schemas.openxmlformats.org/officeDocument/2006/relationships" xmlns:p="http://schemas.openxmlformats.org/presentationml/2006/main">
+  <p:cSld>
+    <p:spTree>
+      <p:nvGrpSpPr>
+        <p:cNvPr id="1" name=""/>
+        <p:cNvGrpSpPr/>
+        <p:nvPr/>
+      </p:nvGrpSpPr>
+      <p:grpSpPr>
+        <a:xfrm>
+          <a:off x="0" y="0"/>
+          <a:ext cx="0" cy="0"/>
+          <a:chOff x="0" y="0"/>
+          <a:chExt cx="0" cy="0"/>
+        </a:xfrm>
+      </p:grpSpPr>
+      <p:pic>
+        <p:nvPicPr>
+          <p:cNvPr id="2" name="Picture 1"/>
+          <p:cNvPicPr>
+            <a:picLocks noChangeAspect="1"/>
+          </p:cNvPicPr>
+          <p:nvPr/>
+        </p:nvPicPr>
+        <p:blipFill>
+          <a:blip r:embed="rId2"/>
+          <a:stretch>
+            <a:fillRect/>
+          </a:stretch>
+        </p:blipFill>
+        <p:spPr>
+          <a:xfrm>
+            <a:off x="0" y="0"/>
+            <a:ext cx="12192000" cy="6858000"/>
+          </a:xfrm>
+          <a:prstGeom prst="rect">
+            <a:avLst/>
+          </a:prstGeom>
+        </p:spPr>
+      </p:pic>
+    </p:spTree>
+    <p:extLst>
+      <p:ext uri="{BB962C8B-B14F-4D97-AF65-F5344CB8AC3E}">
+        <p14:creationId xmlns:p14="http://schemas.microsoft.com/office/powerpoint/2010/main" val="668017199"/>
+      </p:ext>
+    </p:extLst>
+  </p:cSld>
+  <p:clrMapOvr>
+    <a:masterClrMapping/>
+  </p:clrMapOvr>
+  <p:timing>
+    <p:tnLst>
+      <p:par>
+        <p:cTn id="1" dur="indefinite" restart="never" nodeType="tmRoot"/>
+      </p:par>
+    </p:tnLst>
+  </p:timing>
+</p:sld>
+</file>
+
+<file path=ppt/slides/slide23.xml><?xml version="1.0" encoding="utf-8"?>
 <p:sld xmlns:a="http://schemas.openxmlformats.org/drawingml/2006/main" xmlns:r="http://schemas.openxmlformats.org/officeDocument/2006/relationships" xmlns:p="http://schemas.openxmlformats.org/presentationml/2006/main">
   <p:cSld>
     <p:spTree>
@@ -10799,310 +10766,7 @@
   <p:timing>
     <p:tnLst>
       <p:par>
-        <p:cTn xmlns:p14="http://schemas.microsoft.com/office/powerpoint/2010/main" id="1" dur="indefinite" restart="never" nodeType="tmRoot">
-          <p:childTnLst>
-            <p:seq concurrent="1" nextAc="seek">
-              <p:cTn id="2" dur="indefinite" nodeType="mainSeq">
-                <p:childTnLst>
-                  <p:par>
-                    <p:cTn id="3" fill="hold">
-                      <p:stCondLst>
-                        <p:cond delay="indefinite"/>
-                      </p:stCondLst>
-                      <p:childTnLst>
-                        <p:par>
-                          <p:cTn id="4" fill="hold">
-                            <p:stCondLst>
-                              <p:cond delay="0"/>
-                            </p:stCondLst>
-                            <p:childTnLst>
-                              <p:par>
-                                <p:cTn id="5" presetID="1" presetClass="entr" presetSubtype="0" fill="hold" grpId="0" nodeType="clickEffect">
-                                  <p:stCondLst>
-                                    <p:cond delay="0"/>
-                                  </p:stCondLst>
-                                  <p:childTnLst>
-                                    <p:set>
-                                      <p:cBhvr>
-                                        <p:cTn id="6" dur="1" fill="hold">
-                                          <p:stCondLst>
-                                            <p:cond delay="0"/>
-                                          </p:stCondLst>
-                                        </p:cTn>
-                                        <p:tgtEl>
-                                          <p:spTgt spid="5"/>
-                                        </p:tgtEl>
-                                        <p:attrNameLst>
-                                          <p:attrName>style.visibility</p:attrName>
-                                        </p:attrNameLst>
-                                      </p:cBhvr>
-                                      <p:to>
-                                        <p:strVal val="visible"/>
-                                      </p:to>
-                                    </p:set>
-                                  </p:childTnLst>
-                                </p:cTn>
-                              </p:par>
-                            </p:childTnLst>
-                          </p:cTn>
-                        </p:par>
-                      </p:childTnLst>
-                    </p:cTn>
-                  </p:par>
-                  <p:par>
-                    <p:cTn id="7" fill="hold">
-                      <p:stCondLst>
-                        <p:cond delay="indefinite"/>
-                      </p:stCondLst>
-                      <p:childTnLst>
-                        <p:par>
-                          <p:cTn id="8" fill="hold">
-                            <p:stCondLst>
-                              <p:cond delay="0"/>
-                            </p:stCondLst>
-                            <p:childTnLst>
-                              <p:par>
-                                <p:cTn id="9" presetID="1" presetClass="entr" presetSubtype="0" fill="hold" grpId="0" nodeType="clickEffect">
-                                  <p:stCondLst>
-                                    <p:cond delay="0"/>
-                                  </p:stCondLst>
-                                  <p:childTnLst>
-                                    <p:set>
-                                      <p:cBhvr>
-                                        <p:cTn id="10" dur="1" fill="hold">
-                                          <p:stCondLst>
-                                            <p:cond delay="0"/>
-                                          </p:stCondLst>
-                                        </p:cTn>
-                                        <p:tgtEl>
-                                          <p:spTgt spid="7"/>
-                                        </p:tgtEl>
-                                        <p:attrNameLst>
-                                          <p:attrName>style.visibility</p:attrName>
-                                        </p:attrNameLst>
-                                      </p:cBhvr>
-                                      <p:to>
-                                        <p:strVal val="visible"/>
-                                      </p:to>
-                                    </p:set>
-                                  </p:childTnLst>
-                                </p:cTn>
-                              </p:par>
-                            </p:childTnLst>
-                          </p:cTn>
-                        </p:par>
-                      </p:childTnLst>
-                    </p:cTn>
-                  </p:par>
-                </p:childTnLst>
-              </p:cTn>
-              <p:prevCondLst>
-                <p:cond evt="onPrev" delay="0">
-                  <p:tgtEl>
-                    <p:sldTgt/>
-                  </p:tgtEl>
-                </p:cond>
-              </p:prevCondLst>
-              <p:nextCondLst>
-                <p:cond evt="onNext" delay="0">
-                  <p:tgtEl>
-                    <p:sldTgt/>
-                  </p:tgtEl>
-                </p:cond>
-              </p:nextCondLst>
-            </p:seq>
-          </p:childTnLst>
-        </p:cTn>
-      </p:par>
-    </p:tnLst>
-    <p:bldLst>
-      <p:bldP spid="5" grpId="0" animBg="1"/>
-      <p:bldP spid="7" grpId="0" animBg="1"/>
-    </p:bldLst>
-  </p:timing>
-</p:sld>
-</file>
-
-<file path=ppt/slides/slide23.xml><?xml version="1.0" encoding="utf-8"?>
-<p:sld xmlns:a="http://schemas.openxmlformats.org/drawingml/2006/main" xmlns:r="http://schemas.openxmlformats.org/officeDocument/2006/relationships" xmlns:p="http://schemas.openxmlformats.org/presentationml/2006/main">
-  <p:cSld>
-    <p:spTree>
-      <p:nvGrpSpPr>
-        <p:cNvPr id="1" name=""/>
-        <p:cNvGrpSpPr/>
-        <p:nvPr/>
-      </p:nvGrpSpPr>
-      <p:grpSpPr>
-        <a:xfrm>
-          <a:off x="0" y="0"/>
-          <a:ext cx="0" cy="0"/>
-          <a:chOff x="0" y="0"/>
-          <a:chExt cx="0" cy="0"/>
-        </a:xfrm>
-      </p:grpSpPr>
-      <p:sp>
-        <p:nvSpPr>
-          <p:cNvPr id="2" name="Title 1"/>
-          <p:cNvSpPr>
-            <a:spLocks noGrp="1"/>
-          </p:cNvSpPr>
-          <p:nvPr>
-            <p:ph type="title" idx="4294967295"/>
-          </p:nvPr>
-        </p:nvSpPr>
-        <p:spPr>
-          <a:xfrm>
-            <a:off x="1097280" y="264188"/>
-            <a:ext cx="10058400" cy="1025525"/>
-          </a:xfrm>
-        </p:spPr>
-        <p:txBody>
-          <a:bodyPr>
-            <a:normAutofit/>
-          </a:bodyPr>
-          <a:lstStyle/>
-          <a:p>
-            <a:r>
-              <a:rPr lang="en-US" sz="3600" dirty="0" smtClean="0"/>
-              <a:t>This exception proves the rule…</a:t>
-            </a:r>
-            <a:endParaRPr lang="en-US" sz="3600" dirty="0"/>
-          </a:p>
-        </p:txBody>
-      </p:sp>
-      <p:sp>
-        <p:nvSpPr>
-          <p:cNvPr id="3" name="Content Placeholder 2"/>
-          <p:cNvSpPr>
-            <a:spLocks noGrp="1"/>
-          </p:cNvSpPr>
-          <p:nvPr>
-            <p:ph idx="4294967295"/>
-          </p:nvPr>
-        </p:nvSpPr>
-        <p:spPr>
-          <a:xfrm>
-            <a:off x="1097280" y="1414804"/>
-            <a:ext cx="10058400" cy="4024313"/>
-          </a:xfrm>
-        </p:spPr>
-        <p:txBody>
-          <a:bodyPr anchor="ctr">
-            <a:normAutofit/>
-          </a:bodyPr>
-          <a:lstStyle/>
-          <a:p>
-            <a:pPr algn="ctr"/>
-            <a:r>
-              <a:rPr lang="en-US" sz="4800" i="1" spc="-50" dirty="0" smtClean="0">
-                <a:latin typeface="+mj-lt"/>
-                <a:ea typeface="+mj-ea"/>
-                <a:cs typeface="+mj-cs"/>
-              </a:rPr>
-              <a:t>“Show </a:t>
-            </a:r>
-            <a:r>
-              <a:rPr lang="en-US" sz="4800" i="1" spc="-50" dirty="0" err="1" smtClean="0">
-                <a:latin typeface="+mj-lt"/>
-                <a:ea typeface="+mj-ea"/>
-                <a:cs typeface="+mj-cs"/>
-              </a:rPr>
-              <a:t>tl;dr</a:t>
-            </a:r>
-            <a:r>
-              <a:rPr lang="en-US" sz="4800" i="1" spc="-50" dirty="0" smtClean="0">
-                <a:latin typeface="+mj-lt"/>
-                <a:ea typeface="+mj-ea"/>
-                <a:cs typeface="+mj-cs"/>
-              </a:rPr>
-              <a:t> examples if </a:t>
-            </a:r>
-          </a:p>
-          <a:p>
-            <a:pPr algn="ctr"/>
-            <a:r>
-              <a:rPr lang="en-US" sz="4800" i="1" spc="-50" dirty="0" smtClean="0">
-                <a:latin typeface="+mj-lt"/>
-                <a:ea typeface="+mj-ea"/>
-                <a:cs typeface="+mj-cs"/>
-              </a:rPr>
-              <a:t>particular formats are required”</a:t>
-            </a:r>
-            <a:endParaRPr lang="en-US" sz="4800" i="1" spc="-50" dirty="0">
-              <a:latin typeface="+mj-lt"/>
-              <a:ea typeface="+mj-ea"/>
-              <a:cs typeface="+mj-cs"/>
-            </a:endParaRPr>
-          </a:p>
-        </p:txBody>
-      </p:sp>
-      <p:sp>
-        <p:nvSpPr>
-          <p:cNvPr id="4" name="Title 1"/>
-          <p:cNvSpPr txBox="1">
-            <a:spLocks/>
-          </p:cNvSpPr>
-          <p:nvPr/>
-        </p:nvSpPr>
-        <p:spPr>
-          <a:xfrm>
-            <a:off x="1097280" y="5234030"/>
-            <a:ext cx="10058400" cy="1025730"/>
-          </a:xfrm>
-          <a:prstGeom prst="rect">
-            <a:avLst/>
-          </a:prstGeom>
-        </p:spPr>
-        <p:txBody>
-          <a:bodyPr vert="horz" lIns="91440" tIns="45720" rIns="91440" bIns="45720" rtlCol="0" anchor="b">
-            <a:normAutofit/>
-          </a:bodyPr>
-          <a:lstStyle>
-            <a:lvl1pPr algn="l" defTabSz="914400" rtl="0" eaLnBrk="1" latinLnBrk="0" hangingPunct="1">
-              <a:lnSpc>
-                <a:spcPct val="85000"/>
-              </a:lnSpc>
-              <a:spcBef>
-                <a:spcPct val="0"/>
-              </a:spcBef>
-              <a:buNone/>
-              <a:defRPr sz="4800" kern="1200" spc="-50" baseline="0">
-                <a:solidFill>
-                  <a:schemeClr val="tx1">
-                    <a:lumMod val="75000"/>
-                    <a:lumOff val="25000"/>
-                  </a:schemeClr>
-                </a:solidFill>
-                <a:latin typeface="+mj-lt"/>
-                <a:ea typeface="+mj-ea"/>
-                <a:cs typeface="+mj-cs"/>
-              </a:defRPr>
-            </a:lvl1pPr>
-          </a:lstStyle>
-          <a:p>
-            <a:pPr algn="r"/>
-            <a:r>
-              <a:rPr lang="en-US" sz="3600" dirty="0" smtClean="0"/>
-              <a:t>…to give the confused coder some guidance</a:t>
-            </a:r>
-            <a:endParaRPr lang="en-US" sz="3600" dirty="0"/>
-          </a:p>
-        </p:txBody>
-      </p:sp>
-    </p:spTree>
-    <p:extLst>
-      <p:ext uri="{BB962C8B-B14F-4D97-AF65-F5344CB8AC3E}">
-        <p14:creationId xmlns:p14="http://schemas.microsoft.com/office/powerpoint/2010/main" val="309843548"/>
-      </p:ext>
-    </p:extLst>
-  </p:cSld>
-  <p:clrMapOvr>
-    <a:masterClrMapping/>
-  </p:clrMapOvr>
-  <p:timing>
-    <p:tnLst>
-      <p:par>
-        <p:cTn xmlns:p14="http://schemas.microsoft.com/office/powerpoint/2010/main" id="1" dur="indefinite" restart="never" nodeType="tmRoot"/>
+        <p:cTn id="1" dur="indefinite" restart="never" nodeType="tmRoot"/>
       </p:par>
     </p:tnLst>
   </p:timing>
@@ -11180,36 +10844,20 @@
           <a:p>
             <a:pPr algn="ctr"/>
             <a:r>
-              <a:rPr lang="en-US" sz="4800" i="1" spc="-50" dirty="0">
-                <a:latin typeface="+mj-lt"/>
-                <a:ea typeface="+mj-ea"/>
-                <a:cs typeface="+mj-cs"/>
-              </a:rPr>
-              <a:t>“Give example code </a:t>
-            </a:r>
-            <a:endParaRPr lang="en-US" sz="4800" i="1" spc="-50" dirty="0" smtClean="0">
-              <a:latin typeface="+mj-lt"/>
-              <a:ea typeface="+mj-ea"/>
-              <a:cs typeface="+mj-cs"/>
-            </a:endParaRPr>
-          </a:p>
-          <a:p>
-            <a:pPr algn="ctr"/>
-            <a:r>
               <a:rPr lang="en-US" sz="4800" i="1" spc="-50" dirty="0" smtClean="0">
                 <a:latin typeface="+mj-lt"/>
                 <a:ea typeface="+mj-ea"/>
                 <a:cs typeface="+mj-cs"/>
               </a:rPr>
-              <a:t>for </a:t>
-            </a:r>
-            <a:r>
-              <a:rPr lang="en-US" sz="4800" i="1" spc="-50" dirty="0">
+              <a:t>“Show </a:t>
+            </a:r>
+            <a:r>
+              <a:rPr lang="en-US" sz="4800" i="1" spc="-50" dirty="0" err="1" smtClean="0">
                 <a:latin typeface="+mj-lt"/>
                 <a:ea typeface="+mj-ea"/>
                 <a:cs typeface="+mj-cs"/>
               </a:rPr>
-              <a:t>any setup </a:t>
+              <a:t>tl;dr</a:t>
             </a:r>
             <a:r>
               <a:rPr lang="en-US" sz="4800" i="1" spc="-50" dirty="0" smtClean="0">
@@ -11217,7 +10865,18 @@
                 <a:ea typeface="+mj-ea"/>
                 <a:cs typeface="+mj-cs"/>
               </a:rPr>
-              <a:t>needed”</a:t>
+              <a:t> examples if </a:t>
+            </a:r>
+          </a:p>
+          <a:p>
+            <a:pPr algn="ctr"/>
+            <a:r>
+              <a:rPr lang="en-US" sz="4800" i="1" spc="-50" dirty="0" smtClean="0">
+                <a:latin typeface="+mj-lt"/>
+                <a:ea typeface="+mj-ea"/>
+                <a:cs typeface="+mj-cs"/>
+              </a:rPr>
+              <a:t>particular formats are required”</a:t>
             </a:r>
             <a:endParaRPr lang="en-US" sz="4800" i="1" spc="-50" dirty="0">
               <a:latin typeface="+mj-lt"/>
@@ -11283,7 +10942,7 @@
     </p:spTree>
     <p:extLst>
       <p:ext uri="{BB962C8B-B14F-4D97-AF65-F5344CB8AC3E}">
-        <p14:creationId xmlns:p14="http://schemas.microsoft.com/office/powerpoint/2010/main" val="416516849"/>
+        <p14:creationId xmlns:p14="http://schemas.microsoft.com/office/powerpoint/2010/main" val="309843548"/>
       </p:ext>
     </p:extLst>
   </p:cSld>
@@ -11293,7 +10952,7 @@
   <p:timing>
     <p:tnLst>
       <p:par>
-        <p:cTn xmlns:p14="http://schemas.microsoft.com/office/powerpoint/2010/main" id="1" dur="indefinite" restart="never" nodeType="tmRoot"/>
+        <p:cTn id="1" dur="indefinite" restart="never" nodeType="tmRoot"/>
       </p:par>
     </p:tnLst>
   </p:timing>
@@ -11372,7 +11031,7 @@
   <p:timing>
     <p:tnLst>
       <p:par>
-        <p:cTn xmlns:p14="http://schemas.microsoft.com/office/powerpoint/2010/main" id="1" dur="indefinite" restart="never" nodeType="tmRoot"/>
+        <p:cTn id="1" dur="indefinite" restart="never" nodeType="tmRoot"/>
       </p:par>
     </p:tnLst>
   </p:timing>
@@ -12694,7 +12353,7 @@
   <p:timing>
     <p:tnLst>
       <p:par>
-        <p:cTn xmlns:p14="http://schemas.microsoft.com/office/powerpoint/2010/main" id="1" dur="indefinite" restart="never" nodeType="tmRoot">
+        <p:cTn id="1" dur="indefinite" restart="never" nodeType="tmRoot">
           <p:childTnLst>
             <p:seq concurrent="1" nextAc="seek">
               <p:cTn id="2" dur="indefinite" nodeType="mainSeq">
@@ -12712,7 +12371,7 @@
                             </p:stCondLst>
                             <p:childTnLst>
                               <p:par>
-                                <p:cTn id="5" presetID="1" presetClass="entr" presetSubtype="0" fill="hold" nodeType="clickEffect">
+                                <p:cTn id="5" presetID="1" presetClass="entr" presetSubtype="0" fill="hold" grpId="0" nodeType="clickEffect">
                                   <p:stCondLst>
                                     <p:cond delay="0"/>
                                   </p:stCondLst>
@@ -12725,7 +12384,7 @@
                                           </p:stCondLst>
                                         </p:cTn>
                                         <p:tgtEl>
-                                          <p:spTgt spid="12"/>
+                                          <p:spTgt spid="5"/>
                                         </p:tgtEl>
                                         <p:attrNameLst>
                                           <p:attrName>style.visibility</p:attrName>
@@ -12757,7 +12416,7 @@
                             </p:stCondLst>
                             <p:childTnLst>
                               <p:par>
-                                <p:cTn id="9" presetID="1" presetClass="entr" presetSubtype="0" fill="hold" grpId="0" nodeType="clickEffect">
+                                <p:cTn id="9" presetID="1" presetClass="entr" presetSubtype="0" fill="hold" nodeType="clickEffect">
                                   <p:stCondLst>
                                     <p:cond delay="0"/>
                                   </p:stCondLst>
@@ -12770,7 +12429,7 @@
                                           </p:stCondLst>
                                         </p:cTn>
                                         <p:tgtEl>
-                                          <p:spTgt spid="5"/>
+                                          <p:spTgt spid="12"/>
                                         </p:tgtEl>
                                         <p:attrNameLst>
                                           <p:attrName>style.visibility</p:attrName>
@@ -13407,7 +13066,7 @@
   <p:timing>
     <p:tnLst>
       <p:par>
-        <p:cTn xmlns:p14="http://schemas.microsoft.com/office/powerpoint/2010/main" id="1" dur="indefinite" restart="never" nodeType="tmRoot"/>
+        <p:cTn id="1" dur="indefinite" restart="never" nodeType="tmRoot"/>
       </p:par>
     </p:tnLst>
   </p:timing>
@@ -14868,7 +14527,7 @@
   <p:timing>
     <p:tnLst>
       <p:par>
-        <p:cTn xmlns:p14="http://schemas.microsoft.com/office/powerpoint/2010/main" id="1" dur="indefinite" restart="never" nodeType="tmRoot"/>
+        <p:cTn id="1" dur="indefinite" restart="never" nodeType="tmRoot"/>
       </p:par>
     </p:tnLst>
   </p:timing>
@@ -15033,7 +14692,7 @@
   <p:timing>
     <p:tnLst>
       <p:par>
-        <p:cTn xmlns:p14="http://schemas.microsoft.com/office/powerpoint/2010/main" id="1" dur="indefinite" restart="never" nodeType="tmRoot"/>
+        <p:cTn id="1" dur="indefinite" restart="never" nodeType="tmRoot"/>
       </p:par>
     </p:tnLst>
   </p:timing>
@@ -15109,6 +14768,13 @@
   <p:clrMapOvr>
     <a:masterClrMapping/>
   </p:clrMapOvr>
+  <p:timing>
+    <p:tnLst>
+      <p:par>
+        <p:cTn id="1" dur="indefinite" restart="never" nodeType="tmRoot"/>
+      </p:par>
+    </p:tnLst>
+  </p:timing>
 </p:sld>
 </file>
 
@@ -16421,7 +16087,7 @@
   <p:timing>
     <p:tnLst>
       <p:par>
-        <p:cTn xmlns:p14="http://schemas.microsoft.com/office/powerpoint/2010/main" id="1" dur="indefinite" restart="never" nodeType="tmRoot"/>
+        <p:cTn id="1" dur="indefinite" restart="never" nodeType="tmRoot"/>
       </p:par>
     </p:tnLst>
   </p:timing>
@@ -16534,7 +16200,7 @@
   <p:timing>
     <p:tnLst>
       <p:par>
-        <p:cTn xmlns:p14="http://schemas.microsoft.com/office/powerpoint/2010/main" id="1" dur="indefinite" restart="never" nodeType="tmRoot"/>
+        <p:cTn id="1" dur="indefinite" restart="never" nodeType="tmRoot"/>
       </p:par>
     </p:tnLst>
   </p:timing>
@@ -17346,7 +17012,7 @@
   <p:timing>
     <p:tnLst>
       <p:par>
-        <p:cTn xmlns:p14="http://schemas.microsoft.com/office/powerpoint/2010/main" id="1" dur="indefinite" restart="never" nodeType="tmRoot">
+        <p:cTn id="1" dur="indefinite" restart="never" nodeType="tmRoot">
           <p:childTnLst>
             <p:seq concurrent="1" nextAc="seek">
               <p:cTn id="2" dur="indefinite" nodeType="mainSeq">
@@ -17825,7 +17491,7 @@
   <p:timing>
     <p:tnLst>
       <p:par>
-        <p:cTn xmlns:p14="http://schemas.microsoft.com/office/powerpoint/2010/main" id="1" dur="indefinite" restart="never" nodeType="tmRoot"/>
+        <p:cTn id="1" dur="indefinite" restart="never" nodeType="tmRoot"/>
       </p:par>
     </p:tnLst>
   </p:timing>
@@ -18670,172 +18336,9 @@
   <p:timing>
     <p:tnLst>
       <p:par>
-        <p:cTn xmlns:p14="http://schemas.microsoft.com/office/powerpoint/2010/main" id="1" dur="indefinite" restart="never" nodeType="tmRoot">
-          <p:childTnLst>
-            <p:seq concurrent="1" nextAc="seek">
-              <p:cTn id="2" dur="indefinite" nodeType="mainSeq">
-                <p:childTnLst>
-                  <p:par>
-                    <p:cTn id="3" fill="hold">
-                      <p:stCondLst>
-                        <p:cond delay="indefinite"/>
-                      </p:stCondLst>
-                      <p:childTnLst>
-                        <p:par>
-                          <p:cTn id="4" fill="hold">
-                            <p:stCondLst>
-                              <p:cond delay="0"/>
-                            </p:stCondLst>
-                            <p:childTnLst>
-                              <p:par>
-                                <p:cTn id="5" presetID="1" presetClass="entr" presetSubtype="0" fill="hold" grpId="0" nodeType="clickEffect">
-                                  <p:stCondLst>
-                                    <p:cond delay="0"/>
-                                  </p:stCondLst>
-                                  <p:childTnLst>
-                                    <p:set>
-                                      <p:cBhvr>
-                                        <p:cTn id="6" dur="1" fill="hold">
-                                          <p:stCondLst>
-                                            <p:cond delay="0"/>
-                                          </p:stCondLst>
-                                        </p:cTn>
-                                        <p:tgtEl>
-                                          <p:spTgt spid="5"/>
-                                        </p:tgtEl>
-                                        <p:attrNameLst>
-                                          <p:attrName>style.visibility</p:attrName>
-                                        </p:attrNameLst>
-                                      </p:cBhvr>
-                                      <p:to>
-                                        <p:strVal val="visible"/>
-                                      </p:to>
-                                    </p:set>
-                                  </p:childTnLst>
-                                </p:cTn>
-                              </p:par>
-                            </p:childTnLst>
-                          </p:cTn>
-                        </p:par>
-                      </p:childTnLst>
-                    </p:cTn>
-                  </p:par>
-                  <p:par>
-                    <p:cTn id="7" fill="hold">
-                      <p:stCondLst>
-                        <p:cond delay="indefinite"/>
-                      </p:stCondLst>
-                      <p:childTnLst>
-                        <p:par>
-                          <p:cTn id="8" fill="hold">
-                            <p:stCondLst>
-                              <p:cond delay="0"/>
-                            </p:stCondLst>
-                            <p:childTnLst>
-                              <p:par>
-                                <p:cTn id="9" presetID="1" presetClass="entr" presetSubtype="0" fill="hold" grpId="0" nodeType="clickEffect">
-                                  <p:stCondLst>
-                                    <p:cond delay="0"/>
-                                  </p:stCondLst>
-                                  <p:childTnLst>
-                                    <p:set>
-                                      <p:cBhvr>
-                                        <p:cTn id="10" dur="1" fill="hold">
-                                          <p:stCondLst>
-                                            <p:cond delay="0"/>
-                                          </p:stCondLst>
-                                        </p:cTn>
-                                        <p:tgtEl>
-                                          <p:spTgt spid="6"/>
-                                        </p:tgtEl>
-                                        <p:attrNameLst>
-                                          <p:attrName>style.visibility</p:attrName>
-                                        </p:attrNameLst>
-                                      </p:cBhvr>
-                                      <p:to>
-                                        <p:strVal val="visible"/>
-                                      </p:to>
-                                    </p:set>
-                                  </p:childTnLst>
-                                </p:cTn>
-                              </p:par>
-                            </p:childTnLst>
-                          </p:cTn>
-                        </p:par>
-                      </p:childTnLst>
-                    </p:cTn>
-                  </p:par>
-                  <p:par>
-                    <p:cTn id="11" fill="hold">
-                      <p:stCondLst>
-                        <p:cond delay="indefinite"/>
-                      </p:stCondLst>
-                      <p:childTnLst>
-                        <p:par>
-                          <p:cTn id="12" fill="hold">
-                            <p:stCondLst>
-                              <p:cond delay="0"/>
-                            </p:stCondLst>
-                            <p:childTnLst>
-                              <p:par>
-                                <p:cTn id="13" presetID="1" presetClass="entr" presetSubtype="0" fill="hold" grpId="0" nodeType="clickEffect">
-                                  <p:stCondLst>
-                                    <p:cond delay="0"/>
-                                  </p:stCondLst>
-                                  <p:childTnLst>
-                                    <p:set>
-                                      <p:cBhvr>
-                                        <p:cTn id="14" dur="1" fill="hold">
-                                          <p:stCondLst>
-                                            <p:cond delay="0"/>
-                                          </p:stCondLst>
-                                        </p:cTn>
-                                        <p:tgtEl>
-                                          <p:spTgt spid="7"/>
-                                        </p:tgtEl>
-                                        <p:attrNameLst>
-                                          <p:attrName>style.visibility</p:attrName>
-                                        </p:attrNameLst>
-                                      </p:cBhvr>
-                                      <p:to>
-                                        <p:strVal val="visible"/>
-                                      </p:to>
-                                    </p:set>
-                                  </p:childTnLst>
-                                </p:cTn>
-                              </p:par>
-                            </p:childTnLst>
-                          </p:cTn>
-                        </p:par>
-                      </p:childTnLst>
-                    </p:cTn>
-                  </p:par>
-                </p:childTnLst>
-              </p:cTn>
-              <p:prevCondLst>
-                <p:cond evt="onPrev" delay="0">
-                  <p:tgtEl>
-                    <p:sldTgt/>
-                  </p:tgtEl>
-                </p:cond>
-              </p:prevCondLst>
-              <p:nextCondLst>
-                <p:cond evt="onNext" delay="0">
-                  <p:tgtEl>
-                    <p:sldTgt/>
-                  </p:tgtEl>
-                </p:cond>
-              </p:nextCondLst>
-            </p:seq>
-          </p:childTnLst>
-        </p:cTn>
+        <p:cTn id="1" dur="indefinite" restart="never" nodeType="tmRoot"/>
       </p:par>
     </p:tnLst>
-    <p:bldLst>
-      <p:bldP spid="5" grpId="0" animBg="1"/>
-      <p:bldP spid="7" grpId="0" animBg="1"/>
-      <p:bldP spid="6" grpId="0" animBg="1"/>
-    </p:bldLst>
   </p:timing>
 </p:sld>
 </file>
@@ -18992,7 +18495,7 @@
   <p:timing>
     <p:tnLst>
       <p:par>
-        <p:cTn xmlns:p14="http://schemas.microsoft.com/office/powerpoint/2010/main" id="1" dur="indefinite" restart="never" nodeType="tmRoot"/>
+        <p:cTn id="1" dur="indefinite" restart="never" nodeType="tmRoot"/>
       </p:par>
     </p:tnLst>
   </p:timing>
@@ -19000,165 +18503,6 @@
 </file>
 
 <file path=ppt/slides/slide36.xml><?xml version="1.0" encoding="utf-8"?>
-<p:sld xmlns:a="http://schemas.openxmlformats.org/drawingml/2006/main" xmlns:r="http://schemas.openxmlformats.org/officeDocument/2006/relationships" xmlns:p="http://schemas.openxmlformats.org/presentationml/2006/main">
-  <p:cSld>
-    <p:spTree>
-      <p:nvGrpSpPr>
-        <p:cNvPr id="1" name=""/>
-        <p:cNvGrpSpPr/>
-        <p:nvPr/>
-      </p:nvGrpSpPr>
-      <p:grpSpPr>
-        <a:xfrm>
-          <a:off x="0" y="0"/>
-          <a:ext cx="0" cy="0"/>
-          <a:chOff x="0" y="0"/>
-          <a:chExt cx="0" cy="0"/>
-        </a:xfrm>
-      </p:grpSpPr>
-      <p:sp>
-        <p:nvSpPr>
-          <p:cNvPr id="2" name="Title 1"/>
-          <p:cNvSpPr>
-            <a:spLocks noGrp="1"/>
-          </p:cNvSpPr>
-          <p:nvPr>
-            <p:ph type="title" idx="4294967295"/>
-          </p:nvPr>
-        </p:nvSpPr>
-        <p:spPr>
-          <a:xfrm>
-            <a:off x="1097280" y="264188"/>
-            <a:ext cx="10058400" cy="1025525"/>
-          </a:xfrm>
-        </p:spPr>
-        <p:txBody>
-          <a:bodyPr>
-            <a:normAutofit/>
-          </a:bodyPr>
-          <a:lstStyle/>
-          <a:p>
-            <a:r>
-              <a:rPr lang="en-US" sz="3600" dirty="0" smtClean="0"/>
-              <a:t>This exception proves the rule…</a:t>
-            </a:r>
-            <a:endParaRPr lang="en-US" sz="3600" dirty="0"/>
-          </a:p>
-        </p:txBody>
-      </p:sp>
-      <p:sp>
-        <p:nvSpPr>
-          <p:cNvPr id="3" name="Content Placeholder 2"/>
-          <p:cNvSpPr>
-            <a:spLocks noGrp="1"/>
-          </p:cNvSpPr>
-          <p:nvPr>
-            <p:ph idx="4294967295"/>
-          </p:nvPr>
-        </p:nvSpPr>
-        <p:spPr>
-          <a:xfrm>
-            <a:off x="1097280" y="1414804"/>
-            <a:ext cx="10058400" cy="4024313"/>
-          </a:xfrm>
-        </p:spPr>
-        <p:txBody>
-          <a:bodyPr anchor="ctr">
-            <a:normAutofit/>
-          </a:bodyPr>
-          <a:lstStyle/>
-          <a:p>
-            <a:pPr algn="ctr"/>
-            <a:r>
-              <a:rPr lang="en-US" sz="4800" i="1" spc="-50" dirty="0" smtClean="0">
-                <a:latin typeface="+mj-lt"/>
-                <a:ea typeface="+mj-ea"/>
-                <a:cs typeface="+mj-cs"/>
-              </a:rPr>
-              <a:t>“Point to online documentation”</a:t>
-            </a:r>
-            <a:endParaRPr lang="en-US" sz="4800" i="1" spc="-50" dirty="0">
-              <a:latin typeface="+mj-lt"/>
-              <a:ea typeface="+mj-ea"/>
-              <a:cs typeface="+mj-cs"/>
-            </a:endParaRPr>
-          </a:p>
-        </p:txBody>
-      </p:sp>
-      <p:sp>
-        <p:nvSpPr>
-          <p:cNvPr id="4" name="Title 1"/>
-          <p:cNvSpPr txBox="1">
-            <a:spLocks/>
-          </p:cNvSpPr>
-          <p:nvPr/>
-        </p:nvSpPr>
-        <p:spPr>
-          <a:xfrm>
-            <a:off x="1097280" y="5234030"/>
-            <a:ext cx="10058400" cy="1025730"/>
-          </a:xfrm>
-          <a:prstGeom prst="rect">
-            <a:avLst/>
-          </a:prstGeom>
-        </p:spPr>
-        <p:txBody>
-          <a:bodyPr vert="horz" lIns="91440" tIns="45720" rIns="91440" bIns="45720" rtlCol="0" anchor="b">
-            <a:normAutofit/>
-          </a:bodyPr>
-          <a:lstStyle>
-            <a:lvl1pPr algn="l" defTabSz="914400" rtl="0" eaLnBrk="1" latinLnBrk="0" hangingPunct="1">
-              <a:lnSpc>
-                <a:spcPct val="85000"/>
-              </a:lnSpc>
-              <a:spcBef>
-                <a:spcPct val="0"/>
-              </a:spcBef>
-              <a:buNone/>
-              <a:defRPr sz="4800" kern="1200" spc="-50" baseline="0">
-                <a:solidFill>
-                  <a:schemeClr val="tx1">
-                    <a:lumMod val="75000"/>
-                    <a:lumOff val="25000"/>
-                  </a:schemeClr>
-                </a:solidFill>
-                <a:latin typeface="+mj-lt"/>
-                <a:ea typeface="+mj-ea"/>
-                <a:cs typeface="+mj-cs"/>
-              </a:defRPr>
-            </a:lvl1pPr>
-          </a:lstStyle>
-          <a:p>
-            <a:pPr algn="r"/>
-            <a:r>
-              <a:rPr lang="en-US" sz="3600" dirty="0" smtClean="0"/>
-              <a:t>…to give the confused coder some guidance</a:t>
-            </a:r>
-            <a:endParaRPr lang="en-US" sz="3600" dirty="0"/>
-          </a:p>
-        </p:txBody>
-      </p:sp>
-    </p:spTree>
-    <p:extLst>
-      <p:ext uri="{BB962C8B-B14F-4D97-AF65-F5344CB8AC3E}">
-        <p14:creationId xmlns:p14="http://schemas.microsoft.com/office/powerpoint/2010/main" val="1162058314"/>
-      </p:ext>
-    </p:extLst>
-  </p:cSld>
-  <p:clrMapOvr>
-    <a:masterClrMapping/>
-  </p:clrMapOvr>
-  <p:timing>
-    <p:tnLst>
-      <p:par>
-        <p:cTn xmlns:p14="http://schemas.microsoft.com/office/powerpoint/2010/main" id="1" dur="indefinite" restart="never" nodeType="tmRoot"/>
-      </p:par>
-    </p:tnLst>
-  </p:timing>
-</p:sld>
-</file>
-
-<file path=ppt/slides/slide37.xml><?xml version="1.0" encoding="utf-8"?>
 <p:sld xmlns:a="http://schemas.openxmlformats.org/drawingml/2006/main" xmlns:r="http://schemas.openxmlformats.org/officeDocument/2006/relationships" xmlns:p="http://schemas.openxmlformats.org/presentationml/2006/main">
   <p:cSld>
     <p:spTree>
@@ -19364,10 +18708,17 @@
   <p:clrMapOvr>
     <a:masterClrMapping/>
   </p:clrMapOvr>
+  <p:timing>
+    <p:tnLst>
+      <p:par>
+        <p:cTn id="1" dur="indefinite" restart="never" nodeType="tmRoot"/>
+      </p:par>
+    </p:tnLst>
+  </p:timing>
 </p:sld>
 </file>
 
-<file path=ppt/slides/slide38.xml><?xml version="1.0" encoding="utf-8"?>
+<file path=ppt/slides/slide37.xml><?xml version="1.0" encoding="utf-8"?>
 <p:sld xmlns:a="http://schemas.openxmlformats.org/drawingml/2006/main" xmlns:r="http://schemas.openxmlformats.org/officeDocument/2006/relationships" xmlns:p="http://schemas.openxmlformats.org/presentationml/2006/main">
   <p:cSld>
     <p:spTree>
@@ -19424,10 +18775,17 @@
   <p:clrMapOvr>
     <a:masterClrMapping/>
   </p:clrMapOvr>
+  <p:timing>
+    <p:tnLst>
+      <p:par>
+        <p:cTn id="1" dur="indefinite" restart="never" nodeType="tmRoot"/>
+      </p:par>
+    </p:tnLst>
+  </p:timing>
 </p:sld>
 </file>
 
-<file path=ppt/slides/slide39.xml><?xml version="1.0" encoding="utf-8"?>
+<file path=ppt/slides/slide38.xml><?xml version="1.0" encoding="utf-8"?>
 <p:sld xmlns:a="http://schemas.openxmlformats.org/drawingml/2006/main" xmlns:r="http://schemas.openxmlformats.org/officeDocument/2006/relationships" xmlns:p="http://schemas.openxmlformats.org/presentationml/2006/main">
   <p:cSld>
     <p:spTree>
@@ -19829,6 +19187,813 @@
   <p:clrMapOvr>
     <a:masterClrMapping/>
   </p:clrMapOvr>
+  <p:timing>
+    <p:tnLst>
+      <p:par>
+        <p:cTn id="1" dur="indefinite" restart="never" nodeType="tmRoot"/>
+      </p:par>
+    </p:tnLst>
+  </p:timing>
+</p:sld>
+</file>
+
+<file path=ppt/slides/slide39.xml><?xml version="1.0" encoding="utf-8"?>
+<p:sld xmlns:a="http://schemas.openxmlformats.org/drawingml/2006/main" xmlns:r="http://schemas.openxmlformats.org/officeDocument/2006/relationships" xmlns:p="http://schemas.openxmlformats.org/presentationml/2006/main">
+  <p:cSld>
+    <p:spTree>
+      <p:nvGrpSpPr>
+        <p:cNvPr id="1" name=""/>
+        <p:cNvGrpSpPr/>
+        <p:nvPr/>
+      </p:nvGrpSpPr>
+      <p:grpSpPr>
+        <a:xfrm>
+          <a:off x="0" y="0"/>
+          <a:ext cx="0" cy="0"/>
+          <a:chOff x="0" y="0"/>
+          <a:chExt cx="0" cy="0"/>
+        </a:xfrm>
+      </p:grpSpPr>
+      <p:sp>
+        <p:nvSpPr>
+          <p:cNvPr id="2" name="Title 2"/>
+          <p:cNvSpPr txBox="1">
+            <a:spLocks/>
+          </p:cNvSpPr>
+          <p:nvPr/>
+        </p:nvSpPr>
+        <p:spPr>
+          <a:xfrm>
+            <a:off x="620903" y="514350"/>
+            <a:ext cx="7772400" cy="827742"/>
+          </a:xfrm>
+          <a:prstGeom prst="rect">
+            <a:avLst/>
+          </a:prstGeom>
+        </p:spPr>
+        <p:txBody>
+          <a:bodyPr>
+            <a:normAutofit/>
+          </a:bodyPr>
+          <a:lstStyle>
+            <a:lvl1pPr algn="l" defTabSz="914400" rtl="0" eaLnBrk="1" latinLnBrk="0" hangingPunct="1">
+              <a:lnSpc>
+                <a:spcPct val="85000"/>
+              </a:lnSpc>
+              <a:spcBef>
+                <a:spcPct val="0"/>
+              </a:spcBef>
+              <a:buNone/>
+              <a:defRPr sz="4800" kern="1200" spc="-50" baseline="0">
+                <a:solidFill>
+                  <a:schemeClr val="tx1">
+                    <a:lumMod val="75000"/>
+                    <a:lumOff val="25000"/>
+                  </a:schemeClr>
+                </a:solidFill>
+                <a:latin typeface="+mj-lt"/>
+                <a:ea typeface="+mj-ea"/>
+                <a:cs typeface="+mj-cs"/>
+              </a:defRPr>
+            </a:lvl1pPr>
+          </a:lstStyle>
+          <a:p>
+            <a:r>
+              <a:rPr lang="en-US" smtClean="0"/>
+              <a:t>Contact Information</a:t>
+            </a:r>
+            <a:endParaRPr lang="en-US" dirty="0"/>
+          </a:p>
+        </p:txBody>
+      </p:sp>
+      <p:sp>
+        <p:nvSpPr>
+          <p:cNvPr id="3" name="Content Placeholder 1"/>
+          <p:cNvSpPr txBox="1">
+            <a:spLocks/>
+          </p:cNvSpPr>
+          <p:nvPr/>
+        </p:nvSpPr>
+        <p:spPr>
+          <a:xfrm>
+            <a:off x="5216395" y="5320174"/>
+            <a:ext cx="4492022" cy="797535"/>
+          </a:xfrm>
+          <a:prstGeom prst="rect">
+            <a:avLst/>
+          </a:prstGeom>
+        </p:spPr>
+        <p:txBody>
+          <a:bodyPr>
+            <a:normAutofit/>
+          </a:bodyPr>
+          <a:lstStyle>
+            <a:lvl1pPr marL="91440" indent="-91440" algn="l" defTabSz="914400" rtl="0" eaLnBrk="1" latinLnBrk="0" hangingPunct="1">
+              <a:lnSpc>
+                <a:spcPct val="90000"/>
+              </a:lnSpc>
+              <a:spcBef>
+                <a:spcPts val="1200"/>
+              </a:spcBef>
+              <a:spcAft>
+                <a:spcPts val="200"/>
+              </a:spcAft>
+              <a:buClr>
+                <a:schemeClr val="accent1"/>
+              </a:buClr>
+              <a:buSzPct val="100000"/>
+              <a:buFont typeface="Calibri" panose="020F0502020204030204" pitchFamily="34" charset="0"/>
+              <a:buChar char=" "/>
+              <a:defRPr sz="2000" kern="1200">
+                <a:solidFill>
+                  <a:schemeClr val="tx1">
+                    <a:lumMod val="75000"/>
+                    <a:lumOff val="25000"/>
+                  </a:schemeClr>
+                </a:solidFill>
+                <a:latin typeface="+mn-lt"/>
+                <a:ea typeface="+mn-ea"/>
+                <a:cs typeface="+mn-cs"/>
+              </a:defRPr>
+            </a:lvl1pPr>
+            <a:lvl2pPr marL="384048" indent="-182880" algn="l" defTabSz="914400" rtl="0" eaLnBrk="1" latinLnBrk="0" hangingPunct="1">
+              <a:lnSpc>
+                <a:spcPct val="90000"/>
+              </a:lnSpc>
+              <a:spcBef>
+                <a:spcPts val="200"/>
+              </a:spcBef>
+              <a:spcAft>
+                <a:spcPts val="400"/>
+              </a:spcAft>
+              <a:buClr>
+                <a:schemeClr val="accent1"/>
+              </a:buClr>
+              <a:buFont typeface="Calibri" pitchFamily="34" charset="0"/>
+              <a:buChar char="◦"/>
+              <a:defRPr sz="1800" kern="1200">
+                <a:solidFill>
+                  <a:schemeClr val="tx1">
+                    <a:lumMod val="75000"/>
+                    <a:lumOff val="25000"/>
+                  </a:schemeClr>
+                </a:solidFill>
+                <a:latin typeface="+mn-lt"/>
+                <a:ea typeface="+mn-ea"/>
+                <a:cs typeface="+mn-cs"/>
+              </a:defRPr>
+            </a:lvl2pPr>
+            <a:lvl3pPr marL="566928" indent="-182880" algn="l" defTabSz="914400" rtl="0" eaLnBrk="1" latinLnBrk="0" hangingPunct="1">
+              <a:lnSpc>
+                <a:spcPct val="90000"/>
+              </a:lnSpc>
+              <a:spcBef>
+                <a:spcPts val="200"/>
+              </a:spcBef>
+              <a:spcAft>
+                <a:spcPts val="400"/>
+              </a:spcAft>
+              <a:buClr>
+                <a:schemeClr val="accent1"/>
+              </a:buClr>
+              <a:buFont typeface="Calibri" pitchFamily="34" charset="0"/>
+              <a:buChar char="◦"/>
+              <a:defRPr sz="1400" kern="1200">
+                <a:solidFill>
+                  <a:schemeClr val="tx1">
+                    <a:lumMod val="75000"/>
+                    <a:lumOff val="25000"/>
+                  </a:schemeClr>
+                </a:solidFill>
+                <a:latin typeface="+mn-lt"/>
+                <a:ea typeface="+mn-ea"/>
+                <a:cs typeface="+mn-cs"/>
+              </a:defRPr>
+            </a:lvl3pPr>
+            <a:lvl4pPr marL="749808" indent="-182880" algn="l" defTabSz="914400" rtl="0" eaLnBrk="1" latinLnBrk="0" hangingPunct="1">
+              <a:lnSpc>
+                <a:spcPct val="90000"/>
+              </a:lnSpc>
+              <a:spcBef>
+                <a:spcPts val="200"/>
+              </a:spcBef>
+              <a:spcAft>
+                <a:spcPts val="400"/>
+              </a:spcAft>
+              <a:buClr>
+                <a:schemeClr val="accent1"/>
+              </a:buClr>
+              <a:buFont typeface="Calibri" pitchFamily="34" charset="0"/>
+              <a:buChar char="◦"/>
+              <a:defRPr sz="1400" kern="1200">
+                <a:solidFill>
+                  <a:schemeClr val="tx1">
+                    <a:lumMod val="75000"/>
+                    <a:lumOff val="25000"/>
+                  </a:schemeClr>
+                </a:solidFill>
+                <a:latin typeface="+mn-lt"/>
+                <a:ea typeface="+mn-ea"/>
+                <a:cs typeface="+mn-cs"/>
+              </a:defRPr>
+            </a:lvl4pPr>
+            <a:lvl5pPr marL="932688" indent="-182880" algn="l" defTabSz="914400" rtl="0" eaLnBrk="1" latinLnBrk="0" hangingPunct="1">
+              <a:lnSpc>
+                <a:spcPct val="90000"/>
+              </a:lnSpc>
+              <a:spcBef>
+                <a:spcPts val="200"/>
+              </a:spcBef>
+              <a:spcAft>
+                <a:spcPts val="400"/>
+              </a:spcAft>
+              <a:buClr>
+                <a:schemeClr val="accent1"/>
+              </a:buClr>
+              <a:buFont typeface="Calibri" pitchFamily="34" charset="0"/>
+              <a:buChar char="◦"/>
+              <a:defRPr sz="1400" kern="1200">
+                <a:solidFill>
+                  <a:schemeClr val="tx1">
+                    <a:lumMod val="75000"/>
+                    <a:lumOff val="25000"/>
+                  </a:schemeClr>
+                </a:solidFill>
+                <a:latin typeface="+mn-lt"/>
+                <a:ea typeface="+mn-ea"/>
+                <a:cs typeface="+mn-cs"/>
+              </a:defRPr>
+            </a:lvl5pPr>
+            <a:lvl6pPr marL="1100000" indent="-228600" algn="l" defTabSz="914400" rtl="0" eaLnBrk="1" latinLnBrk="0" hangingPunct="1">
+              <a:lnSpc>
+                <a:spcPct val="90000"/>
+              </a:lnSpc>
+              <a:spcBef>
+                <a:spcPts val="200"/>
+              </a:spcBef>
+              <a:spcAft>
+                <a:spcPts val="400"/>
+              </a:spcAft>
+              <a:buClr>
+                <a:schemeClr val="accent1"/>
+              </a:buClr>
+              <a:buFont typeface="Calibri" pitchFamily="34" charset="0"/>
+              <a:buChar char="◦"/>
+              <a:defRPr sz="1400" kern="1200">
+                <a:solidFill>
+                  <a:schemeClr val="tx1">
+                    <a:lumMod val="75000"/>
+                    <a:lumOff val="25000"/>
+                  </a:schemeClr>
+                </a:solidFill>
+                <a:latin typeface="+mn-lt"/>
+                <a:ea typeface="+mn-ea"/>
+                <a:cs typeface="+mn-cs"/>
+              </a:defRPr>
+            </a:lvl6pPr>
+            <a:lvl7pPr marL="1300000" indent="-228600" algn="l" defTabSz="914400" rtl="0" eaLnBrk="1" latinLnBrk="0" hangingPunct="1">
+              <a:lnSpc>
+                <a:spcPct val="90000"/>
+              </a:lnSpc>
+              <a:spcBef>
+                <a:spcPts val="200"/>
+              </a:spcBef>
+              <a:spcAft>
+                <a:spcPts val="400"/>
+              </a:spcAft>
+              <a:buClr>
+                <a:schemeClr val="accent1"/>
+              </a:buClr>
+              <a:buFont typeface="Calibri" pitchFamily="34" charset="0"/>
+              <a:buChar char="◦"/>
+              <a:defRPr sz="1400" kern="1200">
+                <a:solidFill>
+                  <a:schemeClr val="tx1">
+                    <a:lumMod val="75000"/>
+                    <a:lumOff val="25000"/>
+                  </a:schemeClr>
+                </a:solidFill>
+                <a:latin typeface="+mn-lt"/>
+                <a:ea typeface="+mn-ea"/>
+                <a:cs typeface="+mn-cs"/>
+              </a:defRPr>
+            </a:lvl7pPr>
+            <a:lvl8pPr marL="1500000" indent="-228600" algn="l" defTabSz="914400" rtl="0" eaLnBrk="1" latinLnBrk="0" hangingPunct="1">
+              <a:lnSpc>
+                <a:spcPct val="90000"/>
+              </a:lnSpc>
+              <a:spcBef>
+                <a:spcPts val="200"/>
+              </a:spcBef>
+              <a:spcAft>
+                <a:spcPts val="400"/>
+              </a:spcAft>
+              <a:buClr>
+                <a:schemeClr val="accent1"/>
+              </a:buClr>
+              <a:buFont typeface="Calibri" pitchFamily="34" charset="0"/>
+              <a:buChar char="◦"/>
+              <a:defRPr sz="1400" kern="1200">
+                <a:solidFill>
+                  <a:schemeClr val="tx1">
+                    <a:lumMod val="75000"/>
+                    <a:lumOff val="25000"/>
+                  </a:schemeClr>
+                </a:solidFill>
+                <a:latin typeface="+mn-lt"/>
+                <a:ea typeface="+mn-ea"/>
+                <a:cs typeface="+mn-cs"/>
+              </a:defRPr>
+            </a:lvl8pPr>
+            <a:lvl9pPr marL="1700000" indent="-228600" algn="l" defTabSz="914400" rtl="0" eaLnBrk="1" latinLnBrk="0" hangingPunct="1">
+              <a:lnSpc>
+                <a:spcPct val="90000"/>
+              </a:lnSpc>
+              <a:spcBef>
+                <a:spcPts val="200"/>
+              </a:spcBef>
+              <a:spcAft>
+                <a:spcPts val="400"/>
+              </a:spcAft>
+              <a:buClr>
+                <a:schemeClr val="accent1"/>
+              </a:buClr>
+              <a:buFont typeface="Calibri" pitchFamily="34" charset="0"/>
+              <a:buChar char="◦"/>
+              <a:defRPr sz="1400" kern="1200">
+                <a:solidFill>
+                  <a:schemeClr val="tx1">
+                    <a:lumMod val="75000"/>
+                    <a:lumOff val="25000"/>
+                  </a:schemeClr>
+                </a:solidFill>
+                <a:latin typeface="+mn-lt"/>
+                <a:ea typeface="+mn-ea"/>
+                <a:cs typeface="+mn-cs"/>
+              </a:defRPr>
+            </a:lvl9pPr>
+          </a:lstStyle>
+          <a:p>
+            <a:pPr algn="r">
+              <a:buFont typeface="Calibri" panose="020F0502020204030204" pitchFamily="34" charset="0"/>
+              <a:buNone/>
+            </a:pPr>
+            <a:r>
+              <a:rPr lang="en-US" sz="2400" b="1" dirty="0" smtClean="0"/>
+              <a:t>@LlewellynFalco</a:t>
+            </a:r>
+            <a:r>
+              <a:rPr lang="en-US" b="1" dirty="0" smtClean="0"/>
+              <a:t/>
+            </a:r>
+            <a:br>
+              <a:rPr lang="en-US" b="1" dirty="0" smtClean="0"/>
+            </a:br>
+            <a:r>
+              <a:rPr lang="en-US" dirty="0" smtClean="0"/>
+              <a:t>http://</a:t>
+            </a:r>
+            <a:r>
+              <a:rPr lang="en-US" dirty="0" err="1" smtClean="0"/>
+              <a:t>LlewellynFalco.Blogspot.com</a:t>
+            </a:r>
+            <a:endParaRPr lang="en-US" dirty="0"/>
+          </a:p>
+        </p:txBody>
+      </p:sp>
+      <p:pic>
+        <p:nvPicPr>
+          <p:cNvPr id="4" name="Picture 3"/>
+          <p:cNvPicPr>
+            <a:picLocks noChangeAspect="1" noChangeArrowheads="1"/>
+          </p:cNvPicPr>
+          <p:nvPr/>
+        </p:nvPicPr>
+        <p:blipFill>
+          <a:blip r:embed="rId2" cstate="print">
+            <a:extLst>
+              <a:ext uri="{28A0092B-C50C-407E-A947-70E740481C1C}">
+                <a14:useLocalDpi xmlns:a14="http://schemas.microsoft.com/office/drawing/2010/main" val="0"/>
+              </a:ext>
+            </a:extLst>
+          </a:blip>
+          <a:srcRect/>
+          <a:stretch>
+            <a:fillRect/>
+          </a:stretch>
+        </p:blipFill>
+        <p:spPr bwMode="auto">
+          <a:xfrm>
+            <a:off x="9818180" y="4157670"/>
+            <a:ext cx="1959012" cy="1967505"/>
+          </a:xfrm>
+          <a:prstGeom prst="rect">
+            <a:avLst/>
+          </a:prstGeom>
+          <a:noFill/>
+          <a:ln>
+            <a:noFill/>
+          </a:ln>
+          <a:effectLst>
+            <a:glow rad="38100">
+              <a:schemeClr val="bg2">
+                <a:alpha val="40000"/>
+              </a:schemeClr>
+            </a:glow>
+            <a:outerShdw dist="35921" dir="2700000" algn="ctr" rotWithShape="0">
+              <a:schemeClr val="bg2"/>
+            </a:outerShdw>
+            <a:softEdge rad="12700"/>
+          </a:effectLst>
+          <a:extLst>
+            <a:ext uri="{909E8E84-426E-40dd-AFC4-6F175D3DCCD1}">
+              <a14:hiddenFill xmlns:a14="http://schemas.microsoft.com/office/drawing/2010/main" xmlns="">
+                <a:solidFill>
+                  <a:schemeClr val="accent1"/>
+                </a:solidFill>
+              </a14:hiddenFill>
+            </a:ext>
+            <a:ext uri="{91240B29-F687-4f45-9708-019B960494DF}">
+              <a14:hiddenLine xmlns:a14="http://schemas.microsoft.com/office/drawing/2010/main" xmlns="" w="9525">
+                <a:solidFill>
+                  <a:schemeClr val="tx1"/>
+                </a:solidFill>
+                <a:miter lim="800000"/>
+                <a:headEnd/>
+                <a:tailEnd/>
+              </a14:hiddenLine>
+            </a:ext>
+          </a:extLst>
+        </p:spPr>
+      </p:pic>
+      <p:sp>
+        <p:nvSpPr>
+          <p:cNvPr id="5" name="Content Placeholder 1"/>
+          <p:cNvSpPr txBox="1">
+            <a:spLocks/>
+          </p:cNvSpPr>
+          <p:nvPr/>
+        </p:nvSpPr>
+        <p:spPr>
+          <a:xfrm>
+            <a:off x="2828731" y="1308624"/>
+            <a:ext cx="4492022" cy="797535"/>
+          </a:xfrm>
+          <a:prstGeom prst="rect">
+            <a:avLst/>
+          </a:prstGeom>
+        </p:spPr>
+        <p:txBody>
+          <a:bodyPr>
+            <a:normAutofit fontScale="92500" lnSpcReduction="10000"/>
+          </a:bodyPr>
+          <a:lstStyle>
+            <a:lvl1pPr marL="91440" indent="-91440" algn="l" defTabSz="914400" rtl="0" eaLnBrk="1" latinLnBrk="0" hangingPunct="1">
+              <a:lnSpc>
+                <a:spcPct val="90000"/>
+              </a:lnSpc>
+              <a:spcBef>
+                <a:spcPts val="1200"/>
+              </a:spcBef>
+              <a:spcAft>
+                <a:spcPts val="200"/>
+              </a:spcAft>
+              <a:buClr>
+                <a:schemeClr val="accent1"/>
+              </a:buClr>
+              <a:buSzPct val="100000"/>
+              <a:buFont typeface="Calibri" panose="020F0502020204030204" pitchFamily="34" charset="0"/>
+              <a:buChar char=" "/>
+              <a:defRPr sz="2000" kern="1200">
+                <a:solidFill>
+                  <a:schemeClr val="tx1">
+                    <a:lumMod val="75000"/>
+                    <a:lumOff val="25000"/>
+                  </a:schemeClr>
+                </a:solidFill>
+                <a:latin typeface="+mn-lt"/>
+                <a:ea typeface="+mn-ea"/>
+                <a:cs typeface="+mn-cs"/>
+              </a:defRPr>
+            </a:lvl1pPr>
+            <a:lvl2pPr marL="384048" indent="-182880" algn="l" defTabSz="914400" rtl="0" eaLnBrk="1" latinLnBrk="0" hangingPunct="1">
+              <a:lnSpc>
+                <a:spcPct val="90000"/>
+              </a:lnSpc>
+              <a:spcBef>
+                <a:spcPts val="200"/>
+              </a:spcBef>
+              <a:spcAft>
+                <a:spcPts val="400"/>
+              </a:spcAft>
+              <a:buClr>
+                <a:schemeClr val="accent1"/>
+              </a:buClr>
+              <a:buFont typeface="Calibri" pitchFamily="34" charset="0"/>
+              <a:buChar char="◦"/>
+              <a:defRPr sz="1800" kern="1200">
+                <a:solidFill>
+                  <a:schemeClr val="tx1">
+                    <a:lumMod val="75000"/>
+                    <a:lumOff val="25000"/>
+                  </a:schemeClr>
+                </a:solidFill>
+                <a:latin typeface="+mn-lt"/>
+                <a:ea typeface="+mn-ea"/>
+                <a:cs typeface="+mn-cs"/>
+              </a:defRPr>
+            </a:lvl2pPr>
+            <a:lvl3pPr marL="566928" indent="-182880" algn="l" defTabSz="914400" rtl="0" eaLnBrk="1" latinLnBrk="0" hangingPunct="1">
+              <a:lnSpc>
+                <a:spcPct val="90000"/>
+              </a:lnSpc>
+              <a:spcBef>
+                <a:spcPts val="200"/>
+              </a:spcBef>
+              <a:spcAft>
+                <a:spcPts val="400"/>
+              </a:spcAft>
+              <a:buClr>
+                <a:schemeClr val="accent1"/>
+              </a:buClr>
+              <a:buFont typeface="Calibri" pitchFamily="34" charset="0"/>
+              <a:buChar char="◦"/>
+              <a:defRPr sz="1400" kern="1200">
+                <a:solidFill>
+                  <a:schemeClr val="tx1">
+                    <a:lumMod val="75000"/>
+                    <a:lumOff val="25000"/>
+                  </a:schemeClr>
+                </a:solidFill>
+                <a:latin typeface="+mn-lt"/>
+                <a:ea typeface="+mn-ea"/>
+                <a:cs typeface="+mn-cs"/>
+              </a:defRPr>
+            </a:lvl3pPr>
+            <a:lvl4pPr marL="749808" indent="-182880" algn="l" defTabSz="914400" rtl="0" eaLnBrk="1" latinLnBrk="0" hangingPunct="1">
+              <a:lnSpc>
+                <a:spcPct val="90000"/>
+              </a:lnSpc>
+              <a:spcBef>
+                <a:spcPts val="200"/>
+              </a:spcBef>
+              <a:spcAft>
+                <a:spcPts val="400"/>
+              </a:spcAft>
+              <a:buClr>
+                <a:schemeClr val="accent1"/>
+              </a:buClr>
+              <a:buFont typeface="Calibri" pitchFamily="34" charset="0"/>
+              <a:buChar char="◦"/>
+              <a:defRPr sz="1400" kern="1200">
+                <a:solidFill>
+                  <a:schemeClr val="tx1">
+                    <a:lumMod val="75000"/>
+                    <a:lumOff val="25000"/>
+                  </a:schemeClr>
+                </a:solidFill>
+                <a:latin typeface="+mn-lt"/>
+                <a:ea typeface="+mn-ea"/>
+                <a:cs typeface="+mn-cs"/>
+              </a:defRPr>
+            </a:lvl4pPr>
+            <a:lvl5pPr marL="932688" indent="-182880" algn="l" defTabSz="914400" rtl="0" eaLnBrk="1" latinLnBrk="0" hangingPunct="1">
+              <a:lnSpc>
+                <a:spcPct val="90000"/>
+              </a:lnSpc>
+              <a:spcBef>
+                <a:spcPts val="200"/>
+              </a:spcBef>
+              <a:spcAft>
+                <a:spcPts val="400"/>
+              </a:spcAft>
+              <a:buClr>
+                <a:schemeClr val="accent1"/>
+              </a:buClr>
+              <a:buFont typeface="Calibri" pitchFamily="34" charset="0"/>
+              <a:buChar char="◦"/>
+              <a:defRPr sz="1400" kern="1200">
+                <a:solidFill>
+                  <a:schemeClr val="tx1">
+                    <a:lumMod val="75000"/>
+                    <a:lumOff val="25000"/>
+                  </a:schemeClr>
+                </a:solidFill>
+                <a:latin typeface="+mn-lt"/>
+                <a:ea typeface="+mn-ea"/>
+                <a:cs typeface="+mn-cs"/>
+              </a:defRPr>
+            </a:lvl5pPr>
+            <a:lvl6pPr marL="1100000" indent="-228600" algn="l" defTabSz="914400" rtl="0" eaLnBrk="1" latinLnBrk="0" hangingPunct="1">
+              <a:lnSpc>
+                <a:spcPct val="90000"/>
+              </a:lnSpc>
+              <a:spcBef>
+                <a:spcPts val="200"/>
+              </a:spcBef>
+              <a:spcAft>
+                <a:spcPts val="400"/>
+              </a:spcAft>
+              <a:buClr>
+                <a:schemeClr val="accent1"/>
+              </a:buClr>
+              <a:buFont typeface="Calibri" pitchFamily="34" charset="0"/>
+              <a:buChar char="◦"/>
+              <a:defRPr sz="1400" kern="1200">
+                <a:solidFill>
+                  <a:schemeClr val="tx1">
+                    <a:lumMod val="75000"/>
+                    <a:lumOff val="25000"/>
+                  </a:schemeClr>
+                </a:solidFill>
+                <a:latin typeface="+mn-lt"/>
+                <a:ea typeface="+mn-ea"/>
+                <a:cs typeface="+mn-cs"/>
+              </a:defRPr>
+            </a:lvl6pPr>
+            <a:lvl7pPr marL="1300000" indent="-228600" algn="l" defTabSz="914400" rtl="0" eaLnBrk="1" latinLnBrk="0" hangingPunct="1">
+              <a:lnSpc>
+                <a:spcPct val="90000"/>
+              </a:lnSpc>
+              <a:spcBef>
+                <a:spcPts val="200"/>
+              </a:spcBef>
+              <a:spcAft>
+                <a:spcPts val="400"/>
+              </a:spcAft>
+              <a:buClr>
+                <a:schemeClr val="accent1"/>
+              </a:buClr>
+              <a:buFont typeface="Calibri" pitchFamily="34" charset="0"/>
+              <a:buChar char="◦"/>
+              <a:defRPr sz="1400" kern="1200">
+                <a:solidFill>
+                  <a:schemeClr val="tx1">
+                    <a:lumMod val="75000"/>
+                    <a:lumOff val="25000"/>
+                  </a:schemeClr>
+                </a:solidFill>
+                <a:latin typeface="+mn-lt"/>
+                <a:ea typeface="+mn-ea"/>
+                <a:cs typeface="+mn-cs"/>
+              </a:defRPr>
+            </a:lvl7pPr>
+            <a:lvl8pPr marL="1500000" indent="-228600" algn="l" defTabSz="914400" rtl="0" eaLnBrk="1" latinLnBrk="0" hangingPunct="1">
+              <a:lnSpc>
+                <a:spcPct val="90000"/>
+              </a:lnSpc>
+              <a:spcBef>
+                <a:spcPts val="200"/>
+              </a:spcBef>
+              <a:spcAft>
+                <a:spcPts val="400"/>
+              </a:spcAft>
+              <a:buClr>
+                <a:schemeClr val="accent1"/>
+              </a:buClr>
+              <a:buFont typeface="Calibri" pitchFamily="34" charset="0"/>
+              <a:buChar char="◦"/>
+              <a:defRPr sz="1400" kern="1200">
+                <a:solidFill>
+                  <a:schemeClr val="tx1">
+                    <a:lumMod val="75000"/>
+                    <a:lumOff val="25000"/>
+                  </a:schemeClr>
+                </a:solidFill>
+                <a:latin typeface="+mn-lt"/>
+                <a:ea typeface="+mn-ea"/>
+                <a:cs typeface="+mn-cs"/>
+              </a:defRPr>
+            </a:lvl8pPr>
+            <a:lvl9pPr marL="1700000" indent="-228600" algn="l" defTabSz="914400" rtl="0" eaLnBrk="1" latinLnBrk="0" hangingPunct="1">
+              <a:lnSpc>
+                <a:spcPct val="90000"/>
+              </a:lnSpc>
+              <a:spcBef>
+                <a:spcPts val="200"/>
+              </a:spcBef>
+              <a:spcAft>
+                <a:spcPts val="400"/>
+              </a:spcAft>
+              <a:buClr>
+                <a:schemeClr val="accent1"/>
+              </a:buClr>
+              <a:buFont typeface="Calibri" pitchFamily="34" charset="0"/>
+              <a:buChar char="◦"/>
+              <a:defRPr sz="1400" kern="1200">
+                <a:solidFill>
+                  <a:schemeClr val="tx1">
+                    <a:lumMod val="75000"/>
+                    <a:lumOff val="25000"/>
+                  </a:schemeClr>
+                </a:solidFill>
+                <a:latin typeface="+mn-lt"/>
+                <a:ea typeface="+mn-ea"/>
+                <a:cs typeface="+mn-cs"/>
+              </a:defRPr>
+            </a:lvl9pPr>
+          </a:lstStyle>
+          <a:p>
+            <a:pPr>
+              <a:buFont typeface="Calibri" panose="020F0502020204030204" pitchFamily="34" charset="0"/>
+              <a:buNone/>
+            </a:pPr>
+            <a:r>
+              <a:rPr lang="en-US" sz="2400" b="1" dirty="0" smtClean="0"/>
+              <a:t>@</a:t>
+            </a:r>
+            <a:r>
+              <a:rPr lang="en-US" sz="2400" b="1" dirty="0" err="1" smtClean="0"/>
+              <a:t>JamesRCounts</a:t>
+            </a:r>
+            <a:endParaRPr lang="en-US" sz="2400" b="1" dirty="0" smtClean="0"/>
+          </a:p>
+          <a:p>
+            <a:pPr>
+              <a:buNone/>
+            </a:pPr>
+            <a:r>
+              <a:rPr lang="en-US" dirty="0" smtClean="0"/>
+              <a:t>http</a:t>
+            </a:r>
+            <a:r>
+              <a:rPr lang="en-US" dirty="0"/>
+              <a:t>:/</a:t>
+            </a:r>
+            <a:r>
+              <a:rPr lang="en-US" dirty="0" smtClean="0"/>
+              <a:t>/</a:t>
+            </a:r>
+            <a:r>
+              <a:rPr lang="en-US" dirty="0" err="1" smtClean="0"/>
+              <a:t>IHadThisIdeaOnce.com</a:t>
+            </a:r>
+            <a:endParaRPr lang="en-US" dirty="0"/>
+          </a:p>
+        </p:txBody>
+      </p:sp>
+      <p:pic>
+        <p:nvPicPr>
+          <p:cNvPr id="7" name="Picture 6" descr="Screen Shot 2014-06-25 at 11.06.09 PM.png"/>
+          <p:cNvPicPr>
+            <a:picLocks noChangeAspect="1"/>
+          </p:cNvPicPr>
+          <p:nvPr/>
+        </p:nvPicPr>
+        <p:blipFill>
+          <a:blip r:embed="rId3">
+            <a:extLst>
+              <a:ext uri="{28A0092B-C50C-407E-A947-70E740481C1C}">
+                <a14:useLocalDpi xmlns:a14="http://schemas.microsoft.com/office/drawing/2010/main" val="0"/>
+              </a:ext>
+            </a:extLst>
+          </a:blip>
+          <a:stretch>
+            <a:fillRect/>
+          </a:stretch>
+        </p:blipFill>
+        <p:spPr>
+          <a:xfrm>
+            <a:off x="901920" y="1294365"/>
+            <a:ext cx="1907298" cy="1904916"/>
+          </a:xfrm>
+          <a:prstGeom prst="rect">
+            <a:avLst/>
+          </a:prstGeom>
+          <a:noFill/>
+          <a:ln>
+            <a:noFill/>
+          </a:ln>
+          <a:effectLst>
+            <a:glow rad="38100">
+              <a:schemeClr val="bg2">
+                <a:alpha val="40000"/>
+              </a:schemeClr>
+            </a:glow>
+            <a:outerShdw dist="35921" dir="2700000" algn="ctr" rotWithShape="0">
+              <a:schemeClr val="bg2"/>
+            </a:outerShdw>
+            <a:softEdge rad="12700"/>
+          </a:effectLst>
+        </p:spPr>
+      </p:pic>
+    </p:spTree>
+    <p:extLst>
+      <p:ext uri="{BB962C8B-B14F-4D97-AF65-F5344CB8AC3E}">
+        <p14:creationId xmlns:p14="http://schemas.microsoft.com/office/powerpoint/2010/main" val="1793752400"/>
+      </p:ext>
+    </p:extLst>
+  </p:cSld>
+  <p:clrMapOvr>
+    <a:masterClrMapping/>
+  </p:clrMapOvr>
+  <p:timing>
+    <p:tnLst>
+      <p:par>
+        <p:cTn id="1" dur="indefinite" restart="never" nodeType="tmRoot"/>
+      </p:par>
+    </p:tnLst>
+  </p:timing>
 </p:sld>
 </file>
 
@@ -20577,7 +20742,7 @@
   <p:timing>
     <p:tnLst>
       <p:par>
-        <p:cTn xmlns:p14="http://schemas.microsoft.com/office/powerpoint/2010/main" id="1" dur="indefinite" restart="never" nodeType="tmRoot">
+        <p:cTn id="1" dur="indefinite" restart="never" nodeType="tmRoot">
           <p:childTnLst>
             <p:seq concurrent="1" nextAc="seek">
               <p:cTn id="2" dur="indefinite" nodeType="mainSeq">
@@ -20702,7 +20867,7 @@
 </file>
 
 <file path=ppt/slides/slide40.xml><?xml version="1.0" encoding="utf-8"?>
-<p:sld xmlns:a="http://schemas.openxmlformats.org/drawingml/2006/main" xmlns:r="http://schemas.openxmlformats.org/officeDocument/2006/relationships" xmlns:p="http://schemas.openxmlformats.org/presentationml/2006/main">
+<p:sld xmlns:a="http://schemas.openxmlformats.org/drawingml/2006/main" xmlns:r="http://schemas.openxmlformats.org/officeDocument/2006/relationships" xmlns:p="http://schemas.openxmlformats.org/presentationml/2006/main" show="0">
   <p:cSld>
     <p:spTree>
       <p:nvGrpSpPr>
@@ -20720,7 +20885,108 @@
       </p:grpSpPr>
       <p:sp>
         <p:nvSpPr>
-          <p:cNvPr id="2" name="Title 2"/>
+          <p:cNvPr id="2" name="Title 1"/>
+          <p:cNvSpPr>
+            <a:spLocks noGrp="1"/>
+          </p:cNvSpPr>
+          <p:nvPr>
+            <p:ph type="title" idx="4294967295"/>
+          </p:nvPr>
+        </p:nvSpPr>
+        <p:spPr>
+          <a:xfrm>
+            <a:off x="1097280" y="264188"/>
+            <a:ext cx="10058400" cy="1025525"/>
+          </a:xfrm>
+        </p:spPr>
+        <p:txBody>
+          <a:bodyPr>
+            <a:normAutofit/>
+          </a:bodyPr>
+          <a:lstStyle/>
+          <a:p>
+            <a:r>
+              <a:rPr lang="en-US" sz="3600" dirty="0" smtClean="0"/>
+              <a:t>This exception proves the rule…</a:t>
+            </a:r>
+            <a:endParaRPr lang="en-US" sz="3600" dirty="0"/>
+          </a:p>
+        </p:txBody>
+      </p:sp>
+      <p:sp>
+        <p:nvSpPr>
+          <p:cNvPr id="3" name="Content Placeholder 2"/>
+          <p:cNvSpPr>
+            <a:spLocks noGrp="1"/>
+          </p:cNvSpPr>
+          <p:nvPr>
+            <p:ph idx="4294967295"/>
+          </p:nvPr>
+        </p:nvSpPr>
+        <p:spPr>
+          <a:xfrm>
+            <a:off x="1097280" y="1414804"/>
+            <a:ext cx="10058400" cy="4024313"/>
+          </a:xfrm>
+        </p:spPr>
+        <p:txBody>
+          <a:bodyPr anchor="ctr">
+            <a:normAutofit/>
+          </a:bodyPr>
+          <a:lstStyle/>
+          <a:p>
+            <a:pPr algn="ctr"/>
+            <a:r>
+              <a:rPr lang="en-US" sz="4800" i="1" spc="-50" dirty="0">
+                <a:latin typeface="+mj-lt"/>
+                <a:ea typeface="+mj-ea"/>
+                <a:cs typeface="+mj-cs"/>
+              </a:rPr>
+              <a:t>“Give example code </a:t>
+            </a:r>
+            <a:endParaRPr lang="en-US" sz="4800" i="1" spc="-50" dirty="0" smtClean="0">
+              <a:latin typeface="+mj-lt"/>
+              <a:ea typeface="+mj-ea"/>
+              <a:cs typeface="+mj-cs"/>
+            </a:endParaRPr>
+          </a:p>
+          <a:p>
+            <a:pPr algn="ctr"/>
+            <a:r>
+              <a:rPr lang="en-US" sz="4800" i="1" spc="-50" dirty="0" smtClean="0">
+                <a:latin typeface="+mj-lt"/>
+                <a:ea typeface="+mj-ea"/>
+                <a:cs typeface="+mj-cs"/>
+              </a:rPr>
+              <a:t>for </a:t>
+            </a:r>
+            <a:r>
+              <a:rPr lang="en-US" sz="4800" i="1" spc="-50" dirty="0">
+                <a:latin typeface="+mj-lt"/>
+                <a:ea typeface="+mj-ea"/>
+                <a:cs typeface="+mj-cs"/>
+              </a:rPr>
+              <a:t>any setup </a:t>
+            </a:r>
+            <a:r>
+              <a:rPr lang="en-US" sz="4800" i="1" spc="-50" dirty="0" smtClean="0">
+                <a:latin typeface="+mj-lt"/>
+                <a:ea typeface="+mj-ea"/>
+                <a:cs typeface="+mj-cs"/>
+              </a:rPr>
+              <a:t>needed”</a:t>
+            </a:r>
+            <a:endParaRPr lang="en-US" sz="4800" i="1" spc="-50" dirty="0">
+              <a:latin typeface="+mj-lt"/>
+              <a:ea typeface="+mj-ea"/>
+              <a:cs typeface="+mj-cs"/>
+            </a:endParaRPr>
+          </a:p>
+        </p:txBody>
+      </p:sp>
+      <p:sp>
+        <p:nvSpPr>
+          <p:cNvPr id="4" name="Title 1"/>
           <p:cNvSpPr txBox="1">
             <a:spLocks/>
           </p:cNvSpPr>
@@ -20728,15 +20994,15 @@
         </p:nvSpPr>
         <p:spPr>
           <a:xfrm>
-            <a:off x="620903" y="514350"/>
-            <a:ext cx="7772400" cy="827742"/>
+            <a:off x="1097280" y="5234030"/>
+            <a:ext cx="10058400" cy="1025730"/>
           </a:xfrm>
           <a:prstGeom prst="rect">
             <a:avLst/>
           </a:prstGeom>
         </p:spPr>
         <p:txBody>
-          <a:bodyPr>
+          <a:bodyPr vert="horz" lIns="91440" tIns="45720" rIns="91440" bIns="45720" rtlCol="0" anchor="b">
             <a:normAutofit/>
           </a:bodyPr>
           <a:lstStyle>
@@ -20762,17 +21028,132 @@
             </a:lvl1pPr>
           </a:lstStyle>
           <a:p>
-            <a:r>
-              <a:rPr lang="en-US" smtClean="0"/>
-              <a:t>Contact Information</a:t>
-            </a:r>
-            <a:endParaRPr lang="en-US" dirty="0"/>
+            <a:pPr algn="r"/>
+            <a:r>
+              <a:rPr lang="en-US" sz="3600" dirty="0" smtClean="0"/>
+              <a:t>…to give the confused coder some guidance</a:t>
+            </a:r>
+            <a:endParaRPr lang="en-US" sz="3600" dirty="0"/>
+          </a:p>
+        </p:txBody>
+      </p:sp>
+    </p:spTree>
+    <p:extLst>
+      <p:ext uri="{BB962C8B-B14F-4D97-AF65-F5344CB8AC3E}">
+        <p14:creationId xmlns:p14="http://schemas.microsoft.com/office/powerpoint/2010/main" val="416516849"/>
+      </p:ext>
+    </p:extLst>
+  </p:cSld>
+  <p:clrMapOvr>
+    <a:masterClrMapping/>
+  </p:clrMapOvr>
+  <mc:AlternateContent xmlns:mc="http://schemas.openxmlformats.org/markup-compatibility/2006">
+    <mc:Choice xmlns:p14="http://schemas.microsoft.com/office/powerpoint/2010/main" Requires="p14">
+      <p:transition spd="slow" p14:dur="2000"/>
+    </mc:Choice>
+    <mc:Fallback>
+      <p:transition spd="slow"/>
+    </mc:Fallback>
+  </mc:AlternateContent>
+  <p:timing>
+    <p:tnLst>
+      <p:par>
+        <p:cTn id="1" dur="indefinite" restart="never" nodeType="tmRoot"/>
+      </p:par>
+    </p:tnLst>
+  </p:timing>
+</p:sld>
+</file>
+
+<file path=ppt/slides/slide41.xml><?xml version="1.0" encoding="utf-8"?>
+<p:sld xmlns:a="http://schemas.openxmlformats.org/drawingml/2006/main" xmlns:r="http://schemas.openxmlformats.org/officeDocument/2006/relationships" xmlns:p="http://schemas.openxmlformats.org/presentationml/2006/main" show="0">
+  <p:cSld>
+    <p:spTree>
+      <p:nvGrpSpPr>
+        <p:cNvPr id="1" name=""/>
+        <p:cNvGrpSpPr/>
+        <p:nvPr/>
+      </p:nvGrpSpPr>
+      <p:grpSpPr>
+        <a:xfrm>
+          <a:off x="0" y="0"/>
+          <a:ext cx="0" cy="0"/>
+          <a:chOff x="0" y="0"/>
+          <a:chExt cx="0" cy="0"/>
+        </a:xfrm>
+      </p:grpSpPr>
+      <p:sp>
+        <p:nvSpPr>
+          <p:cNvPr id="2" name="Title 1"/>
+          <p:cNvSpPr>
+            <a:spLocks noGrp="1"/>
+          </p:cNvSpPr>
+          <p:nvPr>
+            <p:ph type="title" idx="4294967295"/>
+          </p:nvPr>
+        </p:nvSpPr>
+        <p:spPr>
+          <a:xfrm>
+            <a:off x="1097280" y="264188"/>
+            <a:ext cx="10058400" cy="1025525"/>
+          </a:xfrm>
+        </p:spPr>
+        <p:txBody>
+          <a:bodyPr>
+            <a:normAutofit/>
+          </a:bodyPr>
+          <a:lstStyle/>
+          <a:p>
+            <a:r>
+              <a:rPr lang="en-US" sz="3600" dirty="0" smtClean="0"/>
+              <a:t>This exception proves the rule…</a:t>
+            </a:r>
+            <a:endParaRPr lang="en-US" sz="3600" dirty="0"/>
           </a:p>
         </p:txBody>
       </p:sp>
       <p:sp>
         <p:nvSpPr>
-          <p:cNvPr id="3" name="Content Placeholder 1"/>
+          <p:cNvPr id="3" name="Content Placeholder 2"/>
+          <p:cNvSpPr>
+            <a:spLocks noGrp="1"/>
+          </p:cNvSpPr>
+          <p:nvPr>
+            <p:ph idx="4294967295"/>
+          </p:nvPr>
+        </p:nvSpPr>
+        <p:spPr>
+          <a:xfrm>
+            <a:off x="1097280" y="1414804"/>
+            <a:ext cx="10058400" cy="4024313"/>
+          </a:xfrm>
+        </p:spPr>
+        <p:txBody>
+          <a:bodyPr anchor="ctr">
+            <a:normAutofit/>
+          </a:bodyPr>
+          <a:lstStyle/>
+          <a:p>
+            <a:pPr algn="ctr"/>
+            <a:r>
+              <a:rPr lang="en-US" sz="4800" i="1" spc="-50" dirty="0" smtClean="0">
+                <a:latin typeface="+mj-lt"/>
+                <a:ea typeface="+mj-ea"/>
+                <a:cs typeface="+mj-cs"/>
+              </a:rPr>
+              <a:t>“Point to online documentation”</a:t>
+            </a:r>
+            <a:endParaRPr lang="en-US" sz="4800" i="1" spc="-50" dirty="0">
+              <a:latin typeface="+mj-lt"/>
+              <a:ea typeface="+mj-ea"/>
+              <a:cs typeface="+mj-cs"/>
+            </a:endParaRPr>
+          </a:p>
+        </p:txBody>
+      </p:sp>
+      <p:sp>
+        <p:nvSpPr>
+          <p:cNvPr id="4" name="Title 1"/>
           <p:cNvSpPr txBox="1">
             <a:spLocks/>
           </p:cNvSpPr>
@@ -20780,717 +21161,74 @@
         </p:nvSpPr>
         <p:spPr>
           <a:xfrm>
-            <a:off x="5216395" y="5320174"/>
-            <a:ext cx="4492022" cy="797535"/>
+            <a:off x="1097280" y="5234030"/>
+            <a:ext cx="10058400" cy="1025730"/>
           </a:xfrm>
           <a:prstGeom prst="rect">
             <a:avLst/>
           </a:prstGeom>
         </p:spPr>
         <p:txBody>
-          <a:bodyPr>
+          <a:bodyPr vert="horz" lIns="91440" tIns="45720" rIns="91440" bIns="45720" rtlCol="0" anchor="b">
             <a:normAutofit/>
           </a:bodyPr>
           <a:lstStyle>
-            <a:lvl1pPr marL="91440" indent="-91440" algn="l" defTabSz="914400" rtl="0" eaLnBrk="1" latinLnBrk="0" hangingPunct="1">
+            <a:lvl1pPr algn="l" defTabSz="914400" rtl="0" eaLnBrk="1" latinLnBrk="0" hangingPunct="1">
               <a:lnSpc>
-                <a:spcPct val="90000"/>
+                <a:spcPct val="85000"/>
               </a:lnSpc>
               <a:spcBef>
-                <a:spcPts val="1200"/>
+                <a:spcPct val="0"/>
               </a:spcBef>
-              <a:spcAft>
-                <a:spcPts val="200"/>
-              </a:spcAft>
-              <a:buClr>
-                <a:schemeClr val="accent1"/>
-              </a:buClr>
-              <a:buSzPct val="100000"/>
-              <a:buFont typeface="Calibri" panose="020F0502020204030204" pitchFamily="34" charset="0"/>
-              <a:buChar char=" "/>
-              <a:defRPr sz="2000" kern="1200">
+              <a:buNone/>
+              <a:defRPr sz="4800" kern="1200" spc="-50" baseline="0">
                 <a:solidFill>
                   <a:schemeClr val="tx1">
                     <a:lumMod val="75000"/>
                     <a:lumOff val="25000"/>
                   </a:schemeClr>
                 </a:solidFill>
-                <a:latin typeface="+mn-lt"/>
-                <a:ea typeface="+mn-ea"/>
-                <a:cs typeface="+mn-cs"/>
+                <a:latin typeface="+mj-lt"/>
+                <a:ea typeface="+mj-ea"/>
+                <a:cs typeface="+mj-cs"/>
               </a:defRPr>
             </a:lvl1pPr>
-            <a:lvl2pPr marL="384048" indent="-182880" algn="l" defTabSz="914400" rtl="0" eaLnBrk="1" latinLnBrk="0" hangingPunct="1">
-              <a:lnSpc>
-                <a:spcPct val="90000"/>
-              </a:lnSpc>
-              <a:spcBef>
-                <a:spcPts val="200"/>
-              </a:spcBef>
-              <a:spcAft>
-                <a:spcPts val="400"/>
-              </a:spcAft>
-              <a:buClr>
-                <a:schemeClr val="accent1"/>
-              </a:buClr>
-              <a:buFont typeface="Calibri" pitchFamily="34" charset="0"/>
-              <a:buChar char="◦"/>
-              <a:defRPr sz="1800" kern="1200">
-                <a:solidFill>
-                  <a:schemeClr val="tx1">
-                    <a:lumMod val="75000"/>
-                    <a:lumOff val="25000"/>
-                  </a:schemeClr>
-                </a:solidFill>
-                <a:latin typeface="+mn-lt"/>
-                <a:ea typeface="+mn-ea"/>
-                <a:cs typeface="+mn-cs"/>
-              </a:defRPr>
-            </a:lvl2pPr>
-            <a:lvl3pPr marL="566928" indent="-182880" algn="l" defTabSz="914400" rtl="0" eaLnBrk="1" latinLnBrk="0" hangingPunct="1">
-              <a:lnSpc>
-                <a:spcPct val="90000"/>
-              </a:lnSpc>
-              <a:spcBef>
-                <a:spcPts val="200"/>
-              </a:spcBef>
-              <a:spcAft>
-                <a:spcPts val="400"/>
-              </a:spcAft>
-              <a:buClr>
-                <a:schemeClr val="accent1"/>
-              </a:buClr>
-              <a:buFont typeface="Calibri" pitchFamily="34" charset="0"/>
-              <a:buChar char="◦"/>
-              <a:defRPr sz="1400" kern="1200">
-                <a:solidFill>
-                  <a:schemeClr val="tx1">
-                    <a:lumMod val="75000"/>
-                    <a:lumOff val="25000"/>
-                  </a:schemeClr>
-                </a:solidFill>
-                <a:latin typeface="+mn-lt"/>
-                <a:ea typeface="+mn-ea"/>
-                <a:cs typeface="+mn-cs"/>
-              </a:defRPr>
-            </a:lvl3pPr>
-            <a:lvl4pPr marL="749808" indent="-182880" algn="l" defTabSz="914400" rtl="0" eaLnBrk="1" latinLnBrk="0" hangingPunct="1">
-              <a:lnSpc>
-                <a:spcPct val="90000"/>
-              </a:lnSpc>
-              <a:spcBef>
-                <a:spcPts val="200"/>
-              </a:spcBef>
-              <a:spcAft>
-                <a:spcPts val="400"/>
-              </a:spcAft>
-              <a:buClr>
-                <a:schemeClr val="accent1"/>
-              </a:buClr>
-              <a:buFont typeface="Calibri" pitchFamily="34" charset="0"/>
-              <a:buChar char="◦"/>
-              <a:defRPr sz="1400" kern="1200">
-                <a:solidFill>
-                  <a:schemeClr val="tx1">
-                    <a:lumMod val="75000"/>
-                    <a:lumOff val="25000"/>
-                  </a:schemeClr>
-                </a:solidFill>
-                <a:latin typeface="+mn-lt"/>
-                <a:ea typeface="+mn-ea"/>
-                <a:cs typeface="+mn-cs"/>
-              </a:defRPr>
-            </a:lvl4pPr>
-            <a:lvl5pPr marL="932688" indent="-182880" algn="l" defTabSz="914400" rtl="0" eaLnBrk="1" latinLnBrk="0" hangingPunct="1">
-              <a:lnSpc>
-                <a:spcPct val="90000"/>
-              </a:lnSpc>
-              <a:spcBef>
-                <a:spcPts val="200"/>
-              </a:spcBef>
-              <a:spcAft>
-                <a:spcPts val="400"/>
-              </a:spcAft>
-              <a:buClr>
-                <a:schemeClr val="accent1"/>
-              </a:buClr>
-              <a:buFont typeface="Calibri" pitchFamily="34" charset="0"/>
-              <a:buChar char="◦"/>
-              <a:defRPr sz="1400" kern="1200">
-                <a:solidFill>
-                  <a:schemeClr val="tx1">
-                    <a:lumMod val="75000"/>
-                    <a:lumOff val="25000"/>
-                  </a:schemeClr>
-                </a:solidFill>
-                <a:latin typeface="+mn-lt"/>
-                <a:ea typeface="+mn-ea"/>
-                <a:cs typeface="+mn-cs"/>
-              </a:defRPr>
-            </a:lvl5pPr>
-            <a:lvl6pPr marL="1100000" indent="-228600" algn="l" defTabSz="914400" rtl="0" eaLnBrk="1" latinLnBrk="0" hangingPunct="1">
-              <a:lnSpc>
-                <a:spcPct val="90000"/>
-              </a:lnSpc>
-              <a:spcBef>
-                <a:spcPts val="200"/>
-              </a:spcBef>
-              <a:spcAft>
-                <a:spcPts val="400"/>
-              </a:spcAft>
-              <a:buClr>
-                <a:schemeClr val="accent1"/>
-              </a:buClr>
-              <a:buFont typeface="Calibri" pitchFamily="34" charset="0"/>
-              <a:buChar char="◦"/>
-              <a:defRPr sz="1400" kern="1200">
-                <a:solidFill>
-                  <a:schemeClr val="tx1">
-                    <a:lumMod val="75000"/>
-                    <a:lumOff val="25000"/>
-                  </a:schemeClr>
-                </a:solidFill>
-                <a:latin typeface="+mn-lt"/>
-                <a:ea typeface="+mn-ea"/>
-                <a:cs typeface="+mn-cs"/>
-              </a:defRPr>
-            </a:lvl6pPr>
-            <a:lvl7pPr marL="1300000" indent="-228600" algn="l" defTabSz="914400" rtl="0" eaLnBrk="1" latinLnBrk="0" hangingPunct="1">
-              <a:lnSpc>
-                <a:spcPct val="90000"/>
-              </a:lnSpc>
-              <a:spcBef>
-                <a:spcPts val="200"/>
-              </a:spcBef>
-              <a:spcAft>
-                <a:spcPts val="400"/>
-              </a:spcAft>
-              <a:buClr>
-                <a:schemeClr val="accent1"/>
-              </a:buClr>
-              <a:buFont typeface="Calibri" pitchFamily="34" charset="0"/>
-              <a:buChar char="◦"/>
-              <a:defRPr sz="1400" kern="1200">
-                <a:solidFill>
-                  <a:schemeClr val="tx1">
-                    <a:lumMod val="75000"/>
-                    <a:lumOff val="25000"/>
-                  </a:schemeClr>
-                </a:solidFill>
-                <a:latin typeface="+mn-lt"/>
-                <a:ea typeface="+mn-ea"/>
-                <a:cs typeface="+mn-cs"/>
-              </a:defRPr>
-            </a:lvl7pPr>
-            <a:lvl8pPr marL="1500000" indent="-228600" algn="l" defTabSz="914400" rtl="0" eaLnBrk="1" latinLnBrk="0" hangingPunct="1">
-              <a:lnSpc>
-                <a:spcPct val="90000"/>
-              </a:lnSpc>
-              <a:spcBef>
-                <a:spcPts val="200"/>
-              </a:spcBef>
-              <a:spcAft>
-                <a:spcPts val="400"/>
-              </a:spcAft>
-              <a:buClr>
-                <a:schemeClr val="accent1"/>
-              </a:buClr>
-              <a:buFont typeface="Calibri" pitchFamily="34" charset="0"/>
-              <a:buChar char="◦"/>
-              <a:defRPr sz="1400" kern="1200">
-                <a:solidFill>
-                  <a:schemeClr val="tx1">
-                    <a:lumMod val="75000"/>
-                    <a:lumOff val="25000"/>
-                  </a:schemeClr>
-                </a:solidFill>
-                <a:latin typeface="+mn-lt"/>
-                <a:ea typeface="+mn-ea"/>
-                <a:cs typeface="+mn-cs"/>
-              </a:defRPr>
-            </a:lvl8pPr>
-            <a:lvl9pPr marL="1700000" indent="-228600" algn="l" defTabSz="914400" rtl="0" eaLnBrk="1" latinLnBrk="0" hangingPunct="1">
-              <a:lnSpc>
-                <a:spcPct val="90000"/>
-              </a:lnSpc>
-              <a:spcBef>
-                <a:spcPts val="200"/>
-              </a:spcBef>
-              <a:spcAft>
-                <a:spcPts val="400"/>
-              </a:spcAft>
-              <a:buClr>
-                <a:schemeClr val="accent1"/>
-              </a:buClr>
-              <a:buFont typeface="Calibri" pitchFamily="34" charset="0"/>
-              <a:buChar char="◦"/>
-              <a:defRPr sz="1400" kern="1200">
-                <a:solidFill>
-                  <a:schemeClr val="tx1">
-                    <a:lumMod val="75000"/>
-                    <a:lumOff val="25000"/>
-                  </a:schemeClr>
-                </a:solidFill>
-                <a:latin typeface="+mn-lt"/>
-                <a:ea typeface="+mn-ea"/>
-                <a:cs typeface="+mn-cs"/>
-              </a:defRPr>
-            </a:lvl9pPr>
           </a:lstStyle>
           <a:p>
-            <a:pPr algn="r">
-              <a:buFont typeface="Calibri" panose="020F0502020204030204" pitchFamily="34" charset="0"/>
-              <a:buNone/>
-            </a:pPr>
-            <a:r>
-              <a:rPr lang="en-US" sz="2400" b="1" dirty="0" smtClean="0"/>
-              <a:t>@LlewellynFalco</a:t>
-            </a:r>
-            <a:r>
-              <a:rPr lang="en-US" b="1" dirty="0" smtClean="0"/>
-              <a:t/>
-            </a:r>
-            <a:br>
-              <a:rPr lang="en-US" b="1" dirty="0" smtClean="0"/>
-            </a:br>
-            <a:r>
-              <a:rPr lang="en-US" dirty="0" smtClean="0"/>
-              <a:t>http://</a:t>
-            </a:r>
-            <a:r>
-              <a:rPr lang="en-US" dirty="0" err="1" smtClean="0"/>
-              <a:t>LlewellynFalco.Blogspot.com</a:t>
-            </a:r>
-            <a:endParaRPr lang="en-US" dirty="0"/>
+            <a:pPr algn="r"/>
+            <a:r>
+              <a:rPr lang="en-US" sz="3600" dirty="0" smtClean="0"/>
+              <a:t>…to give the confused coder some guidance</a:t>
+            </a:r>
+            <a:endParaRPr lang="en-US" sz="3600" dirty="0"/>
           </a:p>
         </p:txBody>
       </p:sp>
-      <p:pic>
-        <p:nvPicPr>
-          <p:cNvPr id="4" name="Picture 3"/>
-          <p:cNvPicPr>
-            <a:picLocks noChangeAspect="1" noChangeArrowheads="1"/>
-          </p:cNvPicPr>
-          <p:nvPr/>
-        </p:nvPicPr>
-        <p:blipFill>
-          <a:blip r:embed="rId2" cstate="print">
-            <a:extLst>
-              <a:ext uri="{28A0092B-C50C-407E-A947-70E740481C1C}">
-                <a14:useLocalDpi xmlns:a14="http://schemas.microsoft.com/office/drawing/2010/main" val="0"/>
-              </a:ext>
-            </a:extLst>
-          </a:blip>
-          <a:srcRect/>
-          <a:stretch>
-            <a:fillRect/>
-          </a:stretch>
-        </p:blipFill>
-        <p:spPr bwMode="auto">
-          <a:xfrm>
-            <a:off x="9818180" y="4157670"/>
-            <a:ext cx="1959012" cy="1967505"/>
-          </a:xfrm>
-          <a:prstGeom prst="rect">
-            <a:avLst/>
-          </a:prstGeom>
-          <a:noFill/>
-          <a:ln>
-            <a:noFill/>
-          </a:ln>
-          <a:effectLst>
-            <a:glow rad="38100">
-              <a:schemeClr val="bg2">
-                <a:alpha val="40000"/>
-              </a:schemeClr>
-            </a:glow>
-            <a:outerShdw dist="35921" dir="2700000" algn="ctr" rotWithShape="0">
-              <a:schemeClr val="bg2"/>
-            </a:outerShdw>
-            <a:softEdge rad="12700"/>
-          </a:effectLst>
-          <a:extLst>
-            <a:ext uri="{909E8E84-426E-40dd-AFC4-6F175D3DCCD1}">
-              <a14:hiddenFill xmlns:a14="http://schemas.microsoft.com/office/drawing/2010/main">
-                <a:solidFill>
-                  <a:schemeClr val="accent1"/>
-                </a:solidFill>
-              </a14:hiddenFill>
-            </a:ext>
-            <a:ext uri="{91240B29-F687-4f45-9708-019B960494DF}">
-              <a14:hiddenLine xmlns:a14="http://schemas.microsoft.com/office/drawing/2010/main" w="9525">
-                <a:solidFill>
-                  <a:schemeClr val="tx1"/>
-                </a:solidFill>
-                <a:miter lim="800000"/>
-                <a:headEnd/>
-                <a:tailEnd/>
-              </a14:hiddenLine>
-            </a:ext>
-          </a:extLst>
-        </p:spPr>
-      </p:pic>
-      <p:sp>
-        <p:nvSpPr>
-          <p:cNvPr id="5" name="Content Placeholder 1"/>
-          <p:cNvSpPr txBox="1">
-            <a:spLocks/>
-          </p:cNvSpPr>
-          <p:nvPr/>
-        </p:nvSpPr>
-        <p:spPr>
-          <a:xfrm>
-            <a:off x="2828731" y="1308624"/>
-            <a:ext cx="4492022" cy="797535"/>
-          </a:xfrm>
-          <a:prstGeom prst="rect">
-            <a:avLst/>
-          </a:prstGeom>
-        </p:spPr>
-        <p:txBody>
-          <a:bodyPr>
-            <a:normAutofit fontScale="92500" lnSpcReduction="10000"/>
-          </a:bodyPr>
-          <a:lstStyle>
-            <a:lvl1pPr marL="91440" indent="-91440" algn="l" defTabSz="914400" rtl="0" eaLnBrk="1" latinLnBrk="0" hangingPunct="1">
-              <a:lnSpc>
-                <a:spcPct val="90000"/>
-              </a:lnSpc>
-              <a:spcBef>
-                <a:spcPts val="1200"/>
-              </a:spcBef>
-              <a:spcAft>
-                <a:spcPts val="200"/>
-              </a:spcAft>
-              <a:buClr>
-                <a:schemeClr val="accent1"/>
-              </a:buClr>
-              <a:buSzPct val="100000"/>
-              <a:buFont typeface="Calibri" panose="020F0502020204030204" pitchFamily="34" charset="0"/>
-              <a:buChar char=" "/>
-              <a:defRPr sz="2000" kern="1200">
-                <a:solidFill>
-                  <a:schemeClr val="tx1">
-                    <a:lumMod val="75000"/>
-                    <a:lumOff val="25000"/>
-                  </a:schemeClr>
-                </a:solidFill>
-                <a:latin typeface="+mn-lt"/>
-                <a:ea typeface="+mn-ea"/>
-                <a:cs typeface="+mn-cs"/>
-              </a:defRPr>
-            </a:lvl1pPr>
-            <a:lvl2pPr marL="384048" indent="-182880" algn="l" defTabSz="914400" rtl="0" eaLnBrk="1" latinLnBrk="0" hangingPunct="1">
-              <a:lnSpc>
-                <a:spcPct val="90000"/>
-              </a:lnSpc>
-              <a:spcBef>
-                <a:spcPts val="200"/>
-              </a:spcBef>
-              <a:spcAft>
-                <a:spcPts val="400"/>
-              </a:spcAft>
-              <a:buClr>
-                <a:schemeClr val="accent1"/>
-              </a:buClr>
-              <a:buFont typeface="Calibri" pitchFamily="34" charset="0"/>
-              <a:buChar char="◦"/>
-              <a:defRPr sz="1800" kern="1200">
-                <a:solidFill>
-                  <a:schemeClr val="tx1">
-                    <a:lumMod val="75000"/>
-                    <a:lumOff val="25000"/>
-                  </a:schemeClr>
-                </a:solidFill>
-                <a:latin typeface="+mn-lt"/>
-                <a:ea typeface="+mn-ea"/>
-                <a:cs typeface="+mn-cs"/>
-              </a:defRPr>
-            </a:lvl2pPr>
-            <a:lvl3pPr marL="566928" indent="-182880" algn="l" defTabSz="914400" rtl="0" eaLnBrk="1" latinLnBrk="0" hangingPunct="1">
-              <a:lnSpc>
-                <a:spcPct val="90000"/>
-              </a:lnSpc>
-              <a:spcBef>
-                <a:spcPts val="200"/>
-              </a:spcBef>
-              <a:spcAft>
-                <a:spcPts val="400"/>
-              </a:spcAft>
-              <a:buClr>
-                <a:schemeClr val="accent1"/>
-              </a:buClr>
-              <a:buFont typeface="Calibri" pitchFamily="34" charset="0"/>
-              <a:buChar char="◦"/>
-              <a:defRPr sz="1400" kern="1200">
-                <a:solidFill>
-                  <a:schemeClr val="tx1">
-                    <a:lumMod val="75000"/>
-                    <a:lumOff val="25000"/>
-                  </a:schemeClr>
-                </a:solidFill>
-                <a:latin typeface="+mn-lt"/>
-                <a:ea typeface="+mn-ea"/>
-                <a:cs typeface="+mn-cs"/>
-              </a:defRPr>
-            </a:lvl3pPr>
-            <a:lvl4pPr marL="749808" indent="-182880" algn="l" defTabSz="914400" rtl="0" eaLnBrk="1" latinLnBrk="0" hangingPunct="1">
-              <a:lnSpc>
-                <a:spcPct val="90000"/>
-              </a:lnSpc>
-              <a:spcBef>
-                <a:spcPts val="200"/>
-              </a:spcBef>
-              <a:spcAft>
-                <a:spcPts val="400"/>
-              </a:spcAft>
-              <a:buClr>
-                <a:schemeClr val="accent1"/>
-              </a:buClr>
-              <a:buFont typeface="Calibri" pitchFamily="34" charset="0"/>
-              <a:buChar char="◦"/>
-              <a:defRPr sz="1400" kern="1200">
-                <a:solidFill>
-                  <a:schemeClr val="tx1">
-                    <a:lumMod val="75000"/>
-                    <a:lumOff val="25000"/>
-                  </a:schemeClr>
-                </a:solidFill>
-                <a:latin typeface="+mn-lt"/>
-                <a:ea typeface="+mn-ea"/>
-                <a:cs typeface="+mn-cs"/>
-              </a:defRPr>
-            </a:lvl4pPr>
-            <a:lvl5pPr marL="932688" indent="-182880" algn="l" defTabSz="914400" rtl="0" eaLnBrk="1" latinLnBrk="0" hangingPunct="1">
-              <a:lnSpc>
-                <a:spcPct val="90000"/>
-              </a:lnSpc>
-              <a:spcBef>
-                <a:spcPts val="200"/>
-              </a:spcBef>
-              <a:spcAft>
-                <a:spcPts val="400"/>
-              </a:spcAft>
-              <a:buClr>
-                <a:schemeClr val="accent1"/>
-              </a:buClr>
-              <a:buFont typeface="Calibri" pitchFamily="34" charset="0"/>
-              <a:buChar char="◦"/>
-              <a:defRPr sz="1400" kern="1200">
-                <a:solidFill>
-                  <a:schemeClr val="tx1">
-                    <a:lumMod val="75000"/>
-                    <a:lumOff val="25000"/>
-                  </a:schemeClr>
-                </a:solidFill>
-                <a:latin typeface="+mn-lt"/>
-                <a:ea typeface="+mn-ea"/>
-                <a:cs typeface="+mn-cs"/>
-              </a:defRPr>
-            </a:lvl5pPr>
-            <a:lvl6pPr marL="1100000" indent="-228600" algn="l" defTabSz="914400" rtl="0" eaLnBrk="1" latinLnBrk="0" hangingPunct="1">
-              <a:lnSpc>
-                <a:spcPct val="90000"/>
-              </a:lnSpc>
-              <a:spcBef>
-                <a:spcPts val="200"/>
-              </a:spcBef>
-              <a:spcAft>
-                <a:spcPts val="400"/>
-              </a:spcAft>
-              <a:buClr>
-                <a:schemeClr val="accent1"/>
-              </a:buClr>
-              <a:buFont typeface="Calibri" pitchFamily="34" charset="0"/>
-              <a:buChar char="◦"/>
-              <a:defRPr sz="1400" kern="1200">
-                <a:solidFill>
-                  <a:schemeClr val="tx1">
-                    <a:lumMod val="75000"/>
-                    <a:lumOff val="25000"/>
-                  </a:schemeClr>
-                </a:solidFill>
-                <a:latin typeface="+mn-lt"/>
-                <a:ea typeface="+mn-ea"/>
-                <a:cs typeface="+mn-cs"/>
-              </a:defRPr>
-            </a:lvl6pPr>
-            <a:lvl7pPr marL="1300000" indent="-228600" algn="l" defTabSz="914400" rtl="0" eaLnBrk="1" latinLnBrk="0" hangingPunct="1">
-              <a:lnSpc>
-                <a:spcPct val="90000"/>
-              </a:lnSpc>
-              <a:spcBef>
-                <a:spcPts val="200"/>
-              </a:spcBef>
-              <a:spcAft>
-                <a:spcPts val="400"/>
-              </a:spcAft>
-              <a:buClr>
-                <a:schemeClr val="accent1"/>
-              </a:buClr>
-              <a:buFont typeface="Calibri" pitchFamily="34" charset="0"/>
-              <a:buChar char="◦"/>
-              <a:defRPr sz="1400" kern="1200">
-                <a:solidFill>
-                  <a:schemeClr val="tx1">
-                    <a:lumMod val="75000"/>
-                    <a:lumOff val="25000"/>
-                  </a:schemeClr>
-                </a:solidFill>
-                <a:latin typeface="+mn-lt"/>
-                <a:ea typeface="+mn-ea"/>
-                <a:cs typeface="+mn-cs"/>
-              </a:defRPr>
-            </a:lvl7pPr>
-            <a:lvl8pPr marL="1500000" indent="-228600" algn="l" defTabSz="914400" rtl="0" eaLnBrk="1" latinLnBrk="0" hangingPunct="1">
-              <a:lnSpc>
-                <a:spcPct val="90000"/>
-              </a:lnSpc>
-              <a:spcBef>
-                <a:spcPts val="200"/>
-              </a:spcBef>
-              <a:spcAft>
-                <a:spcPts val="400"/>
-              </a:spcAft>
-              <a:buClr>
-                <a:schemeClr val="accent1"/>
-              </a:buClr>
-              <a:buFont typeface="Calibri" pitchFamily="34" charset="0"/>
-              <a:buChar char="◦"/>
-              <a:defRPr sz="1400" kern="1200">
-                <a:solidFill>
-                  <a:schemeClr val="tx1">
-                    <a:lumMod val="75000"/>
-                    <a:lumOff val="25000"/>
-                  </a:schemeClr>
-                </a:solidFill>
-                <a:latin typeface="+mn-lt"/>
-                <a:ea typeface="+mn-ea"/>
-                <a:cs typeface="+mn-cs"/>
-              </a:defRPr>
-            </a:lvl8pPr>
-            <a:lvl9pPr marL="1700000" indent="-228600" algn="l" defTabSz="914400" rtl="0" eaLnBrk="1" latinLnBrk="0" hangingPunct="1">
-              <a:lnSpc>
-                <a:spcPct val="90000"/>
-              </a:lnSpc>
-              <a:spcBef>
-                <a:spcPts val="200"/>
-              </a:spcBef>
-              <a:spcAft>
-                <a:spcPts val="400"/>
-              </a:spcAft>
-              <a:buClr>
-                <a:schemeClr val="accent1"/>
-              </a:buClr>
-              <a:buFont typeface="Calibri" pitchFamily="34" charset="0"/>
-              <a:buChar char="◦"/>
-              <a:defRPr sz="1400" kern="1200">
-                <a:solidFill>
-                  <a:schemeClr val="tx1">
-                    <a:lumMod val="75000"/>
-                    <a:lumOff val="25000"/>
-                  </a:schemeClr>
-                </a:solidFill>
-                <a:latin typeface="+mn-lt"/>
-                <a:ea typeface="+mn-ea"/>
-                <a:cs typeface="+mn-cs"/>
-              </a:defRPr>
-            </a:lvl9pPr>
-          </a:lstStyle>
-          <a:p>
-            <a:pPr>
-              <a:buFont typeface="Calibri" panose="020F0502020204030204" pitchFamily="34" charset="0"/>
-              <a:buNone/>
-            </a:pPr>
-            <a:r>
-              <a:rPr lang="en-US" sz="2400" b="1" dirty="0" smtClean="0"/>
-              <a:t>@</a:t>
-            </a:r>
-            <a:r>
-              <a:rPr lang="en-US" sz="2400" b="1" dirty="0" err="1" smtClean="0"/>
-              <a:t>JamesRCounts</a:t>
-            </a:r>
-            <a:endParaRPr lang="en-US" sz="2400" b="1" dirty="0" smtClean="0"/>
-          </a:p>
-          <a:p>
-            <a:pPr>
-              <a:buNone/>
-            </a:pPr>
-            <a:r>
-              <a:rPr lang="en-US" dirty="0" smtClean="0"/>
-              <a:t>http</a:t>
-            </a:r>
-            <a:r>
-              <a:rPr lang="en-US" dirty="0"/>
-              <a:t>:/</a:t>
-            </a:r>
-            <a:r>
-              <a:rPr lang="en-US" dirty="0" smtClean="0"/>
-              <a:t>/</a:t>
-            </a:r>
-            <a:r>
-              <a:rPr lang="en-US" dirty="0" err="1" smtClean="0"/>
-              <a:t>IHadThisIdeaOnce.com</a:t>
-            </a:r>
-            <a:endParaRPr lang="en-US" dirty="0"/>
-          </a:p>
-        </p:txBody>
-      </p:sp>
-      <p:pic>
-        <p:nvPicPr>
-          <p:cNvPr id="7" name="Picture 6" descr="Screen Shot 2014-06-25 at 11.06.09 PM.png"/>
-          <p:cNvPicPr>
-            <a:picLocks noChangeAspect="1"/>
-          </p:cNvPicPr>
-          <p:nvPr/>
-        </p:nvPicPr>
-        <p:blipFill>
-          <a:blip r:embed="rId3">
-            <a:extLst>
-              <a:ext uri="{28A0092B-C50C-407E-A947-70E740481C1C}">
-                <a14:useLocalDpi xmlns:a14="http://schemas.microsoft.com/office/drawing/2010/main" val="0"/>
-              </a:ext>
-            </a:extLst>
-          </a:blip>
-          <a:stretch>
-            <a:fillRect/>
-          </a:stretch>
-        </p:blipFill>
-        <p:spPr>
-          <a:xfrm>
-            <a:off x="901920" y="1294365"/>
-            <a:ext cx="1907298" cy="1904916"/>
-          </a:xfrm>
-          <a:prstGeom prst="rect">
-            <a:avLst/>
-          </a:prstGeom>
-          <a:noFill/>
-          <a:ln>
-            <a:noFill/>
-          </a:ln>
-          <a:effectLst>
-            <a:glow rad="38100">
-              <a:schemeClr val="bg2">
-                <a:alpha val="40000"/>
-              </a:schemeClr>
-            </a:glow>
-            <a:outerShdw dist="35921" dir="2700000" algn="ctr" rotWithShape="0">
-              <a:schemeClr val="bg2"/>
-            </a:outerShdw>
-            <a:softEdge rad="12700"/>
-          </a:effectLst>
-        </p:spPr>
-      </p:pic>
     </p:spTree>
     <p:extLst>
       <p:ext uri="{BB962C8B-B14F-4D97-AF65-F5344CB8AC3E}">
-        <p14:creationId xmlns:p14="http://schemas.microsoft.com/office/powerpoint/2010/main" val="1793752400"/>
+        <p14:creationId xmlns:p14="http://schemas.microsoft.com/office/powerpoint/2010/main" val="1162058314"/>
       </p:ext>
     </p:extLst>
   </p:cSld>
   <p:clrMapOvr>
     <a:masterClrMapping/>
   </p:clrMapOvr>
+  <mc:AlternateContent xmlns:mc="http://schemas.openxmlformats.org/markup-compatibility/2006">
+    <mc:Choice xmlns:p14="http://schemas.microsoft.com/office/powerpoint/2010/main" Requires="p14">
+      <p:transition spd="slow" p14:dur="2000"/>
+    </mc:Choice>
+    <mc:Fallback>
+      <p:transition spd="slow"/>
+    </mc:Fallback>
+  </mc:AlternateContent>
+  <p:timing>
+    <p:tnLst>
+      <p:par>
+        <p:cTn id="1" dur="indefinite" restart="never" nodeType="tmRoot"/>
+      </p:par>
+    </p:tnLst>
+  </p:timing>
 </p:sld>
 </file>
 
@@ -21797,7 +21535,7 @@
   <p:timing>
     <p:tnLst>
       <p:par>
-        <p:cTn xmlns:p14="http://schemas.microsoft.com/office/powerpoint/2010/main" id="1" dur="indefinite" restart="never" nodeType="tmRoot"/>
+        <p:cTn id="1" dur="indefinite" restart="never" nodeType="tmRoot"/>
       </p:par>
     </p:tnLst>
   </p:timing>
@@ -22608,7 +22346,7 @@
   <p:timing>
     <p:tnLst>
       <p:par>
-        <p:cTn xmlns:p14="http://schemas.microsoft.com/office/powerpoint/2010/main" id="1" dur="indefinite" restart="never" nodeType="tmRoot"/>
+        <p:cTn id="1" dur="indefinite" restart="never" nodeType="tmRoot"/>
       </p:par>
     </p:tnLst>
   </p:timing>
@@ -22794,7 +22532,7 @@
   <p:timing>
     <p:tnLst>
       <p:par>
-        <p:cTn xmlns:p14="http://schemas.microsoft.com/office/powerpoint/2010/main" id="1" dur="indefinite" restart="never" nodeType="tmRoot"/>
+        <p:cTn id="1" dur="indefinite" restart="never" nodeType="tmRoot"/>
       </p:par>
     </p:tnLst>
   </p:timing>
@@ -22878,6 +22616,13 @@
   <p:clrMapOvr>
     <a:masterClrMapping/>
   </p:clrMapOvr>
+  <p:timing>
+    <p:tnLst>
+      <p:par>
+        <p:cTn id="1" dur="indefinite" restart="never" nodeType="tmRoot"/>
+      </p:par>
+    </p:tnLst>
+  </p:timing>
 </p:sld>
 </file>
 
@@ -24397,7 +24142,7 @@
   <p:timing>
     <p:tnLst>
       <p:par>
-        <p:cTn xmlns:p14="http://schemas.microsoft.com/office/powerpoint/2010/main" id="1" dur="indefinite" restart="never" nodeType="tmRoot">
+        <p:cTn id="1" dur="indefinite" restart="never" nodeType="tmRoot">
           <p:childTnLst>
             <p:seq concurrent="1" nextAc="seek">
               <p:cTn id="2" dur="indefinite" nodeType="mainSeq">
@@ -24798,7 +24543,7 @@
   <a:extraClrSchemeLst/>
   <a:extLst>
     <a:ext uri="{05A4C25C-085E-4340-85A3-A5531E510DB2}">
-      <thm15:themeFamily xmlns:thm15="http://schemas.microsoft.com/office/thememl/2012/main" xmlns="" name="Retrospect" id="{5F128B03-DCCA-4EEB-AB3B-CF2899314A46}" vid="{9CC26709-368C-4D72-9060-94E5B3FF3CD6}"/>
+      <thm15:themeFamily xmlns:thm15="http://schemas.microsoft.com/office/thememl/2012/main" name="Retrospect" id="{5F128B03-DCCA-4EEB-AB3B-CF2899314A46}" vid="{9CC26709-368C-4D72-9060-94E5B3FF3CD6}"/>
     </a:ext>
   </a:extLst>
 </a:theme>

--- a/Exceptional Exceptions.pptx
+++ b/Exceptional Exceptions.pptx
@@ -146,7 +146,7 @@
   </p:defaultTextStyle>
   <p:extLst>
     <p:ext uri="{EFAFB233-063F-42B5-8137-9DF3F51BA10A}">
-      <p15:sldGuideLst xmlns:p15="http://schemas.microsoft.com/office/powerpoint/2012/main">
+      <p15:sldGuideLst xmlns:p15="http://schemas.microsoft.com/office/powerpoint/2012/main" xmlns="">
         <p15:guide id="1" orient="horz" pos="2160">
           <p15:clr>
             <a:srgbClr val="A4A3A4"/>
@@ -389,7 +389,7 @@
           <a:p>
             <a:fld id="{96DFF08F-DC6B-4601-B491-B0F83F6DD2DA}" type="datetimeFigureOut">
               <a:rPr lang="en-US" dirty="0"/>
-              <a:t>6/26/2014</a:t>
+              <a:t>6/26/14</a:t>
             </a:fld>
             <a:endParaRPr lang="en-US" dirty="0"/>
           </a:p>
@@ -592,7 +592,7 @@
           <a:p>
             <a:fld id="{96DFF08F-DC6B-4601-B491-B0F83F6DD2DA}" type="datetimeFigureOut">
               <a:rPr lang="en-US" dirty="0"/>
-              <a:t>6/26/2014</a:t>
+              <a:t>6/26/14</a:t>
             </a:fld>
             <a:endParaRPr lang="en-US" dirty="0"/>
           </a:p>
@@ -843,7 +843,7 @@
           <a:p>
             <a:fld id="{96DFF08F-DC6B-4601-B491-B0F83F6DD2DA}" type="datetimeFigureOut">
               <a:rPr lang="en-US" dirty="0"/>
-              <a:t>6/26/2014</a:t>
+              <a:t>6/26/14</a:t>
             </a:fld>
             <a:endParaRPr lang="en-US" dirty="0"/>
           </a:p>
@@ -929,7 +929,7 @@
   <p:timing>
     <p:tnLst>
       <p:par>
-        <p:cTn id="1" dur="indefinite" restart="never" nodeType="tmRoot"/>
+        <p:cTn xmlns:p14="http://schemas.microsoft.com/office/powerpoint/2010/main" id="1" dur="indefinite" restart="never" nodeType="tmRoot"/>
       </p:par>
     </p:tnLst>
   </p:timing>
@@ -1045,7 +1045,7 @@
           <a:p>
             <a:fld id="{D62CEF3B-A037-46D0-B02C-1428F07E9383}" type="datetimeFigureOut">
               <a:rPr lang="en-US" dirty="0"/>
-              <a:t>6/26/2014</a:t>
+              <a:t>6/26/14</a:t>
             </a:fld>
             <a:endParaRPr lang="en-US" dirty="0"/>
           </a:p>
@@ -1383,7 +1383,7 @@
           <a:p>
             <a:fld id="{96DFF08F-DC6B-4601-B491-B0F83F6DD2DA}" type="datetimeFigureOut">
               <a:rPr lang="en-US" dirty="0"/>
-              <a:t>6/26/2014</a:t>
+              <a:t>6/26/14</a:t>
             </a:fld>
             <a:endParaRPr lang="en-US" dirty="0"/>
           </a:p>
@@ -1653,7 +1653,7 @@
           <a:p>
             <a:fld id="{96DFF08F-DC6B-4601-B491-B0F83F6DD2DA}" type="datetimeFigureOut">
               <a:rPr lang="en-US" dirty="0"/>
-              <a:t>6/26/2014</a:t>
+              <a:t>6/26/14</a:t>
             </a:fld>
             <a:endParaRPr lang="en-US" dirty="0"/>
           </a:p>
@@ -2027,7 +2027,7 @@
           <a:p>
             <a:fld id="{96DFF08F-DC6B-4601-B491-B0F83F6DD2DA}" type="datetimeFigureOut">
               <a:rPr lang="en-US" dirty="0"/>
-              <a:t>6/26/2014</a:t>
+              <a:t>6/26/14</a:t>
             </a:fld>
             <a:endParaRPr lang="en-US" dirty="0"/>
           </a:p>
@@ -2140,7 +2140,7 @@
           <a:p>
             <a:fld id="{96DFF08F-DC6B-4601-B491-B0F83F6DD2DA}" type="datetimeFigureOut">
               <a:rPr lang="en-US" dirty="0"/>
-              <a:t>6/26/2014</a:t>
+              <a:t>6/26/14</a:t>
             </a:fld>
             <a:endParaRPr lang="en-US" dirty="0"/>
           </a:p>
@@ -2307,7 +2307,7 @@
             <a:fld id="{96DFF08F-DC6B-4601-B491-B0F83F6DD2DA}" type="datetimeFigureOut">
               <a:rPr lang="en-US" dirty="0"/>
               <a:pPr/>
-              <a:t>6/26/2014</a:t>
+              <a:t>6/26/14</a:t>
             </a:fld>
             <a:endParaRPr lang="en-US" dirty="0"/>
           </a:p>
@@ -2658,7 +2658,7 @@
             <a:fld id="{96DFF08F-DC6B-4601-B491-B0F83F6DD2DA}" type="datetimeFigureOut">
               <a:rPr lang="en-US" dirty="0"/>
               <a:pPr/>
-              <a:t>6/26/2014</a:t>
+              <a:t>6/26/14</a:t>
             </a:fld>
             <a:endParaRPr lang="en-US" dirty="0"/>
           </a:p>
@@ -3031,7 +3031,7 @@
           <a:p>
             <a:fld id="{96DFF08F-DC6B-4601-B491-B0F83F6DD2DA}" type="datetimeFigureOut">
               <a:rPr lang="en-US" dirty="0"/>
-              <a:t>6/26/2014</a:t>
+              <a:t>6/26/14</a:t>
             </a:fld>
             <a:endParaRPr lang="en-US" dirty="0"/>
           </a:p>
@@ -3314,7 +3314,7 @@
             <a:fld id="{96DFF08F-DC6B-4601-B491-B0F83F6DD2DA}" type="datetimeFigureOut">
               <a:rPr lang="en-US" dirty="0"/>
               <a:pPr/>
-              <a:t>6/26/2014</a:t>
+              <a:t>6/26/14</a:t>
             </a:fld>
             <a:endParaRPr lang="en-US" dirty="0"/>
           </a:p>
@@ -3914,7 +3914,7 @@
   <p:timing>
     <p:tnLst>
       <p:par>
-        <p:cTn id="1" dur="indefinite" restart="never" nodeType="tmRoot"/>
+        <p:cTn xmlns:p14="http://schemas.microsoft.com/office/powerpoint/2010/main" id="1" dur="indefinite" restart="never" nodeType="tmRoot"/>
       </p:par>
     </p:tnLst>
   </p:timing>
@@ -4464,7 +4464,7 @@
   <p:timing>
     <p:tnLst>
       <p:par>
-        <p:cTn id="1" dur="indefinite" restart="never" nodeType="tmRoot"/>
+        <p:cTn xmlns:p14="http://schemas.microsoft.com/office/powerpoint/2010/main" id="1" dur="indefinite" restart="never" nodeType="tmRoot"/>
       </p:par>
     </p:tnLst>
   </p:timing>
@@ -6011,7 +6011,7 @@
   <p:timing>
     <p:tnLst>
       <p:par>
-        <p:cTn id="1" dur="indefinite" restart="never" nodeType="tmRoot">
+        <p:cTn xmlns:p14="http://schemas.microsoft.com/office/powerpoint/2010/main" id="1" dur="indefinite" restart="never" nodeType="tmRoot">
           <p:childTnLst>
             <p:seq concurrent="1" nextAc="seek">
               <p:cTn id="2" dur="indefinite" nodeType="mainSeq">
@@ -6241,7 +6241,7 @@
   <p:timing>
     <p:tnLst>
       <p:par>
-        <p:cTn id="1" dur="indefinite" restart="never" nodeType="tmRoot"/>
+        <p:cTn xmlns:p14="http://schemas.microsoft.com/office/powerpoint/2010/main" id="1" dur="indefinite" restart="never" nodeType="tmRoot"/>
       </p:par>
     </p:tnLst>
   </p:timing>
@@ -6442,7 +6442,7 @@
   <p:timing>
     <p:tnLst>
       <p:par>
-        <p:cTn id="1" dur="indefinite" restart="never" nodeType="tmRoot"/>
+        <p:cTn xmlns:p14="http://schemas.microsoft.com/office/powerpoint/2010/main" id="1" dur="indefinite" restart="never" nodeType="tmRoot"/>
       </p:par>
     </p:tnLst>
   </p:timing>
@@ -6521,7 +6521,7 @@
   <p:timing>
     <p:tnLst>
       <p:par>
-        <p:cTn id="1" dur="indefinite" restart="never" nodeType="tmRoot"/>
+        <p:cTn xmlns:p14="http://schemas.microsoft.com/office/powerpoint/2010/main" id="1" dur="indefinite" restart="never" nodeType="tmRoot"/>
       </p:par>
     </p:tnLst>
   </p:timing>
@@ -7197,7 +7197,7 @@
   <p:timing>
     <p:tnLst>
       <p:par>
-        <p:cTn id="1" dur="indefinite" restart="never" nodeType="tmRoot">
+        <p:cTn xmlns:p14="http://schemas.microsoft.com/office/powerpoint/2010/main" id="1" dur="indefinite" restart="never" nodeType="tmRoot">
           <p:childTnLst>
             <p:seq concurrent="1" nextAc="seek">
               <p:cTn id="2" dur="indefinite" nodeType="mainSeq">
@@ -7639,7 +7639,7 @@
   <p:timing>
     <p:tnLst>
       <p:par>
-        <p:cTn id="1" dur="indefinite" restart="never" nodeType="tmRoot"/>
+        <p:cTn xmlns:p14="http://schemas.microsoft.com/office/powerpoint/2010/main" id="1" dur="indefinite" restart="never" nodeType="tmRoot"/>
       </p:par>
     </p:tnLst>
   </p:timing>
@@ -8319,7 +8319,7 @@
   <p:timing>
     <p:tnLst>
       <p:par>
-        <p:cTn id="1" dur="indefinite" restart="never" nodeType="tmRoot"/>
+        <p:cTn xmlns:p14="http://schemas.microsoft.com/office/powerpoint/2010/main" id="1" dur="indefinite" restart="never" nodeType="tmRoot"/>
       </p:par>
     </p:tnLst>
   </p:timing>
@@ -8478,7 +8478,7 @@
   <p:timing>
     <p:tnLst>
       <p:par>
-        <p:cTn id="1" dur="indefinite" restart="never" nodeType="tmRoot"/>
+        <p:cTn xmlns:p14="http://schemas.microsoft.com/office/powerpoint/2010/main" id="1" dur="indefinite" restart="never" nodeType="tmRoot"/>
       </p:par>
     </p:tnLst>
   </p:timing>
@@ -8557,7 +8557,7 @@
   <p:timing>
     <p:tnLst>
       <p:par>
-        <p:cTn id="1" dur="indefinite" restart="never" nodeType="tmRoot"/>
+        <p:cTn xmlns:p14="http://schemas.microsoft.com/office/powerpoint/2010/main" id="1" dur="indefinite" restart="never" nodeType="tmRoot"/>
       </p:par>
     </p:tnLst>
   </p:timing>
@@ -8652,7 +8652,7 @@
   <p:timing>
     <p:tnLst>
       <p:par>
-        <p:cTn id="1" dur="indefinite" restart="never" nodeType="tmRoot"/>
+        <p:cTn xmlns:p14="http://schemas.microsoft.com/office/powerpoint/2010/main" id="1" dur="indefinite" restart="never" nodeType="tmRoot"/>
       </p:par>
     </p:tnLst>
   </p:timing>
@@ -9166,15 +9166,7 @@
             </a:r>
             <a:r>
               <a:rPr lang="en-US" sz="2400" dirty="0" smtClean="0"/>
-              <a:t>Only </a:t>
-            </a:r>
-            <a:r>
-              <a:rPr lang="en-US" sz="2400" dirty="0" smtClean="0"/>
-              <a:t>use </a:t>
-            </a:r>
-            <a:r>
-              <a:rPr lang="en-US" sz="2400" dirty="0" smtClean="0"/>
-              <a:t>first three letters of the month</a:t>
+              <a:t>Only use first three letters of the month</a:t>
             </a:r>
           </a:p>
           <a:p>
@@ -9342,7 +9334,7 @@
   <p:timing>
     <p:tnLst>
       <p:par>
-        <p:cTn id="1" dur="indefinite" restart="never" nodeType="tmRoot">
+        <p:cTn xmlns:p14="http://schemas.microsoft.com/office/powerpoint/2010/main" id="1" dur="indefinite" restart="never" nodeType="tmRoot">
           <p:childTnLst>
             <p:seq concurrent="1" nextAc="seek">
               <p:cTn id="2" dur="indefinite" nodeType="mainSeq">
@@ -9868,7 +9860,7 @@
   <p:timing>
     <p:tnLst>
       <p:par>
-        <p:cTn id="1" dur="indefinite" restart="never" nodeType="tmRoot"/>
+        <p:cTn xmlns:p14="http://schemas.microsoft.com/office/powerpoint/2010/main" id="1" dur="indefinite" restart="never" nodeType="tmRoot"/>
       </p:par>
     </p:tnLst>
   </p:timing>
@@ -9929,7 +9921,7 @@
   <p:timing>
     <p:tnLst>
       <p:par>
-        <p:cTn id="1" dur="indefinite" restart="never" nodeType="tmRoot"/>
+        <p:cTn xmlns:p14="http://schemas.microsoft.com/office/powerpoint/2010/main" id="1" dur="indefinite" restart="never" nodeType="tmRoot"/>
       </p:par>
     </p:tnLst>
   </p:timing>
@@ -10766,7 +10758,7 @@
   <p:timing>
     <p:tnLst>
       <p:par>
-        <p:cTn id="1" dur="indefinite" restart="never" nodeType="tmRoot"/>
+        <p:cTn xmlns:p14="http://schemas.microsoft.com/office/powerpoint/2010/main" id="1" dur="indefinite" restart="never" nodeType="tmRoot"/>
       </p:par>
     </p:tnLst>
   </p:timing>
@@ -10952,7 +10944,7 @@
   <p:timing>
     <p:tnLst>
       <p:par>
-        <p:cTn id="1" dur="indefinite" restart="never" nodeType="tmRoot"/>
+        <p:cTn xmlns:p14="http://schemas.microsoft.com/office/powerpoint/2010/main" id="1" dur="indefinite" restart="never" nodeType="tmRoot"/>
       </p:par>
     </p:tnLst>
   </p:timing>
@@ -11031,7 +11023,7 @@
   <p:timing>
     <p:tnLst>
       <p:par>
-        <p:cTn id="1" dur="indefinite" restart="never" nodeType="tmRoot"/>
+        <p:cTn xmlns:p14="http://schemas.microsoft.com/office/powerpoint/2010/main" id="1" dur="indefinite" restart="never" nodeType="tmRoot"/>
       </p:par>
     </p:tnLst>
   </p:timing>
@@ -12353,7 +12345,7 @@
   <p:timing>
     <p:tnLst>
       <p:par>
-        <p:cTn id="1" dur="indefinite" restart="never" nodeType="tmRoot">
+        <p:cTn xmlns:p14="http://schemas.microsoft.com/office/powerpoint/2010/main" id="1" dur="indefinite" restart="never" nodeType="tmRoot">
           <p:childTnLst>
             <p:seq concurrent="1" nextAc="seek">
               <p:cTn id="2" dur="indefinite" nodeType="mainSeq">
@@ -13066,7 +13058,7 @@
   <p:timing>
     <p:tnLst>
       <p:par>
-        <p:cTn id="1" dur="indefinite" restart="never" nodeType="tmRoot"/>
+        <p:cTn xmlns:p14="http://schemas.microsoft.com/office/powerpoint/2010/main" id="1" dur="indefinite" restart="never" nodeType="tmRoot"/>
       </p:par>
     </p:tnLst>
   </p:timing>
@@ -14527,7 +14519,7 @@
   <p:timing>
     <p:tnLst>
       <p:par>
-        <p:cTn id="1" dur="indefinite" restart="never" nodeType="tmRoot"/>
+        <p:cTn xmlns:p14="http://schemas.microsoft.com/office/powerpoint/2010/main" id="1" dur="indefinite" restart="never" nodeType="tmRoot"/>
       </p:par>
     </p:tnLst>
   </p:timing>
@@ -14692,7 +14684,7 @@
   <p:timing>
     <p:tnLst>
       <p:par>
-        <p:cTn id="1" dur="indefinite" restart="never" nodeType="tmRoot"/>
+        <p:cTn xmlns:p14="http://schemas.microsoft.com/office/powerpoint/2010/main" id="1" dur="indefinite" restart="never" nodeType="tmRoot"/>
       </p:par>
     </p:tnLst>
   </p:timing>
@@ -14771,7 +14763,7 @@
   <p:timing>
     <p:tnLst>
       <p:par>
-        <p:cTn id="1" dur="indefinite" restart="never" nodeType="tmRoot"/>
+        <p:cTn xmlns:p14="http://schemas.microsoft.com/office/powerpoint/2010/main" id="1" dur="indefinite" restart="never" nodeType="tmRoot"/>
       </p:par>
     </p:tnLst>
   </p:timing>
@@ -16087,7 +16079,7 @@
   <p:timing>
     <p:tnLst>
       <p:par>
-        <p:cTn id="1" dur="indefinite" restart="never" nodeType="tmRoot"/>
+        <p:cTn xmlns:p14="http://schemas.microsoft.com/office/powerpoint/2010/main" id="1" dur="indefinite" restart="never" nodeType="tmRoot"/>
       </p:par>
     </p:tnLst>
   </p:timing>
@@ -16200,7 +16192,7 @@
   <p:timing>
     <p:tnLst>
       <p:par>
-        <p:cTn id="1" dur="indefinite" restart="never" nodeType="tmRoot"/>
+        <p:cTn xmlns:p14="http://schemas.microsoft.com/office/powerpoint/2010/main" id="1" dur="indefinite" restart="never" nodeType="tmRoot"/>
       </p:par>
     </p:tnLst>
   </p:timing>
@@ -17012,7 +17004,7 @@
   <p:timing>
     <p:tnLst>
       <p:par>
-        <p:cTn id="1" dur="indefinite" restart="never" nodeType="tmRoot">
+        <p:cTn xmlns:p14="http://schemas.microsoft.com/office/powerpoint/2010/main" id="1" dur="indefinite" restart="never" nodeType="tmRoot">
           <p:childTnLst>
             <p:seq concurrent="1" nextAc="seek">
               <p:cTn id="2" dur="indefinite" nodeType="mainSeq">
@@ -17491,7 +17483,7 @@
   <p:timing>
     <p:tnLst>
       <p:par>
-        <p:cTn id="1" dur="indefinite" restart="never" nodeType="tmRoot"/>
+        <p:cTn xmlns:p14="http://schemas.microsoft.com/office/powerpoint/2010/main" id="1" dur="indefinite" restart="never" nodeType="tmRoot"/>
       </p:par>
     </p:tnLst>
   </p:timing>
@@ -18336,7 +18328,7 @@
   <p:timing>
     <p:tnLst>
       <p:par>
-        <p:cTn id="1" dur="indefinite" restart="never" nodeType="tmRoot"/>
+        <p:cTn xmlns:p14="http://schemas.microsoft.com/office/powerpoint/2010/main" id="1" dur="indefinite" restart="never" nodeType="tmRoot"/>
       </p:par>
     </p:tnLst>
   </p:timing>
@@ -18495,7 +18487,7 @@
   <p:timing>
     <p:tnLst>
       <p:par>
-        <p:cTn id="1" dur="indefinite" restart="never" nodeType="tmRoot"/>
+        <p:cTn xmlns:p14="http://schemas.microsoft.com/office/powerpoint/2010/main" id="1" dur="indefinite" restart="never" nodeType="tmRoot"/>
       </p:par>
     </p:tnLst>
   </p:timing>
@@ -18711,7 +18703,7 @@
   <p:timing>
     <p:tnLst>
       <p:par>
-        <p:cTn id="1" dur="indefinite" restart="never" nodeType="tmRoot"/>
+        <p:cTn xmlns:p14="http://schemas.microsoft.com/office/powerpoint/2010/main" id="1" dur="indefinite" restart="never" nodeType="tmRoot"/>
       </p:par>
     </p:tnLst>
   </p:timing>
@@ -18778,7 +18770,7 @@
   <p:timing>
     <p:tnLst>
       <p:par>
-        <p:cTn id="1" dur="indefinite" restart="never" nodeType="tmRoot"/>
+        <p:cTn xmlns:p14="http://schemas.microsoft.com/office/powerpoint/2010/main" id="1" dur="indefinite" restart="never" nodeType="tmRoot"/>
       </p:par>
     </p:tnLst>
   </p:timing>
@@ -19190,7 +19182,7 @@
   <p:timing>
     <p:tnLst>
       <p:par>
-        <p:cTn id="1" dur="indefinite" restart="never" nodeType="tmRoot"/>
+        <p:cTn xmlns:p14="http://schemas.microsoft.com/office/powerpoint/2010/main" id="1" dur="indefinite" restart="never" nodeType="tmRoot"/>
       </p:par>
     </p:tnLst>
   </p:timing>
@@ -19607,14 +19599,14 @@
           </a:effectLst>
           <a:extLst>
             <a:ext uri="{909E8E84-426E-40dd-AFC4-6F175D3DCCD1}">
-              <a14:hiddenFill xmlns:a14="http://schemas.microsoft.com/office/drawing/2010/main" xmlns="">
+              <a14:hiddenFill xmlns:a14="http://schemas.microsoft.com/office/drawing/2010/main">
                 <a:solidFill>
                   <a:schemeClr val="accent1"/>
                 </a:solidFill>
               </a14:hiddenFill>
             </a:ext>
             <a:ext uri="{91240B29-F687-4f45-9708-019B960494DF}">
-              <a14:hiddenLine xmlns:a14="http://schemas.microsoft.com/office/drawing/2010/main" xmlns="" w="9525">
+              <a14:hiddenLine xmlns:a14="http://schemas.microsoft.com/office/drawing/2010/main" w="9525">
                 <a:solidFill>
                   <a:schemeClr val="tx1"/>
                 </a:solidFill>
@@ -19977,6 +19969,57 @@
           </a:effectLst>
         </p:spPr>
       </p:pic>
+      <p:sp>
+        <p:nvSpPr>
+          <p:cNvPr id="6" name="TextBox 5"/>
+          <p:cNvSpPr txBox="1"/>
+          <p:nvPr/>
+        </p:nvSpPr>
+        <p:spPr>
+          <a:xfrm>
+            <a:off x="5785556" y="719666"/>
+            <a:ext cx="6162511" cy="400110"/>
+          </a:xfrm>
+          <a:prstGeom prst="rect">
+            <a:avLst/>
+          </a:prstGeom>
+          <a:noFill/>
+        </p:spPr>
+        <p:txBody>
+          <a:bodyPr wrap="square" rtlCol="0">
+            <a:spAutoFit/>
+          </a:bodyPr>
+          <a:lstStyle/>
+          <a:p>
+            <a:pPr algn="r"/>
+            <a:r>
+              <a:rPr lang="en-US" sz="2000" dirty="0"/>
+              <a:t>Slides </a:t>
+            </a:r>
+            <a:r>
+              <a:rPr lang="en-US" sz="2000" dirty="0" smtClean="0"/>
+              <a:t>at </a:t>
+            </a:r>
+            <a:r>
+              <a:rPr lang="en-US" sz="2000" dirty="0"/>
+              <a:t>http://</a:t>
+            </a:r>
+            <a:r>
+              <a:rPr lang="en-US" sz="2000" dirty="0" err="1"/>
+              <a:t>lfal.co</a:t>
+            </a:r>
+            <a:r>
+              <a:rPr lang="en-US" sz="2000" dirty="0"/>
+              <a:t>/</a:t>
+            </a:r>
+            <a:r>
+              <a:rPr lang="en-US" sz="2000" dirty="0" err="1"/>
+              <a:t>ExceptionalExceptions</a:t>
+            </a:r>
+            <a:endParaRPr lang="en-US" sz="2000" dirty="0"/>
+          </a:p>
+        </p:txBody>
+      </p:sp>
     </p:spTree>
     <p:extLst>
       <p:ext uri="{BB962C8B-B14F-4D97-AF65-F5344CB8AC3E}">
@@ -19990,7 +20033,7 @@
   <p:timing>
     <p:tnLst>
       <p:par>
-        <p:cTn id="1" dur="indefinite" restart="never" nodeType="tmRoot"/>
+        <p:cTn xmlns:p14="http://schemas.microsoft.com/office/powerpoint/2010/main" id="1" dur="indefinite" restart="never" nodeType="tmRoot"/>
       </p:par>
     </p:tnLst>
   </p:timing>
@@ -20742,7 +20785,7 @@
   <p:timing>
     <p:tnLst>
       <p:par>
-        <p:cTn id="1" dur="indefinite" restart="never" nodeType="tmRoot">
+        <p:cTn xmlns:p14="http://schemas.microsoft.com/office/powerpoint/2010/main" id="1" dur="indefinite" restart="never" nodeType="tmRoot">
           <p:childTnLst>
             <p:seq concurrent="1" nextAc="seek">
               <p:cTn id="2" dur="indefinite" nodeType="mainSeq">
@@ -21052,13 +21095,13 @@
       <p:transition spd="slow" p14:dur="2000"/>
     </mc:Choice>
     <mc:Fallback>
-      <p:transition spd="slow"/>
+      <p:transition xmlns:p14="http://schemas.microsoft.com/office/powerpoint/2010/main" spd="slow"/>
     </mc:Fallback>
   </mc:AlternateContent>
   <p:timing>
     <p:tnLst>
       <p:par>
-        <p:cTn id="1" dur="indefinite" restart="never" nodeType="tmRoot"/>
+        <p:cTn xmlns:p14="http://schemas.microsoft.com/office/powerpoint/2010/main" id="1" dur="indefinite" restart="never" nodeType="tmRoot"/>
       </p:par>
     </p:tnLst>
   </p:timing>
@@ -21219,13 +21262,13 @@
       <p:transition spd="slow" p14:dur="2000"/>
     </mc:Choice>
     <mc:Fallback>
-      <p:transition spd="slow"/>
+      <p:transition xmlns:p14="http://schemas.microsoft.com/office/powerpoint/2010/main" spd="slow"/>
     </mc:Fallback>
   </mc:AlternateContent>
   <p:timing>
     <p:tnLst>
       <p:par>
-        <p:cTn id="1" dur="indefinite" restart="never" nodeType="tmRoot"/>
+        <p:cTn xmlns:p14="http://schemas.microsoft.com/office/powerpoint/2010/main" id="1" dur="indefinite" restart="never" nodeType="tmRoot"/>
       </p:par>
     </p:tnLst>
   </p:timing>
@@ -21535,7 +21578,7 @@
   <p:timing>
     <p:tnLst>
       <p:par>
-        <p:cTn id="1" dur="indefinite" restart="never" nodeType="tmRoot"/>
+        <p:cTn xmlns:p14="http://schemas.microsoft.com/office/powerpoint/2010/main" id="1" dur="indefinite" restart="never" nodeType="tmRoot"/>
       </p:par>
     </p:tnLst>
   </p:timing>
@@ -22346,7 +22389,7 @@
   <p:timing>
     <p:tnLst>
       <p:par>
-        <p:cTn id="1" dur="indefinite" restart="never" nodeType="tmRoot"/>
+        <p:cTn xmlns:p14="http://schemas.microsoft.com/office/powerpoint/2010/main" id="1" dur="indefinite" restart="never" nodeType="tmRoot"/>
       </p:par>
     </p:tnLst>
   </p:timing>
@@ -22532,7 +22575,7 @@
   <p:timing>
     <p:tnLst>
       <p:par>
-        <p:cTn id="1" dur="indefinite" restart="never" nodeType="tmRoot"/>
+        <p:cTn xmlns:p14="http://schemas.microsoft.com/office/powerpoint/2010/main" id="1" dur="indefinite" restart="never" nodeType="tmRoot"/>
       </p:par>
     </p:tnLst>
   </p:timing>
@@ -22619,7 +22662,7 @@
   <p:timing>
     <p:tnLst>
       <p:par>
-        <p:cTn id="1" dur="indefinite" restart="never" nodeType="tmRoot"/>
+        <p:cTn xmlns:p14="http://schemas.microsoft.com/office/powerpoint/2010/main" id="1" dur="indefinite" restart="never" nodeType="tmRoot"/>
       </p:par>
     </p:tnLst>
   </p:timing>
@@ -24142,7 +24185,7 @@
   <p:timing>
     <p:tnLst>
       <p:par>
-        <p:cTn id="1" dur="indefinite" restart="never" nodeType="tmRoot">
+        <p:cTn xmlns:p14="http://schemas.microsoft.com/office/powerpoint/2010/main" id="1" dur="indefinite" restart="never" nodeType="tmRoot">
           <p:childTnLst>
             <p:seq concurrent="1" nextAc="seek">
               <p:cTn id="2" dur="indefinite" nodeType="mainSeq">
@@ -24543,7 +24586,7 @@
   <a:extraClrSchemeLst/>
   <a:extLst>
     <a:ext uri="{05A4C25C-085E-4340-85A3-A5531E510DB2}">
-      <thm15:themeFamily xmlns:thm15="http://schemas.microsoft.com/office/thememl/2012/main" name="Retrospect" id="{5F128B03-DCCA-4EEB-AB3B-CF2899314A46}" vid="{9CC26709-368C-4D72-9060-94E5B3FF3CD6}"/>
+      <thm15:themeFamily xmlns:thm15="http://schemas.microsoft.com/office/thememl/2012/main" xmlns="" name="Retrospect" id="{5F128B03-DCCA-4EEB-AB3B-CF2899314A46}" vid="{9CC26709-368C-4D72-9060-94E5B3FF3CD6}"/>
     </a:ext>
   </a:extLst>
 </a:theme>

--- a/Exceptional Exceptions.pptx
+++ b/Exceptional Exceptions.pptx
@@ -7,45 +7,46 @@
   <p:sldIdLst>
     <p:sldId id="256" r:id="rId2"/>
     <p:sldId id="266" r:id="rId3"/>
-    <p:sldId id="281" r:id="rId4"/>
-    <p:sldId id="257" r:id="rId5"/>
-    <p:sldId id="258" r:id="rId6"/>
-    <p:sldId id="259" r:id="rId7"/>
-    <p:sldId id="260" r:id="rId8"/>
-    <p:sldId id="282" r:id="rId9"/>
-    <p:sldId id="268" r:id="rId10"/>
-    <p:sldId id="269" r:id="rId11"/>
-    <p:sldId id="270" r:id="rId12"/>
-    <p:sldId id="263" r:id="rId13"/>
-    <p:sldId id="271" r:id="rId14"/>
-    <p:sldId id="283" r:id="rId15"/>
-    <p:sldId id="272" r:id="rId16"/>
-    <p:sldId id="273" r:id="rId17"/>
-    <p:sldId id="275" r:id="rId18"/>
-    <p:sldId id="276" r:id="rId19"/>
-    <p:sldId id="284" r:id="rId20"/>
-    <p:sldId id="277" r:id="rId21"/>
-    <p:sldId id="278" r:id="rId22"/>
-    <p:sldId id="301" r:id="rId23"/>
-    <p:sldId id="279" r:id="rId24"/>
-    <p:sldId id="264" r:id="rId25"/>
-    <p:sldId id="285" r:id="rId26"/>
-    <p:sldId id="289" r:id="rId27"/>
-    <p:sldId id="287" r:id="rId28"/>
-    <p:sldId id="290" r:id="rId29"/>
-    <p:sldId id="280" r:id="rId30"/>
-    <p:sldId id="292" r:id="rId31"/>
-    <p:sldId id="293" r:id="rId32"/>
-    <p:sldId id="294" r:id="rId33"/>
-    <p:sldId id="295" r:id="rId34"/>
-    <p:sldId id="296" r:id="rId35"/>
-    <p:sldId id="291" r:id="rId36"/>
-    <p:sldId id="297" r:id="rId37"/>
-    <p:sldId id="299" r:id="rId38"/>
-    <p:sldId id="300" r:id="rId39"/>
-    <p:sldId id="298" r:id="rId40"/>
-    <p:sldId id="262" r:id="rId41"/>
-    <p:sldId id="265" r:id="rId42"/>
+    <p:sldId id="302" r:id="rId4"/>
+    <p:sldId id="281" r:id="rId5"/>
+    <p:sldId id="257" r:id="rId6"/>
+    <p:sldId id="258" r:id="rId7"/>
+    <p:sldId id="259" r:id="rId8"/>
+    <p:sldId id="260" r:id="rId9"/>
+    <p:sldId id="282" r:id="rId10"/>
+    <p:sldId id="268" r:id="rId11"/>
+    <p:sldId id="269" r:id="rId12"/>
+    <p:sldId id="270" r:id="rId13"/>
+    <p:sldId id="263" r:id="rId14"/>
+    <p:sldId id="271" r:id="rId15"/>
+    <p:sldId id="283" r:id="rId16"/>
+    <p:sldId id="272" r:id="rId17"/>
+    <p:sldId id="273" r:id="rId18"/>
+    <p:sldId id="275" r:id="rId19"/>
+    <p:sldId id="276" r:id="rId20"/>
+    <p:sldId id="284" r:id="rId21"/>
+    <p:sldId id="277" r:id="rId22"/>
+    <p:sldId id="278" r:id="rId23"/>
+    <p:sldId id="301" r:id="rId24"/>
+    <p:sldId id="279" r:id="rId25"/>
+    <p:sldId id="264" r:id="rId26"/>
+    <p:sldId id="285" r:id="rId27"/>
+    <p:sldId id="289" r:id="rId28"/>
+    <p:sldId id="287" r:id="rId29"/>
+    <p:sldId id="290" r:id="rId30"/>
+    <p:sldId id="280" r:id="rId31"/>
+    <p:sldId id="292" r:id="rId32"/>
+    <p:sldId id="293" r:id="rId33"/>
+    <p:sldId id="294" r:id="rId34"/>
+    <p:sldId id="295" r:id="rId35"/>
+    <p:sldId id="296" r:id="rId36"/>
+    <p:sldId id="291" r:id="rId37"/>
+    <p:sldId id="297" r:id="rId38"/>
+    <p:sldId id="299" r:id="rId39"/>
+    <p:sldId id="300" r:id="rId40"/>
+    <p:sldId id="298" r:id="rId41"/>
+    <p:sldId id="262" r:id="rId42"/>
+    <p:sldId id="265" r:id="rId43"/>
   </p:sldIdLst>
   <p:sldSz cx="12192000" cy="6858000"/>
   <p:notesSz cx="6858000" cy="9144000"/>
@@ -389,7 +390,7 @@
           <a:p>
             <a:fld id="{96DFF08F-DC6B-4601-B491-B0F83F6DD2DA}" type="datetimeFigureOut">
               <a:rPr lang="en-US" dirty="0"/>
-              <a:t>6/26/14</a:t>
+              <a:t>6/29/14</a:t>
             </a:fld>
             <a:endParaRPr lang="en-US" dirty="0"/>
           </a:p>
@@ -592,7 +593,7 @@
           <a:p>
             <a:fld id="{96DFF08F-DC6B-4601-B491-B0F83F6DD2DA}" type="datetimeFigureOut">
               <a:rPr lang="en-US" dirty="0"/>
-              <a:t>6/26/14</a:t>
+              <a:t>6/29/14</a:t>
             </a:fld>
             <a:endParaRPr lang="en-US" dirty="0"/>
           </a:p>
@@ -843,7 +844,7 @@
           <a:p>
             <a:fld id="{96DFF08F-DC6B-4601-B491-B0F83F6DD2DA}" type="datetimeFigureOut">
               <a:rPr lang="en-US" dirty="0"/>
-              <a:t>6/26/14</a:t>
+              <a:t>6/29/14</a:t>
             </a:fld>
             <a:endParaRPr lang="en-US" dirty="0"/>
           </a:p>
@@ -1045,7 +1046,7 @@
           <a:p>
             <a:fld id="{D62CEF3B-A037-46D0-B02C-1428F07E9383}" type="datetimeFigureOut">
               <a:rPr lang="en-US" dirty="0"/>
-              <a:t>6/26/14</a:t>
+              <a:t>6/29/14</a:t>
             </a:fld>
             <a:endParaRPr lang="en-US" dirty="0"/>
           </a:p>
@@ -1383,7 +1384,7 @@
           <a:p>
             <a:fld id="{96DFF08F-DC6B-4601-B491-B0F83F6DD2DA}" type="datetimeFigureOut">
               <a:rPr lang="en-US" dirty="0"/>
-              <a:t>6/26/14</a:t>
+              <a:t>6/29/14</a:t>
             </a:fld>
             <a:endParaRPr lang="en-US" dirty="0"/>
           </a:p>
@@ -1653,7 +1654,7 @@
           <a:p>
             <a:fld id="{96DFF08F-DC6B-4601-B491-B0F83F6DD2DA}" type="datetimeFigureOut">
               <a:rPr lang="en-US" dirty="0"/>
-              <a:t>6/26/14</a:t>
+              <a:t>6/29/14</a:t>
             </a:fld>
             <a:endParaRPr lang="en-US" dirty="0"/>
           </a:p>
@@ -2027,7 +2028,7 @@
           <a:p>
             <a:fld id="{96DFF08F-DC6B-4601-B491-B0F83F6DD2DA}" type="datetimeFigureOut">
               <a:rPr lang="en-US" dirty="0"/>
-              <a:t>6/26/14</a:t>
+              <a:t>6/29/14</a:t>
             </a:fld>
             <a:endParaRPr lang="en-US" dirty="0"/>
           </a:p>
@@ -2140,7 +2141,7 @@
           <a:p>
             <a:fld id="{96DFF08F-DC6B-4601-B491-B0F83F6DD2DA}" type="datetimeFigureOut">
               <a:rPr lang="en-US" dirty="0"/>
-              <a:t>6/26/14</a:t>
+              <a:t>6/29/14</a:t>
             </a:fld>
             <a:endParaRPr lang="en-US" dirty="0"/>
           </a:p>
@@ -2307,7 +2308,7 @@
             <a:fld id="{96DFF08F-DC6B-4601-B491-B0F83F6DD2DA}" type="datetimeFigureOut">
               <a:rPr lang="en-US" dirty="0"/>
               <a:pPr/>
-              <a:t>6/26/14</a:t>
+              <a:t>6/29/14</a:t>
             </a:fld>
             <a:endParaRPr lang="en-US" dirty="0"/>
           </a:p>
@@ -2658,7 +2659,7 @@
             <a:fld id="{96DFF08F-DC6B-4601-B491-B0F83F6DD2DA}" type="datetimeFigureOut">
               <a:rPr lang="en-US" dirty="0"/>
               <a:pPr/>
-              <a:t>6/26/14</a:t>
+              <a:t>6/29/14</a:t>
             </a:fld>
             <a:endParaRPr lang="en-US" dirty="0"/>
           </a:p>
@@ -3031,7 +3032,7 @@
           <a:p>
             <a:fld id="{96DFF08F-DC6B-4601-B491-B0F83F6DD2DA}" type="datetimeFigureOut">
               <a:rPr lang="en-US" dirty="0"/>
-              <a:t>6/26/14</a:t>
+              <a:t>6/29/14</a:t>
             </a:fld>
             <a:endParaRPr lang="en-US" dirty="0"/>
           </a:p>
@@ -3314,7 +3315,7 @@
             <a:fld id="{96DFF08F-DC6B-4601-B491-B0F83F6DD2DA}" type="datetimeFigureOut">
               <a:rPr lang="en-US" dirty="0"/>
               <a:pPr/>
-              <a:t>6/26/14</a:t>
+              <a:t>6/29/14</a:t>
             </a:fld>
             <a:endParaRPr lang="en-US" dirty="0"/>
           </a:p>
@@ -3940,6 +3941,1646 @@
       </p:grpSpPr>
       <p:sp>
         <p:nvSpPr>
+          <p:cNvPr id="3" name="Rectangle 2"/>
+          <p:cNvSpPr/>
+          <p:nvPr/>
+        </p:nvSpPr>
+        <p:spPr>
+          <a:xfrm>
+            <a:off x="6611" y="377047"/>
+            <a:ext cx="580770" cy="2862322"/>
+          </a:xfrm>
+          <a:prstGeom prst="rect">
+            <a:avLst/>
+          </a:prstGeom>
+        </p:spPr>
+        <p:txBody>
+          <a:bodyPr wrap="square">
+            <a:spAutoFit/>
+          </a:bodyPr>
+          <a:lstStyle/>
+          <a:p>
+            <a:r>
+              <a:rPr lang="en-US" dirty="0" smtClean="0">
+                <a:solidFill>
+                  <a:srgbClr val="2B91AF"/>
+                </a:solidFill>
+                <a:highlight>
+                  <a:srgbClr val="FFFFFF"/>
+                </a:highlight>
+                <a:latin typeface="Consolas" panose="020B0609020204030204" pitchFamily="49" charset="0"/>
+              </a:rPr>
+              <a:t>58 </a:t>
+            </a:r>
+          </a:p>
+          <a:p>
+            <a:r>
+              <a:rPr lang="en-US" dirty="0" smtClean="0">
+                <a:solidFill>
+                  <a:srgbClr val="2B91AF"/>
+                </a:solidFill>
+                <a:highlight>
+                  <a:srgbClr val="FFFFFF"/>
+                </a:highlight>
+                <a:latin typeface="Consolas" panose="020B0609020204030204" pitchFamily="49" charset="0"/>
+              </a:rPr>
+              <a:t>59 </a:t>
+            </a:r>
+          </a:p>
+          <a:p>
+            <a:r>
+              <a:rPr lang="en-US" dirty="0" smtClean="0">
+                <a:solidFill>
+                  <a:srgbClr val="2B91AF"/>
+                </a:solidFill>
+                <a:highlight>
+                  <a:srgbClr val="FFFFFF"/>
+                </a:highlight>
+                <a:latin typeface="Consolas" panose="020B0609020204030204" pitchFamily="49" charset="0"/>
+              </a:rPr>
+              <a:t>60 </a:t>
+            </a:r>
+          </a:p>
+          <a:p>
+            <a:r>
+              <a:rPr lang="en-US" dirty="0" smtClean="0">
+                <a:solidFill>
+                  <a:srgbClr val="2B91AF"/>
+                </a:solidFill>
+                <a:highlight>
+                  <a:srgbClr val="FFFFFF"/>
+                </a:highlight>
+                <a:latin typeface="Consolas" panose="020B0609020204030204" pitchFamily="49" charset="0"/>
+              </a:rPr>
+              <a:t>61</a:t>
+            </a:r>
+          </a:p>
+          <a:p>
+            <a:r>
+              <a:rPr lang="en-US" dirty="0" smtClean="0">
+                <a:solidFill>
+                  <a:srgbClr val="2B91AF"/>
+                </a:solidFill>
+                <a:highlight>
+                  <a:srgbClr val="FFFFFF"/>
+                </a:highlight>
+                <a:latin typeface="Consolas" panose="020B0609020204030204" pitchFamily="49" charset="0"/>
+              </a:rPr>
+              <a:t>62</a:t>
+            </a:r>
+          </a:p>
+          <a:p>
+            <a:r>
+              <a:rPr lang="en-US" dirty="0" smtClean="0">
+                <a:solidFill>
+                  <a:srgbClr val="2B91AF"/>
+                </a:solidFill>
+                <a:highlight>
+                  <a:srgbClr val="FFFFFF"/>
+                </a:highlight>
+                <a:latin typeface="Consolas" panose="020B0609020204030204" pitchFamily="49" charset="0"/>
+              </a:rPr>
+              <a:t>63</a:t>
+            </a:r>
+          </a:p>
+          <a:p>
+            <a:r>
+              <a:rPr lang="en-US" dirty="0" smtClean="0">
+                <a:solidFill>
+                  <a:srgbClr val="2B91AF"/>
+                </a:solidFill>
+                <a:highlight>
+                  <a:srgbClr val="FFFFFF"/>
+                </a:highlight>
+                <a:latin typeface="Consolas" panose="020B0609020204030204" pitchFamily="49" charset="0"/>
+              </a:rPr>
+              <a:t>64</a:t>
+            </a:r>
+          </a:p>
+          <a:p>
+            <a:r>
+              <a:rPr lang="en-US" dirty="0" smtClean="0">
+                <a:solidFill>
+                  <a:srgbClr val="2B91AF"/>
+                </a:solidFill>
+                <a:highlight>
+                  <a:srgbClr val="FFFFFF"/>
+                </a:highlight>
+                <a:latin typeface="Consolas" panose="020B0609020204030204" pitchFamily="49" charset="0"/>
+              </a:rPr>
+              <a:t>65</a:t>
+            </a:r>
+          </a:p>
+          <a:p>
+            <a:r>
+              <a:rPr lang="en-US" dirty="0" smtClean="0">
+                <a:solidFill>
+                  <a:srgbClr val="2B91AF"/>
+                </a:solidFill>
+                <a:highlight>
+                  <a:srgbClr val="FFFFFF"/>
+                </a:highlight>
+                <a:latin typeface="Consolas" panose="020B0609020204030204" pitchFamily="49" charset="0"/>
+              </a:rPr>
+              <a:t>66</a:t>
+            </a:r>
+            <a:endParaRPr lang="en-US" dirty="0">
+              <a:solidFill>
+                <a:srgbClr val="2B91AF"/>
+              </a:solidFill>
+              <a:highlight>
+                <a:srgbClr val="FFFFFF"/>
+              </a:highlight>
+              <a:latin typeface="Consolas" panose="020B0609020204030204" pitchFamily="49" charset="0"/>
+            </a:endParaRPr>
+          </a:p>
+          <a:p>
+            <a:r>
+              <a:rPr lang="en-US" dirty="0" smtClean="0">
+                <a:solidFill>
+                  <a:srgbClr val="2B91AF"/>
+                </a:solidFill>
+                <a:highlight>
+                  <a:srgbClr val="FFFFFF"/>
+                </a:highlight>
+                <a:latin typeface="Consolas" panose="020B0609020204030204" pitchFamily="49" charset="0"/>
+              </a:rPr>
+              <a:t>67</a:t>
+            </a:r>
+            <a:endParaRPr lang="en-US" dirty="0">
+              <a:solidFill>
+                <a:srgbClr val="2B91AF"/>
+              </a:solidFill>
+              <a:highlight>
+                <a:srgbClr val="FFFFFF"/>
+              </a:highlight>
+              <a:latin typeface="Consolas" panose="020B0609020204030204" pitchFamily="49" charset="0"/>
+            </a:endParaRPr>
+          </a:p>
+        </p:txBody>
+      </p:sp>
+      <p:sp>
+        <p:nvSpPr>
+          <p:cNvPr id="5" name="Rectangle 4"/>
+          <p:cNvSpPr/>
+          <p:nvPr/>
+        </p:nvSpPr>
+        <p:spPr>
+          <a:xfrm>
+            <a:off x="3018791" y="3718790"/>
+            <a:ext cx="9118164" cy="1477328"/>
+          </a:xfrm>
+          <a:prstGeom prst="rect">
+            <a:avLst/>
+          </a:prstGeom>
+          <a:ln w="57150">
+            <a:solidFill>
+              <a:srgbClr val="FF0000"/>
+            </a:solidFill>
+          </a:ln>
+        </p:spPr>
+        <p:txBody>
+          <a:bodyPr wrap="square">
+            <a:spAutoFit/>
+          </a:bodyPr>
+          <a:lstStyle/>
+          <a:p>
+            <a:r>
+              <a:rPr lang="en-US" dirty="0" err="1">
+                <a:solidFill>
+                  <a:srgbClr val="000000"/>
+                </a:solidFill>
+                <a:latin typeface="Consolas" panose="020B0609020204030204" pitchFamily="49" charset="0"/>
+              </a:rPr>
+              <a:t>System.OutOfMemoryException</a:t>
+            </a:r>
+            <a:r>
+              <a:rPr lang="en-US" dirty="0">
+                <a:solidFill>
+                  <a:srgbClr val="000000"/>
+                </a:solidFill>
+                <a:latin typeface="Consolas" panose="020B0609020204030204" pitchFamily="49" charset="0"/>
+              </a:rPr>
+              <a:t>: Out of memory.</a:t>
+            </a:r>
+          </a:p>
+          <a:p>
+            <a:r>
+              <a:rPr lang="en-US" dirty="0">
+                <a:solidFill>
+                  <a:srgbClr val="000000"/>
+                </a:solidFill>
+                <a:latin typeface="Consolas" panose="020B0609020204030204" pitchFamily="49" charset="0"/>
+              </a:rPr>
+              <a:t>   at </a:t>
+            </a:r>
+            <a:r>
+              <a:rPr lang="en-US" dirty="0" err="1" smtClean="0">
+                <a:solidFill>
+                  <a:srgbClr val="000000"/>
+                </a:solidFill>
+                <a:latin typeface="Consolas" panose="020B0609020204030204" pitchFamily="49" charset="0"/>
+              </a:rPr>
+              <a:t>LinearGradientBrush</a:t>
+            </a:r>
+            <a:r>
+              <a:rPr lang="en-US" dirty="0">
+                <a:solidFill>
+                  <a:srgbClr val="000000"/>
+                </a:solidFill>
+                <a:latin typeface="Consolas" panose="020B0609020204030204" pitchFamily="49" charset="0"/>
+              </a:rPr>
+              <a:t>..</a:t>
+            </a:r>
+            <a:r>
+              <a:rPr lang="en-US" dirty="0" err="1">
+                <a:solidFill>
+                  <a:srgbClr val="000000"/>
+                </a:solidFill>
+                <a:latin typeface="Consolas" panose="020B0609020204030204" pitchFamily="49" charset="0"/>
+              </a:rPr>
+              <a:t>ctor</a:t>
+            </a:r>
+            <a:r>
+              <a:rPr lang="en-US" dirty="0">
+                <a:solidFill>
+                  <a:srgbClr val="000000"/>
+                </a:solidFill>
+                <a:latin typeface="Consolas" panose="020B0609020204030204" pitchFamily="49" charset="0"/>
+              </a:rPr>
+              <a:t>(Point </a:t>
+            </a:r>
+            <a:r>
+              <a:rPr lang="en-US" dirty="0" smtClean="0">
+                <a:solidFill>
+                  <a:srgbClr val="000000"/>
+                </a:solidFill>
+                <a:latin typeface="Consolas" panose="020B0609020204030204" pitchFamily="49" charset="0"/>
+              </a:rPr>
+              <a:t>p1, </a:t>
+            </a:r>
+            <a:r>
+              <a:rPr lang="en-US" dirty="0">
+                <a:solidFill>
+                  <a:srgbClr val="000000"/>
+                </a:solidFill>
+                <a:latin typeface="Consolas" panose="020B0609020204030204" pitchFamily="49" charset="0"/>
+              </a:rPr>
+              <a:t>Point </a:t>
+            </a:r>
+            <a:r>
+              <a:rPr lang="en-US" dirty="0" smtClean="0">
+                <a:solidFill>
+                  <a:srgbClr val="000000"/>
+                </a:solidFill>
+                <a:latin typeface="Consolas" panose="020B0609020204030204" pitchFamily="49" charset="0"/>
+              </a:rPr>
+              <a:t>p2</a:t>
+            </a:r>
+            <a:r>
+              <a:rPr lang="en-US" dirty="0">
+                <a:solidFill>
+                  <a:srgbClr val="000000"/>
+                </a:solidFill>
+                <a:latin typeface="Consolas" panose="020B0609020204030204" pitchFamily="49" charset="0"/>
+              </a:rPr>
+              <a:t>, Color </a:t>
+            </a:r>
+            <a:r>
+              <a:rPr lang="en-US" dirty="0" smtClean="0">
+                <a:solidFill>
+                  <a:srgbClr val="000000"/>
+                </a:solidFill>
+                <a:latin typeface="Consolas" panose="020B0609020204030204" pitchFamily="49" charset="0"/>
+              </a:rPr>
+              <a:t>c1</a:t>
+            </a:r>
+            <a:r>
+              <a:rPr lang="en-US" dirty="0">
+                <a:solidFill>
+                  <a:srgbClr val="000000"/>
+                </a:solidFill>
+                <a:latin typeface="Consolas" panose="020B0609020204030204" pitchFamily="49" charset="0"/>
+              </a:rPr>
+              <a:t>, Color </a:t>
+            </a:r>
+            <a:r>
+              <a:rPr lang="en-US" dirty="0" smtClean="0">
+                <a:solidFill>
+                  <a:srgbClr val="000000"/>
+                </a:solidFill>
+                <a:latin typeface="Consolas" panose="020B0609020204030204" pitchFamily="49" charset="0"/>
+              </a:rPr>
+              <a:t>c2</a:t>
+            </a:r>
+            <a:r>
+              <a:rPr lang="en-US" dirty="0">
+                <a:solidFill>
+                  <a:srgbClr val="000000"/>
+                </a:solidFill>
+                <a:latin typeface="Consolas" panose="020B0609020204030204" pitchFamily="49" charset="0"/>
+              </a:rPr>
+              <a:t>)</a:t>
+            </a:r>
+          </a:p>
+          <a:p>
+            <a:r>
+              <a:rPr lang="en-US" dirty="0">
+                <a:solidFill>
+                  <a:srgbClr val="000000"/>
+                </a:solidFill>
+                <a:latin typeface="Consolas" panose="020B0609020204030204" pitchFamily="49" charset="0"/>
+              </a:rPr>
+              <a:t>   at </a:t>
+            </a:r>
+            <a:r>
+              <a:rPr lang="en-US" dirty="0" err="1" smtClean="0">
+                <a:solidFill>
+                  <a:srgbClr val="000000"/>
+                </a:solidFill>
+                <a:latin typeface="Consolas" panose="020B0609020204030204" pitchFamily="49" charset="0"/>
+              </a:rPr>
+              <a:t>MyForm.OnPaint</a:t>
+            </a:r>
+            <a:r>
+              <a:rPr lang="en-US" dirty="0" smtClean="0">
+                <a:solidFill>
+                  <a:srgbClr val="000000"/>
+                </a:solidFill>
+                <a:latin typeface="Consolas" panose="020B0609020204030204" pitchFamily="49" charset="0"/>
+              </a:rPr>
+              <a:t>(</a:t>
+            </a:r>
+            <a:r>
+              <a:rPr lang="en-US" dirty="0" err="1" smtClean="0">
+                <a:solidFill>
+                  <a:srgbClr val="000000"/>
+                </a:solidFill>
+                <a:latin typeface="Consolas" panose="020B0609020204030204" pitchFamily="49" charset="0"/>
+              </a:rPr>
+              <a:t>PaintEventArgs</a:t>
+            </a:r>
+            <a:r>
+              <a:rPr lang="en-US" dirty="0" smtClean="0">
+                <a:solidFill>
+                  <a:srgbClr val="000000"/>
+                </a:solidFill>
+                <a:latin typeface="Consolas" panose="020B0609020204030204" pitchFamily="49" charset="0"/>
+              </a:rPr>
+              <a:t> </a:t>
+            </a:r>
+            <a:r>
+              <a:rPr lang="en-US" dirty="0">
+                <a:solidFill>
+                  <a:srgbClr val="000000"/>
+                </a:solidFill>
+                <a:latin typeface="Consolas" panose="020B0609020204030204" pitchFamily="49" charset="0"/>
+              </a:rPr>
+              <a:t>e) in c</a:t>
+            </a:r>
+            <a:r>
+              <a:rPr lang="en-US" dirty="0" smtClean="0">
+                <a:solidFill>
+                  <a:srgbClr val="000000"/>
+                </a:solidFill>
+                <a:latin typeface="Consolas" panose="020B0609020204030204" pitchFamily="49" charset="0"/>
+              </a:rPr>
+              <a:t>:\...\</a:t>
+            </a:r>
+            <a:r>
+              <a:rPr lang="en-US" dirty="0">
+                <a:solidFill>
+                  <a:srgbClr val="000000"/>
+                </a:solidFill>
+                <a:latin typeface="Consolas" panose="020B0609020204030204" pitchFamily="49" charset="0"/>
+              </a:rPr>
+              <a:t>UnitTest1.cs:line 64</a:t>
+            </a:r>
+          </a:p>
+          <a:p>
+            <a:r>
+              <a:rPr lang="en-US" dirty="0">
+                <a:solidFill>
+                  <a:srgbClr val="000000"/>
+                </a:solidFill>
+                <a:latin typeface="Consolas" panose="020B0609020204030204" pitchFamily="49" charset="0"/>
+              </a:rPr>
+              <a:t>   at </a:t>
+            </a:r>
+            <a:r>
+              <a:rPr lang="en-US" dirty="0" err="1" smtClean="0">
+                <a:solidFill>
+                  <a:srgbClr val="000000"/>
+                </a:solidFill>
+                <a:latin typeface="Consolas" panose="020B0609020204030204" pitchFamily="49" charset="0"/>
+              </a:rPr>
+              <a:t>Control.PaintWithErrorHandling</a:t>
+            </a:r>
+            <a:r>
+              <a:rPr lang="en-US" dirty="0" smtClean="0">
+                <a:solidFill>
+                  <a:srgbClr val="000000"/>
+                </a:solidFill>
+                <a:latin typeface="Consolas" panose="020B0609020204030204" pitchFamily="49" charset="0"/>
+              </a:rPr>
+              <a:t>(</a:t>
+            </a:r>
+            <a:r>
+              <a:rPr lang="en-US" dirty="0" err="1" smtClean="0">
+                <a:solidFill>
+                  <a:srgbClr val="000000"/>
+                </a:solidFill>
+                <a:latin typeface="Consolas" panose="020B0609020204030204" pitchFamily="49" charset="0"/>
+              </a:rPr>
+              <a:t>PaintEventArgs</a:t>
+            </a:r>
+            <a:r>
+              <a:rPr lang="en-US" dirty="0" smtClean="0">
+                <a:solidFill>
+                  <a:srgbClr val="000000"/>
+                </a:solidFill>
+                <a:latin typeface="Consolas" panose="020B0609020204030204" pitchFamily="49" charset="0"/>
+              </a:rPr>
+              <a:t> </a:t>
+            </a:r>
+            <a:r>
+              <a:rPr lang="en-US" dirty="0">
+                <a:solidFill>
+                  <a:srgbClr val="000000"/>
+                </a:solidFill>
+                <a:latin typeface="Consolas" panose="020B0609020204030204" pitchFamily="49" charset="0"/>
+              </a:rPr>
+              <a:t>e, Int16 layer)</a:t>
+            </a:r>
+          </a:p>
+          <a:p>
+            <a:r>
+              <a:rPr lang="en-US" dirty="0">
+                <a:solidFill>
+                  <a:srgbClr val="000000"/>
+                </a:solidFill>
+                <a:latin typeface="Consolas" panose="020B0609020204030204" pitchFamily="49" charset="0"/>
+              </a:rPr>
+              <a:t>   at </a:t>
+            </a:r>
+            <a:r>
+              <a:rPr lang="en-US" dirty="0" err="1" smtClean="0">
+                <a:solidFill>
+                  <a:srgbClr val="000000"/>
+                </a:solidFill>
+                <a:latin typeface="Consolas" panose="020B0609020204030204" pitchFamily="49" charset="0"/>
+              </a:rPr>
+              <a:t>Control.OnPrint</a:t>
+            </a:r>
+            <a:r>
+              <a:rPr lang="en-US" dirty="0" smtClean="0">
+                <a:solidFill>
+                  <a:srgbClr val="000000"/>
+                </a:solidFill>
+                <a:latin typeface="Consolas" panose="020B0609020204030204" pitchFamily="49" charset="0"/>
+              </a:rPr>
+              <a:t>(</a:t>
+            </a:r>
+            <a:r>
+              <a:rPr lang="en-US" dirty="0" err="1" smtClean="0">
+                <a:solidFill>
+                  <a:srgbClr val="000000"/>
+                </a:solidFill>
+                <a:latin typeface="Consolas" panose="020B0609020204030204" pitchFamily="49" charset="0"/>
+              </a:rPr>
+              <a:t>PaintEventArgs</a:t>
+            </a:r>
+            <a:r>
+              <a:rPr lang="en-US" dirty="0" smtClean="0">
+                <a:solidFill>
+                  <a:srgbClr val="000000"/>
+                </a:solidFill>
+                <a:latin typeface="Consolas" panose="020B0609020204030204" pitchFamily="49" charset="0"/>
+              </a:rPr>
+              <a:t> </a:t>
+            </a:r>
+            <a:r>
+              <a:rPr lang="en-US" dirty="0">
+                <a:solidFill>
+                  <a:srgbClr val="000000"/>
+                </a:solidFill>
+                <a:latin typeface="Consolas" panose="020B0609020204030204" pitchFamily="49" charset="0"/>
+              </a:rPr>
+              <a:t>e)</a:t>
+            </a:r>
+            <a:endParaRPr lang="en-US" dirty="0">
+              <a:solidFill>
+                <a:srgbClr val="000000"/>
+              </a:solidFill>
+              <a:latin typeface="Calibri" panose="020F0502020204030204" pitchFamily="34" charset="0"/>
+            </a:endParaRPr>
+          </a:p>
+        </p:txBody>
+      </p:sp>
+      <p:sp>
+        <p:nvSpPr>
+          <p:cNvPr id="7" name="TextBox 6"/>
+          <p:cNvSpPr txBox="1"/>
+          <p:nvPr/>
+        </p:nvSpPr>
+        <p:spPr>
+          <a:xfrm>
+            <a:off x="146387" y="3644804"/>
+            <a:ext cx="2657331" cy="2154436"/>
+          </a:xfrm>
+          <a:prstGeom prst="rect">
+            <a:avLst/>
+          </a:prstGeom>
+          <a:noFill/>
+          <a:ln>
+            <a:solidFill>
+              <a:schemeClr val="accent1"/>
+            </a:solidFill>
+          </a:ln>
+        </p:spPr>
+        <p:txBody>
+          <a:bodyPr wrap="none" rtlCol="0">
+            <a:spAutoFit/>
+          </a:bodyPr>
+          <a:lstStyle/>
+          <a:p>
+            <a:r>
+              <a:rPr lang="en-US" sz="2200" dirty="0" smtClean="0"/>
+              <a:t>What went wrong?</a:t>
+            </a:r>
+          </a:p>
+          <a:p>
+            <a:r>
+              <a:rPr lang="en-US" sz="2200" b="1" dirty="0" smtClean="0">
+                <a:solidFill>
+                  <a:srgbClr val="FF0000"/>
+                </a:solidFill>
+              </a:rPr>
+              <a:t>A) </a:t>
+            </a:r>
+            <a:r>
+              <a:rPr lang="en-US" sz="2200" dirty="0" smtClean="0"/>
+              <a:t>10,000 rectangles</a:t>
+            </a:r>
+          </a:p>
+          <a:p>
+            <a:r>
+              <a:rPr lang="en-US" sz="2200" b="1" dirty="0" smtClean="0">
+                <a:solidFill>
+                  <a:srgbClr val="FFC000"/>
+                </a:solidFill>
+              </a:rPr>
+              <a:t>B) </a:t>
+            </a:r>
+            <a:r>
+              <a:rPr lang="en-US" sz="2200" dirty="0" smtClean="0"/>
+              <a:t>Brush too big</a:t>
+            </a:r>
+          </a:p>
+          <a:p>
+            <a:r>
+              <a:rPr lang="en-US" sz="2200" b="1" dirty="0" smtClean="0">
+                <a:solidFill>
+                  <a:schemeClr val="accent2"/>
+                </a:solidFill>
+              </a:rPr>
+              <a:t>C)</a:t>
+            </a:r>
+            <a:r>
+              <a:rPr lang="en-US" sz="2200" dirty="0" smtClean="0">
+                <a:solidFill>
+                  <a:schemeClr val="accent2"/>
+                </a:solidFill>
+              </a:rPr>
+              <a:t> </a:t>
+            </a:r>
+            <a:r>
+              <a:rPr lang="en-US" sz="2200" dirty="0" smtClean="0"/>
+              <a:t>Garbage Collection</a:t>
+            </a:r>
+          </a:p>
+          <a:p>
+            <a:r>
+              <a:rPr lang="en-US" sz="2200" b="1" dirty="0" smtClean="0">
+                <a:solidFill>
+                  <a:srgbClr val="00B050"/>
+                </a:solidFill>
+              </a:rPr>
+              <a:t>D) </a:t>
+            </a:r>
+            <a:r>
+              <a:rPr lang="en-US" sz="2200" dirty="0" smtClean="0"/>
+              <a:t>Other</a:t>
+            </a:r>
+          </a:p>
+          <a:p>
+            <a:endParaRPr lang="en-US" sz="2400" dirty="0"/>
+          </a:p>
+        </p:txBody>
+      </p:sp>
+      <p:sp>
+        <p:nvSpPr>
+          <p:cNvPr id="8" name="Rectangle 7"/>
+          <p:cNvSpPr/>
+          <p:nvPr/>
+        </p:nvSpPr>
+        <p:spPr>
+          <a:xfrm>
+            <a:off x="479520" y="377047"/>
+            <a:ext cx="11712479" cy="2862322"/>
+          </a:xfrm>
+          <a:prstGeom prst="rect">
+            <a:avLst/>
+          </a:prstGeom>
+        </p:spPr>
+        <p:txBody>
+          <a:bodyPr wrap="square">
+            <a:spAutoFit/>
+          </a:bodyPr>
+          <a:lstStyle/>
+          <a:p>
+            <a:r>
+              <a:rPr lang="nn-NO" dirty="0">
+                <a:solidFill>
+                  <a:srgbClr val="0000FF"/>
+                </a:solidFill>
+                <a:highlight>
+                  <a:srgbClr val="FFFFFF"/>
+                </a:highlight>
+                <a:latin typeface="Consolas" panose="020B0609020204030204" pitchFamily="49" charset="0"/>
+              </a:rPr>
+              <a:t>for</a:t>
+            </a:r>
+            <a:r>
+              <a:rPr lang="nn-NO" dirty="0">
+                <a:solidFill>
+                  <a:srgbClr val="000000"/>
+                </a:solidFill>
+                <a:highlight>
+                  <a:srgbClr val="FFFFFF"/>
+                </a:highlight>
+                <a:latin typeface="Consolas" panose="020B0609020204030204" pitchFamily="49" charset="0"/>
+              </a:rPr>
+              <a:t> (</a:t>
+            </a:r>
+            <a:r>
+              <a:rPr lang="nn-NO" dirty="0">
+                <a:solidFill>
+                  <a:srgbClr val="0000FF"/>
+                </a:solidFill>
+                <a:highlight>
+                  <a:srgbClr val="FFFFFF"/>
+                </a:highlight>
+                <a:latin typeface="Consolas" panose="020B0609020204030204" pitchFamily="49" charset="0"/>
+              </a:rPr>
+              <a:t>var</a:t>
+            </a:r>
+            <a:r>
+              <a:rPr lang="nn-NO" dirty="0">
+                <a:solidFill>
+                  <a:srgbClr val="000000"/>
+                </a:solidFill>
+                <a:highlight>
+                  <a:srgbClr val="FFFFFF"/>
+                </a:highlight>
+                <a:latin typeface="Consolas" panose="020B0609020204030204" pitchFamily="49" charset="0"/>
+              </a:rPr>
+              <a:t> i = 0; i &lt; 10000; i++)</a:t>
+            </a:r>
+          </a:p>
+          <a:p>
+            <a:r>
+              <a:rPr lang="en-US" dirty="0">
+                <a:solidFill>
+                  <a:srgbClr val="000000"/>
+                </a:solidFill>
+                <a:highlight>
+                  <a:srgbClr val="FFFFFF"/>
+                </a:highlight>
+                <a:latin typeface="Consolas" panose="020B0609020204030204" pitchFamily="49" charset="0"/>
+              </a:rPr>
+              <a:t>{</a:t>
+            </a:r>
+          </a:p>
+          <a:p>
+            <a:r>
+              <a:rPr lang="en-US" dirty="0">
+                <a:solidFill>
+                  <a:srgbClr val="000000"/>
+                </a:solidFill>
+                <a:highlight>
+                  <a:srgbClr val="FFFFFF"/>
+                </a:highlight>
+                <a:latin typeface="Consolas" panose="020B0609020204030204" pitchFamily="49" charset="0"/>
+              </a:rPr>
+              <a:t>    </a:t>
+            </a:r>
+            <a:r>
+              <a:rPr lang="en-US" dirty="0" err="1">
+                <a:solidFill>
+                  <a:srgbClr val="0000FF"/>
+                </a:solidFill>
+                <a:highlight>
+                  <a:srgbClr val="FFFFFF"/>
+                </a:highlight>
+                <a:latin typeface="Consolas" panose="020B0609020204030204" pitchFamily="49" charset="0"/>
+              </a:rPr>
+              <a:t>int</a:t>
+            </a:r>
+            <a:r>
+              <a:rPr lang="en-US" dirty="0">
+                <a:solidFill>
+                  <a:srgbClr val="000000"/>
+                </a:solidFill>
+                <a:highlight>
+                  <a:srgbClr val="FFFFFF"/>
+                </a:highlight>
+                <a:latin typeface="Consolas" panose="020B0609020204030204" pitchFamily="49" charset="0"/>
+              </a:rPr>
+              <a:t> w = </a:t>
+            </a:r>
+            <a:r>
+              <a:rPr lang="en-US" dirty="0" err="1">
+                <a:solidFill>
+                  <a:srgbClr val="000000"/>
+                </a:solidFill>
+                <a:highlight>
+                  <a:srgbClr val="FFFFFF"/>
+                </a:highlight>
+                <a:latin typeface="Consolas" panose="020B0609020204030204" pitchFamily="49" charset="0"/>
+              </a:rPr>
+              <a:t>random.Next</a:t>
+            </a:r>
+            <a:r>
+              <a:rPr lang="en-US" dirty="0">
+                <a:solidFill>
+                  <a:srgbClr val="000000"/>
+                </a:solidFill>
+                <a:highlight>
+                  <a:srgbClr val="FFFFFF"/>
+                </a:highlight>
+                <a:latin typeface="Consolas" panose="020B0609020204030204" pitchFamily="49" charset="0"/>
+              </a:rPr>
+              <a:t>(</a:t>
+            </a:r>
+            <a:r>
+              <a:rPr lang="en-US" dirty="0" err="1">
+                <a:solidFill>
+                  <a:srgbClr val="0000FF"/>
+                </a:solidFill>
+                <a:highlight>
+                  <a:srgbClr val="FFFFFF"/>
+                </a:highlight>
+                <a:latin typeface="Consolas" panose="020B0609020204030204" pitchFamily="49" charset="0"/>
+              </a:rPr>
+              <a:t>this</a:t>
+            </a:r>
+            <a:r>
+              <a:rPr lang="en-US" dirty="0" err="1">
+                <a:solidFill>
+                  <a:srgbClr val="000000"/>
+                </a:solidFill>
+                <a:highlight>
+                  <a:srgbClr val="FFFFFF"/>
+                </a:highlight>
+                <a:latin typeface="Consolas" panose="020B0609020204030204" pitchFamily="49" charset="0"/>
+              </a:rPr>
+              <a:t>.Width</a:t>
+            </a:r>
+            <a:r>
+              <a:rPr lang="en-US" dirty="0">
+                <a:solidFill>
+                  <a:srgbClr val="000000"/>
+                </a:solidFill>
+                <a:highlight>
+                  <a:srgbClr val="FFFFFF"/>
+                </a:highlight>
+                <a:latin typeface="Consolas" panose="020B0609020204030204" pitchFamily="49" charset="0"/>
+              </a:rPr>
+              <a:t>);</a:t>
+            </a:r>
+          </a:p>
+          <a:p>
+            <a:r>
+              <a:rPr lang="en-US" dirty="0">
+                <a:solidFill>
+                  <a:srgbClr val="000000"/>
+                </a:solidFill>
+                <a:highlight>
+                  <a:srgbClr val="FFFFFF"/>
+                </a:highlight>
+                <a:latin typeface="Consolas" panose="020B0609020204030204" pitchFamily="49" charset="0"/>
+              </a:rPr>
+              <a:t>    </a:t>
+            </a:r>
+            <a:r>
+              <a:rPr lang="en-US" dirty="0" err="1">
+                <a:solidFill>
+                  <a:srgbClr val="0000FF"/>
+                </a:solidFill>
+                <a:highlight>
+                  <a:srgbClr val="FFFFFF"/>
+                </a:highlight>
+                <a:latin typeface="Consolas" panose="020B0609020204030204" pitchFamily="49" charset="0"/>
+              </a:rPr>
+              <a:t>int</a:t>
+            </a:r>
+            <a:r>
+              <a:rPr lang="en-US" dirty="0">
+                <a:solidFill>
+                  <a:srgbClr val="000000"/>
+                </a:solidFill>
+                <a:highlight>
+                  <a:srgbClr val="FFFFFF"/>
+                </a:highlight>
+                <a:latin typeface="Consolas" panose="020B0609020204030204" pitchFamily="49" charset="0"/>
+              </a:rPr>
+              <a:t> h = </a:t>
+            </a:r>
+            <a:r>
+              <a:rPr lang="en-US" dirty="0" err="1">
+                <a:solidFill>
+                  <a:srgbClr val="000000"/>
+                </a:solidFill>
+                <a:highlight>
+                  <a:srgbClr val="FFFFFF"/>
+                </a:highlight>
+                <a:latin typeface="Consolas" panose="020B0609020204030204" pitchFamily="49" charset="0"/>
+              </a:rPr>
+              <a:t>random.Next</a:t>
+            </a:r>
+            <a:r>
+              <a:rPr lang="en-US" dirty="0">
+                <a:solidFill>
+                  <a:srgbClr val="000000"/>
+                </a:solidFill>
+                <a:highlight>
+                  <a:srgbClr val="FFFFFF"/>
+                </a:highlight>
+                <a:latin typeface="Consolas" panose="020B0609020204030204" pitchFamily="49" charset="0"/>
+              </a:rPr>
+              <a:t>(</a:t>
+            </a:r>
+            <a:r>
+              <a:rPr lang="en-US" dirty="0" err="1">
+                <a:solidFill>
+                  <a:srgbClr val="0000FF"/>
+                </a:solidFill>
+                <a:highlight>
+                  <a:srgbClr val="FFFFFF"/>
+                </a:highlight>
+                <a:latin typeface="Consolas" panose="020B0609020204030204" pitchFamily="49" charset="0"/>
+              </a:rPr>
+              <a:t>this</a:t>
+            </a:r>
+            <a:r>
+              <a:rPr lang="en-US" dirty="0" err="1">
+                <a:solidFill>
+                  <a:srgbClr val="000000"/>
+                </a:solidFill>
+                <a:highlight>
+                  <a:srgbClr val="FFFFFF"/>
+                </a:highlight>
+                <a:latin typeface="Consolas" panose="020B0609020204030204" pitchFamily="49" charset="0"/>
+              </a:rPr>
+              <a:t>.Height</a:t>
+            </a:r>
+            <a:r>
+              <a:rPr lang="en-US" dirty="0">
+                <a:solidFill>
+                  <a:srgbClr val="000000"/>
+                </a:solidFill>
+                <a:highlight>
+                  <a:srgbClr val="FFFFFF"/>
+                </a:highlight>
+                <a:latin typeface="Consolas" panose="020B0609020204030204" pitchFamily="49" charset="0"/>
+              </a:rPr>
+              <a:t>);</a:t>
+            </a:r>
+          </a:p>
+          <a:p>
+            <a:r>
+              <a:rPr lang="en-US" dirty="0">
+                <a:solidFill>
+                  <a:srgbClr val="000000"/>
+                </a:solidFill>
+                <a:highlight>
+                  <a:srgbClr val="FFFFFF"/>
+                </a:highlight>
+                <a:latin typeface="Consolas" panose="020B0609020204030204" pitchFamily="49" charset="0"/>
+              </a:rPr>
+              <a:t>    </a:t>
+            </a:r>
+            <a:r>
+              <a:rPr lang="en-US" dirty="0" err="1">
+                <a:solidFill>
+                  <a:srgbClr val="0000FF"/>
+                </a:solidFill>
+                <a:highlight>
+                  <a:srgbClr val="FFFFFF"/>
+                </a:highlight>
+                <a:latin typeface="Consolas" panose="020B0609020204030204" pitchFamily="49" charset="0"/>
+              </a:rPr>
+              <a:t>var</a:t>
+            </a:r>
+            <a:r>
+              <a:rPr lang="en-US" dirty="0">
+                <a:solidFill>
+                  <a:srgbClr val="000000"/>
+                </a:solidFill>
+                <a:highlight>
+                  <a:srgbClr val="FFFFFF"/>
+                </a:highlight>
+                <a:latin typeface="Consolas" panose="020B0609020204030204" pitchFamily="49" charset="0"/>
+              </a:rPr>
+              <a:t> start = </a:t>
+            </a:r>
+            <a:r>
+              <a:rPr lang="en-US" dirty="0">
+                <a:solidFill>
+                  <a:srgbClr val="0000FF"/>
+                </a:solidFill>
+                <a:highlight>
+                  <a:srgbClr val="FFFFFF"/>
+                </a:highlight>
+                <a:latin typeface="Consolas" panose="020B0609020204030204" pitchFamily="49" charset="0"/>
+              </a:rPr>
+              <a:t>new</a:t>
+            </a:r>
+            <a:r>
+              <a:rPr lang="en-US" dirty="0">
+                <a:solidFill>
+                  <a:srgbClr val="000000"/>
+                </a:solidFill>
+                <a:highlight>
+                  <a:srgbClr val="FFFFFF"/>
+                </a:highlight>
+                <a:latin typeface="Consolas" panose="020B0609020204030204" pitchFamily="49" charset="0"/>
+              </a:rPr>
+              <a:t> </a:t>
+            </a:r>
+            <a:r>
+              <a:rPr lang="en-US" dirty="0">
+                <a:solidFill>
+                  <a:srgbClr val="2B91AF"/>
+                </a:solidFill>
+                <a:highlight>
+                  <a:srgbClr val="FFFFFF"/>
+                </a:highlight>
+                <a:latin typeface="Consolas" panose="020B0609020204030204" pitchFamily="49" charset="0"/>
+              </a:rPr>
+              <a:t>Point</a:t>
+            </a:r>
+            <a:r>
+              <a:rPr lang="en-US" dirty="0">
+                <a:solidFill>
+                  <a:srgbClr val="000000"/>
+                </a:solidFill>
+                <a:highlight>
+                  <a:srgbClr val="FFFFFF"/>
+                </a:highlight>
+                <a:latin typeface="Consolas" panose="020B0609020204030204" pitchFamily="49" charset="0"/>
+              </a:rPr>
+              <a:t>(0, 0);</a:t>
+            </a:r>
+          </a:p>
+          <a:p>
+            <a:r>
+              <a:rPr lang="en-US" dirty="0">
+                <a:solidFill>
+                  <a:srgbClr val="000000"/>
+                </a:solidFill>
+                <a:highlight>
+                  <a:srgbClr val="FFFFFF"/>
+                </a:highlight>
+                <a:latin typeface="Consolas" panose="020B0609020204030204" pitchFamily="49" charset="0"/>
+              </a:rPr>
+              <a:t>    </a:t>
+            </a:r>
+            <a:r>
+              <a:rPr lang="en-US" dirty="0" err="1">
+                <a:solidFill>
+                  <a:srgbClr val="0000FF"/>
+                </a:solidFill>
+                <a:highlight>
+                  <a:srgbClr val="FFFFFF"/>
+                </a:highlight>
+                <a:latin typeface="Consolas" panose="020B0609020204030204" pitchFamily="49" charset="0"/>
+              </a:rPr>
+              <a:t>var</a:t>
+            </a:r>
+            <a:r>
+              <a:rPr lang="en-US" dirty="0">
+                <a:solidFill>
+                  <a:srgbClr val="000000"/>
+                </a:solidFill>
+                <a:highlight>
+                  <a:srgbClr val="FFFFFF"/>
+                </a:highlight>
+                <a:latin typeface="Consolas" panose="020B0609020204030204" pitchFamily="49" charset="0"/>
+              </a:rPr>
+              <a:t> end = </a:t>
+            </a:r>
+            <a:r>
+              <a:rPr lang="en-US" dirty="0">
+                <a:solidFill>
+                  <a:srgbClr val="0000FF"/>
+                </a:solidFill>
+                <a:highlight>
+                  <a:srgbClr val="FFFFFF"/>
+                </a:highlight>
+                <a:latin typeface="Consolas" panose="020B0609020204030204" pitchFamily="49" charset="0"/>
+              </a:rPr>
+              <a:t>new</a:t>
+            </a:r>
+            <a:r>
+              <a:rPr lang="en-US" dirty="0">
+                <a:solidFill>
+                  <a:srgbClr val="000000"/>
+                </a:solidFill>
+                <a:highlight>
+                  <a:srgbClr val="FFFFFF"/>
+                </a:highlight>
+                <a:latin typeface="Consolas" panose="020B0609020204030204" pitchFamily="49" charset="0"/>
+              </a:rPr>
+              <a:t> </a:t>
+            </a:r>
+            <a:r>
+              <a:rPr lang="en-US" dirty="0">
+                <a:solidFill>
+                  <a:srgbClr val="2B91AF"/>
+                </a:solidFill>
+                <a:highlight>
+                  <a:srgbClr val="FFFFFF"/>
+                </a:highlight>
+                <a:latin typeface="Consolas" panose="020B0609020204030204" pitchFamily="49" charset="0"/>
+              </a:rPr>
+              <a:t>Point</a:t>
+            </a:r>
+            <a:r>
+              <a:rPr lang="en-US" dirty="0">
+                <a:solidFill>
+                  <a:srgbClr val="000000"/>
+                </a:solidFill>
+                <a:highlight>
+                  <a:srgbClr val="FFFFFF"/>
+                </a:highlight>
+                <a:latin typeface="Consolas" panose="020B0609020204030204" pitchFamily="49" charset="0"/>
+              </a:rPr>
+              <a:t>(w, h);</a:t>
+            </a:r>
+          </a:p>
+          <a:p>
+            <a:r>
+              <a:rPr lang="en-US" dirty="0">
+                <a:solidFill>
+                  <a:srgbClr val="000000"/>
+                </a:solidFill>
+                <a:highlight>
+                  <a:srgbClr val="FFFFFF"/>
+                </a:highlight>
+                <a:latin typeface="Consolas" panose="020B0609020204030204" pitchFamily="49" charset="0"/>
+              </a:rPr>
+              <a:t>    </a:t>
+            </a:r>
+            <a:r>
+              <a:rPr lang="en-US" dirty="0" err="1">
+                <a:solidFill>
+                  <a:srgbClr val="0000FF"/>
+                </a:solidFill>
+                <a:highlight>
+                  <a:srgbClr val="FFFFFF"/>
+                </a:highlight>
+                <a:latin typeface="Consolas" panose="020B0609020204030204" pitchFamily="49" charset="0"/>
+              </a:rPr>
+              <a:t>var</a:t>
+            </a:r>
+            <a:r>
+              <a:rPr lang="en-US" dirty="0">
+                <a:solidFill>
+                  <a:srgbClr val="000000"/>
+                </a:solidFill>
+                <a:highlight>
+                  <a:srgbClr val="FFFFFF"/>
+                </a:highlight>
+                <a:latin typeface="Consolas" panose="020B0609020204030204" pitchFamily="49" charset="0"/>
+              </a:rPr>
+              <a:t> b = </a:t>
+            </a:r>
+            <a:r>
+              <a:rPr lang="en-US" dirty="0">
+                <a:solidFill>
+                  <a:srgbClr val="0000FF"/>
+                </a:solidFill>
+                <a:highlight>
+                  <a:srgbClr val="FFFFFF"/>
+                </a:highlight>
+                <a:latin typeface="Consolas" panose="020B0609020204030204" pitchFamily="49" charset="0"/>
+              </a:rPr>
+              <a:t>new</a:t>
+            </a:r>
+            <a:r>
+              <a:rPr lang="en-US" dirty="0">
+                <a:solidFill>
+                  <a:srgbClr val="000000"/>
+                </a:solidFill>
+                <a:highlight>
+                  <a:srgbClr val="FFFFFF"/>
+                </a:highlight>
+                <a:latin typeface="Consolas" panose="020B0609020204030204" pitchFamily="49" charset="0"/>
+              </a:rPr>
+              <a:t> </a:t>
+            </a:r>
+            <a:r>
+              <a:rPr lang="en-US" dirty="0" err="1">
+                <a:solidFill>
+                  <a:srgbClr val="2B91AF"/>
+                </a:solidFill>
+                <a:highlight>
+                  <a:srgbClr val="FFFFFF"/>
+                </a:highlight>
+                <a:latin typeface="Consolas" panose="020B0609020204030204" pitchFamily="49" charset="0"/>
+              </a:rPr>
+              <a:t>LinearGradientBrush</a:t>
+            </a:r>
+            <a:r>
+              <a:rPr lang="en-US" dirty="0">
+                <a:solidFill>
+                  <a:srgbClr val="000000"/>
+                </a:solidFill>
+                <a:highlight>
+                  <a:srgbClr val="FFFFFF"/>
+                </a:highlight>
+                <a:latin typeface="Consolas" panose="020B0609020204030204" pitchFamily="49" charset="0"/>
+              </a:rPr>
+              <a:t>(start, end, </a:t>
+            </a:r>
+            <a:r>
+              <a:rPr lang="en-US" dirty="0" err="1">
+                <a:solidFill>
+                  <a:srgbClr val="2B91AF"/>
+                </a:solidFill>
+                <a:highlight>
+                  <a:srgbClr val="FFFFFF"/>
+                </a:highlight>
+                <a:latin typeface="Consolas" panose="020B0609020204030204" pitchFamily="49" charset="0"/>
+              </a:rPr>
+              <a:t>Color</a:t>
+            </a:r>
+            <a:r>
+              <a:rPr lang="en-US" dirty="0" err="1">
+                <a:solidFill>
+                  <a:srgbClr val="000000"/>
+                </a:solidFill>
+                <a:highlight>
+                  <a:srgbClr val="FFFFFF"/>
+                </a:highlight>
+                <a:latin typeface="Consolas" panose="020B0609020204030204" pitchFamily="49" charset="0"/>
+              </a:rPr>
+              <a:t>.Red</a:t>
+            </a:r>
+            <a:r>
+              <a:rPr lang="en-US" dirty="0">
+                <a:solidFill>
+                  <a:srgbClr val="000000"/>
+                </a:solidFill>
+                <a:highlight>
+                  <a:srgbClr val="FFFFFF"/>
+                </a:highlight>
+                <a:latin typeface="Consolas" panose="020B0609020204030204" pitchFamily="49" charset="0"/>
+              </a:rPr>
+              <a:t>, </a:t>
+            </a:r>
+            <a:r>
+              <a:rPr lang="en-US" dirty="0" err="1">
+                <a:solidFill>
+                  <a:srgbClr val="2B91AF"/>
+                </a:solidFill>
+                <a:highlight>
+                  <a:srgbClr val="FFFFFF"/>
+                </a:highlight>
+                <a:latin typeface="Consolas" panose="020B0609020204030204" pitchFamily="49" charset="0"/>
+              </a:rPr>
+              <a:t>Color</a:t>
+            </a:r>
+            <a:r>
+              <a:rPr lang="en-US" dirty="0" err="1">
+                <a:solidFill>
+                  <a:srgbClr val="000000"/>
+                </a:solidFill>
+                <a:highlight>
+                  <a:srgbClr val="FFFFFF"/>
+                </a:highlight>
+                <a:latin typeface="Consolas" panose="020B0609020204030204" pitchFamily="49" charset="0"/>
+              </a:rPr>
+              <a:t>.Blue</a:t>
+            </a:r>
+            <a:r>
+              <a:rPr lang="en-US" dirty="0">
+                <a:solidFill>
+                  <a:srgbClr val="000000"/>
+                </a:solidFill>
+                <a:highlight>
+                  <a:srgbClr val="FFFFFF"/>
+                </a:highlight>
+                <a:latin typeface="Consolas" panose="020B0609020204030204" pitchFamily="49" charset="0"/>
+              </a:rPr>
+              <a:t>);</a:t>
+            </a:r>
+          </a:p>
+          <a:p>
+            <a:r>
+              <a:rPr lang="en-US" dirty="0">
+                <a:solidFill>
+                  <a:srgbClr val="000000"/>
+                </a:solidFill>
+                <a:highlight>
+                  <a:srgbClr val="FFFFFF"/>
+                </a:highlight>
+                <a:latin typeface="Consolas" panose="020B0609020204030204" pitchFamily="49" charset="0"/>
+              </a:rPr>
+              <a:t>    </a:t>
+            </a:r>
+            <a:r>
+              <a:rPr lang="en-US" dirty="0" err="1">
+                <a:solidFill>
+                  <a:srgbClr val="0000FF"/>
+                </a:solidFill>
+                <a:highlight>
+                  <a:srgbClr val="FFFFFF"/>
+                </a:highlight>
+                <a:latin typeface="Consolas" panose="020B0609020204030204" pitchFamily="49" charset="0"/>
+              </a:rPr>
+              <a:t>var</a:t>
+            </a:r>
+            <a:r>
+              <a:rPr lang="en-US" dirty="0">
+                <a:solidFill>
+                  <a:srgbClr val="000000"/>
+                </a:solidFill>
+                <a:highlight>
+                  <a:srgbClr val="FFFFFF"/>
+                </a:highlight>
+                <a:latin typeface="Consolas" panose="020B0609020204030204" pitchFamily="49" charset="0"/>
+              </a:rPr>
+              <a:t> </a:t>
+            </a:r>
+            <a:r>
+              <a:rPr lang="en-US" dirty="0" err="1">
+                <a:solidFill>
+                  <a:srgbClr val="000000"/>
+                </a:solidFill>
+                <a:highlight>
+                  <a:srgbClr val="FFFFFF"/>
+                </a:highlight>
+                <a:latin typeface="Consolas" panose="020B0609020204030204" pitchFamily="49" charset="0"/>
+              </a:rPr>
+              <a:t>rect</a:t>
+            </a:r>
+            <a:r>
+              <a:rPr lang="en-US" dirty="0">
+                <a:solidFill>
+                  <a:srgbClr val="000000"/>
+                </a:solidFill>
+                <a:highlight>
+                  <a:srgbClr val="FFFFFF"/>
+                </a:highlight>
+                <a:latin typeface="Consolas" panose="020B0609020204030204" pitchFamily="49" charset="0"/>
+              </a:rPr>
+              <a:t> = </a:t>
+            </a:r>
+            <a:r>
+              <a:rPr lang="en-US" dirty="0">
+                <a:solidFill>
+                  <a:srgbClr val="0000FF"/>
+                </a:solidFill>
+                <a:highlight>
+                  <a:srgbClr val="FFFFFF"/>
+                </a:highlight>
+                <a:latin typeface="Consolas" panose="020B0609020204030204" pitchFamily="49" charset="0"/>
+              </a:rPr>
+              <a:t>new</a:t>
+            </a:r>
+            <a:r>
+              <a:rPr lang="en-US" dirty="0">
+                <a:solidFill>
+                  <a:srgbClr val="000000"/>
+                </a:solidFill>
+                <a:highlight>
+                  <a:srgbClr val="FFFFFF"/>
+                </a:highlight>
+                <a:latin typeface="Consolas" panose="020B0609020204030204" pitchFamily="49" charset="0"/>
+              </a:rPr>
+              <a:t> </a:t>
+            </a:r>
+            <a:r>
+              <a:rPr lang="en-US" dirty="0">
+                <a:solidFill>
+                  <a:srgbClr val="2B91AF"/>
+                </a:solidFill>
+                <a:highlight>
+                  <a:srgbClr val="FFFFFF"/>
+                </a:highlight>
+                <a:latin typeface="Consolas" panose="020B0609020204030204" pitchFamily="49" charset="0"/>
+              </a:rPr>
+              <a:t>Rectangle</a:t>
+            </a:r>
+            <a:r>
+              <a:rPr lang="en-US" dirty="0">
+                <a:solidFill>
+                  <a:srgbClr val="000000"/>
+                </a:solidFill>
+                <a:highlight>
+                  <a:srgbClr val="FFFFFF"/>
+                </a:highlight>
+                <a:latin typeface="Consolas" panose="020B0609020204030204" pitchFamily="49" charset="0"/>
+              </a:rPr>
+              <a:t>(</a:t>
+            </a:r>
+            <a:r>
+              <a:rPr lang="en-US" dirty="0" err="1">
+                <a:solidFill>
+                  <a:srgbClr val="000000"/>
+                </a:solidFill>
+                <a:highlight>
+                  <a:srgbClr val="FFFFFF"/>
+                </a:highlight>
+                <a:latin typeface="Consolas" panose="020B0609020204030204" pitchFamily="49" charset="0"/>
+              </a:rPr>
+              <a:t>random.Next</a:t>
+            </a:r>
+            <a:r>
+              <a:rPr lang="en-US" dirty="0">
+                <a:solidFill>
+                  <a:srgbClr val="000000"/>
+                </a:solidFill>
+                <a:highlight>
+                  <a:srgbClr val="FFFFFF"/>
+                </a:highlight>
+                <a:latin typeface="Consolas" panose="020B0609020204030204" pitchFamily="49" charset="0"/>
+              </a:rPr>
+              <a:t>(Width), </a:t>
+            </a:r>
+            <a:r>
+              <a:rPr lang="en-US" dirty="0" err="1">
+                <a:solidFill>
+                  <a:srgbClr val="000000"/>
+                </a:solidFill>
+                <a:highlight>
+                  <a:srgbClr val="FFFFFF"/>
+                </a:highlight>
+                <a:latin typeface="Consolas" panose="020B0609020204030204" pitchFamily="49" charset="0"/>
+              </a:rPr>
+              <a:t>random.Next</a:t>
+            </a:r>
+            <a:r>
+              <a:rPr lang="en-US" dirty="0">
+                <a:solidFill>
+                  <a:srgbClr val="000000"/>
+                </a:solidFill>
+                <a:highlight>
+                  <a:srgbClr val="FFFFFF"/>
+                </a:highlight>
+                <a:latin typeface="Consolas" panose="020B0609020204030204" pitchFamily="49" charset="0"/>
+              </a:rPr>
+              <a:t>(Height), w, h);</a:t>
+            </a:r>
+          </a:p>
+          <a:p>
+            <a:r>
+              <a:rPr lang="en-US" dirty="0">
+                <a:solidFill>
+                  <a:srgbClr val="000000"/>
+                </a:solidFill>
+                <a:highlight>
+                  <a:srgbClr val="FFFFFF"/>
+                </a:highlight>
+                <a:latin typeface="Consolas" panose="020B0609020204030204" pitchFamily="49" charset="0"/>
+              </a:rPr>
+              <a:t>    </a:t>
+            </a:r>
+            <a:r>
+              <a:rPr lang="en-US" dirty="0" err="1">
+                <a:solidFill>
+                  <a:srgbClr val="000000"/>
+                </a:solidFill>
+                <a:highlight>
+                  <a:srgbClr val="FFFFFF"/>
+                </a:highlight>
+                <a:latin typeface="Consolas" panose="020B0609020204030204" pitchFamily="49" charset="0"/>
+              </a:rPr>
+              <a:t>e.Graphics.FillRectangle</a:t>
+            </a:r>
+            <a:r>
+              <a:rPr lang="en-US" dirty="0">
+                <a:solidFill>
+                  <a:srgbClr val="000000"/>
+                </a:solidFill>
+                <a:highlight>
+                  <a:srgbClr val="FFFFFF"/>
+                </a:highlight>
+                <a:latin typeface="Consolas" panose="020B0609020204030204" pitchFamily="49" charset="0"/>
+              </a:rPr>
+              <a:t>(b, </a:t>
+            </a:r>
+            <a:r>
+              <a:rPr lang="en-US" dirty="0" err="1">
+                <a:solidFill>
+                  <a:srgbClr val="000000"/>
+                </a:solidFill>
+                <a:highlight>
+                  <a:srgbClr val="FFFFFF"/>
+                </a:highlight>
+                <a:latin typeface="Consolas" panose="020B0609020204030204" pitchFamily="49" charset="0"/>
+              </a:rPr>
+              <a:t>rect</a:t>
+            </a:r>
+            <a:r>
+              <a:rPr lang="en-US" dirty="0">
+                <a:solidFill>
+                  <a:srgbClr val="000000"/>
+                </a:solidFill>
+                <a:highlight>
+                  <a:srgbClr val="FFFFFF"/>
+                </a:highlight>
+                <a:latin typeface="Consolas" panose="020B0609020204030204" pitchFamily="49" charset="0"/>
+              </a:rPr>
+              <a:t>);</a:t>
+            </a:r>
+          </a:p>
+          <a:p>
+            <a:r>
+              <a:rPr lang="en-US" dirty="0">
+                <a:solidFill>
+                  <a:srgbClr val="000000"/>
+                </a:solidFill>
+                <a:highlight>
+                  <a:srgbClr val="FFFFFF"/>
+                </a:highlight>
+                <a:latin typeface="Consolas" panose="020B0609020204030204" pitchFamily="49" charset="0"/>
+              </a:rPr>
+              <a:t>}</a:t>
+            </a:r>
+            <a:endParaRPr lang="en-US" dirty="0"/>
+          </a:p>
+        </p:txBody>
+      </p:sp>
+    </p:spTree>
+    <p:extLst>
+      <p:ext uri="{BB962C8B-B14F-4D97-AF65-F5344CB8AC3E}">
+        <p14:creationId xmlns:p14="http://schemas.microsoft.com/office/powerpoint/2010/main" val="3455937544"/>
+      </p:ext>
+    </p:extLst>
+  </p:cSld>
+  <p:clrMapOvr>
+    <a:masterClrMapping/>
+  </p:clrMapOvr>
+  <p:timing>
+    <p:tnLst>
+      <p:par>
+        <p:cTn xmlns:p14="http://schemas.microsoft.com/office/powerpoint/2010/main" id="1" dur="indefinite" restart="never" nodeType="tmRoot">
+          <p:childTnLst>
+            <p:seq concurrent="1" nextAc="seek">
+              <p:cTn id="2" dur="indefinite" nodeType="mainSeq">
+                <p:childTnLst>
+                  <p:par>
+                    <p:cTn id="3" fill="hold">
+                      <p:stCondLst>
+                        <p:cond delay="indefinite"/>
+                      </p:stCondLst>
+                      <p:childTnLst>
+                        <p:par>
+                          <p:cTn id="4" fill="hold">
+                            <p:stCondLst>
+                              <p:cond delay="0"/>
+                            </p:stCondLst>
+                            <p:childTnLst>
+                              <p:par>
+                                <p:cTn id="5" presetID="1" presetClass="entr" presetSubtype="0" fill="hold" grpId="0" nodeType="clickEffect">
+                                  <p:stCondLst>
+                                    <p:cond delay="0"/>
+                                  </p:stCondLst>
+                                  <p:childTnLst>
+                                    <p:set>
+                                      <p:cBhvr>
+                                        <p:cTn id="6" dur="1" fill="hold">
+                                          <p:stCondLst>
+                                            <p:cond delay="0"/>
+                                          </p:stCondLst>
+                                        </p:cTn>
+                                        <p:tgtEl>
+                                          <p:spTgt spid="5"/>
+                                        </p:tgtEl>
+                                        <p:attrNameLst>
+                                          <p:attrName>style.visibility</p:attrName>
+                                        </p:attrNameLst>
+                                      </p:cBhvr>
+                                      <p:to>
+                                        <p:strVal val="visible"/>
+                                      </p:to>
+                                    </p:set>
+                                  </p:childTnLst>
+                                </p:cTn>
+                              </p:par>
+                            </p:childTnLst>
+                          </p:cTn>
+                        </p:par>
+                      </p:childTnLst>
+                    </p:cTn>
+                  </p:par>
+                  <p:par>
+                    <p:cTn id="7" fill="hold">
+                      <p:stCondLst>
+                        <p:cond delay="indefinite"/>
+                      </p:stCondLst>
+                      <p:childTnLst>
+                        <p:par>
+                          <p:cTn id="8" fill="hold">
+                            <p:stCondLst>
+                              <p:cond delay="0"/>
+                            </p:stCondLst>
+                            <p:childTnLst>
+                              <p:par>
+                                <p:cTn id="9" presetID="1" presetClass="entr" presetSubtype="0" fill="hold" grpId="0" nodeType="clickEffect">
+                                  <p:stCondLst>
+                                    <p:cond delay="0"/>
+                                  </p:stCondLst>
+                                  <p:childTnLst>
+                                    <p:set>
+                                      <p:cBhvr>
+                                        <p:cTn id="10" dur="1" fill="hold">
+                                          <p:stCondLst>
+                                            <p:cond delay="0"/>
+                                          </p:stCondLst>
+                                        </p:cTn>
+                                        <p:tgtEl>
+                                          <p:spTgt spid="7"/>
+                                        </p:tgtEl>
+                                        <p:attrNameLst>
+                                          <p:attrName>style.visibility</p:attrName>
+                                        </p:attrNameLst>
+                                      </p:cBhvr>
+                                      <p:to>
+                                        <p:strVal val="visible"/>
+                                      </p:to>
+                                    </p:set>
+                                  </p:childTnLst>
+                                </p:cTn>
+                              </p:par>
+                            </p:childTnLst>
+                          </p:cTn>
+                        </p:par>
+                      </p:childTnLst>
+                    </p:cTn>
+                  </p:par>
+                </p:childTnLst>
+              </p:cTn>
+              <p:prevCondLst>
+                <p:cond evt="onPrev" delay="0">
+                  <p:tgtEl>
+                    <p:sldTgt/>
+                  </p:tgtEl>
+                </p:cond>
+              </p:prevCondLst>
+              <p:nextCondLst>
+                <p:cond evt="onNext" delay="0">
+                  <p:tgtEl>
+                    <p:sldTgt/>
+                  </p:tgtEl>
+                </p:cond>
+              </p:nextCondLst>
+            </p:seq>
+          </p:childTnLst>
+        </p:cTn>
+      </p:par>
+    </p:tnLst>
+    <p:bldLst>
+      <p:bldP spid="5" grpId="0" animBg="1"/>
+      <p:bldP spid="7" grpId="0" animBg="1"/>
+    </p:bldLst>
+  </p:timing>
+</p:sld>
+</file>
+
+<file path=ppt/slides/slide11.xml><?xml version="1.0" encoding="utf-8"?>
+<p:sld xmlns:a="http://schemas.openxmlformats.org/drawingml/2006/main" xmlns:r="http://schemas.openxmlformats.org/officeDocument/2006/relationships" xmlns:p="http://schemas.openxmlformats.org/presentationml/2006/main">
+  <p:cSld>
+    <p:spTree>
+      <p:nvGrpSpPr>
+        <p:cNvPr id="1" name=""/>
+        <p:cNvGrpSpPr/>
+        <p:nvPr/>
+      </p:nvGrpSpPr>
+      <p:grpSpPr>
+        <a:xfrm>
+          <a:off x="0" y="0"/>
+          <a:ext cx="0" cy="0"/>
+          <a:chOff x="0" y="0"/>
+          <a:chExt cx="0" cy="0"/>
+        </a:xfrm>
+      </p:grpSpPr>
+      <p:sp>
+        <p:nvSpPr>
           <p:cNvPr id="7" name="TextBox 6"/>
           <p:cNvSpPr txBox="1"/>
           <p:nvPr/>
@@ -4471,7 +6112,7 @@
 </p:sld>
 </file>
 
-<file path=ppt/slides/slide11.xml><?xml version="1.0" encoding="utf-8"?>
+<file path=ppt/slides/slide12.xml><?xml version="1.0" encoding="utf-8"?>
 <p:sld xmlns:a="http://schemas.openxmlformats.org/drawingml/2006/main" xmlns:r="http://schemas.openxmlformats.org/officeDocument/2006/relationships" xmlns:p="http://schemas.openxmlformats.org/presentationml/2006/main">
   <p:cSld>
     <p:spTree>
@@ -6089,165 +7730,6 @@
 </p:sld>
 </file>
 
-<file path=ppt/slides/slide12.xml><?xml version="1.0" encoding="utf-8"?>
-<p:sld xmlns:a="http://schemas.openxmlformats.org/drawingml/2006/main" xmlns:r="http://schemas.openxmlformats.org/officeDocument/2006/relationships" xmlns:p="http://schemas.openxmlformats.org/presentationml/2006/main">
-  <p:cSld>
-    <p:spTree>
-      <p:nvGrpSpPr>
-        <p:cNvPr id="1" name=""/>
-        <p:cNvGrpSpPr/>
-        <p:nvPr/>
-      </p:nvGrpSpPr>
-      <p:grpSpPr>
-        <a:xfrm>
-          <a:off x="0" y="0"/>
-          <a:ext cx="0" cy="0"/>
-          <a:chOff x="0" y="0"/>
-          <a:chExt cx="0" cy="0"/>
-        </a:xfrm>
-      </p:grpSpPr>
-      <p:sp>
-        <p:nvSpPr>
-          <p:cNvPr id="2" name="Title 1"/>
-          <p:cNvSpPr>
-            <a:spLocks noGrp="1"/>
-          </p:cNvSpPr>
-          <p:nvPr>
-            <p:ph type="title" idx="4294967295"/>
-          </p:nvPr>
-        </p:nvSpPr>
-        <p:spPr>
-          <a:xfrm>
-            <a:off x="1097280" y="264188"/>
-            <a:ext cx="10058400" cy="1025525"/>
-          </a:xfrm>
-        </p:spPr>
-        <p:txBody>
-          <a:bodyPr>
-            <a:normAutofit/>
-          </a:bodyPr>
-          <a:lstStyle/>
-          <a:p>
-            <a:r>
-              <a:rPr lang="en-US" sz="3600" dirty="0" smtClean="0"/>
-              <a:t>This exception proves the rule…</a:t>
-            </a:r>
-            <a:endParaRPr lang="en-US" sz="3600" dirty="0"/>
-          </a:p>
-        </p:txBody>
-      </p:sp>
-      <p:sp>
-        <p:nvSpPr>
-          <p:cNvPr id="3" name="Content Placeholder 2"/>
-          <p:cNvSpPr>
-            <a:spLocks noGrp="1"/>
-          </p:cNvSpPr>
-          <p:nvPr>
-            <p:ph idx="4294967295"/>
-          </p:nvPr>
-        </p:nvSpPr>
-        <p:spPr>
-          <a:xfrm>
-            <a:off x="1097280" y="1414804"/>
-            <a:ext cx="10058400" cy="4024313"/>
-          </a:xfrm>
-        </p:spPr>
-        <p:txBody>
-          <a:bodyPr anchor="ctr">
-            <a:normAutofit/>
-          </a:bodyPr>
-          <a:lstStyle/>
-          <a:p>
-            <a:pPr algn="ctr"/>
-            <a:r>
-              <a:rPr lang="en-US" sz="4800" i="1" spc="-50" dirty="0" smtClean="0">
-                <a:latin typeface="+mj-lt"/>
-                <a:ea typeface="+mj-ea"/>
-                <a:cs typeface="+mj-cs"/>
-              </a:rPr>
-              <a:t>“If the framework gives you bad exceptions, throw better ones”</a:t>
-            </a:r>
-            <a:endParaRPr lang="en-US" sz="4800" i="1" spc="-50" dirty="0">
-              <a:latin typeface="+mj-lt"/>
-              <a:ea typeface="+mj-ea"/>
-              <a:cs typeface="+mj-cs"/>
-            </a:endParaRPr>
-          </a:p>
-        </p:txBody>
-      </p:sp>
-      <p:sp>
-        <p:nvSpPr>
-          <p:cNvPr id="4" name="Title 1"/>
-          <p:cNvSpPr txBox="1">
-            <a:spLocks/>
-          </p:cNvSpPr>
-          <p:nvPr/>
-        </p:nvSpPr>
-        <p:spPr>
-          <a:xfrm>
-            <a:off x="1097280" y="5234030"/>
-            <a:ext cx="10058400" cy="1025730"/>
-          </a:xfrm>
-          <a:prstGeom prst="rect">
-            <a:avLst/>
-          </a:prstGeom>
-        </p:spPr>
-        <p:txBody>
-          <a:bodyPr vert="horz" lIns="91440" tIns="45720" rIns="91440" bIns="45720" rtlCol="0" anchor="b">
-            <a:normAutofit/>
-          </a:bodyPr>
-          <a:lstStyle>
-            <a:lvl1pPr algn="l" defTabSz="914400" rtl="0" eaLnBrk="1" latinLnBrk="0" hangingPunct="1">
-              <a:lnSpc>
-                <a:spcPct val="85000"/>
-              </a:lnSpc>
-              <a:spcBef>
-                <a:spcPct val="0"/>
-              </a:spcBef>
-              <a:buNone/>
-              <a:defRPr sz="4800" kern="1200" spc="-50" baseline="0">
-                <a:solidFill>
-                  <a:schemeClr val="tx1">
-                    <a:lumMod val="75000"/>
-                    <a:lumOff val="25000"/>
-                  </a:schemeClr>
-                </a:solidFill>
-                <a:latin typeface="+mj-lt"/>
-                <a:ea typeface="+mj-ea"/>
-                <a:cs typeface="+mj-cs"/>
-              </a:defRPr>
-            </a:lvl1pPr>
-          </a:lstStyle>
-          <a:p>
-            <a:pPr algn="r"/>
-            <a:r>
-              <a:rPr lang="en-US" sz="3600" dirty="0" smtClean="0"/>
-              <a:t>…to give the confused coder some guidance</a:t>
-            </a:r>
-            <a:endParaRPr lang="en-US" sz="3600" dirty="0"/>
-          </a:p>
-        </p:txBody>
-      </p:sp>
-    </p:spTree>
-    <p:extLst>
-      <p:ext uri="{BB962C8B-B14F-4D97-AF65-F5344CB8AC3E}">
-        <p14:creationId xmlns:p14="http://schemas.microsoft.com/office/powerpoint/2010/main" val="3834345920"/>
-      </p:ext>
-    </p:extLst>
-  </p:cSld>
-  <p:clrMapOvr>
-    <a:masterClrMapping/>
-  </p:clrMapOvr>
-  <p:timing>
-    <p:tnLst>
-      <p:par>
-        <p:cTn xmlns:p14="http://schemas.microsoft.com/office/powerpoint/2010/main" id="1" dur="indefinite" restart="never" nodeType="tmRoot"/>
-      </p:par>
-    </p:tnLst>
-  </p:timing>
-</p:sld>
-</file>
-
 <file path=ppt/slides/slide13.xml><?xml version="1.0" encoding="utf-8"?>
 <p:sld xmlns:a="http://schemas.openxmlformats.org/drawingml/2006/main" xmlns:r="http://schemas.openxmlformats.org/officeDocument/2006/relationships" xmlns:p="http://schemas.openxmlformats.org/presentationml/2006/main">
   <p:cSld>
@@ -6324,7 +7806,7 @@
                 <a:ea typeface="+mj-ea"/>
                 <a:cs typeface="+mj-cs"/>
               </a:rPr>
-              <a:t>“Print other variables to provide context”</a:t>
+              <a:t>“If the framework gives you bad exceptions, throw better ones”</a:t>
             </a:r>
             <a:endParaRPr lang="en-US" sz="4800" i="1" spc="-50" dirty="0">
               <a:latin typeface="+mj-lt"/>
@@ -6387,52 +7869,10 @@
           </a:p>
         </p:txBody>
       </p:sp>
-      <p:sp>
-        <p:nvSpPr>
-          <p:cNvPr id="5" name="Rectangle 4"/>
-          <p:cNvSpPr/>
-          <p:nvPr/>
-        </p:nvSpPr>
-        <p:spPr>
-          <a:xfrm>
-            <a:off x="5040683" y="4413387"/>
-            <a:ext cx="7151317" cy="461665"/>
-          </a:xfrm>
-          <a:prstGeom prst="rect">
-            <a:avLst/>
-          </a:prstGeom>
-        </p:spPr>
-        <p:txBody>
-          <a:bodyPr wrap="none">
-            <a:spAutoFit/>
-          </a:bodyPr>
-          <a:lstStyle/>
-          <a:p>
-            <a:r>
-              <a:rPr lang="en-US" sz="2400" dirty="0">
-                <a:solidFill>
-                  <a:schemeClr val="bg1">
-                    <a:lumMod val="50000"/>
-                  </a:schemeClr>
-                </a:solidFill>
-                <a:latin typeface="Consolas" panose="020B0609020204030204" pitchFamily="49" charset="0"/>
-              </a:rPr>
-              <a:t>Rectangle '{X=0,Y=0,Width=189,Height=0}' </a:t>
-            </a:r>
-            <a:endParaRPr lang="en-US" sz="2400" dirty="0">
-              <a:solidFill>
-                <a:schemeClr val="bg1">
-                  <a:lumMod val="50000"/>
-                </a:schemeClr>
-              </a:solidFill>
-            </a:endParaRPr>
-          </a:p>
-        </p:txBody>
-      </p:sp>
     </p:spTree>
     <p:extLst>
       <p:ext uri="{BB962C8B-B14F-4D97-AF65-F5344CB8AC3E}">
-        <p14:creationId xmlns:p14="http://schemas.microsoft.com/office/powerpoint/2010/main" val="1288993617"/>
+        <p14:creationId xmlns:p14="http://schemas.microsoft.com/office/powerpoint/2010/main" val="3834345920"/>
       </p:ext>
     </p:extLst>
   </p:cSld>
@@ -6473,6 +7913,207 @@
             <a:spLocks noGrp="1"/>
           </p:cNvSpPr>
           <p:nvPr>
+            <p:ph type="title" idx="4294967295"/>
+          </p:nvPr>
+        </p:nvSpPr>
+        <p:spPr>
+          <a:xfrm>
+            <a:off x="1097280" y="264188"/>
+            <a:ext cx="10058400" cy="1025525"/>
+          </a:xfrm>
+        </p:spPr>
+        <p:txBody>
+          <a:bodyPr>
+            <a:normAutofit/>
+          </a:bodyPr>
+          <a:lstStyle/>
+          <a:p>
+            <a:r>
+              <a:rPr lang="en-US" sz="3600" dirty="0" smtClean="0"/>
+              <a:t>This exception proves the rule…</a:t>
+            </a:r>
+            <a:endParaRPr lang="en-US" sz="3600" dirty="0"/>
+          </a:p>
+        </p:txBody>
+      </p:sp>
+      <p:sp>
+        <p:nvSpPr>
+          <p:cNvPr id="3" name="Content Placeholder 2"/>
+          <p:cNvSpPr>
+            <a:spLocks noGrp="1"/>
+          </p:cNvSpPr>
+          <p:nvPr>
+            <p:ph idx="4294967295"/>
+          </p:nvPr>
+        </p:nvSpPr>
+        <p:spPr>
+          <a:xfrm>
+            <a:off x="1097280" y="1414804"/>
+            <a:ext cx="10058400" cy="4024313"/>
+          </a:xfrm>
+        </p:spPr>
+        <p:txBody>
+          <a:bodyPr anchor="ctr">
+            <a:normAutofit/>
+          </a:bodyPr>
+          <a:lstStyle/>
+          <a:p>
+            <a:pPr algn="ctr"/>
+            <a:r>
+              <a:rPr lang="en-US" sz="4800" i="1" spc="-50" dirty="0" smtClean="0">
+                <a:latin typeface="+mj-lt"/>
+                <a:ea typeface="+mj-ea"/>
+                <a:cs typeface="+mj-cs"/>
+              </a:rPr>
+              <a:t>“Print other variables to provide context”</a:t>
+            </a:r>
+            <a:endParaRPr lang="en-US" sz="4800" i="1" spc="-50" dirty="0">
+              <a:latin typeface="+mj-lt"/>
+              <a:ea typeface="+mj-ea"/>
+              <a:cs typeface="+mj-cs"/>
+            </a:endParaRPr>
+          </a:p>
+        </p:txBody>
+      </p:sp>
+      <p:sp>
+        <p:nvSpPr>
+          <p:cNvPr id="4" name="Title 1"/>
+          <p:cNvSpPr txBox="1">
+            <a:spLocks/>
+          </p:cNvSpPr>
+          <p:nvPr/>
+        </p:nvSpPr>
+        <p:spPr>
+          <a:xfrm>
+            <a:off x="1097280" y="5234030"/>
+            <a:ext cx="10058400" cy="1025730"/>
+          </a:xfrm>
+          <a:prstGeom prst="rect">
+            <a:avLst/>
+          </a:prstGeom>
+        </p:spPr>
+        <p:txBody>
+          <a:bodyPr vert="horz" lIns="91440" tIns="45720" rIns="91440" bIns="45720" rtlCol="0" anchor="b">
+            <a:normAutofit/>
+          </a:bodyPr>
+          <a:lstStyle>
+            <a:lvl1pPr algn="l" defTabSz="914400" rtl="0" eaLnBrk="1" latinLnBrk="0" hangingPunct="1">
+              <a:lnSpc>
+                <a:spcPct val="85000"/>
+              </a:lnSpc>
+              <a:spcBef>
+                <a:spcPct val="0"/>
+              </a:spcBef>
+              <a:buNone/>
+              <a:defRPr sz="4800" kern="1200" spc="-50" baseline="0">
+                <a:solidFill>
+                  <a:schemeClr val="tx1">
+                    <a:lumMod val="75000"/>
+                    <a:lumOff val="25000"/>
+                  </a:schemeClr>
+                </a:solidFill>
+                <a:latin typeface="+mj-lt"/>
+                <a:ea typeface="+mj-ea"/>
+                <a:cs typeface="+mj-cs"/>
+              </a:defRPr>
+            </a:lvl1pPr>
+          </a:lstStyle>
+          <a:p>
+            <a:pPr algn="r"/>
+            <a:r>
+              <a:rPr lang="en-US" sz="3600" dirty="0" smtClean="0"/>
+              <a:t>…to give the confused coder some guidance</a:t>
+            </a:r>
+            <a:endParaRPr lang="en-US" sz="3600" dirty="0"/>
+          </a:p>
+        </p:txBody>
+      </p:sp>
+      <p:sp>
+        <p:nvSpPr>
+          <p:cNvPr id="5" name="Rectangle 4"/>
+          <p:cNvSpPr/>
+          <p:nvPr/>
+        </p:nvSpPr>
+        <p:spPr>
+          <a:xfrm>
+            <a:off x="5040683" y="4413387"/>
+            <a:ext cx="7151317" cy="461665"/>
+          </a:xfrm>
+          <a:prstGeom prst="rect">
+            <a:avLst/>
+          </a:prstGeom>
+        </p:spPr>
+        <p:txBody>
+          <a:bodyPr wrap="none">
+            <a:spAutoFit/>
+          </a:bodyPr>
+          <a:lstStyle/>
+          <a:p>
+            <a:r>
+              <a:rPr lang="en-US" sz="2400" dirty="0">
+                <a:solidFill>
+                  <a:schemeClr val="bg1">
+                    <a:lumMod val="50000"/>
+                  </a:schemeClr>
+                </a:solidFill>
+                <a:latin typeface="Consolas" panose="020B0609020204030204" pitchFamily="49" charset="0"/>
+              </a:rPr>
+              <a:t>Rectangle '{X=0,Y=0,Width=189,Height=0}' </a:t>
+            </a:r>
+            <a:endParaRPr lang="en-US" sz="2400" dirty="0">
+              <a:solidFill>
+                <a:schemeClr val="bg1">
+                  <a:lumMod val="50000"/>
+                </a:schemeClr>
+              </a:solidFill>
+            </a:endParaRPr>
+          </a:p>
+        </p:txBody>
+      </p:sp>
+    </p:spTree>
+    <p:extLst>
+      <p:ext uri="{BB962C8B-B14F-4D97-AF65-F5344CB8AC3E}">
+        <p14:creationId xmlns:p14="http://schemas.microsoft.com/office/powerpoint/2010/main" val="1288993617"/>
+      </p:ext>
+    </p:extLst>
+  </p:cSld>
+  <p:clrMapOvr>
+    <a:masterClrMapping/>
+  </p:clrMapOvr>
+  <p:timing>
+    <p:tnLst>
+      <p:par>
+        <p:cTn xmlns:p14="http://schemas.microsoft.com/office/powerpoint/2010/main" id="1" dur="indefinite" restart="never" nodeType="tmRoot"/>
+      </p:par>
+    </p:tnLst>
+  </p:timing>
+</p:sld>
+</file>
+
+<file path=ppt/slides/slide15.xml><?xml version="1.0" encoding="utf-8"?>
+<p:sld xmlns:a="http://schemas.openxmlformats.org/drawingml/2006/main" xmlns:r="http://schemas.openxmlformats.org/officeDocument/2006/relationships" xmlns:p="http://schemas.openxmlformats.org/presentationml/2006/main">
+  <p:cSld>
+    <p:spTree>
+      <p:nvGrpSpPr>
+        <p:cNvPr id="1" name=""/>
+        <p:cNvGrpSpPr/>
+        <p:nvPr/>
+      </p:nvGrpSpPr>
+      <p:grpSpPr>
+        <a:xfrm>
+          <a:off x="0" y="0"/>
+          <a:ext cx="0" cy="0"/>
+          <a:chOff x="0" y="0"/>
+          <a:chExt cx="0" cy="0"/>
+        </a:xfrm>
+      </p:grpSpPr>
+      <p:sp>
+        <p:nvSpPr>
+          <p:cNvPr id="2" name="Title 1"/>
+          <p:cNvSpPr>
+            <a:spLocks noGrp="1"/>
+          </p:cNvSpPr>
+          <p:nvPr>
             <p:ph type="ctrTitle"/>
           </p:nvPr>
         </p:nvSpPr>
@@ -6528,7 +8169,7 @@
 </p:sld>
 </file>
 
-<file path=ppt/slides/slide15.xml><?xml version="1.0" encoding="utf-8"?>
+<file path=ppt/slides/slide16.xml><?xml version="1.0" encoding="utf-8"?>
 <p:sld xmlns:a="http://schemas.openxmlformats.org/drawingml/2006/main" xmlns:r="http://schemas.openxmlformats.org/officeDocument/2006/relationships" xmlns:p="http://schemas.openxmlformats.org/presentationml/2006/main">
   <p:cSld>
     <p:spTree>
@@ -7321,7 +8962,7 @@
 </p:sld>
 </file>
 
-<file path=ppt/slides/slide16.xml><?xml version="1.0" encoding="utf-8"?>
+<file path=ppt/slides/slide17.xml><?xml version="1.0" encoding="utf-8"?>
 <p:sld xmlns:a="http://schemas.openxmlformats.org/drawingml/2006/main" xmlns:r="http://schemas.openxmlformats.org/officeDocument/2006/relationships" xmlns:p="http://schemas.openxmlformats.org/presentationml/2006/main">
   <p:cSld>
     <p:spTree>
@@ -7646,7 +9287,7 @@
 </p:sld>
 </file>
 
-<file path=ppt/slides/slide17.xml><?xml version="1.0" encoding="utf-8"?>
+<file path=ppt/slides/slide18.xml><?xml version="1.0" encoding="utf-8"?>
 <p:sld xmlns:a="http://schemas.openxmlformats.org/drawingml/2006/main" xmlns:r="http://schemas.openxmlformats.org/officeDocument/2006/relationships" xmlns:p="http://schemas.openxmlformats.org/presentationml/2006/main">
   <p:cSld>
     <p:spTree>
@@ -8310,165 +9951,6 @@
     <p:extLst>
       <p:ext uri="{BB962C8B-B14F-4D97-AF65-F5344CB8AC3E}">
         <p14:creationId xmlns:p14="http://schemas.microsoft.com/office/powerpoint/2010/main" val="3944694035"/>
-      </p:ext>
-    </p:extLst>
-  </p:cSld>
-  <p:clrMapOvr>
-    <a:masterClrMapping/>
-  </p:clrMapOvr>
-  <p:timing>
-    <p:tnLst>
-      <p:par>
-        <p:cTn xmlns:p14="http://schemas.microsoft.com/office/powerpoint/2010/main" id="1" dur="indefinite" restart="never" nodeType="tmRoot"/>
-      </p:par>
-    </p:tnLst>
-  </p:timing>
-</p:sld>
-</file>
-
-<file path=ppt/slides/slide18.xml><?xml version="1.0" encoding="utf-8"?>
-<p:sld xmlns:a="http://schemas.openxmlformats.org/drawingml/2006/main" xmlns:r="http://schemas.openxmlformats.org/officeDocument/2006/relationships" xmlns:p="http://schemas.openxmlformats.org/presentationml/2006/main">
-  <p:cSld>
-    <p:spTree>
-      <p:nvGrpSpPr>
-        <p:cNvPr id="1" name=""/>
-        <p:cNvGrpSpPr/>
-        <p:nvPr/>
-      </p:nvGrpSpPr>
-      <p:grpSpPr>
-        <a:xfrm>
-          <a:off x="0" y="0"/>
-          <a:ext cx="0" cy="0"/>
-          <a:chOff x="0" y="0"/>
-          <a:chExt cx="0" cy="0"/>
-        </a:xfrm>
-      </p:grpSpPr>
-      <p:sp>
-        <p:nvSpPr>
-          <p:cNvPr id="2" name="Title 1"/>
-          <p:cNvSpPr>
-            <a:spLocks noGrp="1"/>
-          </p:cNvSpPr>
-          <p:nvPr>
-            <p:ph type="title" idx="4294967295"/>
-          </p:nvPr>
-        </p:nvSpPr>
-        <p:spPr>
-          <a:xfrm>
-            <a:off x="1097280" y="264188"/>
-            <a:ext cx="10058400" cy="1025525"/>
-          </a:xfrm>
-        </p:spPr>
-        <p:txBody>
-          <a:bodyPr>
-            <a:normAutofit/>
-          </a:bodyPr>
-          <a:lstStyle/>
-          <a:p>
-            <a:r>
-              <a:rPr lang="en-US" sz="3600" dirty="0" smtClean="0"/>
-              <a:t>This exception proves the rule…</a:t>
-            </a:r>
-            <a:endParaRPr lang="en-US" sz="3600" dirty="0"/>
-          </a:p>
-        </p:txBody>
-      </p:sp>
-      <p:sp>
-        <p:nvSpPr>
-          <p:cNvPr id="3" name="Content Placeholder 2"/>
-          <p:cNvSpPr>
-            <a:spLocks noGrp="1"/>
-          </p:cNvSpPr>
-          <p:nvPr>
-            <p:ph idx="4294967295"/>
-          </p:nvPr>
-        </p:nvSpPr>
-        <p:spPr>
-          <a:xfrm>
-            <a:off x="1097280" y="1414804"/>
-            <a:ext cx="10058400" cy="4024313"/>
-          </a:xfrm>
-        </p:spPr>
-        <p:txBody>
-          <a:bodyPr anchor="ctr">
-            <a:normAutofit/>
-          </a:bodyPr>
-          <a:lstStyle/>
-          <a:p>
-            <a:pPr algn="ctr"/>
-            <a:r>
-              <a:rPr lang="en-US" sz="4800" i="1" spc="-50" dirty="0" smtClean="0">
-                <a:latin typeface="+mj-lt"/>
-                <a:ea typeface="+mj-ea"/>
-                <a:cs typeface="+mj-cs"/>
-              </a:rPr>
-              <a:t>“Runtime details make it clear where the error comes from”</a:t>
-            </a:r>
-            <a:endParaRPr lang="en-US" sz="4800" i="1" spc="-50" dirty="0">
-              <a:latin typeface="+mj-lt"/>
-              <a:ea typeface="+mj-ea"/>
-              <a:cs typeface="+mj-cs"/>
-            </a:endParaRPr>
-          </a:p>
-        </p:txBody>
-      </p:sp>
-      <p:sp>
-        <p:nvSpPr>
-          <p:cNvPr id="4" name="Title 1"/>
-          <p:cNvSpPr txBox="1">
-            <a:spLocks/>
-          </p:cNvSpPr>
-          <p:nvPr/>
-        </p:nvSpPr>
-        <p:spPr>
-          <a:xfrm>
-            <a:off x="1097280" y="5234030"/>
-            <a:ext cx="10058400" cy="1025730"/>
-          </a:xfrm>
-          <a:prstGeom prst="rect">
-            <a:avLst/>
-          </a:prstGeom>
-        </p:spPr>
-        <p:txBody>
-          <a:bodyPr vert="horz" lIns="91440" tIns="45720" rIns="91440" bIns="45720" rtlCol="0" anchor="b">
-            <a:normAutofit/>
-          </a:bodyPr>
-          <a:lstStyle>
-            <a:lvl1pPr algn="l" defTabSz="914400" rtl="0" eaLnBrk="1" latinLnBrk="0" hangingPunct="1">
-              <a:lnSpc>
-                <a:spcPct val="85000"/>
-              </a:lnSpc>
-              <a:spcBef>
-                <a:spcPct val="0"/>
-              </a:spcBef>
-              <a:buNone/>
-              <a:defRPr sz="4800" kern="1200" spc="-50" baseline="0">
-                <a:solidFill>
-                  <a:schemeClr val="tx1">
-                    <a:lumMod val="75000"/>
-                    <a:lumOff val="25000"/>
-                  </a:schemeClr>
-                </a:solidFill>
-                <a:latin typeface="+mj-lt"/>
-                <a:ea typeface="+mj-ea"/>
-                <a:cs typeface="+mj-cs"/>
-              </a:defRPr>
-            </a:lvl1pPr>
-          </a:lstStyle>
-          <a:p>
-            <a:pPr algn="r"/>
-            <a:r>
-              <a:rPr lang="en-US" sz="3600" dirty="0" smtClean="0"/>
-              <a:t>…to give the confused coder some guidance</a:t>
-            </a:r>
-            <a:endParaRPr lang="en-US" sz="3600" dirty="0"/>
-          </a:p>
-        </p:txBody>
-      </p:sp>
-    </p:spTree>
-    <p:extLst>
-      <p:ext uri="{BB962C8B-B14F-4D97-AF65-F5344CB8AC3E}">
-        <p14:creationId xmlns:p14="http://schemas.microsoft.com/office/powerpoint/2010/main" val="3646466883"/>
       </p:ext>
     </p:extLst>
   </p:cSld>
@@ -8509,45 +9991,125 @@
             <a:spLocks noGrp="1"/>
           </p:cNvSpPr>
           <p:nvPr>
-            <p:ph type="ctrTitle"/>
+            <p:ph type="title" idx="4294967295"/>
           </p:nvPr>
         </p:nvSpPr>
-        <p:spPr/>
+        <p:spPr>
+          <a:xfrm>
+            <a:off x="1097280" y="264188"/>
+            <a:ext cx="10058400" cy="1025525"/>
+          </a:xfrm>
+        </p:spPr>
         <p:txBody>
-          <a:bodyPr/>
+          <a:bodyPr>
+            <a:normAutofit/>
+          </a:bodyPr>
           <a:lstStyle/>
           <a:p>
             <a:r>
-              <a:rPr lang="en-US" dirty="0" smtClean="0"/>
-              <a:t>A date with a parser</a:t>
-            </a:r>
-            <a:endParaRPr lang="en-US" dirty="0"/>
+              <a:rPr lang="en-US" sz="3600" dirty="0" smtClean="0"/>
+              <a:t>This exception proves the rule…</a:t>
+            </a:r>
+            <a:endParaRPr lang="en-US" sz="3600" dirty="0"/>
           </a:p>
         </p:txBody>
       </p:sp>
       <p:sp>
         <p:nvSpPr>
-          <p:cNvPr id="3" name="Subtitle 2"/>
+          <p:cNvPr id="3" name="Content Placeholder 2"/>
           <p:cNvSpPr>
             <a:spLocks noGrp="1"/>
           </p:cNvSpPr>
           <p:nvPr>
-            <p:ph type="subTitle" idx="1"/>
+            <p:ph idx="4294967295"/>
           </p:nvPr>
         </p:nvSpPr>
-        <p:spPr/>
+        <p:spPr>
+          <a:xfrm>
+            <a:off x="1097280" y="1414804"/>
+            <a:ext cx="10058400" cy="4024313"/>
+          </a:xfrm>
+        </p:spPr>
         <p:txBody>
-          <a:bodyPr/>
+          <a:bodyPr anchor="ctr">
+            <a:normAutofit/>
+          </a:bodyPr>
           <a:lstStyle/>
           <a:p>
-            <a:endParaRPr lang="en-US"/>
+            <a:pPr algn="ctr"/>
+            <a:r>
+              <a:rPr lang="en-US" sz="4800" i="1" spc="-50" dirty="0" smtClean="0">
+                <a:latin typeface="+mj-lt"/>
+                <a:ea typeface="+mj-ea"/>
+                <a:cs typeface="+mj-cs"/>
+              </a:rPr>
+              <a:t>“Runtime details make it clear where the error comes from”</a:t>
+            </a:r>
+            <a:endParaRPr lang="en-US" sz="4800" i="1" spc="-50" dirty="0">
+              <a:latin typeface="+mj-lt"/>
+              <a:ea typeface="+mj-ea"/>
+              <a:cs typeface="+mj-cs"/>
+            </a:endParaRPr>
+          </a:p>
+        </p:txBody>
+      </p:sp>
+      <p:sp>
+        <p:nvSpPr>
+          <p:cNvPr id="4" name="Title 1"/>
+          <p:cNvSpPr txBox="1">
+            <a:spLocks/>
+          </p:cNvSpPr>
+          <p:nvPr/>
+        </p:nvSpPr>
+        <p:spPr>
+          <a:xfrm>
+            <a:off x="1097280" y="5234030"/>
+            <a:ext cx="10058400" cy="1025730"/>
+          </a:xfrm>
+          <a:prstGeom prst="rect">
+            <a:avLst/>
+          </a:prstGeom>
+        </p:spPr>
+        <p:txBody>
+          <a:bodyPr vert="horz" lIns="91440" tIns="45720" rIns="91440" bIns="45720" rtlCol="0" anchor="b">
+            <a:normAutofit/>
+          </a:bodyPr>
+          <a:lstStyle>
+            <a:lvl1pPr algn="l" defTabSz="914400" rtl="0" eaLnBrk="1" latinLnBrk="0" hangingPunct="1">
+              <a:lnSpc>
+                <a:spcPct val="85000"/>
+              </a:lnSpc>
+              <a:spcBef>
+                <a:spcPct val="0"/>
+              </a:spcBef>
+              <a:buNone/>
+              <a:defRPr sz="4800" kern="1200" spc="-50" baseline="0">
+                <a:solidFill>
+                  <a:schemeClr val="tx1">
+                    <a:lumMod val="75000"/>
+                    <a:lumOff val="25000"/>
+                  </a:schemeClr>
+                </a:solidFill>
+                <a:latin typeface="+mj-lt"/>
+                <a:ea typeface="+mj-ea"/>
+                <a:cs typeface="+mj-cs"/>
+              </a:defRPr>
+            </a:lvl1pPr>
+          </a:lstStyle>
+          <a:p>
+            <a:pPr algn="r"/>
+            <a:r>
+              <a:rPr lang="en-US" sz="3600" dirty="0" smtClean="0"/>
+              <a:t>…to give the confused coder some guidance</a:t>
+            </a:r>
+            <a:endParaRPr lang="en-US" sz="3600" dirty="0"/>
           </a:p>
         </p:txBody>
       </p:sp>
     </p:spTree>
     <p:extLst>
       <p:ext uri="{BB962C8B-B14F-4D97-AF65-F5344CB8AC3E}">
-        <p14:creationId xmlns:p14="http://schemas.microsoft.com/office/powerpoint/2010/main" val="4120447915"/>
+        <p14:creationId xmlns:p14="http://schemas.microsoft.com/office/powerpoint/2010/main" val="3646466883"/>
       </p:ext>
     </p:extLst>
   </p:cSld>
@@ -8660,6 +10222,85 @@
 </file>
 
 <file path=ppt/slides/slide20.xml><?xml version="1.0" encoding="utf-8"?>
+<p:sld xmlns:a="http://schemas.openxmlformats.org/drawingml/2006/main" xmlns:r="http://schemas.openxmlformats.org/officeDocument/2006/relationships" xmlns:p="http://schemas.openxmlformats.org/presentationml/2006/main">
+  <p:cSld>
+    <p:spTree>
+      <p:nvGrpSpPr>
+        <p:cNvPr id="1" name=""/>
+        <p:cNvGrpSpPr/>
+        <p:nvPr/>
+      </p:nvGrpSpPr>
+      <p:grpSpPr>
+        <a:xfrm>
+          <a:off x="0" y="0"/>
+          <a:ext cx="0" cy="0"/>
+          <a:chOff x="0" y="0"/>
+          <a:chExt cx="0" cy="0"/>
+        </a:xfrm>
+      </p:grpSpPr>
+      <p:sp>
+        <p:nvSpPr>
+          <p:cNvPr id="2" name="Title 1"/>
+          <p:cNvSpPr>
+            <a:spLocks noGrp="1"/>
+          </p:cNvSpPr>
+          <p:nvPr>
+            <p:ph type="ctrTitle"/>
+          </p:nvPr>
+        </p:nvSpPr>
+        <p:spPr/>
+        <p:txBody>
+          <a:bodyPr/>
+          <a:lstStyle/>
+          <a:p>
+            <a:r>
+              <a:rPr lang="en-US" dirty="0" smtClean="0"/>
+              <a:t>A date with a parser</a:t>
+            </a:r>
+            <a:endParaRPr lang="en-US" dirty="0"/>
+          </a:p>
+        </p:txBody>
+      </p:sp>
+      <p:sp>
+        <p:nvSpPr>
+          <p:cNvPr id="3" name="Subtitle 2"/>
+          <p:cNvSpPr>
+            <a:spLocks noGrp="1"/>
+          </p:cNvSpPr>
+          <p:nvPr>
+            <p:ph type="subTitle" idx="1"/>
+          </p:nvPr>
+        </p:nvSpPr>
+        <p:spPr/>
+        <p:txBody>
+          <a:bodyPr/>
+          <a:lstStyle/>
+          <a:p>
+            <a:endParaRPr lang="en-US"/>
+          </a:p>
+        </p:txBody>
+      </p:sp>
+    </p:spTree>
+    <p:extLst>
+      <p:ext uri="{BB962C8B-B14F-4D97-AF65-F5344CB8AC3E}">
+        <p14:creationId xmlns:p14="http://schemas.microsoft.com/office/powerpoint/2010/main" val="4120447915"/>
+      </p:ext>
+    </p:extLst>
+  </p:cSld>
+  <p:clrMapOvr>
+    <a:masterClrMapping/>
+  </p:clrMapOvr>
+  <p:timing>
+    <p:tnLst>
+      <p:par>
+        <p:cTn xmlns:p14="http://schemas.microsoft.com/office/powerpoint/2010/main" id="1" dur="indefinite" restart="never" nodeType="tmRoot"/>
+      </p:par>
+    </p:tnLst>
+  </p:timing>
+</p:sld>
+</file>
+
+<file path=ppt/slides/slide21.xml><?xml version="1.0" encoding="utf-8"?>
 <p:sld xmlns:a="http://schemas.openxmlformats.org/drawingml/2006/main" xmlns:r="http://schemas.openxmlformats.org/officeDocument/2006/relationships" xmlns:p="http://schemas.openxmlformats.org/presentationml/2006/main">
   <p:cSld>
     <p:spTree>
@@ -9458,7 +11099,7 @@
 </p:sld>
 </file>
 
-<file path=ppt/slides/slide21.xml><?xml version="1.0" encoding="utf-8"?>
+<file path=ppt/slides/slide22.xml><?xml version="1.0" encoding="utf-8"?>
 <p:sld xmlns:a="http://schemas.openxmlformats.org/drawingml/2006/main" xmlns:r="http://schemas.openxmlformats.org/officeDocument/2006/relationships" xmlns:p="http://schemas.openxmlformats.org/presentationml/2006/main">
   <p:cSld>
     <p:spTree>
@@ -9867,7 +11508,7 @@
 </p:sld>
 </file>
 
-<file path=ppt/slides/slide22.xml><?xml version="1.0" encoding="utf-8"?>
+<file path=ppt/slides/slide23.xml><?xml version="1.0" encoding="utf-8"?>
 <p:sld xmlns:a="http://schemas.openxmlformats.org/drawingml/2006/main" xmlns:r="http://schemas.openxmlformats.org/officeDocument/2006/relationships" xmlns:p="http://schemas.openxmlformats.org/presentationml/2006/main">
   <p:cSld>
     <p:spTree>
@@ -9928,7 +11569,7 @@
 </p:sld>
 </file>
 
-<file path=ppt/slides/slide23.xml><?xml version="1.0" encoding="utf-8"?>
+<file path=ppt/slides/slide24.xml><?xml version="1.0" encoding="utf-8"?>
 <p:sld xmlns:a="http://schemas.openxmlformats.org/drawingml/2006/main" xmlns:r="http://schemas.openxmlformats.org/officeDocument/2006/relationships" xmlns:p="http://schemas.openxmlformats.org/presentationml/2006/main">
   <p:cSld>
     <p:spTree>
@@ -10749,192 +12390,6 @@
     <p:extLst>
       <p:ext uri="{BB962C8B-B14F-4D97-AF65-F5344CB8AC3E}">
         <p14:creationId xmlns:p14="http://schemas.microsoft.com/office/powerpoint/2010/main" val="894204927"/>
-      </p:ext>
-    </p:extLst>
-  </p:cSld>
-  <p:clrMapOvr>
-    <a:masterClrMapping/>
-  </p:clrMapOvr>
-  <p:timing>
-    <p:tnLst>
-      <p:par>
-        <p:cTn xmlns:p14="http://schemas.microsoft.com/office/powerpoint/2010/main" id="1" dur="indefinite" restart="never" nodeType="tmRoot"/>
-      </p:par>
-    </p:tnLst>
-  </p:timing>
-</p:sld>
-</file>
-
-<file path=ppt/slides/slide24.xml><?xml version="1.0" encoding="utf-8"?>
-<p:sld xmlns:a="http://schemas.openxmlformats.org/drawingml/2006/main" xmlns:r="http://schemas.openxmlformats.org/officeDocument/2006/relationships" xmlns:p="http://schemas.openxmlformats.org/presentationml/2006/main">
-  <p:cSld>
-    <p:spTree>
-      <p:nvGrpSpPr>
-        <p:cNvPr id="1" name=""/>
-        <p:cNvGrpSpPr/>
-        <p:nvPr/>
-      </p:nvGrpSpPr>
-      <p:grpSpPr>
-        <a:xfrm>
-          <a:off x="0" y="0"/>
-          <a:ext cx="0" cy="0"/>
-          <a:chOff x="0" y="0"/>
-          <a:chExt cx="0" cy="0"/>
-        </a:xfrm>
-      </p:grpSpPr>
-      <p:sp>
-        <p:nvSpPr>
-          <p:cNvPr id="2" name="Title 1"/>
-          <p:cNvSpPr>
-            <a:spLocks noGrp="1"/>
-          </p:cNvSpPr>
-          <p:nvPr>
-            <p:ph type="title" idx="4294967295"/>
-          </p:nvPr>
-        </p:nvSpPr>
-        <p:spPr>
-          <a:xfrm>
-            <a:off x="1097280" y="264188"/>
-            <a:ext cx="10058400" cy="1025525"/>
-          </a:xfrm>
-        </p:spPr>
-        <p:txBody>
-          <a:bodyPr>
-            <a:normAutofit/>
-          </a:bodyPr>
-          <a:lstStyle/>
-          <a:p>
-            <a:r>
-              <a:rPr lang="en-US" sz="3600" dirty="0" smtClean="0"/>
-              <a:t>This exception proves the rule…</a:t>
-            </a:r>
-            <a:endParaRPr lang="en-US" sz="3600" dirty="0"/>
-          </a:p>
-        </p:txBody>
-      </p:sp>
-      <p:sp>
-        <p:nvSpPr>
-          <p:cNvPr id="3" name="Content Placeholder 2"/>
-          <p:cNvSpPr>
-            <a:spLocks noGrp="1"/>
-          </p:cNvSpPr>
-          <p:nvPr>
-            <p:ph idx="4294967295"/>
-          </p:nvPr>
-        </p:nvSpPr>
-        <p:spPr>
-          <a:xfrm>
-            <a:off x="1097280" y="1414804"/>
-            <a:ext cx="10058400" cy="4024313"/>
-          </a:xfrm>
-        </p:spPr>
-        <p:txBody>
-          <a:bodyPr anchor="ctr">
-            <a:normAutofit/>
-          </a:bodyPr>
-          <a:lstStyle/>
-          <a:p>
-            <a:pPr algn="ctr"/>
-            <a:r>
-              <a:rPr lang="en-US" sz="4800" i="1" spc="-50" dirty="0" smtClean="0">
-                <a:latin typeface="+mj-lt"/>
-                <a:ea typeface="+mj-ea"/>
-                <a:cs typeface="+mj-cs"/>
-              </a:rPr>
-              <a:t>“Show </a:t>
-            </a:r>
-            <a:r>
-              <a:rPr lang="en-US" sz="4800" i="1" spc="-50" dirty="0" err="1" smtClean="0">
-                <a:latin typeface="+mj-lt"/>
-                <a:ea typeface="+mj-ea"/>
-                <a:cs typeface="+mj-cs"/>
-              </a:rPr>
-              <a:t>tl;dr</a:t>
-            </a:r>
-            <a:r>
-              <a:rPr lang="en-US" sz="4800" i="1" spc="-50" dirty="0" smtClean="0">
-                <a:latin typeface="+mj-lt"/>
-                <a:ea typeface="+mj-ea"/>
-                <a:cs typeface="+mj-cs"/>
-              </a:rPr>
-              <a:t> examples if </a:t>
-            </a:r>
-          </a:p>
-          <a:p>
-            <a:pPr algn="ctr"/>
-            <a:r>
-              <a:rPr lang="en-US" sz="4800" i="1" spc="-50" dirty="0" smtClean="0">
-                <a:latin typeface="+mj-lt"/>
-                <a:ea typeface="+mj-ea"/>
-                <a:cs typeface="+mj-cs"/>
-              </a:rPr>
-              <a:t>particular formats are required”</a:t>
-            </a:r>
-            <a:endParaRPr lang="en-US" sz="4800" i="1" spc="-50" dirty="0">
-              <a:latin typeface="+mj-lt"/>
-              <a:ea typeface="+mj-ea"/>
-              <a:cs typeface="+mj-cs"/>
-            </a:endParaRPr>
-          </a:p>
-        </p:txBody>
-      </p:sp>
-      <p:sp>
-        <p:nvSpPr>
-          <p:cNvPr id="4" name="Title 1"/>
-          <p:cNvSpPr txBox="1">
-            <a:spLocks/>
-          </p:cNvSpPr>
-          <p:nvPr/>
-        </p:nvSpPr>
-        <p:spPr>
-          <a:xfrm>
-            <a:off x="1097280" y="5234030"/>
-            <a:ext cx="10058400" cy="1025730"/>
-          </a:xfrm>
-          <a:prstGeom prst="rect">
-            <a:avLst/>
-          </a:prstGeom>
-        </p:spPr>
-        <p:txBody>
-          <a:bodyPr vert="horz" lIns="91440" tIns="45720" rIns="91440" bIns="45720" rtlCol="0" anchor="b">
-            <a:normAutofit/>
-          </a:bodyPr>
-          <a:lstStyle>
-            <a:lvl1pPr algn="l" defTabSz="914400" rtl="0" eaLnBrk="1" latinLnBrk="0" hangingPunct="1">
-              <a:lnSpc>
-                <a:spcPct val="85000"/>
-              </a:lnSpc>
-              <a:spcBef>
-                <a:spcPct val="0"/>
-              </a:spcBef>
-              <a:buNone/>
-              <a:defRPr sz="4800" kern="1200" spc="-50" baseline="0">
-                <a:solidFill>
-                  <a:schemeClr val="tx1">
-                    <a:lumMod val="75000"/>
-                    <a:lumOff val="25000"/>
-                  </a:schemeClr>
-                </a:solidFill>
-                <a:latin typeface="+mj-lt"/>
-                <a:ea typeface="+mj-ea"/>
-                <a:cs typeface="+mj-cs"/>
-              </a:defRPr>
-            </a:lvl1pPr>
-          </a:lstStyle>
-          <a:p>
-            <a:pPr algn="r"/>
-            <a:r>
-              <a:rPr lang="en-US" sz="3600" dirty="0" smtClean="0"/>
-              <a:t>…to give the confused coder some guidance</a:t>
-            </a:r>
-            <a:endParaRPr lang="en-US" sz="3600" dirty="0"/>
-          </a:p>
-        </p:txBody>
-      </p:sp>
-    </p:spTree>
-    <p:extLst>
-      <p:ext uri="{BB962C8B-B14F-4D97-AF65-F5344CB8AC3E}">
-        <p14:creationId xmlns:p14="http://schemas.microsoft.com/office/powerpoint/2010/main" val="309843548"/>
       </p:ext>
     </p:extLst>
   </p:cSld>
@@ -10975,6 +12430,192 @@
             <a:spLocks noGrp="1"/>
           </p:cNvSpPr>
           <p:nvPr>
+            <p:ph type="title" idx="4294967295"/>
+          </p:nvPr>
+        </p:nvSpPr>
+        <p:spPr>
+          <a:xfrm>
+            <a:off x="1097280" y="264188"/>
+            <a:ext cx="10058400" cy="1025525"/>
+          </a:xfrm>
+        </p:spPr>
+        <p:txBody>
+          <a:bodyPr>
+            <a:normAutofit/>
+          </a:bodyPr>
+          <a:lstStyle/>
+          <a:p>
+            <a:r>
+              <a:rPr lang="en-US" sz="3600" dirty="0" smtClean="0"/>
+              <a:t>This exception proves the rule…</a:t>
+            </a:r>
+            <a:endParaRPr lang="en-US" sz="3600" dirty="0"/>
+          </a:p>
+        </p:txBody>
+      </p:sp>
+      <p:sp>
+        <p:nvSpPr>
+          <p:cNvPr id="3" name="Content Placeholder 2"/>
+          <p:cNvSpPr>
+            <a:spLocks noGrp="1"/>
+          </p:cNvSpPr>
+          <p:nvPr>
+            <p:ph idx="4294967295"/>
+          </p:nvPr>
+        </p:nvSpPr>
+        <p:spPr>
+          <a:xfrm>
+            <a:off x="1097280" y="1414804"/>
+            <a:ext cx="10058400" cy="4024313"/>
+          </a:xfrm>
+        </p:spPr>
+        <p:txBody>
+          <a:bodyPr anchor="ctr">
+            <a:normAutofit/>
+          </a:bodyPr>
+          <a:lstStyle/>
+          <a:p>
+            <a:pPr algn="ctr"/>
+            <a:r>
+              <a:rPr lang="en-US" sz="4800" i="1" spc="-50" dirty="0" smtClean="0">
+                <a:latin typeface="+mj-lt"/>
+                <a:ea typeface="+mj-ea"/>
+                <a:cs typeface="+mj-cs"/>
+              </a:rPr>
+              <a:t>“Show </a:t>
+            </a:r>
+            <a:r>
+              <a:rPr lang="en-US" sz="4800" i="1" spc="-50" dirty="0" err="1" smtClean="0">
+                <a:latin typeface="+mj-lt"/>
+                <a:ea typeface="+mj-ea"/>
+                <a:cs typeface="+mj-cs"/>
+              </a:rPr>
+              <a:t>tl;dr</a:t>
+            </a:r>
+            <a:r>
+              <a:rPr lang="en-US" sz="4800" i="1" spc="-50" dirty="0" smtClean="0">
+                <a:latin typeface="+mj-lt"/>
+                <a:ea typeface="+mj-ea"/>
+                <a:cs typeface="+mj-cs"/>
+              </a:rPr>
+              <a:t> examples if </a:t>
+            </a:r>
+          </a:p>
+          <a:p>
+            <a:pPr algn="ctr"/>
+            <a:r>
+              <a:rPr lang="en-US" sz="4800" i="1" spc="-50" dirty="0" smtClean="0">
+                <a:latin typeface="+mj-lt"/>
+                <a:ea typeface="+mj-ea"/>
+                <a:cs typeface="+mj-cs"/>
+              </a:rPr>
+              <a:t>particular formats are required”</a:t>
+            </a:r>
+            <a:endParaRPr lang="en-US" sz="4800" i="1" spc="-50" dirty="0">
+              <a:latin typeface="+mj-lt"/>
+              <a:ea typeface="+mj-ea"/>
+              <a:cs typeface="+mj-cs"/>
+            </a:endParaRPr>
+          </a:p>
+        </p:txBody>
+      </p:sp>
+      <p:sp>
+        <p:nvSpPr>
+          <p:cNvPr id="4" name="Title 1"/>
+          <p:cNvSpPr txBox="1">
+            <a:spLocks/>
+          </p:cNvSpPr>
+          <p:nvPr/>
+        </p:nvSpPr>
+        <p:spPr>
+          <a:xfrm>
+            <a:off x="1097280" y="5234030"/>
+            <a:ext cx="10058400" cy="1025730"/>
+          </a:xfrm>
+          <a:prstGeom prst="rect">
+            <a:avLst/>
+          </a:prstGeom>
+        </p:spPr>
+        <p:txBody>
+          <a:bodyPr vert="horz" lIns="91440" tIns="45720" rIns="91440" bIns="45720" rtlCol="0" anchor="b">
+            <a:normAutofit/>
+          </a:bodyPr>
+          <a:lstStyle>
+            <a:lvl1pPr algn="l" defTabSz="914400" rtl="0" eaLnBrk="1" latinLnBrk="0" hangingPunct="1">
+              <a:lnSpc>
+                <a:spcPct val="85000"/>
+              </a:lnSpc>
+              <a:spcBef>
+                <a:spcPct val="0"/>
+              </a:spcBef>
+              <a:buNone/>
+              <a:defRPr sz="4800" kern="1200" spc="-50" baseline="0">
+                <a:solidFill>
+                  <a:schemeClr val="tx1">
+                    <a:lumMod val="75000"/>
+                    <a:lumOff val="25000"/>
+                  </a:schemeClr>
+                </a:solidFill>
+                <a:latin typeface="+mj-lt"/>
+                <a:ea typeface="+mj-ea"/>
+                <a:cs typeface="+mj-cs"/>
+              </a:defRPr>
+            </a:lvl1pPr>
+          </a:lstStyle>
+          <a:p>
+            <a:pPr algn="r"/>
+            <a:r>
+              <a:rPr lang="en-US" sz="3600" dirty="0" smtClean="0"/>
+              <a:t>…to give the confused coder some guidance</a:t>
+            </a:r>
+            <a:endParaRPr lang="en-US" sz="3600" dirty="0"/>
+          </a:p>
+        </p:txBody>
+      </p:sp>
+    </p:spTree>
+    <p:extLst>
+      <p:ext uri="{BB962C8B-B14F-4D97-AF65-F5344CB8AC3E}">
+        <p14:creationId xmlns:p14="http://schemas.microsoft.com/office/powerpoint/2010/main" val="309843548"/>
+      </p:ext>
+    </p:extLst>
+  </p:cSld>
+  <p:clrMapOvr>
+    <a:masterClrMapping/>
+  </p:clrMapOvr>
+  <p:timing>
+    <p:tnLst>
+      <p:par>
+        <p:cTn xmlns:p14="http://schemas.microsoft.com/office/powerpoint/2010/main" id="1" dur="indefinite" restart="never" nodeType="tmRoot"/>
+      </p:par>
+    </p:tnLst>
+  </p:timing>
+</p:sld>
+</file>
+
+<file path=ppt/slides/slide26.xml><?xml version="1.0" encoding="utf-8"?>
+<p:sld xmlns:a="http://schemas.openxmlformats.org/drawingml/2006/main" xmlns:r="http://schemas.openxmlformats.org/officeDocument/2006/relationships" xmlns:p="http://schemas.openxmlformats.org/presentationml/2006/main">
+  <p:cSld>
+    <p:spTree>
+      <p:nvGrpSpPr>
+        <p:cNvPr id="1" name=""/>
+        <p:cNvGrpSpPr/>
+        <p:nvPr/>
+      </p:nvGrpSpPr>
+      <p:grpSpPr>
+        <a:xfrm>
+          <a:off x="0" y="0"/>
+          <a:ext cx="0" cy="0"/>
+          <a:chOff x="0" y="0"/>
+          <a:chExt cx="0" cy="0"/>
+        </a:xfrm>
+      </p:grpSpPr>
+      <p:sp>
+        <p:nvSpPr>
+          <p:cNvPr id="2" name="Title 1"/>
+          <p:cNvSpPr>
+            <a:spLocks noGrp="1"/>
+          </p:cNvSpPr>
+          <p:nvPr>
             <p:ph type="ctrTitle"/>
           </p:nvPr>
         </p:nvSpPr>
@@ -11030,7 +12671,7 @@
 </p:sld>
 </file>
 
-<file path=ppt/slides/slide26.xml><?xml version="1.0" encoding="utf-8"?>
+<file path=ppt/slides/slide27.xml><?xml version="1.0" encoding="utf-8"?>
 <p:sld xmlns:a="http://schemas.openxmlformats.org/drawingml/2006/main" xmlns:r="http://schemas.openxmlformats.org/officeDocument/2006/relationships" xmlns:p="http://schemas.openxmlformats.org/presentationml/2006/main">
   <p:cSld>
     <p:spTree>
@@ -12514,7 +14155,7 @@
 </p:sld>
 </file>
 
-<file path=ppt/slides/slide27.xml><?xml version="1.0" encoding="utf-8"?>
+<file path=ppt/slides/slide28.xml><?xml version="1.0" encoding="utf-8"?>
 <p:sld xmlns:a="http://schemas.openxmlformats.org/drawingml/2006/main" xmlns:r="http://schemas.openxmlformats.org/officeDocument/2006/relationships" xmlns:p="http://schemas.openxmlformats.org/presentationml/2006/main">
   <p:cSld>
     <p:spTree>
@@ -13065,7 +14706,7 @@
 </p:sld>
 </file>
 
-<file path=ppt/slides/slide28.xml><?xml version="1.0" encoding="utf-8"?>
+<file path=ppt/slides/slide29.xml><?xml version="1.0" encoding="utf-8"?>
 <p:sld xmlns:a="http://schemas.openxmlformats.org/drawingml/2006/main" xmlns:r="http://schemas.openxmlformats.org/officeDocument/2006/relationships" xmlns:p="http://schemas.openxmlformats.org/presentationml/2006/main">
   <p:cSld>
     <p:spTree>
@@ -14510,171 +16151,6 @@
     <p:extLst>
       <p:ext uri="{BB962C8B-B14F-4D97-AF65-F5344CB8AC3E}">
         <p14:creationId xmlns:p14="http://schemas.microsoft.com/office/powerpoint/2010/main" val="2210039967"/>
-      </p:ext>
-    </p:extLst>
-  </p:cSld>
-  <p:clrMapOvr>
-    <a:masterClrMapping/>
-  </p:clrMapOvr>
-  <p:timing>
-    <p:tnLst>
-      <p:par>
-        <p:cTn xmlns:p14="http://schemas.microsoft.com/office/powerpoint/2010/main" id="1" dur="indefinite" restart="never" nodeType="tmRoot"/>
-      </p:par>
-    </p:tnLst>
-  </p:timing>
-</p:sld>
-</file>
-
-<file path=ppt/slides/slide29.xml><?xml version="1.0" encoding="utf-8"?>
-<p:sld xmlns:a="http://schemas.openxmlformats.org/drawingml/2006/main" xmlns:r="http://schemas.openxmlformats.org/officeDocument/2006/relationships" xmlns:p="http://schemas.openxmlformats.org/presentationml/2006/main">
-  <p:cSld>
-    <p:spTree>
-      <p:nvGrpSpPr>
-        <p:cNvPr id="1" name=""/>
-        <p:cNvGrpSpPr/>
-        <p:nvPr/>
-      </p:nvGrpSpPr>
-      <p:grpSpPr>
-        <a:xfrm>
-          <a:off x="0" y="0"/>
-          <a:ext cx="0" cy="0"/>
-          <a:chOff x="0" y="0"/>
-          <a:chExt cx="0" cy="0"/>
-        </a:xfrm>
-      </p:grpSpPr>
-      <p:sp>
-        <p:nvSpPr>
-          <p:cNvPr id="2" name="Title 1"/>
-          <p:cNvSpPr>
-            <a:spLocks noGrp="1"/>
-          </p:cNvSpPr>
-          <p:nvPr>
-            <p:ph type="title" idx="4294967295"/>
-          </p:nvPr>
-        </p:nvSpPr>
-        <p:spPr>
-          <a:xfrm>
-            <a:off x="1097280" y="264188"/>
-            <a:ext cx="10058400" cy="1025525"/>
-          </a:xfrm>
-        </p:spPr>
-        <p:txBody>
-          <a:bodyPr>
-            <a:normAutofit/>
-          </a:bodyPr>
-          <a:lstStyle/>
-          <a:p>
-            <a:r>
-              <a:rPr lang="en-US" sz="3600" dirty="0" smtClean="0"/>
-              <a:t>This exception proves the rule…</a:t>
-            </a:r>
-            <a:endParaRPr lang="en-US" sz="3600" dirty="0"/>
-          </a:p>
-        </p:txBody>
-      </p:sp>
-      <p:sp>
-        <p:nvSpPr>
-          <p:cNvPr id="3" name="Content Placeholder 2"/>
-          <p:cNvSpPr>
-            <a:spLocks noGrp="1"/>
-          </p:cNvSpPr>
-          <p:nvPr>
-            <p:ph idx="4294967295"/>
-          </p:nvPr>
-        </p:nvSpPr>
-        <p:spPr>
-          <a:xfrm>
-            <a:off x="1097280" y="1414804"/>
-            <a:ext cx="10058400" cy="4024313"/>
-          </a:xfrm>
-        </p:spPr>
-        <p:txBody>
-          <a:bodyPr anchor="ctr">
-            <a:normAutofit/>
-          </a:bodyPr>
-          <a:lstStyle/>
-          <a:p>
-            <a:pPr algn="ctr"/>
-            <a:r>
-              <a:rPr lang="en-US" sz="4800" i="1" spc="-50" dirty="0" smtClean="0">
-                <a:latin typeface="+mj-lt"/>
-                <a:ea typeface="+mj-ea"/>
-                <a:cs typeface="+mj-cs"/>
-              </a:rPr>
-              <a:t>“Don’t hold back,</a:t>
-            </a:r>
-          </a:p>
-          <a:p>
-            <a:pPr algn="ctr"/>
-            <a:r>
-              <a:rPr lang="en-US" sz="4800" i="1" spc="-50" dirty="0" smtClean="0">
-                <a:latin typeface="+mj-lt"/>
-                <a:ea typeface="+mj-ea"/>
-                <a:cs typeface="+mj-cs"/>
-              </a:rPr>
-              <a:t>You don’t know which clue will help”</a:t>
-            </a:r>
-          </a:p>
-        </p:txBody>
-      </p:sp>
-      <p:sp>
-        <p:nvSpPr>
-          <p:cNvPr id="4" name="Title 1"/>
-          <p:cNvSpPr txBox="1">
-            <a:spLocks/>
-          </p:cNvSpPr>
-          <p:nvPr/>
-        </p:nvSpPr>
-        <p:spPr>
-          <a:xfrm>
-            <a:off x="1097280" y="5234030"/>
-            <a:ext cx="10058400" cy="1025730"/>
-          </a:xfrm>
-          <a:prstGeom prst="rect">
-            <a:avLst/>
-          </a:prstGeom>
-        </p:spPr>
-        <p:txBody>
-          <a:bodyPr vert="horz" lIns="91440" tIns="45720" rIns="91440" bIns="45720" rtlCol="0" anchor="b">
-            <a:normAutofit/>
-          </a:bodyPr>
-          <a:lstStyle>
-            <a:lvl1pPr algn="l" defTabSz="914400" rtl="0" eaLnBrk="1" latinLnBrk="0" hangingPunct="1">
-              <a:lnSpc>
-                <a:spcPct val="85000"/>
-              </a:lnSpc>
-              <a:spcBef>
-                <a:spcPct val="0"/>
-              </a:spcBef>
-              <a:buNone/>
-              <a:defRPr sz="4800" kern="1200" spc="-50" baseline="0">
-                <a:solidFill>
-                  <a:schemeClr val="tx1">
-                    <a:lumMod val="75000"/>
-                    <a:lumOff val="25000"/>
-                  </a:schemeClr>
-                </a:solidFill>
-                <a:latin typeface="+mj-lt"/>
-                <a:ea typeface="+mj-ea"/>
-                <a:cs typeface="+mj-cs"/>
-              </a:defRPr>
-            </a:lvl1pPr>
-          </a:lstStyle>
-          <a:p>
-            <a:pPr algn="r"/>
-            <a:r>
-              <a:rPr lang="en-US" sz="3600" dirty="0" smtClean="0"/>
-              <a:t>…to give the confused coder some guidance</a:t>
-            </a:r>
-            <a:endParaRPr lang="en-US" sz="3600" dirty="0"/>
-          </a:p>
-        </p:txBody>
-      </p:sp>
-    </p:spTree>
-    <p:extLst>
-      <p:ext uri="{BB962C8B-B14F-4D97-AF65-F5344CB8AC3E}">
-        <p14:creationId xmlns:p14="http://schemas.microsoft.com/office/powerpoint/2010/main" val="3542262179"/>
       </p:ext>
     </p:extLst>
   </p:cSld>
@@ -14715,7 +16191,7 @@
             <a:spLocks noGrp="1"/>
           </p:cNvSpPr>
           <p:nvPr>
-            <p:ph type="ctrTitle"/>
+            <p:ph type="title"/>
           </p:nvPr>
         </p:nvSpPr>
         <p:spPr/>
@@ -14725,7 +16201,7 @@
           <a:p>
             <a:r>
               <a:rPr lang="en-US" dirty="0" smtClean="0"/>
-              <a:t>The route to null evil</a:t>
+              <a:t>Rules</a:t>
             </a:r>
             <a:endParaRPr lang="en-US" dirty="0"/>
           </a:p>
@@ -14733,12 +16209,12 @@
       </p:sp>
       <p:sp>
         <p:nvSpPr>
-          <p:cNvPr id="3" name="Subtitle 2"/>
+          <p:cNvPr id="4" name="Content Placeholder 3"/>
           <p:cNvSpPr>
             <a:spLocks noGrp="1"/>
           </p:cNvSpPr>
           <p:nvPr>
-            <p:ph type="subTitle" idx="1"/>
+            <p:ph idx="1"/>
           </p:nvPr>
         </p:nvSpPr>
         <p:spPr/>
@@ -14746,14 +16222,277 @@
           <a:bodyPr/>
           <a:lstStyle/>
           <a:p>
-            <a:endParaRPr lang="en-US"/>
+            <a:pPr marL="457200" indent="-457200">
+              <a:buFont typeface="+mj-lt"/>
+              <a:buAutoNum type="arabicPeriod"/>
+            </a:pPr>
+            <a:r>
+              <a:rPr lang="en-US" dirty="0" smtClean="0"/>
+              <a:t>All code must compile</a:t>
+            </a:r>
+          </a:p>
+          <a:p>
+            <a:pPr marL="457200" indent="-457200">
+              <a:buFont typeface="+mj-lt"/>
+              <a:buAutoNum type="arabicPeriod"/>
+            </a:pPr>
+            <a:r>
+              <a:rPr lang="en-US" dirty="0" smtClean="0"/>
+              <a:t>All exceptions must be thrown because of standard calls to the </a:t>
+            </a:r>
+            <a:r>
+              <a:rPr lang="en-US" dirty="0" err="1" smtClean="0"/>
+              <a:t>.Net</a:t>
+            </a:r>
+            <a:r>
+              <a:rPr lang="en-US" dirty="0" smtClean="0"/>
+              <a:t> BCL</a:t>
+            </a:r>
+          </a:p>
+          <a:p>
+            <a:pPr marL="457200" indent="-457200">
+              <a:buFont typeface="+mj-lt"/>
+              <a:buAutoNum type="arabicPeriod"/>
+            </a:pPr>
+            <a:r>
+              <a:rPr lang="en-US" dirty="0" smtClean="0"/>
+              <a:t>All improvements must be possible</a:t>
+            </a:r>
+          </a:p>
+          <a:p>
+            <a:pPr marL="457200" indent="-457200">
+              <a:buFont typeface="+mj-lt"/>
+              <a:buAutoNum type="arabicPeriod"/>
+            </a:pPr>
+            <a:endParaRPr lang="en-US" dirty="0"/>
+          </a:p>
+          <a:p>
+            <a:pPr marL="457200" indent="-457200">
+              <a:buFont typeface="+mj-lt"/>
+              <a:buAutoNum type="arabicPeriod"/>
+            </a:pPr>
+            <a:r>
+              <a:rPr lang="en-US" dirty="0" smtClean="0"/>
+              <a:t>Turn</a:t>
+            </a:r>
+          </a:p>
+          <a:p>
+            <a:pPr marL="749808" lvl="1" indent="-457200">
+              <a:buFont typeface="+mj-lt"/>
+              <a:buAutoNum type="arabicPeriod"/>
+            </a:pPr>
+            <a:r>
+              <a:rPr lang="en-US" dirty="0" smtClean="0"/>
+              <a:t>Show code that caused the exception to be thrown</a:t>
+            </a:r>
+          </a:p>
+          <a:p>
+            <a:pPr marL="749808" lvl="1" indent="-457200">
+              <a:buFont typeface="+mj-lt"/>
+              <a:buAutoNum type="arabicPeriod"/>
+            </a:pPr>
+            <a:r>
+              <a:rPr lang="en-US" dirty="0" smtClean="0"/>
+              <a:t>Ask why?</a:t>
+            </a:r>
+          </a:p>
+          <a:p>
+            <a:pPr marL="749808" lvl="1" indent="-457200">
+              <a:buFont typeface="+mj-lt"/>
+              <a:buAutoNum type="arabicPeriod"/>
+            </a:pPr>
+            <a:r>
+              <a:rPr lang="en-US" dirty="0" smtClean="0"/>
+              <a:t>Propose better Exception Message</a:t>
+            </a:r>
+          </a:p>
+          <a:p>
+            <a:pPr marL="749808" lvl="1" indent="-457200">
+              <a:buFont typeface="+mj-lt"/>
+              <a:buAutoNum type="arabicPeriod"/>
+            </a:pPr>
+            <a:r>
+              <a:rPr lang="en-US" dirty="0" smtClean="0"/>
+              <a:t>Ask again</a:t>
+            </a:r>
+          </a:p>
+          <a:p>
+            <a:pPr marL="457200" indent="-457200">
+              <a:buFont typeface="+mj-lt"/>
+              <a:buAutoNum type="arabicPeriod"/>
+            </a:pPr>
+            <a:endParaRPr lang="en-US" dirty="0" smtClean="0"/>
+          </a:p>
+          <a:p>
+            <a:pPr marL="0" indent="0">
+              <a:buNone/>
+            </a:pPr>
+            <a:endParaRPr lang="en-US" dirty="0"/>
           </a:p>
         </p:txBody>
       </p:sp>
     </p:spTree>
     <p:extLst>
       <p:ext uri="{BB962C8B-B14F-4D97-AF65-F5344CB8AC3E}">
-        <p14:creationId xmlns:p14="http://schemas.microsoft.com/office/powerpoint/2010/main" val="1185910408"/>
+        <p14:creationId xmlns:p14="http://schemas.microsoft.com/office/powerpoint/2010/main" val="2056512269"/>
+      </p:ext>
+    </p:extLst>
+  </p:cSld>
+  <p:clrMapOvr>
+    <a:masterClrMapping/>
+  </p:clrMapOvr>
+</p:sld>
+</file>
+
+<file path=ppt/slides/slide30.xml><?xml version="1.0" encoding="utf-8"?>
+<p:sld xmlns:a="http://schemas.openxmlformats.org/drawingml/2006/main" xmlns:r="http://schemas.openxmlformats.org/officeDocument/2006/relationships" xmlns:p="http://schemas.openxmlformats.org/presentationml/2006/main">
+  <p:cSld>
+    <p:spTree>
+      <p:nvGrpSpPr>
+        <p:cNvPr id="1" name=""/>
+        <p:cNvGrpSpPr/>
+        <p:nvPr/>
+      </p:nvGrpSpPr>
+      <p:grpSpPr>
+        <a:xfrm>
+          <a:off x="0" y="0"/>
+          <a:ext cx="0" cy="0"/>
+          <a:chOff x="0" y="0"/>
+          <a:chExt cx="0" cy="0"/>
+        </a:xfrm>
+      </p:grpSpPr>
+      <p:sp>
+        <p:nvSpPr>
+          <p:cNvPr id="2" name="Title 1"/>
+          <p:cNvSpPr>
+            <a:spLocks noGrp="1"/>
+          </p:cNvSpPr>
+          <p:nvPr>
+            <p:ph type="title" idx="4294967295"/>
+          </p:nvPr>
+        </p:nvSpPr>
+        <p:spPr>
+          <a:xfrm>
+            <a:off x="1097280" y="264188"/>
+            <a:ext cx="10058400" cy="1025525"/>
+          </a:xfrm>
+        </p:spPr>
+        <p:txBody>
+          <a:bodyPr>
+            <a:normAutofit/>
+          </a:bodyPr>
+          <a:lstStyle/>
+          <a:p>
+            <a:r>
+              <a:rPr lang="en-US" sz="3600" dirty="0" smtClean="0"/>
+              <a:t>This exception proves the rule…</a:t>
+            </a:r>
+            <a:endParaRPr lang="en-US" sz="3600" dirty="0"/>
+          </a:p>
+        </p:txBody>
+      </p:sp>
+      <p:sp>
+        <p:nvSpPr>
+          <p:cNvPr id="3" name="Content Placeholder 2"/>
+          <p:cNvSpPr>
+            <a:spLocks noGrp="1"/>
+          </p:cNvSpPr>
+          <p:nvPr>
+            <p:ph idx="4294967295"/>
+          </p:nvPr>
+        </p:nvSpPr>
+        <p:spPr>
+          <a:xfrm>
+            <a:off x="1097280" y="1414804"/>
+            <a:ext cx="10058400" cy="4024313"/>
+          </a:xfrm>
+        </p:spPr>
+        <p:txBody>
+          <a:bodyPr anchor="ctr">
+            <a:normAutofit/>
+          </a:bodyPr>
+          <a:lstStyle/>
+          <a:p>
+            <a:pPr algn="ctr"/>
+            <a:r>
+              <a:rPr lang="en-US" sz="4800" i="1" spc="-50" dirty="0" smtClean="0">
+                <a:latin typeface="+mj-lt"/>
+                <a:ea typeface="+mj-ea"/>
+                <a:cs typeface="+mj-cs"/>
+              </a:rPr>
+              <a:t>“Don’t hold back,</a:t>
+            </a:r>
+          </a:p>
+          <a:p>
+            <a:pPr algn="ctr"/>
+            <a:r>
+              <a:rPr lang="en-US" sz="4800" i="1" spc="-50" dirty="0" smtClean="0">
+                <a:latin typeface="+mj-lt"/>
+                <a:ea typeface="+mj-ea"/>
+                <a:cs typeface="+mj-cs"/>
+              </a:rPr>
+              <a:t>You don’t know which clue will help”</a:t>
+            </a:r>
+          </a:p>
+        </p:txBody>
+      </p:sp>
+      <p:sp>
+        <p:nvSpPr>
+          <p:cNvPr id="4" name="Title 1"/>
+          <p:cNvSpPr txBox="1">
+            <a:spLocks/>
+          </p:cNvSpPr>
+          <p:nvPr/>
+        </p:nvSpPr>
+        <p:spPr>
+          <a:xfrm>
+            <a:off x="1097280" y="5234030"/>
+            <a:ext cx="10058400" cy="1025730"/>
+          </a:xfrm>
+          <a:prstGeom prst="rect">
+            <a:avLst/>
+          </a:prstGeom>
+        </p:spPr>
+        <p:txBody>
+          <a:bodyPr vert="horz" lIns="91440" tIns="45720" rIns="91440" bIns="45720" rtlCol="0" anchor="b">
+            <a:normAutofit/>
+          </a:bodyPr>
+          <a:lstStyle>
+            <a:lvl1pPr algn="l" defTabSz="914400" rtl="0" eaLnBrk="1" latinLnBrk="0" hangingPunct="1">
+              <a:lnSpc>
+                <a:spcPct val="85000"/>
+              </a:lnSpc>
+              <a:spcBef>
+                <a:spcPct val="0"/>
+              </a:spcBef>
+              <a:buNone/>
+              <a:defRPr sz="4800" kern="1200" spc="-50" baseline="0">
+                <a:solidFill>
+                  <a:schemeClr val="tx1">
+                    <a:lumMod val="75000"/>
+                    <a:lumOff val="25000"/>
+                  </a:schemeClr>
+                </a:solidFill>
+                <a:latin typeface="+mj-lt"/>
+                <a:ea typeface="+mj-ea"/>
+                <a:cs typeface="+mj-cs"/>
+              </a:defRPr>
+            </a:lvl1pPr>
+          </a:lstStyle>
+          <a:p>
+            <a:pPr algn="r"/>
+            <a:r>
+              <a:rPr lang="en-US" sz="3600" dirty="0" smtClean="0"/>
+              <a:t>…to give the confused coder some guidance</a:t>
+            </a:r>
+            <a:endParaRPr lang="en-US" sz="3600" dirty="0"/>
+          </a:p>
+        </p:txBody>
+      </p:sp>
+    </p:spTree>
+    <p:extLst>
+      <p:ext uri="{BB962C8B-B14F-4D97-AF65-F5344CB8AC3E}">
+        <p14:creationId xmlns:p14="http://schemas.microsoft.com/office/powerpoint/2010/main" val="3542262179"/>
       </p:ext>
     </p:extLst>
   </p:cSld>
@@ -14770,7 +16509,7 @@
 </p:sld>
 </file>
 
-<file path=ppt/slides/slide30.xml><?xml version="1.0" encoding="utf-8"?>
+<file path=ppt/slides/slide31.xml><?xml version="1.0" encoding="utf-8"?>
 <p:sld xmlns:a="http://schemas.openxmlformats.org/drawingml/2006/main" xmlns:r="http://schemas.openxmlformats.org/officeDocument/2006/relationships" xmlns:p="http://schemas.openxmlformats.org/presentationml/2006/main">
   <p:cSld>
     <p:spTree>
@@ -15822,7 +17561,7 @@
                 </a:highlight>
                 <a:latin typeface="Consolas" panose="020B0609020204030204" pitchFamily="49" charset="0"/>
               </a:rPr>
-              <a:t>));</a:t>
+              <a:t>);</a:t>
             </a:r>
             <a:endParaRPr lang="en-US" sz="2000" dirty="0">
               <a:solidFill>
@@ -16086,7 +17825,7 @@
 </p:sld>
 </file>
 
-<file path=ppt/slides/slide31.xml><?xml version="1.0" encoding="utf-8"?>
+<file path=ppt/slides/slide32.xml><?xml version="1.0" encoding="utf-8"?>
 <p:sld xmlns:a="http://schemas.openxmlformats.org/drawingml/2006/main" xmlns:r="http://schemas.openxmlformats.org/officeDocument/2006/relationships" xmlns:p="http://schemas.openxmlformats.org/presentationml/2006/main">
   <p:cSld>
     <p:spTree>
@@ -16199,7 +17938,7 @@
 </p:sld>
 </file>
 
-<file path=ppt/slides/slide32.xml><?xml version="1.0" encoding="utf-8"?>
+<file path=ppt/slides/slide33.xml><?xml version="1.0" encoding="utf-8"?>
 <p:sld xmlns:a="http://schemas.openxmlformats.org/drawingml/2006/main" xmlns:r="http://schemas.openxmlformats.org/officeDocument/2006/relationships" xmlns:p="http://schemas.openxmlformats.org/presentationml/2006/main">
   <p:cSld>
     <p:spTree>
@@ -17174,7 +18913,7 @@
 </p:sld>
 </file>
 
-<file path=ppt/slides/slide33.xml><?xml version="1.0" encoding="utf-8"?>
+<file path=ppt/slides/slide34.xml><?xml version="1.0" encoding="utf-8"?>
 <p:sld xmlns:a="http://schemas.openxmlformats.org/drawingml/2006/main" xmlns:r="http://schemas.openxmlformats.org/officeDocument/2006/relationships" xmlns:p="http://schemas.openxmlformats.org/presentationml/2006/main">
   <p:cSld>
     <p:spTree>
@@ -17490,7 +19229,7 @@
 </p:sld>
 </file>
 
-<file path=ppt/slides/slide34.xml><?xml version="1.0" encoding="utf-8"?>
+<file path=ppt/slides/slide35.xml><?xml version="1.0" encoding="utf-8"?>
 <p:sld xmlns:a="http://schemas.openxmlformats.org/drawingml/2006/main" xmlns:r="http://schemas.openxmlformats.org/officeDocument/2006/relationships" xmlns:p="http://schemas.openxmlformats.org/presentationml/2006/main">
   <p:cSld>
     <p:spTree>
@@ -18335,7 +20074,7 @@
 </p:sld>
 </file>
 
-<file path=ppt/slides/slide35.xml><?xml version="1.0" encoding="utf-8"?>
+<file path=ppt/slides/slide36.xml><?xml version="1.0" encoding="utf-8"?>
 <p:sld xmlns:a="http://schemas.openxmlformats.org/drawingml/2006/main" xmlns:r="http://schemas.openxmlformats.org/officeDocument/2006/relationships" xmlns:p="http://schemas.openxmlformats.org/presentationml/2006/main">
   <p:cSld>
     <p:spTree>
@@ -18494,7 +20233,7 @@
 </p:sld>
 </file>
 
-<file path=ppt/slides/slide36.xml><?xml version="1.0" encoding="utf-8"?>
+<file path=ppt/slides/slide37.xml><?xml version="1.0" encoding="utf-8"?>
 <p:sld xmlns:a="http://schemas.openxmlformats.org/drawingml/2006/main" xmlns:r="http://schemas.openxmlformats.org/officeDocument/2006/relationships" xmlns:p="http://schemas.openxmlformats.org/presentationml/2006/main">
   <p:cSld>
     <p:spTree>
@@ -18710,7 +20449,7 @@
 </p:sld>
 </file>
 
-<file path=ppt/slides/slide37.xml><?xml version="1.0" encoding="utf-8"?>
+<file path=ppt/slides/slide38.xml><?xml version="1.0" encoding="utf-8"?>
 <p:sld xmlns:a="http://schemas.openxmlformats.org/drawingml/2006/main" xmlns:r="http://schemas.openxmlformats.org/officeDocument/2006/relationships" xmlns:p="http://schemas.openxmlformats.org/presentationml/2006/main">
   <p:cSld>
     <p:spTree>
@@ -18777,7 +20516,7 @@
 </p:sld>
 </file>
 
-<file path=ppt/slides/slide38.xml><?xml version="1.0" encoding="utf-8"?>
+<file path=ppt/slides/slide39.xml><?xml version="1.0" encoding="utf-8"?>
 <p:sld xmlns:a="http://schemas.openxmlformats.org/drawingml/2006/main" xmlns:r="http://schemas.openxmlformats.org/officeDocument/2006/relationships" xmlns:p="http://schemas.openxmlformats.org/presentationml/2006/main">
   <p:cSld>
     <p:spTree>
@@ -19189,7 +20928,86 @@
 </p:sld>
 </file>
 
-<file path=ppt/slides/slide39.xml><?xml version="1.0" encoding="utf-8"?>
+<file path=ppt/slides/slide4.xml><?xml version="1.0" encoding="utf-8"?>
+<p:sld xmlns:a="http://schemas.openxmlformats.org/drawingml/2006/main" xmlns:r="http://schemas.openxmlformats.org/officeDocument/2006/relationships" xmlns:p="http://schemas.openxmlformats.org/presentationml/2006/main">
+  <p:cSld>
+    <p:spTree>
+      <p:nvGrpSpPr>
+        <p:cNvPr id="1" name=""/>
+        <p:cNvGrpSpPr/>
+        <p:nvPr/>
+      </p:nvGrpSpPr>
+      <p:grpSpPr>
+        <a:xfrm>
+          <a:off x="0" y="0"/>
+          <a:ext cx="0" cy="0"/>
+          <a:chOff x="0" y="0"/>
+          <a:chExt cx="0" cy="0"/>
+        </a:xfrm>
+      </p:grpSpPr>
+      <p:sp>
+        <p:nvSpPr>
+          <p:cNvPr id="2" name="Title 1"/>
+          <p:cNvSpPr>
+            <a:spLocks noGrp="1"/>
+          </p:cNvSpPr>
+          <p:nvPr>
+            <p:ph type="ctrTitle"/>
+          </p:nvPr>
+        </p:nvSpPr>
+        <p:spPr/>
+        <p:txBody>
+          <a:bodyPr/>
+          <a:lstStyle/>
+          <a:p>
+            <a:r>
+              <a:rPr lang="en-US" dirty="0" smtClean="0"/>
+              <a:t>The route to null evil</a:t>
+            </a:r>
+            <a:endParaRPr lang="en-US" dirty="0"/>
+          </a:p>
+        </p:txBody>
+      </p:sp>
+      <p:sp>
+        <p:nvSpPr>
+          <p:cNvPr id="3" name="Subtitle 2"/>
+          <p:cNvSpPr>
+            <a:spLocks noGrp="1"/>
+          </p:cNvSpPr>
+          <p:nvPr>
+            <p:ph type="subTitle" idx="1"/>
+          </p:nvPr>
+        </p:nvSpPr>
+        <p:spPr/>
+        <p:txBody>
+          <a:bodyPr/>
+          <a:lstStyle/>
+          <a:p>
+            <a:endParaRPr lang="en-US"/>
+          </a:p>
+        </p:txBody>
+      </p:sp>
+    </p:spTree>
+    <p:extLst>
+      <p:ext uri="{BB962C8B-B14F-4D97-AF65-F5344CB8AC3E}">
+        <p14:creationId xmlns:p14="http://schemas.microsoft.com/office/powerpoint/2010/main" val="1185910408"/>
+      </p:ext>
+    </p:extLst>
+  </p:cSld>
+  <p:clrMapOvr>
+    <a:masterClrMapping/>
+  </p:clrMapOvr>
+  <p:timing>
+    <p:tnLst>
+      <p:par>
+        <p:cTn xmlns:p14="http://schemas.microsoft.com/office/powerpoint/2010/main" id="1" dur="indefinite" restart="never" nodeType="tmRoot"/>
+      </p:par>
+    </p:tnLst>
+  </p:timing>
+</p:sld>
+</file>
+
+<file path=ppt/slides/slide40.xml><?xml version="1.0" encoding="utf-8"?>
 <p:sld xmlns:a="http://schemas.openxmlformats.org/drawingml/2006/main" xmlns:r="http://schemas.openxmlformats.org/officeDocument/2006/relationships" xmlns:p="http://schemas.openxmlformats.org/presentationml/2006/main">
   <p:cSld>
     <p:spTree>
@@ -20040,7 +21858,373 @@
 </p:sld>
 </file>
 
-<file path=ppt/slides/slide4.xml><?xml version="1.0" encoding="utf-8"?>
+<file path=ppt/slides/slide41.xml><?xml version="1.0" encoding="utf-8"?>
+<p:sld xmlns:a="http://schemas.openxmlformats.org/drawingml/2006/main" xmlns:r="http://schemas.openxmlformats.org/officeDocument/2006/relationships" xmlns:p="http://schemas.openxmlformats.org/presentationml/2006/main" show="0">
+  <p:cSld>
+    <p:spTree>
+      <p:nvGrpSpPr>
+        <p:cNvPr id="1" name=""/>
+        <p:cNvGrpSpPr/>
+        <p:nvPr/>
+      </p:nvGrpSpPr>
+      <p:grpSpPr>
+        <a:xfrm>
+          <a:off x="0" y="0"/>
+          <a:ext cx="0" cy="0"/>
+          <a:chOff x="0" y="0"/>
+          <a:chExt cx="0" cy="0"/>
+        </a:xfrm>
+      </p:grpSpPr>
+      <p:sp>
+        <p:nvSpPr>
+          <p:cNvPr id="2" name="Title 1"/>
+          <p:cNvSpPr>
+            <a:spLocks noGrp="1"/>
+          </p:cNvSpPr>
+          <p:nvPr>
+            <p:ph type="title" idx="4294967295"/>
+          </p:nvPr>
+        </p:nvSpPr>
+        <p:spPr>
+          <a:xfrm>
+            <a:off x="1097280" y="264188"/>
+            <a:ext cx="10058400" cy="1025525"/>
+          </a:xfrm>
+        </p:spPr>
+        <p:txBody>
+          <a:bodyPr>
+            <a:normAutofit/>
+          </a:bodyPr>
+          <a:lstStyle/>
+          <a:p>
+            <a:r>
+              <a:rPr lang="en-US" sz="3600" dirty="0" smtClean="0"/>
+              <a:t>This exception proves the rule…</a:t>
+            </a:r>
+            <a:endParaRPr lang="en-US" sz="3600" dirty="0"/>
+          </a:p>
+        </p:txBody>
+      </p:sp>
+      <p:sp>
+        <p:nvSpPr>
+          <p:cNvPr id="3" name="Content Placeholder 2"/>
+          <p:cNvSpPr>
+            <a:spLocks noGrp="1"/>
+          </p:cNvSpPr>
+          <p:nvPr>
+            <p:ph idx="4294967295"/>
+          </p:nvPr>
+        </p:nvSpPr>
+        <p:spPr>
+          <a:xfrm>
+            <a:off x="1097280" y="1414804"/>
+            <a:ext cx="10058400" cy="4024313"/>
+          </a:xfrm>
+        </p:spPr>
+        <p:txBody>
+          <a:bodyPr anchor="ctr">
+            <a:normAutofit/>
+          </a:bodyPr>
+          <a:lstStyle/>
+          <a:p>
+            <a:pPr algn="ctr"/>
+            <a:r>
+              <a:rPr lang="en-US" sz="4800" i="1" spc="-50" dirty="0">
+                <a:latin typeface="+mj-lt"/>
+                <a:ea typeface="+mj-ea"/>
+                <a:cs typeface="+mj-cs"/>
+              </a:rPr>
+              <a:t>“Give example code </a:t>
+            </a:r>
+            <a:endParaRPr lang="en-US" sz="4800" i="1" spc="-50" dirty="0" smtClean="0">
+              <a:latin typeface="+mj-lt"/>
+              <a:ea typeface="+mj-ea"/>
+              <a:cs typeface="+mj-cs"/>
+            </a:endParaRPr>
+          </a:p>
+          <a:p>
+            <a:pPr algn="ctr"/>
+            <a:r>
+              <a:rPr lang="en-US" sz="4800" i="1" spc="-50" dirty="0" smtClean="0">
+                <a:latin typeface="+mj-lt"/>
+                <a:ea typeface="+mj-ea"/>
+                <a:cs typeface="+mj-cs"/>
+              </a:rPr>
+              <a:t>for </a:t>
+            </a:r>
+            <a:r>
+              <a:rPr lang="en-US" sz="4800" i="1" spc="-50" dirty="0">
+                <a:latin typeface="+mj-lt"/>
+                <a:ea typeface="+mj-ea"/>
+                <a:cs typeface="+mj-cs"/>
+              </a:rPr>
+              <a:t>any setup </a:t>
+            </a:r>
+            <a:r>
+              <a:rPr lang="en-US" sz="4800" i="1" spc="-50" dirty="0" smtClean="0">
+                <a:latin typeface="+mj-lt"/>
+                <a:ea typeface="+mj-ea"/>
+                <a:cs typeface="+mj-cs"/>
+              </a:rPr>
+              <a:t>needed”</a:t>
+            </a:r>
+            <a:endParaRPr lang="en-US" sz="4800" i="1" spc="-50" dirty="0">
+              <a:latin typeface="+mj-lt"/>
+              <a:ea typeface="+mj-ea"/>
+              <a:cs typeface="+mj-cs"/>
+            </a:endParaRPr>
+          </a:p>
+        </p:txBody>
+      </p:sp>
+      <p:sp>
+        <p:nvSpPr>
+          <p:cNvPr id="4" name="Title 1"/>
+          <p:cNvSpPr txBox="1">
+            <a:spLocks/>
+          </p:cNvSpPr>
+          <p:nvPr/>
+        </p:nvSpPr>
+        <p:spPr>
+          <a:xfrm>
+            <a:off x="1097280" y="5234030"/>
+            <a:ext cx="10058400" cy="1025730"/>
+          </a:xfrm>
+          <a:prstGeom prst="rect">
+            <a:avLst/>
+          </a:prstGeom>
+        </p:spPr>
+        <p:txBody>
+          <a:bodyPr vert="horz" lIns="91440" tIns="45720" rIns="91440" bIns="45720" rtlCol="0" anchor="b">
+            <a:normAutofit/>
+          </a:bodyPr>
+          <a:lstStyle>
+            <a:lvl1pPr algn="l" defTabSz="914400" rtl="0" eaLnBrk="1" latinLnBrk="0" hangingPunct="1">
+              <a:lnSpc>
+                <a:spcPct val="85000"/>
+              </a:lnSpc>
+              <a:spcBef>
+                <a:spcPct val="0"/>
+              </a:spcBef>
+              <a:buNone/>
+              <a:defRPr sz="4800" kern="1200" spc="-50" baseline="0">
+                <a:solidFill>
+                  <a:schemeClr val="tx1">
+                    <a:lumMod val="75000"/>
+                    <a:lumOff val="25000"/>
+                  </a:schemeClr>
+                </a:solidFill>
+                <a:latin typeface="+mj-lt"/>
+                <a:ea typeface="+mj-ea"/>
+                <a:cs typeface="+mj-cs"/>
+              </a:defRPr>
+            </a:lvl1pPr>
+          </a:lstStyle>
+          <a:p>
+            <a:pPr algn="r"/>
+            <a:r>
+              <a:rPr lang="en-US" sz="3600" dirty="0" smtClean="0"/>
+              <a:t>…to give the confused coder some guidance</a:t>
+            </a:r>
+            <a:endParaRPr lang="en-US" sz="3600" dirty="0"/>
+          </a:p>
+        </p:txBody>
+      </p:sp>
+    </p:spTree>
+    <p:extLst>
+      <p:ext uri="{BB962C8B-B14F-4D97-AF65-F5344CB8AC3E}">
+        <p14:creationId xmlns:p14="http://schemas.microsoft.com/office/powerpoint/2010/main" val="416516849"/>
+      </p:ext>
+    </p:extLst>
+  </p:cSld>
+  <p:clrMapOvr>
+    <a:masterClrMapping/>
+  </p:clrMapOvr>
+  <mc:AlternateContent xmlns:mc="http://schemas.openxmlformats.org/markup-compatibility/2006">
+    <mc:Choice xmlns:p14="http://schemas.microsoft.com/office/powerpoint/2010/main" Requires="p14">
+      <p:transition spd="slow" p14:dur="2000"/>
+    </mc:Choice>
+    <mc:Fallback>
+      <p:transition xmlns:p14="http://schemas.microsoft.com/office/powerpoint/2010/main" spd="slow"/>
+    </mc:Fallback>
+  </mc:AlternateContent>
+  <p:timing>
+    <p:tnLst>
+      <p:par>
+        <p:cTn xmlns:p14="http://schemas.microsoft.com/office/powerpoint/2010/main" id="1" dur="indefinite" restart="never" nodeType="tmRoot"/>
+      </p:par>
+    </p:tnLst>
+  </p:timing>
+</p:sld>
+</file>
+
+<file path=ppt/slides/slide42.xml><?xml version="1.0" encoding="utf-8"?>
+<p:sld xmlns:a="http://schemas.openxmlformats.org/drawingml/2006/main" xmlns:r="http://schemas.openxmlformats.org/officeDocument/2006/relationships" xmlns:p="http://schemas.openxmlformats.org/presentationml/2006/main" show="0">
+  <p:cSld>
+    <p:spTree>
+      <p:nvGrpSpPr>
+        <p:cNvPr id="1" name=""/>
+        <p:cNvGrpSpPr/>
+        <p:nvPr/>
+      </p:nvGrpSpPr>
+      <p:grpSpPr>
+        <a:xfrm>
+          <a:off x="0" y="0"/>
+          <a:ext cx="0" cy="0"/>
+          <a:chOff x="0" y="0"/>
+          <a:chExt cx="0" cy="0"/>
+        </a:xfrm>
+      </p:grpSpPr>
+      <p:sp>
+        <p:nvSpPr>
+          <p:cNvPr id="2" name="Title 1"/>
+          <p:cNvSpPr>
+            <a:spLocks noGrp="1"/>
+          </p:cNvSpPr>
+          <p:nvPr>
+            <p:ph type="title" idx="4294967295"/>
+          </p:nvPr>
+        </p:nvSpPr>
+        <p:spPr>
+          <a:xfrm>
+            <a:off x="1097280" y="264188"/>
+            <a:ext cx="10058400" cy="1025525"/>
+          </a:xfrm>
+        </p:spPr>
+        <p:txBody>
+          <a:bodyPr>
+            <a:normAutofit/>
+          </a:bodyPr>
+          <a:lstStyle/>
+          <a:p>
+            <a:r>
+              <a:rPr lang="en-US" sz="3600" dirty="0" smtClean="0"/>
+              <a:t>This exception proves the rule…</a:t>
+            </a:r>
+            <a:endParaRPr lang="en-US" sz="3600" dirty="0"/>
+          </a:p>
+        </p:txBody>
+      </p:sp>
+      <p:sp>
+        <p:nvSpPr>
+          <p:cNvPr id="3" name="Content Placeholder 2"/>
+          <p:cNvSpPr>
+            <a:spLocks noGrp="1"/>
+          </p:cNvSpPr>
+          <p:nvPr>
+            <p:ph idx="4294967295"/>
+          </p:nvPr>
+        </p:nvSpPr>
+        <p:spPr>
+          <a:xfrm>
+            <a:off x="1097280" y="1414804"/>
+            <a:ext cx="10058400" cy="4024313"/>
+          </a:xfrm>
+        </p:spPr>
+        <p:txBody>
+          <a:bodyPr anchor="ctr">
+            <a:normAutofit/>
+          </a:bodyPr>
+          <a:lstStyle/>
+          <a:p>
+            <a:pPr algn="ctr"/>
+            <a:r>
+              <a:rPr lang="en-US" sz="4800" i="1" spc="-50" dirty="0" smtClean="0">
+                <a:latin typeface="+mj-lt"/>
+                <a:ea typeface="+mj-ea"/>
+                <a:cs typeface="+mj-cs"/>
+              </a:rPr>
+              <a:t>“Point to online documentation”</a:t>
+            </a:r>
+            <a:endParaRPr lang="en-US" sz="4800" i="1" spc="-50" dirty="0">
+              <a:latin typeface="+mj-lt"/>
+              <a:ea typeface="+mj-ea"/>
+              <a:cs typeface="+mj-cs"/>
+            </a:endParaRPr>
+          </a:p>
+        </p:txBody>
+      </p:sp>
+      <p:sp>
+        <p:nvSpPr>
+          <p:cNvPr id="4" name="Title 1"/>
+          <p:cNvSpPr txBox="1">
+            <a:spLocks/>
+          </p:cNvSpPr>
+          <p:nvPr/>
+        </p:nvSpPr>
+        <p:spPr>
+          <a:xfrm>
+            <a:off x="1097280" y="5234030"/>
+            <a:ext cx="10058400" cy="1025730"/>
+          </a:xfrm>
+          <a:prstGeom prst="rect">
+            <a:avLst/>
+          </a:prstGeom>
+        </p:spPr>
+        <p:txBody>
+          <a:bodyPr vert="horz" lIns="91440" tIns="45720" rIns="91440" bIns="45720" rtlCol="0" anchor="b">
+            <a:normAutofit/>
+          </a:bodyPr>
+          <a:lstStyle>
+            <a:lvl1pPr algn="l" defTabSz="914400" rtl="0" eaLnBrk="1" latinLnBrk="0" hangingPunct="1">
+              <a:lnSpc>
+                <a:spcPct val="85000"/>
+              </a:lnSpc>
+              <a:spcBef>
+                <a:spcPct val="0"/>
+              </a:spcBef>
+              <a:buNone/>
+              <a:defRPr sz="4800" kern="1200" spc="-50" baseline="0">
+                <a:solidFill>
+                  <a:schemeClr val="tx1">
+                    <a:lumMod val="75000"/>
+                    <a:lumOff val="25000"/>
+                  </a:schemeClr>
+                </a:solidFill>
+                <a:latin typeface="+mj-lt"/>
+                <a:ea typeface="+mj-ea"/>
+                <a:cs typeface="+mj-cs"/>
+              </a:defRPr>
+            </a:lvl1pPr>
+          </a:lstStyle>
+          <a:p>
+            <a:pPr algn="r"/>
+            <a:r>
+              <a:rPr lang="en-US" sz="3600" dirty="0" smtClean="0"/>
+              <a:t>…to give the confused coder some guidance</a:t>
+            </a:r>
+            <a:endParaRPr lang="en-US" sz="3600" dirty="0"/>
+          </a:p>
+        </p:txBody>
+      </p:sp>
+    </p:spTree>
+    <p:extLst>
+      <p:ext uri="{BB962C8B-B14F-4D97-AF65-F5344CB8AC3E}">
+        <p14:creationId xmlns:p14="http://schemas.microsoft.com/office/powerpoint/2010/main" val="1162058314"/>
+      </p:ext>
+    </p:extLst>
+  </p:cSld>
+  <p:clrMapOvr>
+    <a:masterClrMapping/>
+  </p:clrMapOvr>
+  <mc:AlternateContent xmlns:mc="http://schemas.openxmlformats.org/markup-compatibility/2006">
+    <mc:Choice xmlns:p14="http://schemas.microsoft.com/office/powerpoint/2010/main" Requires="p14">
+      <p:transition spd="slow" p14:dur="2000"/>
+    </mc:Choice>
+    <mc:Fallback>
+      <p:transition xmlns:p14="http://schemas.microsoft.com/office/powerpoint/2010/main" spd="slow"/>
+    </mc:Fallback>
+  </mc:AlternateContent>
+  <p:timing>
+    <p:tnLst>
+      <p:par>
+        <p:cTn xmlns:p14="http://schemas.microsoft.com/office/powerpoint/2010/main" id="1" dur="indefinite" restart="never" nodeType="tmRoot"/>
+      </p:par>
+    </p:tnLst>
+  </p:timing>
+</p:sld>
+</file>
+
+<file path=ppt/slides/slide5.xml><?xml version="1.0" encoding="utf-8"?>
 <p:sld xmlns:a="http://schemas.openxmlformats.org/drawingml/2006/main" xmlns:r="http://schemas.openxmlformats.org/officeDocument/2006/relationships" xmlns:p="http://schemas.openxmlformats.org/presentationml/2006/main">
   <p:cSld>
     <p:spTree>
@@ -20909,373 +23093,7 @@
 </p:sld>
 </file>
 
-<file path=ppt/slides/slide40.xml><?xml version="1.0" encoding="utf-8"?>
-<p:sld xmlns:a="http://schemas.openxmlformats.org/drawingml/2006/main" xmlns:r="http://schemas.openxmlformats.org/officeDocument/2006/relationships" xmlns:p="http://schemas.openxmlformats.org/presentationml/2006/main" show="0">
-  <p:cSld>
-    <p:spTree>
-      <p:nvGrpSpPr>
-        <p:cNvPr id="1" name=""/>
-        <p:cNvGrpSpPr/>
-        <p:nvPr/>
-      </p:nvGrpSpPr>
-      <p:grpSpPr>
-        <a:xfrm>
-          <a:off x="0" y="0"/>
-          <a:ext cx="0" cy="0"/>
-          <a:chOff x="0" y="0"/>
-          <a:chExt cx="0" cy="0"/>
-        </a:xfrm>
-      </p:grpSpPr>
-      <p:sp>
-        <p:nvSpPr>
-          <p:cNvPr id="2" name="Title 1"/>
-          <p:cNvSpPr>
-            <a:spLocks noGrp="1"/>
-          </p:cNvSpPr>
-          <p:nvPr>
-            <p:ph type="title" idx="4294967295"/>
-          </p:nvPr>
-        </p:nvSpPr>
-        <p:spPr>
-          <a:xfrm>
-            <a:off x="1097280" y="264188"/>
-            <a:ext cx="10058400" cy="1025525"/>
-          </a:xfrm>
-        </p:spPr>
-        <p:txBody>
-          <a:bodyPr>
-            <a:normAutofit/>
-          </a:bodyPr>
-          <a:lstStyle/>
-          <a:p>
-            <a:r>
-              <a:rPr lang="en-US" sz="3600" dirty="0" smtClean="0"/>
-              <a:t>This exception proves the rule…</a:t>
-            </a:r>
-            <a:endParaRPr lang="en-US" sz="3600" dirty="0"/>
-          </a:p>
-        </p:txBody>
-      </p:sp>
-      <p:sp>
-        <p:nvSpPr>
-          <p:cNvPr id="3" name="Content Placeholder 2"/>
-          <p:cNvSpPr>
-            <a:spLocks noGrp="1"/>
-          </p:cNvSpPr>
-          <p:nvPr>
-            <p:ph idx="4294967295"/>
-          </p:nvPr>
-        </p:nvSpPr>
-        <p:spPr>
-          <a:xfrm>
-            <a:off x="1097280" y="1414804"/>
-            <a:ext cx="10058400" cy="4024313"/>
-          </a:xfrm>
-        </p:spPr>
-        <p:txBody>
-          <a:bodyPr anchor="ctr">
-            <a:normAutofit/>
-          </a:bodyPr>
-          <a:lstStyle/>
-          <a:p>
-            <a:pPr algn="ctr"/>
-            <a:r>
-              <a:rPr lang="en-US" sz="4800" i="1" spc="-50" dirty="0">
-                <a:latin typeface="+mj-lt"/>
-                <a:ea typeface="+mj-ea"/>
-                <a:cs typeface="+mj-cs"/>
-              </a:rPr>
-              <a:t>“Give example code </a:t>
-            </a:r>
-            <a:endParaRPr lang="en-US" sz="4800" i="1" spc="-50" dirty="0" smtClean="0">
-              <a:latin typeface="+mj-lt"/>
-              <a:ea typeface="+mj-ea"/>
-              <a:cs typeface="+mj-cs"/>
-            </a:endParaRPr>
-          </a:p>
-          <a:p>
-            <a:pPr algn="ctr"/>
-            <a:r>
-              <a:rPr lang="en-US" sz="4800" i="1" spc="-50" dirty="0" smtClean="0">
-                <a:latin typeface="+mj-lt"/>
-                <a:ea typeface="+mj-ea"/>
-                <a:cs typeface="+mj-cs"/>
-              </a:rPr>
-              <a:t>for </a:t>
-            </a:r>
-            <a:r>
-              <a:rPr lang="en-US" sz="4800" i="1" spc="-50" dirty="0">
-                <a:latin typeface="+mj-lt"/>
-                <a:ea typeface="+mj-ea"/>
-                <a:cs typeface="+mj-cs"/>
-              </a:rPr>
-              <a:t>any setup </a:t>
-            </a:r>
-            <a:r>
-              <a:rPr lang="en-US" sz="4800" i="1" spc="-50" dirty="0" smtClean="0">
-                <a:latin typeface="+mj-lt"/>
-                <a:ea typeface="+mj-ea"/>
-                <a:cs typeface="+mj-cs"/>
-              </a:rPr>
-              <a:t>needed”</a:t>
-            </a:r>
-            <a:endParaRPr lang="en-US" sz="4800" i="1" spc="-50" dirty="0">
-              <a:latin typeface="+mj-lt"/>
-              <a:ea typeface="+mj-ea"/>
-              <a:cs typeface="+mj-cs"/>
-            </a:endParaRPr>
-          </a:p>
-        </p:txBody>
-      </p:sp>
-      <p:sp>
-        <p:nvSpPr>
-          <p:cNvPr id="4" name="Title 1"/>
-          <p:cNvSpPr txBox="1">
-            <a:spLocks/>
-          </p:cNvSpPr>
-          <p:nvPr/>
-        </p:nvSpPr>
-        <p:spPr>
-          <a:xfrm>
-            <a:off x="1097280" y="5234030"/>
-            <a:ext cx="10058400" cy="1025730"/>
-          </a:xfrm>
-          <a:prstGeom prst="rect">
-            <a:avLst/>
-          </a:prstGeom>
-        </p:spPr>
-        <p:txBody>
-          <a:bodyPr vert="horz" lIns="91440" tIns="45720" rIns="91440" bIns="45720" rtlCol="0" anchor="b">
-            <a:normAutofit/>
-          </a:bodyPr>
-          <a:lstStyle>
-            <a:lvl1pPr algn="l" defTabSz="914400" rtl="0" eaLnBrk="1" latinLnBrk="0" hangingPunct="1">
-              <a:lnSpc>
-                <a:spcPct val="85000"/>
-              </a:lnSpc>
-              <a:spcBef>
-                <a:spcPct val="0"/>
-              </a:spcBef>
-              <a:buNone/>
-              <a:defRPr sz="4800" kern="1200" spc="-50" baseline="0">
-                <a:solidFill>
-                  <a:schemeClr val="tx1">
-                    <a:lumMod val="75000"/>
-                    <a:lumOff val="25000"/>
-                  </a:schemeClr>
-                </a:solidFill>
-                <a:latin typeface="+mj-lt"/>
-                <a:ea typeface="+mj-ea"/>
-                <a:cs typeface="+mj-cs"/>
-              </a:defRPr>
-            </a:lvl1pPr>
-          </a:lstStyle>
-          <a:p>
-            <a:pPr algn="r"/>
-            <a:r>
-              <a:rPr lang="en-US" sz="3600" dirty="0" smtClean="0"/>
-              <a:t>…to give the confused coder some guidance</a:t>
-            </a:r>
-            <a:endParaRPr lang="en-US" sz="3600" dirty="0"/>
-          </a:p>
-        </p:txBody>
-      </p:sp>
-    </p:spTree>
-    <p:extLst>
-      <p:ext uri="{BB962C8B-B14F-4D97-AF65-F5344CB8AC3E}">
-        <p14:creationId xmlns:p14="http://schemas.microsoft.com/office/powerpoint/2010/main" val="416516849"/>
-      </p:ext>
-    </p:extLst>
-  </p:cSld>
-  <p:clrMapOvr>
-    <a:masterClrMapping/>
-  </p:clrMapOvr>
-  <mc:AlternateContent xmlns:mc="http://schemas.openxmlformats.org/markup-compatibility/2006">
-    <mc:Choice xmlns:p14="http://schemas.microsoft.com/office/powerpoint/2010/main" Requires="p14">
-      <p:transition spd="slow" p14:dur="2000"/>
-    </mc:Choice>
-    <mc:Fallback>
-      <p:transition xmlns:p14="http://schemas.microsoft.com/office/powerpoint/2010/main" spd="slow"/>
-    </mc:Fallback>
-  </mc:AlternateContent>
-  <p:timing>
-    <p:tnLst>
-      <p:par>
-        <p:cTn xmlns:p14="http://schemas.microsoft.com/office/powerpoint/2010/main" id="1" dur="indefinite" restart="never" nodeType="tmRoot"/>
-      </p:par>
-    </p:tnLst>
-  </p:timing>
-</p:sld>
-</file>
-
-<file path=ppt/slides/slide41.xml><?xml version="1.0" encoding="utf-8"?>
-<p:sld xmlns:a="http://schemas.openxmlformats.org/drawingml/2006/main" xmlns:r="http://schemas.openxmlformats.org/officeDocument/2006/relationships" xmlns:p="http://schemas.openxmlformats.org/presentationml/2006/main" show="0">
-  <p:cSld>
-    <p:spTree>
-      <p:nvGrpSpPr>
-        <p:cNvPr id="1" name=""/>
-        <p:cNvGrpSpPr/>
-        <p:nvPr/>
-      </p:nvGrpSpPr>
-      <p:grpSpPr>
-        <a:xfrm>
-          <a:off x="0" y="0"/>
-          <a:ext cx="0" cy="0"/>
-          <a:chOff x="0" y="0"/>
-          <a:chExt cx="0" cy="0"/>
-        </a:xfrm>
-      </p:grpSpPr>
-      <p:sp>
-        <p:nvSpPr>
-          <p:cNvPr id="2" name="Title 1"/>
-          <p:cNvSpPr>
-            <a:spLocks noGrp="1"/>
-          </p:cNvSpPr>
-          <p:nvPr>
-            <p:ph type="title" idx="4294967295"/>
-          </p:nvPr>
-        </p:nvSpPr>
-        <p:spPr>
-          <a:xfrm>
-            <a:off x="1097280" y="264188"/>
-            <a:ext cx="10058400" cy="1025525"/>
-          </a:xfrm>
-        </p:spPr>
-        <p:txBody>
-          <a:bodyPr>
-            <a:normAutofit/>
-          </a:bodyPr>
-          <a:lstStyle/>
-          <a:p>
-            <a:r>
-              <a:rPr lang="en-US" sz="3600" dirty="0" smtClean="0"/>
-              <a:t>This exception proves the rule…</a:t>
-            </a:r>
-            <a:endParaRPr lang="en-US" sz="3600" dirty="0"/>
-          </a:p>
-        </p:txBody>
-      </p:sp>
-      <p:sp>
-        <p:nvSpPr>
-          <p:cNvPr id="3" name="Content Placeholder 2"/>
-          <p:cNvSpPr>
-            <a:spLocks noGrp="1"/>
-          </p:cNvSpPr>
-          <p:nvPr>
-            <p:ph idx="4294967295"/>
-          </p:nvPr>
-        </p:nvSpPr>
-        <p:spPr>
-          <a:xfrm>
-            <a:off x="1097280" y="1414804"/>
-            <a:ext cx="10058400" cy="4024313"/>
-          </a:xfrm>
-        </p:spPr>
-        <p:txBody>
-          <a:bodyPr anchor="ctr">
-            <a:normAutofit/>
-          </a:bodyPr>
-          <a:lstStyle/>
-          <a:p>
-            <a:pPr algn="ctr"/>
-            <a:r>
-              <a:rPr lang="en-US" sz="4800" i="1" spc="-50" dirty="0" smtClean="0">
-                <a:latin typeface="+mj-lt"/>
-                <a:ea typeface="+mj-ea"/>
-                <a:cs typeface="+mj-cs"/>
-              </a:rPr>
-              <a:t>“Point to online documentation”</a:t>
-            </a:r>
-            <a:endParaRPr lang="en-US" sz="4800" i="1" spc="-50" dirty="0">
-              <a:latin typeface="+mj-lt"/>
-              <a:ea typeface="+mj-ea"/>
-              <a:cs typeface="+mj-cs"/>
-            </a:endParaRPr>
-          </a:p>
-        </p:txBody>
-      </p:sp>
-      <p:sp>
-        <p:nvSpPr>
-          <p:cNvPr id="4" name="Title 1"/>
-          <p:cNvSpPr txBox="1">
-            <a:spLocks/>
-          </p:cNvSpPr>
-          <p:nvPr/>
-        </p:nvSpPr>
-        <p:spPr>
-          <a:xfrm>
-            <a:off x="1097280" y="5234030"/>
-            <a:ext cx="10058400" cy="1025730"/>
-          </a:xfrm>
-          <a:prstGeom prst="rect">
-            <a:avLst/>
-          </a:prstGeom>
-        </p:spPr>
-        <p:txBody>
-          <a:bodyPr vert="horz" lIns="91440" tIns="45720" rIns="91440" bIns="45720" rtlCol="0" anchor="b">
-            <a:normAutofit/>
-          </a:bodyPr>
-          <a:lstStyle>
-            <a:lvl1pPr algn="l" defTabSz="914400" rtl="0" eaLnBrk="1" latinLnBrk="0" hangingPunct="1">
-              <a:lnSpc>
-                <a:spcPct val="85000"/>
-              </a:lnSpc>
-              <a:spcBef>
-                <a:spcPct val="0"/>
-              </a:spcBef>
-              <a:buNone/>
-              <a:defRPr sz="4800" kern="1200" spc="-50" baseline="0">
-                <a:solidFill>
-                  <a:schemeClr val="tx1">
-                    <a:lumMod val="75000"/>
-                    <a:lumOff val="25000"/>
-                  </a:schemeClr>
-                </a:solidFill>
-                <a:latin typeface="+mj-lt"/>
-                <a:ea typeface="+mj-ea"/>
-                <a:cs typeface="+mj-cs"/>
-              </a:defRPr>
-            </a:lvl1pPr>
-          </a:lstStyle>
-          <a:p>
-            <a:pPr algn="r"/>
-            <a:r>
-              <a:rPr lang="en-US" sz="3600" dirty="0" smtClean="0"/>
-              <a:t>…to give the confused coder some guidance</a:t>
-            </a:r>
-            <a:endParaRPr lang="en-US" sz="3600" dirty="0"/>
-          </a:p>
-        </p:txBody>
-      </p:sp>
-    </p:spTree>
-    <p:extLst>
-      <p:ext uri="{BB962C8B-B14F-4D97-AF65-F5344CB8AC3E}">
-        <p14:creationId xmlns:p14="http://schemas.microsoft.com/office/powerpoint/2010/main" val="1162058314"/>
-      </p:ext>
-    </p:extLst>
-  </p:cSld>
-  <p:clrMapOvr>
-    <a:masterClrMapping/>
-  </p:clrMapOvr>
-  <mc:AlternateContent xmlns:mc="http://schemas.openxmlformats.org/markup-compatibility/2006">
-    <mc:Choice xmlns:p14="http://schemas.microsoft.com/office/powerpoint/2010/main" Requires="p14">
-      <p:transition spd="slow" p14:dur="2000"/>
-    </mc:Choice>
-    <mc:Fallback>
-      <p:transition xmlns:p14="http://schemas.microsoft.com/office/powerpoint/2010/main" spd="slow"/>
-    </mc:Fallback>
-  </mc:AlternateContent>
-  <p:timing>
-    <p:tnLst>
-      <p:par>
-        <p:cTn xmlns:p14="http://schemas.microsoft.com/office/powerpoint/2010/main" id="1" dur="indefinite" restart="never" nodeType="tmRoot"/>
-      </p:par>
-    </p:tnLst>
-  </p:timing>
-</p:sld>
-</file>
-
-<file path=ppt/slides/slide5.xml><?xml version="1.0" encoding="utf-8"?>
+<file path=ppt/slides/slide6.xml><?xml version="1.0" encoding="utf-8"?>
 <p:sld xmlns:a="http://schemas.openxmlformats.org/drawingml/2006/main" xmlns:r="http://schemas.openxmlformats.org/officeDocument/2006/relationships" xmlns:p="http://schemas.openxmlformats.org/presentationml/2006/main">
   <p:cSld>
     <p:spTree>
@@ -21300,17 +23118,15 @@
         </p:nvSpPr>
         <p:spPr>
           <a:xfrm>
-            <a:off x="1785555" y="1953786"/>
-            <a:ext cx="7019935" cy="2308324"/>
+            <a:off x="3126942" y="3787343"/>
+            <a:ext cx="5592847" cy="461665"/>
           </a:xfrm>
           <a:prstGeom prst="rect">
             <a:avLst/>
           </a:prstGeom>
           <a:noFill/>
           <a:ln>
-            <a:solidFill>
-              <a:schemeClr val="accent1"/>
-            </a:solidFill>
+            <a:noFill/>
           </a:ln>
         </p:spPr>
         <p:txBody>
@@ -21321,100 +23137,26 @@
           <a:p>
             <a:r>
               <a:rPr lang="en-US" sz="2400" dirty="0" smtClean="0"/>
-              <a:t>Which error message would you prefer?</a:t>
-            </a:r>
-          </a:p>
-          <a:p>
-            <a:r>
-              <a:rPr lang="en-US" sz="2400" b="1" dirty="0" smtClean="0">
-                <a:solidFill>
-                  <a:srgbClr val="FF0000"/>
-                </a:solidFill>
-              </a:rPr>
-              <a:t>A) </a:t>
+              <a:t>Null </a:t>
+            </a:r>
+            <a:r>
+              <a:rPr lang="en-US" sz="2400" dirty="0">
+                <a:solidFill>
+                  <a:srgbClr val="000000"/>
+                </a:solidFill>
+                <a:latin typeface="Consolas" panose="020B0609020204030204" pitchFamily="49" charset="0"/>
+              </a:rPr>
+              <a:t>reference</a:t>
             </a:r>
             <a:r>
               <a:rPr lang="en-US" sz="2400" dirty="0" smtClean="0"/>
-              <a:t>Object reference not set to an instance of an object.</a:t>
-            </a:r>
-          </a:p>
-          <a:p>
-            <a:r>
-              <a:rPr lang="en-US" sz="2400" b="1" dirty="0" smtClean="0">
-                <a:solidFill>
-                  <a:srgbClr val="FFC000"/>
-                </a:solidFill>
-              </a:rPr>
-              <a:t>B) </a:t>
-            </a:r>
-            <a:r>
-              <a:rPr lang="en-US" sz="2400" dirty="0" smtClean="0"/>
-              <a:t>Cannot access method “</a:t>
-            </a:r>
-            <a:r>
-              <a:rPr lang="en-US" sz="2400" dirty="0" err="1" smtClean="0"/>
-              <a:t>get_To</a:t>
-            </a:r>
-            <a:r>
-              <a:rPr lang="en-US" sz="2400" dirty="0" smtClean="0"/>
-              <a:t>” </a:t>
-            </a:r>
-            <a:r>
-              <a:rPr lang="en-US" sz="2400" dirty="0"/>
-              <a:t>on </a:t>
-            </a:r>
-            <a:r>
-              <a:rPr lang="en-US" sz="2400" dirty="0" smtClean="0"/>
-              <a:t>a null reference</a:t>
-            </a:r>
-          </a:p>
-          <a:p>
-            <a:r>
-              <a:rPr lang="en-US" sz="2400" b="1" dirty="0" smtClean="0">
-                <a:solidFill>
-                  <a:schemeClr val="accent2"/>
-                </a:solidFill>
-              </a:rPr>
-              <a:t>C)</a:t>
-            </a:r>
-            <a:r>
-              <a:rPr lang="en-US" sz="2400" dirty="0" smtClean="0">
-                <a:solidFill>
-                  <a:schemeClr val="accent2"/>
-                </a:solidFill>
-              </a:rPr>
-              <a:t> </a:t>
-            </a:r>
-            <a:r>
-              <a:rPr lang="en-US" sz="2400" dirty="0"/>
-              <a:t>N</a:t>
-            </a:r>
-            <a:r>
-              <a:rPr lang="en-US" sz="2400" dirty="0" smtClean="0"/>
-              <a:t>ull reference while executing: </a:t>
+              <a:t> while executing: </a:t>
             </a:r>
             <a:r>
               <a:rPr lang="en-US" sz="2400" dirty="0" err="1" smtClean="0"/>
               <a:t>Route.To</a:t>
             </a:r>
             <a:endParaRPr lang="en-US" sz="2400" dirty="0" smtClean="0"/>
-          </a:p>
-          <a:p>
-            <a:r>
-              <a:rPr lang="en-US" sz="2400" b="1" dirty="0" smtClean="0">
-                <a:solidFill>
-                  <a:srgbClr val="00B050"/>
-                </a:solidFill>
-              </a:rPr>
-              <a:t>D) </a:t>
-            </a:r>
-            <a:r>
-              <a:rPr lang="en-US" sz="2400" dirty="0" smtClean="0"/>
-              <a:t>Other</a:t>
-            </a:r>
-          </a:p>
-          <a:p>
-            <a:endParaRPr lang="en-US" sz="2400" dirty="0"/>
           </a:p>
         </p:txBody>
       </p:sp>
@@ -21565,6 +23307,167 @@
           </a:p>
         </p:txBody>
       </p:sp>
+      <p:sp>
+        <p:nvSpPr>
+          <p:cNvPr id="2" name="TextBox 1"/>
+          <p:cNvSpPr txBox="1"/>
+          <p:nvPr/>
+        </p:nvSpPr>
+        <p:spPr>
+          <a:xfrm>
+            <a:off x="392427" y="1533909"/>
+            <a:ext cx="11259094" cy="369332"/>
+          </a:xfrm>
+          <a:prstGeom prst="rect">
+            <a:avLst/>
+          </a:prstGeom>
+          <a:noFill/>
+        </p:spPr>
+        <p:txBody>
+          <a:bodyPr wrap="square" rtlCol="0">
+            <a:spAutoFit/>
+          </a:bodyPr>
+          <a:lstStyle/>
+          <a:p>
+            <a:r>
+              <a:rPr lang="en-US" dirty="0"/>
+              <a:t>t</a:t>
+            </a:r>
+            <a:r>
+              <a:rPr lang="en-US" dirty="0" smtClean="0"/>
+              <a:t>hrow new </a:t>
+            </a:r>
+            <a:r>
+              <a:rPr lang="en-US" dirty="0" err="1" smtClean="0"/>
+              <a:t>NullReferenceException</a:t>
+            </a:r>
+            <a:r>
+              <a:rPr lang="en-US" dirty="0" smtClean="0"/>
+              <a:t>(“</a:t>
+            </a:r>
+            <a:r>
+              <a:rPr lang="en-US" dirty="0">
+                <a:solidFill>
+                  <a:srgbClr val="000000"/>
+                </a:solidFill>
+                <a:latin typeface="Consolas" panose="020B0609020204030204" pitchFamily="49" charset="0"/>
+              </a:rPr>
+              <a:t>Object reference not set to an instance of an object</a:t>
+            </a:r>
+            <a:r>
+              <a:rPr lang="en-US" dirty="0" smtClean="0">
+                <a:solidFill>
+                  <a:srgbClr val="000000"/>
+                </a:solidFill>
+                <a:latin typeface="Consolas" panose="020B0609020204030204" pitchFamily="49" charset="0"/>
+              </a:rPr>
+              <a:t>.</a:t>
+            </a:r>
+            <a:r>
+              <a:rPr lang="en-US" dirty="0" smtClean="0"/>
+              <a:t>”)</a:t>
+            </a:r>
+            <a:endParaRPr lang="en-US" dirty="0"/>
+          </a:p>
+        </p:txBody>
+      </p:sp>
+      <p:sp>
+        <p:nvSpPr>
+          <p:cNvPr id="5" name="TextBox 4"/>
+          <p:cNvSpPr txBox="1"/>
+          <p:nvPr/>
+        </p:nvSpPr>
+        <p:spPr>
+          <a:xfrm>
+            <a:off x="385292" y="3270158"/>
+            <a:ext cx="11361548" cy="369332"/>
+          </a:xfrm>
+          <a:prstGeom prst="rect">
+            <a:avLst/>
+          </a:prstGeom>
+          <a:noFill/>
+        </p:spPr>
+        <p:txBody>
+          <a:bodyPr wrap="square" rtlCol="0">
+            <a:spAutoFit/>
+          </a:bodyPr>
+          <a:lstStyle/>
+          <a:p>
+            <a:r>
+              <a:rPr lang="en-US" dirty="0"/>
+              <a:t>t</a:t>
+            </a:r>
+            <a:r>
+              <a:rPr lang="en-US" dirty="0" smtClean="0"/>
+              <a:t>hrow new </a:t>
+            </a:r>
+            <a:r>
+              <a:rPr lang="en-US" dirty="0" err="1" smtClean="0"/>
+              <a:t>NullReferenceException</a:t>
+            </a:r>
+            <a:r>
+              <a:rPr lang="en-US" dirty="0" smtClean="0"/>
+              <a:t>(“Null reference while executing: {0}.{1}” ,</a:t>
+            </a:r>
+            <a:r>
+              <a:rPr lang="en-US" dirty="0" err="1" smtClean="0"/>
+              <a:t>m.ClassName</a:t>
+            </a:r>
+            <a:r>
+              <a:rPr lang="en-US" dirty="0" smtClean="0"/>
+              <a:t>, </a:t>
+            </a:r>
+            <a:r>
+              <a:rPr lang="en-US" dirty="0" err="1" smtClean="0"/>
+              <a:t>m.MethodSignature</a:t>
+            </a:r>
+            <a:r>
+              <a:rPr lang="en-US" dirty="0" smtClean="0"/>
+              <a:t>())</a:t>
+            </a:r>
+            <a:endParaRPr lang="en-US" dirty="0"/>
+          </a:p>
+        </p:txBody>
+      </p:sp>
+      <p:sp>
+        <p:nvSpPr>
+          <p:cNvPr id="6" name="TextBox 5"/>
+          <p:cNvSpPr txBox="1"/>
+          <p:nvPr/>
+        </p:nvSpPr>
+        <p:spPr>
+          <a:xfrm>
+            <a:off x="0" y="2006304"/>
+            <a:ext cx="12191999" cy="461665"/>
+          </a:xfrm>
+          <a:prstGeom prst="rect">
+            <a:avLst/>
+          </a:prstGeom>
+          <a:noFill/>
+          <a:ln>
+            <a:noFill/>
+          </a:ln>
+        </p:spPr>
+        <p:txBody>
+          <a:bodyPr wrap="square" rtlCol="0">
+            <a:spAutoFit/>
+          </a:bodyPr>
+          <a:lstStyle/>
+          <a:p>
+            <a:pPr algn="ctr"/>
+            <a:r>
+              <a:rPr lang="en-US" sz="2400" dirty="0">
+                <a:solidFill>
+                  <a:srgbClr val="000000"/>
+                </a:solidFill>
+                <a:latin typeface="Consolas" panose="020B0609020204030204" pitchFamily="49" charset="0"/>
+              </a:rPr>
+              <a:t>Object reference not set to an instance of an object.</a:t>
+            </a:r>
+            <a:endParaRPr lang="en-US" sz="2400" dirty="0" smtClean="0"/>
+          </a:p>
+        </p:txBody>
+      </p:sp>
     </p:spTree>
     <p:extLst>
       <p:ext uri="{BB962C8B-B14F-4D97-AF65-F5344CB8AC3E}">
@@ -21585,7 +23488,7 @@
 </p:sld>
 </file>
 
-<file path=ppt/slides/slide6.xml><?xml version="1.0" encoding="utf-8"?>
+<file path=ppt/slides/slide7.xml><?xml version="1.0" encoding="utf-8"?>
 <p:sld xmlns:a="http://schemas.openxmlformats.org/drawingml/2006/main" xmlns:r="http://schemas.openxmlformats.org/officeDocument/2006/relationships" xmlns:p="http://schemas.openxmlformats.org/presentationml/2006/main">
   <p:cSld>
     <p:spTree>
@@ -22380,192 +24283,6 @@
     <p:extLst>
       <p:ext uri="{BB962C8B-B14F-4D97-AF65-F5344CB8AC3E}">
         <p14:creationId xmlns:p14="http://schemas.microsoft.com/office/powerpoint/2010/main" val="1373656577"/>
-      </p:ext>
-    </p:extLst>
-  </p:cSld>
-  <p:clrMapOvr>
-    <a:masterClrMapping/>
-  </p:clrMapOvr>
-  <p:timing>
-    <p:tnLst>
-      <p:par>
-        <p:cTn xmlns:p14="http://schemas.microsoft.com/office/powerpoint/2010/main" id="1" dur="indefinite" restart="never" nodeType="tmRoot"/>
-      </p:par>
-    </p:tnLst>
-  </p:timing>
-</p:sld>
-</file>
-
-<file path=ppt/slides/slide7.xml><?xml version="1.0" encoding="utf-8"?>
-<p:sld xmlns:a="http://schemas.openxmlformats.org/drawingml/2006/main" xmlns:r="http://schemas.openxmlformats.org/officeDocument/2006/relationships" xmlns:p="http://schemas.openxmlformats.org/presentationml/2006/main">
-  <p:cSld>
-    <p:spTree>
-      <p:nvGrpSpPr>
-        <p:cNvPr id="1" name=""/>
-        <p:cNvGrpSpPr/>
-        <p:nvPr/>
-      </p:nvGrpSpPr>
-      <p:grpSpPr>
-        <a:xfrm>
-          <a:off x="0" y="0"/>
-          <a:ext cx="0" cy="0"/>
-          <a:chOff x="0" y="0"/>
-          <a:chExt cx="0" cy="0"/>
-        </a:xfrm>
-      </p:grpSpPr>
-      <p:sp>
-        <p:nvSpPr>
-          <p:cNvPr id="2" name="Title 1"/>
-          <p:cNvSpPr>
-            <a:spLocks noGrp="1"/>
-          </p:cNvSpPr>
-          <p:nvPr>
-            <p:ph type="title" idx="4294967295"/>
-          </p:nvPr>
-        </p:nvSpPr>
-        <p:spPr>
-          <a:xfrm>
-            <a:off x="1097280" y="264188"/>
-            <a:ext cx="10058400" cy="1025525"/>
-          </a:xfrm>
-        </p:spPr>
-        <p:txBody>
-          <a:bodyPr>
-            <a:normAutofit/>
-          </a:bodyPr>
-          <a:lstStyle/>
-          <a:p>
-            <a:r>
-              <a:rPr lang="en-US" sz="3600" dirty="0" smtClean="0"/>
-              <a:t>This exception proves the rule…</a:t>
-            </a:r>
-            <a:endParaRPr lang="en-US" sz="3600" dirty="0"/>
-          </a:p>
-        </p:txBody>
-      </p:sp>
-      <p:sp>
-        <p:nvSpPr>
-          <p:cNvPr id="3" name="Content Placeholder 2"/>
-          <p:cNvSpPr>
-            <a:spLocks noGrp="1"/>
-          </p:cNvSpPr>
-          <p:nvPr>
-            <p:ph idx="4294967295"/>
-          </p:nvPr>
-        </p:nvSpPr>
-        <p:spPr>
-          <a:xfrm>
-            <a:off x="1097280" y="1414804"/>
-            <a:ext cx="10058400" cy="4024313"/>
-          </a:xfrm>
-        </p:spPr>
-        <p:txBody>
-          <a:bodyPr anchor="ctr">
-            <a:normAutofit/>
-          </a:bodyPr>
-          <a:lstStyle/>
-          <a:p>
-            <a:pPr algn="ctr"/>
-            <a:r>
-              <a:rPr lang="en-US" sz="4800" i="1" spc="-50" dirty="0" smtClean="0">
-                <a:latin typeface="+mj-lt"/>
-                <a:ea typeface="+mj-ea"/>
-                <a:cs typeface="+mj-cs"/>
-              </a:rPr>
-              <a:t>“Print variable values </a:t>
-            </a:r>
-          </a:p>
-          <a:p>
-            <a:pPr algn="ctr"/>
-            <a:r>
-              <a:rPr lang="en-US" sz="4800" i="1" spc="-50" dirty="0" smtClean="0">
-                <a:latin typeface="+mj-lt"/>
-                <a:ea typeface="+mj-ea"/>
-                <a:cs typeface="+mj-cs"/>
-              </a:rPr>
-              <a:t>in </a:t>
-            </a:r>
-            <a:r>
-              <a:rPr lang="en-US" sz="4800" i="1" spc="-50" dirty="0">
-                <a:latin typeface="+mj-lt"/>
-                <a:ea typeface="+mj-ea"/>
-                <a:cs typeface="+mj-cs"/>
-              </a:rPr>
-              <a:t>your error </a:t>
-            </a:r>
-            <a:r>
-              <a:rPr lang="en-US" sz="4800" i="1" spc="-50" dirty="0" smtClean="0">
-                <a:latin typeface="+mj-lt"/>
-                <a:ea typeface="+mj-ea"/>
-                <a:cs typeface="+mj-cs"/>
-              </a:rPr>
-              <a:t>messages”</a:t>
-            </a:r>
-            <a:endParaRPr lang="en-US" sz="4800" i="1" spc="-50" dirty="0">
-              <a:latin typeface="+mj-lt"/>
-              <a:ea typeface="+mj-ea"/>
-              <a:cs typeface="+mj-cs"/>
-            </a:endParaRPr>
-          </a:p>
-        </p:txBody>
-      </p:sp>
-      <p:sp>
-        <p:nvSpPr>
-          <p:cNvPr id="4" name="Title 1"/>
-          <p:cNvSpPr txBox="1">
-            <a:spLocks/>
-          </p:cNvSpPr>
-          <p:nvPr/>
-        </p:nvSpPr>
-        <p:spPr>
-          <a:xfrm>
-            <a:off x="1097280" y="5234030"/>
-            <a:ext cx="10058400" cy="1025730"/>
-          </a:xfrm>
-          <a:prstGeom prst="rect">
-            <a:avLst/>
-          </a:prstGeom>
-        </p:spPr>
-        <p:txBody>
-          <a:bodyPr vert="horz" lIns="91440" tIns="45720" rIns="91440" bIns="45720" rtlCol="0" anchor="b">
-            <a:normAutofit/>
-          </a:bodyPr>
-          <a:lstStyle>
-            <a:lvl1pPr algn="l" defTabSz="914400" rtl="0" eaLnBrk="1" latinLnBrk="0" hangingPunct="1">
-              <a:lnSpc>
-                <a:spcPct val="85000"/>
-              </a:lnSpc>
-              <a:spcBef>
-                <a:spcPct val="0"/>
-              </a:spcBef>
-              <a:buNone/>
-              <a:defRPr sz="4800" kern="1200" spc="-50" baseline="0">
-                <a:solidFill>
-                  <a:schemeClr val="tx1">
-                    <a:lumMod val="75000"/>
-                    <a:lumOff val="25000"/>
-                  </a:schemeClr>
-                </a:solidFill>
-                <a:latin typeface="+mj-lt"/>
-                <a:ea typeface="+mj-ea"/>
-                <a:cs typeface="+mj-cs"/>
-              </a:defRPr>
-            </a:lvl1pPr>
-          </a:lstStyle>
-          <a:p>
-            <a:pPr algn="r"/>
-            <a:r>
-              <a:rPr lang="en-US" sz="3600" dirty="0" smtClean="0"/>
-              <a:t>…to give the confused coder some guidance</a:t>
-            </a:r>
-            <a:endParaRPr lang="en-US" sz="3600" dirty="0"/>
-          </a:p>
-        </p:txBody>
-      </p:sp>
-    </p:spTree>
-    <p:extLst>
-      <p:ext uri="{BB962C8B-B14F-4D97-AF65-F5344CB8AC3E}">
-        <p14:creationId xmlns:p14="http://schemas.microsoft.com/office/powerpoint/2010/main" val="90879600"/>
       </p:ext>
     </p:extLst>
   </p:cSld>
@@ -22606,53 +24323,152 @@
             <a:spLocks noGrp="1"/>
           </p:cNvSpPr>
           <p:nvPr>
-            <p:ph type="ctrTitle"/>
+            <p:ph type="title" idx="4294967295"/>
           </p:nvPr>
         </p:nvSpPr>
-        <p:spPr/>
+        <p:spPr>
+          <a:xfrm>
+            <a:off x="1097280" y="264188"/>
+            <a:ext cx="10058400" cy="1025525"/>
+          </a:xfrm>
+        </p:spPr>
         <p:txBody>
-          <a:bodyPr/>
+          <a:bodyPr>
+            <a:normAutofit/>
+          </a:bodyPr>
           <a:lstStyle/>
           <a:p>
             <a:r>
-              <a:rPr lang="en-US" dirty="0" smtClean="0"/>
-              <a:t>A </a:t>
-            </a:r>
-            <a:r>
-              <a:rPr lang="en-US" dirty="0" err="1" smtClean="0"/>
-              <a:t>heapful</a:t>
-            </a:r>
-            <a:r>
-              <a:rPr lang="en-US" dirty="0" smtClean="0"/>
-              <a:t> of rectangles</a:t>
-            </a:r>
-            <a:endParaRPr lang="en-US" dirty="0"/>
+              <a:rPr lang="en-US" sz="3600" dirty="0" smtClean="0"/>
+              <a:t>This exception proves the rule…</a:t>
+            </a:r>
+            <a:endParaRPr lang="en-US" sz="3600" dirty="0"/>
           </a:p>
         </p:txBody>
       </p:sp>
       <p:sp>
         <p:nvSpPr>
-          <p:cNvPr id="3" name="Subtitle 2"/>
+          <p:cNvPr id="3" name="Content Placeholder 2"/>
           <p:cNvSpPr>
             <a:spLocks noGrp="1"/>
           </p:cNvSpPr>
           <p:nvPr>
-            <p:ph type="subTitle" idx="1"/>
+            <p:ph idx="4294967295"/>
           </p:nvPr>
         </p:nvSpPr>
-        <p:spPr/>
+        <p:spPr>
+          <a:xfrm>
+            <a:off x="1097280" y="1414804"/>
+            <a:ext cx="10058400" cy="4024313"/>
+          </a:xfrm>
+        </p:spPr>
         <p:txBody>
-          <a:bodyPr/>
+          <a:bodyPr anchor="ctr">
+            <a:normAutofit/>
+          </a:bodyPr>
           <a:lstStyle/>
           <a:p>
-            <a:endParaRPr lang="en-US" dirty="0"/>
+            <a:pPr algn="ctr"/>
+            <a:r>
+              <a:rPr lang="en-US" sz="4800" i="1" spc="-50" dirty="0" smtClean="0">
+                <a:latin typeface="+mj-lt"/>
+                <a:ea typeface="+mj-ea"/>
+                <a:cs typeface="+mj-cs"/>
+              </a:rPr>
+              <a:t>“Print variable values </a:t>
+            </a:r>
+          </a:p>
+          <a:p>
+            <a:pPr algn="ctr"/>
+            <a:r>
+              <a:rPr lang="en-US" sz="4800" i="1" spc="-50" dirty="0" smtClean="0">
+                <a:latin typeface="+mj-lt"/>
+                <a:ea typeface="+mj-ea"/>
+                <a:cs typeface="+mj-cs"/>
+              </a:rPr>
+              <a:t>in </a:t>
+            </a:r>
+            <a:r>
+              <a:rPr lang="en-US" sz="4800" i="1" spc="-50" dirty="0">
+                <a:latin typeface="+mj-lt"/>
+                <a:ea typeface="+mj-ea"/>
+                <a:cs typeface="+mj-cs"/>
+              </a:rPr>
+              <a:t>your error </a:t>
+            </a:r>
+            <a:r>
+              <a:rPr lang="en-US" sz="4800" i="1" spc="-50" dirty="0" smtClean="0">
+                <a:latin typeface="+mj-lt"/>
+                <a:ea typeface="+mj-ea"/>
+                <a:cs typeface="+mj-cs"/>
+              </a:rPr>
+              <a:t>messages”</a:t>
+            </a:r>
+            <a:endParaRPr lang="en-US" sz="4800" i="1" spc="-50" dirty="0">
+              <a:latin typeface="+mj-lt"/>
+              <a:ea typeface="+mj-ea"/>
+              <a:cs typeface="+mj-cs"/>
+            </a:endParaRPr>
+          </a:p>
+        </p:txBody>
+      </p:sp>
+      <p:sp>
+        <p:nvSpPr>
+          <p:cNvPr id="4" name="Title 1"/>
+          <p:cNvSpPr txBox="1">
+            <a:spLocks/>
+          </p:cNvSpPr>
+          <p:nvPr/>
+        </p:nvSpPr>
+        <p:spPr>
+          <a:xfrm>
+            <a:off x="1097280" y="5234030"/>
+            <a:ext cx="10058400" cy="1025730"/>
+          </a:xfrm>
+          <a:prstGeom prst="rect">
+            <a:avLst/>
+          </a:prstGeom>
+        </p:spPr>
+        <p:txBody>
+          <a:bodyPr vert="horz" lIns="91440" tIns="45720" rIns="91440" bIns="45720" rtlCol="0" anchor="b">
+            <a:normAutofit/>
+          </a:bodyPr>
+          <a:lstStyle>
+            <a:lvl1pPr algn="l" defTabSz="914400" rtl="0" eaLnBrk="1" latinLnBrk="0" hangingPunct="1">
+              <a:lnSpc>
+                <a:spcPct val="85000"/>
+              </a:lnSpc>
+              <a:spcBef>
+                <a:spcPct val="0"/>
+              </a:spcBef>
+              <a:buNone/>
+              <a:defRPr sz="4800" kern="1200" spc="-50" baseline="0">
+                <a:solidFill>
+                  <a:schemeClr val="tx1">
+                    <a:lumMod val="75000"/>
+                    <a:lumOff val="25000"/>
+                  </a:schemeClr>
+                </a:solidFill>
+                <a:latin typeface="+mj-lt"/>
+                <a:ea typeface="+mj-ea"/>
+                <a:cs typeface="+mj-cs"/>
+              </a:defRPr>
+            </a:lvl1pPr>
+          </a:lstStyle>
+          <a:p>
+            <a:pPr algn="r"/>
+            <a:r>
+              <a:rPr lang="en-US" sz="3600" dirty="0" smtClean="0"/>
+              <a:t>…to give the confused coder some guidance</a:t>
+            </a:r>
+            <a:endParaRPr lang="en-US" sz="3600" dirty="0"/>
           </a:p>
         </p:txBody>
       </p:sp>
     </p:spTree>
     <p:extLst>
       <p:ext uri="{BB962C8B-B14F-4D97-AF65-F5344CB8AC3E}">
-        <p14:creationId xmlns:p14="http://schemas.microsoft.com/office/powerpoint/2010/main" val="183581538"/>
+        <p14:creationId xmlns:p14="http://schemas.microsoft.com/office/powerpoint/2010/main" val="90879600"/>
       </p:ext>
     </p:extLst>
   </p:cSld>
@@ -22688,1486 +24504,50 @@
       </p:grpSpPr>
       <p:sp>
         <p:nvSpPr>
-          <p:cNvPr id="3" name="Rectangle 2"/>
-          <p:cNvSpPr/>
-          <p:nvPr/>
+          <p:cNvPr id="2" name="Title 1"/>
+          <p:cNvSpPr>
+            <a:spLocks noGrp="1"/>
+          </p:cNvSpPr>
+          <p:nvPr>
+            <p:ph type="ctrTitle"/>
+          </p:nvPr>
         </p:nvSpPr>
-        <p:spPr>
-          <a:xfrm>
-            <a:off x="6611" y="377047"/>
-            <a:ext cx="580770" cy="2862322"/>
-          </a:xfrm>
-          <a:prstGeom prst="rect">
-            <a:avLst/>
-          </a:prstGeom>
-        </p:spPr>
+        <p:spPr/>
         <p:txBody>
-          <a:bodyPr wrap="square">
-            <a:spAutoFit/>
-          </a:bodyPr>
+          <a:bodyPr/>
           <a:lstStyle/>
           <a:p>
             <a:r>
-              <a:rPr lang="en-US" dirty="0" smtClean="0">
-                <a:solidFill>
-                  <a:srgbClr val="2B91AF"/>
-                </a:solidFill>
-                <a:highlight>
-                  <a:srgbClr val="FFFFFF"/>
-                </a:highlight>
-                <a:latin typeface="Consolas" panose="020B0609020204030204" pitchFamily="49" charset="0"/>
-              </a:rPr>
-              <a:t>58 </a:t>
-            </a:r>
-          </a:p>
-          <a:p>
-            <a:r>
-              <a:rPr lang="en-US" dirty="0" smtClean="0">
-                <a:solidFill>
-                  <a:srgbClr val="2B91AF"/>
-                </a:solidFill>
-                <a:highlight>
-                  <a:srgbClr val="FFFFFF"/>
-                </a:highlight>
-                <a:latin typeface="Consolas" panose="020B0609020204030204" pitchFamily="49" charset="0"/>
-              </a:rPr>
-              <a:t>59 </a:t>
-            </a:r>
-          </a:p>
-          <a:p>
-            <a:r>
-              <a:rPr lang="en-US" dirty="0" smtClean="0">
-                <a:solidFill>
-                  <a:srgbClr val="2B91AF"/>
-                </a:solidFill>
-                <a:highlight>
-                  <a:srgbClr val="FFFFFF"/>
-                </a:highlight>
-                <a:latin typeface="Consolas" panose="020B0609020204030204" pitchFamily="49" charset="0"/>
-              </a:rPr>
-              <a:t>60 </a:t>
-            </a:r>
-          </a:p>
-          <a:p>
-            <a:r>
-              <a:rPr lang="en-US" dirty="0" smtClean="0">
-                <a:solidFill>
-                  <a:srgbClr val="2B91AF"/>
-                </a:solidFill>
-                <a:highlight>
-                  <a:srgbClr val="FFFFFF"/>
-                </a:highlight>
-                <a:latin typeface="Consolas" panose="020B0609020204030204" pitchFamily="49" charset="0"/>
-              </a:rPr>
-              <a:t>61</a:t>
-            </a:r>
-          </a:p>
-          <a:p>
-            <a:r>
-              <a:rPr lang="en-US" dirty="0" smtClean="0">
-                <a:solidFill>
-                  <a:srgbClr val="2B91AF"/>
-                </a:solidFill>
-                <a:highlight>
-                  <a:srgbClr val="FFFFFF"/>
-                </a:highlight>
-                <a:latin typeface="Consolas" panose="020B0609020204030204" pitchFamily="49" charset="0"/>
-              </a:rPr>
-              <a:t>62</a:t>
-            </a:r>
-          </a:p>
-          <a:p>
-            <a:r>
-              <a:rPr lang="en-US" dirty="0" smtClean="0">
-                <a:solidFill>
-                  <a:srgbClr val="2B91AF"/>
-                </a:solidFill>
-                <a:highlight>
-                  <a:srgbClr val="FFFFFF"/>
-                </a:highlight>
-                <a:latin typeface="Consolas" panose="020B0609020204030204" pitchFamily="49" charset="0"/>
-              </a:rPr>
-              <a:t>63</a:t>
-            </a:r>
-          </a:p>
-          <a:p>
-            <a:r>
-              <a:rPr lang="en-US" dirty="0" smtClean="0">
-                <a:solidFill>
-                  <a:srgbClr val="2B91AF"/>
-                </a:solidFill>
-                <a:highlight>
-                  <a:srgbClr val="FFFFFF"/>
-                </a:highlight>
-                <a:latin typeface="Consolas" panose="020B0609020204030204" pitchFamily="49" charset="0"/>
-              </a:rPr>
-              <a:t>64</a:t>
-            </a:r>
-          </a:p>
-          <a:p>
-            <a:r>
-              <a:rPr lang="en-US" dirty="0" smtClean="0">
-                <a:solidFill>
-                  <a:srgbClr val="2B91AF"/>
-                </a:solidFill>
-                <a:highlight>
-                  <a:srgbClr val="FFFFFF"/>
-                </a:highlight>
-                <a:latin typeface="Consolas" panose="020B0609020204030204" pitchFamily="49" charset="0"/>
-              </a:rPr>
-              <a:t>65</a:t>
-            </a:r>
-          </a:p>
-          <a:p>
-            <a:r>
-              <a:rPr lang="en-US" dirty="0" smtClean="0">
-                <a:solidFill>
-                  <a:srgbClr val="2B91AF"/>
-                </a:solidFill>
-                <a:highlight>
-                  <a:srgbClr val="FFFFFF"/>
-                </a:highlight>
-                <a:latin typeface="Consolas" panose="020B0609020204030204" pitchFamily="49" charset="0"/>
-              </a:rPr>
-              <a:t>66</a:t>
-            </a:r>
-            <a:endParaRPr lang="en-US" dirty="0">
-              <a:solidFill>
-                <a:srgbClr val="2B91AF"/>
-              </a:solidFill>
-              <a:highlight>
-                <a:srgbClr val="FFFFFF"/>
-              </a:highlight>
-              <a:latin typeface="Consolas" panose="020B0609020204030204" pitchFamily="49" charset="0"/>
-            </a:endParaRPr>
-          </a:p>
-          <a:p>
-            <a:r>
-              <a:rPr lang="en-US" dirty="0" smtClean="0">
-                <a:solidFill>
-                  <a:srgbClr val="2B91AF"/>
-                </a:solidFill>
-                <a:highlight>
-                  <a:srgbClr val="FFFFFF"/>
-                </a:highlight>
-                <a:latin typeface="Consolas" panose="020B0609020204030204" pitchFamily="49" charset="0"/>
-              </a:rPr>
-              <a:t>67</a:t>
-            </a:r>
-            <a:endParaRPr lang="en-US" dirty="0">
-              <a:solidFill>
-                <a:srgbClr val="2B91AF"/>
-              </a:solidFill>
-              <a:highlight>
-                <a:srgbClr val="FFFFFF"/>
-              </a:highlight>
-              <a:latin typeface="Consolas" panose="020B0609020204030204" pitchFamily="49" charset="0"/>
-            </a:endParaRPr>
+              <a:rPr lang="en-US" dirty="0" smtClean="0"/>
+              <a:t>A </a:t>
+            </a:r>
+            <a:r>
+              <a:rPr lang="en-US" dirty="0" err="1" smtClean="0"/>
+              <a:t>heapful</a:t>
+            </a:r>
+            <a:r>
+              <a:rPr lang="en-US" dirty="0" smtClean="0"/>
+              <a:t> of rectangles</a:t>
+            </a:r>
+            <a:endParaRPr lang="en-US" dirty="0"/>
           </a:p>
         </p:txBody>
       </p:sp>
       <p:sp>
         <p:nvSpPr>
-          <p:cNvPr id="5" name="Rectangle 4"/>
-          <p:cNvSpPr/>
-          <p:nvPr/>
+          <p:cNvPr id="3" name="Subtitle 2"/>
+          <p:cNvSpPr>
+            <a:spLocks noGrp="1"/>
+          </p:cNvSpPr>
+          <p:nvPr>
+            <p:ph type="subTitle" idx="1"/>
+          </p:nvPr>
         </p:nvSpPr>
-        <p:spPr>
-          <a:xfrm>
-            <a:off x="3018791" y="3718790"/>
-            <a:ext cx="9118164" cy="1477328"/>
-          </a:xfrm>
-          <a:prstGeom prst="rect">
-            <a:avLst/>
-          </a:prstGeom>
-          <a:ln w="57150">
-            <a:solidFill>
-              <a:srgbClr val="FF0000"/>
-            </a:solidFill>
-          </a:ln>
-        </p:spPr>
+        <p:spPr/>
         <p:txBody>
-          <a:bodyPr wrap="square">
-            <a:spAutoFit/>
-          </a:bodyPr>
+          <a:bodyPr/>
           <a:lstStyle/>
           <a:p>
-            <a:r>
-              <a:rPr lang="en-US" dirty="0" err="1">
-                <a:solidFill>
-                  <a:srgbClr val="000000"/>
-                </a:solidFill>
-                <a:latin typeface="Consolas" panose="020B0609020204030204" pitchFamily="49" charset="0"/>
-              </a:rPr>
-              <a:t>System.OutOfMemoryException</a:t>
-            </a:r>
-            <a:r>
-              <a:rPr lang="en-US" dirty="0">
-                <a:solidFill>
-                  <a:srgbClr val="000000"/>
-                </a:solidFill>
-                <a:latin typeface="Consolas" panose="020B0609020204030204" pitchFamily="49" charset="0"/>
-              </a:rPr>
-              <a:t>: Out of memory.</a:t>
-            </a:r>
-          </a:p>
-          <a:p>
-            <a:r>
-              <a:rPr lang="en-US" dirty="0">
-                <a:solidFill>
-                  <a:srgbClr val="000000"/>
-                </a:solidFill>
-                <a:latin typeface="Consolas" panose="020B0609020204030204" pitchFamily="49" charset="0"/>
-              </a:rPr>
-              <a:t>   at </a:t>
-            </a:r>
-            <a:r>
-              <a:rPr lang="en-US" dirty="0" err="1" smtClean="0">
-                <a:solidFill>
-                  <a:srgbClr val="000000"/>
-                </a:solidFill>
-                <a:latin typeface="Consolas" panose="020B0609020204030204" pitchFamily="49" charset="0"/>
-              </a:rPr>
-              <a:t>LinearGradientBrush</a:t>
-            </a:r>
-            <a:r>
-              <a:rPr lang="en-US" dirty="0">
-                <a:solidFill>
-                  <a:srgbClr val="000000"/>
-                </a:solidFill>
-                <a:latin typeface="Consolas" panose="020B0609020204030204" pitchFamily="49" charset="0"/>
-              </a:rPr>
-              <a:t>..</a:t>
-            </a:r>
-            <a:r>
-              <a:rPr lang="en-US" dirty="0" err="1">
-                <a:solidFill>
-                  <a:srgbClr val="000000"/>
-                </a:solidFill>
-                <a:latin typeface="Consolas" panose="020B0609020204030204" pitchFamily="49" charset="0"/>
-              </a:rPr>
-              <a:t>ctor</a:t>
-            </a:r>
-            <a:r>
-              <a:rPr lang="en-US" dirty="0">
-                <a:solidFill>
-                  <a:srgbClr val="000000"/>
-                </a:solidFill>
-                <a:latin typeface="Consolas" panose="020B0609020204030204" pitchFamily="49" charset="0"/>
-              </a:rPr>
-              <a:t>(Point </a:t>
-            </a:r>
-            <a:r>
-              <a:rPr lang="en-US" dirty="0" smtClean="0">
-                <a:solidFill>
-                  <a:srgbClr val="000000"/>
-                </a:solidFill>
-                <a:latin typeface="Consolas" panose="020B0609020204030204" pitchFamily="49" charset="0"/>
-              </a:rPr>
-              <a:t>p1, </a:t>
-            </a:r>
-            <a:r>
-              <a:rPr lang="en-US" dirty="0">
-                <a:solidFill>
-                  <a:srgbClr val="000000"/>
-                </a:solidFill>
-                <a:latin typeface="Consolas" panose="020B0609020204030204" pitchFamily="49" charset="0"/>
-              </a:rPr>
-              <a:t>Point </a:t>
-            </a:r>
-            <a:r>
-              <a:rPr lang="en-US" dirty="0" smtClean="0">
-                <a:solidFill>
-                  <a:srgbClr val="000000"/>
-                </a:solidFill>
-                <a:latin typeface="Consolas" panose="020B0609020204030204" pitchFamily="49" charset="0"/>
-              </a:rPr>
-              <a:t>p2</a:t>
-            </a:r>
-            <a:r>
-              <a:rPr lang="en-US" dirty="0">
-                <a:solidFill>
-                  <a:srgbClr val="000000"/>
-                </a:solidFill>
-                <a:latin typeface="Consolas" panose="020B0609020204030204" pitchFamily="49" charset="0"/>
-              </a:rPr>
-              <a:t>, Color </a:t>
-            </a:r>
-            <a:r>
-              <a:rPr lang="en-US" dirty="0" smtClean="0">
-                <a:solidFill>
-                  <a:srgbClr val="000000"/>
-                </a:solidFill>
-                <a:latin typeface="Consolas" panose="020B0609020204030204" pitchFamily="49" charset="0"/>
-              </a:rPr>
-              <a:t>c1</a:t>
-            </a:r>
-            <a:r>
-              <a:rPr lang="en-US" dirty="0">
-                <a:solidFill>
-                  <a:srgbClr val="000000"/>
-                </a:solidFill>
-                <a:latin typeface="Consolas" panose="020B0609020204030204" pitchFamily="49" charset="0"/>
-              </a:rPr>
-              <a:t>, Color </a:t>
-            </a:r>
-            <a:r>
-              <a:rPr lang="en-US" dirty="0" smtClean="0">
-                <a:solidFill>
-                  <a:srgbClr val="000000"/>
-                </a:solidFill>
-                <a:latin typeface="Consolas" panose="020B0609020204030204" pitchFamily="49" charset="0"/>
-              </a:rPr>
-              <a:t>c2</a:t>
-            </a:r>
-            <a:r>
-              <a:rPr lang="en-US" dirty="0">
-                <a:solidFill>
-                  <a:srgbClr val="000000"/>
-                </a:solidFill>
-                <a:latin typeface="Consolas" panose="020B0609020204030204" pitchFamily="49" charset="0"/>
-              </a:rPr>
-              <a:t>)</a:t>
-            </a:r>
-          </a:p>
-          <a:p>
-            <a:r>
-              <a:rPr lang="en-US" dirty="0">
-                <a:solidFill>
-                  <a:srgbClr val="000000"/>
-                </a:solidFill>
-                <a:latin typeface="Consolas" panose="020B0609020204030204" pitchFamily="49" charset="0"/>
-              </a:rPr>
-              <a:t>   at </a:t>
-            </a:r>
-            <a:r>
-              <a:rPr lang="en-US" dirty="0" err="1" smtClean="0">
-                <a:solidFill>
-                  <a:srgbClr val="000000"/>
-                </a:solidFill>
-                <a:latin typeface="Consolas" panose="020B0609020204030204" pitchFamily="49" charset="0"/>
-              </a:rPr>
-              <a:t>MyForm.OnPaint</a:t>
-            </a:r>
-            <a:r>
-              <a:rPr lang="en-US" dirty="0" smtClean="0">
-                <a:solidFill>
-                  <a:srgbClr val="000000"/>
-                </a:solidFill>
-                <a:latin typeface="Consolas" panose="020B0609020204030204" pitchFamily="49" charset="0"/>
-              </a:rPr>
-              <a:t>(</a:t>
-            </a:r>
-            <a:r>
-              <a:rPr lang="en-US" dirty="0" err="1" smtClean="0">
-                <a:solidFill>
-                  <a:srgbClr val="000000"/>
-                </a:solidFill>
-                <a:latin typeface="Consolas" panose="020B0609020204030204" pitchFamily="49" charset="0"/>
-              </a:rPr>
-              <a:t>PaintEventArgs</a:t>
-            </a:r>
-            <a:r>
-              <a:rPr lang="en-US" dirty="0" smtClean="0">
-                <a:solidFill>
-                  <a:srgbClr val="000000"/>
-                </a:solidFill>
-                <a:latin typeface="Consolas" panose="020B0609020204030204" pitchFamily="49" charset="0"/>
-              </a:rPr>
-              <a:t> </a:t>
-            </a:r>
-            <a:r>
-              <a:rPr lang="en-US" dirty="0">
-                <a:solidFill>
-                  <a:srgbClr val="000000"/>
-                </a:solidFill>
-                <a:latin typeface="Consolas" panose="020B0609020204030204" pitchFamily="49" charset="0"/>
-              </a:rPr>
-              <a:t>e) in c</a:t>
-            </a:r>
-            <a:r>
-              <a:rPr lang="en-US" dirty="0" smtClean="0">
-                <a:solidFill>
-                  <a:srgbClr val="000000"/>
-                </a:solidFill>
-                <a:latin typeface="Consolas" panose="020B0609020204030204" pitchFamily="49" charset="0"/>
-              </a:rPr>
-              <a:t>:\...\</a:t>
-            </a:r>
-            <a:r>
-              <a:rPr lang="en-US" dirty="0">
-                <a:solidFill>
-                  <a:srgbClr val="000000"/>
-                </a:solidFill>
-                <a:latin typeface="Consolas" panose="020B0609020204030204" pitchFamily="49" charset="0"/>
-              </a:rPr>
-              <a:t>UnitTest1.cs:line 64</a:t>
-            </a:r>
-          </a:p>
-          <a:p>
-            <a:r>
-              <a:rPr lang="en-US" dirty="0">
-                <a:solidFill>
-                  <a:srgbClr val="000000"/>
-                </a:solidFill>
-                <a:latin typeface="Consolas" panose="020B0609020204030204" pitchFamily="49" charset="0"/>
-              </a:rPr>
-              <a:t>   at </a:t>
-            </a:r>
-            <a:r>
-              <a:rPr lang="en-US" dirty="0" err="1" smtClean="0">
-                <a:solidFill>
-                  <a:srgbClr val="000000"/>
-                </a:solidFill>
-                <a:latin typeface="Consolas" panose="020B0609020204030204" pitchFamily="49" charset="0"/>
-              </a:rPr>
-              <a:t>Control.PaintWithErrorHandling</a:t>
-            </a:r>
-            <a:r>
-              <a:rPr lang="en-US" dirty="0" smtClean="0">
-                <a:solidFill>
-                  <a:srgbClr val="000000"/>
-                </a:solidFill>
-                <a:latin typeface="Consolas" panose="020B0609020204030204" pitchFamily="49" charset="0"/>
-              </a:rPr>
-              <a:t>(</a:t>
-            </a:r>
-            <a:r>
-              <a:rPr lang="en-US" dirty="0" err="1" smtClean="0">
-                <a:solidFill>
-                  <a:srgbClr val="000000"/>
-                </a:solidFill>
-                <a:latin typeface="Consolas" panose="020B0609020204030204" pitchFamily="49" charset="0"/>
-              </a:rPr>
-              <a:t>PaintEventArgs</a:t>
-            </a:r>
-            <a:r>
-              <a:rPr lang="en-US" dirty="0" smtClean="0">
-                <a:solidFill>
-                  <a:srgbClr val="000000"/>
-                </a:solidFill>
-                <a:latin typeface="Consolas" panose="020B0609020204030204" pitchFamily="49" charset="0"/>
-              </a:rPr>
-              <a:t> </a:t>
-            </a:r>
-            <a:r>
-              <a:rPr lang="en-US" dirty="0">
-                <a:solidFill>
-                  <a:srgbClr val="000000"/>
-                </a:solidFill>
-                <a:latin typeface="Consolas" panose="020B0609020204030204" pitchFamily="49" charset="0"/>
-              </a:rPr>
-              <a:t>e, Int16 layer)</a:t>
-            </a:r>
-          </a:p>
-          <a:p>
-            <a:r>
-              <a:rPr lang="en-US" dirty="0">
-                <a:solidFill>
-                  <a:srgbClr val="000000"/>
-                </a:solidFill>
-                <a:latin typeface="Consolas" panose="020B0609020204030204" pitchFamily="49" charset="0"/>
-              </a:rPr>
-              <a:t>   at </a:t>
-            </a:r>
-            <a:r>
-              <a:rPr lang="en-US" dirty="0" err="1" smtClean="0">
-                <a:solidFill>
-                  <a:srgbClr val="000000"/>
-                </a:solidFill>
-                <a:latin typeface="Consolas" panose="020B0609020204030204" pitchFamily="49" charset="0"/>
-              </a:rPr>
-              <a:t>Control.OnPrint</a:t>
-            </a:r>
-            <a:r>
-              <a:rPr lang="en-US" dirty="0" smtClean="0">
-                <a:solidFill>
-                  <a:srgbClr val="000000"/>
-                </a:solidFill>
-                <a:latin typeface="Consolas" panose="020B0609020204030204" pitchFamily="49" charset="0"/>
-              </a:rPr>
-              <a:t>(</a:t>
-            </a:r>
-            <a:r>
-              <a:rPr lang="en-US" dirty="0" err="1" smtClean="0">
-                <a:solidFill>
-                  <a:srgbClr val="000000"/>
-                </a:solidFill>
-                <a:latin typeface="Consolas" panose="020B0609020204030204" pitchFamily="49" charset="0"/>
-              </a:rPr>
-              <a:t>PaintEventArgs</a:t>
-            </a:r>
-            <a:r>
-              <a:rPr lang="en-US" dirty="0" smtClean="0">
-                <a:solidFill>
-                  <a:srgbClr val="000000"/>
-                </a:solidFill>
-                <a:latin typeface="Consolas" panose="020B0609020204030204" pitchFamily="49" charset="0"/>
-              </a:rPr>
-              <a:t> </a:t>
-            </a:r>
-            <a:r>
-              <a:rPr lang="en-US" dirty="0">
-                <a:solidFill>
-                  <a:srgbClr val="000000"/>
-                </a:solidFill>
-                <a:latin typeface="Consolas" panose="020B0609020204030204" pitchFamily="49" charset="0"/>
-              </a:rPr>
-              <a:t>e)</a:t>
-            </a:r>
-            <a:endParaRPr lang="en-US" dirty="0">
-              <a:solidFill>
-                <a:srgbClr val="000000"/>
-              </a:solidFill>
-              <a:latin typeface="Calibri" panose="020F0502020204030204" pitchFamily="34" charset="0"/>
-            </a:endParaRPr>
-          </a:p>
-        </p:txBody>
-      </p:sp>
-      <p:sp>
-        <p:nvSpPr>
-          <p:cNvPr id="7" name="TextBox 6"/>
-          <p:cNvSpPr txBox="1"/>
-          <p:nvPr/>
-        </p:nvSpPr>
-        <p:spPr>
-          <a:xfrm>
-            <a:off x="146387" y="3644804"/>
-            <a:ext cx="2657331" cy="2154436"/>
-          </a:xfrm>
-          <a:prstGeom prst="rect">
-            <a:avLst/>
-          </a:prstGeom>
-          <a:noFill/>
-          <a:ln>
-            <a:solidFill>
-              <a:schemeClr val="accent1"/>
-            </a:solidFill>
-          </a:ln>
-        </p:spPr>
-        <p:txBody>
-          <a:bodyPr wrap="none" rtlCol="0">
-            <a:spAutoFit/>
-          </a:bodyPr>
-          <a:lstStyle/>
-          <a:p>
-            <a:r>
-              <a:rPr lang="en-US" sz="2200" dirty="0" smtClean="0"/>
-              <a:t>What went wrong?</a:t>
-            </a:r>
-          </a:p>
-          <a:p>
-            <a:r>
-              <a:rPr lang="en-US" sz="2200" b="1" dirty="0" smtClean="0">
-                <a:solidFill>
-                  <a:srgbClr val="FF0000"/>
-                </a:solidFill>
-              </a:rPr>
-              <a:t>A) </a:t>
-            </a:r>
-            <a:r>
-              <a:rPr lang="en-US" sz="2200" dirty="0" smtClean="0"/>
-              <a:t>10,000 rectangles</a:t>
-            </a:r>
-          </a:p>
-          <a:p>
-            <a:r>
-              <a:rPr lang="en-US" sz="2200" b="1" dirty="0" smtClean="0">
-                <a:solidFill>
-                  <a:srgbClr val="FFC000"/>
-                </a:solidFill>
-              </a:rPr>
-              <a:t>B) </a:t>
-            </a:r>
-            <a:r>
-              <a:rPr lang="en-US" sz="2200" dirty="0" smtClean="0"/>
-              <a:t>Brush too big</a:t>
-            </a:r>
-          </a:p>
-          <a:p>
-            <a:r>
-              <a:rPr lang="en-US" sz="2200" b="1" dirty="0" smtClean="0">
-                <a:solidFill>
-                  <a:schemeClr val="accent2"/>
-                </a:solidFill>
-              </a:rPr>
-              <a:t>C)</a:t>
-            </a:r>
-            <a:r>
-              <a:rPr lang="en-US" sz="2200" dirty="0" smtClean="0">
-                <a:solidFill>
-                  <a:schemeClr val="accent2"/>
-                </a:solidFill>
-              </a:rPr>
-              <a:t> </a:t>
-            </a:r>
-            <a:r>
-              <a:rPr lang="en-US" sz="2200" dirty="0" smtClean="0"/>
-              <a:t>Garbage Collection</a:t>
-            </a:r>
-          </a:p>
-          <a:p>
-            <a:r>
-              <a:rPr lang="en-US" sz="2200" b="1" dirty="0" smtClean="0">
-                <a:solidFill>
-                  <a:srgbClr val="00B050"/>
-                </a:solidFill>
-              </a:rPr>
-              <a:t>D) </a:t>
-            </a:r>
-            <a:r>
-              <a:rPr lang="en-US" sz="2200" dirty="0" smtClean="0"/>
-              <a:t>Other</a:t>
-            </a:r>
-          </a:p>
-          <a:p>
-            <a:endParaRPr lang="en-US" sz="2400" dirty="0"/>
-          </a:p>
-        </p:txBody>
-      </p:sp>
-      <p:sp>
-        <p:nvSpPr>
-          <p:cNvPr id="8" name="Rectangle 7"/>
-          <p:cNvSpPr/>
-          <p:nvPr/>
-        </p:nvSpPr>
-        <p:spPr>
-          <a:xfrm>
-            <a:off x="479520" y="377047"/>
-            <a:ext cx="11712479" cy="2862322"/>
-          </a:xfrm>
-          <a:prstGeom prst="rect">
-            <a:avLst/>
-          </a:prstGeom>
-        </p:spPr>
-        <p:txBody>
-          <a:bodyPr wrap="square">
-            <a:spAutoFit/>
-          </a:bodyPr>
-          <a:lstStyle/>
-          <a:p>
-            <a:r>
-              <a:rPr lang="nn-NO" dirty="0">
-                <a:solidFill>
-                  <a:srgbClr val="0000FF"/>
-                </a:solidFill>
-                <a:highlight>
-                  <a:srgbClr val="FFFFFF"/>
-                </a:highlight>
-                <a:latin typeface="Consolas" panose="020B0609020204030204" pitchFamily="49" charset="0"/>
-              </a:rPr>
-              <a:t>for</a:t>
-            </a:r>
-            <a:r>
-              <a:rPr lang="nn-NO" dirty="0">
-                <a:solidFill>
-                  <a:srgbClr val="000000"/>
-                </a:solidFill>
-                <a:highlight>
-                  <a:srgbClr val="FFFFFF"/>
-                </a:highlight>
-                <a:latin typeface="Consolas" panose="020B0609020204030204" pitchFamily="49" charset="0"/>
-              </a:rPr>
-              <a:t> (</a:t>
-            </a:r>
-            <a:r>
-              <a:rPr lang="nn-NO" dirty="0">
-                <a:solidFill>
-                  <a:srgbClr val="0000FF"/>
-                </a:solidFill>
-                <a:highlight>
-                  <a:srgbClr val="FFFFFF"/>
-                </a:highlight>
-                <a:latin typeface="Consolas" panose="020B0609020204030204" pitchFamily="49" charset="0"/>
-              </a:rPr>
-              <a:t>var</a:t>
-            </a:r>
-            <a:r>
-              <a:rPr lang="nn-NO" dirty="0">
-                <a:solidFill>
-                  <a:srgbClr val="000000"/>
-                </a:solidFill>
-                <a:highlight>
-                  <a:srgbClr val="FFFFFF"/>
-                </a:highlight>
-                <a:latin typeface="Consolas" panose="020B0609020204030204" pitchFamily="49" charset="0"/>
-              </a:rPr>
-              <a:t> i = 0; i &lt; 10000; i++)</a:t>
-            </a:r>
-          </a:p>
-          <a:p>
-            <a:r>
-              <a:rPr lang="en-US" dirty="0">
-                <a:solidFill>
-                  <a:srgbClr val="000000"/>
-                </a:solidFill>
-                <a:highlight>
-                  <a:srgbClr val="FFFFFF"/>
-                </a:highlight>
-                <a:latin typeface="Consolas" panose="020B0609020204030204" pitchFamily="49" charset="0"/>
-              </a:rPr>
-              <a:t>{</a:t>
-            </a:r>
-          </a:p>
-          <a:p>
-            <a:r>
-              <a:rPr lang="en-US" dirty="0">
-                <a:solidFill>
-                  <a:srgbClr val="000000"/>
-                </a:solidFill>
-                <a:highlight>
-                  <a:srgbClr val="FFFFFF"/>
-                </a:highlight>
-                <a:latin typeface="Consolas" panose="020B0609020204030204" pitchFamily="49" charset="0"/>
-              </a:rPr>
-              <a:t>    </a:t>
-            </a:r>
-            <a:r>
-              <a:rPr lang="en-US" dirty="0" err="1">
-                <a:solidFill>
-                  <a:srgbClr val="0000FF"/>
-                </a:solidFill>
-                <a:highlight>
-                  <a:srgbClr val="FFFFFF"/>
-                </a:highlight>
-                <a:latin typeface="Consolas" panose="020B0609020204030204" pitchFamily="49" charset="0"/>
-              </a:rPr>
-              <a:t>int</a:t>
-            </a:r>
-            <a:r>
-              <a:rPr lang="en-US" dirty="0">
-                <a:solidFill>
-                  <a:srgbClr val="000000"/>
-                </a:solidFill>
-                <a:highlight>
-                  <a:srgbClr val="FFFFFF"/>
-                </a:highlight>
-                <a:latin typeface="Consolas" panose="020B0609020204030204" pitchFamily="49" charset="0"/>
-              </a:rPr>
-              <a:t> w = </a:t>
-            </a:r>
-            <a:r>
-              <a:rPr lang="en-US" dirty="0" err="1">
-                <a:solidFill>
-                  <a:srgbClr val="000000"/>
-                </a:solidFill>
-                <a:highlight>
-                  <a:srgbClr val="FFFFFF"/>
-                </a:highlight>
-                <a:latin typeface="Consolas" panose="020B0609020204030204" pitchFamily="49" charset="0"/>
-              </a:rPr>
-              <a:t>random.Next</a:t>
-            </a:r>
-            <a:r>
-              <a:rPr lang="en-US" dirty="0">
-                <a:solidFill>
-                  <a:srgbClr val="000000"/>
-                </a:solidFill>
-                <a:highlight>
-                  <a:srgbClr val="FFFFFF"/>
-                </a:highlight>
-                <a:latin typeface="Consolas" panose="020B0609020204030204" pitchFamily="49" charset="0"/>
-              </a:rPr>
-              <a:t>(</a:t>
-            </a:r>
-            <a:r>
-              <a:rPr lang="en-US" dirty="0" err="1">
-                <a:solidFill>
-                  <a:srgbClr val="0000FF"/>
-                </a:solidFill>
-                <a:highlight>
-                  <a:srgbClr val="FFFFFF"/>
-                </a:highlight>
-                <a:latin typeface="Consolas" panose="020B0609020204030204" pitchFamily="49" charset="0"/>
-              </a:rPr>
-              <a:t>this</a:t>
-            </a:r>
-            <a:r>
-              <a:rPr lang="en-US" dirty="0" err="1">
-                <a:solidFill>
-                  <a:srgbClr val="000000"/>
-                </a:solidFill>
-                <a:highlight>
-                  <a:srgbClr val="FFFFFF"/>
-                </a:highlight>
-                <a:latin typeface="Consolas" panose="020B0609020204030204" pitchFamily="49" charset="0"/>
-              </a:rPr>
-              <a:t>.Width</a:t>
-            </a:r>
-            <a:r>
-              <a:rPr lang="en-US" dirty="0">
-                <a:solidFill>
-                  <a:srgbClr val="000000"/>
-                </a:solidFill>
-                <a:highlight>
-                  <a:srgbClr val="FFFFFF"/>
-                </a:highlight>
-                <a:latin typeface="Consolas" panose="020B0609020204030204" pitchFamily="49" charset="0"/>
-              </a:rPr>
-              <a:t>);</a:t>
-            </a:r>
-          </a:p>
-          <a:p>
-            <a:r>
-              <a:rPr lang="en-US" dirty="0">
-                <a:solidFill>
-                  <a:srgbClr val="000000"/>
-                </a:solidFill>
-                <a:highlight>
-                  <a:srgbClr val="FFFFFF"/>
-                </a:highlight>
-                <a:latin typeface="Consolas" panose="020B0609020204030204" pitchFamily="49" charset="0"/>
-              </a:rPr>
-              <a:t>    </a:t>
-            </a:r>
-            <a:r>
-              <a:rPr lang="en-US" dirty="0" err="1">
-                <a:solidFill>
-                  <a:srgbClr val="0000FF"/>
-                </a:solidFill>
-                <a:highlight>
-                  <a:srgbClr val="FFFFFF"/>
-                </a:highlight>
-                <a:latin typeface="Consolas" panose="020B0609020204030204" pitchFamily="49" charset="0"/>
-              </a:rPr>
-              <a:t>int</a:t>
-            </a:r>
-            <a:r>
-              <a:rPr lang="en-US" dirty="0">
-                <a:solidFill>
-                  <a:srgbClr val="000000"/>
-                </a:solidFill>
-                <a:highlight>
-                  <a:srgbClr val="FFFFFF"/>
-                </a:highlight>
-                <a:latin typeface="Consolas" panose="020B0609020204030204" pitchFamily="49" charset="0"/>
-              </a:rPr>
-              <a:t> h = </a:t>
-            </a:r>
-            <a:r>
-              <a:rPr lang="en-US" dirty="0" err="1">
-                <a:solidFill>
-                  <a:srgbClr val="000000"/>
-                </a:solidFill>
-                <a:highlight>
-                  <a:srgbClr val="FFFFFF"/>
-                </a:highlight>
-                <a:latin typeface="Consolas" panose="020B0609020204030204" pitchFamily="49" charset="0"/>
-              </a:rPr>
-              <a:t>random.Next</a:t>
-            </a:r>
-            <a:r>
-              <a:rPr lang="en-US" dirty="0">
-                <a:solidFill>
-                  <a:srgbClr val="000000"/>
-                </a:solidFill>
-                <a:highlight>
-                  <a:srgbClr val="FFFFFF"/>
-                </a:highlight>
-                <a:latin typeface="Consolas" panose="020B0609020204030204" pitchFamily="49" charset="0"/>
-              </a:rPr>
-              <a:t>(</a:t>
-            </a:r>
-            <a:r>
-              <a:rPr lang="en-US" dirty="0" err="1">
-                <a:solidFill>
-                  <a:srgbClr val="0000FF"/>
-                </a:solidFill>
-                <a:highlight>
-                  <a:srgbClr val="FFFFFF"/>
-                </a:highlight>
-                <a:latin typeface="Consolas" panose="020B0609020204030204" pitchFamily="49" charset="0"/>
-              </a:rPr>
-              <a:t>this</a:t>
-            </a:r>
-            <a:r>
-              <a:rPr lang="en-US" dirty="0" err="1">
-                <a:solidFill>
-                  <a:srgbClr val="000000"/>
-                </a:solidFill>
-                <a:highlight>
-                  <a:srgbClr val="FFFFFF"/>
-                </a:highlight>
-                <a:latin typeface="Consolas" panose="020B0609020204030204" pitchFamily="49" charset="0"/>
-              </a:rPr>
-              <a:t>.Height</a:t>
-            </a:r>
-            <a:r>
-              <a:rPr lang="en-US" dirty="0">
-                <a:solidFill>
-                  <a:srgbClr val="000000"/>
-                </a:solidFill>
-                <a:highlight>
-                  <a:srgbClr val="FFFFFF"/>
-                </a:highlight>
-                <a:latin typeface="Consolas" panose="020B0609020204030204" pitchFamily="49" charset="0"/>
-              </a:rPr>
-              <a:t>);</a:t>
-            </a:r>
-          </a:p>
-          <a:p>
-            <a:r>
-              <a:rPr lang="en-US" dirty="0">
-                <a:solidFill>
-                  <a:srgbClr val="000000"/>
-                </a:solidFill>
-                <a:highlight>
-                  <a:srgbClr val="FFFFFF"/>
-                </a:highlight>
-                <a:latin typeface="Consolas" panose="020B0609020204030204" pitchFamily="49" charset="0"/>
-              </a:rPr>
-              <a:t>    </a:t>
-            </a:r>
-            <a:r>
-              <a:rPr lang="en-US" dirty="0" err="1">
-                <a:solidFill>
-                  <a:srgbClr val="0000FF"/>
-                </a:solidFill>
-                <a:highlight>
-                  <a:srgbClr val="FFFFFF"/>
-                </a:highlight>
-                <a:latin typeface="Consolas" panose="020B0609020204030204" pitchFamily="49" charset="0"/>
-              </a:rPr>
-              <a:t>var</a:t>
-            </a:r>
-            <a:r>
-              <a:rPr lang="en-US" dirty="0">
-                <a:solidFill>
-                  <a:srgbClr val="000000"/>
-                </a:solidFill>
-                <a:highlight>
-                  <a:srgbClr val="FFFFFF"/>
-                </a:highlight>
-                <a:latin typeface="Consolas" panose="020B0609020204030204" pitchFamily="49" charset="0"/>
-              </a:rPr>
-              <a:t> start = </a:t>
-            </a:r>
-            <a:r>
-              <a:rPr lang="en-US" dirty="0">
-                <a:solidFill>
-                  <a:srgbClr val="0000FF"/>
-                </a:solidFill>
-                <a:highlight>
-                  <a:srgbClr val="FFFFFF"/>
-                </a:highlight>
-                <a:latin typeface="Consolas" panose="020B0609020204030204" pitchFamily="49" charset="0"/>
-              </a:rPr>
-              <a:t>new</a:t>
-            </a:r>
-            <a:r>
-              <a:rPr lang="en-US" dirty="0">
-                <a:solidFill>
-                  <a:srgbClr val="000000"/>
-                </a:solidFill>
-                <a:highlight>
-                  <a:srgbClr val="FFFFFF"/>
-                </a:highlight>
-                <a:latin typeface="Consolas" panose="020B0609020204030204" pitchFamily="49" charset="0"/>
-              </a:rPr>
-              <a:t> </a:t>
-            </a:r>
-            <a:r>
-              <a:rPr lang="en-US" dirty="0">
-                <a:solidFill>
-                  <a:srgbClr val="2B91AF"/>
-                </a:solidFill>
-                <a:highlight>
-                  <a:srgbClr val="FFFFFF"/>
-                </a:highlight>
-                <a:latin typeface="Consolas" panose="020B0609020204030204" pitchFamily="49" charset="0"/>
-              </a:rPr>
-              <a:t>Point</a:t>
-            </a:r>
-            <a:r>
-              <a:rPr lang="en-US" dirty="0">
-                <a:solidFill>
-                  <a:srgbClr val="000000"/>
-                </a:solidFill>
-                <a:highlight>
-                  <a:srgbClr val="FFFFFF"/>
-                </a:highlight>
-                <a:latin typeface="Consolas" panose="020B0609020204030204" pitchFamily="49" charset="0"/>
-              </a:rPr>
-              <a:t>(0, 0);</a:t>
-            </a:r>
-          </a:p>
-          <a:p>
-            <a:r>
-              <a:rPr lang="en-US" dirty="0">
-                <a:solidFill>
-                  <a:srgbClr val="000000"/>
-                </a:solidFill>
-                <a:highlight>
-                  <a:srgbClr val="FFFFFF"/>
-                </a:highlight>
-                <a:latin typeface="Consolas" panose="020B0609020204030204" pitchFamily="49" charset="0"/>
-              </a:rPr>
-              <a:t>    </a:t>
-            </a:r>
-            <a:r>
-              <a:rPr lang="en-US" dirty="0" err="1">
-                <a:solidFill>
-                  <a:srgbClr val="0000FF"/>
-                </a:solidFill>
-                <a:highlight>
-                  <a:srgbClr val="FFFFFF"/>
-                </a:highlight>
-                <a:latin typeface="Consolas" panose="020B0609020204030204" pitchFamily="49" charset="0"/>
-              </a:rPr>
-              <a:t>var</a:t>
-            </a:r>
-            <a:r>
-              <a:rPr lang="en-US" dirty="0">
-                <a:solidFill>
-                  <a:srgbClr val="000000"/>
-                </a:solidFill>
-                <a:highlight>
-                  <a:srgbClr val="FFFFFF"/>
-                </a:highlight>
-                <a:latin typeface="Consolas" panose="020B0609020204030204" pitchFamily="49" charset="0"/>
-              </a:rPr>
-              <a:t> end = </a:t>
-            </a:r>
-            <a:r>
-              <a:rPr lang="en-US" dirty="0">
-                <a:solidFill>
-                  <a:srgbClr val="0000FF"/>
-                </a:solidFill>
-                <a:highlight>
-                  <a:srgbClr val="FFFFFF"/>
-                </a:highlight>
-                <a:latin typeface="Consolas" panose="020B0609020204030204" pitchFamily="49" charset="0"/>
-              </a:rPr>
-              <a:t>new</a:t>
-            </a:r>
-            <a:r>
-              <a:rPr lang="en-US" dirty="0">
-                <a:solidFill>
-                  <a:srgbClr val="000000"/>
-                </a:solidFill>
-                <a:highlight>
-                  <a:srgbClr val="FFFFFF"/>
-                </a:highlight>
-                <a:latin typeface="Consolas" panose="020B0609020204030204" pitchFamily="49" charset="0"/>
-              </a:rPr>
-              <a:t> </a:t>
-            </a:r>
-            <a:r>
-              <a:rPr lang="en-US" dirty="0">
-                <a:solidFill>
-                  <a:srgbClr val="2B91AF"/>
-                </a:solidFill>
-                <a:highlight>
-                  <a:srgbClr val="FFFFFF"/>
-                </a:highlight>
-                <a:latin typeface="Consolas" panose="020B0609020204030204" pitchFamily="49" charset="0"/>
-              </a:rPr>
-              <a:t>Point</a:t>
-            </a:r>
-            <a:r>
-              <a:rPr lang="en-US" dirty="0">
-                <a:solidFill>
-                  <a:srgbClr val="000000"/>
-                </a:solidFill>
-                <a:highlight>
-                  <a:srgbClr val="FFFFFF"/>
-                </a:highlight>
-                <a:latin typeface="Consolas" panose="020B0609020204030204" pitchFamily="49" charset="0"/>
-              </a:rPr>
-              <a:t>(w, h);</a:t>
-            </a:r>
-          </a:p>
-          <a:p>
-            <a:r>
-              <a:rPr lang="en-US" dirty="0">
-                <a:solidFill>
-                  <a:srgbClr val="000000"/>
-                </a:solidFill>
-                <a:highlight>
-                  <a:srgbClr val="FFFFFF"/>
-                </a:highlight>
-                <a:latin typeface="Consolas" panose="020B0609020204030204" pitchFamily="49" charset="0"/>
-              </a:rPr>
-              <a:t>    </a:t>
-            </a:r>
-            <a:r>
-              <a:rPr lang="en-US" dirty="0" err="1">
-                <a:solidFill>
-                  <a:srgbClr val="0000FF"/>
-                </a:solidFill>
-                <a:highlight>
-                  <a:srgbClr val="FFFFFF"/>
-                </a:highlight>
-                <a:latin typeface="Consolas" panose="020B0609020204030204" pitchFamily="49" charset="0"/>
-              </a:rPr>
-              <a:t>var</a:t>
-            </a:r>
-            <a:r>
-              <a:rPr lang="en-US" dirty="0">
-                <a:solidFill>
-                  <a:srgbClr val="000000"/>
-                </a:solidFill>
-                <a:highlight>
-                  <a:srgbClr val="FFFFFF"/>
-                </a:highlight>
-                <a:latin typeface="Consolas" panose="020B0609020204030204" pitchFamily="49" charset="0"/>
-              </a:rPr>
-              <a:t> b = </a:t>
-            </a:r>
-            <a:r>
-              <a:rPr lang="en-US" dirty="0">
-                <a:solidFill>
-                  <a:srgbClr val="0000FF"/>
-                </a:solidFill>
-                <a:highlight>
-                  <a:srgbClr val="FFFFFF"/>
-                </a:highlight>
-                <a:latin typeface="Consolas" panose="020B0609020204030204" pitchFamily="49" charset="0"/>
-              </a:rPr>
-              <a:t>new</a:t>
-            </a:r>
-            <a:r>
-              <a:rPr lang="en-US" dirty="0">
-                <a:solidFill>
-                  <a:srgbClr val="000000"/>
-                </a:solidFill>
-                <a:highlight>
-                  <a:srgbClr val="FFFFFF"/>
-                </a:highlight>
-                <a:latin typeface="Consolas" panose="020B0609020204030204" pitchFamily="49" charset="0"/>
-              </a:rPr>
-              <a:t> </a:t>
-            </a:r>
-            <a:r>
-              <a:rPr lang="en-US" dirty="0" err="1">
-                <a:solidFill>
-                  <a:srgbClr val="2B91AF"/>
-                </a:solidFill>
-                <a:highlight>
-                  <a:srgbClr val="FFFFFF"/>
-                </a:highlight>
-                <a:latin typeface="Consolas" panose="020B0609020204030204" pitchFamily="49" charset="0"/>
-              </a:rPr>
-              <a:t>LinearGradientBrush</a:t>
-            </a:r>
-            <a:r>
-              <a:rPr lang="en-US" dirty="0">
-                <a:solidFill>
-                  <a:srgbClr val="000000"/>
-                </a:solidFill>
-                <a:highlight>
-                  <a:srgbClr val="FFFFFF"/>
-                </a:highlight>
-                <a:latin typeface="Consolas" panose="020B0609020204030204" pitchFamily="49" charset="0"/>
-              </a:rPr>
-              <a:t>(start, end, </a:t>
-            </a:r>
-            <a:r>
-              <a:rPr lang="en-US" dirty="0" err="1">
-                <a:solidFill>
-                  <a:srgbClr val="2B91AF"/>
-                </a:solidFill>
-                <a:highlight>
-                  <a:srgbClr val="FFFFFF"/>
-                </a:highlight>
-                <a:latin typeface="Consolas" panose="020B0609020204030204" pitchFamily="49" charset="0"/>
-              </a:rPr>
-              <a:t>Color</a:t>
-            </a:r>
-            <a:r>
-              <a:rPr lang="en-US" dirty="0" err="1">
-                <a:solidFill>
-                  <a:srgbClr val="000000"/>
-                </a:solidFill>
-                <a:highlight>
-                  <a:srgbClr val="FFFFFF"/>
-                </a:highlight>
-                <a:latin typeface="Consolas" panose="020B0609020204030204" pitchFamily="49" charset="0"/>
-              </a:rPr>
-              <a:t>.Red</a:t>
-            </a:r>
-            <a:r>
-              <a:rPr lang="en-US" dirty="0">
-                <a:solidFill>
-                  <a:srgbClr val="000000"/>
-                </a:solidFill>
-                <a:highlight>
-                  <a:srgbClr val="FFFFFF"/>
-                </a:highlight>
-                <a:latin typeface="Consolas" panose="020B0609020204030204" pitchFamily="49" charset="0"/>
-              </a:rPr>
-              <a:t>, </a:t>
-            </a:r>
-            <a:r>
-              <a:rPr lang="en-US" dirty="0" err="1">
-                <a:solidFill>
-                  <a:srgbClr val="2B91AF"/>
-                </a:solidFill>
-                <a:highlight>
-                  <a:srgbClr val="FFFFFF"/>
-                </a:highlight>
-                <a:latin typeface="Consolas" panose="020B0609020204030204" pitchFamily="49" charset="0"/>
-              </a:rPr>
-              <a:t>Color</a:t>
-            </a:r>
-            <a:r>
-              <a:rPr lang="en-US" dirty="0" err="1">
-                <a:solidFill>
-                  <a:srgbClr val="000000"/>
-                </a:solidFill>
-                <a:highlight>
-                  <a:srgbClr val="FFFFFF"/>
-                </a:highlight>
-                <a:latin typeface="Consolas" panose="020B0609020204030204" pitchFamily="49" charset="0"/>
-              </a:rPr>
-              <a:t>.Blue</a:t>
-            </a:r>
-            <a:r>
-              <a:rPr lang="en-US" dirty="0">
-                <a:solidFill>
-                  <a:srgbClr val="000000"/>
-                </a:solidFill>
-                <a:highlight>
-                  <a:srgbClr val="FFFFFF"/>
-                </a:highlight>
-                <a:latin typeface="Consolas" panose="020B0609020204030204" pitchFamily="49" charset="0"/>
-              </a:rPr>
-              <a:t>);</a:t>
-            </a:r>
-          </a:p>
-          <a:p>
-            <a:r>
-              <a:rPr lang="en-US" dirty="0">
-                <a:solidFill>
-                  <a:srgbClr val="000000"/>
-                </a:solidFill>
-                <a:highlight>
-                  <a:srgbClr val="FFFFFF"/>
-                </a:highlight>
-                <a:latin typeface="Consolas" panose="020B0609020204030204" pitchFamily="49" charset="0"/>
-              </a:rPr>
-              <a:t>    </a:t>
-            </a:r>
-            <a:r>
-              <a:rPr lang="en-US" dirty="0" err="1">
-                <a:solidFill>
-                  <a:srgbClr val="0000FF"/>
-                </a:solidFill>
-                <a:highlight>
-                  <a:srgbClr val="FFFFFF"/>
-                </a:highlight>
-                <a:latin typeface="Consolas" panose="020B0609020204030204" pitchFamily="49" charset="0"/>
-              </a:rPr>
-              <a:t>var</a:t>
-            </a:r>
-            <a:r>
-              <a:rPr lang="en-US" dirty="0">
-                <a:solidFill>
-                  <a:srgbClr val="000000"/>
-                </a:solidFill>
-                <a:highlight>
-                  <a:srgbClr val="FFFFFF"/>
-                </a:highlight>
-                <a:latin typeface="Consolas" panose="020B0609020204030204" pitchFamily="49" charset="0"/>
-              </a:rPr>
-              <a:t> </a:t>
-            </a:r>
-            <a:r>
-              <a:rPr lang="en-US" dirty="0" err="1">
-                <a:solidFill>
-                  <a:srgbClr val="000000"/>
-                </a:solidFill>
-                <a:highlight>
-                  <a:srgbClr val="FFFFFF"/>
-                </a:highlight>
-                <a:latin typeface="Consolas" panose="020B0609020204030204" pitchFamily="49" charset="0"/>
-              </a:rPr>
-              <a:t>rect</a:t>
-            </a:r>
-            <a:r>
-              <a:rPr lang="en-US" dirty="0">
-                <a:solidFill>
-                  <a:srgbClr val="000000"/>
-                </a:solidFill>
-                <a:highlight>
-                  <a:srgbClr val="FFFFFF"/>
-                </a:highlight>
-                <a:latin typeface="Consolas" panose="020B0609020204030204" pitchFamily="49" charset="0"/>
-              </a:rPr>
-              <a:t> = </a:t>
-            </a:r>
-            <a:r>
-              <a:rPr lang="en-US" dirty="0">
-                <a:solidFill>
-                  <a:srgbClr val="0000FF"/>
-                </a:solidFill>
-                <a:highlight>
-                  <a:srgbClr val="FFFFFF"/>
-                </a:highlight>
-                <a:latin typeface="Consolas" panose="020B0609020204030204" pitchFamily="49" charset="0"/>
-              </a:rPr>
-              <a:t>new</a:t>
-            </a:r>
-            <a:r>
-              <a:rPr lang="en-US" dirty="0">
-                <a:solidFill>
-                  <a:srgbClr val="000000"/>
-                </a:solidFill>
-                <a:highlight>
-                  <a:srgbClr val="FFFFFF"/>
-                </a:highlight>
-                <a:latin typeface="Consolas" panose="020B0609020204030204" pitchFamily="49" charset="0"/>
-              </a:rPr>
-              <a:t> </a:t>
-            </a:r>
-            <a:r>
-              <a:rPr lang="en-US" dirty="0">
-                <a:solidFill>
-                  <a:srgbClr val="2B91AF"/>
-                </a:solidFill>
-                <a:highlight>
-                  <a:srgbClr val="FFFFFF"/>
-                </a:highlight>
-                <a:latin typeface="Consolas" panose="020B0609020204030204" pitchFamily="49" charset="0"/>
-              </a:rPr>
-              <a:t>Rectangle</a:t>
-            </a:r>
-            <a:r>
-              <a:rPr lang="en-US" dirty="0">
-                <a:solidFill>
-                  <a:srgbClr val="000000"/>
-                </a:solidFill>
-                <a:highlight>
-                  <a:srgbClr val="FFFFFF"/>
-                </a:highlight>
-                <a:latin typeface="Consolas" panose="020B0609020204030204" pitchFamily="49" charset="0"/>
-              </a:rPr>
-              <a:t>(</a:t>
-            </a:r>
-            <a:r>
-              <a:rPr lang="en-US" dirty="0" err="1">
-                <a:solidFill>
-                  <a:srgbClr val="000000"/>
-                </a:solidFill>
-                <a:highlight>
-                  <a:srgbClr val="FFFFFF"/>
-                </a:highlight>
-                <a:latin typeface="Consolas" panose="020B0609020204030204" pitchFamily="49" charset="0"/>
-              </a:rPr>
-              <a:t>random.Next</a:t>
-            </a:r>
-            <a:r>
-              <a:rPr lang="en-US" dirty="0">
-                <a:solidFill>
-                  <a:srgbClr val="000000"/>
-                </a:solidFill>
-                <a:highlight>
-                  <a:srgbClr val="FFFFFF"/>
-                </a:highlight>
-                <a:latin typeface="Consolas" panose="020B0609020204030204" pitchFamily="49" charset="0"/>
-              </a:rPr>
-              <a:t>(Width), </a:t>
-            </a:r>
-            <a:r>
-              <a:rPr lang="en-US" dirty="0" err="1">
-                <a:solidFill>
-                  <a:srgbClr val="000000"/>
-                </a:solidFill>
-                <a:highlight>
-                  <a:srgbClr val="FFFFFF"/>
-                </a:highlight>
-                <a:latin typeface="Consolas" panose="020B0609020204030204" pitchFamily="49" charset="0"/>
-              </a:rPr>
-              <a:t>random.Next</a:t>
-            </a:r>
-            <a:r>
-              <a:rPr lang="en-US" dirty="0">
-                <a:solidFill>
-                  <a:srgbClr val="000000"/>
-                </a:solidFill>
-                <a:highlight>
-                  <a:srgbClr val="FFFFFF"/>
-                </a:highlight>
-                <a:latin typeface="Consolas" panose="020B0609020204030204" pitchFamily="49" charset="0"/>
-              </a:rPr>
-              <a:t>(Height), w, h);</a:t>
-            </a:r>
-          </a:p>
-          <a:p>
-            <a:r>
-              <a:rPr lang="en-US" dirty="0">
-                <a:solidFill>
-                  <a:srgbClr val="000000"/>
-                </a:solidFill>
-                <a:highlight>
-                  <a:srgbClr val="FFFFFF"/>
-                </a:highlight>
-                <a:latin typeface="Consolas" panose="020B0609020204030204" pitchFamily="49" charset="0"/>
-              </a:rPr>
-              <a:t>    </a:t>
-            </a:r>
-            <a:r>
-              <a:rPr lang="en-US" dirty="0" err="1">
-                <a:solidFill>
-                  <a:srgbClr val="000000"/>
-                </a:solidFill>
-                <a:highlight>
-                  <a:srgbClr val="FFFFFF"/>
-                </a:highlight>
-                <a:latin typeface="Consolas" panose="020B0609020204030204" pitchFamily="49" charset="0"/>
-              </a:rPr>
-              <a:t>e.Graphics.FillRectangle</a:t>
-            </a:r>
-            <a:r>
-              <a:rPr lang="en-US" dirty="0">
-                <a:solidFill>
-                  <a:srgbClr val="000000"/>
-                </a:solidFill>
-                <a:highlight>
-                  <a:srgbClr val="FFFFFF"/>
-                </a:highlight>
-                <a:latin typeface="Consolas" panose="020B0609020204030204" pitchFamily="49" charset="0"/>
-              </a:rPr>
-              <a:t>(b, </a:t>
-            </a:r>
-            <a:r>
-              <a:rPr lang="en-US" dirty="0" err="1">
-                <a:solidFill>
-                  <a:srgbClr val="000000"/>
-                </a:solidFill>
-                <a:highlight>
-                  <a:srgbClr val="FFFFFF"/>
-                </a:highlight>
-                <a:latin typeface="Consolas" panose="020B0609020204030204" pitchFamily="49" charset="0"/>
-              </a:rPr>
-              <a:t>rect</a:t>
-            </a:r>
-            <a:r>
-              <a:rPr lang="en-US" dirty="0">
-                <a:solidFill>
-                  <a:srgbClr val="000000"/>
-                </a:solidFill>
-                <a:highlight>
-                  <a:srgbClr val="FFFFFF"/>
-                </a:highlight>
-                <a:latin typeface="Consolas" panose="020B0609020204030204" pitchFamily="49" charset="0"/>
-              </a:rPr>
-              <a:t>);</a:t>
-            </a:r>
-          </a:p>
-          <a:p>
-            <a:r>
-              <a:rPr lang="en-US" dirty="0">
-                <a:solidFill>
-                  <a:srgbClr val="000000"/>
-                </a:solidFill>
-                <a:highlight>
-                  <a:srgbClr val="FFFFFF"/>
-                </a:highlight>
-                <a:latin typeface="Consolas" panose="020B0609020204030204" pitchFamily="49" charset="0"/>
-              </a:rPr>
-              <a:t>}</a:t>
-            </a:r>
             <a:endParaRPr lang="en-US" dirty="0"/>
           </a:p>
         </p:txBody>
@@ -24175,7 +24555,7 @@
     </p:spTree>
     <p:extLst>
       <p:ext uri="{BB962C8B-B14F-4D97-AF65-F5344CB8AC3E}">
-        <p14:creationId xmlns:p14="http://schemas.microsoft.com/office/powerpoint/2010/main" val="3455937544"/>
+        <p14:creationId xmlns:p14="http://schemas.microsoft.com/office/powerpoint/2010/main" val="183581538"/>
       </p:ext>
     </p:extLst>
   </p:cSld>
@@ -24185,126 +24565,9 @@
   <p:timing>
     <p:tnLst>
       <p:par>
-        <p:cTn xmlns:p14="http://schemas.microsoft.com/office/powerpoint/2010/main" id="1" dur="indefinite" restart="never" nodeType="tmRoot">
-          <p:childTnLst>
-            <p:seq concurrent="1" nextAc="seek">
-              <p:cTn id="2" dur="indefinite" nodeType="mainSeq">
-                <p:childTnLst>
-                  <p:par>
-                    <p:cTn id="3" fill="hold">
-                      <p:stCondLst>
-                        <p:cond delay="indefinite"/>
-                      </p:stCondLst>
-                      <p:childTnLst>
-                        <p:par>
-                          <p:cTn id="4" fill="hold">
-                            <p:stCondLst>
-                              <p:cond delay="0"/>
-                            </p:stCondLst>
-                            <p:childTnLst>
-                              <p:par>
-                                <p:cTn id="5" presetID="1" presetClass="entr" presetSubtype="0" fill="hold" grpId="0" nodeType="clickEffect">
-                                  <p:stCondLst>
-                                    <p:cond delay="0"/>
-                                  </p:stCondLst>
-                                  <p:childTnLst>
-                                    <p:set>
-                                      <p:cBhvr>
-                                        <p:cTn id="6" dur="1" fill="hold">
-                                          <p:stCondLst>
-                                            <p:cond delay="0"/>
-                                          </p:stCondLst>
-                                        </p:cTn>
-                                        <p:tgtEl>
-                                          <p:spTgt spid="5"/>
-                                        </p:tgtEl>
-                                        <p:attrNameLst>
-                                          <p:attrName>style.visibility</p:attrName>
-                                        </p:attrNameLst>
-                                      </p:cBhvr>
-                                      <p:to>
-                                        <p:strVal val="visible"/>
-                                      </p:to>
-                                    </p:set>
-                                  </p:childTnLst>
-                                </p:cTn>
-                              </p:par>
-                            </p:childTnLst>
-                          </p:cTn>
-                        </p:par>
-                      </p:childTnLst>
-                    </p:cTn>
-                  </p:par>
-                  <p:par>
-                    <p:cTn id="7" fill="hold">
-                      <p:stCondLst>
-                        <p:cond delay="indefinite"/>
-                      </p:stCondLst>
-                      <p:childTnLst>
-                        <p:par>
-                          <p:cTn id="8" fill="hold">
-                            <p:stCondLst>
-                              <p:cond delay="0"/>
-                            </p:stCondLst>
-                            <p:childTnLst>
-                              <p:par>
-                                <p:cTn id="9" presetID="1" presetClass="entr" presetSubtype="0" fill="hold" grpId="0" nodeType="clickEffect">
-                                  <p:stCondLst>
-                                    <p:cond delay="0"/>
-                                  </p:stCondLst>
-                                  <p:childTnLst>
-                                    <p:set>
-                                      <p:cBhvr>
-                                        <p:cTn id="10" dur="1" fill="hold">
-                                          <p:stCondLst>
-                                            <p:cond delay="0"/>
-                                          </p:stCondLst>
-                                        </p:cTn>
-                                        <p:tgtEl>
-                                          <p:spTgt spid="7"/>
-                                        </p:tgtEl>
-                                        <p:attrNameLst>
-                                          <p:attrName>style.visibility</p:attrName>
-                                        </p:attrNameLst>
-                                      </p:cBhvr>
-                                      <p:to>
-                                        <p:strVal val="visible"/>
-                                      </p:to>
-                                    </p:set>
-                                  </p:childTnLst>
-                                </p:cTn>
-                              </p:par>
-                            </p:childTnLst>
-                          </p:cTn>
-                        </p:par>
-                      </p:childTnLst>
-                    </p:cTn>
-                  </p:par>
-                </p:childTnLst>
-              </p:cTn>
-              <p:prevCondLst>
-                <p:cond evt="onPrev" delay="0">
-                  <p:tgtEl>
-                    <p:sldTgt/>
-                  </p:tgtEl>
-                </p:cond>
-              </p:prevCondLst>
-              <p:nextCondLst>
-                <p:cond evt="onNext" delay="0">
-                  <p:tgtEl>
-                    <p:sldTgt/>
-                  </p:tgtEl>
-                </p:cond>
-              </p:nextCondLst>
-            </p:seq>
-          </p:childTnLst>
-        </p:cTn>
+        <p:cTn xmlns:p14="http://schemas.microsoft.com/office/powerpoint/2010/main" id="1" dur="indefinite" restart="never" nodeType="tmRoot"/>
       </p:par>
     </p:tnLst>
-    <p:bldLst>
-      <p:bldP spid="5" grpId="0" animBg="1"/>
-      <p:bldP spid="7" grpId="0" animBg="1"/>
-    </p:bldLst>
   </p:timing>
 </p:sld>
 </file>

--- a/Exceptional Exceptions.pptx
+++ b/Exceptional Exceptions.pptx
@@ -8,45 +8,46 @@
     <p:sldId id="256" r:id="rId2"/>
     <p:sldId id="266" r:id="rId3"/>
     <p:sldId id="302" r:id="rId4"/>
-    <p:sldId id="281" r:id="rId5"/>
-    <p:sldId id="257" r:id="rId6"/>
-    <p:sldId id="258" r:id="rId7"/>
-    <p:sldId id="259" r:id="rId8"/>
-    <p:sldId id="260" r:id="rId9"/>
-    <p:sldId id="282" r:id="rId10"/>
-    <p:sldId id="268" r:id="rId11"/>
-    <p:sldId id="269" r:id="rId12"/>
-    <p:sldId id="270" r:id="rId13"/>
-    <p:sldId id="263" r:id="rId14"/>
-    <p:sldId id="271" r:id="rId15"/>
-    <p:sldId id="283" r:id="rId16"/>
-    <p:sldId id="272" r:id="rId17"/>
-    <p:sldId id="273" r:id="rId18"/>
-    <p:sldId id="275" r:id="rId19"/>
-    <p:sldId id="276" r:id="rId20"/>
-    <p:sldId id="284" r:id="rId21"/>
-    <p:sldId id="277" r:id="rId22"/>
-    <p:sldId id="278" r:id="rId23"/>
-    <p:sldId id="301" r:id="rId24"/>
-    <p:sldId id="279" r:id="rId25"/>
-    <p:sldId id="264" r:id="rId26"/>
-    <p:sldId id="285" r:id="rId27"/>
-    <p:sldId id="289" r:id="rId28"/>
-    <p:sldId id="287" r:id="rId29"/>
-    <p:sldId id="290" r:id="rId30"/>
-    <p:sldId id="280" r:id="rId31"/>
-    <p:sldId id="292" r:id="rId32"/>
-    <p:sldId id="293" r:id="rId33"/>
-    <p:sldId id="294" r:id="rId34"/>
-    <p:sldId id="295" r:id="rId35"/>
-    <p:sldId id="296" r:id="rId36"/>
-    <p:sldId id="291" r:id="rId37"/>
-    <p:sldId id="297" r:id="rId38"/>
-    <p:sldId id="299" r:id="rId39"/>
-    <p:sldId id="300" r:id="rId40"/>
-    <p:sldId id="298" r:id="rId41"/>
-    <p:sldId id="262" r:id="rId42"/>
-    <p:sldId id="265" r:id="rId43"/>
+    <p:sldId id="303" r:id="rId5"/>
+    <p:sldId id="281" r:id="rId6"/>
+    <p:sldId id="257" r:id="rId7"/>
+    <p:sldId id="258" r:id="rId8"/>
+    <p:sldId id="259" r:id="rId9"/>
+    <p:sldId id="260" r:id="rId10"/>
+    <p:sldId id="282" r:id="rId11"/>
+    <p:sldId id="268" r:id="rId12"/>
+    <p:sldId id="269" r:id="rId13"/>
+    <p:sldId id="270" r:id="rId14"/>
+    <p:sldId id="263" r:id="rId15"/>
+    <p:sldId id="271" r:id="rId16"/>
+    <p:sldId id="283" r:id="rId17"/>
+    <p:sldId id="272" r:id="rId18"/>
+    <p:sldId id="304" r:id="rId19"/>
+    <p:sldId id="275" r:id="rId20"/>
+    <p:sldId id="276" r:id="rId21"/>
+    <p:sldId id="284" r:id="rId22"/>
+    <p:sldId id="277" r:id="rId23"/>
+    <p:sldId id="278" r:id="rId24"/>
+    <p:sldId id="301" r:id="rId25"/>
+    <p:sldId id="279" r:id="rId26"/>
+    <p:sldId id="264" r:id="rId27"/>
+    <p:sldId id="285" r:id="rId28"/>
+    <p:sldId id="289" r:id="rId29"/>
+    <p:sldId id="287" r:id="rId30"/>
+    <p:sldId id="290" r:id="rId31"/>
+    <p:sldId id="280" r:id="rId32"/>
+    <p:sldId id="292" r:id="rId33"/>
+    <p:sldId id="293" r:id="rId34"/>
+    <p:sldId id="294" r:id="rId35"/>
+    <p:sldId id="295" r:id="rId36"/>
+    <p:sldId id="296" r:id="rId37"/>
+    <p:sldId id="291" r:id="rId38"/>
+    <p:sldId id="297" r:id="rId39"/>
+    <p:sldId id="299" r:id="rId40"/>
+    <p:sldId id="300" r:id="rId41"/>
+    <p:sldId id="298" r:id="rId42"/>
+    <p:sldId id="262" r:id="rId43"/>
+    <p:sldId id="265" r:id="rId44"/>
   </p:sldIdLst>
   <p:sldSz cx="12192000" cy="6858000"/>
   <p:notesSz cx="6858000" cy="9144000"/>
@@ -147,7 +148,7 @@
   </p:defaultTextStyle>
   <p:extLst>
     <p:ext uri="{EFAFB233-063F-42B5-8137-9DF3F51BA10A}">
-      <p15:sldGuideLst xmlns:p15="http://schemas.microsoft.com/office/powerpoint/2012/main" xmlns="">
+      <p15:sldGuideLst xmlns:p15="http://schemas.microsoft.com/office/powerpoint/2012/main">
         <p15:guide id="1" orient="horz" pos="2160">
           <p15:clr>
             <a:srgbClr val="A4A3A4"/>
@@ -390,7 +391,7 @@
           <a:p>
             <a:fld id="{96DFF08F-DC6B-4601-B491-B0F83F6DD2DA}" type="datetimeFigureOut">
               <a:rPr lang="en-US" dirty="0"/>
-              <a:t>6/29/14</a:t>
+              <a:t>7/12/2014</a:t>
             </a:fld>
             <a:endParaRPr lang="en-US" dirty="0"/>
           </a:p>
@@ -593,7 +594,7 @@
           <a:p>
             <a:fld id="{96DFF08F-DC6B-4601-B491-B0F83F6DD2DA}" type="datetimeFigureOut">
               <a:rPr lang="en-US" dirty="0"/>
-              <a:t>6/29/14</a:t>
+              <a:t>7/12/2014</a:t>
             </a:fld>
             <a:endParaRPr lang="en-US" dirty="0"/>
           </a:p>
@@ -844,7 +845,7 @@
           <a:p>
             <a:fld id="{96DFF08F-DC6B-4601-B491-B0F83F6DD2DA}" type="datetimeFigureOut">
               <a:rPr lang="en-US" dirty="0"/>
-              <a:t>6/29/14</a:t>
+              <a:t>7/12/2014</a:t>
             </a:fld>
             <a:endParaRPr lang="en-US" dirty="0"/>
           </a:p>
@@ -930,7 +931,7 @@
   <p:timing>
     <p:tnLst>
       <p:par>
-        <p:cTn xmlns:p14="http://schemas.microsoft.com/office/powerpoint/2010/main" id="1" dur="indefinite" restart="never" nodeType="tmRoot"/>
+        <p:cTn id="1" dur="indefinite" restart="never" nodeType="tmRoot"/>
       </p:par>
     </p:tnLst>
   </p:timing>
@@ -1046,7 +1047,7 @@
           <a:p>
             <a:fld id="{D62CEF3B-A037-46D0-B02C-1428F07E9383}" type="datetimeFigureOut">
               <a:rPr lang="en-US" dirty="0"/>
-              <a:t>6/29/14</a:t>
+              <a:t>7/12/2014</a:t>
             </a:fld>
             <a:endParaRPr lang="en-US" dirty="0"/>
           </a:p>
@@ -1384,7 +1385,7 @@
           <a:p>
             <a:fld id="{96DFF08F-DC6B-4601-B491-B0F83F6DD2DA}" type="datetimeFigureOut">
               <a:rPr lang="en-US" dirty="0"/>
-              <a:t>6/29/14</a:t>
+              <a:t>7/12/2014</a:t>
             </a:fld>
             <a:endParaRPr lang="en-US" dirty="0"/>
           </a:p>
@@ -1654,7 +1655,7 @@
           <a:p>
             <a:fld id="{96DFF08F-DC6B-4601-B491-B0F83F6DD2DA}" type="datetimeFigureOut">
               <a:rPr lang="en-US" dirty="0"/>
-              <a:t>6/29/14</a:t>
+              <a:t>7/12/2014</a:t>
             </a:fld>
             <a:endParaRPr lang="en-US" dirty="0"/>
           </a:p>
@@ -2028,7 +2029,7 @@
           <a:p>
             <a:fld id="{96DFF08F-DC6B-4601-B491-B0F83F6DD2DA}" type="datetimeFigureOut">
               <a:rPr lang="en-US" dirty="0"/>
-              <a:t>6/29/14</a:t>
+              <a:t>7/12/2014</a:t>
             </a:fld>
             <a:endParaRPr lang="en-US" dirty="0"/>
           </a:p>
@@ -2141,7 +2142,7 @@
           <a:p>
             <a:fld id="{96DFF08F-DC6B-4601-B491-B0F83F6DD2DA}" type="datetimeFigureOut">
               <a:rPr lang="en-US" dirty="0"/>
-              <a:t>6/29/14</a:t>
+              <a:t>7/12/2014</a:t>
             </a:fld>
             <a:endParaRPr lang="en-US" dirty="0"/>
           </a:p>
@@ -2308,7 +2309,7 @@
             <a:fld id="{96DFF08F-DC6B-4601-B491-B0F83F6DD2DA}" type="datetimeFigureOut">
               <a:rPr lang="en-US" dirty="0"/>
               <a:pPr/>
-              <a:t>6/29/14</a:t>
+              <a:t>7/12/2014</a:t>
             </a:fld>
             <a:endParaRPr lang="en-US" dirty="0"/>
           </a:p>
@@ -2659,7 +2660,7 @@
             <a:fld id="{96DFF08F-DC6B-4601-B491-B0F83F6DD2DA}" type="datetimeFigureOut">
               <a:rPr lang="en-US" dirty="0"/>
               <a:pPr/>
-              <a:t>6/29/14</a:t>
+              <a:t>7/12/2014</a:t>
             </a:fld>
             <a:endParaRPr lang="en-US" dirty="0"/>
           </a:p>
@@ -3032,7 +3033,7 @@
           <a:p>
             <a:fld id="{96DFF08F-DC6B-4601-B491-B0F83F6DD2DA}" type="datetimeFigureOut">
               <a:rPr lang="en-US" dirty="0"/>
-              <a:t>6/29/14</a:t>
+              <a:t>7/12/2014</a:t>
             </a:fld>
             <a:endParaRPr lang="en-US" dirty="0"/>
           </a:p>
@@ -3315,7 +3316,7 @@
             <a:fld id="{96DFF08F-DC6B-4601-B491-B0F83F6DD2DA}" type="datetimeFigureOut">
               <a:rPr lang="en-US" dirty="0"/>
               <a:pPr/>
-              <a:t>6/29/14</a:t>
+              <a:t>7/12/2014</a:t>
             </a:fld>
             <a:endParaRPr lang="en-US" dirty="0"/>
           </a:p>
@@ -3915,7 +3916,7 @@
   <p:timing>
     <p:tnLst>
       <p:par>
-        <p:cTn xmlns:p14="http://schemas.microsoft.com/office/powerpoint/2010/main" id="1" dur="indefinite" restart="never" nodeType="tmRoot"/>
+        <p:cTn id="1" dur="indefinite" restart="never" nodeType="tmRoot"/>
       </p:par>
     </p:tnLst>
   </p:timing>
@@ -3923,6 +3924,93 @@
 </file>
 
 <file path=ppt/slides/slide10.xml><?xml version="1.0" encoding="utf-8"?>
+<p:sld xmlns:a="http://schemas.openxmlformats.org/drawingml/2006/main" xmlns:r="http://schemas.openxmlformats.org/officeDocument/2006/relationships" xmlns:p="http://schemas.openxmlformats.org/presentationml/2006/main">
+  <p:cSld>
+    <p:spTree>
+      <p:nvGrpSpPr>
+        <p:cNvPr id="1" name=""/>
+        <p:cNvGrpSpPr/>
+        <p:nvPr/>
+      </p:nvGrpSpPr>
+      <p:grpSpPr>
+        <a:xfrm>
+          <a:off x="0" y="0"/>
+          <a:ext cx="0" cy="0"/>
+          <a:chOff x="0" y="0"/>
+          <a:chExt cx="0" cy="0"/>
+        </a:xfrm>
+      </p:grpSpPr>
+      <p:sp>
+        <p:nvSpPr>
+          <p:cNvPr id="2" name="Title 1"/>
+          <p:cNvSpPr>
+            <a:spLocks noGrp="1"/>
+          </p:cNvSpPr>
+          <p:nvPr>
+            <p:ph type="ctrTitle"/>
+          </p:nvPr>
+        </p:nvSpPr>
+        <p:spPr/>
+        <p:txBody>
+          <a:bodyPr/>
+          <a:lstStyle/>
+          <a:p>
+            <a:r>
+              <a:rPr lang="en-US" dirty="0" smtClean="0"/>
+              <a:t>A </a:t>
+            </a:r>
+            <a:r>
+              <a:rPr lang="en-US" dirty="0" err="1" smtClean="0"/>
+              <a:t>heapful</a:t>
+            </a:r>
+            <a:r>
+              <a:rPr lang="en-US" dirty="0" smtClean="0"/>
+              <a:t> of rectangles</a:t>
+            </a:r>
+            <a:endParaRPr lang="en-US" dirty="0"/>
+          </a:p>
+        </p:txBody>
+      </p:sp>
+      <p:sp>
+        <p:nvSpPr>
+          <p:cNvPr id="3" name="Subtitle 2"/>
+          <p:cNvSpPr>
+            <a:spLocks noGrp="1"/>
+          </p:cNvSpPr>
+          <p:nvPr>
+            <p:ph type="subTitle" idx="1"/>
+          </p:nvPr>
+        </p:nvSpPr>
+        <p:spPr/>
+        <p:txBody>
+          <a:bodyPr/>
+          <a:lstStyle/>
+          <a:p>
+            <a:endParaRPr lang="en-US" dirty="0"/>
+          </a:p>
+        </p:txBody>
+      </p:sp>
+    </p:spTree>
+    <p:extLst>
+      <p:ext uri="{BB962C8B-B14F-4D97-AF65-F5344CB8AC3E}">
+        <p14:creationId xmlns:p14="http://schemas.microsoft.com/office/powerpoint/2010/main" val="183581538"/>
+      </p:ext>
+    </p:extLst>
+  </p:cSld>
+  <p:clrMapOvr>
+    <a:masterClrMapping/>
+  </p:clrMapOvr>
+  <p:timing>
+    <p:tnLst>
+      <p:par>
+        <p:cTn id="1" dur="indefinite" restart="never" nodeType="tmRoot"/>
+      </p:par>
+    </p:tnLst>
+  </p:timing>
+</p:sld>
+</file>
+
+<file path=ppt/slides/slide11.xml><?xml version="1.0" encoding="utf-8"?>
 <p:sld xmlns:a="http://schemas.openxmlformats.org/drawingml/2006/main" xmlns:r="http://schemas.openxmlformats.org/officeDocument/2006/relationships" xmlns:p="http://schemas.openxmlformats.org/presentationml/2006/main">
   <p:cSld>
     <p:spTree>
@@ -5438,7 +5526,7 @@
   <p:timing>
     <p:tnLst>
       <p:par>
-        <p:cTn xmlns:p14="http://schemas.microsoft.com/office/powerpoint/2010/main" id="1" dur="indefinite" restart="never" nodeType="tmRoot">
+        <p:cTn id="1" dur="indefinite" restart="never" nodeType="tmRoot">
           <p:childTnLst>
             <p:seq concurrent="1" nextAc="seek">
               <p:cTn id="2" dur="indefinite" nodeType="mainSeq">
@@ -5562,7 +5650,7 @@
 </p:sld>
 </file>
 
-<file path=ppt/slides/slide11.xml><?xml version="1.0" encoding="utf-8"?>
+<file path=ppt/slides/slide12.xml><?xml version="1.0" encoding="utf-8"?>
 <p:sld xmlns:a="http://schemas.openxmlformats.org/drawingml/2006/main" xmlns:r="http://schemas.openxmlformats.org/officeDocument/2006/relationships" xmlns:p="http://schemas.openxmlformats.org/presentationml/2006/main">
   <p:cSld>
     <p:spTree>
@@ -5579,93 +5667,6 @@
           <a:chExt cx="0" cy="0"/>
         </a:xfrm>
       </p:grpSpPr>
-      <p:sp>
-        <p:nvSpPr>
-          <p:cNvPr id="7" name="TextBox 6"/>
-          <p:cNvSpPr txBox="1"/>
-          <p:nvPr/>
-        </p:nvSpPr>
-        <p:spPr>
-          <a:xfrm>
-            <a:off x="537668" y="2168939"/>
-            <a:ext cx="10973260" cy="1938992"/>
-          </a:xfrm>
-          <a:prstGeom prst="rect">
-            <a:avLst/>
-          </a:prstGeom>
-          <a:noFill/>
-          <a:ln>
-            <a:solidFill>
-              <a:schemeClr val="accent1"/>
-            </a:solidFill>
-          </a:ln>
-        </p:spPr>
-        <p:txBody>
-          <a:bodyPr wrap="none" rtlCol="0">
-            <a:spAutoFit/>
-          </a:bodyPr>
-          <a:lstStyle/>
-          <a:p>
-            <a:r>
-              <a:rPr lang="en-US" sz="2400" dirty="0" smtClean="0"/>
-              <a:t>Which error message would you prefer?</a:t>
-            </a:r>
-          </a:p>
-          <a:p>
-            <a:r>
-              <a:rPr lang="en-US" sz="2400" b="1" dirty="0" smtClean="0">
-                <a:solidFill>
-                  <a:srgbClr val="FF0000"/>
-                </a:solidFill>
-              </a:rPr>
-              <a:t>A) </a:t>
-            </a:r>
-            <a:r>
-              <a:rPr lang="en-US" sz="2400" dirty="0" smtClean="0"/>
-              <a:t>Out of Memory </a:t>
-            </a:r>
-          </a:p>
-          <a:p>
-            <a:r>
-              <a:rPr lang="en-US" sz="2400" b="1" dirty="0" smtClean="0">
-                <a:solidFill>
-                  <a:srgbClr val="FFC000"/>
-                </a:solidFill>
-              </a:rPr>
-              <a:t>B) </a:t>
-            </a:r>
-            <a:r>
-              <a:rPr lang="en-US" sz="2400" dirty="0" smtClean="0"/>
-              <a:t>Rectangle </a:t>
-            </a:r>
-            <a:r>
-              <a:rPr lang="en-US" sz="2400" dirty="0"/>
-              <a:t>'{X=0,Y=0,Width=189,Height=0}' cannot have a width or height equal to </a:t>
-            </a:r>
-            <a:r>
-              <a:rPr lang="en-US" sz="2400" dirty="0" smtClean="0"/>
-              <a:t>0.</a:t>
-            </a:r>
-          </a:p>
-          <a:p>
-            <a:r>
-              <a:rPr lang="en-US" sz="2400" b="1" dirty="0" smtClean="0">
-                <a:solidFill>
-                  <a:srgbClr val="00B050"/>
-                </a:solidFill>
-              </a:rPr>
-              <a:t>D) </a:t>
-            </a:r>
-            <a:r>
-              <a:rPr lang="en-US" sz="2400" dirty="0" smtClean="0"/>
-              <a:t>Other</a:t>
-            </a:r>
-          </a:p>
-          <a:p>
-            <a:endParaRPr lang="en-US" sz="2400" dirty="0"/>
-          </a:p>
-        </p:txBody>
-      </p:sp>
       <p:sp>
         <p:nvSpPr>
           <p:cNvPr id="2" name="Rectangle 1"/>
@@ -6092,6 +6093,693 @@
           </a:p>
         </p:txBody>
       </p:sp>
+      <p:grpSp>
+        <p:nvGrpSpPr>
+          <p:cNvPr id="4" name="Group 3"/>
+          <p:cNvGrpSpPr/>
+          <p:nvPr/>
+        </p:nvGrpSpPr>
+        <p:grpSpPr>
+          <a:xfrm>
+            <a:off x="785221" y="1167800"/>
+            <a:ext cx="10714932" cy="1224338"/>
+            <a:chOff x="296995" y="1247012"/>
+            <a:chExt cx="10714932" cy="1224338"/>
+          </a:xfrm>
+        </p:grpSpPr>
+        <p:grpSp>
+          <p:nvGrpSpPr>
+            <p:cNvPr id="5" name="Group 4"/>
+            <p:cNvGrpSpPr/>
+            <p:nvPr/>
+          </p:nvGrpSpPr>
+          <p:grpSpPr>
+            <a:xfrm>
+              <a:off x="296995" y="1247013"/>
+              <a:ext cx="10714932" cy="1224337"/>
+              <a:chOff x="296995" y="1247013"/>
+              <a:chExt cx="10714932" cy="1224337"/>
+            </a:xfrm>
+          </p:grpSpPr>
+          <p:sp>
+            <p:nvSpPr>
+              <p:cNvPr id="8" name="Rectangle 7"/>
+              <p:cNvSpPr/>
+              <p:nvPr/>
+            </p:nvSpPr>
+            <p:spPr>
+              <a:xfrm>
+                <a:off x="296995" y="1247013"/>
+                <a:ext cx="10714932" cy="1224337"/>
+              </a:xfrm>
+              <a:prstGeom prst="rect">
+                <a:avLst/>
+              </a:prstGeom>
+              <a:solidFill>
+                <a:schemeClr val="bg1">
+                  <a:lumMod val="50000"/>
+                  <a:alpha val="25000"/>
+                </a:schemeClr>
+              </a:solidFill>
+              <a:ln>
+                <a:noFill/>
+              </a:ln>
+            </p:spPr>
+            <p:style>
+              <a:lnRef idx="2">
+                <a:schemeClr val="accent1">
+                  <a:shade val="50000"/>
+                </a:schemeClr>
+              </a:lnRef>
+              <a:fillRef idx="1">
+                <a:schemeClr val="accent1"/>
+              </a:fillRef>
+              <a:effectRef idx="0">
+                <a:schemeClr val="accent1"/>
+              </a:effectRef>
+              <a:fontRef idx="minor">
+                <a:schemeClr val="lt1"/>
+              </a:fontRef>
+            </p:style>
+            <p:txBody>
+              <a:bodyPr rtlCol="0" anchor="ctr"/>
+              <a:lstStyle/>
+              <a:p>
+                <a:pPr algn="ctr"/>
+                <a:endParaRPr lang="en-US"/>
+              </a:p>
+            </p:txBody>
+          </p:sp>
+          <p:cxnSp>
+            <p:nvCxnSpPr>
+              <p:cNvPr id="9" name="Straight Connector 8"/>
+              <p:cNvCxnSpPr/>
+              <p:nvPr/>
+            </p:nvCxnSpPr>
+            <p:spPr>
+              <a:xfrm>
+                <a:off x="296995" y="1247014"/>
+                <a:ext cx="10714932" cy="1216268"/>
+              </a:xfrm>
+              <a:prstGeom prst="line">
+                <a:avLst/>
+              </a:prstGeom>
+              <a:ln w="19050">
+                <a:solidFill>
+                  <a:srgbClr val="A50021"/>
+                </a:solidFill>
+              </a:ln>
+            </p:spPr>
+            <p:style>
+              <a:lnRef idx="1">
+                <a:schemeClr val="accent1"/>
+              </a:lnRef>
+              <a:fillRef idx="0">
+                <a:schemeClr val="accent1"/>
+              </a:fillRef>
+              <a:effectRef idx="0">
+                <a:schemeClr val="accent1"/>
+              </a:effectRef>
+              <a:fontRef idx="minor">
+                <a:schemeClr val="tx1"/>
+              </a:fontRef>
+            </p:style>
+          </p:cxnSp>
+        </p:grpSp>
+        <p:cxnSp>
+          <p:nvCxnSpPr>
+            <p:cNvPr id="6" name="Straight Connector 5"/>
+            <p:cNvCxnSpPr/>
+            <p:nvPr/>
+          </p:nvCxnSpPr>
+          <p:spPr>
+            <a:xfrm flipV="1">
+              <a:off x="296995" y="1247012"/>
+              <a:ext cx="10714932" cy="1216270"/>
+            </a:xfrm>
+            <a:prstGeom prst="line">
+              <a:avLst/>
+            </a:prstGeom>
+            <a:ln w="19050">
+              <a:solidFill>
+                <a:srgbClr val="A50021"/>
+              </a:solidFill>
+            </a:ln>
+          </p:spPr>
+          <p:style>
+            <a:lnRef idx="1">
+              <a:schemeClr val="accent1"/>
+            </a:lnRef>
+            <a:fillRef idx="0">
+              <a:schemeClr val="accent1"/>
+            </a:fillRef>
+            <a:effectRef idx="0">
+              <a:schemeClr val="accent1"/>
+            </a:effectRef>
+            <a:fontRef idx="minor">
+              <a:schemeClr val="tx1"/>
+            </a:fontRef>
+          </p:style>
+        </p:cxnSp>
+      </p:grpSp>
+      <p:sp>
+        <p:nvSpPr>
+          <p:cNvPr id="10" name="TextBox 9"/>
+          <p:cNvSpPr txBox="1"/>
+          <p:nvPr/>
+        </p:nvSpPr>
+        <p:spPr>
+          <a:xfrm>
+            <a:off x="341365" y="3144026"/>
+            <a:ext cx="11455219" cy="461665"/>
+          </a:xfrm>
+          <a:prstGeom prst="rect">
+            <a:avLst/>
+          </a:prstGeom>
+          <a:noFill/>
+          <a:ln>
+            <a:noFill/>
+          </a:ln>
+        </p:spPr>
+        <p:txBody>
+          <a:bodyPr wrap="square" rtlCol="0">
+            <a:spAutoFit/>
+          </a:bodyPr>
+          <a:lstStyle/>
+          <a:p>
+            <a:pPr algn="ctr"/>
+            <a:r>
+              <a:rPr lang="en-US" sz="2400" dirty="0"/>
+              <a:t>Rectangle '{X=0,Y=0,Width=189,Height=0}' cannot have a width or height equal to 0.</a:t>
+            </a:r>
+          </a:p>
+        </p:txBody>
+      </p:sp>
+      <p:sp>
+        <p:nvSpPr>
+          <p:cNvPr id="11" name="TextBox 10"/>
+          <p:cNvSpPr txBox="1"/>
+          <p:nvPr/>
+        </p:nvSpPr>
+        <p:spPr>
+          <a:xfrm>
+            <a:off x="2680836" y="3769419"/>
+            <a:ext cx="11768257" cy="1477328"/>
+          </a:xfrm>
+          <a:prstGeom prst="rect">
+            <a:avLst/>
+          </a:prstGeom>
+          <a:noFill/>
+        </p:spPr>
+        <p:txBody>
+          <a:bodyPr wrap="square" rtlCol="0">
+            <a:spAutoFit/>
+          </a:bodyPr>
+          <a:lstStyle/>
+          <a:p>
+            <a:r>
+              <a:rPr lang="en-US" dirty="0">
+                <a:solidFill>
+                  <a:srgbClr val="0000FF"/>
+                </a:solidFill>
+                <a:highlight>
+                  <a:srgbClr val="FFFFFF"/>
+                </a:highlight>
+                <a:latin typeface="Consolas" panose="020B0609020204030204" pitchFamily="49" charset="0"/>
+              </a:rPr>
+              <a:t>throw</a:t>
+            </a:r>
+            <a:r>
+              <a:rPr lang="en-US" dirty="0">
+                <a:solidFill>
+                  <a:srgbClr val="000000"/>
+                </a:solidFill>
+                <a:highlight>
+                  <a:srgbClr val="FFFFFF"/>
+                </a:highlight>
+                <a:latin typeface="Consolas" panose="020B0609020204030204" pitchFamily="49" charset="0"/>
+              </a:rPr>
+              <a:t> </a:t>
+            </a:r>
+            <a:r>
+              <a:rPr lang="en-US" dirty="0">
+                <a:solidFill>
+                  <a:srgbClr val="0000FF"/>
+                </a:solidFill>
+                <a:highlight>
+                  <a:srgbClr val="FFFFFF"/>
+                </a:highlight>
+                <a:latin typeface="Consolas" panose="020B0609020204030204" pitchFamily="49" charset="0"/>
+              </a:rPr>
+              <a:t>new</a:t>
+            </a:r>
+            <a:r>
+              <a:rPr lang="en-US" dirty="0">
+                <a:solidFill>
+                  <a:srgbClr val="000000"/>
+                </a:solidFill>
+                <a:highlight>
+                  <a:srgbClr val="FFFFFF"/>
+                </a:highlight>
+                <a:latin typeface="Consolas" panose="020B0609020204030204" pitchFamily="49" charset="0"/>
+              </a:rPr>
+              <a:t> </a:t>
+            </a:r>
+            <a:r>
+              <a:rPr lang="en-US" dirty="0" err="1">
+                <a:solidFill>
+                  <a:srgbClr val="2B91AF"/>
+                </a:solidFill>
+                <a:highlight>
+                  <a:srgbClr val="FFFFFF"/>
+                </a:highlight>
+                <a:latin typeface="Consolas" panose="020B0609020204030204" pitchFamily="49" charset="0"/>
+              </a:rPr>
+              <a:t>ArgumentException</a:t>
+            </a:r>
+            <a:r>
+              <a:rPr lang="en-US" dirty="0" smtClean="0">
+                <a:solidFill>
+                  <a:srgbClr val="000000"/>
+                </a:solidFill>
+                <a:highlight>
+                  <a:srgbClr val="FFFFFF"/>
+                </a:highlight>
+                <a:latin typeface="Consolas" panose="020B0609020204030204" pitchFamily="49" charset="0"/>
+              </a:rPr>
+              <a:t>(</a:t>
+            </a:r>
+          </a:p>
+          <a:p>
+            <a:r>
+              <a:rPr lang="en-US" dirty="0">
+                <a:solidFill>
+                  <a:srgbClr val="000000"/>
+                </a:solidFill>
+                <a:highlight>
+                  <a:srgbClr val="FFFFFF"/>
+                </a:highlight>
+                <a:latin typeface="Consolas" panose="020B0609020204030204" pitchFamily="49" charset="0"/>
+              </a:rPr>
+              <a:t> </a:t>
+            </a:r>
+            <a:r>
+              <a:rPr lang="en-US" dirty="0" smtClean="0">
+                <a:solidFill>
+                  <a:srgbClr val="000000"/>
+                </a:solidFill>
+                <a:highlight>
+                  <a:srgbClr val="FFFFFF"/>
+                </a:highlight>
+                <a:latin typeface="Consolas" panose="020B0609020204030204" pitchFamily="49" charset="0"/>
+              </a:rPr>
+              <a:t> </a:t>
+            </a:r>
+            <a:r>
+              <a:rPr lang="en-US" dirty="0" smtClean="0">
+                <a:solidFill>
+                  <a:srgbClr val="A31515"/>
+                </a:solidFill>
+                <a:highlight>
+                  <a:srgbClr val="FFFFFF"/>
+                </a:highlight>
+                <a:latin typeface="Consolas" panose="020B0609020204030204" pitchFamily="49" charset="0"/>
+              </a:rPr>
+              <a:t>@"</a:t>
+            </a:r>
+            <a:r>
+              <a:rPr lang="en-US" dirty="0">
+                <a:solidFill>
+                  <a:srgbClr val="A31515"/>
+                </a:solidFill>
+                <a:highlight>
+                  <a:srgbClr val="FFFFFF"/>
+                </a:highlight>
+                <a:latin typeface="Consolas" panose="020B0609020204030204" pitchFamily="49" charset="0"/>
+              </a:rPr>
+              <a:t>Rectangle ‘{{X={0},Y={1},Width={2},Height={3</a:t>
+            </a:r>
+            <a:r>
+              <a:rPr lang="en-US" dirty="0" smtClean="0">
+                <a:solidFill>
+                  <a:srgbClr val="A31515"/>
+                </a:solidFill>
+                <a:highlight>
+                  <a:srgbClr val="FFFFFF"/>
+                </a:highlight>
+                <a:latin typeface="Consolas" panose="020B0609020204030204" pitchFamily="49" charset="0"/>
+              </a:rPr>
+              <a:t>}}}'</a:t>
+            </a:r>
+            <a:endParaRPr lang="en-US" dirty="0" smtClean="0">
+              <a:solidFill>
+                <a:srgbClr val="000000"/>
+              </a:solidFill>
+              <a:highlight>
+                <a:srgbClr val="FFFFFF"/>
+              </a:highlight>
+              <a:latin typeface="Consolas" panose="020B0609020204030204" pitchFamily="49" charset="0"/>
+            </a:endParaRPr>
+          </a:p>
+          <a:p>
+            <a:r>
+              <a:rPr lang="en-US" dirty="0" smtClean="0">
+                <a:solidFill>
+                  <a:srgbClr val="A31515"/>
+                </a:solidFill>
+                <a:highlight>
+                  <a:srgbClr val="FFFFFF"/>
+                </a:highlight>
+                <a:latin typeface="Consolas" panose="020B0609020204030204" pitchFamily="49" charset="0"/>
+              </a:rPr>
+              <a:t>  cannot have a width or height equal to 0."</a:t>
+            </a:r>
+            <a:r>
+              <a:rPr lang="en-US" dirty="0" smtClean="0">
+                <a:solidFill>
+                  <a:srgbClr val="000000"/>
+                </a:solidFill>
+                <a:highlight>
+                  <a:srgbClr val="FFFFFF"/>
+                </a:highlight>
+                <a:latin typeface="Consolas" panose="020B0609020204030204" pitchFamily="49" charset="0"/>
+              </a:rPr>
+              <a:t>, </a:t>
+            </a:r>
+          </a:p>
+          <a:p>
+            <a:r>
+              <a:rPr lang="en-US" dirty="0" smtClean="0">
+                <a:solidFill>
+                  <a:srgbClr val="000000"/>
+                </a:solidFill>
+                <a:highlight>
+                  <a:srgbClr val="FFFFFF"/>
+                </a:highlight>
+                <a:latin typeface="Consolas" panose="020B0609020204030204" pitchFamily="49" charset="0"/>
+              </a:rPr>
+              <a:t>  </a:t>
+            </a:r>
+            <a:r>
+              <a:rPr lang="en-US" dirty="0" err="1" smtClean="0">
+                <a:solidFill>
+                  <a:srgbClr val="000000"/>
+                </a:solidFill>
+                <a:highlight>
+                  <a:srgbClr val="FFFFFF"/>
+                </a:highlight>
+                <a:latin typeface="Consolas" panose="020B0609020204030204" pitchFamily="49" charset="0"/>
+              </a:rPr>
+              <a:t>start.X</a:t>
+            </a:r>
+            <a:r>
+              <a:rPr lang="en-US" dirty="0">
+                <a:solidFill>
+                  <a:srgbClr val="000000"/>
+                </a:solidFill>
+                <a:highlight>
+                  <a:srgbClr val="FFFFFF"/>
+                </a:highlight>
+                <a:latin typeface="Consolas" panose="020B0609020204030204" pitchFamily="49" charset="0"/>
+              </a:rPr>
+              <a:t>, </a:t>
+            </a:r>
+            <a:r>
+              <a:rPr lang="en-US" dirty="0" err="1">
+                <a:solidFill>
+                  <a:srgbClr val="000000"/>
+                </a:solidFill>
+                <a:highlight>
+                  <a:srgbClr val="FFFFFF"/>
+                </a:highlight>
+                <a:latin typeface="Consolas" panose="020B0609020204030204" pitchFamily="49" charset="0"/>
+              </a:rPr>
+              <a:t>start.Y</a:t>
+            </a:r>
+            <a:r>
+              <a:rPr lang="en-US" dirty="0">
+                <a:solidFill>
+                  <a:srgbClr val="000000"/>
+                </a:solidFill>
+                <a:highlight>
+                  <a:srgbClr val="FFFFFF"/>
+                </a:highlight>
+                <a:latin typeface="Consolas" panose="020B0609020204030204" pitchFamily="49" charset="0"/>
+              </a:rPr>
+              <a:t>, </a:t>
+            </a:r>
+            <a:r>
+              <a:rPr lang="en-US" dirty="0" err="1">
+                <a:solidFill>
+                  <a:srgbClr val="000000"/>
+                </a:solidFill>
+                <a:highlight>
+                  <a:srgbClr val="FFFFFF"/>
+                </a:highlight>
+                <a:latin typeface="Consolas" panose="020B0609020204030204" pitchFamily="49" charset="0"/>
+              </a:rPr>
+              <a:t>end.X</a:t>
+            </a:r>
+            <a:r>
+              <a:rPr lang="en-US" dirty="0">
+                <a:solidFill>
+                  <a:srgbClr val="000000"/>
+                </a:solidFill>
+                <a:highlight>
+                  <a:srgbClr val="FFFFFF"/>
+                </a:highlight>
+                <a:latin typeface="Consolas" panose="020B0609020204030204" pitchFamily="49" charset="0"/>
+              </a:rPr>
+              <a:t> - </a:t>
+            </a:r>
+            <a:r>
+              <a:rPr lang="en-US" dirty="0" err="1">
+                <a:solidFill>
+                  <a:srgbClr val="000000"/>
+                </a:solidFill>
+                <a:highlight>
+                  <a:srgbClr val="FFFFFF"/>
+                </a:highlight>
+                <a:latin typeface="Consolas" panose="020B0609020204030204" pitchFamily="49" charset="0"/>
+              </a:rPr>
+              <a:t>start.X</a:t>
+            </a:r>
+            <a:r>
+              <a:rPr lang="en-US" dirty="0">
+                <a:solidFill>
+                  <a:srgbClr val="000000"/>
+                </a:solidFill>
+                <a:highlight>
+                  <a:srgbClr val="FFFFFF"/>
+                </a:highlight>
+                <a:latin typeface="Consolas" panose="020B0609020204030204" pitchFamily="49" charset="0"/>
+              </a:rPr>
+              <a:t>, </a:t>
+            </a:r>
+            <a:r>
+              <a:rPr lang="en-US" dirty="0" err="1">
+                <a:solidFill>
+                  <a:srgbClr val="000000"/>
+                </a:solidFill>
+                <a:highlight>
+                  <a:srgbClr val="FFFFFF"/>
+                </a:highlight>
+                <a:latin typeface="Consolas" panose="020B0609020204030204" pitchFamily="49" charset="0"/>
+              </a:rPr>
+              <a:t>end.Y</a:t>
+            </a:r>
+            <a:r>
+              <a:rPr lang="en-US" dirty="0">
+                <a:solidFill>
+                  <a:srgbClr val="000000"/>
+                </a:solidFill>
+                <a:highlight>
+                  <a:srgbClr val="FFFFFF"/>
+                </a:highlight>
+                <a:latin typeface="Consolas" panose="020B0609020204030204" pitchFamily="49" charset="0"/>
+              </a:rPr>
+              <a:t> - </a:t>
+            </a:r>
+            <a:r>
+              <a:rPr lang="en-US" dirty="0" err="1">
+                <a:solidFill>
+                  <a:srgbClr val="000000"/>
+                </a:solidFill>
+                <a:highlight>
+                  <a:srgbClr val="FFFFFF"/>
+                </a:highlight>
+                <a:latin typeface="Consolas" panose="020B0609020204030204" pitchFamily="49" charset="0"/>
+              </a:rPr>
+              <a:t>start.Y</a:t>
+            </a:r>
+            <a:r>
+              <a:rPr lang="en-US" dirty="0">
+                <a:solidFill>
+                  <a:srgbClr val="000000"/>
+                </a:solidFill>
+                <a:highlight>
+                  <a:srgbClr val="FFFFFF"/>
+                </a:highlight>
+                <a:latin typeface="Consolas" panose="020B0609020204030204" pitchFamily="49" charset="0"/>
+              </a:rPr>
+              <a:t>);</a:t>
+            </a:r>
+          </a:p>
+          <a:p>
+            <a:pPr algn="ctr"/>
+            <a:endParaRPr lang="en-US" dirty="0"/>
+          </a:p>
+        </p:txBody>
+      </p:sp>
+      <p:sp>
+        <p:nvSpPr>
+          <p:cNvPr id="13" name="TextBox 12"/>
+          <p:cNvSpPr txBox="1"/>
+          <p:nvPr/>
+        </p:nvSpPr>
+        <p:spPr>
+          <a:xfrm>
+            <a:off x="175915" y="1779969"/>
+            <a:ext cx="11754316" cy="461665"/>
+          </a:xfrm>
+          <a:prstGeom prst="rect">
+            <a:avLst/>
+          </a:prstGeom>
+          <a:noFill/>
+        </p:spPr>
+        <p:txBody>
+          <a:bodyPr wrap="square" rtlCol="0">
+            <a:spAutoFit/>
+          </a:bodyPr>
+          <a:lstStyle/>
+          <a:p>
+            <a:pPr algn="ctr"/>
+            <a:r>
+              <a:rPr lang="en-US" sz="2400" dirty="0">
+                <a:solidFill>
+                  <a:schemeClr val="tx1">
+                    <a:lumMod val="50000"/>
+                    <a:lumOff val="50000"/>
+                  </a:schemeClr>
+                </a:solidFill>
+              </a:rPr>
+              <a:t>t</a:t>
+            </a:r>
+            <a:r>
+              <a:rPr lang="en-US" sz="2400" dirty="0" smtClean="0">
+                <a:solidFill>
+                  <a:schemeClr val="tx1">
+                    <a:lumMod val="50000"/>
+                    <a:lumOff val="50000"/>
+                  </a:schemeClr>
+                </a:solidFill>
+              </a:rPr>
+              <a:t>hrow new </a:t>
+            </a:r>
+            <a:r>
+              <a:rPr lang="en-US" sz="2400" dirty="0" err="1" smtClean="0">
+                <a:solidFill>
+                  <a:schemeClr val="tx1">
+                    <a:lumMod val="50000"/>
+                    <a:lumOff val="50000"/>
+                  </a:schemeClr>
+                </a:solidFill>
+              </a:rPr>
+              <a:t>OutOfMemoryException</a:t>
+            </a:r>
+            <a:r>
+              <a:rPr lang="en-US" sz="2400" dirty="0" smtClean="0">
+                <a:solidFill>
+                  <a:schemeClr val="tx1">
+                    <a:lumMod val="50000"/>
+                    <a:lumOff val="50000"/>
+                  </a:schemeClr>
+                </a:solidFill>
+              </a:rPr>
+              <a:t>(“Out of </a:t>
+            </a:r>
+            <a:r>
+              <a:rPr lang="en-US" sz="2400" dirty="0" smtClean="0">
+                <a:solidFill>
+                  <a:schemeClr val="tx1">
+                    <a:lumMod val="50000"/>
+                    <a:lumOff val="50000"/>
+                  </a:schemeClr>
+                </a:solidFill>
+              </a:rPr>
+              <a:t>memory.”</a:t>
+            </a:r>
+            <a:r>
+              <a:rPr lang="en-US" sz="2400" dirty="0" smtClean="0">
+                <a:solidFill>
+                  <a:schemeClr val="tx1">
+                    <a:lumMod val="50000"/>
+                    <a:lumOff val="50000"/>
+                  </a:schemeClr>
+                </a:solidFill>
+              </a:rPr>
+              <a:t>)</a:t>
+            </a:r>
+            <a:endParaRPr lang="en-US" sz="2400" dirty="0">
+              <a:solidFill>
+                <a:schemeClr val="tx1">
+                  <a:lumMod val="50000"/>
+                  <a:lumOff val="50000"/>
+                </a:schemeClr>
+              </a:solidFill>
+            </a:endParaRPr>
+          </a:p>
+        </p:txBody>
+      </p:sp>
+      <p:sp>
+        <p:nvSpPr>
+          <p:cNvPr id="14" name="TextBox 13"/>
+          <p:cNvSpPr txBox="1"/>
+          <p:nvPr/>
+        </p:nvSpPr>
+        <p:spPr>
+          <a:xfrm>
+            <a:off x="175915" y="1305401"/>
+            <a:ext cx="11754316" cy="461665"/>
+          </a:xfrm>
+          <a:prstGeom prst="rect">
+            <a:avLst/>
+          </a:prstGeom>
+          <a:noFill/>
+          <a:ln>
+            <a:noFill/>
+          </a:ln>
+        </p:spPr>
+        <p:txBody>
+          <a:bodyPr wrap="square" rtlCol="0">
+            <a:spAutoFit/>
+          </a:bodyPr>
+          <a:lstStyle/>
+          <a:p>
+            <a:pPr algn="ctr"/>
+            <a:r>
+              <a:rPr lang="en-US" sz="2400" dirty="0" smtClean="0">
+                <a:solidFill>
+                  <a:schemeClr val="tx1">
+                    <a:lumMod val="50000"/>
+                    <a:lumOff val="50000"/>
+                  </a:schemeClr>
+                </a:solidFill>
+                <a:latin typeface="Consolas" panose="020B0609020204030204" pitchFamily="49" charset="0"/>
+              </a:rPr>
+              <a:t>Out of memory</a:t>
+            </a:r>
+            <a:endParaRPr lang="en-US" sz="2400" dirty="0" smtClean="0">
+              <a:solidFill>
+                <a:schemeClr val="tx1">
+                  <a:lumMod val="50000"/>
+                  <a:lumOff val="50000"/>
+                </a:schemeClr>
+              </a:solidFill>
+            </a:endParaRPr>
+          </a:p>
+        </p:txBody>
+      </p:sp>
     </p:spTree>
     <p:extLst>
       <p:ext uri="{BB962C8B-B14F-4D97-AF65-F5344CB8AC3E}">
@@ -6105,14 +6793,176 @@
   <p:timing>
     <p:tnLst>
       <p:par>
-        <p:cTn xmlns:p14="http://schemas.microsoft.com/office/powerpoint/2010/main" id="1" dur="indefinite" restart="never" nodeType="tmRoot"/>
+        <p:cTn id="1" dur="indefinite" restart="never" nodeType="tmRoot">
+          <p:childTnLst>
+            <p:seq concurrent="1" nextAc="seek">
+              <p:cTn id="2" dur="indefinite" nodeType="mainSeq">
+                <p:childTnLst>
+                  <p:par>
+                    <p:cTn id="3" fill="hold">
+                      <p:stCondLst>
+                        <p:cond delay="indefinite"/>
+                      </p:stCondLst>
+                      <p:childTnLst>
+                        <p:par>
+                          <p:cTn id="4" fill="hold">
+                            <p:stCondLst>
+                              <p:cond delay="0"/>
+                            </p:stCondLst>
+                            <p:childTnLst>
+                              <p:par>
+                                <p:cTn id="5" presetID="1" presetClass="entr" presetSubtype="0" fill="hold" nodeType="clickEffect">
+                                  <p:stCondLst>
+                                    <p:cond delay="0"/>
+                                  </p:stCondLst>
+                                  <p:childTnLst>
+                                    <p:set>
+                                      <p:cBhvr>
+                                        <p:cTn id="6" dur="1" fill="hold">
+                                          <p:stCondLst>
+                                            <p:cond delay="0"/>
+                                          </p:stCondLst>
+                                        </p:cTn>
+                                        <p:tgtEl>
+                                          <p:spTgt spid="4"/>
+                                        </p:tgtEl>
+                                        <p:attrNameLst>
+                                          <p:attrName>style.visibility</p:attrName>
+                                        </p:attrNameLst>
+                                      </p:cBhvr>
+                                      <p:to>
+                                        <p:strVal val="visible"/>
+                                      </p:to>
+                                    </p:set>
+                                  </p:childTnLst>
+                                </p:cTn>
+                              </p:par>
+                            </p:childTnLst>
+                          </p:cTn>
+                        </p:par>
+                      </p:childTnLst>
+                    </p:cTn>
+                  </p:par>
+                  <p:par>
+                    <p:cTn id="7" fill="hold">
+                      <p:stCondLst>
+                        <p:cond delay="indefinite"/>
+                      </p:stCondLst>
+                      <p:childTnLst>
+                        <p:par>
+                          <p:cTn id="8" fill="hold">
+                            <p:stCondLst>
+                              <p:cond delay="0"/>
+                            </p:stCondLst>
+                            <p:childTnLst>
+                              <p:par>
+                                <p:cTn id="9" presetID="1" presetClass="entr" presetSubtype="0" fill="hold" grpId="0" nodeType="clickEffect">
+                                  <p:stCondLst>
+                                    <p:cond delay="0"/>
+                                  </p:stCondLst>
+                                  <p:childTnLst>
+                                    <p:set>
+                                      <p:cBhvr>
+                                        <p:cTn id="10" dur="1" fill="hold">
+                                          <p:stCondLst>
+                                            <p:cond delay="0"/>
+                                          </p:stCondLst>
+                                        </p:cTn>
+                                        <p:tgtEl>
+                                          <p:spTgt spid="10"/>
+                                        </p:tgtEl>
+                                        <p:attrNameLst>
+                                          <p:attrName>style.visibility</p:attrName>
+                                        </p:attrNameLst>
+                                      </p:cBhvr>
+                                      <p:to>
+                                        <p:strVal val="visible"/>
+                                      </p:to>
+                                    </p:set>
+                                  </p:childTnLst>
+                                </p:cTn>
+                              </p:par>
+                            </p:childTnLst>
+                          </p:cTn>
+                        </p:par>
+                      </p:childTnLst>
+                    </p:cTn>
+                  </p:par>
+                  <p:par>
+                    <p:cTn id="11" fill="hold">
+                      <p:stCondLst>
+                        <p:cond delay="indefinite"/>
+                      </p:stCondLst>
+                      <p:childTnLst>
+                        <p:par>
+                          <p:cTn id="12" fill="hold">
+                            <p:stCondLst>
+                              <p:cond delay="0"/>
+                            </p:stCondLst>
+                            <p:childTnLst>
+                              <p:par>
+                                <p:cTn id="13" presetID="1" presetClass="entr" presetSubtype="0" fill="hold" grpId="0" nodeType="clickEffect">
+                                  <p:stCondLst>
+                                    <p:cond delay="0"/>
+                                  </p:stCondLst>
+                                  <p:childTnLst>
+                                    <p:set>
+                                      <p:cBhvr>
+                                        <p:cTn id="14" dur="1" fill="hold">
+                                          <p:stCondLst>
+                                            <p:cond delay="0"/>
+                                          </p:stCondLst>
+                                        </p:cTn>
+                                        <p:tgtEl>
+                                          <p:spTgt spid="11"/>
+                                        </p:tgtEl>
+                                        <p:attrNameLst>
+                                          <p:attrName>style.visibility</p:attrName>
+                                        </p:attrNameLst>
+                                      </p:cBhvr>
+                                      <p:to>
+                                        <p:strVal val="visible"/>
+                                      </p:to>
+                                    </p:set>
+                                  </p:childTnLst>
+                                </p:cTn>
+                              </p:par>
+                            </p:childTnLst>
+                          </p:cTn>
+                        </p:par>
+                      </p:childTnLst>
+                    </p:cTn>
+                  </p:par>
+                </p:childTnLst>
+              </p:cTn>
+              <p:prevCondLst>
+                <p:cond evt="onPrev" delay="0">
+                  <p:tgtEl>
+                    <p:sldTgt/>
+                  </p:tgtEl>
+                </p:cond>
+              </p:prevCondLst>
+              <p:nextCondLst>
+                <p:cond evt="onNext" delay="0">
+                  <p:tgtEl>
+                    <p:sldTgt/>
+                  </p:tgtEl>
+                </p:cond>
+              </p:nextCondLst>
+            </p:seq>
+          </p:childTnLst>
+        </p:cTn>
       </p:par>
     </p:tnLst>
+    <p:bldLst>
+      <p:bldP spid="10" grpId="0"/>
+      <p:bldP spid="11" grpId="0"/>
+    </p:bldLst>
   </p:timing>
 </p:sld>
 </file>
 
-<file path=ppt/slides/slide12.xml><?xml version="1.0" encoding="utf-8"?>
+<file path=ppt/slides/slide13.xml><?xml version="1.0" encoding="utf-8"?>
 <p:sld xmlns:a="http://schemas.openxmlformats.org/drawingml/2006/main" xmlns:r="http://schemas.openxmlformats.org/officeDocument/2006/relationships" xmlns:p="http://schemas.openxmlformats.org/presentationml/2006/main">
   <p:cSld>
     <p:spTree>
@@ -7652,7 +8502,7 @@
   <p:timing>
     <p:tnLst>
       <p:par>
-        <p:cTn xmlns:p14="http://schemas.microsoft.com/office/powerpoint/2010/main" id="1" dur="indefinite" restart="never" nodeType="tmRoot">
+        <p:cTn id="1" dur="indefinite" restart="never" nodeType="tmRoot">
           <p:childTnLst>
             <p:seq concurrent="1" nextAc="seek">
               <p:cTn id="2" dur="indefinite" nodeType="mainSeq">
@@ -7730,165 +8580,6 @@
 </p:sld>
 </file>
 
-<file path=ppt/slides/slide13.xml><?xml version="1.0" encoding="utf-8"?>
-<p:sld xmlns:a="http://schemas.openxmlformats.org/drawingml/2006/main" xmlns:r="http://schemas.openxmlformats.org/officeDocument/2006/relationships" xmlns:p="http://schemas.openxmlformats.org/presentationml/2006/main">
-  <p:cSld>
-    <p:spTree>
-      <p:nvGrpSpPr>
-        <p:cNvPr id="1" name=""/>
-        <p:cNvGrpSpPr/>
-        <p:nvPr/>
-      </p:nvGrpSpPr>
-      <p:grpSpPr>
-        <a:xfrm>
-          <a:off x="0" y="0"/>
-          <a:ext cx="0" cy="0"/>
-          <a:chOff x="0" y="0"/>
-          <a:chExt cx="0" cy="0"/>
-        </a:xfrm>
-      </p:grpSpPr>
-      <p:sp>
-        <p:nvSpPr>
-          <p:cNvPr id="2" name="Title 1"/>
-          <p:cNvSpPr>
-            <a:spLocks noGrp="1"/>
-          </p:cNvSpPr>
-          <p:nvPr>
-            <p:ph type="title" idx="4294967295"/>
-          </p:nvPr>
-        </p:nvSpPr>
-        <p:spPr>
-          <a:xfrm>
-            <a:off x="1097280" y="264188"/>
-            <a:ext cx="10058400" cy="1025525"/>
-          </a:xfrm>
-        </p:spPr>
-        <p:txBody>
-          <a:bodyPr>
-            <a:normAutofit/>
-          </a:bodyPr>
-          <a:lstStyle/>
-          <a:p>
-            <a:r>
-              <a:rPr lang="en-US" sz="3600" dirty="0" smtClean="0"/>
-              <a:t>This exception proves the rule…</a:t>
-            </a:r>
-            <a:endParaRPr lang="en-US" sz="3600" dirty="0"/>
-          </a:p>
-        </p:txBody>
-      </p:sp>
-      <p:sp>
-        <p:nvSpPr>
-          <p:cNvPr id="3" name="Content Placeholder 2"/>
-          <p:cNvSpPr>
-            <a:spLocks noGrp="1"/>
-          </p:cNvSpPr>
-          <p:nvPr>
-            <p:ph idx="4294967295"/>
-          </p:nvPr>
-        </p:nvSpPr>
-        <p:spPr>
-          <a:xfrm>
-            <a:off x="1097280" y="1414804"/>
-            <a:ext cx="10058400" cy="4024313"/>
-          </a:xfrm>
-        </p:spPr>
-        <p:txBody>
-          <a:bodyPr anchor="ctr">
-            <a:normAutofit/>
-          </a:bodyPr>
-          <a:lstStyle/>
-          <a:p>
-            <a:pPr algn="ctr"/>
-            <a:r>
-              <a:rPr lang="en-US" sz="4800" i="1" spc="-50" dirty="0" smtClean="0">
-                <a:latin typeface="+mj-lt"/>
-                <a:ea typeface="+mj-ea"/>
-                <a:cs typeface="+mj-cs"/>
-              </a:rPr>
-              <a:t>“If the framework gives you bad exceptions, throw better ones”</a:t>
-            </a:r>
-            <a:endParaRPr lang="en-US" sz="4800" i="1" spc="-50" dirty="0">
-              <a:latin typeface="+mj-lt"/>
-              <a:ea typeface="+mj-ea"/>
-              <a:cs typeface="+mj-cs"/>
-            </a:endParaRPr>
-          </a:p>
-        </p:txBody>
-      </p:sp>
-      <p:sp>
-        <p:nvSpPr>
-          <p:cNvPr id="4" name="Title 1"/>
-          <p:cNvSpPr txBox="1">
-            <a:spLocks/>
-          </p:cNvSpPr>
-          <p:nvPr/>
-        </p:nvSpPr>
-        <p:spPr>
-          <a:xfrm>
-            <a:off x="1097280" y="5234030"/>
-            <a:ext cx="10058400" cy="1025730"/>
-          </a:xfrm>
-          <a:prstGeom prst="rect">
-            <a:avLst/>
-          </a:prstGeom>
-        </p:spPr>
-        <p:txBody>
-          <a:bodyPr vert="horz" lIns="91440" tIns="45720" rIns="91440" bIns="45720" rtlCol="0" anchor="b">
-            <a:normAutofit/>
-          </a:bodyPr>
-          <a:lstStyle>
-            <a:lvl1pPr algn="l" defTabSz="914400" rtl="0" eaLnBrk="1" latinLnBrk="0" hangingPunct="1">
-              <a:lnSpc>
-                <a:spcPct val="85000"/>
-              </a:lnSpc>
-              <a:spcBef>
-                <a:spcPct val="0"/>
-              </a:spcBef>
-              <a:buNone/>
-              <a:defRPr sz="4800" kern="1200" spc="-50" baseline="0">
-                <a:solidFill>
-                  <a:schemeClr val="tx1">
-                    <a:lumMod val="75000"/>
-                    <a:lumOff val="25000"/>
-                  </a:schemeClr>
-                </a:solidFill>
-                <a:latin typeface="+mj-lt"/>
-                <a:ea typeface="+mj-ea"/>
-                <a:cs typeface="+mj-cs"/>
-              </a:defRPr>
-            </a:lvl1pPr>
-          </a:lstStyle>
-          <a:p>
-            <a:pPr algn="r"/>
-            <a:r>
-              <a:rPr lang="en-US" sz="3600" dirty="0" smtClean="0"/>
-              <a:t>…to give the confused coder some guidance</a:t>
-            </a:r>
-            <a:endParaRPr lang="en-US" sz="3600" dirty="0"/>
-          </a:p>
-        </p:txBody>
-      </p:sp>
-    </p:spTree>
-    <p:extLst>
-      <p:ext uri="{BB962C8B-B14F-4D97-AF65-F5344CB8AC3E}">
-        <p14:creationId xmlns:p14="http://schemas.microsoft.com/office/powerpoint/2010/main" val="3834345920"/>
-      </p:ext>
-    </p:extLst>
-  </p:cSld>
-  <p:clrMapOvr>
-    <a:masterClrMapping/>
-  </p:clrMapOvr>
-  <p:timing>
-    <p:tnLst>
-      <p:par>
-        <p:cTn xmlns:p14="http://schemas.microsoft.com/office/powerpoint/2010/main" id="1" dur="indefinite" restart="never" nodeType="tmRoot"/>
-      </p:par>
-    </p:tnLst>
-  </p:timing>
-</p:sld>
-</file>
-
 <file path=ppt/slides/slide14.xml><?xml version="1.0" encoding="utf-8"?>
 <p:sld xmlns:a="http://schemas.openxmlformats.org/drawingml/2006/main" xmlns:r="http://schemas.openxmlformats.org/officeDocument/2006/relationships" xmlns:p="http://schemas.openxmlformats.org/presentationml/2006/main">
   <p:cSld>
@@ -7965,7 +8656,7 @@
                 <a:ea typeface="+mj-ea"/>
                 <a:cs typeface="+mj-cs"/>
               </a:rPr>
-              <a:t>“Print other variables to provide context”</a:t>
+              <a:t>“If the framework gives you bad exceptions, throw better ones”</a:t>
             </a:r>
             <a:endParaRPr lang="en-US" sz="4800" i="1" spc="-50" dirty="0">
               <a:latin typeface="+mj-lt"/>
@@ -8028,52 +8719,10 @@
           </a:p>
         </p:txBody>
       </p:sp>
-      <p:sp>
-        <p:nvSpPr>
-          <p:cNvPr id="5" name="Rectangle 4"/>
-          <p:cNvSpPr/>
-          <p:nvPr/>
-        </p:nvSpPr>
-        <p:spPr>
-          <a:xfrm>
-            <a:off x="5040683" y="4413387"/>
-            <a:ext cx="7151317" cy="461665"/>
-          </a:xfrm>
-          <a:prstGeom prst="rect">
-            <a:avLst/>
-          </a:prstGeom>
-        </p:spPr>
-        <p:txBody>
-          <a:bodyPr wrap="none">
-            <a:spAutoFit/>
-          </a:bodyPr>
-          <a:lstStyle/>
-          <a:p>
-            <a:r>
-              <a:rPr lang="en-US" sz="2400" dirty="0">
-                <a:solidFill>
-                  <a:schemeClr val="bg1">
-                    <a:lumMod val="50000"/>
-                  </a:schemeClr>
-                </a:solidFill>
-                <a:latin typeface="Consolas" panose="020B0609020204030204" pitchFamily="49" charset="0"/>
-              </a:rPr>
-              <a:t>Rectangle '{X=0,Y=0,Width=189,Height=0}' </a:t>
-            </a:r>
-            <a:endParaRPr lang="en-US" sz="2400" dirty="0">
-              <a:solidFill>
-                <a:schemeClr val="bg1">
-                  <a:lumMod val="50000"/>
-                </a:schemeClr>
-              </a:solidFill>
-            </a:endParaRPr>
-          </a:p>
-        </p:txBody>
-      </p:sp>
     </p:spTree>
     <p:extLst>
       <p:ext uri="{BB962C8B-B14F-4D97-AF65-F5344CB8AC3E}">
-        <p14:creationId xmlns:p14="http://schemas.microsoft.com/office/powerpoint/2010/main" val="1288993617"/>
+        <p14:creationId xmlns:p14="http://schemas.microsoft.com/office/powerpoint/2010/main" val="3834345920"/>
       </p:ext>
     </p:extLst>
   </p:cSld>
@@ -8083,7 +8732,7 @@
   <p:timing>
     <p:tnLst>
       <p:par>
-        <p:cTn xmlns:p14="http://schemas.microsoft.com/office/powerpoint/2010/main" id="1" dur="indefinite" restart="never" nodeType="tmRoot"/>
+        <p:cTn id="1" dur="indefinite" restart="never" nodeType="tmRoot"/>
       </p:par>
     </p:tnLst>
   </p:timing>
@@ -8114,6 +8763,207 @@
             <a:spLocks noGrp="1"/>
           </p:cNvSpPr>
           <p:nvPr>
+            <p:ph type="title" idx="4294967295"/>
+          </p:nvPr>
+        </p:nvSpPr>
+        <p:spPr>
+          <a:xfrm>
+            <a:off x="1097280" y="264188"/>
+            <a:ext cx="10058400" cy="1025525"/>
+          </a:xfrm>
+        </p:spPr>
+        <p:txBody>
+          <a:bodyPr>
+            <a:normAutofit/>
+          </a:bodyPr>
+          <a:lstStyle/>
+          <a:p>
+            <a:r>
+              <a:rPr lang="en-US" sz="3600" dirty="0" smtClean="0"/>
+              <a:t>This exception proves the rule…</a:t>
+            </a:r>
+            <a:endParaRPr lang="en-US" sz="3600" dirty="0"/>
+          </a:p>
+        </p:txBody>
+      </p:sp>
+      <p:sp>
+        <p:nvSpPr>
+          <p:cNvPr id="3" name="Content Placeholder 2"/>
+          <p:cNvSpPr>
+            <a:spLocks noGrp="1"/>
+          </p:cNvSpPr>
+          <p:nvPr>
+            <p:ph idx="4294967295"/>
+          </p:nvPr>
+        </p:nvSpPr>
+        <p:spPr>
+          <a:xfrm>
+            <a:off x="1097280" y="1414804"/>
+            <a:ext cx="10058400" cy="4024313"/>
+          </a:xfrm>
+        </p:spPr>
+        <p:txBody>
+          <a:bodyPr anchor="ctr">
+            <a:normAutofit/>
+          </a:bodyPr>
+          <a:lstStyle/>
+          <a:p>
+            <a:pPr algn="ctr"/>
+            <a:r>
+              <a:rPr lang="en-US" sz="4800" i="1" spc="-50" dirty="0" smtClean="0">
+                <a:latin typeface="+mj-lt"/>
+                <a:ea typeface="+mj-ea"/>
+                <a:cs typeface="+mj-cs"/>
+              </a:rPr>
+              <a:t>“Print other variables to provide context”</a:t>
+            </a:r>
+            <a:endParaRPr lang="en-US" sz="4800" i="1" spc="-50" dirty="0">
+              <a:latin typeface="+mj-lt"/>
+              <a:ea typeface="+mj-ea"/>
+              <a:cs typeface="+mj-cs"/>
+            </a:endParaRPr>
+          </a:p>
+        </p:txBody>
+      </p:sp>
+      <p:sp>
+        <p:nvSpPr>
+          <p:cNvPr id="4" name="Title 1"/>
+          <p:cNvSpPr txBox="1">
+            <a:spLocks/>
+          </p:cNvSpPr>
+          <p:nvPr/>
+        </p:nvSpPr>
+        <p:spPr>
+          <a:xfrm>
+            <a:off x="1097280" y="5234030"/>
+            <a:ext cx="10058400" cy="1025730"/>
+          </a:xfrm>
+          <a:prstGeom prst="rect">
+            <a:avLst/>
+          </a:prstGeom>
+        </p:spPr>
+        <p:txBody>
+          <a:bodyPr vert="horz" lIns="91440" tIns="45720" rIns="91440" bIns="45720" rtlCol="0" anchor="b">
+            <a:normAutofit/>
+          </a:bodyPr>
+          <a:lstStyle>
+            <a:lvl1pPr algn="l" defTabSz="914400" rtl="0" eaLnBrk="1" latinLnBrk="0" hangingPunct="1">
+              <a:lnSpc>
+                <a:spcPct val="85000"/>
+              </a:lnSpc>
+              <a:spcBef>
+                <a:spcPct val="0"/>
+              </a:spcBef>
+              <a:buNone/>
+              <a:defRPr sz="4800" kern="1200" spc="-50" baseline="0">
+                <a:solidFill>
+                  <a:schemeClr val="tx1">
+                    <a:lumMod val="75000"/>
+                    <a:lumOff val="25000"/>
+                  </a:schemeClr>
+                </a:solidFill>
+                <a:latin typeface="+mj-lt"/>
+                <a:ea typeface="+mj-ea"/>
+                <a:cs typeface="+mj-cs"/>
+              </a:defRPr>
+            </a:lvl1pPr>
+          </a:lstStyle>
+          <a:p>
+            <a:pPr algn="r"/>
+            <a:r>
+              <a:rPr lang="en-US" sz="3600" dirty="0" smtClean="0"/>
+              <a:t>…to give the confused coder some guidance</a:t>
+            </a:r>
+            <a:endParaRPr lang="en-US" sz="3600" dirty="0"/>
+          </a:p>
+        </p:txBody>
+      </p:sp>
+      <p:sp>
+        <p:nvSpPr>
+          <p:cNvPr id="5" name="Rectangle 4"/>
+          <p:cNvSpPr/>
+          <p:nvPr/>
+        </p:nvSpPr>
+        <p:spPr>
+          <a:xfrm>
+            <a:off x="5040683" y="4413387"/>
+            <a:ext cx="7151317" cy="461665"/>
+          </a:xfrm>
+          <a:prstGeom prst="rect">
+            <a:avLst/>
+          </a:prstGeom>
+        </p:spPr>
+        <p:txBody>
+          <a:bodyPr wrap="none">
+            <a:spAutoFit/>
+          </a:bodyPr>
+          <a:lstStyle/>
+          <a:p>
+            <a:r>
+              <a:rPr lang="en-US" sz="2400" dirty="0">
+                <a:solidFill>
+                  <a:schemeClr val="bg1">
+                    <a:lumMod val="50000"/>
+                  </a:schemeClr>
+                </a:solidFill>
+                <a:latin typeface="Consolas" panose="020B0609020204030204" pitchFamily="49" charset="0"/>
+              </a:rPr>
+              <a:t>Rectangle '{X=0,Y=0,Width=189,Height=0}' </a:t>
+            </a:r>
+            <a:endParaRPr lang="en-US" sz="2400" dirty="0">
+              <a:solidFill>
+                <a:schemeClr val="bg1">
+                  <a:lumMod val="50000"/>
+                </a:schemeClr>
+              </a:solidFill>
+            </a:endParaRPr>
+          </a:p>
+        </p:txBody>
+      </p:sp>
+    </p:spTree>
+    <p:extLst>
+      <p:ext uri="{BB962C8B-B14F-4D97-AF65-F5344CB8AC3E}">
+        <p14:creationId xmlns:p14="http://schemas.microsoft.com/office/powerpoint/2010/main" val="1288993617"/>
+      </p:ext>
+    </p:extLst>
+  </p:cSld>
+  <p:clrMapOvr>
+    <a:masterClrMapping/>
+  </p:clrMapOvr>
+  <p:timing>
+    <p:tnLst>
+      <p:par>
+        <p:cTn id="1" dur="indefinite" restart="never" nodeType="tmRoot"/>
+      </p:par>
+    </p:tnLst>
+  </p:timing>
+</p:sld>
+</file>
+
+<file path=ppt/slides/slide16.xml><?xml version="1.0" encoding="utf-8"?>
+<p:sld xmlns:a="http://schemas.openxmlformats.org/drawingml/2006/main" xmlns:r="http://schemas.openxmlformats.org/officeDocument/2006/relationships" xmlns:p="http://schemas.openxmlformats.org/presentationml/2006/main">
+  <p:cSld>
+    <p:spTree>
+      <p:nvGrpSpPr>
+        <p:cNvPr id="1" name=""/>
+        <p:cNvGrpSpPr/>
+        <p:nvPr/>
+      </p:nvGrpSpPr>
+      <p:grpSpPr>
+        <a:xfrm>
+          <a:off x="0" y="0"/>
+          <a:ext cx="0" cy="0"/>
+          <a:chOff x="0" y="0"/>
+          <a:chExt cx="0" cy="0"/>
+        </a:xfrm>
+      </p:grpSpPr>
+      <p:sp>
+        <p:nvSpPr>
+          <p:cNvPr id="2" name="Title 1"/>
+          <p:cNvSpPr>
+            <a:spLocks noGrp="1"/>
+          </p:cNvSpPr>
+          <p:nvPr>
             <p:ph type="ctrTitle"/>
           </p:nvPr>
         </p:nvSpPr>
@@ -8162,14 +9012,14 @@
   <p:timing>
     <p:tnLst>
       <p:par>
-        <p:cTn xmlns:p14="http://schemas.microsoft.com/office/powerpoint/2010/main" id="1" dur="indefinite" restart="never" nodeType="tmRoot"/>
+        <p:cTn id="1" dur="indefinite" restart="never" nodeType="tmRoot"/>
       </p:par>
     </p:tnLst>
   </p:timing>
 </p:sld>
 </file>
 
-<file path=ppt/slides/slide16.xml><?xml version="1.0" encoding="utf-8"?>
+<file path=ppt/slides/slide17.xml><?xml version="1.0" encoding="utf-8"?>
 <p:sld xmlns:a="http://schemas.openxmlformats.org/drawingml/2006/main" xmlns:r="http://schemas.openxmlformats.org/officeDocument/2006/relationships" xmlns:p="http://schemas.openxmlformats.org/presentationml/2006/main">
   <p:cSld>
     <p:spTree>
@@ -8838,7 +9688,7 @@
   <p:timing>
     <p:tnLst>
       <p:par>
-        <p:cTn xmlns:p14="http://schemas.microsoft.com/office/powerpoint/2010/main" id="1" dur="indefinite" restart="never" nodeType="tmRoot">
+        <p:cTn id="1" dur="indefinite" restart="never" nodeType="tmRoot">
           <p:childTnLst>
             <p:seq concurrent="1" nextAc="seek">
               <p:cTn id="2" dur="indefinite" nodeType="mainSeq">
@@ -8962,7 +9812,7 @@
 </p:sld>
 </file>
 
-<file path=ppt/slides/slide17.xml><?xml version="1.0" encoding="utf-8"?>
+<file path=ppt/slides/slide18.xml><?xml version="1.0" encoding="utf-8"?>
 <p:sld xmlns:a="http://schemas.openxmlformats.org/drawingml/2006/main" xmlns:r="http://schemas.openxmlformats.org/officeDocument/2006/relationships" xmlns:p="http://schemas.openxmlformats.org/presentationml/2006/main">
   <p:cSld>
     <p:spTree>
@@ -8979,143 +9829,670 @@
           <a:chExt cx="0" cy="0"/>
         </a:xfrm>
       </p:grpSpPr>
+      <p:grpSp>
+        <p:nvGrpSpPr>
+          <p:cNvPr id="4" name="Group 3"/>
+          <p:cNvGrpSpPr/>
+          <p:nvPr/>
+        </p:nvGrpSpPr>
+        <p:grpSpPr>
+          <a:xfrm>
+            <a:off x="427838" y="1167800"/>
+            <a:ext cx="11368745" cy="1642512"/>
+            <a:chOff x="296995" y="1247012"/>
+            <a:chExt cx="10714932" cy="1224338"/>
+          </a:xfrm>
+        </p:grpSpPr>
+        <p:grpSp>
+          <p:nvGrpSpPr>
+            <p:cNvPr id="5" name="Group 4"/>
+            <p:cNvGrpSpPr/>
+            <p:nvPr/>
+          </p:nvGrpSpPr>
+          <p:grpSpPr>
+            <a:xfrm>
+              <a:off x="296995" y="1247013"/>
+              <a:ext cx="10714932" cy="1224337"/>
+              <a:chOff x="296995" y="1247013"/>
+              <a:chExt cx="10714932" cy="1224337"/>
+            </a:xfrm>
+          </p:grpSpPr>
+          <p:sp>
+            <p:nvSpPr>
+              <p:cNvPr id="8" name="Rectangle 7"/>
+              <p:cNvSpPr/>
+              <p:nvPr/>
+            </p:nvSpPr>
+            <p:spPr>
+              <a:xfrm>
+                <a:off x="296995" y="1247013"/>
+                <a:ext cx="10714932" cy="1224337"/>
+              </a:xfrm>
+              <a:prstGeom prst="rect">
+                <a:avLst/>
+              </a:prstGeom>
+              <a:solidFill>
+                <a:schemeClr val="bg1">
+                  <a:lumMod val="50000"/>
+                  <a:alpha val="25000"/>
+                </a:schemeClr>
+              </a:solidFill>
+              <a:ln>
+                <a:noFill/>
+              </a:ln>
+            </p:spPr>
+            <p:style>
+              <a:lnRef idx="2">
+                <a:schemeClr val="accent1">
+                  <a:shade val="50000"/>
+                </a:schemeClr>
+              </a:lnRef>
+              <a:fillRef idx="1">
+                <a:schemeClr val="accent1"/>
+              </a:fillRef>
+              <a:effectRef idx="0">
+                <a:schemeClr val="accent1"/>
+              </a:effectRef>
+              <a:fontRef idx="minor">
+                <a:schemeClr val="lt1"/>
+              </a:fontRef>
+            </p:style>
+            <p:txBody>
+              <a:bodyPr rtlCol="0" anchor="ctr"/>
+              <a:lstStyle/>
+              <a:p>
+                <a:pPr algn="ctr"/>
+                <a:endParaRPr lang="en-US"/>
+              </a:p>
+            </p:txBody>
+          </p:sp>
+          <p:cxnSp>
+            <p:nvCxnSpPr>
+              <p:cNvPr id="9" name="Straight Connector 8"/>
+              <p:cNvCxnSpPr/>
+              <p:nvPr/>
+            </p:nvCxnSpPr>
+            <p:spPr>
+              <a:xfrm>
+                <a:off x="296995" y="1247014"/>
+                <a:ext cx="10714932" cy="1216268"/>
+              </a:xfrm>
+              <a:prstGeom prst="line">
+                <a:avLst/>
+              </a:prstGeom>
+              <a:ln w="19050">
+                <a:solidFill>
+                  <a:srgbClr val="A50021"/>
+                </a:solidFill>
+              </a:ln>
+            </p:spPr>
+            <p:style>
+              <a:lnRef idx="1">
+                <a:schemeClr val="accent1"/>
+              </a:lnRef>
+              <a:fillRef idx="0">
+                <a:schemeClr val="accent1"/>
+              </a:fillRef>
+              <a:effectRef idx="0">
+                <a:schemeClr val="accent1"/>
+              </a:effectRef>
+              <a:fontRef idx="minor">
+                <a:schemeClr val="tx1"/>
+              </a:fontRef>
+            </p:style>
+          </p:cxnSp>
+        </p:grpSp>
+        <p:cxnSp>
+          <p:nvCxnSpPr>
+            <p:cNvPr id="6" name="Straight Connector 5"/>
+            <p:cNvCxnSpPr/>
+            <p:nvPr/>
+          </p:nvCxnSpPr>
+          <p:spPr>
+            <a:xfrm flipV="1">
+              <a:off x="296995" y="1247012"/>
+              <a:ext cx="10714932" cy="1216270"/>
+            </a:xfrm>
+            <a:prstGeom prst="line">
+              <a:avLst/>
+            </a:prstGeom>
+            <a:ln w="19050">
+              <a:solidFill>
+                <a:srgbClr val="A50021"/>
+              </a:solidFill>
+            </a:ln>
+          </p:spPr>
+          <p:style>
+            <a:lnRef idx="1">
+              <a:schemeClr val="accent1"/>
+            </a:lnRef>
+            <a:fillRef idx="0">
+              <a:schemeClr val="accent1"/>
+            </a:fillRef>
+            <a:effectRef idx="0">
+              <a:schemeClr val="accent1"/>
+            </a:effectRef>
+            <a:fontRef idx="minor">
+              <a:schemeClr val="tx1"/>
+            </a:fontRef>
+          </p:style>
+        </p:cxnSp>
+      </p:grpSp>
       <p:sp>
         <p:nvSpPr>
-          <p:cNvPr id="7" name="TextBox 6"/>
+          <p:cNvPr id="10" name="TextBox 9"/>
           <p:cNvSpPr txBox="1"/>
           <p:nvPr/>
         </p:nvSpPr>
         <p:spPr>
           <a:xfrm>
-            <a:off x="1785555" y="1953786"/>
-            <a:ext cx="8039060" cy="2308324"/>
+            <a:off x="341365" y="3144026"/>
+            <a:ext cx="11455219" cy="461665"/>
           </a:xfrm>
           <a:prstGeom prst="rect">
             <a:avLst/>
           </a:prstGeom>
           <a:noFill/>
           <a:ln>
-            <a:solidFill>
-              <a:schemeClr val="accent1"/>
-            </a:solidFill>
+            <a:noFill/>
           </a:ln>
         </p:spPr>
         <p:txBody>
-          <a:bodyPr wrap="none" rtlCol="0">
+          <a:bodyPr wrap="square" rtlCol="0">
             <a:spAutoFit/>
           </a:bodyPr>
           <a:lstStyle/>
           <a:p>
+            <a:pPr algn="ctr"/>
+            <a:r>
+              <a:rPr lang="en-US" sz="2400" dirty="0"/>
+              <a:t>&lt;Form&gt; could not be cast to destination array type &lt;</a:t>
+            </a:r>
             <a:r>
               <a:rPr lang="en-US" sz="2400" dirty="0" smtClean="0"/>
-              <a:t>Which error message would you prefer?</a:t>
-            </a:r>
-          </a:p>
-          <a:p>
-            <a:r>
-              <a:rPr lang="en-US" sz="2400" b="1" dirty="0" smtClean="0">
-                <a:solidFill>
-                  <a:srgbClr val="FF0000"/>
-                </a:solidFill>
-              </a:rPr>
-              <a:t>A) </a:t>
-            </a:r>
-            <a:r>
-              <a:rPr lang="en-US" sz="2400" dirty="0"/>
-              <a:t>1</a:t>
-            </a:r>
-            <a:r>
-              <a:rPr lang="en-US" sz="2400" dirty="0" smtClean="0"/>
-              <a:t> </a:t>
-            </a:r>
-            <a:r>
-              <a:rPr lang="en-US" sz="2400" dirty="0"/>
-              <a:t>element </a:t>
-            </a:r>
-            <a:r>
-              <a:rPr lang="en-US" sz="2400" dirty="0" smtClean="0"/>
-              <a:t>could </a:t>
-            </a:r>
-            <a:r>
-              <a:rPr lang="en-US" sz="2400" dirty="0"/>
-              <a:t>not be </a:t>
-            </a:r>
-            <a:r>
-              <a:rPr lang="en-US" sz="2400" dirty="0" smtClean="0"/>
-              <a:t>cast to </a:t>
-            </a:r>
-            <a:r>
-              <a:rPr lang="en-US" sz="2400" dirty="0"/>
-              <a:t>the destination array type</a:t>
-            </a:r>
-            <a:r>
-              <a:rPr lang="en-US" sz="2400" dirty="0" smtClean="0"/>
-              <a:t>.</a:t>
-            </a:r>
-          </a:p>
-          <a:p>
-            <a:r>
-              <a:rPr lang="en-US" sz="2400" b="1" dirty="0" smtClean="0">
-                <a:solidFill>
-                  <a:srgbClr val="FFC000"/>
-                </a:solidFill>
-              </a:rPr>
-              <a:t>B) </a:t>
-            </a:r>
-            <a:r>
-              <a:rPr lang="en-US" sz="2400" dirty="0"/>
-              <a:t>Element could not be cast to </a:t>
-            </a:r>
-            <a:r>
-              <a:rPr lang="en-US" sz="2400" dirty="0" smtClean="0"/>
-              <a:t>&lt;Control&gt;</a:t>
-            </a:r>
-            <a:endParaRPr lang="en-US" sz="2400" dirty="0"/>
-          </a:p>
-          <a:p>
-            <a:r>
-              <a:rPr lang="en-US" sz="2400" b="1" dirty="0" smtClean="0">
-                <a:solidFill>
-                  <a:schemeClr val="accent2"/>
-                </a:solidFill>
-              </a:rPr>
-              <a:t>C)</a:t>
-            </a:r>
-            <a:r>
-              <a:rPr lang="en-US" sz="2400" dirty="0" smtClean="0">
-                <a:solidFill>
-                  <a:schemeClr val="accent2"/>
-                </a:solidFill>
-              </a:rPr>
-              <a:t> </a:t>
-            </a:r>
-            <a:r>
-              <a:rPr lang="en-US" sz="2400" dirty="0" smtClean="0"/>
-              <a:t>&lt;Form&gt; could not be cast to destination array type &lt;Control&gt;</a:t>
-            </a:r>
-          </a:p>
-          <a:p>
-            <a:r>
-              <a:rPr lang="en-US" sz="2400" b="1" dirty="0" smtClean="0">
-                <a:solidFill>
-                  <a:srgbClr val="00B050"/>
-                </a:solidFill>
-              </a:rPr>
-              <a:t>D) </a:t>
-            </a:r>
-            <a:r>
-              <a:rPr lang="en-US" sz="2400" dirty="0" smtClean="0"/>
-              <a:t>Other</a:t>
-            </a:r>
-          </a:p>
-          <a:p>
+              <a:t>Control[]&gt;</a:t>
+            </a:r>
             <a:endParaRPr lang="en-US" sz="2400" dirty="0"/>
           </a:p>
         </p:txBody>
       </p:sp>
       <p:sp>
         <p:nvSpPr>
-          <p:cNvPr id="4" name="Rectangle 3"/>
+          <p:cNvPr id="11" name="TextBox 10"/>
+          <p:cNvSpPr txBox="1"/>
+          <p:nvPr/>
+        </p:nvSpPr>
+        <p:spPr>
+          <a:xfrm>
+            <a:off x="3323822" y="3939405"/>
+            <a:ext cx="8606410" cy="923330"/>
+          </a:xfrm>
+          <a:prstGeom prst="rect">
+            <a:avLst/>
+          </a:prstGeom>
+          <a:noFill/>
+        </p:spPr>
+        <p:txBody>
+          <a:bodyPr wrap="square" rtlCol="0">
+            <a:spAutoFit/>
+          </a:bodyPr>
+          <a:lstStyle/>
+          <a:p>
+            <a:r>
+              <a:rPr lang="en-US" dirty="0">
+                <a:solidFill>
+                  <a:srgbClr val="0000FF"/>
+                </a:solidFill>
+                <a:highlight>
+                  <a:srgbClr val="FFFFFF"/>
+                </a:highlight>
+                <a:latin typeface="Consolas" panose="020B0609020204030204" pitchFamily="49" charset="0"/>
+              </a:rPr>
+              <a:t>throw</a:t>
+            </a:r>
+            <a:r>
+              <a:rPr lang="en-US" dirty="0">
+                <a:solidFill>
+                  <a:srgbClr val="000000"/>
+                </a:solidFill>
+                <a:highlight>
+                  <a:srgbClr val="FFFFFF"/>
+                </a:highlight>
+                <a:latin typeface="Consolas" panose="020B0609020204030204" pitchFamily="49" charset="0"/>
+              </a:rPr>
+              <a:t> </a:t>
+            </a:r>
+            <a:r>
+              <a:rPr lang="en-US" dirty="0">
+                <a:solidFill>
+                  <a:srgbClr val="0000FF"/>
+                </a:solidFill>
+                <a:highlight>
+                  <a:srgbClr val="FFFFFF"/>
+                </a:highlight>
+                <a:latin typeface="Consolas" panose="020B0609020204030204" pitchFamily="49" charset="0"/>
+              </a:rPr>
+              <a:t>new</a:t>
+            </a:r>
+            <a:r>
+              <a:rPr lang="en-US" dirty="0">
+                <a:solidFill>
+                  <a:srgbClr val="000000"/>
+                </a:solidFill>
+                <a:highlight>
+                  <a:srgbClr val="FFFFFF"/>
+                </a:highlight>
+                <a:latin typeface="Consolas" panose="020B0609020204030204" pitchFamily="49" charset="0"/>
+              </a:rPr>
+              <a:t> </a:t>
+            </a:r>
+            <a:r>
+              <a:rPr lang="en-US" dirty="0" err="1" smtClean="0">
+                <a:solidFill>
+                  <a:srgbClr val="2B91AF"/>
+                </a:solidFill>
+                <a:highlight>
+                  <a:srgbClr val="FFFFFF"/>
+                </a:highlight>
+                <a:latin typeface="Consolas" panose="020B0609020204030204" pitchFamily="49" charset="0"/>
+              </a:rPr>
+              <a:t>InvalidCastException</a:t>
+            </a:r>
+            <a:r>
+              <a:rPr lang="en-US" dirty="0" smtClean="0">
+                <a:solidFill>
+                  <a:srgbClr val="000000"/>
+                </a:solidFill>
+                <a:highlight>
+                  <a:srgbClr val="FFFFFF"/>
+                </a:highlight>
+                <a:latin typeface="Consolas" panose="020B0609020204030204" pitchFamily="49" charset="0"/>
+              </a:rPr>
+              <a:t>(</a:t>
+            </a:r>
+          </a:p>
+          <a:p>
+            <a:r>
+              <a:rPr lang="en-US" dirty="0">
+                <a:solidFill>
+                  <a:srgbClr val="000000"/>
+                </a:solidFill>
+                <a:highlight>
+                  <a:srgbClr val="FFFFFF"/>
+                </a:highlight>
+                <a:latin typeface="Consolas" panose="020B0609020204030204" pitchFamily="49" charset="0"/>
+              </a:rPr>
+              <a:t> </a:t>
+            </a:r>
+            <a:r>
+              <a:rPr lang="en-US" dirty="0" smtClean="0">
+                <a:solidFill>
+                  <a:srgbClr val="000000"/>
+                </a:solidFill>
+                <a:highlight>
+                  <a:srgbClr val="FFFFFF"/>
+                </a:highlight>
+                <a:latin typeface="Consolas" panose="020B0609020204030204" pitchFamily="49" charset="0"/>
+              </a:rPr>
+              <a:t> </a:t>
+            </a:r>
+            <a:r>
+              <a:rPr lang="en-US" dirty="0" smtClean="0">
+                <a:solidFill>
+                  <a:srgbClr val="A31515"/>
+                </a:solidFill>
+                <a:highlight>
+                  <a:srgbClr val="FFFFFF"/>
+                </a:highlight>
+                <a:latin typeface="Consolas" panose="020B0609020204030204" pitchFamily="49" charset="0"/>
+              </a:rPr>
+              <a:t>"&lt;</a:t>
+            </a:r>
+            <a:r>
+              <a:rPr lang="en-US" dirty="0" smtClean="0">
+                <a:solidFill>
+                  <a:srgbClr val="3CB371"/>
+                </a:solidFill>
+                <a:highlight>
+                  <a:srgbClr val="FFFFFF"/>
+                </a:highlight>
+                <a:latin typeface="Consolas" panose="020B0609020204030204" pitchFamily="49" charset="0"/>
+              </a:rPr>
+              <a:t>{</a:t>
+            </a:r>
+            <a:r>
+              <a:rPr lang="en-US" dirty="0">
+                <a:solidFill>
+                  <a:srgbClr val="3CB371"/>
+                </a:solidFill>
+                <a:highlight>
+                  <a:srgbClr val="FFFFFF"/>
+                </a:highlight>
+                <a:latin typeface="Consolas" panose="020B0609020204030204" pitchFamily="49" charset="0"/>
+              </a:rPr>
+              <a:t>0}</a:t>
+            </a:r>
+            <a:r>
+              <a:rPr lang="en-US" dirty="0">
+                <a:solidFill>
+                  <a:srgbClr val="A31515"/>
+                </a:solidFill>
+                <a:highlight>
+                  <a:srgbClr val="FFFFFF"/>
+                </a:highlight>
+                <a:latin typeface="Consolas" panose="020B0609020204030204" pitchFamily="49" charset="0"/>
+              </a:rPr>
+              <a:t>&gt; could not be cast to destination array type &lt;</a:t>
+            </a:r>
+            <a:r>
+              <a:rPr lang="en-US" dirty="0">
+                <a:solidFill>
+                  <a:srgbClr val="3CB371"/>
+                </a:solidFill>
+                <a:highlight>
+                  <a:srgbClr val="FFFFFF"/>
+                </a:highlight>
+                <a:latin typeface="Consolas" panose="020B0609020204030204" pitchFamily="49" charset="0"/>
+              </a:rPr>
+              <a:t>{1}</a:t>
+            </a:r>
+            <a:r>
+              <a:rPr lang="en-US" dirty="0">
+                <a:solidFill>
+                  <a:srgbClr val="A31515"/>
+                </a:solidFill>
+                <a:highlight>
+                  <a:srgbClr val="FFFFFF"/>
+                </a:highlight>
+                <a:latin typeface="Consolas" panose="020B0609020204030204" pitchFamily="49" charset="0"/>
+              </a:rPr>
+              <a:t>&gt;"</a:t>
+            </a:r>
+            <a:r>
+              <a:rPr lang="en-US" dirty="0">
+                <a:solidFill>
+                  <a:srgbClr val="000000"/>
+                </a:solidFill>
+                <a:highlight>
+                  <a:srgbClr val="FFFFFF"/>
+                </a:highlight>
+                <a:latin typeface="Consolas" panose="020B0609020204030204" pitchFamily="49" charset="0"/>
+              </a:rPr>
+              <a:t>, </a:t>
+            </a:r>
+            <a:endParaRPr lang="en-US" dirty="0" smtClean="0">
+              <a:solidFill>
+                <a:srgbClr val="000000"/>
+              </a:solidFill>
+              <a:highlight>
+                <a:srgbClr val="FFFFFF"/>
+              </a:highlight>
+              <a:latin typeface="Consolas" panose="020B0609020204030204" pitchFamily="49" charset="0"/>
+            </a:endParaRPr>
+          </a:p>
+          <a:p>
+            <a:r>
+              <a:rPr lang="en-US" dirty="0">
+                <a:solidFill>
+                  <a:srgbClr val="000000"/>
+                </a:solidFill>
+                <a:highlight>
+                  <a:srgbClr val="FFFFFF"/>
+                </a:highlight>
+                <a:latin typeface="Consolas" panose="020B0609020204030204" pitchFamily="49" charset="0"/>
+              </a:rPr>
+              <a:t> </a:t>
+            </a:r>
+            <a:r>
+              <a:rPr lang="en-US" dirty="0" smtClean="0">
+                <a:solidFill>
+                  <a:srgbClr val="000000"/>
+                </a:solidFill>
+                <a:highlight>
+                  <a:srgbClr val="FFFFFF"/>
+                </a:highlight>
+                <a:latin typeface="Consolas" panose="020B0609020204030204" pitchFamily="49" charset="0"/>
+              </a:rPr>
+              <a:t> </a:t>
+            </a:r>
+            <a:r>
+              <a:rPr lang="en-US" dirty="0" err="1" smtClean="0">
+                <a:solidFill>
+                  <a:srgbClr val="000000"/>
+                </a:solidFill>
+                <a:highlight>
+                  <a:srgbClr val="FFFFFF"/>
+                </a:highlight>
+                <a:latin typeface="Consolas" panose="020B0609020204030204" pitchFamily="49" charset="0"/>
+              </a:rPr>
+              <a:t>element.GetType</a:t>
+            </a:r>
+            <a:r>
+              <a:rPr lang="en-US" dirty="0">
+                <a:solidFill>
+                  <a:srgbClr val="000000"/>
+                </a:solidFill>
+                <a:highlight>
+                  <a:srgbClr val="FFFFFF"/>
+                </a:highlight>
+                <a:latin typeface="Consolas" panose="020B0609020204030204" pitchFamily="49" charset="0"/>
+              </a:rPr>
+              <a:t>().Name, </a:t>
+            </a:r>
+            <a:r>
+              <a:rPr lang="en-US" dirty="0" err="1">
+                <a:solidFill>
+                  <a:srgbClr val="000000"/>
+                </a:solidFill>
+                <a:highlight>
+                  <a:srgbClr val="FFFFFF"/>
+                </a:highlight>
+                <a:latin typeface="Consolas" panose="020B0609020204030204" pitchFamily="49" charset="0"/>
+              </a:rPr>
+              <a:t>to.GetType</a:t>
+            </a:r>
+            <a:r>
+              <a:rPr lang="en-US" dirty="0">
+                <a:solidFill>
+                  <a:srgbClr val="000000"/>
+                </a:solidFill>
+                <a:highlight>
+                  <a:srgbClr val="FFFFFF"/>
+                </a:highlight>
+                <a:latin typeface="Consolas" panose="020B0609020204030204" pitchFamily="49" charset="0"/>
+              </a:rPr>
+              <a:t>().</a:t>
+            </a:r>
+            <a:r>
+              <a:rPr lang="en-US" dirty="0" smtClean="0">
+                <a:solidFill>
+                  <a:srgbClr val="000000"/>
+                </a:solidFill>
+                <a:highlight>
+                  <a:srgbClr val="FFFFFF"/>
+                </a:highlight>
+                <a:latin typeface="Consolas" panose="020B0609020204030204" pitchFamily="49" charset="0"/>
+              </a:rPr>
+              <a:t>Name);</a:t>
+            </a:r>
+            <a:endParaRPr lang="en-US" dirty="0"/>
+          </a:p>
+        </p:txBody>
+      </p:sp>
+      <p:sp>
+        <p:nvSpPr>
+          <p:cNvPr id="13" name="TextBox 12"/>
+          <p:cNvSpPr txBox="1"/>
+          <p:nvPr/>
+        </p:nvSpPr>
+        <p:spPr>
+          <a:xfrm>
+            <a:off x="175915" y="2275119"/>
+            <a:ext cx="11754316" cy="461665"/>
+          </a:xfrm>
+          <a:prstGeom prst="rect">
+            <a:avLst/>
+          </a:prstGeom>
+          <a:noFill/>
+        </p:spPr>
+        <p:txBody>
+          <a:bodyPr wrap="square" rtlCol="0">
+            <a:spAutoFit/>
+          </a:bodyPr>
+          <a:lstStyle/>
+          <a:p>
+            <a:pPr algn="ctr"/>
+            <a:r>
+              <a:rPr lang="en-US" sz="2400" dirty="0">
+                <a:solidFill>
+                  <a:schemeClr val="tx1">
+                    <a:lumMod val="50000"/>
+                    <a:lumOff val="50000"/>
+                  </a:schemeClr>
+                </a:solidFill>
+              </a:rPr>
+              <a:t>t</a:t>
+            </a:r>
+            <a:r>
+              <a:rPr lang="en-US" sz="2400" dirty="0" smtClean="0">
+                <a:solidFill>
+                  <a:schemeClr val="tx1">
+                    <a:lumMod val="50000"/>
+                    <a:lumOff val="50000"/>
+                  </a:schemeClr>
+                </a:solidFill>
+              </a:rPr>
+              <a:t>hrow new </a:t>
+            </a:r>
+            <a:r>
+              <a:rPr lang="en-US" sz="2400" dirty="0" err="1">
+                <a:solidFill>
+                  <a:schemeClr val="tx1">
+                    <a:lumMod val="50000"/>
+                    <a:lumOff val="50000"/>
+                  </a:schemeClr>
+                </a:solidFill>
+              </a:rPr>
+              <a:t>InvalidCastException</a:t>
+            </a:r>
+            <a:r>
+              <a:rPr lang="en-US" sz="2400" dirty="0">
+                <a:solidFill>
+                  <a:schemeClr val="tx1">
+                    <a:lumMod val="50000"/>
+                    <a:lumOff val="50000"/>
+                  </a:schemeClr>
+                </a:solidFill>
+              </a:rPr>
+              <a:t> </a:t>
+            </a:r>
+            <a:r>
+              <a:rPr lang="en-US" sz="2400" dirty="0" smtClean="0">
+                <a:solidFill>
+                  <a:schemeClr val="tx1">
+                    <a:lumMod val="50000"/>
+                    <a:lumOff val="50000"/>
+                  </a:schemeClr>
+                </a:solidFill>
+              </a:rPr>
+              <a:t>(“</a:t>
+            </a:r>
+            <a:r>
+              <a:rPr lang="en-US" sz="2400" dirty="0" smtClean="0">
+                <a:solidFill>
+                  <a:schemeClr val="tx1">
+                    <a:lumMod val="50000"/>
+                    <a:lumOff val="50000"/>
+                  </a:schemeClr>
+                </a:solidFill>
+              </a:rPr>
+              <a:t>…text…</a:t>
+            </a:r>
+            <a:r>
+              <a:rPr lang="en-US" sz="2400" dirty="0" smtClean="0">
+                <a:solidFill>
+                  <a:schemeClr val="tx1">
+                    <a:lumMod val="50000"/>
+                    <a:lumOff val="50000"/>
+                  </a:schemeClr>
+                </a:solidFill>
+              </a:rPr>
+              <a:t>”</a:t>
+            </a:r>
+            <a:r>
+              <a:rPr lang="en-US" sz="2400" dirty="0" smtClean="0">
+                <a:solidFill>
+                  <a:schemeClr val="tx1">
+                    <a:lumMod val="50000"/>
+                    <a:lumOff val="50000"/>
+                  </a:schemeClr>
+                </a:solidFill>
+              </a:rPr>
+              <a:t>)</a:t>
+            </a:r>
+            <a:endParaRPr lang="en-US" sz="2400" dirty="0">
+              <a:solidFill>
+                <a:schemeClr val="tx1">
+                  <a:lumMod val="50000"/>
+                  <a:lumOff val="50000"/>
+                </a:schemeClr>
+              </a:solidFill>
+            </a:endParaRPr>
+          </a:p>
+        </p:txBody>
+      </p:sp>
+      <p:sp>
+        <p:nvSpPr>
+          <p:cNvPr id="14" name="TextBox 13"/>
+          <p:cNvSpPr txBox="1"/>
+          <p:nvPr/>
+        </p:nvSpPr>
+        <p:spPr>
+          <a:xfrm>
+            <a:off x="175915" y="1305401"/>
+            <a:ext cx="11754316" cy="830997"/>
+          </a:xfrm>
+          <a:prstGeom prst="rect">
+            <a:avLst/>
+          </a:prstGeom>
+          <a:noFill/>
+          <a:ln>
+            <a:noFill/>
+          </a:ln>
+        </p:spPr>
+        <p:txBody>
+          <a:bodyPr wrap="square" rtlCol="0">
+            <a:spAutoFit/>
+          </a:bodyPr>
+          <a:lstStyle/>
+          <a:p>
+            <a:pPr algn="ctr"/>
+            <a:r>
+              <a:rPr lang="en-US" sz="2400" dirty="0">
+                <a:solidFill>
+                  <a:schemeClr val="tx1">
+                    <a:lumMod val="50000"/>
+                    <a:lumOff val="50000"/>
+                  </a:schemeClr>
+                </a:solidFill>
+                <a:latin typeface="Consolas" panose="020B0609020204030204" pitchFamily="49" charset="0"/>
+              </a:rPr>
+              <a:t>At least one element in the source array could not be cast down to the destination array type.</a:t>
+            </a:r>
+            <a:endParaRPr lang="en-US" sz="2400" dirty="0" smtClean="0">
+              <a:solidFill>
+                <a:schemeClr val="tx1">
+                  <a:lumMod val="50000"/>
+                  <a:lumOff val="50000"/>
+                </a:schemeClr>
+              </a:solidFill>
+            </a:endParaRPr>
+          </a:p>
+        </p:txBody>
+      </p:sp>
+      <p:sp>
+        <p:nvSpPr>
+          <p:cNvPr id="16" name="Rectangle 15"/>
           <p:cNvSpPr/>
           <p:nvPr/>
         </p:nvSpPr>
@@ -9212,7 +10589,7 @@
       </p:sp>
       <p:sp>
         <p:nvSpPr>
-          <p:cNvPr id="5" name="Rectangle 4"/>
+          <p:cNvPr id="17" name="Rectangle 16"/>
           <p:cNvSpPr/>
           <p:nvPr/>
         </p:nvSpPr>
@@ -9270,7 +10647,7 @@
     </p:spTree>
     <p:extLst>
       <p:ext uri="{BB962C8B-B14F-4D97-AF65-F5344CB8AC3E}">
-        <p14:creationId xmlns:p14="http://schemas.microsoft.com/office/powerpoint/2010/main" val="3931629971"/>
+        <p14:creationId xmlns:p14="http://schemas.microsoft.com/office/powerpoint/2010/main" val="58178287"/>
       </p:ext>
     </p:extLst>
   </p:cSld>
@@ -9280,14 +10657,176 @@
   <p:timing>
     <p:tnLst>
       <p:par>
-        <p:cTn xmlns:p14="http://schemas.microsoft.com/office/powerpoint/2010/main" id="1" dur="indefinite" restart="never" nodeType="tmRoot"/>
+        <p:cTn id="1" dur="indefinite" restart="never" nodeType="tmRoot">
+          <p:childTnLst>
+            <p:seq concurrent="1" nextAc="seek">
+              <p:cTn id="2" dur="indefinite" nodeType="mainSeq">
+                <p:childTnLst>
+                  <p:par>
+                    <p:cTn id="3" fill="hold">
+                      <p:stCondLst>
+                        <p:cond delay="indefinite"/>
+                      </p:stCondLst>
+                      <p:childTnLst>
+                        <p:par>
+                          <p:cTn id="4" fill="hold">
+                            <p:stCondLst>
+                              <p:cond delay="0"/>
+                            </p:stCondLst>
+                            <p:childTnLst>
+                              <p:par>
+                                <p:cTn id="5" presetID="1" presetClass="entr" presetSubtype="0" fill="hold" nodeType="clickEffect">
+                                  <p:stCondLst>
+                                    <p:cond delay="0"/>
+                                  </p:stCondLst>
+                                  <p:childTnLst>
+                                    <p:set>
+                                      <p:cBhvr>
+                                        <p:cTn id="6" dur="1" fill="hold">
+                                          <p:stCondLst>
+                                            <p:cond delay="0"/>
+                                          </p:stCondLst>
+                                        </p:cTn>
+                                        <p:tgtEl>
+                                          <p:spTgt spid="4"/>
+                                        </p:tgtEl>
+                                        <p:attrNameLst>
+                                          <p:attrName>style.visibility</p:attrName>
+                                        </p:attrNameLst>
+                                      </p:cBhvr>
+                                      <p:to>
+                                        <p:strVal val="visible"/>
+                                      </p:to>
+                                    </p:set>
+                                  </p:childTnLst>
+                                </p:cTn>
+                              </p:par>
+                            </p:childTnLst>
+                          </p:cTn>
+                        </p:par>
+                      </p:childTnLst>
+                    </p:cTn>
+                  </p:par>
+                  <p:par>
+                    <p:cTn id="7" fill="hold">
+                      <p:stCondLst>
+                        <p:cond delay="indefinite"/>
+                      </p:stCondLst>
+                      <p:childTnLst>
+                        <p:par>
+                          <p:cTn id="8" fill="hold">
+                            <p:stCondLst>
+                              <p:cond delay="0"/>
+                            </p:stCondLst>
+                            <p:childTnLst>
+                              <p:par>
+                                <p:cTn id="9" presetID="1" presetClass="entr" presetSubtype="0" fill="hold" grpId="0" nodeType="clickEffect">
+                                  <p:stCondLst>
+                                    <p:cond delay="0"/>
+                                  </p:stCondLst>
+                                  <p:childTnLst>
+                                    <p:set>
+                                      <p:cBhvr>
+                                        <p:cTn id="10" dur="1" fill="hold">
+                                          <p:stCondLst>
+                                            <p:cond delay="0"/>
+                                          </p:stCondLst>
+                                        </p:cTn>
+                                        <p:tgtEl>
+                                          <p:spTgt spid="10"/>
+                                        </p:tgtEl>
+                                        <p:attrNameLst>
+                                          <p:attrName>style.visibility</p:attrName>
+                                        </p:attrNameLst>
+                                      </p:cBhvr>
+                                      <p:to>
+                                        <p:strVal val="visible"/>
+                                      </p:to>
+                                    </p:set>
+                                  </p:childTnLst>
+                                </p:cTn>
+                              </p:par>
+                            </p:childTnLst>
+                          </p:cTn>
+                        </p:par>
+                      </p:childTnLst>
+                    </p:cTn>
+                  </p:par>
+                  <p:par>
+                    <p:cTn id="11" fill="hold">
+                      <p:stCondLst>
+                        <p:cond delay="indefinite"/>
+                      </p:stCondLst>
+                      <p:childTnLst>
+                        <p:par>
+                          <p:cTn id="12" fill="hold">
+                            <p:stCondLst>
+                              <p:cond delay="0"/>
+                            </p:stCondLst>
+                            <p:childTnLst>
+                              <p:par>
+                                <p:cTn id="13" presetID="1" presetClass="entr" presetSubtype="0" fill="hold" grpId="0" nodeType="clickEffect">
+                                  <p:stCondLst>
+                                    <p:cond delay="0"/>
+                                  </p:stCondLst>
+                                  <p:childTnLst>
+                                    <p:set>
+                                      <p:cBhvr>
+                                        <p:cTn id="14" dur="1" fill="hold">
+                                          <p:stCondLst>
+                                            <p:cond delay="0"/>
+                                          </p:stCondLst>
+                                        </p:cTn>
+                                        <p:tgtEl>
+                                          <p:spTgt spid="11"/>
+                                        </p:tgtEl>
+                                        <p:attrNameLst>
+                                          <p:attrName>style.visibility</p:attrName>
+                                        </p:attrNameLst>
+                                      </p:cBhvr>
+                                      <p:to>
+                                        <p:strVal val="visible"/>
+                                      </p:to>
+                                    </p:set>
+                                  </p:childTnLst>
+                                </p:cTn>
+                              </p:par>
+                            </p:childTnLst>
+                          </p:cTn>
+                        </p:par>
+                      </p:childTnLst>
+                    </p:cTn>
+                  </p:par>
+                </p:childTnLst>
+              </p:cTn>
+              <p:prevCondLst>
+                <p:cond evt="onPrev" delay="0">
+                  <p:tgtEl>
+                    <p:sldTgt/>
+                  </p:tgtEl>
+                </p:cond>
+              </p:prevCondLst>
+              <p:nextCondLst>
+                <p:cond evt="onNext" delay="0">
+                  <p:tgtEl>
+                    <p:sldTgt/>
+                  </p:tgtEl>
+                </p:cond>
+              </p:nextCondLst>
+            </p:seq>
+          </p:childTnLst>
+        </p:cTn>
       </p:par>
     </p:tnLst>
+    <p:bldLst>
+      <p:bldP spid="10" grpId="0"/>
+      <p:bldP spid="11" grpId="0"/>
+    </p:bldLst>
   </p:timing>
 </p:sld>
 </file>
 
-<file path=ppt/slides/slide18.xml><?xml version="1.0" encoding="utf-8"?>
+<file path=ppt/slides/slide19.xml><?xml version="1.0" encoding="utf-8"?>
 <p:sld xmlns:a="http://schemas.openxmlformats.org/drawingml/2006/main" xmlns:r="http://schemas.openxmlformats.org/officeDocument/2006/relationships" xmlns:p="http://schemas.openxmlformats.org/presentationml/2006/main">
   <p:cSld>
     <p:spTree>
@@ -9400,8 +10939,17 @@
             </a:r>
             <a:r>
               <a:rPr lang="en-US" sz="2400" dirty="0"/>
-              <a:t>: &lt;Form&gt; could not be cast to destination array type &lt;Control&gt;</a:t>
-            </a:r>
+              <a:t>: &lt;Form&gt; could not be cast to destination array type </a:t>
+            </a:r>
+            <a:r>
+              <a:rPr lang="en-US" sz="2400"/>
+              <a:t>&lt;</a:t>
+            </a:r>
+            <a:r>
+              <a:rPr lang="en-US" sz="2400" smtClean="0"/>
+              <a:t>Control[]&gt;</a:t>
+            </a:r>
+            <a:endParaRPr lang="en-US" sz="2400" dirty="0"/>
           </a:p>
           <a:p>
             <a:r>
@@ -9960,166 +11508,7 @@
   <p:timing>
     <p:tnLst>
       <p:par>
-        <p:cTn xmlns:p14="http://schemas.microsoft.com/office/powerpoint/2010/main" id="1" dur="indefinite" restart="never" nodeType="tmRoot"/>
-      </p:par>
-    </p:tnLst>
-  </p:timing>
-</p:sld>
-</file>
-
-<file path=ppt/slides/slide19.xml><?xml version="1.0" encoding="utf-8"?>
-<p:sld xmlns:a="http://schemas.openxmlformats.org/drawingml/2006/main" xmlns:r="http://schemas.openxmlformats.org/officeDocument/2006/relationships" xmlns:p="http://schemas.openxmlformats.org/presentationml/2006/main">
-  <p:cSld>
-    <p:spTree>
-      <p:nvGrpSpPr>
-        <p:cNvPr id="1" name=""/>
-        <p:cNvGrpSpPr/>
-        <p:nvPr/>
-      </p:nvGrpSpPr>
-      <p:grpSpPr>
-        <a:xfrm>
-          <a:off x="0" y="0"/>
-          <a:ext cx="0" cy="0"/>
-          <a:chOff x="0" y="0"/>
-          <a:chExt cx="0" cy="0"/>
-        </a:xfrm>
-      </p:grpSpPr>
-      <p:sp>
-        <p:nvSpPr>
-          <p:cNvPr id="2" name="Title 1"/>
-          <p:cNvSpPr>
-            <a:spLocks noGrp="1"/>
-          </p:cNvSpPr>
-          <p:nvPr>
-            <p:ph type="title" idx="4294967295"/>
-          </p:nvPr>
-        </p:nvSpPr>
-        <p:spPr>
-          <a:xfrm>
-            <a:off x="1097280" y="264188"/>
-            <a:ext cx="10058400" cy="1025525"/>
-          </a:xfrm>
-        </p:spPr>
-        <p:txBody>
-          <a:bodyPr>
-            <a:normAutofit/>
-          </a:bodyPr>
-          <a:lstStyle/>
-          <a:p>
-            <a:r>
-              <a:rPr lang="en-US" sz="3600" dirty="0" smtClean="0"/>
-              <a:t>This exception proves the rule…</a:t>
-            </a:r>
-            <a:endParaRPr lang="en-US" sz="3600" dirty="0"/>
-          </a:p>
-        </p:txBody>
-      </p:sp>
-      <p:sp>
-        <p:nvSpPr>
-          <p:cNvPr id="3" name="Content Placeholder 2"/>
-          <p:cNvSpPr>
-            <a:spLocks noGrp="1"/>
-          </p:cNvSpPr>
-          <p:nvPr>
-            <p:ph idx="4294967295"/>
-          </p:nvPr>
-        </p:nvSpPr>
-        <p:spPr>
-          <a:xfrm>
-            <a:off x="1097280" y="1414804"/>
-            <a:ext cx="10058400" cy="4024313"/>
-          </a:xfrm>
-        </p:spPr>
-        <p:txBody>
-          <a:bodyPr anchor="ctr">
-            <a:normAutofit/>
-          </a:bodyPr>
-          <a:lstStyle/>
-          <a:p>
-            <a:pPr algn="ctr"/>
-            <a:r>
-              <a:rPr lang="en-US" sz="4800" i="1" spc="-50" dirty="0" smtClean="0">
-                <a:latin typeface="+mj-lt"/>
-                <a:ea typeface="+mj-ea"/>
-                <a:cs typeface="+mj-cs"/>
-              </a:rPr>
-              <a:t>“Runtime details make it clear where the error comes from”</a:t>
-            </a:r>
-            <a:endParaRPr lang="en-US" sz="4800" i="1" spc="-50" dirty="0">
-              <a:latin typeface="+mj-lt"/>
-              <a:ea typeface="+mj-ea"/>
-              <a:cs typeface="+mj-cs"/>
-            </a:endParaRPr>
-          </a:p>
-        </p:txBody>
-      </p:sp>
-      <p:sp>
-        <p:nvSpPr>
-          <p:cNvPr id="4" name="Title 1"/>
-          <p:cNvSpPr txBox="1">
-            <a:spLocks/>
-          </p:cNvSpPr>
-          <p:nvPr/>
-        </p:nvSpPr>
-        <p:spPr>
-          <a:xfrm>
-            <a:off x="1097280" y="5234030"/>
-            <a:ext cx="10058400" cy="1025730"/>
-          </a:xfrm>
-          <a:prstGeom prst="rect">
-            <a:avLst/>
-          </a:prstGeom>
-        </p:spPr>
-        <p:txBody>
-          <a:bodyPr vert="horz" lIns="91440" tIns="45720" rIns="91440" bIns="45720" rtlCol="0" anchor="b">
-            <a:normAutofit/>
-          </a:bodyPr>
-          <a:lstStyle>
-            <a:lvl1pPr algn="l" defTabSz="914400" rtl="0" eaLnBrk="1" latinLnBrk="0" hangingPunct="1">
-              <a:lnSpc>
-                <a:spcPct val="85000"/>
-              </a:lnSpc>
-              <a:spcBef>
-                <a:spcPct val="0"/>
-              </a:spcBef>
-              <a:buNone/>
-              <a:defRPr sz="4800" kern="1200" spc="-50" baseline="0">
-                <a:solidFill>
-                  <a:schemeClr val="tx1">
-                    <a:lumMod val="75000"/>
-                    <a:lumOff val="25000"/>
-                  </a:schemeClr>
-                </a:solidFill>
-                <a:latin typeface="+mj-lt"/>
-                <a:ea typeface="+mj-ea"/>
-                <a:cs typeface="+mj-cs"/>
-              </a:defRPr>
-            </a:lvl1pPr>
-          </a:lstStyle>
-          <a:p>
-            <a:pPr algn="r"/>
-            <a:r>
-              <a:rPr lang="en-US" sz="3600" dirty="0" smtClean="0"/>
-              <a:t>…to give the confused coder some guidance</a:t>
-            </a:r>
-            <a:endParaRPr lang="en-US" sz="3600" dirty="0"/>
-          </a:p>
-        </p:txBody>
-      </p:sp>
-    </p:spTree>
-    <p:extLst>
-      <p:ext uri="{BB962C8B-B14F-4D97-AF65-F5344CB8AC3E}">
-        <p14:creationId xmlns:p14="http://schemas.microsoft.com/office/powerpoint/2010/main" val="3646466883"/>
-      </p:ext>
-    </p:extLst>
-  </p:cSld>
-  <p:clrMapOvr>
-    <a:masterClrMapping/>
-  </p:clrMapOvr>
-  <p:timing>
-    <p:tnLst>
-      <p:par>
-        <p:cTn xmlns:p14="http://schemas.microsoft.com/office/powerpoint/2010/main" id="1" dur="indefinite" restart="never" nodeType="tmRoot"/>
+        <p:cTn id="1" dur="indefinite" restart="never" nodeType="tmRoot"/>
       </p:par>
     </p:tnLst>
   </p:timing>
@@ -10214,7 +11603,7 @@
   <p:timing>
     <p:tnLst>
       <p:par>
-        <p:cTn xmlns:p14="http://schemas.microsoft.com/office/powerpoint/2010/main" id="1" dur="indefinite" restart="never" nodeType="tmRoot"/>
+        <p:cTn id="1" dur="indefinite" restart="never" nodeType="tmRoot"/>
       </p:par>
     </p:tnLst>
   </p:timing>
@@ -10245,6 +11634,165 @@
             <a:spLocks noGrp="1"/>
           </p:cNvSpPr>
           <p:nvPr>
+            <p:ph type="title" idx="4294967295"/>
+          </p:nvPr>
+        </p:nvSpPr>
+        <p:spPr>
+          <a:xfrm>
+            <a:off x="1097280" y="264188"/>
+            <a:ext cx="10058400" cy="1025525"/>
+          </a:xfrm>
+        </p:spPr>
+        <p:txBody>
+          <a:bodyPr>
+            <a:normAutofit/>
+          </a:bodyPr>
+          <a:lstStyle/>
+          <a:p>
+            <a:r>
+              <a:rPr lang="en-US" sz="3600" dirty="0" smtClean="0"/>
+              <a:t>This exception proves the rule…</a:t>
+            </a:r>
+            <a:endParaRPr lang="en-US" sz="3600" dirty="0"/>
+          </a:p>
+        </p:txBody>
+      </p:sp>
+      <p:sp>
+        <p:nvSpPr>
+          <p:cNvPr id="3" name="Content Placeholder 2"/>
+          <p:cNvSpPr>
+            <a:spLocks noGrp="1"/>
+          </p:cNvSpPr>
+          <p:nvPr>
+            <p:ph idx="4294967295"/>
+          </p:nvPr>
+        </p:nvSpPr>
+        <p:spPr>
+          <a:xfrm>
+            <a:off x="1097280" y="1414804"/>
+            <a:ext cx="10058400" cy="4024313"/>
+          </a:xfrm>
+        </p:spPr>
+        <p:txBody>
+          <a:bodyPr anchor="ctr">
+            <a:normAutofit/>
+          </a:bodyPr>
+          <a:lstStyle/>
+          <a:p>
+            <a:pPr algn="ctr"/>
+            <a:r>
+              <a:rPr lang="en-US" sz="4800" i="1" spc="-50" dirty="0" smtClean="0">
+                <a:latin typeface="+mj-lt"/>
+                <a:ea typeface="+mj-ea"/>
+                <a:cs typeface="+mj-cs"/>
+              </a:rPr>
+              <a:t>“Runtime details make it clear where the error comes from”</a:t>
+            </a:r>
+            <a:endParaRPr lang="en-US" sz="4800" i="1" spc="-50" dirty="0">
+              <a:latin typeface="+mj-lt"/>
+              <a:ea typeface="+mj-ea"/>
+              <a:cs typeface="+mj-cs"/>
+            </a:endParaRPr>
+          </a:p>
+        </p:txBody>
+      </p:sp>
+      <p:sp>
+        <p:nvSpPr>
+          <p:cNvPr id="4" name="Title 1"/>
+          <p:cNvSpPr txBox="1">
+            <a:spLocks/>
+          </p:cNvSpPr>
+          <p:nvPr/>
+        </p:nvSpPr>
+        <p:spPr>
+          <a:xfrm>
+            <a:off x="1097280" y="5234030"/>
+            <a:ext cx="10058400" cy="1025730"/>
+          </a:xfrm>
+          <a:prstGeom prst="rect">
+            <a:avLst/>
+          </a:prstGeom>
+        </p:spPr>
+        <p:txBody>
+          <a:bodyPr vert="horz" lIns="91440" tIns="45720" rIns="91440" bIns="45720" rtlCol="0" anchor="b">
+            <a:normAutofit/>
+          </a:bodyPr>
+          <a:lstStyle>
+            <a:lvl1pPr algn="l" defTabSz="914400" rtl="0" eaLnBrk="1" latinLnBrk="0" hangingPunct="1">
+              <a:lnSpc>
+                <a:spcPct val="85000"/>
+              </a:lnSpc>
+              <a:spcBef>
+                <a:spcPct val="0"/>
+              </a:spcBef>
+              <a:buNone/>
+              <a:defRPr sz="4800" kern="1200" spc="-50" baseline="0">
+                <a:solidFill>
+                  <a:schemeClr val="tx1">
+                    <a:lumMod val="75000"/>
+                    <a:lumOff val="25000"/>
+                  </a:schemeClr>
+                </a:solidFill>
+                <a:latin typeface="+mj-lt"/>
+                <a:ea typeface="+mj-ea"/>
+                <a:cs typeface="+mj-cs"/>
+              </a:defRPr>
+            </a:lvl1pPr>
+          </a:lstStyle>
+          <a:p>
+            <a:pPr algn="r"/>
+            <a:r>
+              <a:rPr lang="en-US" sz="3600" dirty="0" smtClean="0"/>
+              <a:t>…to give the confused coder some guidance</a:t>
+            </a:r>
+            <a:endParaRPr lang="en-US" sz="3600" dirty="0"/>
+          </a:p>
+        </p:txBody>
+      </p:sp>
+    </p:spTree>
+    <p:extLst>
+      <p:ext uri="{BB962C8B-B14F-4D97-AF65-F5344CB8AC3E}">
+        <p14:creationId xmlns:p14="http://schemas.microsoft.com/office/powerpoint/2010/main" val="3646466883"/>
+      </p:ext>
+    </p:extLst>
+  </p:cSld>
+  <p:clrMapOvr>
+    <a:masterClrMapping/>
+  </p:clrMapOvr>
+  <p:timing>
+    <p:tnLst>
+      <p:par>
+        <p:cTn id="1" dur="indefinite" restart="never" nodeType="tmRoot"/>
+      </p:par>
+    </p:tnLst>
+  </p:timing>
+</p:sld>
+</file>
+
+<file path=ppt/slides/slide21.xml><?xml version="1.0" encoding="utf-8"?>
+<p:sld xmlns:a="http://schemas.openxmlformats.org/drawingml/2006/main" xmlns:r="http://schemas.openxmlformats.org/officeDocument/2006/relationships" xmlns:p="http://schemas.openxmlformats.org/presentationml/2006/main">
+  <p:cSld>
+    <p:spTree>
+      <p:nvGrpSpPr>
+        <p:cNvPr id="1" name=""/>
+        <p:cNvGrpSpPr/>
+        <p:nvPr/>
+      </p:nvGrpSpPr>
+      <p:grpSpPr>
+        <a:xfrm>
+          <a:off x="0" y="0"/>
+          <a:ext cx="0" cy="0"/>
+          <a:chOff x="0" y="0"/>
+          <a:chExt cx="0" cy="0"/>
+        </a:xfrm>
+      </p:grpSpPr>
+      <p:sp>
+        <p:nvSpPr>
+          <p:cNvPr id="2" name="Title 1"/>
+          <p:cNvSpPr>
+            <a:spLocks noGrp="1"/>
+          </p:cNvSpPr>
+          <p:nvPr>
             <p:ph type="ctrTitle"/>
           </p:nvPr>
         </p:nvSpPr>
@@ -10293,14 +11841,14 @@
   <p:timing>
     <p:tnLst>
       <p:par>
-        <p:cTn xmlns:p14="http://schemas.microsoft.com/office/powerpoint/2010/main" id="1" dur="indefinite" restart="never" nodeType="tmRoot"/>
+        <p:cTn id="1" dur="indefinite" restart="never" nodeType="tmRoot"/>
       </p:par>
     </p:tnLst>
   </p:timing>
 </p:sld>
 </file>
 
-<file path=ppt/slides/slide21.xml><?xml version="1.0" encoding="utf-8"?>
+<file path=ppt/slides/slide22.xml><?xml version="1.0" encoding="utf-8"?>
 <p:sld xmlns:a="http://schemas.openxmlformats.org/drawingml/2006/main" xmlns:r="http://schemas.openxmlformats.org/officeDocument/2006/relationships" xmlns:p="http://schemas.openxmlformats.org/presentationml/2006/main">
   <p:cSld>
     <p:spTree>
@@ -10975,7 +12523,7 @@
   <p:timing>
     <p:tnLst>
       <p:par>
-        <p:cTn xmlns:p14="http://schemas.microsoft.com/office/powerpoint/2010/main" id="1" dur="indefinite" restart="never" nodeType="tmRoot">
+        <p:cTn id="1" dur="indefinite" restart="never" nodeType="tmRoot">
           <p:childTnLst>
             <p:seq concurrent="1" nextAc="seek">
               <p:cTn id="2" dur="indefinite" nodeType="mainSeq">
@@ -11099,7 +12647,7 @@
 </p:sld>
 </file>
 
-<file path=ppt/slides/slide22.xml><?xml version="1.0" encoding="utf-8"?>
+<file path=ppt/slides/slide23.xml><?xml version="1.0" encoding="utf-8"?>
 <p:sld xmlns:a="http://schemas.openxmlformats.org/drawingml/2006/main" xmlns:r="http://schemas.openxmlformats.org/officeDocument/2006/relationships" xmlns:p="http://schemas.openxmlformats.org/presentationml/2006/main">
   <p:cSld>
     <p:spTree>
@@ -11501,14 +13049,14 @@
   <p:timing>
     <p:tnLst>
       <p:par>
-        <p:cTn xmlns:p14="http://schemas.microsoft.com/office/powerpoint/2010/main" id="1" dur="indefinite" restart="never" nodeType="tmRoot"/>
+        <p:cTn id="1" dur="indefinite" restart="never" nodeType="tmRoot"/>
       </p:par>
     </p:tnLst>
   </p:timing>
 </p:sld>
 </file>
 
-<file path=ppt/slides/slide23.xml><?xml version="1.0" encoding="utf-8"?>
+<file path=ppt/slides/slide24.xml><?xml version="1.0" encoding="utf-8"?>
 <p:sld xmlns:a="http://schemas.openxmlformats.org/drawingml/2006/main" xmlns:r="http://schemas.openxmlformats.org/officeDocument/2006/relationships" xmlns:p="http://schemas.openxmlformats.org/presentationml/2006/main">
   <p:cSld>
     <p:spTree>
@@ -11562,14 +13110,14 @@
   <p:timing>
     <p:tnLst>
       <p:par>
-        <p:cTn xmlns:p14="http://schemas.microsoft.com/office/powerpoint/2010/main" id="1" dur="indefinite" restart="never" nodeType="tmRoot"/>
+        <p:cTn id="1" dur="indefinite" restart="never" nodeType="tmRoot"/>
       </p:par>
     </p:tnLst>
   </p:timing>
 </p:sld>
 </file>
 
-<file path=ppt/slides/slide24.xml><?xml version="1.0" encoding="utf-8"?>
+<file path=ppt/slides/slide25.xml><?xml version="1.0" encoding="utf-8"?>
 <p:sld xmlns:a="http://schemas.openxmlformats.org/drawingml/2006/main" xmlns:r="http://schemas.openxmlformats.org/officeDocument/2006/relationships" xmlns:p="http://schemas.openxmlformats.org/presentationml/2006/main">
   <p:cSld>
     <p:spTree>
@@ -12399,14 +13947,14 @@
   <p:timing>
     <p:tnLst>
       <p:par>
-        <p:cTn xmlns:p14="http://schemas.microsoft.com/office/powerpoint/2010/main" id="1" dur="indefinite" restart="never" nodeType="tmRoot"/>
+        <p:cTn id="1" dur="indefinite" restart="never" nodeType="tmRoot"/>
       </p:par>
     </p:tnLst>
   </p:timing>
 </p:sld>
 </file>
 
-<file path=ppt/slides/slide25.xml><?xml version="1.0" encoding="utf-8"?>
+<file path=ppt/slides/slide26.xml><?xml version="1.0" encoding="utf-8"?>
 <p:sld xmlns:a="http://schemas.openxmlformats.org/drawingml/2006/main" xmlns:r="http://schemas.openxmlformats.org/officeDocument/2006/relationships" xmlns:p="http://schemas.openxmlformats.org/presentationml/2006/main">
   <p:cSld>
     <p:spTree>
@@ -12585,14 +14133,14 @@
   <p:timing>
     <p:tnLst>
       <p:par>
-        <p:cTn xmlns:p14="http://schemas.microsoft.com/office/powerpoint/2010/main" id="1" dur="indefinite" restart="never" nodeType="tmRoot"/>
+        <p:cTn id="1" dur="indefinite" restart="never" nodeType="tmRoot"/>
       </p:par>
     </p:tnLst>
   </p:timing>
 </p:sld>
 </file>
 
-<file path=ppt/slides/slide26.xml><?xml version="1.0" encoding="utf-8"?>
+<file path=ppt/slides/slide27.xml><?xml version="1.0" encoding="utf-8"?>
 <p:sld xmlns:a="http://schemas.openxmlformats.org/drawingml/2006/main" xmlns:r="http://schemas.openxmlformats.org/officeDocument/2006/relationships" xmlns:p="http://schemas.openxmlformats.org/presentationml/2006/main">
   <p:cSld>
     <p:spTree>
@@ -12664,14 +14212,14 @@
   <p:timing>
     <p:tnLst>
       <p:par>
-        <p:cTn xmlns:p14="http://schemas.microsoft.com/office/powerpoint/2010/main" id="1" dur="indefinite" restart="never" nodeType="tmRoot"/>
+        <p:cTn id="1" dur="indefinite" restart="never" nodeType="tmRoot"/>
       </p:par>
     </p:tnLst>
   </p:timing>
 </p:sld>
 </file>
 
-<file path=ppt/slides/slide27.xml><?xml version="1.0" encoding="utf-8"?>
+<file path=ppt/slides/slide28.xml><?xml version="1.0" encoding="utf-8"?>
 <p:sld xmlns:a="http://schemas.openxmlformats.org/drawingml/2006/main" xmlns:r="http://schemas.openxmlformats.org/officeDocument/2006/relationships" xmlns:p="http://schemas.openxmlformats.org/presentationml/2006/main">
   <p:cSld>
     <p:spTree>
@@ -13986,7 +15534,7 @@
   <p:timing>
     <p:tnLst>
       <p:par>
-        <p:cTn xmlns:p14="http://schemas.microsoft.com/office/powerpoint/2010/main" id="1" dur="indefinite" restart="never" nodeType="tmRoot">
+        <p:cTn id="1" dur="indefinite" restart="never" nodeType="tmRoot">
           <p:childTnLst>
             <p:seq concurrent="1" nextAc="seek">
               <p:cTn id="2" dur="indefinite" nodeType="mainSeq">
@@ -14155,7 +15703,7 @@
 </p:sld>
 </file>
 
-<file path=ppt/slides/slide28.xml><?xml version="1.0" encoding="utf-8"?>
+<file path=ppt/slides/slide29.xml><?xml version="1.0" encoding="utf-8"?>
 <p:sld xmlns:a="http://schemas.openxmlformats.org/drawingml/2006/main" xmlns:r="http://schemas.openxmlformats.org/officeDocument/2006/relationships" xmlns:p="http://schemas.openxmlformats.org/presentationml/2006/main">
   <p:cSld>
     <p:spTree>
@@ -14699,1468 +16247,7 @@
   <p:timing>
     <p:tnLst>
       <p:par>
-        <p:cTn xmlns:p14="http://schemas.microsoft.com/office/powerpoint/2010/main" id="1" dur="indefinite" restart="never" nodeType="tmRoot"/>
-      </p:par>
-    </p:tnLst>
-  </p:timing>
-</p:sld>
-</file>
-
-<file path=ppt/slides/slide29.xml><?xml version="1.0" encoding="utf-8"?>
-<p:sld xmlns:a="http://schemas.openxmlformats.org/drawingml/2006/main" xmlns:r="http://schemas.openxmlformats.org/officeDocument/2006/relationships" xmlns:p="http://schemas.openxmlformats.org/presentationml/2006/main">
-  <p:cSld>
-    <p:spTree>
-      <p:nvGrpSpPr>
-        <p:cNvPr id="1" name=""/>
-        <p:cNvGrpSpPr/>
-        <p:nvPr/>
-      </p:nvGrpSpPr>
-      <p:grpSpPr>
-        <a:xfrm>
-          <a:off x="0" y="0"/>
-          <a:ext cx="0" cy="0"/>
-          <a:chOff x="0" y="0"/>
-          <a:chExt cx="0" cy="0"/>
-        </a:xfrm>
-      </p:grpSpPr>
-      <p:sp>
-        <p:nvSpPr>
-          <p:cNvPr id="3" name="Rectangle 2"/>
-          <p:cNvSpPr/>
-          <p:nvPr/>
-        </p:nvSpPr>
-        <p:spPr>
-          <a:xfrm>
-            <a:off x="6611" y="377047"/>
-            <a:ext cx="580770" cy="1631216"/>
-          </a:xfrm>
-          <a:prstGeom prst="rect">
-            <a:avLst/>
-          </a:prstGeom>
-        </p:spPr>
-        <p:txBody>
-          <a:bodyPr wrap="square">
-            <a:spAutoFit/>
-          </a:bodyPr>
-          <a:lstStyle/>
-          <a:p>
-            <a:r>
-              <a:rPr lang="en-US" sz="2000" dirty="0" smtClean="0">
-                <a:solidFill>
-                  <a:srgbClr val="2B91AF"/>
-                </a:solidFill>
-                <a:highlight>
-                  <a:srgbClr val="FFFFFF"/>
-                </a:highlight>
-                <a:latin typeface="Consolas" panose="020B0609020204030204" pitchFamily="49" charset="0"/>
-              </a:rPr>
-              <a:t>82 </a:t>
-            </a:r>
-          </a:p>
-          <a:p>
-            <a:r>
-              <a:rPr lang="en-US" sz="2000" dirty="0" smtClean="0">
-                <a:solidFill>
-                  <a:srgbClr val="2B91AF"/>
-                </a:solidFill>
-                <a:highlight>
-                  <a:srgbClr val="FFFFFF"/>
-                </a:highlight>
-                <a:latin typeface="Consolas" panose="020B0609020204030204" pitchFamily="49" charset="0"/>
-              </a:rPr>
-              <a:t>83 </a:t>
-            </a:r>
-          </a:p>
-          <a:p>
-            <a:r>
-              <a:rPr lang="en-US" sz="2000" dirty="0" smtClean="0">
-                <a:solidFill>
-                  <a:srgbClr val="2B91AF"/>
-                </a:solidFill>
-                <a:highlight>
-                  <a:srgbClr val="FFFFFF"/>
-                </a:highlight>
-                <a:latin typeface="Consolas" panose="020B0609020204030204" pitchFamily="49" charset="0"/>
-              </a:rPr>
-              <a:t>84 </a:t>
-            </a:r>
-          </a:p>
-          <a:p>
-            <a:r>
-              <a:rPr lang="en-US" sz="2000" dirty="0" smtClean="0">
-                <a:solidFill>
-                  <a:srgbClr val="2B91AF"/>
-                </a:solidFill>
-                <a:highlight>
-                  <a:srgbClr val="FFFFFF"/>
-                </a:highlight>
-                <a:latin typeface="Consolas" panose="020B0609020204030204" pitchFamily="49" charset="0"/>
-              </a:rPr>
-              <a:t>85</a:t>
-            </a:r>
-          </a:p>
-          <a:p>
-            <a:r>
-              <a:rPr lang="en-US" sz="2000" dirty="0" smtClean="0">
-                <a:solidFill>
-                  <a:srgbClr val="2B91AF"/>
-                </a:solidFill>
-                <a:highlight>
-                  <a:srgbClr val="FFFFFF"/>
-                </a:highlight>
-                <a:latin typeface="Consolas" panose="020B0609020204030204" pitchFamily="49" charset="0"/>
-              </a:rPr>
-              <a:t>86</a:t>
-            </a:r>
-          </a:p>
-        </p:txBody>
-      </p:sp>
-      <p:sp>
-        <p:nvSpPr>
-          <p:cNvPr id="5" name="Rectangle 4"/>
-          <p:cNvSpPr/>
-          <p:nvPr/>
-        </p:nvSpPr>
-        <p:spPr>
-          <a:xfrm>
-            <a:off x="3112617" y="2018654"/>
-            <a:ext cx="9007861" cy="3385542"/>
-          </a:xfrm>
-          <a:prstGeom prst="rect">
-            <a:avLst/>
-          </a:prstGeom>
-          <a:ln w="57150">
-            <a:solidFill>
-              <a:srgbClr val="FF0000"/>
-            </a:solidFill>
-          </a:ln>
-        </p:spPr>
-        <p:txBody>
-          <a:bodyPr wrap="square">
-            <a:spAutoFit/>
-          </a:bodyPr>
-          <a:lstStyle/>
-          <a:p>
-            <a:r>
-              <a:rPr lang="en-US" sz="1600" dirty="0" err="1" smtClean="0">
-                <a:solidFill>
-                  <a:srgbClr val="000000"/>
-                </a:solidFill>
-                <a:latin typeface="Consolas" panose="020B0609020204030204" pitchFamily="49" charset="0"/>
-              </a:rPr>
-              <a:t>System.MissingMethodException</a:t>
-            </a:r>
-            <a:r>
-              <a:rPr lang="en-US" sz="1600" dirty="0">
-                <a:solidFill>
-                  <a:srgbClr val="000000"/>
-                </a:solidFill>
-                <a:latin typeface="Consolas" panose="020B0609020204030204" pitchFamily="49" charset="0"/>
-              </a:rPr>
-              <a:t>: </a:t>
-            </a:r>
-            <a:endParaRPr lang="en-US" sz="1600" dirty="0" smtClean="0">
-              <a:solidFill>
-                <a:srgbClr val="000000"/>
-              </a:solidFill>
-              <a:latin typeface="Consolas" panose="020B0609020204030204" pitchFamily="49" charset="0"/>
-            </a:endParaRPr>
-          </a:p>
-          <a:p>
-            <a:r>
-              <a:rPr lang="en-US" sz="1600" dirty="0">
-                <a:solidFill>
-                  <a:srgbClr val="000000"/>
-                </a:solidFill>
-                <a:latin typeface="Consolas" panose="020B0609020204030204" pitchFamily="49" charset="0"/>
-              </a:rPr>
-              <a:t> Cannot find method: </a:t>
-            </a:r>
-            <a:r>
-              <a:rPr lang="en-US" sz="1600" dirty="0" err="1">
-                <a:solidFill>
-                  <a:srgbClr val="000000"/>
-                </a:solidFill>
-                <a:latin typeface="Consolas" panose="020B0609020204030204" pitchFamily="49" charset="0"/>
-              </a:rPr>
-              <a:t>GetFlag</a:t>
-            </a:r>
-            <a:r>
-              <a:rPr lang="en-US" sz="1600" dirty="0">
-                <a:solidFill>
-                  <a:srgbClr val="000000"/>
-                </a:solidFill>
-                <a:latin typeface="Consolas" panose="020B0609020204030204" pitchFamily="49" charset="0"/>
-              </a:rPr>
-              <a:t>(</a:t>
-            </a:r>
-            <a:r>
-              <a:rPr lang="en-US" sz="1600" dirty="0" err="1">
-                <a:solidFill>
-                  <a:srgbClr val="000000"/>
-                </a:solidFill>
-                <a:latin typeface="Consolas" panose="020B0609020204030204" pitchFamily="49" charset="0"/>
-              </a:rPr>
-              <a:t>int</a:t>
-            </a:r>
-            <a:r>
-              <a:rPr lang="en-US" sz="1600" dirty="0" smtClean="0">
-                <a:solidFill>
-                  <a:srgbClr val="000000"/>
-                </a:solidFill>
-                <a:latin typeface="Consolas" panose="020B0609020204030204" pitchFamily="49" charset="0"/>
-              </a:rPr>
-              <a:t>[]).</a:t>
-            </a:r>
-          </a:p>
-          <a:p>
-            <a:r>
-              <a:rPr lang="en-US" sz="1600" dirty="0" smtClean="0">
-                <a:solidFill>
-                  <a:srgbClr val="000000"/>
-                </a:solidFill>
-                <a:latin typeface="Consolas" panose="020B0609020204030204" pitchFamily="49" charset="0"/>
-              </a:rPr>
-              <a:t> Possible </a:t>
-            </a:r>
-            <a:r>
-              <a:rPr lang="en-US" sz="1600" dirty="0">
-                <a:solidFill>
-                  <a:srgbClr val="000000"/>
-                </a:solidFill>
-                <a:latin typeface="Consolas" panose="020B0609020204030204" pitchFamily="49" charset="0"/>
-              </a:rPr>
-              <a:t>methods starting with “G” are:</a:t>
-            </a:r>
-          </a:p>
-          <a:p>
-            <a:r>
-              <a:rPr lang="en-US" sz="1600" dirty="0" smtClean="0">
-                <a:solidFill>
-                  <a:srgbClr val="000000"/>
-                </a:solidFill>
-                <a:latin typeface="Consolas" panose="020B0609020204030204" pitchFamily="49" charset="0"/>
-              </a:rPr>
-              <a:t>	</a:t>
-            </a:r>
-            <a:r>
-              <a:rPr lang="en-US" sz="1600" dirty="0" err="1" smtClean="0">
-                <a:solidFill>
-                  <a:srgbClr val="000000"/>
-                </a:solidFill>
-                <a:latin typeface="Consolas" panose="020B0609020204030204" pitchFamily="49" charset="0"/>
-              </a:rPr>
-              <a:t>GetFlag</a:t>
-            </a:r>
-            <a:r>
-              <a:rPr lang="en-US" sz="1600" dirty="0" smtClean="0">
-                <a:solidFill>
-                  <a:srgbClr val="000000"/>
-                </a:solidFill>
-                <a:latin typeface="Consolas" panose="020B0609020204030204" pitchFamily="49" charset="0"/>
-              </a:rPr>
-              <a:t>(</a:t>
-            </a:r>
-            <a:r>
-              <a:rPr lang="en-US" sz="1600" dirty="0" err="1" smtClean="0">
-                <a:solidFill>
-                  <a:srgbClr val="000000"/>
-                </a:solidFill>
-                <a:latin typeface="Consolas" panose="020B0609020204030204" pitchFamily="49" charset="0"/>
-              </a:rPr>
-              <a:t>int</a:t>
-            </a:r>
-            <a:r>
-              <a:rPr lang="en-US" sz="1600" dirty="0">
-                <a:solidFill>
-                  <a:srgbClr val="000000"/>
-                </a:solidFill>
-                <a:latin typeface="Consolas" panose="020B0609020204030204" pitchFamily="49" charset="0"/>
-              </a:rPr>
-              <a:t>)</a:t>
-            </a:r>
-          </a:p>
-          <a:p>
-            <a:r>
-              <a:rPr lang="en-US" sz="1600" dirty="0" smtClean="0">
-                <a:solidFill>
-                  <a:srgbClr val="000000"/>
-                </a:solidFill>
-                <a:latin typeface="Consolas" panose="020B0609020204030204" pitchFamily="49" charset="0"/>
-              </a:rPr>
-              <a:t>	</a:t>
-            </a:r>
-            <a:r>
-              <a:rPr lang="en-US" sz="1600" dirty="0" err="1" smtClean="0">
-                <a:solidFill>
-                  <a:srgbClr val="000000"/>
-                </a:solidFill>
-                <a:latin typeface="Consolas" panose="020B0609020204030204" pitchFamily="49" charset="0"/>
-              </a:rPr>
-              <a:t>GetPreferedSizeCore</a:t>
-            </a:r>
-            <a:r>
-              <a:rPr lang="en-US" sz="1600" dirty="0" smtClean="0">
-                <a:solidFill>
-                  <a:srgbClr val="000000"/>
-                </a:solidFill>
-                <a:latin typeface="Consolas" panose="020B0609020204030204" pitchFamily="49" charset="0"/>
-              </a:rPr>
-              <a:t>(Size</a:t>
-            </a:r>
-            <a:r>
-              <a:rPr lang="en-US" sz="1600" dirty="0">
-                <a:solidFill>
-                  <a:srgbClr val="000000"/>
-                </a:solidFill>
-                <a:latin typeface="Consolas" panose="020B0609020204030204" pitchFamily="49" charset="0"/>
-              </a:rPr>
-              <a:t>)</a:t>
-            </a:r>
-          </a:p>
-          <a:p>
-            <a:r>
-              <a:rPr lang="en-US" sz="1600" dirty="0" smtClean="0">
-                <a:solidFill>
-                  <a:srgbClr val="000000"/>
-                </a:solidFill>
-                <a:latin typeface="Consolas" panose="020B0609020204030204" pitchFamily="49" charset="0"/>
-              </a:rPr>
-              <a:t> Common Fixes </a:t>
-            </a:r>
-          </a:p>
-          <a:p>
-            <a:r>
-              <a:rPr lang="en-US" sz="1600" dirty="0" smtClean="0">
-                <a:solidFill>
-                  <a:srgbClr val="000000"/>
-                </a:solidFill>
-                <a:latin typeface="Consolas" panose="020B0609020204030204" pitchFamily="49" charset="0"/>
-              </a:rPr>
-              <a:t>  If </a:t>
-            </a:r>
-            <a:r>
-              <a:rPr lang="en-US" sz="1600" dirty="0">
-                <a:solidFill>
-                  <a:srgbClr val="000000"/>
-                </a:solidFill>
-                <a:latin typeface="Consolas" panose="020B0609020204030204" pitchFamily="49" charset="0"/>
-              </a:rPr>
-              <a:t>method not </a:t>
-            </a:r>
-            <a:r>
-              <a:rPr lang="en-US" sz="1600" dirty="0" smtClean="0">
-                <a:solidFill>
-                  <a:srgbClr val="000000"/>
-                </a:solidFill>
-                <a:latin typeface="Consolas" panose="020B0609020204030204" pitchFamily="49" charset="0"/>
-              </a:rPr>
-              <a:t>listed it might be on a base class</a:t>
-            </a:r>
-          </a:p>
-          <a:p>
-            <a:r>
-              <a:rPr lang="en-US" sz="1600" dirty="0">
-                <a:solidFill>
-                  <a:srgbClr val="000000"/>
-                </a:solidFill>
-                <a:latin typeface="Consolas" panose="020B0609020204030204" pitchFamily="49" charset="0"/>
-              </a:rPr>
-              <a:t>	</a:t>
-            </a:r>
-            <a:r>
-              <a:rPr lang="en-US" sz="1600" dirty="0" smtClean="0">
-                <a:solidFill>
-                  <a:srgbClr val="000000"/>
-                </a:solidFill>
-                <a:latin typeface="Consolas" panose="020B0609020204030204" pitchFamily="49" charset="0"/>
-              </a:rPr>
-              <a:t>i</a:t>
-            </a:r>
-            <a:r>
-              <a:rPr lang="en-US" sz="1600" dirty="0">
-                <a:solidFill>
-                  <a:srgbClr val="000000"/>
-                </a:solidFill>
-                <a:latin typeface="Consolas" panose="020B0609020204030204" pitchFamily="49" charset="0"/>
-              </a:rPr>
-              <a:t>.</a:t>
-            </a:r>
-            <a:r>
-              <a:rPr lang="en-US" sz="1600" dirty="0" smtClean="0">
-                <a:solidFill>
-                  <a:srgbClr val="000000"/>
-                </a:solidFill>
-                <a:latin typeface="Consolas" panose="020B0609020204030204" pitchFamily="49" charset="0"/>
-              </a:rPr>
-              <a:t>e. new </a:t>
-            </a:r>
-            <a:r>
-              <a:rPr lang="en-US" sz="1600" dirty="0" err="1">
-                <a:solidFill>
-                  <a:srgbClr val="000000"/>
-                </a:solidFill>
-                <a:latin typeface="Consolas" panose="020B0609020204030204" pitchFamily="49" charset="0"/>
-              </a:rPr>
-              <a:t>PrivateObject</a:t>
-            </a:r>
-            <a:r>
-              <a:rPr lang="en-US" sz="1600" dirty="0">
-                <a:solidFill>
-                  <a:srgbClr val="000000"/>
-                </a:solidFill>
-                <a:latin typeface="Consolas" panose="020B0609020204030204" pitchFamily="49" charset="0"/>
-              </a:rPr>
-              <a:t>(o, new </a:t>
-            </a:r>
-            <a:r>
-              <a:rPr lang="en-US" sz="1600" dirty="0" err="1">
-                <a:solidFill>
-                  <a:srgbClr val="000000"/>
-                </a:solidFill>
-                <a:latin typeface="Consolas" panose="020B0609020204030204" pitchFamily="49" charset="0"/>
-              </a:rPr>
-              <a:t>PrivateType</a:t>
-            </a:r>
-            <a:r>
-              <a:rPr lang="en-US" sz="1600" dirty="0">
-                <a:solidFill>
-                  <a:srgbClr val="000000"/>
-                </a:solidFill>
-                <a:latin typeface="Consolas" panose="020B0609020204030204" pitchFamily="49" charset="0"/>
-              </a:rPr>
-              <a:t>(</a:t>
-            </a:r>
-            <a:r>
-              <a:rPr lang="en-US" sz="1600" dirty="0" err="1">
-                <a:solidFill>
-                  <a:srgbClr val="000000"/>
-                </a:solidFill>
-                <a:latin typeface="Consolas" panose="020B0609020204030204" pitchFamily="49" charset="0"/>
-              </a:rPr>
-              <a:t>typeof</a:t>
-            </a:r>
-            <a:r>
-              <a:rPr lang="en-US" sz="1600" dirty="0">
-                <a:solidFill>
-                  <a:srgbClr val="000000"/>
-                </a:solidFill>
-                <a:latin typeface="Consolas" panose="020B0609020204030204" pitchFamily="49" charset="0"/>
-              </a:rPr>
-              <a:t>(</a:t>
-            </a:r>
-            <a:r>
-              <a:rPr lang="en-US" sz="1600" dirty="0" err="1">
-                <a:solidFill>
-                  <a:srgbClr val="000000"/>
-                </a:solidFill>
-                <a:latin typeface="Consolas" panose="020B0609020204030204" pitchFamily="49" charset="0"/>
-              </a:rPr>
-              <a:t>BaseClass</a:t>
-            </a:r>
-            <a:r>
-              <a:rPr lang="en-US" sz="1600" dirty="0">
-                <a:solidFill>
-                  <a:srgbClr val="000000"/>
-                </a:solidFill>
-                <a:latin typeface="Consolas" panose="020B0609020204030204" pitchFamily="49" charset="0"/>
-              </a:rPr>
-              <a:t>)))</a:t>
-            </a:r>
-          </a:p>
-          <a:p>
-            <a:r>
-              <a:rPr lang="en-US" sz="1600" dirty="0" smtClean="0">
-                <a:solidFill>
-                  <a:srgbClr val="000000"/>
-                </a:solidFill>
-                <a:latin typeface="Consolas" panose="020B0609020204030204" pitchFamily="49" charset="0"/>
-              </a:rPr>
-              <a:t>  If method is listed check </a:t>
-            </a:r>
-            <a:r>
-              <a:rPr lang="en-US" sz="1600" dirty="0">
-                <a:solidFill>
-                  <a:srgbClr val="000000"/>
-                </a:solidFill>
-                <a:latin typeface="Consolas" panose="020B0609020204030204" pitchFamily="49" charset="0"/>
-              </a:rPr>
-              <a:t>your parameter </a:t>
-            </a:r>
-            <a:r>
-              <a:rPr lang="en-US" sz="1600" dirty="0" smtClean="0">
-                <a:solidFill>
-                  <a:srgbClr val="000000"/>
-                </a:solidFill>
-                <a:latin typeface="Consolas" panose="020B0609020204030204" pitchFamily="49" charset="0"/>
-              </a:rPr>
-              <a:t>list</a:t>
-            </a:r>
-          </a:p>
-          <a:p>
-            <a:r>
-              <a:rPr lang="en-US" sz="1600" dirty="0">
-                <a:solidFill>
-                  <a:srgbClr val="000000"/>
-                </a:solidFill>
-                <a:latin typeface="Consolas" panose="020B0609020204030204" pitchFamily="49" charset="0"/>
-              </a:rPr>
-              <a:t>	</a:t>
-            </a:r>
-            <a:r>
-              <a:rPr lang="en-US" sz="1600" dirty="0" smtClean="0">
-                <a:solidFill>
-                  <a:srgbClr val="000000"/>
-                </a:solidFill>
-                <a:latin typeface="Consolas" panose="020B0609020204030204" pitchFamily="49" charset="0"/>
-              </a:rPr>
-              <a:t>i.e. </a:t>
-            </a:r>
-            <a:r>
-              <a:rPr lang="en-US" sz="1600" dirty="0" err="1" smtClean="0">
-                <a:solidFill>
-                  <a:srgbClr val="000000"/>
-                </a:solidFill>
-                <a:latin typeface="Consolas" panose="020B0609020204030204" pitchFamily="49" charset="0"/>
-              </a:rPr>
-              <a:t>p.Invoke</a:t>
-            </a:r>
-            <a:r>
-              <a:rPr lang="en-US" sz="1600" dirty="0">
-                <a:solidFill>
-                  <a:srgbClr val="000000"/>
-                </a:solidFill>
-                <a:latin typeface="Consolas" panose="020B0609020204030204" pitchFamily="49" charset="0"/>
-              </a:rPr>
-              <a:t>(“</a:t>
-            </a:r>
-            <a:r>
-              <a:rPr lang="en-US" sz="1600" dirty="0" err="1">
-                <a:solidFill>
-                  <a:srgbClr val="000000"/>
-                </a:solidFill>
-                <a:latin typeface="Consolas" panose="020B0609020204030204" pitchFamily="49" charset="0"/>
-              </a:rPr>
-              <a:t>MethodName</a:t>
-            </a:r>
-            <a:r>
-              <a:rPr lang="en-US" sz="1600" dirty="0">
-                <a:solidFill>
-                  <a:srgbClr val="000000"/>
-                </a:solidFill>
-                <a:latin typeface="Consolas" panose="020B0609020204030204" pitchFamily="49" charset="0"/>
-              </a:rPr>
-              <a:t>”, param1, param2</a:t>
-            </a:r>
-            <a:r>
-              <a:rPr lang="en-US" sz="1600" dirty="0" smtClean="0">
-                <a:solidFill>
-                  <a:srgbClr val="000000"/>
-                </a:solidFill>
-                <a:latin typeface="Consolas" panose="020B0609020204030204" pitchFamily="49" charset="0"/>
-              </a:rPr>
-              <a:t>)</a:t>
-            </a:r>
-          </a:p>
-          <a:p>
-            <a:endParaRPr lang="en-US" dirty="0" smtClean="0">
-              <a:solidFill>
-                <a:srgbClr val="000000"/>
-              </a:solidFill>
-              <a:latin typeface="Consolas" panose="020B0609020204030204" pitchFamily="49" charset="0"/>
-            </a:endParaRPr>
-          </a:p>
-          <a:p>
-            <a:r>
-              <a:rPr lang="en-US" dirty="0" smtClean="0">
-                <a:solidFill>
-                  <a:srgbClr val="000000"/>
-                </a:solidFill>
-                <a:latin typeface="Calibri" panose="020F0502020204030204" pitchFamily="34" charset="0"/>
-              </a:rPr>
-              <a:t>    at </a:t>
-            </a:r>
-            <a:r>
-              <a:rPr lang="en-US" u="sng" dirty="0" err="1" smtClean="0">
-                <a:solidFill>
-                  <a:srgbClr val="00008B"/>
-                </a:solidFill>
-                <a:latin typeface="Calibri" panose="020F0502020204030204" pitchFamily="34" charset="0"/>
-              </a:rPr>
-              <a:t>System.RuntimeType</a:t>
-            </a:r>
-            <a:r>
-              <a:rPr lang="en-US" dirty="0" err="1" smtClean="0">
-                <a:solidFill>
-                  <a:srgbClr val="000000"/>
-                </a:solidFill>
-                <a:latin typeface="Calibri" panose="020F0502020204030204" pitchFamily="34" charset="0"/>
-              </a:rPr>
-              <a:t>.</a:t>
-            </a:r>
-            <a:r>
-              <a:rPr lang="en-US" u="sng" dirty="0" err="1" smtClean="0">
-                <a:solidFill>
-                  <a:srgbClr val="008B8B"/>
-                </a:solidFill>
-                <a:latin typeface="Calibri" panose="020F0502020204030204" pitchFamily="34" charset="0"/>
-              </a:rPr>
-              <a:t>InvokeMember</a:t>
-            </a:r>
-            <a:r>
-              <a:rPr lang="en-US" dirty="0" smtClean="0">
-                <a:solidFill>
-                  <a:srgbClr val="000000"/>
-                </a:solidFill>
-                <a:latin typeface="Calibri" panose="020F0502020204030204" pitchFamily="34" charset="0"/>
-              </a:rPr>
-              <a:t>(String</a:t>
-            </a:r>
-            <a:r>
-              <a:rPr lang="en-US" dirty="0">
-                <a:solidFill>
-                  <a:srgbClr val="000000"/>
-                </a:solidFill>
-                <a:latin typeface="Calibri" panose="020F0502020204030204" pitchFamily="34" charset="0"/>
-              </a:rPr>
-              <a:t> name, </a:t>
-            </a:r>
-            <a:r>
-              <a:rPr lang="en-US" dirty="0" err="1">
-                <a:solidFill>
-                  <a:srgbClr val="000000"/>
-                </a:solidFill>
-                <a:latin typeface="Calibri" panose="020F0502020204030204" pitchFamily="34" charset="0"/>
-              </a:rPr>
-              <a:t>BindingFlags</a:t>
-            </a:r>
-            <a:r>
-              <a:rPr lang="en-US" dirty="0">
-                <a:solidFill>
-                  <a:srgbClr val="000000"/>
-                </a:solidFill>
-                <a:latin typeface="Calibri" panose="020F0502020204030204" pitchFamily="34" charset="0"/>
-              </a:rPr>
-              <a:t> </a:t>
-            </a:r>
-            <a:r>
-              <a:rPr lang="en-US" dirty="0" err="1">
-                <a:solidFill>
-                  <a:srgbClr val="000000"/>
-                </a:solidFill>
-                <a:latin typeface="Calibri" panose="020F0502020204030204" pitchFamily="34" charset="0"/>
-              </a:rPr>
-              <a:t>bindingFlags</a:t>
-            </a:r>
-            <a:r>
-              <a:rPr lang="en-US" dirty="0">
-                <a:solidFill>
-                  <a:srgbClr val="000000"/>
-                </a:solidFill>
-                <a:latin typeface="Calibri" panose="020F0502020204030204" pitchFamily="34" charset="0"/>
-              </a:rPr>
-              <a:t>, </a:t>
-            </a:r>
-            <a:r>
-              <a:rPr lang="en-US" dirty="0" smtClean="0">
-                <a:solidFill>
-                  <a:srgbClr val="000000"/>
-                </a:solidFill>
-                <a:latin typeface="Calibri" panose="020F0502020204030204" pitchFamily="34" charset="0"/>
-              </a:rPr>
-              <a:t>…)   </a:t>
-            </a:r>
-          </a:p>
-          <a:p>
-            <a:r>
-              <a:rPr lang="en-US" dirty="0" smtClean="0">
-                <a:solidFill>
-                  <a:srgbClr val="000000"/>
-                </a:solidFill>
-                <a:latin typeface="Calibri" panose="020F0502020204030204" pitchFamily="34" charset="0"/>
-              </a:rPr>
-              <a:t>    at </a:t>
-            </a:r>
-            <a:r>
-              <a:rPr lang="en-US" u="sng" dirty="0" err="1">
-                <a:solidFill>
-                  <a:srgbClr val="00008B"/>
-                </a:solidFill>
-                <a:latin typeface="Calibri" panose="020F0502020204030204" pitchFamily="34" charset="0"/>
-              </a:rPr>
-              <a:t>ExceptionalExamples.UnitTests</a:t>
-            </a:r>
-            <a:r>
-              <a:rPr lang="en-US" dirty="0" err="1">
-                <a:solidFill>
-                  <a:srgbClr val="000000"/>
-                </a:solidFill>
-                <a:latin typeface="Calibri" panose="020F0502020204030204" pitchFamily="34" charset="0"/>
-              </a:rPr>
-              <a:t>.</a:t>
-            </a:r>
-            <a:r>
-              <a:rPr lang="en-US" u="sng" dirty="0" err="1">
-                <a:solidFill>
-                  <a:srgbClr val="008B8B"/>
-                </a:solidFill>
-                <a:latin typeface="Calibri" panose="020F0502020204030204" pitchFamily="34" charset="0"/>
-              </a:rPr>
-              <a:t>ButtonAnimation</a:t>
-            </a:r>
-            <a:r>
-              <a:rPr lang="en-US" dirty="0">
-                <a:solidFill>
-                  <a:srgbClr val="000000"/>
-                </a:solidFill>
-                <a:latin typeface="Calibri" panose="020F0502020204030204" pitchFamily="34" charset="0"/>
-              </a:rPr>
-              <a:t>() in </a:t>
-            </a:r>
-            <a:r>
-              <a:rPr lang="en-US" u="sng" dirty="0">
-                <a:solidFill>
-                  <a:srgbClr val="0066CC"/>
-                </a:solidFill>
-                <a:latin typeface="Calibri" panose="020F0502020204030204" pitchFamily="34" charset="0"/>
-              </a:rPr>
-              <a:t>UnitTest1.cs: line </a:t>
-            </a:r>
-            <a:r>
-              <a:rPr lang="en-US" u="sng" dirty="0" smtClean="0">
-                <a:solidFill>
-                  <a:srgbClr val="0066CC"/>
-                </a:solidFill>
-                <a:latin typeface="Calibri" panose="020F0502020204030204" pitchFamily="34" charset="0"/>
-              </a:rPr>
-              <a:t>85</a:t>
-            </a:r>
-            <a:endParaRPr lang="en-US" dirty="0">
-              <a:solidFill>
-                <a:srgbClr val="000000"/>
-              </a:solidFill>
-              <a:latin typeface="Calibri" panose="020F0502020204030204" pitchFamily="34" charset="0"/>
-            </a:endParaRPr>
-          </a:p>
-        </p:txBody>
-      </p:sp>
-      <p:sp>
-        <p:nvSpPr>
-          <p:cNvPr id="7" name="TextBox 6"/>
-          <p:cNvSpPr txBox="1"/>
-          <p:nvPr/>
-        </p:nvSpPr>
-        <p:spPr>
-          <a:xfrm>
-            <a:off x="146387" y="3644804"/>
-            <a:ext cx="2866747" cy="2154436"/>
-          </a:xfrm>
-          <a:prstGeom prst="rect">
-            <a:avLst/>
-          </a:prstGeom>
-          <a:noFill/>
-          <a:ln>
-            <a:solidFill>
-              <a:schemeClr val="accent1"/>
-            </a:solidFill>
-          </a:ln>
-        </p:spPr>
-        <p:txBody>
-          <a:bodyPr wrap="none" rtlCol="0">
-            <a:spAutoFit/>
-          </a:bodyPr>
-          <a:lstStyle/>
-          <a:p>
-            <a:r>
-              <a:rPr lang="en-US" sz="2200" dirty="0" smtClean="0"/>
-              <a:t>What went wrong?</a:t>
-            </a:r>
-          </a:p>
-          <a:p>
-            <a:r>
-              <a:rPr lang="en-US" sz="2200" b="1" dirty="0" smtClean="0">
-                <a:solidFill>
-                  <a:srgbClr val="FF0000"/>
-                </a:solidFill>
-              </a:rPr>
-              <a:t>A) </a:t>
-            </a:r>
-            <a:r>
-              <a:rPr lang="en-US" sz="2200" dirty="0" smtClean="0"/>
-              <a:t>Not on </a:t>
-            </a:r>
-            <a:r>
-              <a:rPr lang="en-US" sz="2200" dirty="0" err="1" smtClean="0"/>
-              <a:t>ButtonBase</a:t>
-            </a:r>
-            <a:endParaRPr lang="en-US" sz="2200" dirty="0" smtClean="0"/>
-          </a:p>
-          <a:p>
-            <a:r>
-              <a:rPr lang="en-US" sz="2200" b="1" dirty="0" smtClean="0">
-                <a:solidFill>
-                  <a:srgbClr val="FFC000"/>
-                </a:solidFill>
-              </a:rPr>
-              <a:t>B) </a:t>
-            </a:r>
-            <a:r>
-              <a:rPr lang="en-US" sz="2200" dirty="0" smtClean="0"/>
-              <a:t>Wrong parameters</a:t>
-            </a:r>
-          </a:p>
-          <a:p>
-            <a:r>
-              <a:rPr lang="en-US" sz="2200" b="1" dirty="0" smtClean="0">
-                <a:solidFill>
-                  <a:schemeClr val="accent2"/>
-                </a:solidFill>
-              </a:rPr>
-              <a:t>C)</a:t>
-            </a:r>
-            <a:r>
-              <a:rPr lang="en-US" sz="2200" dirty="0" smtClean="0">
-                <a:solidFill>
-                  <a:schemeClr val="accent2"/>
-                </a:solidFill>
-              </a:rPr>
-              <a:t> </a:t>
-            </a:r>
-            <a:r>
-              <a:rPr lang="en-US" sz="2200" dirty="0" smtClean="0"/>
-              <a:t>Docs are out of date </a:t>
-            </a:r>
-          </a:p>
-          <a:p>
-            <a:r>
-              <a:rPr lang="en-US" sz="2200" b="1" dirty="0" smtClean="0">
-                <a:solidFill>
-                  <a:srgbClr val="00B050"/>
-                </a:solidFill>
-              </a:rPr>
-              <a:t>D) </a:t>
-            </a:r>
-            <a:r>
-              <a:rPr lang="en-US" sz="2200" dirty="0" smtClean="0"/>
-              <a:t>Other</a:t>
-            </a:r>
-          </a:p>
-          <a:p>
-            <a:endParaRPr lang="en-US" sz="2400" dirty="0"/>
-          </a:p>
-        </p:txBody>
-      </p:sp>
-      <p:sp>
-        <p:nvSpPr>
-          <p:cNvPr id="2" name="Rectangle 1"/>
-          <p:cNvSpPr/>
-          <p:nvPr/>
-        </p:nvSpPr>
-        <p:spPr>
-          <a:xfrm>
-            <a:off x="587381" y="377047"/>
-            <a:ext cx="11448100" cy="1631216"/>
-          </a:xfrm>
-          <a:prstGeom prst="rect">
-            <a:avLst/>
-          </a:prstGeom>
-        </p:spPr>
-        <p:txBody>
-          <a:bodyPr wrap="square">
-            <a:spAutoFit/>
-          </a:bodyPr>
-          <a:lstStyle/>
-          <a:p>
-            <a:r>
-              <a:rPr lang="en-US" sz="2000" dirty="0" err="1">
-                <a:solidFill>
-                  <a:srgbClr val="0000FF"/>
-                </a:solidFill>
-                <a:highlight>
-                  <a:srgbClr val="FFFFFF"/>
-                </a:highlight>
-                <a:latin typeface="Consolas" panose="020B0609020204030204" pitchFamily="49" charset="0"/>
-              </a:rPr>
-              <a:t>var</a:t>
-            </a:r>
-            <a:r>
-              <a:rPr lang="en-US" sz="2000" dirty="0">
-                <a:solidFill>
-                  <a:srgbClr val="000000"/>
-                </a:solidFill>
-                <a:highlight>
-                  <a:srgbClr val="FFFFFF"/>
-                </a:highlight>
-                <a:latin typeface="Consolas" panose="020B0609020204030204" pitchFamily="49" charset="0"/>
-              </a:rPr>
-              <a:t> </a:t>
-            </a:r>
-            <a:r>
-              <a:rPr lang="en-US" sz="2000" dirty="0" err="1">
-                <a:solidFill>
-                  <a:srgbClr val="000000"/>
-                </a:solidFill>
-                <a:highlight>
-                  <a:srgbClr val="FFFFFF"/>
-                </a:highlight>
-                <a:latin typeface="Consolas" panose="020B0609020204030204" pitchFamily="49" charset="0"/>
-              </a:rPr>
-              <a:t>su</a:t>
-            </a:r>
-            <a:r>
-              <a:rPr lang="en-US" sz="2000" dirty="0">
-                <a:solidFill>
-                  <a:srgbClr val="000000"/>
-                </a:solidFill>
-                <a:highlight>
-                  <a:srgbClr val="FFFFFF"/>
-                </a:highlight>
-                <a:latin typeface="Consolas" panose="020B0609020204030204" pitchFamily="49" charset="0"/>
-              </a:rPr>
-              <a:t> = </a:t>
-            </a:r>
-            <a:r>
-              <a:rPr lang="en-US" sz="2000" dirty="0">
-                <a:solidFill>
-                  <a:srgbClr val="0000FF"/>
-                </a:solidFill>
-                <a:highlight>
-                  <a:srgbClr val="FFFFFF"/>
-                </a:highlight>
-                <a:latin typeface="Consolas" panose="020B0609020204030204" pitchFamily="49" charset="0"/>
-              </a:rPr>
-              <a:t>new</a:t>
-            </a:r>
-            <a:r>
-              <a:rPr lang="en-US" sz="2000" dirty="0">
-                <a:solidFill>
-                  <a:srgbClr val="000000"/>
-                </a:solidFill>
-                <a:highlight>
-                  <a:srgbClr val="FFFFFF"/>
-                </a:highlight>
-                <a:latin typeface="Consolas" panose="020B0609020204030204" pitchFamily="49" charset="0"/>
-              </a:rPr>
-              <a:t> </a:t>
-            </a:r>
-            <a:r>
-              <a:rPr lang="en-US" sz="2000" dirty="0" err="1">
-                <a:solidFill>
-                  <a:srgbClr val="2B91AF"/>
-                </a:solidFill>
-                <a:highlight>
-                  <a:srgbClr val="FFFFFF"/>
-                </a:highlight>
-                <a:latin typeface="Consolas" panose="020B0609020204030204" pitchFamily="49" charset="0"/>
-              </a:rPr>
-              <a:t>SignUpPrompt</a:t>
-            </a:r>
-            <a:r>
-              <a:rPr lang="en-US" sz="2000" dirty="0">
-                <a:solidFill>
-                  <a:srgbClr val="000000"/>
-                </a:solidFill>
-                <a:highlight>
-                  <a:srgbClr val="FFFFFF"/>
-                </a:highlight>
-                <a:latin typeface="Consolas" panose="020B0609020204030204" pitchFamily="49" charset="0"/>
-              </a:rPr>
-              <a:t>();</a:t>
-            </a:r>
-          </a:p>
-          <a:p>
-            <a:r>
-              <a:rPr lang="en-US" sz="2000" dirty="0" err="1">
-                <a:solidFill>
-                  <a:srgbClr val="000000"/>
-                </a:solidFill>
-                <a:highlight>
-                  <a:srgbClr val="FFFFFF"/>
-                </a:highlight>
-                <a:latin typeface="Consolas" panose="020B0609020204030204" pitchFamily="49" charset="0"/>
-              </a:rPr>
-              <a:t>su.Advertise</a:t>
-            </a:r>
-            <a:r>
-              <a:rPr lang="en-US" sz="2000" dirty="0">
-                <a:solidFill>
-                  <a:srgbClr val="000000"/>
-                </a:solidFill>
-                <a:highlight>
-                  <a:srgbClr val="FFFFFF"/>
-                </a:highlight>
-                <a:latin typeface="Consolas" panose="020B0609020204030204" pitchFamily="49" charset="0"/>
-              </a:rPr>
-              <a:t>();</a:t>
-            </a:r>
-          </a:p>
-          <a:p>
-            <a:r>
-              <a:rPr lang="en-US" sz="2000" dirty="0" err="1">
-                <a:solidFill>
-                  <a:srgbClr val="0000FF"/>
-                </a:solidFill>
-                <a:highlight>
-                  <a:srgbClr val="FFFFFF"/>
-                </a:highlight>
-                <a:latin typeface="Consolas" panose="020B0609020204030204" pitchFamily="49" charset="0"/>
-              </a:rPr>
-              <a:t>var</a:t>
-            </a:r>
-            <a:r>
-              <a:rPr lang="en-US" sz="2000" dirty="0">
-                <a:solidFill>
-                  <a:srgbClr val="000000"/>
-                </a:solidFill>
-                <a:highlight>
-                  <a:srgbClr val="FFFFFF"/>
-                </a:highlight>
-                <a:latin typeface="Consolas" panose="020B0609020204030204" pitchFamily="49" charset="0"/>
-              </a:rPr>
-              <a:t> </a:t>
-            </a:r>
-            <a:r>
-              <a:rPr lang="en-US" sz="2000" dirty="0" err="1">
-                <a:solidFill>
-                  <a:srgbClr val="000000"/>
-                </a:solidFill>
-                <a:highlight>
-                  <a:srgbClr val="FFFFFF"/>
-                </a:highlight>
-                <a:latin typeface="Consolas" panose="020B0609020204030204" pitchFamily="49" charset="0"/>
-              </a:rPr>
-              <a:t>pb</a:t>
-            </a:r>
-            <a:r>
-              <a:rPr lang="en-US" sz="2000" dirty="0">
-                <a:solidFill>
-                  <a:srgbClr val="000000"/>
-                </a:solidFill>
-                <a:highlight>
-                  <a:srgbClr val="FFFFFF"/>
-                </a:highlight>
-                <a:latin typeface="Consolas" panose="020B0609020204030204" pitchFamily="49" charset="0"/>
-              </a:rPr>
-              <a:t> = </a:t>
-            </a:r>
-            <a:r>
-              <a:rPr lang="en-US" sz="2000" dirty="0">
-                <a:solidFill>
-                  <a:srgbClr val="0000FF"/>
-                </a:solidFill>
-                <a:highlight>
-                  <a:srgbClr val="FFFFFF"/>
-                </a:highlight>
-                <a:latin typeface="Consolas" panose="020B0609020204030204" pitchFamily="49" charset="0"/>
-              </a:rPr>
-              <a:t>new</a:t>
-            </a:r>
-            <a:r>
-              <a:rPr lang="en-US" sz="2000" dirty="0">
-                <a:solidFill>
-                  <a:srgbClr val="000000"/>
-                </a:solidFill>
-                <a:highlight>
-                  <a:srgbClr val="FFFFFF"/>
-                </a:highlight>
-                <a:latin typeface="Consolas" panose="020B0609020204030204" pitchFamily="49" charset="0"/>
-              </a:rPr>
-              <a:t> </a:t>
-            </a:r>
-            <a:r>
-              <a:rPr lang="en-US" sz="2000" dirty="0" err="1">
-                <a:solidFill>
-                  <a:srgbClr val="2B91AF"/>
-                </a:solidFill>
-                <a:highlight>
-                  <a:srgbClr val="FFFFFF"/>
-                </a:highlight>
-                <a:latin typeface="Consolas" panose="020B0609020204030204" pitchFamily="49" charset="0"/>
-              </a:rPr>
-              <a:t>PrivateObject</a:t>
-            </a:r>
-            <a:r>
-              <a:rPr lang="en-US" sz="2000" dirty="0">
-                <a:solidFill>
-                  <a:srgbClr val="000000"/>
-                </a:solidFill>
-                <a:highlight>
-                  <a:srgbClr val="FFFFFF"/>
-                </a:highlight>
-                <a:latin typeface="Consolas" panose="020B0609020204030204" pitchFamily="49" charset="0"/>
-              </a:rPr>
-              <a:t>(</a:t>
-            </a:r>
-            <a:r>
-              <a:rPr lang="en-US" sz="2000" dirty="0" err="1">
-                <a:solidFill>
-                  <a:srgbClr val="000000"/>
-                </a:solidFill>
-                <a:highlight>
-                  <a:srgbClr val="FFFFFF"/>
-                </a:highlight>
-                <a:latin typeface="Consolas" panose="020B0609020204030204" pitchFamily="49" charset="0"/>
-              </a:rPr>
-              <a:t>su.BuyButton</a:t>
-            </a:r>
-            <a:r>
-              <a:rPr lang="en-US" sz="2000" dirty="0">
-                <a:solidFill>
-                  <a:srgbClr val="000000"/>
-                </a:solidFill>
-                <a:highlight>
-                  <a:srgbClr val="FFFFFF"/>
-                </a:highlight>
-                <a:latin typeface="Consolas" panose="020B0609020204030204" pitchFamily="49" charset="0"/>
-              </a:rPr>
-              <a:t>, </a:t>
-            </a:r>
-            <a:r>
-              <a:rPr lang="en-US" sz="2000" dirty="0">
-                <a:solidFill>
-                  <a:srgbClr val="0000FF"/>
-                </a:solidFill>
-                <a:highlight>
-                  <a:srgbClr val="FFFFFF"/>
-                </a:highlight>
-                <a:latin typeface="Consolas" panose="020B0609020204030204" pitchFamily="49" charset="0"/>
-              </a:rPr>
-              <a:t>new</a:t>
-            </a:r>
-            <a:r>
-              <a:rPr lang="en-US" sz="2000" dirty="0">
-                <a:solidFill>
-                  <a:srgbClr val="000000"/>
-                </a:solidFill>
-                <a:highlight>
-                  <a:srgbClr val="FFFFFF"/>
-                </a:highlight>
-                <a:latin typeface="Consolas" panose="020B0609020204030204" pitchFamily="49" charset="0"/>
-              </a:rPr>
-              <a:t> </a:t>
-            </a:r>
-            <a:r>
-              <a:rPr lang="en-US" sz="2000" dirty="0" err="1">
-                <a:solidFill>
-                  <a:srgbClr val="2B91AF"/>
-                </a:solidFill>
-                <a:highlight>
-                  <a:srgbClr val="FFFFFF"/>
-                </a:highlight>
-                <a:latin typeface="Consolas" panose="020B0609020204030204" pitchFamily="49" charset="0"/>
-              </a:rPr>
-              <a:t>PrivateType</a:t>
-            </a:r>
-            <a:r>
-              <a:rPr lang="en-US" sz="2000" dirty="0">
-                <a:solidFill>
-                  <a:srgbClr val="000000"/>
-                </a:solidFill>
-                <a:highlight>
-                  <a:srgbClr val="FFFFFF"/>
-                </a:highlight>
-                <a:latin typeface="Consolas" panose="020B0609020204030204" pitchFamily="49" charset="0"/>
-              </a:rPr>
-              <a:t>(</a:t>
-            </a:r>
-            <a:r>
-              <a:rPr lang="en-US" sz="2000" dirty="0" err="1">
-                <a:solidFill>
-                  <a:srgbClr val="0000FF"/>
-                </a:solidFill>
-                <a:highlight>
-                  <a:srgbClr val="FFFFFF"/>
-                </a:highlight>
-                <a:latin typeface="Consolas" panose="020B0609020204030204" pitchFamily="49" charset="0"/>
-              </a:rPr>
-              <a:t>typeof</a:t>
-            </a:r>
-            <a:r>
-              <a:rPr lang="en-US" sz="2000" dirty="0">
-                <a:solidFill>
-                  <a:srgbClr val="000000"/>
-                </a:solidFill>
-                <a:highlight>
-                  <a:srgbClr val="FFFFFF"/>
-                </a:highlight>
-                <a:latin typeface="Consolas" panose="020B0609020204030204" pitchFamily="49" charset="0"/>
-              </a:rPr>
-              <a:t>(</a:t>
-            </a:r>
-            <a:r>
-              <a:rPr lang="en-US" sz="2000" dirty="0" err="1">
-                <a:solidFill>
-                  <a:srgbClr val="2B91AF"/>
-                </a:solidFill>
-                <a:highlight>
-                  <a:srgbClr val="FFFFFF"/>
-                </a:highlight>
-                <a:latin typeface="Consolas" panose="020B0609020204030204" pitchFamily="49" charset="0"/>
-              </a:rPr>
-              <a:t>ButtonBase</a:t>
-            </a:r>
-            <a:r>
-              <a:rPr lang="en-US" sz="2000" dirty="0">
-                <a:solidFill>
-                  <a:srgbClr val="000000"/>
-                </a:solidFill>
-                <a:highlight>
-                  <a:srgbClr val="FFFFFF"/>
-                </a:highlight>
-                <a:latin typeface="Consolas" panose="020B0609020204030204" pitchFamily="49" charset="0"/>
-              </a:rPr>
-              <a:t>)));</a:t>
-            </a:r>
-          </a:p>
-          <a:p>
-            <a:r>
-              <a:rPr lang="en-US" sz="2000" dirty="0" err="1">
-                <a:solidFill>
-                  <a:srgbClr val="0000FF"/>
-                </a:solidFill>
-                <a:highlight>
-                  <a:srgbClr val="FFFFFF"/>
-                </a:highlight>
-                <a:latin typeface="Consolas" panose="020B0609020204030204" pitchFamily="49" charset="0"/>
-              </a:rPr>
-              <a:t>var</a:t>
-            </a:r>
-            <a:r>
-              <a:rPr lang="en-US" sz="2000" dirty="0">
-                <a:solidFill>
-                  <a:srgbClr val="000000"/>
-                </a:solidFill>
-                <a:highlight>
-                  <a:srgbClr val="FFFFFF"/>
-                </a:highlight>
-                <a:latin typeface="Consolas" panose="020B0609020204030204" pitchFamily="49" charset="0"/>
-              </a:rPr>
-              <a:t> </a:t>
-            </a:r>
-            <a:r>
-              <a:rPr lang="en-US" sz="2000" dirty="0" err="1">
-                <a:solidFill>
-                  <a:srgbClr val="000000"/>
-                </a:solidFill>
-                <a:highlight>
-                  <a:srgbClr val="FFFFFF"/>
-                </a:highlight>
-                <a:latin typeface="Consolas" panose="020B0609020204030204" pitchFamily="49" charset="0"/>
-              </a:rPr>
-              <a:t>isAnimating</a:t>
-            </a:r>
-            <a:r>
-              <a:rPr lang="en-US" sz="2000" dirty="0">
-                <a:solidFill>
-                  <a:srgbClr val="000000"/>
-                </a:solidFill>
-                <a:highlight>
-                  <a:srgbClr val="FFFFFF"/>
-                </a:highlight>
-                <a:latin typeface="Consolas" panose="020B0609020204030204" pitchFamily="49" charset="0"/>
-              </a:rPr>
-              <a:t> = (</a:t>
-            </a:r>
-            <a:r>
-              <a:rPr lang="en-US" sz="2000" dirty="0" err="1">
-                <a:solidFill>
-                  <a:srgbClr val="0000FF"/>
-                </a:solidFill>
-                <a:highlight>
-                  <a:srgbClr val="FFFFFF"/>
-                </a:highlight>
-                <a:latin typeface="Consolas" panose="020B0609020204030204" pitchFamily="49" charset="0"/>
-              </a:rPr>
-              <a:t>bool</a:t>
-            </a:r>
-            <a:r>
-              <a:rPr lang="en-US" sz="2000" dirty="0">
-                <a:solidFill>
-                  <a:srgbClr val="000000"/>
-                </a:solidFill>
-                <a:highlight>
-                  <a:srgbClr val="FFFFFF"/>
-                </a:highlight>
-                <a:latin typeface="Consolas" panose="020B0609020204030204" pitchFamily="49" charset="0"/>
-              </a:rPr>
-              <a:t>)</a:t>
-            </a:r>
-            <a:r>
-              <a:rPr lang="en-US" sz="2000" dirty="0" err="1">
-                <a:solidFill>
-                  <a:srgbClr val="000000"/>
-                </a:solidFill>
-                <a:highlight>
-                  <a:srgbClr val="FFFFFF"/>
-                </a:highlight>
-                <a:latin typeface="Consolas" panose="020B0609020204030204" pitchFamily="49" charset="0"/>
-              </a:rPr>
-              <a:t>pb.Invoke</a:t>
-            </a:r>
-            <a:r>
-              <a:rPr lang="en-US" sz="2000" dirty="0">
-                <a:solidFill>
-                  <a:srgbClr val="000000"/>
-                </a:solidFill>
-                <a:highlight>
-                  <a:srgbClr val="FFFFFF"/>
-                </a:highlight>
-                <a:latin typeface="Consolas" panose="020B0609020204030204" pitchFamily="49" charset="0"/>
-              </a:rPr>
-              <a:t>(</a:t>
-            </a:r>
-            <a:r>
-              <a:rPr lang="en-US" sz="2000" dirty="0">
-                <a:solidFill>
-                  <a:srgbClr val="A31515"/>
-                </a:solidFill>
-                <a:highlight>
-                  <a:srgbClr val="FFFFFF"/>
-                </a:highlight>
-                <a:latin typeface="Consolas" panose="020B0609020204030204" pitchFamily="49" charset="0"/>
-              </a:rPr>
-              <a:t>"</a:t>
-            </a:r>
-            <a:r>
-              <a:rPr lang="en-US" sz="2000" dirty="0" err="1">
-                <a:solidFill>
-                  <a:srgbClr val="A31515"/>
-                </a:solidFill>
-                <a:highlight>
-                  <a:srgbClr val="FFFFFF"/>
-                </a:highlight>
-                <a:latin typeface="Consolas" panose="020B0609020204030204" pitchFamily="49" charset="0"/>
-              </a:rPr>
-              <a:t>GetFlag</a:t>
-            </a:r>
-            <a:r>
-              <a:rPr lang="en-US" sz="2000" dirty="0">
-                <a:solidFill>
-                  <a:srgbClr val="A31515"/>
-                </a:solidFill>
-                <a:highlight>
-                  <a:srgbClr val="FFFFFF"/>
-                </a:highlight>
-                <a:latin typeface="Consolas" panose="020B0609020204030204" pitchFamily="49" charset="0"/>
-              </a:rPr>
-              <a:t>"</a:t>
-            </a:r>
-            <a:r>
-              <a:rPr lang="en-US" sz="2000" dirty="0">
-                <a:solidFill>
-                  <a:srgbClr val="000000"/>
-                </a:solidFill>
-                <a:highlight>
-                  <a:srgbClr val="FFFFFF"/>
-                </a:highlight>
-                <a:latin typeface="Consolas" panose="020B0609020204030204" pitchFamily="49" charset="0"/>
-              </a:rPr>
-              <a:t>, </a:t>
-            </a:r>
-            <a:r>
-              <a:rPr lang="en-US" sz="2000" dirty="0">
-                <a:solidFill>
-                  <a:srgbClr val="0000FF"/>
-                </a:solidFill>
-                <a:highlight>
-                  <a:srgbClr val="FFFFFF"/>
-                </a:highlight>
-                <a:latin typeface="Consolas" panose="020B0609020204030204" pitchFamily="49" charset="0"/>
-              </a:rPr>
-              <a:t>new</a:t>
-            </a:r>
-            <a:r>
-              <a:rPr lang="en-US" sz="2000" dirty="0">
-                <a:solidFill>
-                  <a:srgbClr val="000000"/>
-                </a:solidFill>
-                <a:highlight>
-                  <a:srgbClr val="FFFFFF"/>
-                </a:highlight>
-                <a:latin typeface="Consolas" panose="020B0609020204030204" pitchFamily="49" charset="0"/>
-              </a:rPr>
-              <a:t>[] { 0x0010 });</a:t>
-            </a:r>
-          </a:p>
-          <a:p>
-            <a:r>
-              <a:rPr lang="en-US" sz="2000" dirty="0" err="1">
-                <a:solidFill>
-                  <a:srgbClr val="2B91AF"/>
-                </a:solidFill>
-                <a:highlight>
-                  <a:srgbClr val="FFFFFF"/>
-                </a:highlight>
-                <a:latin typeface="Consolas" panose="020B0609020204030204" pitchFamily="49" charset="0"/>
-              </a:rPr>
-              <a:t>Assert</a:t>
-            </a:r>
-            <a:r>
-              <a:rPr lang="en-US" sz="2000" dirty="0" err="1">
-                <a:solidFill>
-                  <a:srgbClr val="000000"/>
-                </a:solidFill>
-                <a:highlight>
-                  <a:srgbClr val="FFFFFF"/>
-                </a:highlight>
-                <a:latin typeface="Consolas" panose="020B0609020204030204" pitchFamily="49" charset="0"/>
-              </a:rPr>
-              <a:t>.IsTrue</a:t>
-            </a:r>
-            <a:r>
-              <a:rPr lang="en-US" sz="2000" dirty="0">
-                <a:solidFill>
-                  <a:srgbClr val="000000"/>
-                </a:solidFill>
-                <a:highlight>
-                  <a:srgbClr val="FFFFFF"/>
-                </a:highlight>
-                <a:latin typeface="Consolas" panose="020B0609020204030204" pitchFamily="49" charset="0"/>
-              </a:rPr>
-              <a:t>(</a:t>
-            </a:r>
-            <a:r>
-              <a:rPr lang="en-US" sz="2000" dirty="0" err="1">
-                <a:solidFill>
-                  <a:srgbClr val="000000"/>
-                </a:solidFill>
-                <a:highlight>
-                  <a:srgbClr val="FFFFFF"/>
-                </a:highlight>
-                <a:latin typeface="Consolas" panose="020B0609020204030204" pitchFamily="49" charset="0"/>
-              </a:rPr>
-              <a:t>isAnimating</a:t>
-            </a:r>
-            <a:r>
-              <a:rPr lang="en-US" sz="2000" dirty="0">
-                <a:solidFill>
-                  <a:srgbClr val="000000"/>
-                </a:solidFill>
-                <a:highlight>
-                  <a:srgbClr val="FFFFFF"/>
-                </a:highlight>
-                <a:latin typeface="Consolas" panose="020B0609020204030204" pitchFamily="49" charset="0"/>
-              </a:rPr>
-              <a:t>);</a:t>
-            </a:r>
-            <a:endParaRPr lang="en-US" sz="2000" dirty="0"/>
-          </a:p>
-        </p:txBody>
-      </p:sp>
-    </p:spTree>
-    <p:extLst>
-      <p:ext uri="{BB962C8B-B14F-4D97-AF65-F5344CB8AC3E}">
-        <p14:creationId xmlns:p14="http://schemas.microsoft.com/office/powerpoint/2010/main" val="2210039967"/>
-      </p:ext>
-    </p:extLst>
-  </p:cSld>
-  <p:clrMapOvr>
-    <a:masterClrMapping/>
-  </p:clrMapOvr>
-  <p:timing>
-    <p:tnLst>
-      <p:par>
-        <p:cTn xmlns:p14="http://schemas.microsoft.com/office/powerpoint/2010/main" id="1" dur="indefinite" restart="never" nodeType="tmRoot"/>
+        <p:cTn id="1" dur="indefinite" restart="never" nodeType="tmRoot"/>
       </p:par>
     </p:tnLst>
   </p:timing>
@@ -16256,71 +16343,12 @@
             </a:pPr>
             <a:r>
               <a:rPr lang="en-US" dirty="0" smtClean="0"/>
-              <a:t>All improvements must be possible</a:t>
-            </a:r>
-          </a:p>
-          <a:p>
-            <a:pPr marL="457200" indent="-457200">
-              <a:buFont typeface="+mj-lt"/>
-              <a:buAutoNum type="arabicPeriod"/>
-            </a:pPr>
-            <a:endParaRPr lang="en-US" dirty="0"/>
-          </a:p>
-          <a:p>
-            <a:pPr marL="457200" indent="-457200">
-              <a:buFont typeface="+mj-lt"/>
-              <a:buAutoNum type="arabicPeriod"/>
-            </a:pPr>
+              <a:t>All improvements must be </a:t>
+            </a:r>
             <a:r>
               <a:rPr lang="en-US" dirty="0" smtClean="0"/>
-              <a:t>Turn</a:t>
-            </a:r>
-          </a:p>
-          <a:p>
-            <a:pPr marL="749808" lvl="1" indent="-457200">
-              <a:buFont typeface="+mj-lt"/>
-              <a:buAutoNum type="arabicPeriod"/>
-            </a:pPr>
-            <a:r>
-              <a:rPr lang="en-US" dirty="0" smtClean="0"/>
-              <a:t>Show code that caused the exception to be thrown</a:t>
-            </a:r>
-          </a:p>
-          <a:p>
-            <a:pPr marL="749808" lvl="1" indent="-457200">
-              <a:buFont typeface="+mj-lt"/>
-              <a:buAutoNum type="arabicPeriod"/>
-            </a:pPr>
-            <a:r>
-              <a:rPr lang="en-US" dirty="0" smtClean="0"/>
-              <a:t>Ask why?</a:t>
-            </a:r>
-          </a:p>
-          <a:p>
-            <a:pPr marL="749808" lvl="1" indent="-457200">
-              <a:buFont typeface="+mj-lt"/>
-              <a:buAutoNum type="arabicPeriod"/>
-            </a:pPr>
-            <a:r>
-              <a:rPr lang="en-US" dirty="0" smtClean="0"/>
-              <a:t>Propose better Exception Message</a:t>
-            </a:r>
-          </a:p>
-          <a:p>
-            <a:pPr marL="749808" lvl="1" indent="-457200">
-              <a:buFont typeface="+mj-lt"/>
-              <a:buAutoNum type="arabicPeriod"/>
-            </a:pPr>
-            <a:r>
-              <a:rPr lang="en-US" dirty="0" smtClean="0"/>
-              <a:t>Ask again</a:t>
-            </a:r>
-          </a:p>
-          <a:p>
-            <a:pPr marL="457200" indent="-457200">
-              <a:buFont typeface="+mj-lt"/>
-              <a:buAutoNum type="arabicPeriod"/>
-            </a:pPr>
+              <a:t>possible</a:t>
+            </a:r>
             <a:endParaRPr lang="en-US" dirty="0" smtClean="0"/>
           </a:p>
           <a:p>
@@ -16341,10 +16369,1478 @@
   <p:clrMapOvr>
     <a:masterClrMapping/>
   </p:clrMapOvr>
+  <p:timing>
+    <p:tnLst>
+      <p:par>
+        <p:cTn id="1" dur="indefinite" restart="never" nodeType="tmRoot"/>
+      </p:par>
+    </p:tnLst>
+  </p:timing>
 </p:sld>
 </file>
 
 <file path=ppt/slides/slide30.xml><?xml version="1.0" encoding="utf-8"?>
+<p:sld xmlns:a="http://schemas.openxmlformats.org/drawingml/2006/main" xmlns:r="http://schemas.openxmlformats.org/officeDocument/2006/relationships" xmlns:p="http://schemas.openxmlformats.org/presentationml/2006/main">
+  <p:cSld>
+    <p:spTree>
+      <p:nvGrpSpPr>
+        <p:cNvPr id="1" name=""/>
+        <p:cNvGrpSpPr/>
+        <p:nvPr/>
+      </p:nvGrpSpPr>
+      <p:grpSpPr>
+        <a:xfrm>
+          <a:off x="0" y="0"/>
+          <a:ext cx="0" cy="0"/>
+          <a:chOff x="0" y="0"/>
+          <a:chExt cx="0" cy="0"/>
+        </a:xfrm>
+      </p:grpSpPr>
+      <p:sp>
+        <p:nvSpPr>
+          <p:cNvPr id="3" name="Rectangle 2"/>
+          <p:cNvSpPr/>
+          <p:nvPr/>
+        </p:nvSpPr>
+        <p:spPr>
+          <a:xfrm>
+            <a:off x="6611" y="377047"/>
+            <a:ext cx="580770" cy="1631216"/>
+          </a:xfrm>
+          <a:prstGeom prst="rect">
+            <a:avLst/>
+          </a:prstGeom>
+        </p:spPr>
+        <p:txBody>
+          <a:bodyPr wrap="square">
+            <a:spAutoFit/>
+          </a:bodyPr>
+          <a:lstStyle/>
+          <a:p>
+            <a:r>
+              <a:rPr lang="en-US" sz="2000" dirty="0" smtClean="0">
+                <a:solidFill>
+                  <a:srgbClr val="2B91AF"/>
+                </a:solidFill>
+                <a:highlight>
+                  <a:srgbClr val="FFFFFF"/>
+                </a:highlight>
+                <a:latin typeface="Consolas" panose="020B0609020204030204" pitchFamily="49" charset="0"/>
+              </a:rPr>
+              <a:t>82 </a:t>
+            </a:r>
+          </a:p>
+          <a:p>
+            <a:r>
+              <a:rPr lang="en-US" sz="2000" dirty="0" smtClean="0">
+                <a:solidFill>
+                  <a:srgbClr val="2B91AF"/>
+                </a:solidFill>
+                <a:highlight>
+                  <a:srgbClr val="FFFFFF"/>
+                </a:highlight>
+                <a:latin typeface="Consolas" panose="020B0609020204030204" pitchFamily="49" charset="0"/>
+              </a:rPr>
+              <a:t>83 </a:t>
+            </a:r>
+          </a:p>
+          <a:p>
+            <a:r>
+              <a:rPr lang="en-US" sz="2000" dirty="0" smtClean="0">
+                <a:solidFill>
+                  <a:srgbClr val="2B91AF"/>
+                </a:solidFill>
+                <a:highlight>
+                  <a:srgbClr val="FFFFFF"/>
+                </a:highlight>
+                <a:latin typeface="Consolas" panose="020B0609020204030204" pitchFamily="49" charset="0"/>
+              </a:rPr>
+              <a:t>84 </a:t>
+            </a:r>
+          </a:p>
+          <a:p>
+            <a:r>
+              <a:rPr lang="en-US" sz="2000" dirty="0" smtClean="0">
+                <a:solidFill>
+                  <a:srgbClr val="2B91AF"/>
+                </a:solidFill>
+                <a:highlight>
+                  <a:srgbClr val="FFFFFF"/>
+                </a:highlight>
+                <a:latin typeface="Consolas" panose="020B0609020204030204" pitchFamily="49" charset="0"/>
+              </a:rPr>
+              <a:t>85</a:t>
+            </a:r>
+          </a:p>
+          <a:p>
+            <a:r>
+              <a:rPr lang="en-US" sz="2000" dirty="0" smtClean="0">
+                <a:solidFill>
+                  <a:srgbClr val="2B91AF"/>
+                </a:solidFill>
+                <a:highlight>
+                  <a:srgbClr val="FFFFFF"/>
+                </a:highlight>
+                <a:latin typeface="Consolas" panose="020B0609020204030204" pitchFamily="49" charset="0"/>
+              </a:rPr>
+              <a:t>86</a:t>
+            </a:r>
+          </a:p>
+        </p:txBody>
+      </p:sp>
+      <p:sp>
+        <p:nvSpPr>
+          <p:cNvPr id="5" name="Rectangle 4"/>
+          <p:cNvSpPr/>
+          <p:nvPr/>
+        </p:nvSpPr>
+        <p:spPr>
+          <a:xfrm>
+            <a:off x="3112617" y="2018654"/>
+            <a:ext cx="9007861" cy="3385542"/>
+          </a:xfrm>
+          <a:prstGeom prst="rect">
+            <a:avLst/>
+          </a:prstGeom>
+          <a:ln w="57150">
+            <a:solidFill>
+              <a:srgbClr val="FF0000"/>
+            </a:solidFill>
+          </a:ln>
+        </p:spPr>
+        <p:txBody>
+          <a:bodyPr wrap="square">
+            <a:spAutoFit/>
+          </a:bodyPr>
+          <a:lstStyle/>
+          <a:p>
+            <a:r>
+              <a:rPr lang="en-US" sz="1600" dirty="0" err="1" smtClean="0">
+                <a:solidFill>
+                  <a:srgbClr val="000000"/>
+                </a:solidFill>
+                <a:latin typeface="Consolas" panose="020B0609020204030204" pitchFamily="49" charset="0"/>
+              </a:rPr>
+              <a:t>System.MissingMethodException</a:t>
+            </a:r>
+            <a:r>
+              <a:rPr lang="en-US" sz="1600" dirty="0">
+                <a:solidFill>
+                  <a:srgbClr val="000000"/>
+                </a:solidFill>
+                <a:latin typeface="Consolas" panose="020B0609020204030204" pitchFamily="49" charset="0"/>
+              </a:rPr>
+              <a:t>: </a:t>
+            </a:r>
+            <a:endParaRPr lang="en-US" sz="1600" dirty="0" smtClean="0">
+              <a:solidFill>
+                <a:srgbClr val="000000"/>
+              </a:solidFill>
+              <a:latin typeface="Consolas" panose="020B0609020204030204" pitchFamily="49" charset="0"/>
+            </a:endParaRPr>
+          </a:p>
+          <a:p>
+            <a:r>
+              <a:rPr lang="en-US" sz="1600" dirty="0">
+                <a:solidFill>
+                  <a:srgbClr val="000000"/>
+                </a:solidFill>
+                <a:latin typeface="Consolas" panose="020B0609020204030204" pitchFamily="49" charset="0"/>
+              </a:rPr>
+              <a:t> Cannot find method: </a:t>
+            </a:r>
+            <a:r>
+              <a:rPr lang="en-US" sz="1600" dirty="0" err="1">
+                <a:solidFill>
+                  <a:srgbClr val="000000"/>
+                </a:solidFill>
+                <a:latin typeface="Consolas" panose="020B0609020204030204" pitchFamily="49" charset="0"/>
+              </a:rPr>
+              <a:t>GetFlag</a:t>
+            </a:r>
+            <a:r>
+              <a:rPr lang="en-US" sz="1600" dirty="0">
+                <a:solidFill>
+                  <a:srgbClr val="000000"/>
+                </a:solidFill>
+                <a:latin typeface="Consolas" panose="020B0609020204030204" pitchFamily="49" charset="0"/>
+              </a:rPr>
+              <a:t>(</a:t>
+            </a:r>
+            <a:r>
+              <a:rPr lang="en-US" sz="1600" dirty="0" err="1">
+                <a:solidFill>
+                  <a:srgbClr val="000000"/>
+                </a:solidFill>
+                <a:latin typeface="Consolas" panose="020B0609020204030204" pitchFamily="49" charset="0"/>
+              </a:rPr>
+              <a:t>int</a:t>
+            </a:r>
+            <a:r>
+              <a:rPr lang="en-US" sz="1600" dirty="0" smtClean="0">
+                <a:solidFill>
+                  <a:srgbClr val="000000"/>
+                </a:solidFill>
+                <a:latin typeface="Consolas" panose="020B0609020204030204" pitchFamily="49" charset="0"/>
+              </a:rPr>
+              <a:t>[]).</a:t>
+            </a:r>
+          </a:p>
+          <a:p>
+            <a:r>
+              <a:rPr lang="en-US" sz="1600" dirty="0" smtClean="0">
+                <a:solidFill>
+                  <a:srgbClr val="000000"/>
+                </a:solidFill>
+                <a:latin typeface="Consolas" panose="020B0609020204030204" pitchFamily="49" charset="0"/>
+              </a:rPr>
+              <a:t> Possible </a:t>
+            </a:r>
+            <a:r>
+              <a:rPr lang="en-US" sz="1600" dirty="0">
+                <a:solidFill>
+                  <a:srgbClr val="000000"/>
+                </a:solidFill>
+                <a:latin typeface="Consolas" panose="020B0609020204030204" pitchFamily="49" charset="0"/>
+              </a:rPr>
+              <a:t>methods starting with “G” are:</a:t>
+            </a:r>
+          </a:p>
+          <a:p>
+            <a:r>
+              <a:rPr lang="en-US" sz="1600" dirty="0" smtClean="0">
+                <a:solidFill>
+                  <a:srgbClr val="000000"/>
+                </a:solidFill>
+                <a:latin typeface="Consolas" panose="020B0609020204030204" pitchFamily="49" charset="0"/>
+              </a:rPr>
+              <a:t>	</a:t>
+            </a:r>
+            <a:r>
+              <a:rPr lang="en-US" sz="1600" dirty="0" err="1" smtClean="0">
+                <a:solidFill>
+                  <a:srgbClr val="000000"/>
+                </a:solidFill>
+                <a:latin typeface="Consolas" panose="020B0609020204030204" pitchFamily="49" charset="0"/>
+              </a:rPr>
+              <a:t>GetFlag</a:t>
+            </a:r>
+            <a:r>
+              <a:rPr lang="en-US" sz="1600" dirty="0" smtClean="0">
+                <a:solidFill>
+                  <a:srgbClr val="000000"/>
+                </a:solidFill>
+                <a:latin typeface="Consolas" panose="020B0609020204030204" pitchFamily="49" charset="0"/>
+              </a:rPr>
+              <a:t>(</a:t>
+            </a:r>
+            <a:r>
+              <a:rPr lang="en-US" sz="1600" dirty="0" err="1" smtClean="0">
+                <a:solidFill>
+                  <a:srgbClr val="000000"/>
+                </a:solidFill>
+                <a:latin typeface="Consolas" panose="020B0609020204030204" pitchFamily="49" charset="0"/>
+              </a:rPr>
+              <a:t>int</a:t>
+            </a:r>
+            <a:r>
+              <a:rPr lang="en-US" sz="1600" dirty="0">
+                <a:solidFill>
+                  <a:srgbClr val="000000"/>
+                </a:solidFill>
+                <a:latin typeface="Consolas" panose="020B0609020204030204" pitchFamily="49" charset="0"/>
+              </a:rPr>
+              <a:t>)</a:t>
+            </a:r>
+          </a:p>
+          <a:p>
+            <a:r>
+              <a:rPr lang="en-US" sz="1600" dirty="0" smtClean="0">
+                <a:solidFill>
+                  <a:srgbClr val="000000"/>
+                </a:solidFill>
+                <a:latin typeface="Consolas" panose="020B0609020204030204" pitchFamily="49" charset="0"/>
+              </a:rPr>
+              <a:t>	</a:t>
+            </a:r>
+            <a:r>
+              <a:rPr lang="en-US" sz="1600" dirty="0" err="1" smtClean="0">
+                <a:solidFill>
+                  <a:srgbClr val="000000"/>
+                </a:solidFill>
+                <a:latin typeface="Consolas" panose="020B0609020204030204" pitchFamily="49" charset="0"/>
+              </a:rPr>
+              <a:t>GetPreferedSizeCore</a:t>
+            </a:r>
+            <a:r>
+              <a:rPr lang="en-US" sz="1600" dirty="0" smtClean="0">
+                <a:solidFill>
+                  <a:srgbClr val="000000"/>
+                </a:solidFill>
+                <a:latin typeface="Consolas" panose="020B0609020204030204" pitchFamily="49" charset="0"/>
+              </a:rPr>
+              <a:t>(Size</a:t>
+            </a:r>
+            <a:r>
+              <a:rPr lang="en-US" sz="1600" dirty="0">
+                <a:solidFill>
+                  <a:srgbClr val="000000"/>
+                </a:solidFill>
+                <a:latin typeface="Consolas" panose="020B0609020204030204" pitchFamily="49" charset="0"/>
+              </a:rPr>
+              <a:t>)</a:t>
+            </a:r>
+          </a:p>
+          <a:p>
+            <a:r>
+              <a:rPr lang="en-US" sz="1600" dirty="0" smtClean="0">
+                <a:solidFill>
+                  <a:srgbClr val="000000"/>
+                </a:solidFill>
+                <a:latin typeface="Consolas" panose="020B0609020204030204" pitchFamily="49" charset="0"/>
+              </a:rPr>
+              <a:t> Common Fixes </a:t>
+            </a:r>
+          </a:p>
+          <a:p>
+            <a:r>
+              <a:rPr lang="en-US" sz="1600" dirty="0" smtClean="0">
+                <a:solidFill>
+                  <a:srgbClr val="000000"/>
+                </a:solidFill>
+                <a:latin typeface="Consolas" panose="020B0609020204030204" pitchFamily="49" charset="0"/>
+              </a:rPr>
+              <a:t>  If </a:t>
+            </a:r>
+            <a:r>
+              <a:rPr lang="en-US" sz="1600" dirty="0">
+                <a:solidFill>
+                  <a:srgbClr val="000000"/>
+                </a:solidFill>
+                <a:latin typeface="Consolas" panose="020B0609020204030204" pitchFamily="49" charset="0"/>
+              </a:rPr>
+              <a:t>method not </a:t>
+            </a:r>
+            <a:r>
+              <a:rPr lang="en-US" sz="1600" dirty="0" smtClean="0">
+                <a:solidFill>
+                  <a:srgbClr val="000000"/>
+                </a:solidFill>
+                <a:latin typeface="Consolas" panose="020B0609020204030204" pitchFamily="49" charset="0"/>
+              </a:rPr>
+              <a:t>listed it might be on a base class</a:t>
+            </a:r>
+          </a:p>
+          <a:p>
+            <a:r>
+              <a:rPr lang="en-US" sz="1600" dirty="0">
+                <a:solidFill>
+                  <a:srgbClr val="000000"/>
+                </a:solidFill>
+                <a:latin typeface="Consolas" panose="020B0609020204030204" pitchFamily="49" charset="0"/>
+              </a:rPr>
+              <a:t>	</a:t>
+            </a:r>
+            <a:r>
+              <a:rPr lang="en-US" sz="1600" dirty="0" smtClean="0">
+                <a:solidFill>
+                  <a:srgbClr val="000000"/>
+                </a:solidFill>
+                <a:latin typeface="Consolas" panose="020B0609020204030204" pitchFamily="49" charset="0"/>
+              </a:rPr>
+              <a:t>i</a:t>
+            </a:r>
+            <a:r>
+              <a:rPr lang="en-US" sz="1600" dirty="0">
+                <a:solidFill>
+                  <a:srgbClr val="000000"/>
+                </a:solidFill>
+                <a:latin typeface="Consolas" panose="020B0609020204030204" pitchFamily="49" charset="0"/>
+              </a:rPr>
+              <a:t>.</a:t>
+            </a:r>
+            <a:r>
+              <a:rPr lang="en-US" sz="1600" dirty="0" smtClean="0">
+                <a:solidFill>
+                  <a:srgbClr val="000000"/>
+                </a:solidFill>
+                <a:latin typeface="Consolas" panose="020B0609020204030204" pitchFamily="49" charset="0"/>
+              </a:rPr>
+              <a:t>e. new </a:t>
+            </a:r>
+            <a:r>
+              <a:rPr lang="en-US" sz="1600" dirty="0" err="1">
+                <a:solidFill>
+                  <a:srgbClr val="000000"/>
+                </a:solidFill>
+                <a:latin typeface="Consolas" panose="020B0609020204030204" pitchFamily="49" charset="0"/>
+              </a:rPr>
+              <a:t>PrivateObject</a:t>
+            </a:r>
+            <a:r>
+              <a:rPr lang="en-US" sz="1600" dirty="0">
+                <a:solidFill>
+                  <a:srgbClr val="000000"/>
+                </a:solidFill>
+                <a:latin typeface="Consolas" panose="020B0609020204030204" pitchFamily="49" charset="0"/>
+              </a:rPr>
+              <a:t>(o, new </a:t>
+            </a:r>
+            <a:r>
+              <a:rPr lang="en-US" sz="1600" dirty="0" err="1">
+                <a:solidFill>
+                  <a:srgbClr val="000000"/>
+                </a:solidFill>
+                <a:latin typeface="Consolas" panose="020B0609020204030204" pitchFamily="49" charset="0"/>
+              </a:rPr>
+              <a:t>PrivateType</a:t>
+            </a:r>
+            <a:r>
+              <a:rPr lang="en-US" sz="1600" dirty="0">
+                <a:solidFill>
+                  <a:srgbClr val="000000"/>
+                </a:solidFill>
+                <a:latin typeface="Consolas" panose="020B0609020204030204" pitchFamily="49" charset="0"/>
+              </a:rPr>
+              <a:t>(</a:t>
+            </a:r>
+            <a:r>
+              <a:rPr lang="en-US" sz="1600" dirty="0" err="1">
+                <a:solidFill>
+                  <a:srgbClr val="000000"/>
+                </a:solidFill>
+                <a:latin typeface="Consolas" panose="020B0609020204030204" pitchFamily="49" charset="0"/>
+              </a:rPr>
+              <a:t>typeof</a:t>
+            </a:r>
+            <a:r>
+              <a:rPr lang="en-US" sz="1600" dirty="0">
+                <a:solidFill>
+                  <a:srgbClr val="000000"/>
+                </a:solidFill>
+                <a:latin typeface="Consolas" panose="020B0609020204030204" pitchFamily="49" charset="0"/>
+              </a:rPr>
+              <a:t>(</a:t>
+            </a:r>
+            <a:r>
+              <a:rPr lang="en-US" sz="1600" dirty="0" err="1">
+                <a:solidFill>
+                  <a:srgbClr val="000000"/>
+                </a:solidFill>
+                <a:latin typeface="Consolas" panose="020B0609020204030204" pitchFamily="49" charset="0"/>
+              </a:rPr>
+              <a:t>BaseClass</a:t>
+            </a:r>
+            <a:r>
+              <a:rPr lang="en-US" sz="1600" dirty="0">
+                <a:solidFill>
+                  <a:srgbClr val="000000"/>
+                </a:solidFill>
+                <a:latin typeface="Consolas" panose="020B0609020204030204" pitchFamily="49" charset="0"/>
+              </a:rPr>
+              <a:t>)))</a:t>
+            </a:r>
+          </a:p>
+          <a:p>
+            <a:r>
+              <a:rPr lang="en-US" sz="1600" dirty="0" smtClean="0">
+                <a:solidFill>
+                  <a:srgbClr val="000000"/>
+                </a:solidFill>
+                <a:latin typeface="Consolas" panose="020B0609020204030204" pitchFamily="49" charset="0"/>
+              </a:rPr>
+              <a:t>  If method is listed check </a:t>
+            </a:r>
+            <a:r>
+              <a:rPr lang="en-US" sz="1600" dirty="0">
+                <a:solidFill>
+                  <a:srgbClr val="000000"/>
+                </a:solidFill>
+                <a:latin typeface="Consolas" panose="020B0609020204030204" pitchFamily="49" charset="0"/>
+              </a:rPr>
+              <a:t>your parameter </a:t>
+            </a:r>
+            <a:r>
+              <a:rPr lang="en-US" sz="1600" dirty="0" smtClean="0">
+                <a:solidFill>
+                  <a:srgbClr val="000000"/>
+                </a:solidFill>
+                <a:latin typeface="Consolas" panose="020B0609020204030204" pitchFamily="49" charset="0"/>
+              </a:rPr>
+              <a:t>list</a:t>
+            </a:r>
+          </a:p>
+          <a:p>
+            <a:r>
+              <a:rPr lang="en-US" sz="1600" dirty="0">
+                <a:solidFill>
+                  <a:srgbClr val="000000"/>
+                </a:solidFill>
+                <a:latin typeface="Consolas" panose="020B0609020204030204" pitchFamily="49" charset="0"/>
+              </a:rPr>
+              <a:t>	</a:t>
+            </a:r>
+            <a:r>
+              <a:rPr lang="en-US" sz="1600" dirty="0" smtClean="0">
+                <a:solidFill>
+                  <a:srgbClr val="000000"/>
+                </a:solidFill>
+                <a:latin typeface="Consolas" panose="020B0609020204030204" pitchFamily="49" charset="0"/>
+              </a:rPr>
+              <a:t>i.e. </a:t>
+            </a:r>
+            <a:r>
+              <a:rPr lang="en-US" sz="1600" dirty="0" err="1" smtClean="0">
+                <a:solidFill>
+                  <a:srgbClr val="000000"/>
+                </a:solidFill>
+                <a:latin typeface="Consolas" panose="020B0609020204030204" pitchFamily="49" charset="0"/>
+              </a:rPr>
+              <a:t>p.Invoke</a:t>
+            </a:r>
+            <a:r>
+              <a:rPr lang="en-US" sz="1600" dirty="0">
+                <a:solidFill>
+                  <a:srgbClr val="000000"/>
+                </a:solidFill>
+                <a:latin typeface="Consolas" panose="020B0609020204030204" pitchFamily="49" charset="0"/>
+              </a:rPr>
+              <a:t>(“</a:t>
+            </a:r>
+            <a:r>
+              <a:rPr lang="en-US" sz="1600" dirty="0" err="1">
+                <a:solidFill>
+                  <a:srgbClr val="000000"/>
+                </a:solidFill>
+                <a:latin typeface="Consolas" panose="020B0609020204030204" pitchFamily="49" charset="0"/>
+              </a:rPr>
+              <a:t>MethodName</a:t>
+            </a:r>
+            <a:r>
+              <a:rPr lang="en-US" sz="1600" dirty="0">
+                <a:solidFill>
+                  <a:srgbClr val="000000"/>
+                </a:solidFill>
+                <a:latin typeface="Consolas" panose="020B0609020204030204" pitchFamily="49" charset="0"/>
+              </a:rPr>
+              <a:t>”, param1, param2</a:t>
+            </a:r>
+            <a:r>
+              <a:rPr lang="en-US" sz="1600" dirty="0" smtClean="0">
+                <a:solidFill>
+                  <a:srgbClr val="000000"/>
+                </a:solidFill>
+                <a:latin typeface="Consolas" panose="020B0609020204030204" pitchFamily="49" charset="0"/>
+              </a:rPr>
+              <a:t>)</a:t>
+            </a:r>
+          </a:p>
+          <a:p>
+            <a:endParaRPr lang="en-US" dirty="0" smtClean="0">
+              <a:solidFill>
+                <a:srgbClr val="000000"/>
+              </a:solidFill>
+              <a:latin typeface="Consolas" panose="020B0609020204030204" pitchFamily="49" charset="0"/>
+            </a:endParaRPr>
+          </a:p>
+          <a:p>
+            <a:r>
+              <a:rPr lang="en-US" dirty="0" smtClean="0">
+                <a:solidFill>
+                  <a:srgbClr val="000000"/>
+                </a:solidFill>
+                <a:latin typeface="Calibri" panose="020F0502020204030204" pitchFamily="34" charset="0"/>
+              </a:rPr>
+              <a:t>    at </a:t>
+            </a:r>
+            <a:r>
+              <a:rPr lang="en-US" u="sng" dirty="0" err="1" smtClean="0">
+                <a:solidFill>
+                  <a:srgbClr val="00008B"/>
+                </a:solidFill>
+                <a:latin typeface="Calibri" panose="020F0502020204030204" pitchFamily="34" charset="0"/>
+              </a:rPr>
+              <a:t>System.RuntimeType</a:t>
+            </a:r>
+            <a:r>
+              <a:rPr lang="en-US" dirty="0" err="1" smtClean="0">
+                <a:solidFill>
+                  <a:srgbClr val="000000"/>
+                </a:solidFill>
+                <a:latin typeface="Calibri" panose="020F0502020204030204" pitchFamily="34" charset="0"/>
+              </a:rPr>
+              <a:t>.</a:t>
+            </a:r>
+            <a:r>
+              <a:rPr lang="en-US" u="sng" dirty="0" err="1" smtClean="0">
+                <a:solidFill>
+                  <a:srgbClr val="008B8B"/>
+                </a:solidFill>
+                <a:latin typeface="Calibri" panose="020F0502020204030204" pitchFamily="34" charset="0"/>
+              </a:rPr>
+              <a:t>InvokeMember</a:t>
+            </a:r>
+            <a:r>
+              <a:rPr lang="en-US" dirty="0" smtClean="0">
+                <a:solidFill>
+                  <a:srgbClr val="000000"/>
+                </a:solidFill>
+                <a:latin typeface="Calibri" panose="020F0502020204030204" pitchFamily="34" charset="0"/>
+              </a:rPr>
+              <a:t>(String</a:t>
+            </a:r>
+            <a:r>
+              <a:rPr lang="en-US" dirty="0">
+                <a:solidFill>
+                  <a:srgbClr val="000000"/>
+                </a:solidFill>
+                <a:latin typeface="Calibri" panose="020F0502020204030204" pitchFamily="34" charset="0"/>
+              </a:rPr>
+              <a:t> name, </a:t>
+            </a:r>
+            <a:r>
+              <a:rPr lang="en-US" dirty="0" err="1">
+                <a:solidFill>
+                  <a:srgbClr val="000000"/>
+                </a:solidFill>
+                <a:latin typeface="Calibri" panose="020F0502020204030204" pitchFamily="34" charset="0"/>
+              </a:rPr>
+              <a:t>BindingFlags</a:t>
+            </a:r>
+            <a:r>
+              <a:rPr lang="en-US" dirty="0">
+                <a:solidFill>
+                  <a:srgbClr val="000000"/>
+                </a:solidFill>
+                <a:latin typeface="Calibri" panose="020F0502020204030204" pitchFamily="34" charset="0"/>
+              </a:rPr>
+              <a:t> </a:t>
+            </a:r>
+            <a:r>
+              <a:rPr lang="en-US" dirty="0" err="1">
+                <a:solidFill>
+                  <a:srgbClr val="000000"/>
+                </a:solidFill>
+                <a:latin typeface="Calibri" panose="020F0502020204030204" pitchFamily="34" charset="0"/>
+              </a:rPr>
+              <a:t>bindingFlags</a:t>
+            </a:r>
+            <a:r>
+              <a:rPr lang="en-US" dirty="0">
+                <a:solidFill>
+                  <a:srgbClr val="000000"/>
+                </a:solidFill>
+                <a:latin typeface="Calibri" panose="020F0502020204030204" pitchFamily="34" charset="0"/>
+              </a:rPr>
+              <a:t>, </a:t>
+            </a:r>
+            <a:r>
+              <a:rPr lang="en-US" dirty="0" smtClean="0">
+                <a:solidFill>
+                  <a:srgbClr val="000000"/>
+                </a:solidFill>
+                <a:latin typeface="Calibri" panose="020F0502020204030204" pitchFamily="34" charset="0"/>
+              </a:rPr>
+              <a:t>…)   </a:t>
+            </a:r>
+          </a:p>
+          <a:p>
+            <a:r>
+              <a:rPr lang="en-US" dirty="0" smtClean="0">
+                <a:solidFill>
+                  <a:srgbClr val="000000"/>
+                </a:solidFill>
+                <a:latin typeface="Calibri" panose="020F0502020204030204" pitchFamily="34" charset="0"/>
+              </a:rPr>
+              <a:t>    at </a:t>
+            </a:r>
+            <a:r>
+              <a:rPr lang="en-US" u="sng" dirty="0" err="1">
+                <a:solidFill>
+                  <a:srgbClr val="00008B"/>
+                </a:solidFill>
+                <a:latin typeface="Calibri" panose="020F0502020204030204" pitchFamily="34" charset="0"/>
+              </a:rPr>
+              <a:t>ExceptionalExamples.UnitTests</a:t>
+            </a:r>
+            <a:r>
+              <a:rPr lang="en-US" dirty="0" err="1">
+                <a:solidFill>
+                  <a:srgbClr val="000000"/>
+                </a:solidFill>
+                <a:latin typeface="Calibri" panose="020F0502020204030204" pitchFamily="34" charset="0"/>
+              </a:rPr>
+              <a:t>.</a:t>
+            </a:r>
+            <a:r>
+              <a:rPr lang="en-US" u="sng" dirty="0" err="1">
+                <a:solidFill>
+                  <a:srgbClr val="008B8B"/>
+                </a:solidFill>
+                <a:latin typeface="Calibri" panose="020F0502020204030204" pitchFamily="34" charset="0"/>
+              </a:rPr>
+              <a:t>ButtonAnimation</a:t>
+            </a:r>
+            <a:r>
+              <a:rPr lang="en-US" dirty="0">
+                <a:solidFill>
+                  <a:srgbClr val="000000"/>
+                </a:solidFill>
+                <a:latin typeface="Calibri" panose="020F0502020204030204" pitchFamily="34" charset="0"/>
+              </a:rPr>
+              <a:t>() in </a:t>
+            </a:r>
+            <a:r>
+              <a:rPr lang="en-US" u="sng" dirty="0">
+                <a:solidFill>
+                  <a:srgbClr val="0066CC"/>
+                </a:solidFill>
+                <a:latin typeface="Calibri" panose="020F0502020204030204" pitchFamily="34" charset="0"/>
+              </a:rPr>
+              <a:t>UnitTest1.cs: line </a:t>
+            </a:r>
+            <a:r>
+              <a:rPr lang="en-US" u="sng" dirty="0" smtClean="0">
+                <a:solidFill>
+                  <a:srgbClr val="0066CC"/>
+                </a:solidFill>
+                <a:latin typeface="Calibri" panose="020F0502020204030204" pitchFamily="34" charset="0"/>
+              </a:rPr>
+              <a:t>85</a:t>
+            </a:r>
+            <a:endParaRPr lang="en-US" dirty="0">
+              <a:solidFill>
+                <a:srgbClr val="000000"/>
+              </a:solidFill>
+              <a:latin typeface="Calibri" panose="020F0502020204030204" pitchFamily="34" charset="0"/>
+            </a:endParaRPr>
+          </a:p>
+        </p:txBody>
+      </p:sp>
+      <p:sp>
+        <p:nvSpPr>
+          <p:cNvPr id="7" name="TextBox 6"/>
+          <p:cNvSpPr txBox="1"/>
+          <p:nvPr/>
+        </p:nvSpPr>
+        <p:spPr>
+          <a:xfrm>
+            <a:off x="146387" y="3644804"/>
+            <a:ext cx="2866747" cy="2154436"/>
+          </a:xfrm>
+          <a:prstGeom prst="rect">
+            <a:avLst/>
+          </a:prstGeom>
+          <a:noFill/>
+          <a:ln>
+            <a:solidFill>
+              <a:schemeClr val="accent1"/>
+            </a:solidFill>
+          </a:ln>
+        </p:spPr>
+        <p:txBody>
+          <a:bodyPr wrap="none" rtlCol="0">
+            <a:spAutoFit/>
+          </a:bodyPr>
+          <a:lstStyle/>
+          <a:p>
+            <a:r>
+              <a:rPr lang="en-US" sz="2200" dirty="0" smtClean="0"/>
+              <a:t>What went wrong?</a:t>
+            </a:r>
+          </a:p>
+          <a:p>
+            <a:r>
+              <a:rPr lang="en-US" sz="2200" b="1" dirty="0" smtClean="0">
+                <a:solidFill>
+                  <a:srgbClr val="FF0000"/>
+                </a:solidFill>
+              </a:rPr>
+              <a:t>A) </a:t>
+            </a:r>
+            <a:r>
+              <a:rPr lang="en-US" sz="2200" dirty="0" smtClean="0"/>
+              <a:t>Not on </a:t>
+            </a:r>
+            <a:r>
+              <a:rPr lang="en-US" sz="2200" dirty="0" err="1" smtClean="0"/>
+              <a:t>ButtonBase</a:t>
+            </a:r>
+            <a:endParaRPr lang="en-US" sz="2200" dirty="0" smtClean="0"/>
+          </a:p>
+          <a:p>
+            <a:r>
+              <a:rPr lang="en-US" sz="2200" b="1" dirty="0" smtClean="0">
+                <a:solidFill>
+                  <a:srgbClr val="FFC000"/>
+                </a:solidFill>
+              </a:rPr>
+              <a:t>B) </a:t>
+            </a:r>
+            <a:r>
+              <a:rPr lang="en-US" sz="2200" dirty="0" smtClean="0"/>
+              <a:t>Wrong parameters</a:t>
+            </a:r>
+          </a:p>
+          <a:p>
+            <a:r>
+              <a:rPr lang="en-US" sz="2200" b="1" dirty="0" smtClean="0">
+                <a:solidFill>
+                  <a:schemeClr val="accent2"/>
+                </a:solidFill>
+              </a:rPr>
+              <a:t>C)</a:t>
+            </a:r>
+            <a:r>
+              <a:rPr lang="en-US" sz="2200" dirty="0" smtClean="0">
+                <a:solidFill>
+                  <a:schemeClr val="accent2"/>
+                </a:solidFill>
+              </a:rPr>
+              <a:t> </a:t>
+            </a:r>
+            <a:r>
+              <a:rPr lang="en-US" sz="2200" dirty="0" smtClean="0"/>
+              <a:t>Docs are out of date </a:t>
+            </a:r>
+          </a:p>
+          <a:p>
+            <a:r>
+              <a:rPr lang="en-US" sz="2200" b="1" dirty="0" smtClean="0">
+                <a:solidFill>
+                  <a:srgbClr val="00B050"/>
+                </a:solidFill>
+              </a:rPr>
+              <a:t>D) </a:t>
+            </a:r>
+            <a:r>
+              <a:rPr lang="en-US" sz="2200" dirty="0" smtClean="0"/>
+              <a:t>Other</a:t>
+            </a:r>
+          </a:p>
+          <a:p>
+            <a:endParaRPr lang="en-US" sz="2400" dirty="0"/>
+          </a:p>
+        </p:txBody>
+      </p:sp>
+      <p:sp>
+        <p:nvSpPr>
+          <p:cNvPr id="2" name="Rectangle 1"/>
+          <p:cNvSpPr/>
+          <p:nvPr/>
+        </p:nvSpPr>
+        <p:spPr>
+          <a:xfrm>
+            <a:off x="587381" y="377047"/>
+            <a:ext cx="11448100" cy="1631216"/>
+          </a:xfrm>
+          <a:prstGeom prst="rect">
+            <a:avLst/>
+          </a:prstGeom>
+        </p:spPr>
+        <p:txBody>
+          <a:bodyPr wrap="square">
+            <a:spAutoFit/>
+          </a:bodyPr>
+          <a:lstStyle/>
+          <a:p>
+            <a:r>
+              <a:rPr lang="en-US" sz="2000" dirty="0" err="1">
+                <a:solidFill>
+                  <a:srgbClr val="0000FF"/>
+                </a:solidFill>
+                <a:highlight>
+                  <a:srgbClr val="FFFFFF"/>
+                </a:highlight>
+                <a:latin typeface="Consolas" panose="020B0609020204030204" pitchFamily="49" charset="0"/>
+              </a:rPr>
+              <a:t>var</a:t>
+            </a:r>
+            <a:r>
+              <a:rPr lang="en-US" sz="2000" dirty="0">
+                <a:solidFill>
+                  <a:srgbClr val="000000"/>
+                </a:solidFill>
+                <a:highlight>
+                  <a:srgbClr val="FFFFFF"/>
+                </a:highlight>
+                <a:latin typeface="Consolas" panose="020B0609020204030204" pitchFamily="49" charset="0"/>
+              </a:rPr>
+              <a:t> </a:t>
+            </a:r>
+            <a:r>
+              <a:rPr lang="en-US" sz="2000" dirty="0" err="1">
+                <a:solidFill>
+                  <a:srgbClr val="000000"/>
+                </a:solidFill>
+                <a:highlight>
+                  <a:srgbClr val="FFFFFF"/>
+                </a:highlight>
+                <a:latin typeface="Consolas" panose="020B0609020204030204" pitchFamily="49" charset="0"/>
+              </a:rPr>
+              <a:t>su</a:t>
+            </a:r>
+            <a:r>
+              <a:rPr lang="en-US" sz="2000" dirty="0">
+                <a:solidFill>
+                  <a:srgbClr val="000000"/>
+                </a:solidFill>
+                <a:highlight>
+                  <a:srgbClr val="FFFFFF"/>
+                </a:highlight>
+                <a:latin typeface="Consolas" panose="020B0609020204030204" pitchFamily="49" charset="0"/>
+              </a:rPr>
+              <a:t> = </a:t>
+            </a:r>
+            <a:r>
+              <a:rPr lang="en-US" sz="2000" dirty="0">
+                <a:solidFill>
+                  <a:srgbClr val="0000FF"/>
+                </a:solidFill>
+                <a:highlight>
+                  <a:srgbClr val="FFFFFF"/>
+                </a:highlight>
+                <a:latin typeface="Consolas" panose="020B0609020204030204" pitchFamily="49" charset="0"/>
+              </a:rPr>
+              <a:t>new</a:t>
+            </a:r>
+            <a:r>
+              <a:rPr lang="en-US" sz="2000" dirty="0">
+                <a:solidFill>
+                  <a:srgbClr val="000000"/>
+                </a:solidFill>
+                <a:highlight>
+                  <a:srgbClr val="FFFFFF"/>
+                </a:highlight>
+                <a:latin typeface="Consolas" panose="020B0609020204030204" pitchFamily="49" charset="0"/>
+              </a:rPr>
+              <a:t> </a:t>
+            </a:r>
+            <a:r>
+              <a:rPr lang="en-US" sz="2000" dirty="0" err="1">
+                <a:solidFill>
+                  <a:srgbClr val="2B91AF"/>
+                </a:solidFill>
+                <a:highlight>
+                  <a:srgbClr val="FFFFFF"/>
+                </a:highlight>
+                <a:latin typeface="Consolas" panose="020B0609020204030204" pitchFamily="49" charset="0"/>
+              </a:rPr>
+              <a:t>SignUpPrompt</a:t>
+            </a:r>
+            <a:r>
+              <a:rPr lang="en-US" sz="2000" dirty="0">
+                <a:solidFill>
+                  <a:srgbClr val="000000"/>
+                </a:solidFill>
+                <a:highlight>
+                  <a:srgbClr val="FFFFFF"/>
+                </a:highlight>
+                <a:latin typeface="Consolas" panose="020B0609020204030204" pitchFamily="49" charset="0"/>
+              </a:rPr>
+              <a:t>();</a:t>
+            </a:r>
+          </a:p>
+          <a:p>
+            <a:r>
+              <a:rPr lang="en-US" sz="2000" dirty="0" err="1">
+                <a:solidFill>
+                  <a:srgbClr val="000000"/>
+                </a:solidFill>
+                <a:highlight>
+                  <a:srgbClr val="FFFFFF"/>
+                </a:highlight>
+                <a:latin typeface="Consolas" panose="020B0609020204030204" pitchFamily="49" charset="0"/>
+              </a:rPr>
+              <a:t>su.Advertise</a:t>
+            </a:r>
+            <a:r>
+              <a:rPr lang="en-US" sz="2000" dirty="0">
+                <a:solidFill>
+                  <a:srgbClr val="000000"/>
+                </a:solidFill>
+                <a:highlight>
+                  <a:srgbClr val="FFFFFF"/>
+                </a:highlight>
+                <a:latin typeface="Consolas" panose="020B0609020204030204" pitchFamily="49" charset="0"/>
+              </a:rPr>
+              <a:t>();</a:t>
+            </a:r>
+          </a:p>
+          <a:p>
+            <a:r>
+              <a:rPr lang="en-US" sz="2000" dirty="0" err="1">
+                <a:solidFill>
+                  <a:srgbClr val="0000FF"/>
+                </a:solidFill>
+                <a:highlight>
+                  <a:srgbClr val="FFFFFF"/>
+                </a:highlight>
+                <a:latin typeface="Consolas" panose="020B0609020204030204" pitchFamily="49" charset="0"/>
+              </a:rPr>
+              <a:t>var</a:t>
+            </a:r>
+            <a:r>
+              <a:rPr lang="en-US" sz="2000" dirty="0">
+                <a:solidFill>
+                  <a:srgbClr val="000000"/>
+                </a:solidFill>
+                <a:highlight>
+                  <a:srgbClr val="FFFFFF"/>
+                </a:highlight>
+                <a:latin typeface="Consolas" panose="020B0609020204030204" pitchFamily="49" charset="0"/>
+              </a:rPr>
+              <a:t> </a:t>
+            </a:r>
+            <a:r>
+              <a:rPr lang="en-US" sz="2000" dirty="0" err="1">
+                <a:solidFill>
+                  <a:srgbClr val="000000"/>
+                </a:solidFill>
+                <a:highlight>
+                  <a:srgbClr val="FFFFFF"/>
+                </a:highlight>
+                <a:latin typeface="Consolas" panose="020B0609020204030204" pitchFamily="49" charset="0"/>
+              </a:rPr>
+              <a:t>pb</a:t>
+            </a:r>
+            <a:r>
+              <a:rPr lang="en-US" sz="2000" dirty="0">
+                <a:solidFill>
+                  <a:srgbClr val="000000"/>
+                </a:solidFill>
+                <a:highlight>
+                  <a:srgbClr val="FFFFFF"/>
+                </a:highlight>
+                <a:latin typeface="Consolas" panose="020B0609020204030204" pitchFamily="49" charset="0"/>
+              </a:rPr>
+              <a:t> = </a:t>
+            </a:r>
+            <a:r>
+              <a:rPr lang="en-US" sz="2000" dirty="0">
+                <a:solidFill>
+                  <a:srgbClr val="0000FF"/>
+                </a:solidFill>
+                <a:highlight>
+                  <a:srgbClr val="FFFFFF"/>
+                </a:highlight>
+                <a:latin typeface="Consolas" panose="020B0609020204030204" pitchFamily="49" charset="0"/>
+              </a:rPr>
+              <a:t>new</a:t>
+            </a:r>
+            <a:r>
+              <a:rPr lang="en-US" sz="2000" dirty="0">
+                <a:solidFill>
+                  <a:srgbClr val="000000"/>
+                </a:solidFill>
+                <a:highlight>
+                  <a:srgbClr val="FFFFFF"/>
+                </a:highlight>
+                <a:latin typeface="Consolas" panose="020B0609020204030204" pitchFamily="49" charset="0"/>
+              </a:rPr>
+              <a:t> </a:t>
+            </a:r>
+            <a:r>
+              <a:rPr lang="en-US" sz="2000" dirty="0" err="1">
+                <a:solidFill>
+                  <a:srgbClr val="2B91AF"/>
+                </a:solidFill>
+                <a:highlight>
+                  <a:srgbClr val="FFFFFF"/>
+                </a:highlight>
+                <a:latin typeface="Consolas" panose="020B0609020204030204" pitchFamily="49" charset="0"/>
+              </a:rPr>
+              <a:t>PrivateObject</a:t>
+            </a:r>
+            <a:r>
+              <a:rPr lang="en-US" sz="2000" dirty="0">
+                <a:solidFill>
+                  <a:srgbClr val="000000"/>
+                </a:solidFill>
+                <a:highlight>
+                  <a:srgbClr val="FFFFFF"/>
+                </a:highlight>
+                <a:latin typeface="Consolas" panose="020B0609020204030204" pitchFamily="49" charset="0"/>
+              </a:rPr>
+              <a:t>(</a:t>
+            </a:r>
+            <a:r>
+              <a:rPr lang="en-US" sz="2000" dirty="0" err="1">
+                <a:solidFill>
+                  <a:srgbClr val="000000"/>
+                </a:solidFill>
+                <a:highlight>
+                  <a:srgbClr val="FFFFFF"/>
+                </a:highlight>
+                <a:latin typeface="Consolas" panose="020B0609020204030204" pitchFamily="49" charset="0"/>
+              </a:rPr>
+              <a:t>su.BuyButton</a:t>
+            </a:r>
+            <a:r>
+              <a:rPr lang="en-US" sz="2000" dirty="0">
+                <a:solidFill>
+                  <a:srgbClr val="000000"/>
+                </a:solidFill>
+                <a:highlight>
+                  <a:srgbClr val="FFFFFF"/>
+                </a:highlight>
+                <a:latin typeface="Consolas" panose="020B0609020204030204" pitchFamily="49" charset="0"/>
+              </a:rPr>
+              <a:t>, </a:t>
+            </a:r>
+            <a:r>
+              <a:rPr lang="en-US" sz="2000" dirty="0">
+                <a:solidFill>
+                  <a:srgbClr val="0000FF"/>
+                </a:solidFill>
+                <a:highlight>
+                  <a:srgbClr val="FFFFFF"/>
+                </a:highlight>
+                <a:latin typeface="Consolas" panose="020B0609020204030204" pitchFamily="49" charset="0"/>
+              </a:rPr>
+              <a:t>new</a:t>
+            </a:r>
+            <a:r>
+              <a:rPr lang="en-US" sz="2000" dirty="0">
+                <a:solidFill>
+                  <a:srgbClr val="000000"/>
+                </a:solidFill>
+                <a:highlight>
+                  <a:srgbClr val="FFFFFF"/>
+                </a:highlight>
+                <a:latin typeface="Consolas" panose="020B0609020204030204" pitchFamily="49" charset="0"/>
+              </a:rPr>
+              <a:t> </a:t>
+            </a:r>
+            <a:r>
+              <a:rPr lang="en-US" sz="2000" dirty="0" err="1">
+                <a:solidFill>
+                  <a:srgbClr val="2B91AF"/>
+                </a:solidFill>
+                <a:highlight>
+                  <a:srgbClr val="FFFFFF"/>
+                </a:highlight>
+                <a:latin typeface="Consolas" panose="020B0609020204030204" pitchFamily="49" charset="0"/>
+              </a:rPr>
+              <a:t>PrivateType</a:t>
+            </a:r>
+            <a:r>
+              <a:rPr lang="en-US" sz="2000" dirty="0">
+                <a:solidFill>
+                  <a:srgbClr val="000000"/>
+                </a:solidFill>
+                <a:highlight>
+                  <a:srgbClr val="FFFFFF"/>
+                </a:highlight>
+                <a:latin typeface="Consolas" panose="020B0609020204030204" pitchFamily="49" charset="0"/>
+              </a:rPr>
+              <a:t>(</a:t>
+            </a:r>
+            <a:r>
+              <a:rPr lang="en-US" sz="2000" dirty="0" err="1">
+                <a:solidFill>
+                  <a:srgbClr val="0000FF"/>
+                </a:solidFill>
+                <a:highlight>
+                  <a:srgbClr val="FFFFFF"/>
+                </a:highlight>
+                <a:latin typeface="Consolas" panose="020B0609020204030204" pitchFamily="49" charset="0"/>
+              </a:rPr>
+              <a:t>typeof</a:t>
+            </a:r>
+            <a:r>
+              <a:rPr lang="en-US" sz="2000" dirty="0">
+                <a:solidFill>
+                  <a:srgbClr val="000000"/>
+                </a:solidFill>
+                <a:highlight>
+                  <a:srgbClr val="FFFFFF"/>
+                </a:highlight>
+                <a:latin typeface="Consolas" panose="020B0609020204030204" pitchFamily="49" charset="0"/>
+              </a:rPr>
+              <a:t>(</a:t>
+            </a:r>
+            <a:r>
+              <a:rPr lang="en-US" sz="2000" dirty="0" err="1">
+                <a:solidFill>
+                  <a:srgbClr val="2B91AF"/>
+                </a:solidFill>
+                <a:highlight>
+                  <a:srgbClr val="FFFFFF"/>
+                </a:highlight>
+                <a:latin typeface="Consolas" panose="020B0609020204030204" pitchFamily="49" charset="0"/>
+              </a:rPr>
+              <a:t>ButtonBase</a:t>
+            </a:r>
+            <a:r>
+              <a:rPr lang="en-US" sz="2000" dirty="0">
+                <a:solidFill>
+                  <a:srgbClr val="000000"/>
+                </a:solidFill>
+                <a:highlight>
+                  <a:srgbClr val="FFFFFF"/>
+                </a:highlight>
+                <a:latin typeface="Consolas" panose="020B0609020204030204" pitchFamily="49" charset="0"/>
+              </a:rPr>
+              <a:t>)));</a:t>
+            </a:r>
+          </a:p>
+          <a:p>
+            <a:r>
+              <a:rPr lang="en-US" sz="2000" dirty="0" err="1">
+                <a:solidFill>
+                  <a:srgbClr val="0000FF"/>
+                </a:solidFill>
+                <a:highlight>
+                  <a:srgbClr val="FFFFFF"/>
+                </a:highlight>
+                <a:latin typeface="Consolas" panose="020B0609020204030204" pitchFamily="49" charset="0"/>
+              </a:rPr>
+              <a:t>var</a:t>
+            </a:r>
+            <a:r>
+              <a:rPr lang="en-US" sz="2000" dirty="0">
+                <a:solidFill>
+                  <a:srgbClr val="000000"/>
+                </a:solidFill>
+                <a:highlight>
+                  <a:srgbClr val="FFFFFF"/>
+                </a:highlight>
+                <a:latin typeface="Consolas" panose="020B0609020204030204" pitchFamily="49" charset="0"/>
+              </a:rPr>
+              <a:t> </a:t>
+            </a:r>
+            <a:r>
+              <a:rPr lang="en-US" sz="2000" dirty="0" err="1">
+                <a:solidFill>
+                  <a:srgbClr val="000000"/>
+                </a:solidFill>
+                <a:highlight>
+                  <a:srgbClr val="FFFFFF"/>
+                </a:highlight>
+                <a:latin typeface="Consolas" panose="020B0609020204030204" pitchFamily="49" charset="0"/>
+              </a:rPr>
+              <a:t>isAnimating</a:t>
+            </a:r>
+            <a:r>
+              <a:rPr lang="en-US" sz="2000" dirty="0">
+                <a:solidFill>
+                  <a:srgbClr val="000000"/>
+                </a:solidFill>
+                <a:highlight>
+                  <a:srgbClr val="FFFFFF"/>
+                </a:highlight>
+                <a:latin typeface="Consolas" panose="020B0609020204030204" pitchFamily="49" charset="0"/>
+              </a:rPr>
+              <a:t> = (</a:t>
+            </a:r>
+            <a:r>
+              <a:rPr lang="en-US" sz="2000" dirty="0" err="1">
+                <a:solidFill>
+                  <a:srgbClr val="0000FF"/>
+                </a:solidFill>
+                <a:highlight>
+                  <a:srgbClr val="FFFFFF"/>
+                </a:highlight>
+                <a:latin typeface="Consolas" panose="020B0609020204030204" pitchFamily="49" charset="0"/>
+              </a:rPr>
+              <a:t>bool</a:t>
+            </a:r>
+            <a:r>
+              <a:rPr lang="en-US" sz="2000" dirty="0">
+                <a:solidFill>
+                  <a:srgbClr val="000000"/>
+                </a:solidFill>
+                <a:highlight>
+                  <a:srgbClr val="FFFFFF"/>
+                </a:highlight>
+                <a:latin typeface="Consolas" panose="020B0609020204030204" pitchFamily="49" charset="0"/>
+              </a:rPr>
+              <a:t>)</a:t>
+            </a:r>
+            <a:r>
+              <a:rPr lang="en-US" sz="2000" dirty="0" err="1">
+                <a:solidFill>
+                  <a:srgbClr val="000000"/>
+                </a:solidFill>
+                <a:highlight>
+                  <a:srgbClr val="FFFFFF"/>
+                </a:highlight>
+                <a:latin typeface="Consolas" panose="020B0609020204030204" pitchFamily="49" charset="0"/>
+              </a:rPr>
+              <a:t>pb.Invoke</a:t>
+            </a:r>
+            <a:r>
+              <a:rPr lang="en-US" sz="2000" dirty="0">
+                <a:solidFill>
+                  <a:srgbClr val="000000"/>
+                </a:solidFill>
+                <a:highlight>
+                  <a:srgbClr val="FFFFFF"/>
+                </a:highlight>
+                <a:latin typeface="Consolas" panose="020B0609020204030204" pitchFamily="49" charset="0"/>
+              </a:rPr>
+              <a:t>(</a:t>
+            </a:r>
+            <a:r>
+              <a:rPr lang="en-US" sz="2000" dirty="0">
+                <a:solidFill>
+                  <a:srgbClr val="A31515"/>
+                </a:solidFill>
+                <a:highlight>
+                  <a:srgbClr val="FFFFFF"/>
+                </a:highlight>
+                <a:latin typeface="Consolas" panose="020B0609020204030204" pitchFamily="49" charset="0"/>
+              </a:rPr>
+              <a:t>"</a:t>
+            </a:r>
+            <a:r>
+              <a:rPr lang="en-US" sz="2000" dirty="0" err="1">
+                <a:solidFill>
+                  <a:srgbClr val="A31515"/>
+                </a:solidFill>
+                <a:highlight>
+                  <a:srgbClr val="FFFFFF"/>
+                </a:highlight>
+                <a:latin typeface="Consolas" panose="020B0609020204030204" pitchFamily="49" charset="0"/>
+              </a:rPr>
+              <a:t>GetFlag</a:t>
+            </a:r>
+            <a:r>
+              <a:rPr lang="en-US" sz="2000" dirty="0">
+                <a:solidFill>
+                  <a:srgbClr val="A31515"/>
+                </a:solidFill>
+                <a:highlight>
+                  <a:srgbClr val="FFFFFF"/>
+                </a:highlight>
+                <a:latin typeface="Consolas" panose="020B0609020204030204" pitchFamily="49" charset="0"/>
+              </a:rPr>
+              <a:t>"</a:t>
+            </a:r>
+            <a:r>
+              <a:rPr lang="en-US" sz="2000" dirty="0">
+                <a:solidFill>
+                  <a:srgbClr val="000000"/>
+                </a:solidFill>
+                <a:highlight>
+                  <a:srgbClr val="FFFFFF"/>
+                </a:highlight>
+                <a:latin typeface="Consolas" panose="020B0609020204030204" pitchFamily="49" charset="0"/>
+              </a:rPr>
+              <a:t>, </a:t>
+            </a:r>
+            <a:r>
+              <a:rPr lang="en-US" sz="2000" dirty="0">
+                <a:solidFill>
+                  <a:srgbClr val="0000FF"/>
+                </a:solidFill>
+                <a:highlight>
+                  <a:srgbClr val="FFFFFF"/>
+                </a:highlight>
+                <a:latin typeface="Consolas" panose="020B0609020204030204" pitchFamily="49" charset="0"/>
+              </a:rPr>
+              <a:t>new</a:t>
+            </a:r>
+            <a:r>
+              <a:rPr lang="en-US" sz="2000" dirty="0">
+                <a:solidFill>
+                  <a:srgbClr val="000000"/>
+                </a:solidFill>
+                <a:highlight>
+                  <a:srgbClr val="FFFFFF"/>
+                </a:highlight>
+                <a:latin typeface="Consolas" panose="020B0609020204030204" pitchFamily="49" charset="0"/>
+              </a:rPr>
+              <a:t>[] { 0x0010 });</a:t>
+            </a:r>
+          </a:p>
+          <a:p>
+            <a:r>
+              <a:rPr lang="en-US" sz="2000" dirty="0" err="1">
+                <a:solidFill>
+                  <a:srgbClr val="2B91AF"/>
+                </a:solidFill>
+                <a:highlight>
+                  <a:srgbClr val="FFFFFF"/>
+                </a:highlight>
+                <a:latin typeface="Consolas" panose="020B0609020204030204" pitchFamily="49" charset="0"/>
+              </a:rPr>
+              <a:t>Assert</a:t>
+            </a:r>
+            <a:r>
+              <a:rPr lang="en-US" sz="2000" dirty="0" err="1">
+                <a:solidFill>
+                  <a:srgbClr val="000000"/>
+                </a:solidFill>
+                <a:highlight>
+                  <a:srgbClr val="FFFFFF"/>
+                </a:highlight>
+                <a:latin typeface="Consolas" panose="020B0609020204030204" pitchFamily="49" charset="0"/>
+              </a:rPr>
+              <a:t>.IsTrue</a:t>
+            </a:r>
+            <a:r>
+              <a:rPr lang="en-US" sz="2000" dirty="0">
+                <a:solidFill>
+                  <a:srgbClr val="000000"/>
+                </a:solidFill>
+                <a:highlight>
+                  <a:srgbClr val="FFFFFF"/>
+                </a:highlight>
+                <a:latin typeface="Consolas" panose="020B0609020204030204" pitchFamily="49" charset="0"/>
+              </a:rPr>
+              <a:t>(</a:t>
+            </a:r>
+            <a:r>
+              <a:rPr lang="en-US" sz="2000" dirty="0" err="1">
+                <a:solidFill>
+                  <a:srgbClr val="000000"/>
+                </a:solidFill>
+                <a:highlight>
+                  <a:srgbClr val="FFFFFF"/>
+                </a:highlight>
+                <a:latin typeface="Consolas" panose="020B0609020204030204" pitchFamily="49" charset="0"/>
+              </a:rPr>
+              <a:t>isAnimating</a:t>
+            </a:r>
+            <a:r>
+              <a:rPr lang="en-US" sz="2000" dirty="0">
+                <a:solidFill>
+                  <a:srgbClr val="000000"/>
+                </a:solidFill>
+                <a:highlight>
+                  <a:srgbClr val="FFFFFF"/>
+                </a:highlight>
+                <a:latin typeface="Consolas" panose="020B0609020204030204" pitchFamily="49" charset="0"/>
+              </a:rPr>
+              <a:t>);</a:t>
+            </a:r>
+            <a:endParaRPr lang="en-US" sz="2000" dirty="0"/>
+          </a:p>
+        </p:txBody>
+      </p:sp>
+    </p:spTree>
+    <p:extLst>
+      <p:ext uri="{BB962C8B-B14F-4D97-AF65-F5344CB8AC3E}">
+        <p14:creationId xmlns:p14="http://schemas.microsoft.com/office/powerpoint/2010/main" val="2210039967"/>
+      </p:ext>
+    </p:extLst>
+  </p:cSld>
+  <p:clrMapOvr>
+    <a:masterClrMapping/>
+  </p:clrMapOvr>
+  <p:timing>
+    <p:tnLst>
+      <p:par>
+        <p:cTn id="1" dur="indefinite" restart="never" nodeType="tmRoot"/>
+      </p:par>
+    </p:tnLst>
+  </p:timing>
+</p:sld>
+</file>
+
+<file path=ppt/slides/slide31.xml><?xml version="1.0" encoding="utf-8"?>
 <p:sld xmlns:a="http://schemas.openxmlformats.org/drawingml/2006/main" xmlns:r="http://schemas.openxmlformats.org/officeDocument/2006/relationships" xmlns:p="http://schemas.openxmlformats.org/presentationml/2006/main">
   <p:cSld>
     <p:spTree>
@@ -16502,14 +17998,14 @@
   <p:timing>
     <p:tnLst>
       <p:par>
-        <p:cTn xmlns:p14="http://schemas.microsoft.com/office/powerpoint/2010/main" id="1" dur="indefinite" restart="never" nodeType="tmRoot"/>
+        <p:cTn id="1" dur="indefinite" restart="never" nodeType="tmRoot"/>
       </p:par>
     </p:tnLst>
   </p:timing>
 </p:sld>
 </file>
 
-<file path=ppt/slides/slide31.xml><?xml version="1.0" encoding="utf-8"?>
+<file path=ppt/slides/slide32.xml><?xml version="1.0" encoding="utf-8"?>
 <p:sld xmlns:a="http://schemas.openxmlformats.org/drawingml/2006/main" xmlns:r="http://schemas.openxmlformats.org/officeDocument/2006/relationships" xmlns:p="http://schemas.openxmlformats.org/presentationml/2006/main">
   <p:cSld>
     <p:spTree>
@@ -17818,14 +19314,14 @@
   <p:timing>
     <p:tnLst>
       <p:par>
-        <p:cTn xmlns:p14="http://schemas.microsoft.com/office/powerpoint/2010/main" id="1" dur="indefinite" restart="never" nodeType="tmRoot"/>
+        <p:cTn id="1" dur="indefinite" restart="never" nodeType="tmRoot"/>
       </p:par>
     </p:tnLst>
   </p:timing>
 </p:sld>
 </file>
 
-<file path=ppt/slides/slide32.xml><?xml version="1.0" encoding="utf-8"?>
+<file path=ppt/slides/slide33.xml><?xml version="1.0" encoding="utf-8"?>
 <p:sld xmlns:a="http://schemas.openxmlformats.org/drawingml/2006/main" xmlns:r="http://schemas.openxmlformats.org/officeDocument/2006/relationships" xmlns:p="http://schemas.openxmlformats.org/presentationml/2006/main">
   <p:cSld>
     <p:spTree>
@@ -17931,14 +19427,14 @@
   <p:timing>
     <p:tnLst>
       <p:par>
-        <p:cTn xmlns:p14="http://schemas.microsoft.com/office/powerpoint/2010/main" id="1" dur="indefinite" restart="never" nodeType="tmRoot"/>
+        <p:cTn id="1" dur="indefinite" restart="never" nodeType="tmRoot"/>
       </p:par>
     </p:tnLst>
   </p:timing>
 </p:sld>
 </file>
 
-<file path=ppt/slides/slide33.xml><?xml version="1.0" encoding="utf-8"?>
+<file path=ppt/slides/slide34.xml><?xml version="1.0" encoding="utf-8"?>
 <p:sld xmlns:a="http://schemas.openxmlformats.org/drawingml/2006/main" xmlns:r="http://schemas.openxmlformats.org/officeDocument/2006/relationships" xmlns:p="http://schemas.openxmlformats.org/presentationml/2006/main">
   <p:cSld>
     <p:spTree>
@@ -18743,7 +20239,7 @@
   <p:timing>
     <p:tnLst>
       <p:par>
-        <p:cTn xmlns:p14="http://schemas.microsoft.com/office/powerpoint/2010/main" id="1" dur="indefinite" restart="never" nodeType="tmRoot">
+        <p:cTn id="1" dur="indefinite" restart="never" nodeType="tmRoot">
           <p:childTnLst>
             <p:seq concurrent="1" nextAc="seek">
               <p:cTn id="2" dur="indefinite" nodeType="mainSeq">
@@ -18913,7 +20409,7 @@
 </p:sld>
 </file>
 
-<file path=ppt/slides/slide34.xml><?xml version="1.0" encoding="utf-8"?>
+<file path=ppt/slides/slide35.xml><?xml version="1.0" encoding="utf-8"?>
 <p:sld xmlns:a="http://schemas.openxmlformats.org/drawingml/2006/main" xmlns:r="http://schemas.openxmlformats.org/officeDocument/2006/relationships" xmlns:p="http://schemas.openxmlformats.org/presentationml/2006/main">
   <p:cSld>
     <p:spTree>
@@ -19222,14 +20718,14 @@
   <p:timing>
     <p:tnLst>
       <p:par>
-        <p:cTn xmlns:p14="http://schemas.microsoft.com/office/powerpoint/2010/main" id="1" dur="indefinite" restart="never" nodeType="tmRoot"/>
+        <p:cTn id="1" dur="indefinite" restart="never" nodeType="tmRoot"/>
       </p:par>
     </p:tnLst>
   </p:timing>
 </p:sld>
 </file>
 
-<file path=ppt/slides/slide35.xml><?xml version="1.0" encoding="utf-8"?>
+<file path=ppt/slides/slide36.xml><?xml version="1.0" encoding="utf-8"?>
 <p:sld xmlns:a="http://schemas.openxmlformats.org/drawingml/2006/main" xmlns:r="http://schemas.openxmlformats.org/officeDocument/2006/relationships" xmlns:p="http://schemas.openxmlformats.org/presentationml/2006/main">
   <p:cSld>
     <p:spTree>
@@ -20067,14 +21563,14 @@
   <p:timing>
     <p:tnLst>
       <p:par>
-        <p:cTn xmlns:p14="http://schemas.microsoft.com/office/powerpoint/2010/main" id="1" dur="indefinite" restart="never" nodeType="tmRoot"/>
+        <p:cTn id="1" dur="indefinite" restart="never" nodeType="tmRoot"/>
       </p:par>
     </p:tnLst>
   </p:timing>
 </p:sld>
 </file>
 
-<file path=ppt/slides/slide36.xml><?xml version="1.0" encoding="utf-8"?>
+<file path=ppt/slides/slide37.xml><?xml version="1.0" encoding="utf-8"?>
 <p:sld xmlns:a="http://schemas.openxmlformats.org/drawingml/2006/main" xmlns:r="http://schemas.openxmlformats.org/officeDocument/2006/relationships" xmlns:p="http://schemas.openxmlformats.org/presentationml/2006/main">
   <p:cSld>
     <p:spTree>
@@ -20226,14 +21722,14 @@
   <p:timing>
     <p:tnLst>
       <p:par>
-        <p:cTn xmlns:p14="http://schemas.microsoft.com/office/powerpoint/2010/main" id="1" dur="indefinite" restart="never" nodeType="tmRoot"/>
+        <p:cTn id="1" dur="indefinite" restart="never" nodeType="tmRoot"/>
       </p:par>
     </p:tnLst>
   </p:timing>
 </p:sld>
 </file>
 
-<file path=ppt/slides/slide37.xml><?xml version="1.0" encoding="utf-8"?>
+<file path=ppt/slides/slide38.xml><?xml version="1.0" encoding="utf-8"?>
 <p:sld xmlns:a="http://schemas.openxmlformats.org/drawingml/2006/main" xmlns:r="http://schemas.openxmlformats.org/officeDocument/2006/relationships" xmlns:p="http://schemas.openxmlformats.org/presentationml/2006/main">
   <p:cSld>
     <p:spTree>
@@ -20442,14 +21938,14 @@
   <p:timing>
     <p:tnLst>
       <p:par>
-        <p:cTn xmlns:p14="http://schemas.microsoft.com/office/powerpoint/2010/main" id="1" dur="indefinite" restart="never" nodeType="tmRoot"/>
+        <p:cTn id="1" dur="indefinite" restart="never" nodeType="tmRoot"/>
       </p:par>
     </p:tnLst>
   </p:timing>
 </p:sld>
 </file>
 
-<file path=ppt/slides/slide38.xml><?xml version="1.0" encoding="utf-8"?>
+<file path=ppt/slides/slide39.xml><?xml version="1.0" encoding="utf-8"?>
 <p:sld xmlns:a="http://schemas.openxmlformats.org/drawingml/2006/main" xmlns:r="http://schemas.openxmlformats.org/officeDocument/2006/relationships" xmlns:p="http://schemas.openxmlformats.org/presentationml/2006/main">
   <p:cSld>
     <p:spTree>
@@ -20509,14 +22005,155 @@
   <p:timing>
     <p:tnLst>
       <p:par>
-        <p:cTn xmlns:p14="http://schemas.microsoft.com/office/powerpoint/2010/main" id="1" dur="indefinite" restart="never" nodeType="tmRoot"/>
+        <p:cTn id="1" dur="indefinite" restart="never" nodeType="tmRoot"/>
       </p:par>
     </p:tnLst>
   </p:timing>
 </p:sld>
 </file>
 
-<file path=ppt/slides/slide39.xml><?xml version="1.0" encoding="utf-8"?>
+<file path=ppt/slides/slide4.xml><?xml version="1.0" encoding="utf-8"?>
+<p:sld xmlns:a="http://schemas.openxmlformats.org/drawingml/2006/main" xmlns:r="http://schemas.openxmlformats.org/officeDocument/2006/relationships" xmlns:p="http://schemas.openxmlformats.org/presentationml/2006/main" show="0">
+  <p:cSld>
+    <p:spTree>
+      <p:nvGrpSpPr>
+        <p:cNvPr id="1" name=""/>
+        <p:cNvGrpSpPr/>
+        <p:nvPr/>
+      </p:nvGrpSpPr>
+      <p:grpSpPr>
+        <a:xfrm>
+          <a:off x="0" y="0"/>
+          <a:ext cx="0" cy="0"/>
+          <a:chOff x="0" y="0"/>
+          <a:chExt cx="0" cy="0"/>
+        </a:xfrm>
+      </p:grpSpPr>
+      <p:sp>
+        <p:nvSpPr>
+          <p:cNvPr id="2" name="Title 1"/>
+          <p:cNvSpPr>
+            <a:spLocks noGrp="1"/>
+          </p:cNvSpPr>
+          <p:nvPr>
+            <p:ph type="title"/>
+          </p:nvPr>
+        </p:nvSpPr>
+        <p:spPr/>
+        <p:txBody>
+          <a:bodyPr/>
+          <a:lstStyle/>
+          <a:p>
+            <a:r>
+              <a:rPr lang="en-US" dirty="0" smtClean="0"/>
+              <a:t>Playing the Game</a:t>
+            </a:r>
+            <a:endParaRPr lang="en-US" dirty="0"/>
+          </a:p>
+        </p:txBody>
+      </p:sp>
+      <p:sp>
+        <p:nvSpPr>
+          <p:cNvPr id="4" name="Content Placeholder 3"/>
+          <p:cNvSpPr>
+            <a:spLocks noGrp="1"/>
+          </p:cNvSpPr>
+          <p:nvPr>
+            <p:ph idx="1"/>
+          </p:nvPr>
+        </p:nvSpPr>
+        <p:spPr/>
+        <p:txBody>
+          <a:bodyPr/>
+          <a:lstStyle/>
+          <a:p>
+            <a:pPr marL="457200" indent="-457200">
+              <a:buFont typeface="+mj-lt"/>
+              <a:buAutoNum type="arabicPeriod"/>
+            </a:pPr>
+            <a:r>
+              <a:rPr lang="en-US" dirty="0" smtClean="0"/>
+              <a:t>Show </a:t>
+            </a:r>
+            <a:r>
+              <a:rPr lang="en-US" dirty="0" smtClean="0"/>
+              <a:t>code that caused the exception to be thrown</a:t>
+            </a:r>
+          </a:p>
+          <a:p>
+            <a:pPr marL="457200" indent="-457200">
+              <a:buFont typeface="+mj-lt"/>
+              <a:buAutoNum type="arabicPeriod"/>
+            </a:pPr>
+            <a:r>
+              <a:rPr lang="en-US" dirty="0" smtClean="0"/>
+              <a:t>Ask why?</a:t>
+            </a:r>
+          </a:p>
+          <a:p>
+            <a:pPr marL="457200" indent="-457200">
+              <a:buFont typeface="+mj-lt"/>
+              <a:buAutoNum type="arabicPeriod"/>
+            </a:pPr>
+            <a:r>
+              <a:rPr lang="en-US" dirty="0" smtClean="0"/>
+              <a:t>Propose better Exception Message</a:t>
+            </a:r>
+          </a:p>
+          <a:p>
+            <a:pPr marL="457200" indent="-457200">
+              <a:buFont typeface="+mj-lt"/>
+              <a:buAutoNum type="arabicPeriod"/>
+            </a:pPr>
+            <a:r>
+              <a:rPr lang="en-US" dirty="0" smtClean="0"/>
+              <a:t>Ask again</a:t>
+            </a:r>
+          </a:p>
+          <a:p>
+            <a:pPr marL="457200" indent="-457200">
+              <a:buFont typeface="+mj-lt"/>
+              <a:buAutoNum type="arabicPeriod"/>
+            </a:pPr>
+            <a:endParaRPr lang="en-US" dirty="0" smtClean="0"/>
+          </a:p>
+          <a:p>
+            <a:pPr marL="0" indent="0">
+              <a:buNone/>
+            </a:pPr>
+            <a:endParaRPr lang="en-US" dirty="0"/>
+          </a:p>
+        </p:txBody>
+      </p:sp>
+    </p:spTree>
+    <p:extLst>
+      <p:ext uri="{BB962C8B-B14F-4D97-AF65-F5344CB8AC3E}">
+        <p14:creationId xmlns:p14="http://schemas.microsoft.com/office/powerpoint/2010/main" val="2628970898"/>
+      </p:ext>
+    </p:extLst>
+  </p:cSld>
+  <p:clrMapOvr>
+    <a:masterClrMapping/>
+  </p:clrMapOvr>
+  <mc:AlternateContent xmlns:mc="http://schemas.openxmlformats.org/markup-compatibility/2006">
+    <mc:Choice xmlns:p14="http://schemas.microsoft.com/office/powerpoint/2010/main" Requires="p14">
+      <p:transition spd="slow" p14:dur="2000"/>
+    </mc:Choice>
+    <mc:Fallback>
+      <p:transition spd="slow"/>
+    </mc:Fallback>
+  </mc:AlternateContent>
+  <p:timing>
+    <p:tnLst>
+      <p:par>
+        <p:cTn id="1" dur="indefinite" restart="never" nodeType="tmRoot"/>
+      </p:par>
+    </p:tnLst>
+  </p:timing>
+</p:sld>
+</file>
+
+<file path=ppt/slides/slide40.xml><?xml version="1.0" encoding="utf-8"?>
 <p:sld xmlns:a="http://schemas.openxmlformats.org/drawingml/2006/main" xmlns:r="http://schemas.openxmlformats.org/officeDocument/2006/relationships" xmlns:p="http://schemas.openxmlformats.org/presentationml/2006/main">
   <p:cSld>
     <p:spTree>
@@ -20921,93 +22558,14 @@
   <p:timing>
     <p:tnLst>
       <p:par>
-        <p:cTn xmlns:p14="http://schemas.microsoft.com/office/powerpoint/2010/main" id="1" dur="indefinite" restart="never" nodeType="tmRoot"/>
+        <p:cTn id="1" dur="indefinite" restart="never" nodeType="tmRoot"/>
       </p:par>
     </p:tnLst>
   </p:timing>
 </p:sld>
 </file>
 
-<file path=ppt/slides/slide4.xml><?xml version="1.0" encoding="utf-8"?>
-<p:sld xmlns:a="http://schemas.openxmlformats.org/drawingml/2006/main" xmlns:r="http://schemas.openxmlformats.org/officeDocument/2006/relationships" xmlns:p="http://schemas.openxmlformats.org/presentationml/2006/main">
-  <p:cSld>
-    <p:spTree>
-      <p:nvGrpSpPr>
-        <p:cNvPr id="1" name=""/>
-        <p:cNvGrpSpPr/>
-        <p:nvPr/>
-      </p:nvGrpSpPr>
-      <p:grpSpPr>
-        <a:xfrm>
-          <a:off x="0" y="0"/>
-          <a:ext cx="0" cy="0"/>
-          <a:chOff x="0" y="0"/>
-          <a:chExt cx="0" cy="0"/>
-        </a:xfrm>
-      </p:grpSpPr>
-      <p:sp>
-        <p:nvSpPr>
-          <p:cNvPr id="2" name="Title 1"/>
-          <p:cNvSpPr>
-            <a:spLocks noGrp="1"/>
-          </p:cNvSpPr>
-          <p:nvPr>
-            <p:ph type="ctrTitle"/>
-          </p:nvPr>
-        </p:nvSpPr>
-        <p:spPr/>
-        <p:txBody>
-          <a:bodyPr/>
-          <a:lstStyle/>
-          <a:p>
-            <a:r>
-              <a:rPr lang="en-US" dirty="0" smtClean="0"/>
-              <a:t>The route to null evil</a:t>
-            </a:r>
-            <a:endParaRPr lang="en-US" dirty="0"/>
-          </a:p>
-        </p:txBody>
-      </p:sp>
-      <p:sp>
-        <p:nvSpPr>
-          <p:cNvPr id="3" name="Subtitle 2"/>
-          <p:cNvSpPr>
-            <a:spLocks noGrp="1"/>
-          </p:cNvSpPr>
-          <p:nvPr>
-            <p:ph type="subTitle" idx="1"/>
-          </p:nvPr>
-        </p:nvSpPr>
-        <p:spPr/>
-        <p:txBody>
-          <a:bodyPr/>
-          <a:lstStyle/>
-          <a:p>
-            <a:endParaRPr lang="en-US"/>
-          </a:p>
-        </p:txBody>
-      </p:sp>
-    </p:spTree>
-    <p:extLst>
-      <p:ext uri="{BB962C8B-B14F-4D97-AF65-F5344CB8AC3E}">
-        <p14:creationId xmlns:p14="http://schemas.microsoft.com/office/powerpoint/2010/main" val="1185910408"/>
-      </p:ext>
-    </p:extLst>
-  </p:cSld>
-  <p:clrMapOvr>
-    <a:masterClrMapping/>
-  </p:clrMapOvr>
-  <p:timing>
-    <p:tnLst>
-      <p:par>
-        <p:cTn xmlns:p14="http://schemas.microsoft.com/office/powerpoint/2010/main" id="1" dur="indefinite" restart="never" nodeType="tmRoot"/>
-      </p:par>
-    </p:tnLst>
-  </p:timing>
-</p:sld>
-</file>
-
-<file path=ppt/slides/slide40.xml><?xml version="1.0" encoding="utf-8"?>
+<file path=ppt/slides/slide41.xml><?xml version="1.0" encoding="utf-8"?>
 <p:sld xmlns:a="http://schemas.openxmlformats.org/drawingml/2006/main" xmlns:r="http://schemas.openxmlformats.org/officeDocument/2006/relationships" xmlns:p="http://schemas.openxmlformats.org/presentationml/2006/main">
   <p:cSld>
     <p:spTree>
@@ -21417,14 +22975,14 @@
           </a:effectLst>
           <a:extLst>
             <a:ext uri="{909E8E84-426E-40dd-AFC4-6F175D3DCCD1}">
-              <a14:hiddenFill xmlns:a14="http://schemas.microsoft.com/office/drawing/2010/main">
+              <a14:hiddenFill xmlns:a14="http://schemas.microsoft.com/office/drawing/2010/main" xmlns="">
                 <a:solidFill>
                   <a:schemeClr val="accent1"/>
                 </a:solidFill>
               </a14:hiddenFill>
             </a:ext>
             <a:ext uri="{91240B29-F687-4f45-9708-019B960494DF}">
-              <a14:hiddenLine xmlns:a14="http://schemas.microsoft.com/office/drawing/2010/main" w="9525">
+              <a14:hiddenLine xmlns:a14="http://schemas.microsoft.com/office/drawing/2010/main" xmlns="" w="9525">
                 <a:solidFill>
                   <a:schemeClr val="tx1"/>
                 </a:solidFill>
@@ -21851,206 +23409,7 @@
   <p:timing>
     <p:tnLst>
       <p:par>
-        <p:cTn xmlns:p14="http://schemas.microsoft.com/office/powerpoint/2010/main" id="1" dur="indefinite" restart="never" nodeType="tmRoot"/>
-      </p:par>
-    </p:tnLst>
-  </p:timing>
-</p:sld>
-</file>
-
-<file path=ppt/slides/slide41.xml><?xml version="1.0" encoding="utf-8"?>
-<p:sld xmlns:a="http://schemas.openxmlformats.org/drawingml/2006/main" xmlns:r="http://schemas.openxmlformats.org/officeDocument/2006/relationships" xmlns:p="http://schemas.openxmlformats.org/presentationml/2006/main" show="0">
-  <p:cSld>
-    <p:spTree>
-      <p:nvGrpSpPr>
-        <p:cNvPr id="1" name=""/>
-        <p:cNvGrpSpPr/>
-        <p:nvPr/>
-      </p:nvGrpSpPr>
-      <p:grpSpPr>
-        <a:xfrm>
-          <a:off x="0" y="0"/>
-          <a:ext cx="0" cy="0"/>
-          <a:chOff x="0" y="0"/>
-          <a:chExt cx="0" cy="0"/>
-        </a:xfrm>
-      </p:grpSpPr>
-      <p:sp>
-        <p:nvSpPr>
-          <p:cNvPr id="2" name="Title 1"/>
-          <p:cNvSpPr>
-            <a:spLocks noGrp="1"/>
-          </p:cNvSpPr>
-          <p:nvPr>
-            <p:ph type="title" idx="4294967295"/>
-          </p:nvPr>
-        </p:nvSpPr>
-        <p:spPr>
-          <a:xfrm>
-            <a:off x="1097280" y="264188"/>
-            <a:ext cx="10058400" cy="1025525"/>
-          </a:xfrm>
-        </p:spPr>
-        <p:txBody>
-          <a:bodyPr>
-            <a:normAutofit/>
-          </a:bodyPr>
-          <a:lstStyle/>
-          <a:p>
-            <a:r>
-              <a:rPr lang="en-US" sz="3600" dirty="0" smtClean="0"/>
-              <a:t>This exception proves the rule…</a:t>
-            </a:r>
-            <a:endParaRPr lang="en-US" sz="3600" dirty="0"/>
-          </a:p>
-        </p:txBody>
-      </p:sp>
-      <p:sp>
-        <p:nvSpPr>
-          <p:cNvPr id="3" name="Content Placeholder 2"/>
-          <p:cNvSpPr>
-            <a:spLocks noGrp="1"/>
-          </p:cNvSpPr>
-          <p:nvPr>
-            <p:ph idx="4294967295"/>
-          </p:nvPr>
-        </p:nvSpPr>
-        <p:spPr>
-          <a:xfrm>
-            <a:off x="1097280" y="1414804"/>
-            <a:ext cx="10058400" cy="4024313"/>
-          </a:xfrm>
-        </p:spPr>
-        <p:txBody>
-          <a:bodyPr anchor="ctr">
-            <a:normAutofit/>
-          </a:bodyPr>
-          <a:lstStyle/>
-          <a:p>
-            <a:pPr algn="ctr"/>
-            <a:r>
-              <a:rPr lang="en-US" sz="4800" i="1" spc="-50" dirty="0">
-                <a:latin typeface="+mj-lt"/>
-                <a:ea typeface="+mj-ea"/>
-                <a:cs typeface="+mj-cs"/>
-              </a:rPr>
-              <a:t>“Give example code </a:t>
-            </a:r>
-            <a:endParaRPr lang="en-US" sz="4800" i="1" spc="-50" dirty="0" smtClean="0">
-              <a:latin typeface="+mj-lt"/>
-              <a:ea typeface="+mj-ea"/>
-              <a:cs typeface="+mj-cs"/>
-            </a:endParaRPr>
-          </a:p>
-          <a:p>
-            <a:pPr algn="ctr"/>
-            <a:r>
-              <a:rPr lang="en-US" sz="4800" i="1" spc="-50" dirty="0" smtClean="0">
-                <a:latin typeface="+mj-lt"/>
-                <a:ea typeface="+mj-ea"/>
-                <a:cs typeface="+mj-cs"/>
-              </a:rPr>
-              <a:t>for </a:t>
-            </a:r>
-            <a:r>
-              <a:rPr lang="en-US" sz="4800" i="1" spc="-50" dirty="0">
-                <a:latin typeface="+mj-lt"/>
-                <a:ea typeface="+mj-ea"/>
-                <a:cs typeface="+mj-cs"/>
-              </a:rPr>
-              <a:t>any setup </a:t>
-            </a:r>
-            <a:r>
-              <a:rPr lang="en-US" sz="4800" i="1" spc="-50" dirty="0" smtClean="0">
-                <a:latin typeface="+mj-lt"/>
-                <a:ea typeface="+mj-ea"/>
-                <a:cs typeface="+mj-cs"/>
-              </a:rPr>
-              <a:t>needed”</a:t>
-            </a:r>
-            <a:endParaRPr lang="en-US" sz="4800" i="1" spc="-50" dirty="0">
-              <a:latin typeface="+mj-lt"/>
-              <a:ea typeface="+mj-ea"/>
-              <a:cs typeface="+mj-cs"/>
-            </a:endParaRPr>
-          </a:p>
-        </p:txBody>
-      </p:sp>
-      <p:sp>
-        <p:nvSpPr>
-          <p:cNvPr id="4" name="Title 1"/>
-          <p:cNvSpPr txBox="1">
-            <a:spLocks/>
-          </p:cNvSpPr>
-          <p:nvPr/>
-        </p:nvSpPr>
-        <p:spPr>
-          <a:xfrm>
-            <a:off x="1097280" y="5234030"/>
-            <a:ext cx="10058400" cy="1025730"/>
-          </a:xfrm>
-          <a:prstGeom prst="rect">
-            <a:avLst/>
-          </a:prstGeom>
-        </p:spPr>
-        <p:txBody>
-          <a:bodyPr vert="horz" lIns="91440" tIns="45720" rIns="91440" bIns="45720" rtlCol="0" anchor="b">
-            <a:normAutofit/>
-          </a:bodyPr>
-          <a:lstStyle>
-            <a:lvl1pPr algn="l" defTabSz="914400" rtl="0" eaLnBrk="1" latinLnBrk="0" hangingPunct="1">
-              <a:lnSpc>
-                <a:spcPct val="85000"/>
-              </a:lnSpc>
-              <a:spcBef>
-                <a:spcPct val="0"/>
-              </a:spcBef>
-              <a:buNone/>
-              <a:defRPr sz="4800" kern="1200" spc="-50" baseline="0">
-                <a:solidFill>
-                  <a:schemeClr val="tx1">
-                    <a:lumMod val="75000"/>
-                    <a:lumOff val="25000"/>
-                  </a:schemeClr>
-                </a:solidFill>
-                <a:latin typeface="+mj-lt"/>
-                <a:ea typeface="+mj-ea"/>
-                <a:cs typeface="+mj-cs"/>
-              </a:defRPr>
-            </a:lvl1pPr>
-          </a:lstStyle>
-          <a:p>
-            <a:pPr algn="r"/>
-            <a:r>
-              <a:rPr lang="en-US" sz="3600" dirty="0" smtClean="0"/>
-              <a:t>…to give the confused coder some guidance</a:t>
-            </a:r>
-            <a:endParaRPr lang="en-US" sz="3600" dirty="0"/>
-          </a:p>
-        </p:txBody>
-      </p:sp>
-    </p:spTree>
-    <p:extLst>
-      <p:ext uri="{BB962C8B-B14F-4D97-AF65-F5344CB8AC3E}">
-        <p14:creationId xmlns:p14="http://schemas.microsoft.com/office/powerpoint/2010/main" val="416516849"/>
-      </p:ext>
-    </p:extLst>
-  </p:cSld>
-  <p:clrMapOvr>
-    <a:masterClrMapping/>
-  </p:clrMapOvr>
-  <mc:AlternateContent xmlns:mc="http://schemas.openxmlformats.org/markup-compatibility/2006">
-    <mc:Choice xmlns:p14="http://schemas.microsoft.com/office/powerpoint/2010/main" Requires="p14">
-      <p:transition spd="slow" p14:dur="2000"/>
-    </mc:Choice>
-    <mc:Fallback>
-      <p:transition xmlns:p14="http://schemas.microsoft.com/office/powerpoint/2010/main" spd="slow"/>
-    </mc:Fallback>
-  </mc:AlternateContent>
-  <p:timing>
-    <p:tnLst>
-      <p:par>
-        <p:cTn xmlns:p14="http://schemas.microsoft.com/office/powerpoint/2010/main" id="1" dur="indefinite" restart="never" nodeType="tmRoot"/>
+        <p:cTn id="1" dur="indefinite" restart="never" nodeType="tmRoot"/>
       </p:par>
     </p:tnLst>
   </p:timing>
@@ -22128,12 +23487,44 @@
           <a:p>
             <a:pPr algn="ctr"/>
             <a:r>
+              <a:rPr lang="en-US" sz="4800" i="1" spc="-50" dirty="0">
+                <a:latin typeface="+mj-lt"/>
+                <a:ea typeface="+mj-ea"/>
+                <a:cs typeface="+mj-cs"/>
+              </a:rPr>
+              <a:t>“Give example code </a:t>
+            </a:r>
+            <a:endParaRPr lang="en-US" sz="4800" i="1" spc="-50" dirty="0" smtClean="0">
+              <a:latin typeface="+mj-lt"/>
+              <a:ea typeface="+mj-ea"/>
+              <a:cs typeface="+mj-cs"/>
+            </a:endParaRPr>
+          </a:p>
+          <a:p>
+            <a:pPr algn="ctr"/>
+            <a:r>
               <a:rPr lang="en-US" sz="4800" i="1" spc="-50" dirty="0" smtClean="0">
                 <a:latin typeface="+mj-lt"/>
                 <a:ea typeface="+mj-ea"/>
                 <a:cs typeface="+mj-cs"/>
               </a:rPr>
-              <a:t>“Point to online documentation”</a:t>
+              <a:t>for </a:t>
+            </a:r>
+            <a:r>
+              <a:rPr lang="en-US" sz="4800" i="1" spc="-50" dirty="0">
+                <a:latin typeface="+mj-lt"/>
+                <a:ea typeface="+mj-ea"/>
+                <a:cs typeface="+mj-cs"/>
+              </a:rPr>
+              <a:t>any setup </a:t>
+            </a:r>
+            <a:r>
+              <a:rPr lang="en-US" sz="4800" i="1" spc="-50" dirty="0" smtClean="0">
+                <a:latin typeface="+mj-lt"/>
+                <a:ea typeface="+mj-ea"/>
+                <a:cs typeface="+mj-cs"/>
+              </a:rPr>
+              <a:t>needed”</a:t>
             </a:r>
             <a:endParaRPr lang="en-US" sz="4800" i="1" spc="-50" dirty="0">
               <a:latin typeface="+mj-lt"/>
@@ -22199,6 +23590,173 @@
     </p:spTree>
     <p:extLst>
       <p:ext uri="{BB962C8B-B14F-4D97-AF65-F5344CB8AC3E}">
+        <p14:creationId xmlns:p14="http://schemas.microsoft.com/office/powerpoint/2010/main" val="416516849"/>
+      </p:ext>
+    </p:extLst>
+  </p:cSld>
+  <p:clrMapOvr>
+    <a:masterClrMapping/>
+  </p:clrMapOvr>
+  <mc:AlternateContent xmlns:mc="http://schemas.openxmlformats.org/markup-compatibility/2006" xmlns:p14="http://schemas.microsoft.com/office/powerpoint/2010/main">
+    <mc:Choice Requires="p14">
+      <p:transition spd="slow" p14:dur="2000"/>
+    </mc:Choice>
+    <mc:Fallback xmlns="">
+      <p:transition xmlns:p14="http://schemas.microsoft.com/office/powerpoint/2010/main" spd="slow"/>
+    </mc:Fallback>
+  </mc:AlternateContent>
+  <p:timing>
+    <p:tnLst>
+      <p:par>
+        <p:cTn id="1" dur="indefinite" restart="never" nodeType="tmRoot"/>
+      </p:par>
+    </p:tnLst>
+  </p:timing>
+</p:sld>
+</file>
+
+<file path=ppt/slides/slide43.xml><?xml version="1.0" encoding="utf-8"?>
+<p:sld xmlns:a="http://schemas.openxmlformats.org/drawingml/2006/main" xmlns:r="http://schemas.openxmlformats.org/officeDocument/2006/relationships" xmlns:p="http://schemas.openxmlformats.org/presentationml/2006/main" show="0">
+  <p:cSld>
+    <p:spTree>
+      <p:nvGrpSpPr>
+        <p:cNvPr id="1" name=""/>
+        <p:cNvGrpSpPr/>
+        <p:nvPr/>
+      </p:nvGrpSpPr>
+      <p:grpSpPr>
+        <a:xfrm>
+          <a:off x="0" y="0"/>
+          <a:ext cx="0" cy="0"/>
+          <a:chOff x="0" y="0"/>
+          <a:chExt cx="0" cy="0"/>
+        </a:xfrm>
+      </p:grpSpPr>
+      <p:sp>
+        <p:nvSpPr>
+          <p:cNvPr id="2" name="Title 1"/>
+          <p:cNvSpPr>
+            <a:spLocks noGrp="1"/>
+          </p:cNvSpPr>
+          <p:nvPr>
+            <p:ph type="title" idx="4294967295"/>
+          </p:nvPr>
+        </p:nvSpPr>
+        <p:spPr>
+          <a:xfrm>
+            <a:off x="1097280" y="264188"/>
+            <a:ext cx="10058400" cy="1025525"/>
+          </a:xfrm>
+        </p:spPr>
+        <p:txBody>
+          <a:bodyPr>
+            <a:normAutofit/>
+          </a:bodyPr>
+          <a:lstStyle/>
+          <a:p>
+            <a:r>
+              <a:rPr lang="en-US" sz="3600" dirty="0" smtClean="0"/>
+              <a:t>This exception proves the rule…</a:t>
+            </a:r>
+            <a:endParaRPr lang="en-US" sz="3600" dirty="0"/>
+          </a:p>
+        </p:txBody>
+      </p:sp>
+      <p:sp>
+        <p:nvSpPr>
+          <p:cNvPr id="3" name="Content Placeholder 2"/>
+          <p:cNvSpPr>
+            <a:spLocks noGrp="1"/>
+          </p:cNvSpPr>
+          <p:nvPr>
+            <p:ph idx="4294967295"/>
+          </p:nvPr>
+        </p:nvSpPr>
+        <p:spPr>
+          <a:xfrm>
+            <a:off x="1097280" y="1414804"/>
+            <a:ext cx="10058400" cy="4024313"/>
+          </a:xfrm>
+        </p:spPr>
+        <p:txBody>
+          <a:bodyPr anchor="ctr">
+            <a:normAutofit/>
+          </a:bodyPr>
+          <a:lstStyle/>
+          <a:p>
+            <a:pPr algn="ctr"/>
+            <a:r>
+              <a:rPr lang="en-US" sz="4800" i="1" spc="-50" dirty="0" smtClean="0">
+                <a:latin typeface="+mj-lt"/>
+                <a:ea typeface="+mj-ea"/>
+                <a:cs typeface="+mj-cs"/>
+              </a:rPr>
+              <a:t>“Point to online documentation”</a:t>
+            </a:r>
+            <a:endParaRPr lang="en-US" sz="4800" i="1" spc="-50" dirty="0">
+              <a:latin typeface="+mj-lt"/>
+              <a:ea typeface="+mj-ea"/>
+              <a:cs typeface="+mj-cs"/>
+            </a:endParaRPr>
+          </a:p>
+        </p:txBody>
+      </p:sp>
+      <p:sp>
+        <p:nvSpPr>
+          <p:cNvPr id="4" name="Title 1"/>
+          <p:cNvSpPr txBox="1">
+            <a:spLocks/>
+          </p:cNvSpPr>
+          <p:nvPr/>
+        </p:nvSpPr>
+        <p:spPr>
+          <a:xfrm>
+            <a:off x="1097280" y="5234030"/>
+            <a:ext cx="10058400" cy="1025730"/>
+          </a:xfrm>
+          <a:prstGeom prst="rect">
+            <a:avLst/>
+          </a:prstGeom>
+        </p:spPr>
+        <p:txBody>
+          <a:bodyPr vert="horz" lIns="91440" tIns="45720" rIns="91440" bIns="45720" rtlCol="0" anchor="b">
+            <a:normAutofit/>
+          </a:bodyPr>
+          <a:lstStyle>
+            <a:lvl1pPr algn="l" defTabSz="914400" rtl="0" eaLnBrk="1" latinLnBrk="0" hangingPunct="1">
+              <a:lnSpc>
+                <a:spcPct val="85000"/>
+              </a:lnSpc>
+              <a:spcBef>
+                <a:spcPct val="0"/>
+              </a:spcBef>
+              <a:buNone/>
+              <a:defRPr sz="4800" kern="1200" spc="-50" baseline="0">
+                <a:solidFill>
+                  <a:schemeClr val="tx1">
+                    <a:lumMod val="75000"/>
+                    <a:lumOff val="25000"/>
+                  </a:schemeClr>
+                </a:solidFill>
+                <a:latin typeface="+mj-lt"/>
+                <a:ea typeface="+mj-ea"/>
+                <a:cs typeface="+mj-cs"/>
+              </a:defRPr>
+            </a:lvl1pPr>
+          </a:lstStyle>
+          <a:p>
+            <a:pPr algn="r"/>
+            <a:r>
+              <a:rPr lang="en-US" sz="3600" dirty="0" smtClean="0"/>
+              <a:t>…to give the confused coder some guidance</a:t>
+            </a:r>
+            <a:endParaRPr lang="en-US" sz="3600" dirty="0"/>
+          </a:p>
+        </p:txBody>
+      </p:sp>
+    </p:spTree>
+    <p:extLst>
+      <p:ext uri="{BB962C8B-B14F-4D97-AF65-F5344CB8AC3E}">
         <p14:creationId xmlns:p14="http://schemas.microsoft.com/office/powerpoint/2010/main" val="1162058314"/>
       </p:ext>
     </p:extLst>
@@ -22206,18 +23764,18 @@
   <p:clrMapOvr>
     <a:masterClrMapping/>
   </p:clrMapOvr>
-  <mc:AlternateContent xmlns:mc="http://schemas.openxmlformats.org/markup-compatibility/2006">
-    <mc:Choice xmlns:p14="http://schemas.microsoft.com/office/powerpoint/2010/main" Requires="p14">
+  <mc:AlternateContent xmlns:mc="http://schemas.openxmlformats.org/markup-compatibility/2006" xmlns:p14="http://schemas.microsoft.com/office/powerpoint/2010/main">
+    <mc:Choice Requires="p14">
       <p:transition spd="slow" p14:dur="2000"/>
     </mc:Choice>
-    <mc:Fallback>
+    <mc:Fallback xmlns="">
       <p:transition xmlns:p14="http://schemas.microsoft.com/office/powerpoint/2010/main" spd="slow"/>
     </mc:Fallback>
   </mc:AlternateContent>
   <p:timing>
     <p:tnLst>
       <p:par>
-        <p:cTn xmlns:p14="http://schemas.microsoft.com/office/powerpoint/2010/main" id="1" dur="indefinite" restart="never" nodeType="tmRoot"/>
+        <p:cTn id="1" dur="indefinite" restart="never" nodeType="tmRoot"/>
       </p:par>
     </p:tnLst>
   </p:timing>
@@ -22225,6 +23783,85 @@
 </file>
 
 <file path=ppt/slides/slide5.xml><?xml version="1.0" encoding="utf-8"?>
+<p:sld xmlns:a="http://schemas.openxmlformats.org/drawingml/2006/main" xmlns:r="http://schemas.openxmlformats.org/officeDocument/2006/relationships" xmlns:p="http://schemas.openxmlformats.org/presentationml/2006/main">
+  <p:cSld>
+    <p:spTree>
+      <p:nvGrpSpPr>
+        <p:cNvPr id="1" name=""/>
+        <p:cNvGrpSpPr/>
+        <p:nvPr/>
+      </p:nvGrpSpPr>
+      <p:grpSpPr>
+        <a:xfrm>
+          <a:off x="0" y="0"/>
+          <a:ext cx="0" cy="0"/>
+          <a:chOff x="0" y="0"/>
+          <a:chExt cx="0" cy="0"/>
+        </a:xfrm>
+      </p:grpSpPr>
+      <p:sp>
+        <p:nvSpPr>
+          <p:cNvPr id="2" name="Title 1"/>
+          <p:cNvSpPr>
+            <a:spLocks noGrp="1"/>
+          </p:cNvSpPr>
+          <p:nvPr>
+            <p:ph type="ctrTitle"/>
+          </p:nvPr>
+        </p:nvSpPr>
+        <p:spPr/>
+        <p:txBody>
+          <a:bodyPr/>
+          <a:lstStyle/>
+          <a:p>
+            <a:r>
+              <a:rPr lang="en-US" dirty="0" smtClean="0"/>
+              <a:t>The route to null evil</a:t>
+            </a:r>
+            <a:endParaRPr lang="en-US" dirty="0"/>
+          </a:p>
+        </p:txBody>
+      </p:sp>
+      <p:sp>
+        <p:nvSpPr>
+          <p:cNvPr id="3" name="Subtitle 2"/>
+          <p:cNvSpPr>
+            <a:spLocks noGrp="1"/>
+          </p:cNvSpPr>
+          <p:nvPr>
+            <p:ph type="subTitle" idx="1"/>
+          </p:nvPr>
+        </p:nvSpPr>
+        <p:spPr/>
+        <p:txBody>
+          <a:bodyPr/>
+          <a:lstStyle/>
+          <a:p>
+            <a:endParaRPr lang="en-US"/>
+          </a:p>
+        </p:txBody>
+      </p:sp>
+    </p:spTree>
+    <p:extLst>
+      <p:ext uri="{BB962C8B-B14F-4D97-AF65-F5344CB8AC3E}">
+        <p14:creationId xmlns:p14="http://schemas.microsoft.com/office/powerpoint/2010/main" val="1185910408"/>
+      </p:ext>
+    </p:extLst>
+  </p:cSld>
+  <p:clrMapOvr>
+    <a:masterClrMapping/>
+  </p:clrMapOvr>
+  <p:timing>
+    <p:tnLst>
+      <p:par>
+        <p:cTn id="1" dur="indefinite" restart="never" nodeType="tmRoot"/>
+      </p:par>
+    </p:tnLst>
+  </p:timing>
+</p:sld>
+</file>
+
+<file path=ppt/slides/slide6.xml><?xml version="1.0" encoding="utf-8"?>
 <p:sld xmlns:a="http://schemas.openxmlformats.org/drawingml/2006/main" xmlns:r="http://schemas.openxmlformats.org/officeDocument/2006/relationships" xmlns:p="http://schemas.openxmlformats.org/presentationml/2006/main">
   <p:cSld>
     <p:spTree>
@@ -22969,7 +24606,7 @@
   <p:timing>
     <p:tnLst>
       <p:par>
-        <p:cTn xmlns:p14="http://schemas.microsoft.com/office/powerpoint/2010/main" id="1" dur="indefinite" restart="never" nodeType="tmRoot">
+        <p:cTn id="1" dur="indefinite" restart="never" nodeType="tmRoot">
           <p:childTnLst>
             <p:seq concurrent="1" nextAc="seek">
               <p:cTn id="2" dur="indefinite" nodeType="mainSeq">
@@ -23093,7 +24730,7 @@
 </p:sld>
 </file>
 
-<file path=ppt/slides/slide6.xml><?xml version="1.0" encoding="utf-8"?>
+<file path=ppt/slides/slide7.xml><?xml version="1.0" encoding="utf-8"?>
 <p:sld xmlns:a="http://schemas.openxmlformats.org/drawingml/2006/main" xmlns:r="http://schemas.openxmlformats.org/officeDocument/2006/relationships" xmlns:p="http://schemas.openxmlformats.org/presentationml/2006/main">
   <p:cSld>
     <p:spTree>
@@ -23110,56 +24747,6 @@
           <a:chExt cx="0" cy="0"/>
         </a:xfrm>
       </p:grpSpPr>
-      <p:sp>
-        <p:nvSpPr>
-          <p:cNvPr id="7" name="TextBox 6"/>
-          <p:cNvSpPr txBox="1"/>
-          <p:nvPr/>
-        </p:nvSpPr>
-        <p:spPr>
-          <a:xfrm>
-            <a:off x="3126942" y="3787343"/>
-            <a:ext cx="5592847" cy="461665"/>
-          </a:xfrm>
-          <a:prstGeom prst="rect">
-            <a:avLst/>
-          </a:prstGeom>
-          <a:noFill/>
-          <a:ln>
-            <a:noFill/>
-          </a:ln>
-        </p:spPr>
-        <p:txBody>
-          <a:bodyPr wrap="none" rtlCol="0">
-            <a:spAutoFit/>
-          </a:bodyPr>
-          <a:lstStyle/>
-          <a:p>
-            <a:r>
-              <a:rPr lang="en-US" sz="2400" dirty="0" smtClean="0"/>
-              <a:t>Null </a:t>
-            </a:r>
-            <a:r>
-              <a:rPr lang="en-US" sz="2400" dirty="0">
-                <a:solidFill>
-                  <a:srgbClr val="000000"/>
-                </a:solidFill>
-                <a:latin typeface="Consolas" panose="020B0609020204030204" pitchFamily="49" charset="0"/>
-              </a:rPr>
-              <a:t>reference</a:t>
-            </a:r>
-            <a:r>
-              <a:rPr lang="en-US" sz="2400" dirty="0" smtClean="0"/>
-              <a:t> while executing: </a:t>
-            </a:r>
-            <a:r>
-              <a:rPr lang="en-US" sz="2400" dirty="0" err="1" smtClean="0"/>
-              <a:t>Route.To</a:t>
-            </a:r>
-            <a:endParaRPr lang="en-US" sz="2400" dirty="0" smtClean="0"/>
-          </a:p>
-        </p:txBody>
-      </p:sp>
       <p:sp>
         <p:nvSpPr>
           <p:cNvPr id="8" name="Rectangle 7"/>
@@ -23309,14 +24896,64 @@
       </p:sp>
       <p:sp>
         <p:nvSpPr>
-          <p:cNvPr id="2" name="TextBox 1"/>
+          <p:cNvPr id="7" name="TextBox 6"/>
           <p:cNvSpPr txBox="1"/>
           <p:nvPr/>
         </p:nvSpPr>
         <p:spPr>
           <a:xfrm>
-            <a:off x="392427" y="1533909"/>
-            <a:ext cx="11259094" cy="369332"/>
+            <a:off x="3129244" y="3254510"/>
+            <a:ext cx="5592847" cy="461665"/>
+          </a:xfrm>
+          <a:prstGeom prst="rect">
+            <a:avLst/>
+          </a:prstGeom>
+          <a:noFill/>
+          <a:ln>
+            <a:noFill/>
+          </a:ln>
+        </p:spPr>
+        <p:txBody>
+          <a:bodyPr wrap="none" rtlCol="0">
+            <a:spAutoFit/>
+          </a:bodyPr>
+          <a:lstStyle/>
+          <a:p>
+            <a:r>
+              <a:rPr lang="en-US" sz="2400" dirty="0" smtClean="0"/>
+              <a:t>Null </a:t>
+            </a:r>
+            <a:r>
+              <a:rPr lang="en-US" sz="2400" dirty="0">
+                <a:solidFill>
+                  <a:srgbClr val="000000"/>
+                </a:solidFill>
+                <a:latin typeface="Consolas" panose="020B0609020204030204" pitchFamily="49" charset="0"/>
+              </a:rPr>
+              <a:t>reference</a:t>
+            </a:r>
+            <a:r>
+              <a:rPr lang="en-US" sz="2400" dirty="0" smtClean="0"/>
+              <a:t> while executing: </a:t>
+            </a:r>
+            <a:r>
+              <a:rPr lang="en-US" sz="2400" dirty="0" err="1" smtClean="0"/>
+              <a:t>Route.To</a:t>
+            </a:r>
+            <a:endParaRPr lang="en-US" sz="2400" dirty="0" smtClean="0"/>
+          </a:p>
+        </p:txBody>
+      </p:sp>
+      <p:sp>
+        <p:nvSpPr>
+          <p:cNvPr id="5" name="TextBox 4"/>
+          <p:cNvSpPr txBox="1"/>
+          <p:nvPr/>
+        </p:nvSpPr>
+        <p:spPr>
+          <a:xfrm>
+            <a:off x="3129244" y="3716175"/>
+            <a:ext cx="8841846" cy="1200329"/>
           </a:xfrm>
           <a:prstGeom prst="rect">
             <a:avLst/>
@@ -23330,144 +24967,520 @@
           <a:lstStyle/>
           <a:p>
             <a:r>
-              <a:rPr lang="en-US" dirty="0"/>
-              <a:t>t</a:t>
-            </a:r>
-            <a:r>
-              <a:rPr lang="en-US" dirty="0" smtClean="0"/>
-              <a:t>hrow new </a:t>
-            </a:r>
-            <a:r>
-              <a:rPr lang="en-US" dirty="0" err="1" smtClean="0"/>
+              <a:rPr lang="en-US" dirty="0">
+                <a:solidFill>
+                  <a:srgbClr val="0000FF"/>
+                </a:solidFill>
+                <a:highlight>
+                  <a:srgbClr val="FFFFFF"/>
+                </a:highlight>
+                <a:latin typeface="Consolas" panose="020B0609020204030204" pitchFamily="49" charset="0"/>
+              </a:rPr>
+              <a:t>throw</a:t>
+            </a:r>
+            <a:r>
+              <a:rPr lang="en-US" dirty="0">
+                <a:solidFill>
+                  <a:srgbClr val="000000"/>
+                </a:solidFill>
+                <a:highlight>
+                  <a:srgbClr val="FFFFFF"/>
+                </a:highlight>
+                <a:latin typeface="Consolas" panose="020B0609020204030204" pitchFamily="49" charset="0"/>
+              </a:rPr>
+              <a:t> </a:t>
+            </a:r>
+            <a:r>
+              <a:rPr lang="en-US" dirty="0">
+                <a:solidFill>
+                  <a:srgbClr val="0000FF"/>
+                </a:solidFill>
+                <a:highlight>
+                  <a:srgbClr val="FFFFFF"/>
+                </a:highlight>
+                <a:latin typeface="Consolas" panose="020B0609020204030204" pitchFamily="49" charset="0"/>
+              </a:rPr>
+              <a:t>new</a:t>
+            </a:r>
+            <a:r>
+              <a:rPr lang="en-US" dirty="0">
+                <a:solidFill>
+                  <a:srgbClr val="000000"/>
+                </a:solidFill>
+                <a:highlight>
+                  <a:srgbClr val="FFFFFF"/>
+                </a:highlight>
+                <a:latin typeface="Consolas" panose="020B0609020204030204" pitchFamily="49" charset="0"/>
+              </a:rPr>
+              <a:t> </a:t>
+            </a:r>
+            <a:r>
+              <a:rPr lang="en-US" dirty="0" err="1">
+                <a:solidFill>
+                  <a:srgbClr val="2B91AF"/>
+                </a:solidFill>
+                <a:highlight>
+                  <a:srgbClr val="FFFFFF"/>
+                </a:highlight>
+                <a:latin typeface="Consolas" panose="020B0609020204030204" pitchFamily="49" charset="0"/>
+              </a:rPr>
               <a:t>NullReferenceException</a:t>
             </a:r>
             <a:r>
-              <a:rPr lang="en-US" dirty="0" smtClean="0"/>
-              <a:t>(“</a:t>
-            </a:r>
-            <a:r>
               <a:rPr lang="en-US" dirty="0">
                 <a:solidFill>
                   <a:srgbClr val="000000"/>
                 </a:solidFill>
-                <a:latin typeface="Consolas" panose="020B0609020204030204" pitchFamily="49" charset="0"/>
-              </a:rPr>
-              <a:t>Object reference not set to an instance of an object</a:t>
-            </a:r>
-            <a:r>
-              <a:rPr lang="en-US" dirty="0" smtClean="0">
-                <a:solidFill>
-                  <a:srgbClr val="000000"/>
-                </a:solidFill>
-                <a:latin typeface="Consolas" panose="020B0609020204030204" pitchFamily="49" charset="0"/>
-              </a:rPr>
-              <a:t>.</a:t>
-            </a:r>
-            <a:r>
-              <a:rPr lang="en-US" dirty="0" smtClean="0"/>
-              <a:t>”)</a:t>
+                <a:highlight>
+                  <a:srgbClr val="FFFFFF"/>
+                </a:highlight>
+                <a:latin typeface="Consolas" panose="020B0609020204030204" pitchFamily="49" charset="0"/>
+              </a:rPr>
+              <a:t>(</a:t>
+            </a:r>
+          </a:p>
+          <a:p>
+            <a:r>
+              <a:rPr lang="en-US" dirty="0">
+                <a:solidFill>
+                  <a:srgbClr val="000000"/>
+                </a:solidFill>
+                <a:highlight>
+                  <a:srgbClr val="FFFFFF"/>
+                </a:highlight>
+                <a:latin typeface="Consolas" panose="020B0609020204030204" pitchFamily="49" charset="0"/>
+              </a:rPr>
+              <a:t>    </a:t>
+            </a:r>
+            <a:r>
+              <a:rPr lang="en-US" dirty="0">
+                <a:solidFill>
+                  <a:srgbClr val="A31515"/>
+                </a:solidFill>
+                <a:highlight>
+                  <a:srgbClr val="FFFFFF"/>
+                </a:highlight>
+                <a:latin typeface="Consolas" panose="020B0609020204030204" pitchFamily="49" charset="0"/>
+              </a:rPr>
+              <a:t>"Null reference while executing: {0}.{1}"</a:t>
+            </a:r>
+            <a:r>
+              <a:rPr lang="en-US" dirty="0">
+                <a:solidFill>
+                  <a:srgbClr val="000000"/>
+                </a:solidFill>
+                <a:highlight>
+                  <a:srgbClr val="FFFFFF"/>
+                </a:highlight>
+                <a:latin typeface="Consolas" panose="020B0609020204030204" pitchFamily="49" charset="0"/>
+              </a:rPr>
+              <a:t>,</a:t>
+            </a:r>
+          </a:p>
+          <a:p>
+            <a:r>
+              <a:rPr lang="en-US" dirty="0">
+                <a:solidFill>
+                  <a:srgbClr val="000000"/>
+                </a:solidFill>
+                <a:highlight>
+                  <a:srgbClr val="FFFFFF"/>
+                </a:highlight>
+                <a:latin typeface="Consolas" panose="020B0609020204030204" pitchFamily="49" charset="0"/>
+              </a:rPr>
+              <a:t>    </a:t>
+            </a:r>
+            <a:r>
+              <a:rPr lang="en-US" dirty="0" err="1">
+                <a:solidFill>
+                  <a:srgbClr val="000000"/>
+                </a:solidFill>
+                <a:highlight>
+                  <a:srgbClr val="FFFFFF"/>
+                </a:highlight>
+                <a:latin typeface="Consolas" panose="020B0609020204030204" pitchFamily="49" charset="0"/>
+              </a:rPr>
+              <a:t>m.ClassName</a:t>
+            </a:r>
+            <a:r>
+              <a:rPr lang="en-US" dirty="0">
+                <a:solidFill>
+                  <a:srgbClr val="000000"/>
+                </a:solidFill>
+                <a:highlight>
+                  <a:srgbClr val="FFFFFF"/>
+                </a:highlight>
+                <a:latin typeface="Consolas" panose="020B0609020204030204" pitchFamily="49" charset="0"/>
+              </a:rPr>
+              <a:t>,</a:t>
+            </a:r>
+          </a:p>
+          <a:p>
+            <a:r>
+              <a:rPr lang="en-US" dirty="0">
+                <a:solidFill>
+                  <a:srgbClr val="000000"/>
+                </a:solidFill>
+                <a:highlight>
+                  <a:srgbClr val="FFFFFF"/>
+                </a:highlight>
+                <a:latin typeface="Consolas" panose="020B0609020204030204" pitchFamily="49" charset="0"/>
+              </a:rPr>
+              <a:t>    </a:t>
+            </a:r>
+            <a:r>
+              <a:rPr lang="en-US" dirty="0" err="1">
+                <a:solidFill>
+                  <a:srgbClr val="000000"/>
+                </a:solidFill>
+                <a:highlight>
+                  <a:srgbClr val="FFFFFF"/>
+                </a:highlight>
+                <a:latin typeface="Consolas" panose="020B0609020204030204" pitchFamily="49" charset="0"/>
+              </a:rPr>
+              <a:t>m.MethodSignature</a:t>
+            </a:r>
+            <a:r>
+              <a:rPr lang="en-US" dirty="0">
+                <a:solidFill>
+                  <a:srgbClr val="000000"/>
+                </a:solidFill>
+                <a:highlight>
+                  <a:srgbClr val="FFFFFF"/>
+                </a:highlight>
+                <a:latin typeface="Consolas" panose="020B0609020204030204" pitchFamily="49" charset="0"/>
+              </a:rPr>
+              <a:t>());</a:t>
             </a:r>
             <a:endParaRPr lang="en-US" dirty="0"/>
           </a:p>
         </p:txBody>
       </p:sp>
-      <p:sp>
-        <p:nvSpPr>
-          <p:cNvPr id="5" name="TextBox 4"/>
-          <p:cNvSpPr txBox="1"/>
+      <p:grpSp>
+        <p:nvGrpSpPr>
+          <p:cNvPr id="14" name="Group 13"/>
+          <p:cNvGrpSpPr/>
           <p:nvPr/>
-        </p:nvSpPr>
-        <p:spPr>
+        </p:nvGrpSpPr>
+        <p:grpSpPr>
           <a:xfrm>
-            <a:off x="385292" y="3270158"/>
-            <a:ext cx="11361548" cy="369332"/>
+            <a:off x="-73860" y="1397917"/>
+            <a:ext cx="12191999" cy="793765"/>
+            <a:chOff x="-73860" y="1397917"/>
+            <a:chExt cx="12191999" cy="793765"/>
           </a:xfrm>
-          <a:prstGeom prst="rect">
-            <a:avLst/>
-          </a:prstGeom>
-          <a:noFill/>
-        </p:spPr>
-        <p:txBody>
-          <a:bodyPr wrap="square" rtlCol="0">
-            <a:spAutoFit/>
-          </a:bodyPr>
-          <a:lstStyle/>
-          <a:p>
-            <a:r>
-              <a:rPr lang="en-US" dirty="0"/>
-              <a:t>t</a:t>
-            </a:r>
-            <a:r>
-              <a:rPr lang="en-US" dirty="0" smtClean="0"/>
-              <a:t>hrow new </a:t>
-            </a:r>
-            <a:r>
-              <a:rPr lang="en-US" dirty="0" err="1" smtClean="0"/>
-              <a:t>NullReferenceException</a:t>
-            </a:r>
-            <a:r>
-              <a:rPr lang="en-US" dirty="0" smtClean="0"/>
-              <a:t>(“Null reference while executing: {0}.{1}” ,</a:t>
-            </a:r>
-            <a:r>
-              <a:rPr lang="en-US" dirty="0" err="1" smtClean="0"/>
-              <a:t>m.ClassName</a:t>
-            </a:r>
-            <a:r>
-              <a:rPr lang="en-US" dirty="0" smtClean="0"/>
-              <a:t>, </a:t>
-            </a:r>
-            <a:r>
-              <a:rPr lang="en-US" dirty="0" err="1" smtClean="0"/>
-              <a:t>m.MethodSignature</a:t>
-            </a:r>
-            <a:r>
-              <a:rPr lang="en-US" dirty="0" smtClean="0"/>
-              <a:t>())</a:t>
-            </a:r>
-            <a:endParaRPr lang="en-US" dirty="0"/>
-          </a:p>
-        </p:txBody>
-      </p:sp>
-      <p:sp>
-        <p:nvSpPr>
-          <p:cNvPr id="6" name="TextBox 5"/>
-          <p:cNvSpPr txBox="1"/>
+        </p:grpSpPr>
+        <p:sp>
+          <p:nvSpPr>
+            <p:cNvPr id="2" name="TextBox 1"/>
+            <p:cNvSpPr txBox="1"/>
+            <p:nvPr/>
+          </p:nvSpPr>
+          <p:spPr>
+            <a:xfrm>
+              <a:off x="392593" y="1822350"/>
+              <a:ext cx="11259094" cy="369332"/>
+            </a:xfrm>
+            <a:prstGeom prst="rect">
+              <a:avLst/>
+            </a:prstGeom>
+            <a:noFill/>
+          </p:spPr>
+          <p:txBody>
+            <a:bodyPr wrap="square" rtlCol="0">
+              <a:spAutoFit/>
+            </a:bodyPr>
+            <a:lstStyle/>
+            <a:p>
+              <a:r>
+                <a:rPr lang="en-US" dirty="0">
+                  <a:solidFill>
+                    <a:schemeClr val="tx1">
+                      <a:lumMod val="50000"/>
+                      <a:lumOff val="50000"/>
+                    </a:schemeClr>
+                  </a:solidFill>
+                </a:rPr>
+                <a:t>t</a:t>
+              </a:r>
+              <a:r>
+                <a:rPr lang="en-US" dirty="0" smtClean="0">
+                  <a:solidFill>
+                    <a:schemeClr val="tx1">
+                      <a:lumMod val="50000"/>
+                      <a:lumOff val="50000"/>
+                    </a:schemeClr>
+                  </a:solidFill>
+                </a:rPr>
+                <a:t>hrow new </a:t>
+              </a:r>
+              <a:r>
+                <a:rPr lang="en-US" dirty="0" err="1" smtClean="0">
+                  <a:solidFill>
+                    <a:schemeClr val="tx1">
+                      <a:lumMod val="50000"/>
+                      <a:lumOff val="50000"/>
+                    </a:schemeClr>
+                  </a:solidFill>
+                </a:rPr>
+                <a:t>NullReferenceException</a:t>
+              </a:r>
+              <a:r>
+                <a:rPr lang="en-US" dirty="0" smtClean="0">
+                  <a:solidFill>
+                    <a:schemeClr val="tx1">
+                      <a:lumMod val="50000"/>
+                      <a:lumOff val="50000"/>
+                    </a:schemeClr>
+                  </a:solidFill>
+                </a:rPr>
+                <a:t>(“</a:t>
+              </a:r>
+              <a:r>
+                <a:rPr lang="en-US" dirty="0">
+                  <a:solidFill>
+                    <a:schemeClr val="tx1">
+                      <a:lumMod val="50000"/>
+                      <a:lumOff val="50000"/>
+                    </a:schemeClr>
+                  </a:solidFill>
+                  <a:latin typeface="Consolas" panose="020B0609020204030204" pitchFamily="49" charset="0"/>
+                </a:rPr>
+                <a:t>Object reference not set to an instance of an object</a:t>
+              </a:r>
+              <a:r>
+                <a:rPr lang="en-US" dirty="0" smtClean="0">
+                  <a:solidFill>
+                    <a:schemeClr val="tx1">
+                      <a:lumMod val="50000"/>
+                      <a:lumOff val="50000"/>
+                    </a:schemeClr>
+                  </a:solidFill>
+                  <a:latin typeface="Consolas" panose="020B0609020204030204" pitchFamily="49" charset="0"/>
+                </a:rPr>
+                <a:t>.</a:t>
+              </a:r>
+              <a:r>
+                <a:rPr lang="en-US" dirty="0" smtClean="0">
+                  <a:solidFill>
+                    <a:schemeClr val="tx1">
+                      <a:lumMod val="50000"/>
+                      <a:lumOff val="50000"/>
+                    </a:schemeClr>
+                  </a:solidFill>
+                </a:rPr>
+                <a:t>”)</a:t>
+              </a:r>
+              <a:endParaRPr lang="en-US" dirty="0">
+                <a:solidFill>
+                  <a:schemeClr val="tx1">
+                    <a:lumMod val="50000"/>
+                    <a:lumOff val="50000"/>
+                  </a:schemeClr>
+                </a:solidFill>
+              </a:endParaRPr>
+            </a:p>
+          </p:txBody>
+        </p:sp>
+        <p:sp>
+          <p:nvSpPr>
+            <p:cNvPr id="6" name="TextBox 5"/>
+            <p:cNvSpPr txBox="1"/>
+            <p:nvPr/>
+          </p:nvSpPr>
+          <p:spPr>
+            <a:xfrm>
+              <a:off x="-73860" y="1397917"/>
+              <a:ext cx="12191999" cy="461665"/>
+            </a:xfrm>
+            <a:prstGeom prst="rect">
+              <a:avLst/>
+            </a:prstGeom>
+            <a:noFill/>
+            <a:ln>
+              <a:noFill/>
+            </a:ln>
+          </p:spPr>
+          <p:txBody>
+            <a:bodyPr wrap="square" rtlCol="0">
+              <a:spAutoFit/>
+            </a:bodyPr>
+            <a:lstStyle/>
+            <a:p>
+              <a:pPr algn="ctr"/>
+              <a:r>
+                <a:rPr lang="en-US" sz="2400" dirty="0">
+                  <a:solidFill>
+                    <a:schemeClr val="tx1">
+                      <a:lumMod val="50000"/>
+                      <a:lumOff val="50000"/>
+                    </a:schemeClr>
+                  </a:solidFill>
+                  <a:latin typeface="Consolas" panose="020B0609020204030204" pitchFamily="49" charset="0"/>
+                </a:rPr>
+                <a:t>Object reference not set to an instance of an object.</a:t>
+              </a:r>
+              <a:endParaRPr lang="en-US" sz="2400" dirty="0" smtClean="0">
+                <a:solidFill>
+                  <a:schemeClr val="tx1">
+                    <a:lumMod val="50000"/>
+                    <a:lumOff val="50000"/>
+                  </a:schemeClr>
+                </a:solidFill>
+              </a:endParaRPr>
+            </a:p>
+          </p:txBody>
+        </p:sp>
+      </p:grpSp>
+      <p:grpSp>
+        <p:nvGrpSpPr>
+          <p:cNvPr id="22" name="Group 21"/>
+          <p:cNvGrpSpPr/>
           <p:nvPr/>
-        </p:nvSpPr>
-        <p:spPr>
+        </p:nvGrpSpPr>
+        <p:grpSpPr>
           <a:xfrm>
-            <a:off x="0" y="2006304"/>
-            <a:ext cx="12191999" cy="461665"/>
+            <a:off x="296995" y="1247012"/>
+            <a:ext cx="10714932" cy="1224338"/>
+            <a:chOff x="296995" y="1247012"/>
+            <a:chExt cx="10714932" cy="1224338"/>
           </a:xfrm>
-          <a:prstGeom prst="rect">
-            <a:avLst/>
-          </a:prstGeom>
-          <a:noFill/>
-          <a:ln>
-            <a:noFill/>
-          </a:ln>
-        </p:spPr>
-        <p:txBody>
-          <a:bodyPr wrap="square" rtlCol="0">
-            <a:spAutoFit/>
-          </a:bodyPr>
-          <a:lstStyle/>
-          <a:p>
-            <a:pPr algn="ctr"/>
-            <a:r>
-              <a:rPr lang="en-US" sz="2400" dirty="0">
-                <a:solidFill>
-                  <a:srgbClr val="000000"/>
-                </a:solidFill>
-                <a:latin typeface="Consolas" panose="020B0609020204030204" pitchFamily="49" charset="0"/>
-              </a:rPr>
-              <a:t>Object reference not set to an instance of an object.</a:t>
-            </a:r>
-            <a:endParaRPr lang="en-US" sz="2400" dirty="0" smtClean="0"/>
-          </a:p>
-        </p:txBody>
-      </p:sp>
+        </p:grpSpPr>
+        <p:grpSp>
+          <p:nvGrpSpPr>
+            <p:cNvPr id="21" name="Group 20"/>
+            <p:cNvGrpSpPr/>
+            <p:nvPr/>
+          </p:nvGrpSpPr>
+          <p:grpSpPr>
+            <a:xfrm>
+              <a:off x="296995" y="1247013"/>
+              <a:ext cx="10714932" cy="1224337"/>
+              <a:chOff x="296995" y="1247013"/>
+              <a:chExt cx="10714932" cy="1224337"/>
+            </a:xfrm>
+          </p:grpSpPr>
+          <p:sp>
+            <p:nvSpPr>
+              <p:cNvPr id="15" name="Rectangle 14"/>
+              <p:cNvSpPr/>
+              <p:nvPr/>
+            </p:nvSpPr>
+            <p:spPr>
+              <a:xfrm>
+                <a:off x="296995" y="1247013"/>
+                <a:ext cx="10714932" cy="1224337"/>
+              </a:xfrm>
+              <a:prstGeom prst="rect">
+                <a:avLst/>
+              </a:prstGeom>
+              <a:solidFill>
+                <a:schemeClr val="bg1">
+                  <a:lumMod val="50000"/>
+                  <a:alpha val="25000"/>
+                </a:schemeClr>
+              </a:solidFill>
+              <a:ln>
+                <a:noFill/>
+              </a:ln>
+            </p:spPr>
+            <p:style>
+              <a:lnRef idx="2">
+                <a:schemeClr val="accent1">
+                  <a:shade val="50000"/>
+                </a:schemeClr>
+              </a:lnRef>
+              <a:fillRef idx="1">
+                <a:schemeClr val="accent1"/>
+              </a:fillRef>
+              <a:effectRef idx="0">
+                <a:schemeClr val="accent1"/>
+              </a:effectRef>
+              <a:fontRef idx="minor">
+                <a:schemeClr val="lt1"/>
+              </a:fontRef>
+            </p:style>
+            <p:txBody>
+              <a:bodyPr rtlCol="0" anchor="ctr"/>
+              <a:lstStyle/>
+              <a:p>
+                <a:pPr algn="ctr"/>
+                <a:endParaRPr lang="en-US"/>
+              </a:p>
+            </p:txBody>
+          </p:sp>
+          <p:cxnSp>
+            <p:nvCxnSpPr>
+              <p:cNvPr id="17" name="Straight Connector 16"/>
+              <p:cNvCxnSpPr/>
+              <p:nvPr/>
+            </p:nvCxnSpPr>
+            <p:spPr>
+              <a:xfrm>
+                <a:off x="296995" y="1247014"/>
+                <a:ext cx="10714932" cy="1216268"/>
+              </a:xfrm>
+              <a:prstGeom prst="line">
+                <a:avLst/>
+              </a:prstGeom>
+              <a:ln w="19050">
+                <a:solidFill>
+                  <a:srgbClr val="A50021"/>
+                </a:solidFill>
+              </a:ln>
+            </p:spPr>
+            <p:style>
+              <a:lnRef idx="1">
+                <a:schemeClr val="accent1"/>
+              </a:lnRef>
+              <a:fillRef idx="0">
+                <a:schemeClr val="accent1"/>
+              </a:fillRef>
+              <a:effectRef idx="0">
+                <a:schemeClr val="accent1"/>
+              </a:effectRef>
+              <a:fontRef idx="minor">
+                <a:schemeClr val="tx1"/>
+              </a:fontRef>
+            </p:style>
+          </p:cxnSp>
+        </p:grpSp>
+        <p:cxnSp>
+          <p:nvCxnSpPr>
+            <p:cNvPr id="18" name="Straight Connector 17"/>
+            <p:cNvCxnSpPr/>
+            <p:nvPr/>
+          </p:nvCxnSpPr>
+          <p:spPr>
+            <a:xfrm flipV="1">
+              <a:off x="296995" y="1247012"/>
+              <a:ext cx="10714932" cy="1216270"/>
+            </a:xfrm>
+            <a:prstGeom prst="line">
+              <a:avLst/>
+            </a:prstGeom>
+            <a:ln w="19050">
+              <a:solidFill>
+                <a:srgbClr val="A50021"/>
+              </a:solidFill>
+            </a:ln>
+          </p:spPr>
+          <p:style>
+            <a:lnRef idx="1">
+              <a:schemeClr val="accent1"/>
+            </a:lnRef>
+            <a:fillRef idx="0">
+              <a:schemeClr val="accent1"/>
+            </a:fillRef>
+            <a:effectRef idx="0">
+              <a:schemeClr val="accent1"/>
+            </a:effectRef>
+            <a:fontRef idx="minor">
+              <a:schemeClr val="tx1"/>
+            </a:fontRef>
+          </p:style>
+        </p:cxnSp>
+      </p:grpSp>
     </p:spTree>
     <p:extLst>
       <p:ext uri="{BB962C8B-B14F-4D97-AF65-F5344CB8AC3E}">
@@ -23481,14 +25494,176 @@
   <p:timing>
     <p:tnLst>
       <p:par>
-        <p:cTn xmlns:p14="http://schemas.microsoft.com/office/powerpoint/2010/main" id="1" dur="indefinite" restart="never" nodeType="tmRoot"/>
+        <p:cTn id="1" dur="indefinite" restart="never" nodeType="tmRoot">
+          <p:childTnLst>
+            <p:seq concurrent="1" nextAc="seek">
+              <p:cTn id="2" dur="indefinite" nodeType="mainSeq">
+                <p:childTnLst>
+                  <p:par>
+                    <p:cTn id="3" fill="hold">
+                      <p:stCondLst>
+                        <p:cond delay="indefinite"/>
+                      </p:stCondLst>
+                      <p:childTnLst>
+                        <p:par>
+                          <p:cTn id="4" fill="hold">
+                            <p:stCondLst>
+                              <p:cond delay="0"/>
+                            </p:stCondLst>
+                            <p:childTnLst>
+                              <p:par>
+                                <p:cTn id="5" presetID="1" presetClass="entr" presetSubtype="0" fill="hold" nodeType="clickEffect">
+                                  <p:stCondLst>
+                                    <p:cond delay="0"/>
+                                  </p:stCondLst>
+                                  <p:childTnLst>
+                                    <p:set>
+                                      <p:cBhvr>
+                                        <p:cTn id="6" dur="1" fill="hold">
+                                          <p:stCondLst>
+                                            <p:cond delay="0"/>
+                                          </p:stCondLst>
+                                        </p:cTn>
+                                        <p:tgtEl>
+                                          <p:spTgt spid="22"/>
+                                        </p:tgtEl>
+                                        <p:attrNameLst>
+                                          <p:attrName>style.visibility</p:attrName>
+                                        </p:attrNameLst>
+                                      </p:cBhvr>
+                                      <p:to>
+                                        <p:strVal val="visible"/>
+                                      </p:to>
+                                    </p:set>
+                                  </p:childTnLst>
+                                </p:cTn>
+                              </p:par>
+                            </p:childTnLst>
+                          </p:cTn>
+                        </p:par>
+                      </p:childTnLst>
+                    </p:cTn>
+                  </p:par>
+                  <p:par>
+                    <p:cTn id="7" fill="hold">
+                      <p:stCondLst>
+                        <p:cond delay="indefinite"/>
+                      </p:stCondLst>
+                      <p:childTnLst>
+                        <p:par>
+                          <p:cTn id="8" fill="hold">
+                            <p:stCondLst>
+                              <p:cond delay="0"/>
+                            </p:stCondLst>
+                            <p:childTnLst>
+                              <p:par>
+                                <p:cTn id="9" presetID="1" presetClass="entr" presetSubtype="0" fill="hold" grpId="0" nodeType="clickEffect">
+                                  <p:stCondLst>
+                                    <p:cond delay="0"/>
+                                  </p:stCondLst>
+                                  <p:childTnLst>
+                                    <p:set>
+                                      <p:cBhvr>
+                                        <p:cTn id="10" dur="1" fill="hold">
+                                          <p:stCondLst>
+                                            <p:cond delay="0"/>
+                                          </p:stCondLst>
+                                        </p:cTn>
+                                        <p:tgtEl>
+                                          <p:spTgt spid="7"/>
+                                        </p:tgtEl>
+                                        <p:attrNameLst>
+                                          <p:attrName>style.visibility</p:attrName>
+                                        </p:attrNameLst>
+                                      </p:cBhvr>
+                                      <p:to>
+                                        <p:strVal val="visible"/>
+                                      </p:to>
+                                    </p:set>
+                                  </p:childTnLst>
+                                </p:cTn>
+                              </p:par>
+                            </p:childTnLst>
+                          </p:cTn>
+                        </p:par>
+                      </p:childTnLst>
+                    </p:cTn>
+                  </p:par>
+                  <p:par>
+                    <p:cTn id="11" fill="hold">
+                      <p:stCondLst>
+                        <p:cond delay="indefinite"/>
+                      </p:stCondLst>
+                      <p:childTnLst>
+                        <p:par>
+                          <p:cTn id="12" fill="hold">
+                            <p:stCondLst>
+                              <p:cond delay="0"/>
+                            </p:stCondLst>
+                            <p:childTnLst>
+                              <p:par>
+                                <p:cTn id="13" presetID="1" presetClass="entr" presetSubtype="0" fill="hold" grpId="0" nodeType="clickEffect">
+                                  <p:stCondLst>
+                                    <p:cond delay="0"/>
+                                  </p:stCondLst>
+                                  <p:childTnLst>
+                                    <p:set>
+                                      <p:cBhvr>
+                                        <p:cTn id="14" dur="1" fill="hold">
+                                          <p:stCondLst>
+                                            <p:cond delay="0"/>
+                                          </p:stCondLst>
+                                        </p:cTn>
+                                        <p:tgtEl>
+                                          <p:spTgt spid="5"/>
+                                        </p:tgtEl>
+                                        <p:attrNameLst>
+                                          <p:attrName>style.visibility</p:attrName>
+                                        </p:attrNameLst>
+                                      </p:cBhvr>
+                                      <p:to>
+                                        <p:strVal val="visible"/>
+                                      </p:to>
+                                    </p:set>
+                                  </p:childTnLst>
+                                </p:cTn>
+                              </p:par>
+                            </p:childTnLst>
+                          </p:cTn>
+                        </p:par>
+                      </p:childTnLst>
+                    </p:cTn>
+                  </p:par>
+                </p:childTnLst>
+              </p:cTn>
+              <p:prevCondLst>
+                <p:cond evt="onPrev" delay="0">
+                  <p:tgtEl>
+                    <p:sldTgt/>
+                  </p:tgtEl>
+                </p:cond>
+              </p:prevCondLst>
+              <p:nextCondLst>
+                <p:cond evt="onNext" delay="0">
+                  <p:tgtEl>
+                    <p:sldTgt/>
+                  </p:tgtEl>
+                </p:cond>
+              </p:nextCondLst>
+            </p:seq>
+          </p:childTnLst>
+        </p:cTn>
       </p:par>
     </p:tnLst>
+    <p:bldLst>
+      <p:bldP spid="7" grpId="0"/>
+      <p:bldP spid="5" grpId="0"/>
+    </p:bldLst>
   </p:timing>
 </p:sld>
 </file>
 
-<file path=ppt/slides/slide7.xml><?xml version="1.0" encoding="utf-8"?>
+<file path=ppt/slides/slide8.xml><?xml version="1.0" encoding="utf-8"?>
 <p:sld xmlns:a="http://schemas.openxmlformats.org/drawingml/2006/main" xmlns:r="http://schemas.openxmlformats.org/officeDocument/2006/relationships" xmlns:p="http://schemas.openxmlformats.org/presentationml/2006/main">
   <p:cSld>
     <p:spTree>
@@ -24292,14 +26467,14 @@
   <p:timing>
     <p:tnLst>
       <p:par>
-        <p:cTn xmlns:p14="http://schemas.microsoft.com/office/powerpoint/2010/main" id="1" dur="indefinite" restart="never" nodeType="tmRoot"/>
+        <p:cTn id="1" dur="indefinite" restart="never" nodeType="tmRoot"/>
       </p:par>
     </p:tnLst>
   </p:timing>
 </p:sld>
 </file>
 
-<file path=ppt/slides/slide8.xml><?xml version="1.0" encoding="utf-8"?>
+<file path=ppt/slides/slide9.xml><?xml version="1.0" encoding="utf-8"?>
 <p:sld xmlns:a="http://schemas.openxmlformats.org/drawingml/2006/main" xmlns:r="http://schemas.openxmlformats.org/officeDocument/2006/relationships" xmlns:p="http://schemas.openxmlformats.org/presentationml/2006/main">
   <p:cSld>
     <p:spTree>
@@ -24478,94 +26653,7 @@
   <p:timing>
     <p:tnLst>
       <p:par>
-        <p:cTn xmlns:p14="http://schemas.microsoft.com/office/powerpoint/2010/main" id="1" dur="indefinite" restart="never" nodeType="tmRoot"/>
-      </p:par>
-    </p:tnLst>
-  </p:timing>
-</p:sld>
-</file>
-
-<file path=ppt/slides/slide9.xml><?xml version="1.0" encoding="utf-8"?>
-<p:sld xmlns:a="http://schemas.openxmlformats.org/drawingml/2006/main" xmlns:r="http://schemas.openxmlformats.org/officeDocument/2006/relationships" xmlns:p="http://schemas.openxmlformats.org/presentationml/2006/main">
-  <p:cSld>
-    <p:spTree>
-      <p:nvGrpSpPr>
-        <p:cNvPr id="1" name=""/>
-        <p:cNvGrpSpPr/>
-        <p:nvPr/>
-      </p:nvGrpSpPr>
-      <p:grpSpPr>
-        <a:xfrm>
-          <a:off x="0" y="0"/>
-          <a:ext cx="0" cy="0"/>
-          <a:chOff x="0" y="0"/>
-          <a:chExt cx="0" cy="0"/>
-        </a:xfrm>
-      </p:grpSpPr>
-      <p:sp>
-        <p:nvSpPr>
-          <p:cNvPr id="2" name="Title 1"/>
-          <p:cNvSpPr>
-            <a:spLocks noGrp="1"/>
-          </p:cNvSpPr>
-          <p:nvPr>
-            <p:ph type="ctrTitle"/>
-          </p:nvPr>
-        </p:nvSpPr>
-        <p:spPr/>
-        <p:txBody>
-          <a:bodyPr/>
-          <a:lstStyle/>
-          <a:p>
-            <a:r>
-              <a:rPr lang="en-US" dirty="0" smtClean="0"/>
-              <a:t>A </a:t>
-            </a:r>
-            <a:r>
-              <a:rPr lang="en-US" dirty="0" err="1" smtClean="0"/>
-              <a:t>heapful</a:t>
-            </a:r>
-            <a:r>
-              <a:rPr lang="en-US" dirty="0" smtClean="0"/>
-              <a:t> of rectangles</a:t>
-            </a:r>
-            <a:endParaRPr lang="en-US" dirty="0"/>
-          </a:p>
-        </p:txBody>
-      </p:sp>
-      <p:sp>
-        <p:nvSpPr>
-          <p:cNvPr id="3" name="Subtitle 2"/>
-          <p:cNvSpPr>
-            <a:spLocks noGrp="1"/>
-          </p:cNvSpPr>
-          <p:nvPr>
-            <p:ph type="subTitle" idx="1"/>
-          </p:nvPr>
-        </p:nvSpPr>
-        <p:spPr/>
-        <p:txBody>
-          <a:bodyPr/>
-          <a:lstStyle/>
-          <a:p>
-            <a:endParaRPr lang="en-US" dirty="0"/>
-          </a:p>
-        </p:txBody>
-      </p:sp>
-    </p:spTree>
-    <p:extLst>
-      <p:ext uri="{BB962C8B-B14F-4D97-AF65-F5344CB8AC3E}">
-        <p14:creationId xmlns:p14="http://schemas.microsoft.com/office/powerpoint/2010/main" val="183581538"/>
-      </p:ext>
-    </p:extLst>
-  </p:cSld>
-  <p:clrMapOvr>
-    <a:masterClrMapping/>
-  </p:clrMapOvr>
-  <p:timing>
-    <p:tnLst>
-      <p:par>
-        <p:cTn xmlns:p14="http://schemas.microsoft.com/office/powerpoint/2010/main" id="1" dur="indefinite" restart="never" nodeType="tmRoot"/>
+        <p:cTn id="1" dur="indefinite" restart="never" nodeType="tmRoot"/>
       </p:par>
     </p:tnLst>
   </p:timing>
@@ -24849,7 +26937,7 @@
   <a:extraClrSchemeLst/>
   <a:extLst>
     <a:ext uri="{05A4C25C-085E-4340-85A3-A5531E510DB2}">
-      <thm15:themeFamily xmlns:thm15="http://schemas.microsoft.com/office/thememl/2012/main" xmlns="" name="Retrospect" id="{5F128B03-DCCA-4EEB-AB3B-CF2899314A46}" vid="{9CC26709-368C-4D72-9060-94E5B3FF3CD6}"/>
+      <thm15:themeFamily xmlns:thm15="http://schemas.microsoft.com/office/thememl/2012/main" name="Retrospect" id="{5F128B03-DCCA-4EEB-AB3B-CF2899314A46}" vid="{9CC26709-368C-4D72-9060-94E5B3FF3CD6}"/>
     </a:ext>
   </a:extLst>
 </a:theme>

--- a/Exceptional Exceptions.pptx
+++ b/Exceptional Exceptions.pptx
@@ -151,7 +151,7 @@
   </p:defaultTextStyle>
   <p:extLst>
     <p:ext uri="{EFAFB233-063F-42B5-8137-9DF3F51BA10A}">
-      <p15:sldGuideLst xmlns:p15="http://schemas.microsoft.com/office/powerpoint/2012/main">
+      <p15:sldGuideLst xmlns:p15="http://schemas.microsoft.com/office/powerpoint/2012/main" xmlns="">
         <p15:guide id="1" orient="horz" pos="2160">
           <p15:clr>
             <a:srgbClr val="A4A3A4"/>
@@ -394,7 +394,7 @@
           <a:p>
             <a:fld id="{96DFF08F-DC6B-4601-B491-B0F83F6DD2DA}" type="datetimeFigureOut">
               <a:rPr lang="en-US" dirty="0"/>
-              <a:t>7/12/2014</a:t>
+              <a:t>7/12/14</a:t>
             </a:fld>
             <a:endParaRPr lang="en-US" dirty="0"/>
           </a:p>
@@ -597,7 +597,7 @@
           <a:p>
             <a:fld id="{96DFF08F-DC6B-4601-B491-B0F83F6DD2DA}" type="datetimeFigureOut">
               <a:rPr lang="en-US" dirty="0"/>
-              <a:t>7/12/2014</a:t>
+              <a:t>7/12/14</a:t>
             </a:fld>
             <a:endParaRPr lang="en-US" dirty="0"/>
           </a:p>
@@ -848,7 +848,7 @@
           <a:p>
             <a:fld id="{96DFF08F-DC6B-4601-B491-B0F83F6DD2DA}" type="datetimeFigureOut">
               <a:rPr lang="en-US" dirty="0"/>
-              <a:t>7/12/2014</a:t>
+              <a:t>7/12/14</a:t>
             </a:fld>
             <a:endParaRPr lang="en-US" dirty="0"/>
           </a:p>
@@ -934,7 +934,7 @@
   <p:timing>
     <p:tnLst>
       <p:par>
-        <p:cTn id="1" dur="indefinite" restart="never" nodeType="tmRoot"/>
+        <p:cTn xmlns:p14="http://schemas.microsoft.com/office/powerpoint/2010/main" id="1" dur="indefinite" restart="never" nodeType="tmRoot"/>
       </p:par>
     </p:tnLst>
   </p:timing>
@@ -1050,7 +1050,7 @@
           <a:p>
             <a:fld id="{D62CEF3B-A037-46D0-B02C-1428F07E9383}" type="datetimeFigureOut">
               <a:rPr lang="en-US" dirty="0"/>
-              <a:t>7/12/2014</a:t>
+              <a:t>7/12/14</a:t>
             </a:fld>
             <a:endParaRPr lang="en-US" dirty="0"/>
           </a:p>
@@ -1388,7 +1388,7 @@
           <a:p>
             <a:fld id="{96DFF08F-DC6B-4601-B491-B0F83F6DD2DA}" type="datetimeFigureOut">
               <a:rPr lang="en-US" dirty="0"/>
-              <a:t>7/12/2014</a:t>
+              <a:t>7/12/14</a:t>
             </a:fld>
             <a:endParaRPr lang="en-US" dirty="0"/>
           </a:p>
@@ -1658,7 +1658,7 @@
           <a:p>
             <a:fld id="{96DFF08F-DC6B-4601-B491-B0F83F6DD2DA}" type="datetimeFigureOut">
               <a:rPr lang="en-US" dirty="0"/>
-              <a:t>7/12/2014</a:t>
+              <a:t>7/12/14</a:t>
             </a:fld>
             <a:endParaRPr lang="en-US" dirty="0"/>
           </a:p>
@@ -2032,7 +2032,7 @@
           <a:p>
             <a:fld id="{96DFF08F-DC6B-4601-B491-B0F83F6DD2DA}" type="datetimeFigureOut">
               <a:rPr lang="en-US" dirty="0"/>
-              <a:t>7/12/2014</a:t>
+              <a:t>7/12/14</a:t>
             </a:fld>
             <a:endParaRPr lang="en-US" dirty="0"/>
           </a:p>
@@ -2145,7 +2145,7 @@
           <a:p>
             <a:fld id="{96DFF08F-DC6B-4601-B491-B0F83F6DD2DA}" type="datetimeFigureOut">
               <a:rPr lang="en-US" dirty="0"/>
-              <a:t>7/12/2014</a:t>
+              <a:t>7/12/14</a:t>
             </a:fld>
             <a:endParaRPr lang="en-US" dirty="0"/>
           </a:p>
@@ -2312,7 +2312,7 @@
             <a:fld id="{96DFF08F-DC6B-4601-B491-B0F83F6DD2DA}" type="datetimeFigureOut">
               <a:rPr lang="en-US" dirty="0"/>
               <a:pPr/>
-              <a:t>7/12/2014</a:t>
+              <a:t>7/12/14</a:t>
             </a:fld>
             <a:endParaRPr lang="en-US" dirty="0"/>
           </a:p>
@@ -2663,7 +2663,7 @@
             <a:fld id="{96DFF08F-DC6B-4601-B491-B0F83F6DD2DA}" type="datetimeFigureOut">
               <a:rPr lang="en-US" dirty="0"/>
               <a:pPr/>
-              <a:t>7/12/2014</a:t>
+              <a:t>7/12/14</a:t>
             </a:fld>
             <a:endParaRPr lang="en-US" dirty="0"/>
           </a:p>
@@ -3036,7 +3036,7 @@
           <a:p>
             <a:fld id="{96DFF08F-DC6B-4601-B491-B0F83F6DD2DA}" type="datetimeFigureOut">
               <a:rPr lang="en-US" dirty="0"/>
-              <a:t>7/12/2014</a:t>
+              <a:t>7/12/14</a:t>
             </a:fld>
             <a:endParaRPr lang="en-US" dirty="0"/>
           </a:p>
@@ -3319,7 +3319,7 @@
             <a:fld id="{96DFF08F-DC6B-4601-B491-B0F83F6DD2DA}" type="datetimeFigureOut">
               <a:rPr lang="en-US" dirty="0"/>
               <a:pPr/>
-              <a:t>7/12/2014</a:t>
+              <a:t>7/12/14</a:t>
             </a:fld>
             <a:endParaRPr lang="en-US" dirty="0"/>
           </a:p>
@@ -3919,7 +3919,7 @@
   <p:timing>
     <p:tnLst>
       <p:par>
-        <p:cTn id="1" dur="indefinite" restart="never" nodeType="tmRoot"/>
+        <p:cTn xmlns:p14="http://schemas.microsoft.com/office/powerpoint/2010/main" id="1" dur="indefinite" restart="never" nodeType="tmRoot"/>
       </p:par>
     </p:tnLst>
   </p:timing>
@@ -4105,7 +4105,7 @@
   <p:timing>
     <p:tnLst>
       <p:par>
-        <p:cTn id="1" dur="indefinite" restart="never" nodeType="tmRoot"/>
+        <p:cTn xmlns:p14="http://schemas.microsoft.com/office/powerpoint/2010/main" id="1" dur="indefinite" restart="never" nodeType="tmRoot"/>
       </p:par>
     </p:tnLst>
   </p:timing>
@@ -4192,7 +4192,7 @@
   <p:timing>
     <p:tnLst>
       <p:par>
-        <p:cTn id="1" dur="indefinite" restart="never" nodeType="tmRoot"/>
+        <p:cTn xmlns:p14="http://schemas.microsoft.com/office/powerpoint/2010/main" id="1" dur="indefinite" restart="never" nodeType="tmRoot"/>
       </p:par>
     </p:tnLst>
   </p:timing>
@@ -5730,7 +5730,7 @@
   <p:timing>
     <p:tnLst>
       <p:par>
-        <p:cTn id="1" dur="indefinite" restart="never" nodeType="tmRoot">
+        <p:cTn xmlns:p14="http://schemas.microsoft.com/office/powerpoint/2010/main" id="1" dur="indefinite" restart="never" nodeType="tmRoot">
           <p:childTnLst>
             <p:seq concurrent="1" nextAc="seek">
               <p:cTn id="2" dur="indefinite" nodeType="mainSeq">
@@ -6900,29 +6900,7 @@
                   </a:schemeClr>
                 </a:solidFill>
               </a:rPr>
-              <a:t>(“Out of </a:t>
-            </a:r>
-            <a:r>
-              <a:rPr lang="en-US" sz="2400" dirty="0" smtClean="0">
-                <a:solidFill>
-                  <a:schemeClr val="tx1">
-                    <a:lumMod val="50000"/>
-                    <a:lumOff val="50000"/>
-                  </a:schemeClr>
-                </a:solidFill>
-              </a:rPr>
-              <a:t>memory.”</a:t>
-            </a:r>
-            <a:r>
-              <a:rPr lang="en-US" sz="2400" dirty="0" smtClean="0">
-                <a:solidFill>
-                  <a:schemeClr val="tx1">
-                    <a:lumMod val="50000"/>
-                    <a:lumOff val="50000"/>
-                  </a:schemeClr>
-                </a:solidFill>
-              </a:rPr>
-              <a:t>)</a:t>
+              <a:t>(“Out of memory.”)</a:t>
             </a:r>
             <a:endParaRPr lang="en-US" sz="2400" dirty="0">
               <a:solidFill>
@@ -6997,7 +6975,7 @@
   <p:timing>
     <p:tnLst>
       <p:par>
-        <p:cTn id="1" dur="indefinite" restart="never" nodeType="tmRoot">
+        <p:cTn xmlns:p14="http://schemas.microsoft.com/office/powerpoint/2010/main" id="1" dur="indefinite" restart="never" nodeType="tmRoot">
           <p:childTnLst>
             <p:seq concurrent="1" nextAc="seek">
               <p:cTn id="2" dur="indefinite" nodeType="mainSeq">
@@ -8721,7 +8699,7 @@
   <p:timing>
     <p:tnLst>
       <p:par>
-        <p:cTn id="1" dur="indefinite" restart="never" nodeType="tmRoot">
+        <p:cTn xmlns:p14="http://schemas.microsoft.com/office/powerpoint/2010/main" id="1" dur="indefinite" restart="never" nodeType="tmRoot">
           <p:childTnLst>
             <p:seq concurrent="1" nextAc="seek">
               <p:cTn id="2" dur="indefinite" nodeType="mainSeq">
@@ -8951,7 +8929,7 @@
   <p:timing>
     <p:tnLst>
       <p:par>
-        <p:cTn id="1" dur="indefinite" restart="never" nodeType="tmRoot"/>
+        <p:cTn xmlns:p14="http://schemas.microsoft.com/office/powerpoint/2010/main" id="1" dur="indefinite" restart="never" nodeType="tmRoot"/>
       </p:par>
     </p:tnLst>
   </p:timing>
@@ -9152,7 +9130,7 @@
   <p:timing>
     <p:tnLst>
       <p:par>
-        <p:cTn id="1" dur="indefinite" restart="never" nodeType="tmRoot"/>
+        <p:cTn xmlns:p14="http://schemas.microsoft.com/office/powerpoint/2010/main" id="1" dur="indefinite" restart="never" nodeType="tmRoot"/>
       </p:par>
     </p:tnLst>
   </p:timing>
@@ -9231,7 +9209,7 @@
   <p:timing>
     <p:tnLst>
       <p:par>
-        <p:cTn id="1" dur="indefinite" restart="never" nodeType="tmRoot"/>
+        <p:cTn xmlns:p14="http://schemas.microsoft.com/office/powerpoint/2010/main" id="1" dur="indefinite" restart="never" nodeType="tmRoot"/>
       </p:par>
     </p:tnLst>
   </p:timing>
@@ -9922,7 +9900,7 @@
   <p:timing>
     <p:tnLst>
       <p:par>
-        <p:cTn id="1" dur="indefinite" restart="never" nodeType="tmRoot">
+        <p:cTn xmlns:p14="http://schemas.microsoft.com/office/powerpoint/2010/main" id="1" dur="indefinite" restart="never" nodeType="tmRoot">
           <p:childTnLst>
             <p:seq concurrent="1" nextAc="seek">
               <p:cTn id="2" dur="indefinite" nodeType="mainSeq">
@@ -10629,40 +10607,7 @@
                   </a:schemeClr>
                 </a:solidFill>
               </a:rPr>
-              <a:t>(“</a:t>
-            </a:r>
-            <a:r>
-              <a:rPr lang="en-US" sz="2400" dirty="0" smtClean="0">
-                <a:solidFill>
-                  <a:schemeClr val="tx1">
-                    <a:lumMod val="50000"/>
-                    <a:lumOff val="50000"/>
-                  </a:schemeClr>
-                </a:solidFill>
-              </a:rPr>
-              <a:t>…text…</a:t>
-            </a:r>
-            <a:r>
-              <a:rPr lang="en-US" sz="2400" dirty="0" smtClean="0">
-                <a:solidFill>
-                  <a:schemeClr val="tx1">
-                    <a:lumMod val="50000"/>
-                    <a:lumOff val="50000"/>
-                  </a:schemeClr>
-                </a:solidFill>
-              </a:rPr>
-              <a:t>”</a:t>
-            </a:r>
-            <a:r>
-              <a:rPr lang="en-US" sz="2400" dirty="0" smtClean="0">
-                <a:solidFill>
-                  <a:schemeClr val="tx1">
-                    <a:lumMod val="50000"/>
-                    <a:lumOff val="50000"/>
-                  </a:schemeClr>
-                </a:solidFill>
-              </a:rPr>
-              <a:t>)</a:t>
+              <a:t>(“…text…”)</a:t>
             </a:r>
             <a:endParaRPr lang="en-US" sz="2400" dirty="0">
               <a:solidFill>
@@ -10891,7 +10836,7 @@
   <p:timing>
     <p:tnLst>
       <p:par>
-        <p:cTn id="1" dur="indefinite" restart="never" nodeType="tmRoot">
+        <p:cTn xmlns:p14="http://schemas.microsoft.com/office/powerpoint/2010/main" id="1" dur="indefinite" restart="never" nodeType="tmRoot">
           <p:childTnLst>
             <p:seq concurrent="1" nextAc="seek">
               <p:cTn id="2" dur="indefinite" nodeType="mainSeq">
@@ -11148,7 +11093,7 @@
   <p:timing>
     <p:tnLst>
       <p:par>
-        <p:cTn id="1" dur="indefinite" restart="never" nodeType="tmRoot"/>
+        <p:cTn xmlns:p14="http://schemas.microsoft.com/office/powerpoint/2010/main" id="1" dur="indefinite" restart="never" nodeType="tmRoot"/>
       </p:par>
     </p:tnLst>
   </p:timing>
@@ -11848,7 +11793,7 @@
   <p:timing>
     <p:tnLst>
       <p:par>
-        <p:cTn id="1" dur="indefinite" restart="never" nodeType="tmRoot"/>
+        <p:cTn xmlns:p14="http://schemas.microsoft.com/office/powerpoint/2010/main" id="1" dur="indefinite" restart="never" nodeType="tmRoot"/>
       </p:par>
     </p:tnLst>
   </p:timing>
@@ -12007,7 +11952,7 @@
   <p:timing>
     <p:tnLst>
       <p:par>
-        <p:cTn id="1" dur="indefinite" restart="never" nodeType="tmRoot"/>
+        <p:cTn xmlns:p14="http://schemas.microsoft.com/office/powerpoint/2010/main" id="1" dur="indefinite" restart="never" nodeType="tmRoot"/>
       </p:par>
     </p:tnLst>
   </p:timing>
@@ -12086,7 +12031,7 @@
   <p:timing>
     <p:tnLst>
       <p:par>
-        <p:cTn id="1" dur="indefinite" restart="never" nodeType="tmRoot"/>
+        <p:cTn xmlns:p14="http://schemas.microsoft.com/office/powerpoint/2010/main" id="1" dur="indefinite" restart="never" nodeType="tmRoot"/>
       </p:par>
     </p:tnLst>
   </p:timing>
@@ -12783,7 +12728,7 @@
   <p:timing>
     <p:tnLst>
       <p:par>
-        <p:cTn id="1" dur="indefinite" restart="never" nodeType="tmRoot">
+        <p:cTn xmlns:p14="http://schemas.microsoft.com/office/powerpoint/2010/main" id="1" dur="indefinite" restart="never" nodeType="tmRoot">
           <p:childTnLst>
             <p:seq concurrent="1" nextAc="seek">
               <p:cTn id="2" dur="indefinite" nodeType="mainSeq">
@@ -13428,40 +13373,7 @@
                   </a:schemeClr>
                 </a:solidFill>
               </a:rPr>
-              <a:t>(“</a:t>
-            </a:r>
-            <a:r>
-              <a:rPr lang="en-US" sz="2400" dirty="0" smtClean="0">
-                <a:solidFill>
-                  <a:schemeClr val="tx1">
-                    <a:lumMod val="50000"/>
-                    <a:lumOff val="50000"/>
-                  </a:schemeClr>
-                </a:solidFill>
-              </a:rPr>
-              <a:t>…text…</a:t>
-            </a:r>
-            <a:r>
-              <a:rPr lang="en-US" sz="2400" dirty="0" smtClean="0">
-                <a:solidFill>
-                  <a:schemeClr val="tx1">
-                    <a:lumMod val="50000"/>
-                    <a:lumOff val="50000"/>
-                  </a:schemeClr>
-                </a:solidFill>
-              </a:rPr>
-              <a:t>” + index</a:t>
-            </a:r>
-            <a:r>
-              <a:rPr lang="en-US" sz="2400" dirty="0" smtClean="0">
-                <a:solidFill>
-                  <a:schemeClr val="tx1">
-                    <a:lumMod val="50000"/>
-                    <a:lumOff val="50000"/>
-                  </a:schemeClr>
-                </a:solidFill>
-              </a:rPr>
-              <a:t>)</a:t>
+              <a:t>(“…text…” + index)</a:t>
             </a:r>
             <a:endParaRPr lang="en-US" sz="2400" dirty="0">
               <a:solidFill>
@@ -13753,7 +13665,7 @@
   <p:timing>
     <p:tnLst>
       <p:par>
-        <p:cTn id="1" dur="indefinite" restart="never" nodeType="tmRoot">
+        <p:cTn xmlns:p14="http://schemas.microsoft.com/office/powerpoint/2010/main" id="1" dur="indefinite" restart="never" nodeType="tmRoot">
           <p:childTnLst>
             <p:seq concurrent="1" nextAc="seek">
               <p:cTn id="2" dur="indefinite" nodeType="mainSeq">
@@ -13973,18 +13885,18 @@
   <p:clrMapOvr>
     <a:masterClrMapping/>
   </p:clrMapOvr>
-  <mc:AlternateContent xmlns:mc="http://schemas.openxmlformats.org/markup-compatibility/2006">
-    <mc:Choice xmlns:p14="http://schemas.microsoft.com/office/powerpoint/2010/main" Requires="p14">
+  <mc:AlternateContent xmlns:mc="http://schemas.openxmlformats.org/markup-compatibility/2006" xmlns:p14="http://schemas.microsoft.com/office/powerpoint/2010/main">
+    <mc:Choice Requires="p14">
       <p:transition spd="slow" p14:dur="2000"/>
     </mc:Choice>
-    <mc:Fallback>
+    <mc:Fallback xmlns="">
       <p:transition spd="slow"/>
     </mc:Fallback>
   </mc:AlternateContent>
   <p:timing>
     <p:tnLst>
       <p:par>
-        <p:cTn id="1" dur="indefinite" restart="never" nodeType="tmRoot"/>
+        <p:cTn xmlns:p14="http://schemas.microsoft.com/office/powerpoint/2010/main" id="1" dur="indefinite" restart="never" nodeType="tmRoot"/>
       </p:par>
     </p:tnLst>
   </p:timing>
@@ -14821,7 +14733,7 @@
   <p:timing>
     <p:tnLst>
       <p:par>
-        <p:cTn id="1" dur="indefinite" restart="never" nodeType="tmRoot"/>
+        <p:cTn xmlns:p14="http://schemas.microsoft.com/office/powerpoint/2010/main" id="1" dur="indefinite" restart="never" nodeType="tmRoot"/>
       </p:par>
     </p:tnLst>
   </p:timing>
@@ -15007,7 +14919,7 @@
   <p:timing>
     <p:tnLst>
       <p:par>
-        <p:cTn id="1" dur="indefinite" restart="never" nodeType="tmRoot"/>
+        <p:cTn xmlns:p14="http://schemas.microsoft.com/office/powerpoint/2010/main" id="1" dur="indefinite" restart="never" nodeType="tmRoot"/>
       </p:par>
     </p:tnLst>
   </p:timing>
@@ -15086,7 +14998,7 @@
   <p:timing>
     <p:tnLst>
       <p:par>
-        <p:cTn id="1" dur="indefinite" restart="never" nodeType="tmRoot"/>
+        <p:cTn xmlns:p14="http://schemas.microsoft.com/office/powerpoint/2010/main" id="1" dur="indefinite" restart="never" nodeType="tmRoot"/>
       </p:par>
     </p:tnLst>
   </p:timing>
@@ -16408,7 +16320,7 @@
   <p:timing>
     <p:tnLst>
       <p:par>
-        <p:cTn id="1" dur="indefinite" restart="never" nodeType="tmRoot">
+        <p:cTn xmlns:p14="http://schemas.microsoft.com/office/powerpoint/2010/main" id="1" dur="indefinite" restart="never" nodeType="tmRoot">
           <p:childTnLst>
             <p:seq concurrent="1" nextAc="seek">
               <p:cTn id="2" dur="indefinite" nodeType="mainSeq">
@@ -16666,13 +16578,8 @@
             </a:pPr>
             <a:r>
               <a:rPr lang="en-US" dirty="0" smtClean="0"/>
-              <a:t>All improvements must be </a:t>
-            </a:r>
-            <a:r>
-              <a:rPr lang="en-US" dirty="0" smtClean="0"/>
-              <a:t>possible</a:t>
-            </a:r>
-            <a:endParaRPr lang="en-US" dirty="0" smtClean="0"/>
+              <a:t>All improvements must be possible</a:t>
+            </a:r>
           </a:p>
           <a:p>
             <a:pPr marL="0" indent="0">
@@ -16695,7 +16602,7 @@
   <p:timing>
     <p:tnLst>
       <p:par>
-        <p:cTn id="1" dur="indefinite" restart="never" nodeType="tmRoot"/>
+        <p:cTn xmlns:p14="http://schemas.microsoft.com/office/powerpoint/2010/main" id="1" dur="indefinite" restart="never" nodeType="tmRoot"/>
       </p:par>
     </p:tnLst>
   </p:timing>
@@ -17267,40 +17174,7 @@
                   </a:schemeClr>
                 </a:solidFill>
               </a:rPr>
-              <a:t>(“</a:t>
-            </a:r>
-            <a:r>
-              <a:rPr lang="en-US" dirty="0" smtClean="0">
-                <a:solidFill>
-                  <a:schemeClr val="tx1">
-                    <a:lumMod val="50000"/>
-                    <a:lumOff val="50000"/>
-                  </a:schemeClr>
-                </a:solidFill>
-              </a:rPr>
-              <a:t>…text…</a:t>
-            </a:r>
-            <a:r>
-              <a:rPr lang="en-US" dirty="0" smtClean="0">
-                <a:solidFill>
-                  <a:schemeClr val="tx1">
-                    <a:lumMod val="50000"/>
-                    <a:lumOff val="50000"/>
-                  </a:schemeClr>
-                </a:solidFill>
-              </a:rPr>
-              <a:t>” + method + “…text…”</a:t>
-            </a:r>
-            <a:r>
-              <a:rPr lang="en-US" dirty="0" smtClean="0">
-                <a:solidFill>
-                  <a:schemeClr val="tx1">
-                    <a:lumMod val="50000"/>
-                    <a:lumOff val="50000"/>
-                  </a:schemeClr>
-                </a:solidFill>
-              </a:rPr>
-              <a:t>)</a:t>
+              <a:t>(“…text…” + method + “…text…”)</a:t>
             </a:r>
             <a:endParaRPr lang="en-US" dirty="0">
               <a:solidFill>
@@ -17640,7 +17514,7 @@
   <p:timing>
     <p:tnLst>
       <p:par>
-        <p:cTn id="1" dur="indefinite" restart="never" nodeType="tmRoot">
+        <p:cTn xmlns:p14="http://schemas.microsoft.com/office/powerpoint/2010/main" id="1" dur="indefinite" restart="never" nodeType="tmRoot">
           <p:childTnLst>
             <p:seq concurrent="1" nextAc="seek">
               <p:cTn id="2" dur="indefinite" nodeType="mainSeq">
@@ -18109,7 +17983,7 @@
   <p:timing>
     <p:tnLst>
       <p:par>
-        <p:cTn id="1" dur="indefinite" restart="never" nodeType="tmRoot"/>
+        <p:cTn xmlns:p14="http://schemas.microsoft.com/office/powerpoint/2010/main" id="1" dur="indefinite" restart="never" nodeType="tmRoot"/>
       </p:par>
     </p:tnLst>
   </p:timing>
@@ -19570,7 +19444,7 @@
   <p:timing>
     <p:tnLst>
       <p:par>
-        <p:cTn id="1" dur="indefinite" restart="never" nodeType="tmRoot"/>
+        <p:cTn xmlns:p14="http://schemas.microsoft.com/office/powerpoint/2010/main" id="1" dur="indefinite" restart="never" nodeType="tmRoot"/>
       </p:par>
     </p:tnLst>
   </p:timing>
@@ -19735,7 +19609,7 @@
   <p:timing>
     <p:tnLst>
       <p:par>
-        <p:cTn id="1" dur="indefinite" restart="never" nodeType="tmRoot"/>
+        <p:cTn xmlns:p14="http://schemas.microsoft.com/office/powerpoint/2010/main" id="1" dur="indefinite" restart="never" nodeType="tmRoot"/>
       </p:par>
     </p:tnLst>
   </p:timing>
@@ -21051,7 +20925,7 @@
   <p:timing>
     <p:tnLst>
       <p:par>
-        <p:cTn id="1" dur="indefinite" restart="never" nodeType="tmRoot"/>
+        <p:cTn xmlns:p14="http://schemas.microsoft.com/office/powerpoint/2010/main" id="1" dur="indefinite" restart="never" nodeType="tmRoot"/>
       </p:par>
     </p:tnLst>
   </p:timing>
@@ -21164,7 +21038,7 @@
   <p:timing>
     <p:tnLst>
       <p:par>
-        <p:cTn id="1" dur="indefinite" restart="never" nodeType="tmRoot"/>
+        <p:cTn xmlns:p14="http://schemas.microsoft.com/office/powerpoint/2010/main" id="1" dur="indefinite" restart="never" nodeType="tmRoot"/>
       </p:par>
     </p:tnLst>
   </p:timing>
@@ -21976,7 +21850,7 @@
   <p:timing>
     <p:tnLst>
       <p:par>
-        <p:cTn id="1" dur="indefinite" restart="never" nodeType="tmRoot">
+        <p:cTn xmlns:p14="http://schemas.microsoft.com/office/powerpoint/2010/main" id="1" dur="indefinite" restart="never" nodeType="tmRoot">
           <p:childTnLst>
             <p:seq concurrent="1" nextAc="seek">
               <p:cTn id="2" dur="indefinite" nodeType="mainSeq">
@@ -22423,12 +22297,6 @@
               </a:rPr>
               <a:t>	LIBSVN_SUBR-1-0.DLL</a:t>
             </a:r>
-            <a:endParaRPr lang="en-US" sz="2400" dirty="0">
-              <a:solidFill>
-                <a:srgbClr val="000000"/>
-              </a:solidFill>
-              <a:latin typeface="Consolas" panose="020B0609020204030204" pitchFamily="49" charset="0"/>
-            </a:endParaRPr>
           </a:p>
         </p:txBody>
       </p:sp>
@@ -22508,40 +22376,7 @@
                   </a:schemeClr>
                 </a:solidFill>
               </a:rPr>
-              <a:t>(“</a:t>
-            </a:r>
-            <a:r>
-              <a:rPr lang="en-US" sz="2400" dirty="0" smtClean="0">
-                <a:solidFill>
-                  <a:schemeClr val="tx1">
-                    <a:lumMod val="50000"/>
-                    <a:lumOff val="50000"/>
-                  </a:schemeClr>
-                </a:solidFill>
-              </a:rPr>
-              <a:t>…text…</a:t>
-            </a:r>
-            <a:r>
-              <a:rPr lang="en-US" sz="2400" dirty="0" smtClean="0">
-                <a:solidFill>
-                  <a:schemeClr val="tx1">
-                    <a:lumMod val="50000"/>
-                    <a:lumOff val="50000"/>
-                  </a:schemeClr>
-                </a:solidFill>
-              </a:rPr>
-              <a:t>” + index</a:t>
-            </a:r>
-            <a:r>
-              <a:rPr lang="en-US" sz="2400" dirty="0" smtClean="0">
-                <a:solidFill>
-                  <a:schemeClr val="tx1">
-                    <a:lumMod val="50000"/>
-                    <a:lumOff val="50000"/>
-                  </a:schemeClr>
-                </a:solidFill>
-              </a:rPr>
-              <a:t>)</a:t>
+              <a:t>(“…text…” + index)</a:t>
             </a:r>
             <a:endParaRPr lang="en-US" sz="2400" dirty="0">
               <a:solidFill>
@@ -22767,7 +22602,7 @@
   <p:timing>
     <p:tnLst>
       <p:par>
-        <p:cTn id="1" dur="indefinite" restart="never" nodeType="tmRoot">
+        <p:cTn xmlns:p14="http://schemas.microsoft.com/office/powerpoint/2010/main" id="1" dur="indefinite" restart="never" nodeType="tmRoot">
           <p:childTnLst>
             <p:seq concurrent="1" nextAc="seek">
               <p:cTn id="2" dur="indefinite" nodeType="mainSeq">
@@ -23280,7 +23115,7 @@
   <p:timing>
     <p:tnLst>
       <p:par>
-        <p:cTn id="1" dur="indefinite" restart="never" nodeType="tmRoot"/>
+        <p:cTn xmlns:p14="http://schemas.microsoft.com/office/powerpoint/2010/main" id="1" dur="indefinite" restart="never" nodeType="tmRoot"/>
       </p:par>
     </p:tnLst>
   </p:timing>
@@ -24125,7 +23960,7 @@
   <p:timing>
     <p:tnLst>
       <p:par>
-        <p:cTn id="1" dur="indefinite" restart="never" nodeType="tmRoot"/>
+        <p:cTn xmlns:p14="http://schemas.microsoft.com/office/powerpoint/2010/main" id="1" dur="indefinite" restart="never" nodeType="tmRoot"/>
       </p:par>
     </p:tnLst>
   </p:timing>
@@ -24494,17 +24329,85 @@
           <a:p>
             <a:pPr algn="ctr"/>
             <a:r>
-              <a:rPr lang="en-US" sz="4800" i="1" spc="-50" dirty="0" smtClean="0">
-                <a:latin typeface="+mj-lt"/>
-                <a:ea typeface="+mj-ea"/>
-                <a:cs typeface="+mj-cs"/>
-              </a:rPr>
-              <a:t>throw new Exception(…);</a:t>
-            </a:r>
-            <a:endParaRPr lang="en-US" sz="4800" i="1" spc="-50" dirty="0">
-              <a:latin typeface="+mj-lt"/>
-              <a:ea typeface="+mj-ea"/>
-              <a:cs typeface="+mj-cs"/>
+              <a:rPr lang="en-US" sz="4800" dirty="0">
+                <a:solidFill>
+                  <a:srgbClr val="0000FF"/>
+                </a:solidFill>
+                <a:highlight>
+                  <a:srgbClr val="FFFFFF"/>
+                </a:highlight>
+                <a:latin typeface="Consolas" panose="020B0609020204030204" pitchFamily="49" charset="0"/>
+              </a:rPr>
+              <a:t>throw</a:t>
+            </a:r>
+            <a:r>
+              <a:rPr lang="en-US" sz="4800" dirty="0">
+                <a:solidFill>
+                  <a:srgbClr val="000000"/>
+                </a:solidFill>
+                <a:highlight>
+                  <a:srgbClr val="FFFFFF"/>
+                </a:highlight>
+                <a:latin typeface="Consolas" panose="020B0609020204030204" pitchFamily="49" charset="0"/>
+              </a:rPr>
+              <a:t> </a:t>
+            </a:r>
+            <a:r>
+              <a:rPr lang="en-US" sz="4800" dirty="0" smtClean="0">
+                <a:solidFill>
+                  <a:srgbClr val="0000FF"/>
+                </a:solidFill>
+                <a:highlight>
+                  <a:srgbClr val="FFFFFF"/>
+                </a:highlight>
+                <a:latin typeface="Consolas" panose="020B0609020204030204" pitchFamily="49" charset="0"/>
+              </a:rPr>
+              <a:t>new</a:t>
+            </a:r>
+            <a:r>
+              <a:rPr lang="en-US" sz="4800" dirty="0" smtClean="0">
+                <a:solidFill>
+                  <a:srgbClr val="000000"/>
+                </a:solidFill>
+                <a:highlight>
+                  <a:srgbClr val="FFFFFF"/>
+                </a:highlight>
+                <a:latin typeface="Consolas" panose="020B0609020204030204" pitchFamily="49" charset="0"/>
+              </a:rPr>
+              <a:t> </a:t>
+            </a:r>
+            <a:r>
+              <a:rPr lang="en-US" sz="4800" dirty="0" smtClean="0">
+                <a:solidFill>
+                  <a:srgbClr val="2B91AF"/>
+                </a:solidFill>
+                <a:highlight>
+                  <a:srgbClr val="FFFFFF"/>
+                </a:highlight>
+                <a:latin typeface="Consolas" panose="020B0609020204030204" pitchFamily="49" charset="0"/>
+              </a:rPr>
+              <a:t>Exception</a:t>
+            </a:r>
+            <a:r>
+              <a:rPr lang="en-US" sz="4800" dirty="0" smtClean="0">
+                <a:solidFill>
+                  <a:srgbClr val="000000"/>
+                </a:solidFill>
+                <a:highlight>
+                  <a:srgbClr val="FFFFFF"/>
+                </a:highlight>
+                <a:latin typeface="Consolas" panose="020B0609020204030204" pitchFamily="49" charset="0"/>
+              </a:rPr>
+              <a:t>(…);</a:t>
+            </a:r>
+            <a:endParaRPr lang="en-US" sz="4800" dirty="0">
+              <a:solidFill>
+                <a:srgbClr val="000000"/>
+              </a:solidFill>
+              <a:highlight>
+                <a:srgbClr val="FFFFFF"/>
+              </a:highlight>
+              <a:latin typeface="Consolas" panose="020B0609020204030204" pitchFamily="49" charset="0"/>
             </a:endParaRPr>
           </a:p>
         </p:txBody>
@@ -24575,7 +24478,7 @@
   <p:timing>
     <p:tnLst>
       <p:par>
-        <p:cTn id="1" dur="indefinite" restart="never" nodeType="tmRoot"/>
+        <p:cTn xmlns:p14="http://schemas.microsoft.com/office/powerpoint/2010/main" id="1" dur="indefinite" restart="never" nodeType="tmRoot"/>
       </p:par>
     </p:tnLst>
   </p:timing>
@@ -24734,7 +24637,7 @@
   <p:timing>
     <p:tnLst>
       <p:par>
-        <p:cTn id="1" dur="indefinite" restart="never" nodeType="tmRoot"/>
+        <p:cTn xmlns:p14="http://schemas.microsoft.com/office/powerpoint/2010/main" id="1" dur="indefinite" restart="never" nodeType="tmRoot"/>
       </p:par>
     </p:tnLst>
   </p:timing>
@@ -24950,7 +24853,7 @@
   <p:timing>
     <p:tnLst>
       <p:par>
-        <p:cTn id="1" dur="indefinite" restart="never" nodeType="tmRoot"/>
+        <p:cTn xmlns:p14="http://schemas.microsoft.com/office/powerpoint/2010/main" id="1" dur="indefinite" restart="never" nodeType="tmRoot"/>
       </p:par>
     </p:tnLst>
   </p:timing>
@@ -25017,7 +24920,7 @@
   <p:timing>
     <p:tnLst>
       <p:par>
-        <p:cTn id="1" dur="indefinite" restart="never" nodeType="tmRoot"/>
+        <p:cTn xmlns:p14="http://schemas.microsoft.com/office/powerpoint/2010/main" id="1" dur="indefinite" restart="never" nodeType="tmRoot"/>
       </p:par>
     </p:tnLst>
   </p:timing>
@@ -25429,7 +25332,7 @@
   <p:timing>
     <p:tnLst>
       <p:par>
-        <p:cTn id="1" dur="indefinite" restart="never" nodeType="tmRoot"/>
+        <p:cTn xmlns:p14="http://schemas.microsoft.com/office/powerpoint/2010/main" id="1" dur="indefinite" restart="never" nodeType="tmRoot"/>
       </p:par>
     </p:tnLst>
   </p:timing>
@@ -25846,14 +25749,14 @@
           </a:effectLst>
           <a:extLst>
             <a:ext uri="{909E8E84-426E-40dd-AFC4-6F175D3DCCD1}">
-              <a14:hiddenFill xmlns:a14="http://schemas.microsoft.com/office/drawing/2010/main" xmlns="">
+              <a14:hiddenFill xmlns:a14="http://schemas.microsoft.com/office/drawing/2010/main">
                 <a:solidFill>
                   <a:schemeClr val="accent1"/>
                 </a:solidFill>
               </a14:hiddenFill>
             </a:ext>
             <a:ext uri="{91240B29-F687-4f45-9708-019B960494DF}">
-              <a14:hiddenLine xmlns:a14="http://schemas.microsoft.com/office/drawing/2010/main" xmlns="" w="9525">
+              <a14:hiddenLine xmlns:a14="http://schemas.microsoft.com/office/drawing/2010/main" w="9525">
                 <a:solidFill>
                   <a:schemeClr val="tx1"/>
                 </a:solidFill>
@@ -26280,7 +26183,7 @@
   <p:timing>
     <p:tnLst>
       <p:par>
-        <p:cTn id="1" dur="indefinite" restart="never" nodeType="tmRoot"/>
+        <p:cTn xmlns:p14="http://schemas.microsoft.com/office/powerpoint/2010/main" id="1" dur="indefinite" restart="never" nodeType="tmRoot"/>
       </p:par>
     </p:tnLst>
   </p:timing>
@@ -26468,18 +26371,18 @@
   <p:clrMapOvr>
     <a:masterClrMapping/>
   </p:clrMapOvr>
-  <mc:AlternateContent xmlns:mc="http://schemas.openxmlformats.org/markup-compatibility/2006" xmlns:p14="http://schemas.microsoft.com/office/powerpoint/2010/main">
-    <mc:Choice Requires="p14">
+  <mc:AlternateContent xmlns:mc="http://schemas.openxmlformats.org/markup-compatibility/2006">
+    <mc:Choice xmlns:p14="http://schemas.microsoft.com/office/powerpoint/2010/main" Requires="p14">
       <p:transition spd="slow" p14:dur="2000"/>
     </mc:Choice>
-    <mc:Fallback xmlns="">
+    <mc:Fallback>
       <p:transition xmlns:p14="http://schemas.microsoft.com/office/powerpoint/2010/main" spd="slow"/>
     </mc:Fallback>
   </mc:AlternateContent>
   <p:timing>
     <p:tnLst>
       <p:par>
-        <p:cTn id="1" dur="indefinite" restart="never" nodeType="tmRoot"/>
+        <p:cTn xmlns:p14="http://schemas.microsoft.com/office/powerpoint/2010/main" id="1" dur="indefinite" restart="never" nodeType="tmRoot"/>
       </p:par>
     </p:tnLst>
   </p:timing>
@@ -26635,18 +26538,18 @@
   <p:clrMapOvr>
     <a:masterClrMapping/>
   </p:clrMapOvr>
-  <mc:AlternateContent xmlns:mc="http://schemas.openxmlformats.org/markup-compatibility/2006" xmlns:p14="http://schemas.microsoft.com/office/powerpoint/2010/main">
-    <mc:Choice Requires="p14">
+  <mc:AlternateContent xmlns:mc="http://schemas.openxmlformats.org/markup-compatibility/2006">
+    <mc:Choice xmlns:p14="http://schemas.microsoft.com/office/powerpoint/2010/main" Requires="p14">
       <p:transition spd="slow" p14:dur="2000"/>
     </mc:Choice>
-    <mc:Fallback xmlns="">
+    <mc:Fallback>
       <p:transition xmlns:p14="http://schemas.microsoft.com/office/powerpoint/2010/main" spd="slow"/>
     </mc:Fallback>
   </mc:AlternateContent>
   <p:timing>
     <p:tnLst>
       <p:par>
-        <p:cTn id="1" dur="indefinite" restart="never" nodeType="tmRoot"/>
+        <p:cTn xmlns:p14="http://schemas.microsoft.com/office/powerpoint/2010/main" id="1" dur="indefinite" restart="never" nodeType="tmRoot"/>
       </p:par>
     </p:tnLst>
   </p:timing>
@@ -26714,11 +26617,7 @@
             </a:pPr>
             <a:r>
               <a:rPr lang="en-US" dirty="0" smtClean="0"/>
-              <a:t>Show </a:t>
-            </a:r>
-            <a:r>
-              <a:rPr lang="en-US" dirty="0" smtClean="0"/>
-              <a:t>code that caused the exception to be thrown</a:t>
+              <a:t>Show code that caused the exception to be thrown</a:t>
             </a:r>
           </a:p>
           <a:p>
@@ -26781,13 +26680,13 @@
       <p:transition spd="slow" p14:dur="2000"/>
     </mc:Choice>
     <mc:Fallback>
-      <p:transition spd="slow"/>
+      <p:transition xmlns:p14="http://schemas.microsoft.com/office/powerpoint/2010/main" spd="slow"/>
     </mc:Fallback>
   </mc:AlternateContent>
   <p:timing>
     <p:tnLst>
       <p:par>
-        <p:cTn id="1" dur="indefinite" restart="never" nodeType="tmRoot"/>
+        <p:cTn xmlns:p14="http://schemas.microsoft.com/office/powerpoint/2010/main" id="1" dur="indefinite" restart="never" nodeType="tmRoot"/>
       </p:par>
     </p:tnLst>
   </p:timing>
@@ -26866,7 +26765,7 @@
   <p:timing>
     <p:tnLst>
       <p:par>
-        <p:cTn id="1" dur="indefinite" restart="never" nodeType="tmRoot"/>
+        <p:cTn xmlns:p14="http://schemas.microsoft.com/office/powerpoint/2010/main" id="1" dur="indefinite" restart="never" nodeType="tmRoot"/>
       </p:par>
     </p:tnLst>
   </p:timing>
@@ -27633,7 +27532,7 @@
   <p:timing>
     <p:tnLst>
       <p:par>
-        <p:cTn id="1" dur="indefinite" restart="never" nodeType="tmRoot">
+        <p:cTn xmlns:p14="http://schemas.microsoft.com/office/powerpoint/2010/main" id="1" dur="indefinite" restart="never" nodeType="tmRoot">
           <p:childTnLst>
             <p:seq concurrent="1" nextAc="seek">
               <p:cTn id="2" dur="indefinite" nodeType="mainSeq">
@@ -28521,7 +28420,7 @@
   <p:timing>
     <p:tnLst>
       <p:par>
-        <p:cTn id="1" dur="indefinite" restart="never" nodeType="tmRoot">
+        <p:cTn xmlns:p14="http://schemas.microsoft.com/office/powerpoint/2010/main" id="1" dur="indefinite" restart="never" nodeType="tmRoot">
           <p:childTnLst>
             <p:seq concurrent="1" nextAc="seek">
               <p:cTn id="2" dur="indefinite" nodeType="mainSeq">
@@ -29509,7 +29408,7 @@
   <p:timing>
     <p:tnLst>
       <p:par>
-        <p:cTn id="1" dur="indefinite" restart="never" nodeType="tmRoot"/>
+        <p:cTn xmlns:p14="http://schemas.microsoft.com/office/powerpoint/2010/main" id="1" dur="indefinite" restart="never" nodeType="tmRoot"/>
       </p:par>
     </p:tnLst>
   </p:timing>
@@ -29793,7 +29692,7 @@
   <a:extraClrSchemeLst/>
   <a:extLst>
     <a:ext uri="{05A4C25C-085E-4340-85A3-A5531E510DB2}">
-      <thm15:themeFamily xmlns:thm15="http://schemas.microsoft.com/office/thememl/2012/main" name="Retrospect" id="{5F128B03-DCCA-4EEB-AB3B-CF2899314A46}" vid="{9CC26709-368C-4D72-9060-94E5B3FF3CD6}"/>
+      <thm15:themeFamily xmlns:thm15="http://schemas.microsoft.com/office/thememl/2012/main" xmlns="" name="Retrospect" id="{5F128B03-DCCA-4EEB-AB3B-CF2899314A46}" vid="{9CC26709-368C-4D72-9060-94E5B3FF3CD6}"/>
     </a:ext>
   </a:extLst>
 </a:theme>

--- a/Exceptional Exceptions.pptx
+++ b/Exceptional Exceptions.pptx
@@ -45,12 +45,14 @@
     <p:sldId id="310" r:id="rId39"/>
     <p:sldId id="296" r:id="rId40"/>
     <p:sldId id="291" r:id="rId41"/>
-    <p:sldId id="297" r:id="rId42"/>
-    <p:sldId id="299" r:id="rId43"/>
-    <p:sldId id="300" r:id="rId44"/>
-    <p:sldId id="298" r:id="rId45"/>
-    <p:sldId id="262" r:id="rId46"/>
-    <p:sldId id="265" r:id="rId47"/>
+    <p:sldId id="311" r:id="rId42"/>
+    <p:sldId id="312" r:id="rId43"/>
+    <p:sldId id="297" r:id="rId44"/>
+    <p:sldId id="299" r:id="rId45"/>
+    <p:sldId id="300" r:id="rId46"/>
+    <p:sldId id="298" r:id="rId47"/>
+    <p:sldId id="262" r:id="rId48"/>
+    <p:sldId id="265" r:id="rId49"/>
   </p:sldIdLst>
   <p:sldSz cx="12192000" cy="6858000"/>
   <p:notesSz cx="6858000" cy="9144000"/>
@@ -151,7 +153,7 @@
   </p:defaultTextStyle>
   <p:extLst>
     <p:ext uri="{EFAFB233-063F-42B5-8137-9DF3F51BA10A}">
-      <p15:sldGuideLst xmlns:p15="http://schemas.microsoft.com/office/powerpoint/2012/main" xmlns="">
+      <p15:sldGuideLst xmlns:p15="http://schemas.microsoft.com/office/powerpoint/2012/main">
         <p15:guide id="1" orient="horz" pos="2160">
           <p15:clr>
             <a:srgbClr val="A4A3A4"/>
@@ -394,7 +396,7 @@
           <a:p>
             <a:fld id="{96DFF08F-DC6B-4601-B491-B0F83F6DD2DA}" type="datetimeFigureOut">
               <a:rPr lang="en-US" dirty="0"/>
-              <a:t>7/12/14</a:t>
+              <a:t>7/13/2014</a:t>
             </a:fld>
             <a:endParaRPr lang="en-US" dirty="0"/>
           </a:p>
@@ -597,7 +599,7 @@
           <a:p>
             <a:fld id="{96DFF08F-DC6B-4601-B491-B0F83F6DD2DA}" type="datetimeFigureOut">
               <a:rPr lang="en-US" dirty="0"/>
-              <a:t>7/12/14</a:t>
+              <a:t>7/13/2014</a:t>
             </a:fld>
             <a:endParaRPr lang="en-US" dirty="0"/>
           </a:p>
@@ -848,7 +850,7 @@
           <a:p>
             <a:fld id="{96DFF08F-DC6B-4601-B491-B0F83F6DD2DA}" type="datetimeFigureOut">
               <a:rPr lang="en-US" dirty="0"/>
-              <a:t>7/12/14</a:t>
+              <a:t>7/13/2014</a:t>
             </a:fld>
             <a:endParaRPr lang="en-US" dirty="0"/>
           </a:p>
@@ -934,7 +936,7 @@
   <p:timing>
     <p:tnLst>
       <p:par>
-        <p:cTn xmlns:p14="http://schemas.microsoft.com/office/powerpoint/2010/main" id="1" dur="indefinite" restart="never" nodeType="tmRoot"/>
+        <p:cTn id="1" dur="indefinite" restart="never" nodeType="tmRoot"/>
       </p:par>
     </p:tnLst>
   </p:timing>
@@ -1050,7 +1052,7 @@
           <a:p>
             <a:fld id="{D62CEF3B-A037-46D0-B02C-1428F07E9383}" type="datetimeFigureOut">
               <a:rPr lang="en-US" dirty="0"/>
-              <a:t>7/12/14</a:t>
+              <a:t>7/13/2014</a:t>
             </a:fld>
             <a:endParaRPr lang="en-US" dirty="0"/>
           </a:p>
@@ -1388,7 +1390,7 @@
           <a:p>
             <a:fld id="{96DFF08F-DC6B-4601-B491-B0F83F6DD2DA}" type="datetimeFigureOut">
               <a:rPr lang="en-US" dirty="0"/>
-              <a:t>7/12/14</a:t>
+              <a:t>7/13/2014</a:t>
             </a:fld>
             <a:endParaRPr lang="en-US" dirty="0"/>
           </a:p>
@@ -1658,7 +1660,7 @@
           <a:p>
             <a:fld id="{96DFF08F-DC6B-4601-B491-B0F83F6DD2DA}" type="datetimeFigureOut">
               <a:rPr lang="en-US" dirty="0"/>
-              <a:t>7/12/14</a:t>
+              <a:t>7/13/2014</a:t>
             </a:fld>
             <a:endParaRPr lang="en-US" dirty="0"/>
           </a:p>
@@ -2032,7 +2034,7 @@
           <a:p>
             <a:fld id="{96DFF08F-DC6B-4601-B491-B0F83F6DD2DA}" type="datetimeFigureOut">
               <a:rPr lang="en-US" dirty="0"/>
-              <a:t>7/12/14</a:t>
+              <a:t>7/13/2014</a:t>
             </a:fld>
             <a:endParaRPr lang="en-US" dirty="0"/>
           </a:p>
@@ -2145,7 +2147,7 @@
           <a:p>
             <a:fld id="{96DFF08F-DC6B-4601-B491-B0F83F6DD2DA}" type="datetimeFigureOut">
               <a:rPr lang="en-US" dirty="0"/>
-              <a:t>7/12/14</a:t>
+              <a:t>7/13/2014</a:t>
             </a:fld>
             <a:endParaRPr lang="en-US" dirty="0"/>
           </a:p>
@@ -2312,7 +2314,7 @@
             <a:fld id="{96DFF08F-DC6B-4601-B491-B0F83F6DD2DA}" type="datetimeFigureOut">
               <a:rPr lang="en-US" dirty="0"/>
               <a:pPr/>
-              <a:t>7/12/14</a:t>
+              <a:t>7/13/2014</a:t>
             </a:fld>
             <a:endParaRPr lang="en-US" dirty="0"/>
           </a:p>
@@ -2663,7 +2665,7 @@
             <a:fld id="{96DFF08F-DC6B-4601-B491-B0F83F6DD2DA}" type="datetimeFigureOut">
               <a:rPr lang="en-US" dirty="0"/>
               <a:pPr/>
-              <a:t>7/12/14</a:t>
+              <a:t>7/13/2014</a:t>
             </a:fld>
             <a:endParaRPr lang="en-US" dirty="0"/>
           </a:p>
@@ -3036,7 +3038,7 @@
           <a:p>
             <a:fld id="{96DFF08F-DC6B-4601-B491-B0F83F6DD2DA}" type="datetimeFigureOut">
               <a:rPr lang="en-US" dirty="0"/>
-              <a:t>7/12/14</a:t>
+              <a:t>7/13/2014</a:t>
             </a:fld>
             <a:endParaRPr lang="en-US" dirty="0"/>
           </a:p>
@@ -3319,7 +3321,7 @@
             <a:fld id="{96DFF08F-DC6B-4601-B491-B0F83F6DD2DA}" type="datetimeFigureOut">
               <a:rPr lang="en-US" dirty="0"/>
               <a:pPr/>
-              <a:t>7/12/14</a:t>
+              <a:t>7/13/2014</a:t>
             </a:fld>
             <a:endParaRPr lang="en-US" dirty="0"/>
           </a:p>
@@ -3919,7 +3921,7 @@
   <p:timing>
     <p:tnLst>
       <p:par>
-        <p:cTn xmlns:p14="http://schemas.microsoft.com/office/powerpoint/2010/main" id="1" dur="indefinite" restart="never" nodeType="tmRoot"/>
+        <p:cTn id="1" dur="indefinite" restart="never" nodeType="tmRoot"/>
       </p:par>
     </p:tnLst>
   </p:timing>
@@ -4105,7 +4107,7 @@
   <p:timing>
     <p:tnLst>
       <p:par>
-        <p:cTn xmlns:p14="http://schemas.microsoft.com/office/powerpoint/2010/main" id="1" dur="indefinite" restart="never" nodeType="tmRoot"/>
+        <p:cTn id="1" dur="indefinite" restart="never" nodeType="tmRoot"/>
       </p:par>
     </p:tnLst>
   </p:timing>
@@ -4192,7 +4194,7 @@
   <p:timing>
     <p:tnLst>
       <p:par>
-        <p:cTn xmlns:p14="http://schemas.microsoft.com/office/powerpoint/2010/main" id="1" dur="indefinite" restart="never" nodeType="tmRoot"/>
+        <p:cTn id="1" dur="indefinite" restart="never" nodeType="tmRoot"/>
       </p:par>
     </p:tnLst>
   </p:timing>
@@ -5730,7 +5732,7 @@
   <p:timing>
     <p:tnLst>
       <p:par>
-        <p:cTn xmlns:p14="http://schemas.microsoft.com/office/powerpoint/2010/main" id="1" dur="indefinite" restart="never" nodeType="tmRoot">
+        <p:cTn id="1" dur="indefinite" restart="never" nodeType="tmRoot">
           <p:childTnLst>
             <p:seq concurrent="1" nextAc="seek">
               <p:cTn id="2" dur="indefinite" nodeType="mainSeq">
@@ -6975,7 +6977,7 @@
   <p:timing>
     <p:tnLst>
       <p:par>
-        <p:cTn xmlns:p14="http://schemas.microsoft.com/office/powerpoint/2010/main" id="1" dur="indefinite" restart="never" nodeType="tmRoot">
+        <p:cTn id="1" dur="indefinite" restart="never" nodeType="tmRoot">
           <p:childTnLst>
             <p:seq concurrent="1" nextAc="seek">
               <p:cTn id="2" dur="indefinite" nodeType="mainSeq">
@@ -8699,7 +8701,7 @@
   <p:timing>
     <p:tnLst>
       <p:par>
-        <p:cTn xmlns:p14="http://schemas.microsoft.com/office/powerpoint/2010/main" id="1" dur="indefinite" restart="never" nodeType="tmRoot">
+        <p:cTn id="1" dur="indefinite" restart="never" nodeType="tmRoot">
           <p:childTnLst>
             <p:seq concurrent="1" nextAc="seek">
               <p:cTn id="2" dur="indefinite" nodeType="mainSeq">
@@ -8929,7 +8931,7 @@
   <p:timing>
     <p:tnLst>
       <p:par>
-        <p:cTn xmlns:p14="http://schemas.microsoft.com/office/powerpoint/2010/main" id="1" dur="indefinite" restart="never" nodeType="tmRoot"/>
+        <p:cTn id="1" dur="indefinite" restart="never" nodeType="tmRoot"/>
       </p:par>
     </p:tnLst>
   </p:timing>
@@ -9130,7 +9132,7 @@
   <p:timing>
     <p:tnLst>
       <p:par>
-        <p:cTn xmlns:p14="http://schemas.microsoft.com/office/powerpoint/2010/main" id="1" dur="indefinite" restart="never" nodeType="tmRoot"/>
+        <p:cTn id="1" dur="indefinite" restart="never" nodeType="tmRoot"/>
       </p:par>
     </p:tnLst>
   </p:timing>
@@ -9209,7 +9211,7 @@
   <p:timing>
     <p:tnLst>
       <p:par>
-        <p:cTn xmlns:p14="http://schemas.microsoft.com/office/powerpoint/2010/main" id="1" dur="indefinite" restart="never" nodeType="tmRoot"/>
+        <p:cTn id="1" dur="indefinite" restart="never" nodeType="tmRoot"/>
       </p:par>
     </p:tnLst>
   </p:timing>
@@ -9900,7 +9902,7 @@
   <p:timing>
     <p:tnLst>
       <p:par>
-        <p:cTn xmlns:p14="http://schemas.microsoft.com/office/powerpoint/2010/main" id="1" dur="indefinite" restart="never" nodeType="tmRoot">
+        <p:cTn id="1" dur="indefinite" restart="never" nodeType="tmRoot">
           <p:childTnLst>
             <p:seq concurrent="1" nextAc="seek">
               <p:cTn id="2" dur="indefinite" nodeType="mainSeq">
@@ -10836,7 +10838,7 @@
   <p:timing>
     <p:tnLst>
       <p:par>
-        <p:cTn xmlns:p14="http://schemas.microsoft.com/office/powerpoint/2010/main" id="1" dur="indefinite" restart="never" nodeType="tmRoot">
+        <p:cTn id="1" dur="indefinite" restart="never" nodeType="tmRoot">
           <p:childTnLst>
             <p:seq concurrent="1" nextAc="seek">
               <p:cTn id="2" dur="indefinite" nodeType="mainSeq">
@@ -11093,7 +11095,7 @@
   <p:timing>
     <p:tnLst>
       <p:par>
-        <p:cTn xmlns:p14="http://schemas.microsoft.com/office/powerpoint/2010/main" id="1" dur="indefinite" restart="never" nodeType="tmRoot"/>
+        <p:cTn id="1" dur="indefinite" restart="never" nodeType="tmRoot"/>
       </p:par>
     </p:tnLst>
   </p:timing>
@@ -11793,7 +11795,7 @@
   <p:timing>
     <p:tnLst>
       <p:par>
-        <p:cTn xmlns:p14="http://schemas.microsoft.com/office/powerpoint/2010/main" id="1" dur="indefinite" restart="never" nodeType="tmRoot"/>
+        <p:cTn id="1" dur="indefinite" restart="never" nodeType="tmRoot"/>
       </p:par>
     </p:tnLst>
   </p:timing>
@@ -11952,7 +11954,7 @@
   <p:timing>
     <p:tnLst>
       <p:par>
-        <p:cTn xmlns:p14="http://schemas.microsoft.com/office/powerpoint/2010/main" id="1" dur="indefinite" restart="never" nodeType="tmRoot"/>
+        <p:cTn id="1" dur="indefinite" restart="never" nodeType="tmRoot"/>
       </p:par>
     </p:tnLst>
   </p:timing>
@@ -12031,7 +12033,7 @@
   <p:timing>
     <p:tnLst>
       <p:par>
-        <p:cTn xmlns:p14="http://schemas.microsoft.com/office/powerpoint/2010/main" id="1" dur="indefinite" restart="never" nodeType="tmRoot"/>
+        <p:cTn id="1" dur="indefinite" restart="never" nodeType="tmRoot"/>
       </p:par>
     </p:tnLst>
   </p:timing>
@@ -12728,7 +12730,7 @@
   <p:timing>
     <p:tnLst>
       <p:par>
-        <p:cTn xmlns:p14="http://schemas.microsoft.com/office/powerpoint/2010/main" id="1" dur="indefinite" restart="never" nodeType="tmRoot">
+        <p:cTn id="1" dur="indefinite" restart="never" nodeType="tmRoot">
           <p:childTnLst>
             <p:seq concurrent="1" nextAc="seek">
               <p:cTn id="2" dur="indefinite" nodeType="mainSeq">
@@ -13665,7 +13667,7 @@
   <p:timing>
     <p:tnLst>
       <p:par>
-        <p:cTn xmlns:p14="http://schemas.microsoft.com/office/powerpoint/2010/main" id="1" dur="indefinite" restart="never" nodeType="tmRoot">
+        <p:cTn id="1" dur="indefinite" restart="never" nodeType="tmRoot">
           <p:childTnLst>
             <p:seq concurrent="1" nextAc="seek">
               <p:cTn id="2" dur="indefinite" nodeType="mainSeq">
@@ -13896,7 +13898,7 @@
   <p:timing>
     <p:tnLst>
       <p:par>
-        <p:cTn xmlns:p14="http://schemas.microsoft.com/office/powerpoint/2010/main" id="1" dur="indefinite" restart="never" nodeType="tmRoot"/>
+        <p:cTn id="1" dur="indefinite" restart="never" nodeType="tmRoot"/>
       </p:par>
     </p:tnLst>
   </p:timing>
@@ -14733,7 +14735,7 @@
   <p:timing>
     <p:tnLst>
       <p:par>
-        <p:cTn xmlns:p14="http://schemas.microsoft.com/office/powerpoint/2010/main" id="1" dur="indefinite" restart="never" nodeType="tmRoot"/>
+        <p:cTn id="1" dur="indefinite" restart="never" nodeType="tmRoot"/>
       </p:par>
     </p:tnLst>
   </p:timing>
@@ -14919,7 +14921,7 @@
   <p:timing>
     <p:tnLst>
       <p:par>
-        <p:cTn xmlns:p14="http://schemas.microsoft.com/office/powerpoint/2010/main" id="1" dur="indefinite" restart="never" nodeType="tmRoot"/>
+        <p:cTn id="1" dur="indefinite" restart="never" nodeType="tmRoot"/>
       </p:par>
     </p:tnLst>
   </p:timing>
@@ -14998,7 +15000,7 @@
   <p:timing>
     <p:tnLst>
       <p:par>
-        <p:cTn xmlns:p14="http://schemas.microsoft.com/office/powerpoint/2010/main" id="1" dur="indefinite" restart="never" nodeType="tmRoot"/>
+        <p:cTn id="1" dur="indefinite" restart="never" nodeType="tmRoot"/>
       </p:par>
     </p:tnLst>
   </p:timing>
@@ -16320,7 +16322,7 @@
   <p:timing>
     <p:tnLst>
       <p:par>
-        <p:cTn xmlns:p14="http://schemas.microsoft.com/office/powerpoint/2010/main" id="1" dur="indefinite" restart="never" nodeType="tmRoot">
+        <p:cTn id="1" dur="indefinite" restart="never" nodeType="tmRoot">
           <p:childTnLst>
             <p:seq concurrent="1" nextAc="seek">
               <p:cTn id="2" dur="indefinite" nodeType="mainSeq">
@@ -16602,7 +16604,7 @@
   <p:timing>
     <p:tnLst>
       <p:par>
-        <p:cTn xmlns:p14="http://schemas.microsoft.com/office/powerpoint/2010/main" id="1" dur="indefinite" restart="never" nodeType="tmRoot"/>
+        <p:cTn id="1" dur="indefinite" restart="never" nodeType="tmRoot"/>
       </p:par>
     </p:tnLst>
   </p:timing>
@@ -17514,7 +17516,7 @@
   <p:timing>
     <p:tnLst>
       <p:par>
-        <p:cTn xmlns:p14="http://schemas.microsoft.com/office/powerpoint/2010/main" id="1" dur="indefinite" restart="never" nodeType="tmRoot">
+        <p:cTn id="1" dur="indefinite" restart="never" nodeType="tmRoot">
           <p:childTnLst>
             <p:seq concurrent="1" nextAc="seek">
               <p:cTn id="2" dur="indefinite" nodeType="mainSeq">
@@ -17983,7 +17985,7 @@
   <p:timing>
     <p:tnLst>
       <p:par>
-        <p:cTn xmlns:p14="http://schemas.microsoft.com/office/powerpoint/2010/main" id="1" dur="indefinite" restart="never" nodeType="tmRoot"/>
+        <p:cTn id="1" dur="indefinite" restart="never" nodeType="tmRoot"/>
       </p:par>
     </p:tnLst>
   </p:timing>
@@ -19444,7 +19446,7 @@
   <p:timing>
     <p:tnLst>
       <p:par>
-        <p:cTn xmlns:p14="http://schemas.microsoft.com/office/powerpoint/2010/main" id="1" dur="indefinite" restart="never" nodeType="tmRoot"/>
+        <p:cTn id="1" dur="indefinite" restart="never" nodeType="tmRoot"/>
       </p:par>
     </p:tnLst>
   </p:timing>
@@ -19609,7 +19611,7 @@
   <p:timing>
     <p:tnLst>
       <p:par>
-        <p:cTn xmlns:p14="http://schemas.microsoft.com/office/powerpoint/2010/main" id="1" dur="indefinite" restart="never" nodeType="tmRoot"/>
+        <p:cTn id="1" dur="indefinite" restart="never" nodeType="tmRoot"/>
       </p:par>
     </p:tnLst>
   </p:timing>
@@ -20925,7 +20927,7 @@
   <p:timing>
     <p:tnLst>
       <p:par>
-        <p:cTn xmlns:p14="http://schemas.microsoft.com/office/powerpoint/2010/main" id="1" dur="indefinite" restart="never" nodeType="tmRoot"/>
+        <p:cTn id="1" dur="indefinite" restart="never" nodeType="tmRoot"/>
       </p:par>
     </p:tnLst>
   </p:timing>
@@ -21038,7 +21040,7 @@
   <p:timing>
     <p:tnLst>
       <p:par>
-        <p:cTn xmlns:p14="http://schemas.microsoft.com/office/powerpoint/2010/main" id="1" dur="indefinite" restart="never" nodeType="tmRoot"/>
+        <p:cTn id="1" dur="indefinite" restart="never" nodeType="tmRoot"/>
       </p:par>
     </p:tnLst>
   </p:timing>
@@ -21850,7 +21852,7 @@
   <p:timing>
     <p:tnLst>
       <p:par>
-        <p:cTn xmlns:p14="http://schemas.microsoft.com/office/powerpoint/2010/main" id="1" dur="indefinite" restart="never" nodeType="tmRoot">
+        <p:cTn id="1" dur="indefinite" restart="never" nodeType="tmRoot">
           <p:childTnLst>
             <p:seq concurrent="1" nextAc="seek">
               <p:cTn id="2" dur="indefinite" nodeType="mainSeq">
@@ -22602,7 +22604,7 @@
   <p:timing>
     <p:tnLst>
       <p:par>
-        <p:cTn xmlns:p14="http://schemas.microsoft.com/office/powerpoint/2010/main" id="1" dur="indefinite" restart="never" nodeType="tmRoot">
+        <p:cTn id="1" dur="indefinite" restart="never" nodeType="tmRoot">
           <p:childTnLst>
             <p:seq concurrent="1" nextAc="seek">
               <p:cTn id="2" dur="indefinite" nodeType="mainSeq">
@@ -23115,7 +23117,7 @@
   <p:timing>
     <p:tnLst>
       <p:par>
-        <p:cTn xmlns:p14="http://schemas.microsoft.com/office/powerpoint/2010/main" id="1" dur="indefinite" restart="never" nodeType="tmRoot"/>
+        <p:cTn id="1" dur="indefinite" restart="never" nodeType="tmRoot"/>
       </p:par>
     </p:tnLst>
   </p:timing>
@@ -23960,7 +23962,7 @@
   <p:timing>
     <p:tnLst>
       <p:par>
-        <p:cTn xmlns:p14="http://schemas.microsoft.com/office/powerpoint/2010/main" id="1" dur="indefinite" restart="never" nodeType="tmRoot"/>
+        <p:cTn id="1" dur="indefinite" restart="never" nodeType="tmRoot"/>
       </p:par>
     </p:tnLst>
   </p:timing>
@@ -24478,7 +24480,7 @@
   <p:timing>
     <p:tnLst>
       <p:par>
-        <p:cTn xmlns:p14="http://schemas.microsoft.com/office/powerpoint/2010/main" id="1" dur="indefinite" restart="never" nodeType="tmRoot"/>
+        <p:cTn id="1" dur="indefinite" restart="never" nodeType="tmRoot"/>
       </p:par>
     </p:tnLst>
   </p:timing>
@@ -24637,7 +24639,7 @@
   <p:timing>
     <p:tnLst>
       <p:par>
-        <p:cTn xmlns:p14="http://schemas.microsoft.com/office/powerpoint/2010/main" id="1" dur="indefinite" restart="never" nodeType="tmRoot"/>
+        <p:cTn id="1" dur="indefinite" restart="never" nodeType="tmRoot"/>
       </p:par>
     </p:tnLst>
   </p:timing>
@@ -24645,6 +24647,499 @@
 </file>
 
 <file path=ppt/slides/slide41.xml><?xml version="1.0" encoding="utf-8"?>
+<p:sld xmlns:a="http://schemas.openxmlformats.org/drawingml/2006/main" xmlns:r="http://schemas.openxmlformats.org/officeDocument/2006/relationships" xmlns:p="http://schemas.openxmlformats.org/presentationml/2006/main">
+  <p:cSld>
+    <p:spTree>
+      <p:nvGrpSpPr>
+        <p:cNvPr id="1" name=""/>
+        <p:cNvGrpSpPr/>
+        <p:nvPr/>
+      </p:nvGrpSpPr>
+      <p:grpSpPr>
+        <a:xfrm>
+          <a:off x="0" y="0"/>
+          <a:ext cx="0" cy="0"/>
+          <a:chOff x="0" y="0"/>
+          <a:chExt cx="0" cy="0"/>
+        </a:xfrm>
+      </p:grpSpPr>
+      <p:sp>
+        <p:nvSpPr>
+          <p:cNvPr id="4" name="Content Placeholder 3"/>
+          <p:cNvSpPr>
+            <a:spLocks noGrp="1"/>
+          </p:cNvSpPr>
+          <p:nvPr>
+            <p:ph idx="4294967295"/>
+          </p:nvPr>
+        </p:nvSpPr>
+        <p:spPr>
+          <a:xfrm>
+            <a:off x="584499" y="146555"/>
+            <a:ext cx="11033761" cy="4834236"/>
+          </a:xfrm>
+        </p:spPr>
+        <p:txBody>
+          <a:bodyPr>
+            <a:noAutofit/>
+          </a:bodyPr>
+          <a:lstStyle/>
+          <a:p>
+            <a:pPr algn="ctr">
+              <a:lnSpc>
+                <a:spcPct val="150000"/>
+              </a:lnSpc>
+            </a:pPr>
+            <a:r>
+              <a:rPr lang="en-US" sz="3200" i="1" spc="-50" dirty="0" smtClean="0"/>
+              <a:t>Use </a:t>
+            </a:r>
+            <a:r>
+              <a:rPr lang="en-US" sz="3200" i="1" spc="-50" dirty="0"/>
+              <a:t>variable </a:t>
+            </a:r>
+            <a:r>
+              <a:rPr lang="en-US" sz="3200" i="1" spc="-50" dirty="0" smtClean="0"/>
+              <a:t>values</a:t>
+            </a:r>
+          </a:p>
+          <a:p>
+            <a:pPr algn="ctr">
+              <a:lnSpc>
+                <a:spcPct val="150000"/>
+              </a:lnSpc>
+            </a:pPr>
+            <a:r>
+              <a:rPr lang="en-US" sz="3200" i="1" spc="-50" dirty="0" smtClean="0"/>
+              <a:t>Wrap bad exceptions</a:t>
+            </a:r>
+            <a:endParaRPr lang="en-US" sz="3200" i="1" spc="-50" dirty="0"/>
+          </a:p>
+          <a:p>
+            <a:pPr algn="ctr">
+              <a:lnSpc>
+                <a:spcPct val="150000"/>
+              </a:lnSpc>
+            </a:pPr>
+            <a:r>
+              <a:rPr lang="en-US" sz="3200" i="1" spc="-50" dirty="0" smtClean="0"/>
+              <a:t>Provide context</a:t>
+            </a:r>
+            <a:endParaRPr lang="en-US" sz="3200" i="1" spc="-50" dirty="0"/>
+          </a:p>
+          <a:p>
+            <a:pPr algn="ctr">
+              <a:lnSpc>
+                <a:spcPct val="150000"/>
+              </a:lnSpc>
+            </a:pPr>
+            <a:r>
+              <a:rPr lang="en-US" sz="3200" i="1" spc="-50" dirty="0" smtClean="0"/>
+              <a:t>Show runtime details</a:t>
+            </a:r>
+            <a:endParaRPr lang="en-US" sz="3200" i="1" spc="-50" dirty="0"/>
+          </a:p>
+          <a:p>
+            <a:pPr algn="ctr">
+              <a:lnSpc>
+                <a:spcPct val="150000"/>
+              </a:lnSpc>
+            </a:pPr>
+            <a:r>
+              <a:rPr lang="en-US" sz="3200" i="1" spc="-50" dirty="0" err="1" smtClean="0"/>
+              <a:t>tl;dr</a:t>
+            </a:r>
+            <a:r>
+              <a:rPr lang="en-US" sz="3200" i="1" spc="-50" dirty="0" smtClean="0"/>
+              <a:t> examples</a:t>
+            </a:r>
+          </a:p>
+          <a:p>
+            <a:pPr algn="ctr">
+              <a:lnSpc>
+                <a:spcPct val="150000"/>
+              </a:lnSpc>
+            </a:pPr>
+            <a:r>
+              <a:rPr lang="en-US" sz="3200" i="1" spc="-50" dirty="0" smtClean="0"/>
+              <a:t>Extra </a:t>
+            </a:r>
+            <a:r>
+              <a:rPr lang="en-US" sz="3200" i="1" spc="-50" dirty="0"/>
+              <a:t>i</a:t>
+            </a:r>
+            <a:r>
+              <a:rPr lang="en-US" sz="3200" i="1" spc="-50" dirty="0" smtClean="0"/>
+              <a:t>nformation</a:t>
+            </a:r>
+            <a:endParaRPr lang="en-US" sz="3200" i="1" spc="-50" dirty="0"/>
+          </a:p>
+          <a:p>
+            <a:pPr algn="ctr">
+              <a:lnSpc>
+                <a:spcPct val="150000"/>
+              </a:lnSpc>
+            </a:pPr>
+            <a:r>
+              <a:rPr lang="en-US" sz="3200" i="1" spc="-50" dirty="0" smtClean="0"/>
+              <a:t>Highlight </a:t>
+            </a:r>
+            <a:r>
+              <a:rPr lang="en-US" sz="3200" i="1" spc="-50" dirty="0"/>
+              <a:t>root </a:t>
+            </a:r>
+            <a:r>
+              <a:rPr lang="en-US" sz="3200" i="1" spc="-50" dirty="0" smtClean="0"/>
+              <a:t>causes</a:t>
+            </a:r>
+            <a:endParaRPr lang="en-US" sz="3200" i="1" spc="-50" dirty="0"/>
+          </a:p>
+        </p:txBody>
+      </p:sp>
+    </p:spTree>
+    <p:extLst>
+      <p:ext uri="{BB962C8B-B14F-4D97-AF65-F5344CB8AC3E}">
+        <p14:creationId xmlns:p14="http://schemas.microsoft.com/office/powerpoint/2010/main" val="2733477931"/>
+      </p:ext>
+    </p:extLst>
+  </p:cSld>
+  <p:clrMapOvr>
+    <a:masterClrMapping/>
+  </p:clrMapOvr>
+  <p:timing>
+    <p:tnLst>
+      <p:par>
+        <p:cTn id="1" dur="indefinite" restart="never" nodeType="tmRoot"/>
+      </p:par>
+    </p:tnLst>
+  </p:timing>
+</p:sld>
+</file>
+
+<file path=ppt/slides/slide42.xml><?xml version="1.0" encoding="utf-8"?>
+<p:sld xmlns:a="http://schemas.openxmlformats.org/drawingml/2006/main" xmlns:r="http://schemas.openxmlformats.org/officeDocument/2006/relationships" xmlns:p="http://schemas.openxmlformats.org/presentationml/2006/main">
+  <p:cSld>
+    <p:spTree>
+      <p:nvGrpSpPr>
+        <p:cNvPr id="1" name=""/>
+        <p:cNvGrpSpPr/>
+        <p:nvPr/>
+      </p:nvGrpSpPr>
+      <p:grpSpPr>
+        <a:xfrm>
+          <a:off x="0" y="0"/>
+          <a:ext cx="0" cy="0"/>
+          <a:chOff x="0" y="0"/>
+          <a:chExt cx="0" cy="0"/>
+        </a:xfrm>
+      </p:grpSpPr>
+      <p:graphicFrame>
+        <p:nvGraphicFramePr>
+          <p:cNvPr id="2" name="Table 1"/>
+          <p:cNvGraphicFramePr>
+            <a:graphicFrameLocks noGrp="1"/>
+          </p:cNvGraphicFramePr>
+          <p:nvPr>
+            <p:extLst>
+              <p:ext uri="{D42A27DB-BD31-4B8C-83A1-F6EECF244321}">
+                <p14:modId xmlns:p14="http://schemas.microsoft.com/office/powerpoint/2010/main" val="3509913423"/>
+              </p:ext>
+            </p:extLst>
+          </p:nvPr>
+        </p:nvGraphicFramePr>
+        <p:xfrm>
+          <a:off x="-2" y="2"/>
+          <a:ext cx="12192005" cy="6293222"/>
+        </p:xfrm>
+        <a:graphic>
+          <a:graphicData uri="http://schemas.openxmlformats.org/drawingml/2006/table">
+            <a:tbl>
+              <a:tblPr firstRow="1" bandRow="1">
+                <a:tableStyleId>{5940675A-B579-460E-94D1-54222C63F5DA}</a:tableStyleId>
+              </a:tblPr>
+              <a:tblGrid>
+                <a:gridCol w="1741715"/>
+                <a:gridCol w="1741715"/>
+                <a:gridCol w="1741715"/>
+                <a:gridCol w="1741715"/>
+                <a:gridCol w="1741715"/>
+                <a:gridCol w="1741715"/>
+                <a:gridCol w="1741715"/>
+              </a:tblGrid>
+              <a:tr h="3035030">
+                <a:tc>
+                  <a:txBody>
+                    <a:bodyPr/>
+                    <a:lstStyle/>
+                    <a:p>
+                      <a:r>
+                        <a:rPr lang="en-US" dirty="0" smtClean="0"/>
+                        <a:t>Your options are</a:t>
+                      </a:r>
+                      <a:endParaRPr lang="en-US" dirty="0"/>
+                    </a:p>
+                  </a:txBody>
+                  <a:tcPr/>
+                </a:tc>
+                <a:tc>
+                  <a:txBody>
+                    <a:bodyPr/>
+                    <a:lstStyle/>
+                    <a:p>
+                      <a:r>
+                        <a:rPr lang="en-US" dirty="0" smtClean="0"/>
+                        <a:t>How can you make this exceptional?</a:t>
+                      </a:r>
+                      <a:endParaRPr lang="en-US" dirty="0"/>
+                    </a:p>
+                  </a:txBody>
+                  <a:tcPr/>
+                </a:tc>
+                <a:tc>
+                  <a:txBody>
+                    <a:bodyPr/>
+                    <a:lstStyle/>
+                    <a:p>
+                      <a:r>
+                        <a:rPr lang="en-US" dirty="0" smtClean="0"/>
+                        <a:t>Show me the</a:t>
+                      </a:r>
+                      <a:r>
+                        <a:rPr lang="en-US" baseline="0" dirty="0" smtClean="0"/>
+                        <a:t> code</a:t>
+                      </a:r>
+                      <a:endParaRPr lang="en-US" dirty="0"/>
+                    </a:p>
+                  </a:txBody>
+                  <a:tcPr/>
+                </a:tc>
+                <a:tc>
+                  <a:txBody>
+                    <a:bodyPr/>
+                    <a:lstStyle/>
+                    <a:p>
+                      <a:r>
+                        <a:rPr lang="en-US" dirty="0" smtClean="0"/>
+                        <a:t>Lets ask</a:t>
+                      </a:r>
+                      <a:r>
+                        <a:rPr lang="en-US" baseline="0" dirty="0" smtClean="0"/>
+                        <a:t> our studio audience</a:t>
+                      </a:r>
+                      <a:endParaRPr lang="en-US" dirty="0"/>
+                    </a:p>
+                  </a:txBody>
+                  <a:tcPr/>
+                </a:tc>
+                <a:tc>
+                  <a:txBody>
+                    <a:bodyPr/>
+                    <a:lstStyle/>
+                    <a:p>
+                      <a:r>
+                        <a:rPr lang="en-US" dirty="0" smtClean="0"/>
+                        <a:t>Prove to me that you can do this</a:t>
+                      </a:r>
+                      <a:r>
+                        <a:rPr lang="en-US" baseline="0" dirty="0" smtClean="0"/>
+                        <a:t> in code</a:t>
+                      </a:r>
+                      <a:endParaRPr lang="en-US" dirty="0"/>
+                    </a:p>
+                  </a:txBody>
+                  <a:tcPr/>
+                </a:tc>
+                <a:tc>
+                  <a:txBody>
+                    <a:bodyPr/>
+                    <a:lstStyle/>
+                    <a:p>
+                      <a:r>
+                        <a:rPr lang="en-US" dirty="0" smtClean="0"/>
+                        <a:t>Lets go back in time</a:t>
+                      </a:r>
+                      <a:endParaRPr lang="en-US" dirty="0"/>
+                    </a:p>
+                  </a:txBody>
+                  <a:tcPr/>
+                </a:tc>
+                <a:tc>
+                  <a:txBody>
+                    <a:bodyPr/>
+                    <a:lstStyle/>
+                    <a:p>
+                      <a:r>
+                        <a:rPr lang="en-US" dirty="0" smtClean="0"/>
+                        <a:t>What am I supposed to learn from this?</a:t>
+                      </a:r>
+                      <a:endParaRPr lang="en-US" dirty="0"/>
+                    </a:p>
+                  </a:txBody>
+                  <a:tcPr/>
+                </a:tc>
+              </a:tr>
+              <a:tr h="1629096">
+                <a:tc>
+                  <a:txBody>
+                    <a:bodyPr/>
+                    <a:lstStyle/>
+                    <a:p>
+                      <a:endParaRPr lang="en-US" dirty="0"/>
+                    </a:p>
+                  </a:txBody>
+                  <a:tcPr/>
+                </a:tc>
+                <a:tc>
+                  <a:txBody>
+                    <a:bodyPr/>
+                    <a:lstStyle/>
+                    <a:p>
+                      <a:endParaRPr lang="en-US"/>
+                    </a:p>
+                  </a:txBody>
+                  <a:tcPr/>
+                </a:tc>
+                <a:tc>
+                  <a:txBody>
+                    <a:bodyPr/>
+                    <a:lstStyle/>
+                    <a:p>
+                      <a:endParaRPr lang="en-US"/>
+                    </a:p>
+                  </a:txBody>
+                  <a:tcPr/>
+                </a:tc>
+                <a:tc>
+                  <a:txBody>
+                    <a:bodyPr/>
+                    <a:lstStyle/>
+                    <a:p>
+                      <a:endParaRPr lang="en-US"/>
+                    </a:p>
+                  </a:txBody>
+                  <a:tcPr/>
+                </a:tc>
+                <a:tc>
+                  <a:txBody>
+                    <a:bodyPr/>
+                    <a:lstStyle/>
+                    <a:p>
+                      <a:endParaRPr lang="en-US"/>
+                    </a:p>
+                  </a:txBody>
+                  <a:tcPr/>
+                </a:tc>
+                <a:tc>
+                  <a:txBody>
+                    <a:bodyPr/>
+                    <a:lstStyle/>
+                    <a:p>
+                      <a:endParaRPr lang="en-US"/>
+                    </a:p>
+                  </a:txBody>
+                  <a:tcPr/>
+                </a:tc>
+                <a:tc>
+                  <a:txBody>
+                    <a:bodyPr/>
+                    <a:lstStyle/>
+                    <a:p>
+                      <a:endParaRPr lang="en-US"/>
+                    </a:p>
+                  </a:txBody>
+                  <a:tcPr/>
+                </a:tc>
+              </a:tr>
+              <a:tr h="1629096">
+                <a:tc>
+                  <a:txBody>
+                    <a:bodyPr/>
+                    <a:lstStyle/>
+                    <a:p>
+                      <a:endParaRPr lang="en-US"/>
+                    </a:p>
+                  </a:txBody>
+                  <a:tcPr/>
+                </a:tc>
+                <a:tc>
+                  <a:txBody>
+                    <a:bodyPr/>
+                    <a:lstStyle/>
+                    <a:p>
+                      <a:endParaRPr lang="en-US"/>
+                    </a:p>
+                  </a:txBody>
+                  <a:tcPr/>
+                </a:tc>
+                <a:tc>
+                  <a:txBody>
+                    <a:bodyPr/>
+                    <a:lstStyle/>
+                    <a:p>
+                      <a:endParaRPr lang="en-US"/>
+                    </a:p>
+                  </a:txBody>
+                  <a:tcPr/>
+                </a:tc>
+                <a:tc>
+                  <a:txBody>
+                    <a:bodyPr/>
+                    <a:lstStyle/>
+                    <a:p>
+                      <a:endParaRPr lang="en-US"/>
+                    </a:p>
+                  </a:txBody>
+                  <a:tcPr/>
+                </a:tc>
+                <a:tc>
+                  <a:txBody>
+                    <a:bodyPr/>
+                    <a:lstStyle/>
+                    <a:p>
+                      <a:endParaRPr lang="en-US"/>
+                    </a:p>
+                  </a:txBody>
+                  <a:tcPr/>
+                </a:tc>
+                <a:tc>
+                  <a:txBody>
+                    <a:bodyPr/>
+                    <a:lstStyle/>
+                    <a:p>
+                      <a:endParaRPr lang="en-US"/>
+                    </a:p>
+                  </a:txBody>
+                  <a:tcPr/>
+                </a:tc>
+                <a:tc>
+                  <a:txBody>
+                    <a:bodyPr/>
+                    <a:lstStyle/>
+                    <a:p>
+                      <a:endParaRPr lang="en-US" dirty="0"/>
+                    </a:p>
+                  </a:txBody>
+                  <a:tcPr/>
+                </a:tc>
+              </a:tr>
+            </a:tbl>
+          </a:graphicData>
+        </a:graphic>
+      </p:graphicFrame>
+    </p:spTree>
+    <p:extLst>
+      <p:ext uri="{BB962C8B-B14F-4D97-AF65-F5344CB8AC3E}">
+        <p14:creationId xmlns:p14="http://schemas.microsoft.com/office/powerpoint/2010/main" val="2197892280"/>
+      </p:ext>
+    </p:extLst>
+  </p:cSld>
+  <p:clrMapOvr>
+    <a:masterClrMapping/>
+  </p:clrMapOvr>
+</p:sld>
+</file>
+
+<file path=ppt/slides/slide43.xml><?xml version="1.0" encoding="utf-8"?>
 <p:sld xmlns:a="http://schemas.openxmlformats.org/drawingml/2006/main" xmlns:r="http://schemas.openxmlformats.org/officeDocument/2006/relationships" xmlns:p="http://schemas.openxmlformats.org/presentationml/2006/main">
   <p:cSld>
     <p:spTree>
@@ -24853,14 +25348,14 @@
   <p:timing>
     <p:tnLst>
       <p:par>
-        <p:cTn xmlns:p14="http://schemas.microsoft.com/office/powerpoint/2010/main" id="1" dur="indefinite" restart="never" nodeType="tmRoot"/>
+        <p:cTn id="1" dur="indefinite" restart="never" nodeType="tmRoot"/>
       </p:par>
     </p:tnLst>
   </p:timing>
 </p:sld>
 </file>
 
-<file path=ppt/slides/slide42.xml><?xml version="1.0" encoding="utf-8"?>
+<file path=ppt/slides/slide44.xml><?xml version="1.0" encoding="utf-8"?>
 <p:sld xmlns:a="http://schemas.openxmlformats.org/drawingml/2006/main" xmlns:r="http://schemas.openxmlformats.org/officeDocument/2006/relationships" xmlns:p="http://schemas.openxmlformats.org/presentationml/2006/main">
   <p:cSld>
     <p:spTree>
@@ -24920,14 +25415,14 @@
   <p:timing>
     <p:tnLst>
       <p:par>
-        <p:cTn xmlns:p14="http://schemas.microsoft.com/office/powerpoint/2010/main" id="1" dur="indefinite" restart="never" nodeType="tmRoot"/>
+        <p:cTn id="1" dur="indefinite" restart="never" nodeType="tmRoot"/>
       </p:par>
     </p:tnLst>
   </p:timing>
 </p:sld>
 </file>
 
-<file path=ppt/slides/slide43.xml><?xml version="1.0" encoding="utf-8"?>
+<file path=ppt/slides/slide45.xml><?xml version="1.0" encoding="utf-8"?>
 <p:sld xmlns:a="http://schemas.openxmlformats.org/drawingml/2006/main" xmlns:r="http://schemas.openxmlformats.org/officeDocument/2006/relationships" xmlns:p="http://schemas.openxmlformats.org/presentationml/2006/main">
   <p:cSld>
     <p:spTree>
@@ -25332,14 +25827,14 @@
   <p:timing>
     <p:tnLst>
       <p:par>
-        <p:cTn xmlns:p14="http://schemas.microsoft.com/office/powerpoint/2010/main" id="1" dur="indefinite" restart="never" nodeType="tmRoot"/>
+        <p:cTn id="1" dur="indefinite" restart="never" nodeType="tmRoot"/>
       </p:par>
     </p:tnLst>
   </p:timing>
 </p:sld>
 </file>
 
-<file path=ppt/slides/slide44.xml><?xml version="1.0" encoding="utf-8"?>
+<file path=ppt/slides/slide46.xml><?xml version="1.0" encoding="utf-8"?>
 <p:sld xmlns:a="http://schemas.openxmlformats.org/drawingml/2006/main" xmlns:r="http://schemas.openxmlformats.org/officeDocument/2006/relationships" xmlns:p="http://schemas.openxmlformats.org/presentationml/2006/main">
   <p:cSld>
     <p:spTree>
@@ -25749,14 +26244,14 @@
           </a:effectLst>
           <a:extLst>
             <a:ext uri="{909E8E84-426E-40dd-AFC4-6F175D3DCCD1}">
-              <a14:hiddenFill xmlns:a14="http://schemas.microsoft.com/office/drawing/2010/main">
+              <a14:hiddenFill xmlns:a14="http://schemas.microsoft.com/office/drawing/2010/main" xmlns="">
                 <a:solidFill>
                   <a:schemeClr val="accent1"/>
                 </a:solidFill>
               </a14:hiddenFill>
             </a:ext>
             <a:ext uri="{91240B29-F687-4f45-9708-019B960494DF}">
-              <a14:hiddenLine xmlns:a14="http://schemas.microsoft.com/office/drawing/2010/main" w="9525">
+              <a14:hiddenLine xmlns:a14="http://schemas.microsoft.com/office/drawing/2010/main" xmlns="" w="9525">
                 <a:solidFill>
                   <a:schemeClr val="tx1"/>
                 </a:solidFill>
@@ -26183,14 +26678,14 @@
   <p:timing>
     <p:tnLst>
       <p:par>
-        <p:cTn xmlns:p14="http://schemas.microsoft.com/office/powerpoint/2010/main" id="1" dur="indefinite" restart="never" nodeType="tmRoot"/>
+        <p:cTn id="1" dur="indefinite" restart="never" nodeType="tmRoot"/>
       </p:par>
     </p:tnLst>
   </p:timing>
 </p:sld>
 </file>
 
-<file path=ppt/slides/slide45.xml><?xml version="1.0" encoding="utf-8"?>
+<file path=ppt/slides/slide47.xml><?xml version="1.0" encoding="utf-8"?>
 <p:sld xmlns:a="http://schemas.openxmlformats.org/drawingml/2006/main" xmlns:r="http://schemas.openxmlformats.org/officeDocument/2006/relationships" xmlns:p="http://schemas.openxmlformats.org/presentationml/2006/main" show="0">
   <p:cSld>
     <p:spTree>
@@ -26371,25 +26866,25 @@
   <p:clrMapOvr>
     <a:masterClrMapping/>
   </p:clrMapOvr>
-  <mc:AlternateContent xmlns:mc="http://schemas.openxmlformats.org/markup-compatibility/2006">
-    <mc:Choice xmlns:p14="http://schemas.microsoft.com/office/powerpoint/2010/main" Requires="p14">
+  <mc:AlternateContent xmlns:mc="http://schemas.openxmlformats.org/markup-compatibility/2006" xmlns:p14="http://schemas.microsoft.com/office/powerpoint/2010/main">
+    <mc:Choice Requires="p14">
       <p:transition spd="slow" p14:dur="2000"/>
     </mc:Choice>
-    <mc:Fallback>
+    <mc:Fallback xmlns="">
       <p:transition xmlns:p14="http://schemas.microsoft.com/office/powerpoint/2010/main" spd="slow"/>
     </mc:Fallback>
   </mc:AlternateContent>
   <p:timing>
     <p:tnLst>
       <p:par>
-        <p:cTn xmlns:p14="http://schemas.microsoft.com/office/powerpoint/2010/main" id="1" dur="indefinite" restart="never" nodeType="tmRoot"/>
+        <p:cTn id="1" dur="indefinite" restart="never" nodeType="tmRoot"/>
       </p:par>
     </p:tnLst>
   </p:timing>
 </p:sld>
 </file>
 
-<file path=ppt/slides/slide46.xml><?xml version="1.0" encoding="utf-8"?>
+<file path=ppt/slides/slide48.xml><?xml version="1.0" encoding="utf-8"?>
 <p:sld xmlns:a="http://schemas.openxmlformats.org/drawingml/2006/main" xmlns:r="http://schemas.openxmlformats.org/officeDocument/2006/relationships" xmlns:p="http://schemas.openxmlformats.org/presentationml/2006/main" show="0">
   <p:cSld>
     <p:spTree>
@@ -26538,18 +27033,18 @@
   <p:clrMapOvr>
     <a:masterClrMapping/>
   </p:clrMapOvr>
-  <mc:AlternateContent xmlns:mc="http://schemas.openxmlformats.org/markup-compatibility/2006">
-    <mc:Choice xmlns:p14="http://schemas.microsoft.com/office/powerpoint/2010/main" Requires="p14">
+  <mc:AlternateContent xmlns:mc="http://schemas.openxmlformats.org/markup-compatibility/2006" xmlns:p14="http://schemas.microsoft.com/office/powerpoint/2010/main">
+    <mc:Choice Requires="p14">
       <p:transition spd="slow" p14:dur="2000"/>
     </mc:Choice>
-    <mc:Fallback>
+    <mc:Fallback xmlns="">
       <p:transition xmlns:p14="http://schemas.microsoft.com/office/powerpoint/2010/main" spd="slow"/>
     </mc:Fallback>
   </mc:AlternateContent>
   <p:timing>
     <p:tnLst>
       <p:par>
-        <p:cTn xmlns:p14="http://schemas.microsoft.com/office/powerpoint/2010/main" id="1" dur="indefinite" restart="never" nodeType="tmRoot"/>
+        <p:cTn id="1" dur="indefinite" restart="never" nodeType="tmRoot"/>
       </p:par>
     </p:tnLst>
   </p:timing>
@@ -26675,18 +27170,18 @@
   <p:clrMapOvr>
     <a:masterClrMapping/>
   </p:clrMapOvr>
-  <mc:AlternateContent xmlns:mc="http://schemas.openxmlformats.org/markup-compatibility/2006">
-    <mc:Choice xmlns:p14="http://schemas.microsoft.com/office/powerpoint/2010/main" Requires="p14">
+  <mc:AlternateContent xmlns:mc="http://schemas.openxmlformats.org/markup-compatibility/2006" xmlns:p14="http://schemas.microsoft.com/office/powerpoint/2010/main">
+    <mc:Choice Requires="p14">
       <p:transition spd="slow" p14:dur="2000"/>
     </mc:Choice>
-    <mc:Fallback>
+    <mc:Fallback xmlns="">
       <p:transition xmlns:p14="http://schemas.microsoft.com/office/powerpoint/2010/main" spd="slow"/>
     </mc:Fallback>
   </mc:AlternateContent>
   <p:timing>
     <p:tnLst>
       <p:par>
-        <p:cTn xmlns:p14="http://schemas.microsoft.com/office/powerpoint/2010/main" id="1" dur="indefinite" restart="never" nodeType="tmRoot"/>
+        <p:cTn id="1" dur="indefinite" restart="never" nodeType="tmRoot"/>
       </p:par>
     </p:tnLst>
   </p:timing>
@@ -26765,7 +27260,7 @@
   <p:timing>
     <p:tnLst>
       <p:par>
-        <p:cTn xmlns:p14="http://schemas.microsoft.com/office/powerpoint/2010/main" id="1" dur="indefinite" restart="never" nodeType="tmRoot"/>
+        <p:cTn id="1" dur="indefinite" restart="never" nodeType="tmRoot"/>
       </p:par>
     </p:tnLst>
   </p:timing>
@@ -27532,7 +28027,7 @@
   <p:timing>
     <p:tnLst>
       <p:par>
-        <p:cTn xmlns:p14="http://schemas.microsoft.com/office/powerpoint/2010/main" id="1" dur="indefinite" restart="never" nodeType="tmRoot">
+        <p:cTn id="1" dur="indefinite" restart="never" nodeType="tmRoot">
           <p:childTnLst>
             <p:seq concurrent="1" nextAc="seek">
               <p:cTn id="2" dur="indefinite" nodeType="mainSeq">
@@ -28420,7 +28915,7 @@
   <p:timing>
     <p:tnLst>
       <p:par>
-        <p:cTn xmlns:p14="http://schemas.microsoft.com/office/powerpoint/2010/main" id="1" dur="indefinite" restart="never" nodeType="tmRoot">
+        <p:cTn id="1" dur="indefinite" restart="never" nodeType="tmRoot">
           <p:childTnLst>
             <p:seq concurrent="1" nextAc="seek">
               <p:cTn id="2" dur="indefinite" nodeType="mainSeq">
@@ -29408,7 +29903,7 @@
   <p:timing>
     <p:tnLst>
       <p:par>
-        <p:cTn xmlns:p14="http://schemas.microsoft.com/office/powerpoint/2010/main" id="1" dur="indefinite" restart="never" nodeType="tmRoot"/>
+        <p:cTn id="1" dur="indefinite" restart="never" nodeType="tmRoot"/>
       </p:par>
     </p:tnLst>
   </p:timing>
@@ -29692,7 +30187,7 @@
   <a:extraClrSchemeLst/>
   <a:extLst>
     <a:ext uri="{05A4C25C-085E-4340-85A3-A5531E510DB2}">
-      <thm15:themeFamily xmlns:thm15="http://schemas.microsoft.com/office/thememl/2012/main" xmlns="" name="Retrospect" id="{5F128B03-DCCA-4EEB-AB3B-CF2899314A46}" vid="{9CC26709-368C-4D72-9060-94E5B3FF3CD6}"/>
+      <thm15:themeFamily xmlns:thm15="http://schemas.microsoft.com/office/thememl/2012/main" name="Retrospect" id="{5F128B03-DCCA-4EEB-AB3B-CF2899314A46}" vid="{9CC26709-368C-4D72-9060-94E5B3FF3CD6}"/>
     </a:ext>
   </a:extLst>
 </a:theme>

--- a/Exceptional Exceptions.pptx
+++ b/Exceptional Exceptions.pptx
@@ -153,7 +153,7 @@
   </p:defaultTextStyle>
   <p:extLst>
     <p:ext uri="{EFAFB233-063F-42B5-8137-9DF3F51BA10A}">
-      <p15:sldGuideLst xmlns:p15="http://schemas.microsoft.com/office/powerpoint/2012/main">
+      <p15:sldGuideLst xmlns:p15="http://schemas.microsoft.com/office/powerpoint/2012/main" xmlns="">
         <p15:guide id="1" orient="horz" pos="2160">
           <p15:clr>
             <a:srgbClr val="A4A3A4"/>
@@ -396,7 +396,7 @@
           <a:p>
             <a:fld id="{96DFF08F-DC6B-4601-B491-B0F83F6DD2DA}" type="datetimeFigureOut">
               <a:rPr lang="en-US" dirty="0"/>
-              <a:t>7/13/2014</a:t>
+              <a:t>7/14/14</a:t>
             </a:fld>
             <a:endParaRPr lang="en-US" dirty="0"/>
           </a:p>
@@ -599,7 +599,7 @@
           <a:p>
             <a:fld id="{96DFF08F-DC6B-4601-B491-B0F83F6DD2DA}" type="datetimeFigureOut">
               <a:rPr lang="en-US" dirty="0"/>
-              <a:t>7/13/2014</a:t>
+              <a:t>7/14/14</a:t>
             </a:fld>
             <a:endParaRPr lang="en-US" dirty="0"/>
           </a:p>
@@ -850,7 +850,7 @@
           <a:p>
             <a:fld id="{96DFF08F-DC6B-4601-B491-B0F83F6DD2DA}" type="datetimeFigureOut">
               <a:rPr lang="en-US" dirty="0"/>
-              <a:t>7/13/2014</a:t>
+              <a:t>7/14/14</a:t>
             </a:fld>
             <a:endParaRPr lang="en-US" dirty="0"/>
           </a:p>
@@ -936,7 +936,7 @@
   <p:timing>
     <p:tnLst>
       <p:par>
-        <p:cTn id="1" dur="indefinite" restart="never" nodeType="tmRoot"/>
+        <p:cTn xmlns:p14="http://schemas.microsoft.com/office/powerpoint/2010/main" id="1" dur="indefinite" restart="never" nodeType="tmRoot"/>
       </p:par>
     </p:tnLst>
   </p:timing>
@@ -1052,7 +1052,7 @@
           <a:p>
             <a:fld id="{D62CEF3B-A037-46D0-B02C-1428F07E9383}" type="datetimeFigureOut">
               <a:rPr lang="en-US" dirty="0"/>
-              <a:t>7/13/2014</a:t>
+              <a:t>7/14/14</a:t>
             </a:fld>
             <a:endParaRPr lang="en-US" dirty="0"/>
           </a:p>
@@ -1390,7 +1390,7 @@
           <a:p>
             <a:fld id="{96DFF08F-DC6B-4601-B491-B0F83F6DD2DA}" type="datetimeFigureOut">
               <a:rPr lang="en-US" dirty="0"/>
-              <a:t>7/13/2014</a:t>
+              <a:t>7/14/14</a:t>
             </a:fld>
             <a:endParaRPr lang="en-US" dirty="0"/>
           </a:p>
@@ -1660,7 +1660,7 @@
           <a:p>
             <a:fld id="{96DFF08F-DC6B-4601-B491-B0F83F6DD2DA}" type="datetimeFigureOut">
               <a:rPr lang="en-US" dirty="0"/>
-              <a:t>7/13/2014</a:t>
+              <a:t>7/14/14</a:t>
             </a:fld>
             <a:endParaRPr lang="en-US" dirty="0"/>
           </a:p>
@@ -2034,7 +2034,7 @@
           <a:p>
             <a:fld id="{96DFF08F-DC6B-4601-B491-B0F83F6DD2DA}" type="datetimeFigureOut">
               <a:rPr lang="en-US" dirty="0"/>
-              <a:t>7/13/2014</a:t>
+              <a:t>7/14/14</a:t>
             </a:fld>
             <a:endParaRPr lang="en-US" dirty="0"/>
           </a:p>
@@ -2147,7 +2147,7 @@
           <a:p>
             <a:fld id="{96DFF08F-DC6B-4601-B491-B0F83F6DD2DA}" type="datetimeFigureOut">
               <a:rPr lang="en-US" dirty="0"/>
-              <a:t>7/13/2014</a:t>
+              <a:t>7/14/14</a:t>
             </a:fld>
             <a:endParaRPr lang="en-US" dirty="0"/>
           </a:p>
@@ -2314,7 +2314,7 @@
             <a:fld id="{96DFF08F-DC6B-4601-B491-B0F83F6DD2DA}" type="datetimeFigureOut">
               <a:rPr lang="en-US" dirty="0"/>
               <a:pPr/>
-              <a:t>7/13/2014</a:t>
+              <a:t>7/14/14</a:t>
             </a:fld>
             <a:endParaRPr lang="en-US" dirty="0"/>
           </a:p>
@@ -2665,7 +2665,7 @@
             <a:fld id="{96DFF08F-DC6B-4601-B491-B0F83F6DD2DA}" type="datetimeFigureOut">
               <a:rPr lang="en-US" dirty="0"/>
               <a:pPr/>
-              <a:t>7/13/2014</a:t>
+              <a:t>7/14/14</a:t>
             </a:fld>
             <a:endParaRPr lang="en-US" dirty="0"/>
           </a:p>
@@ -3038,7 +3038,7 @@
           <a:p>
             <a:fld id="{96DFF08F-DC6B-4601-B491-B0F83F6DD2DA}" type="datetimeFigureOut">
               <a:rPr lang="en-US" dirty="0"/>
-              <a:t>7/13/2014</a:t>
+              <a:t>7/14/14</a:t>
             </a:fld>
             <a:endParaRPr lang="en-US" dirty="0"/>
           </a:p>
@@ -3321,7 +3321,7 @@
             <a:fld id="{96DFF08F-DC6B-4601-B491-B0F83F6DD2DA}" type="datetimeFigureOut">
               <a:rPr lang="en-US" dirty="0"/>
               <a:pPr/>
-              <a:t>7/13/2014</a:t>
+              <a:t>7/14/14</a:t>
             </a:fld>
             <a:endParaRPr lang="en-US" dirty="0"/>
           </a:p>
@@ -3921,7 +3921,7 @@
   <p:timing>
     <p:tnLst>
       <p:par>
-        <p:cTn id="1" dur="indefinite" restart="never" nodeType="tmRoot"/>
+        <p:cTn xmlns:p14="http://schemas.microsoft.com/office/powerpoint/2010/main" id="1" dur="indefinite" restart="never" nodeType="tmRoot"/>
       </p:par>
     </p:tnLst>
   </p:timing>
@@ -4107,7 +4107,7 @@
   <p:timing>
     <p:tnLst>
       <p:par>
-        <p:cTn id="1" dur="indefinite" restart="never" nodeType="tmRoot"/>
+        <p:cTn xmlns:p14="http://schemas.microsoft.com/office/powerpoint/2010/main" id="1" dur="indefinite" restart="never" nodeType="tmRoot"/>
       </p:par>
     </p:tnLst>
   </p:timing>
@@ -4194,7 +4194,7 @@
   <p:timing>
     <p:tnLst>
       <p:par>
-        <p:cTn id="1" dur="indefinite" restart="never" nodeType="tmRoot"/>
+        <p:cTn xmlns:p14="http://schemas.microsoft.com/office/powerpoint/2010/main" id="1" dur="indefinite" restart="never" nodeType="tmRoot"/>
       </p:par>
     </p:tnLst>
   </p:timing>
@@ -5732,7 +5732,7 @@
   <p:timing>
     <p:tnLst>
       <p:par>
-        <p:cTn id="1" dur="indefinite" restart="never" nodeType="tmRoot">
+        <p:cTn xmlns:p14="http://schemas.microsoft.com/office/powerpoint/2010/main" id="1" dur="indefinite" restart="never" nodeType="tmRoot">
           <p:childTnLst>
             <p:seq concurrent="1" nextAc="seek">
               <p:cTn id="2" dur="indefinite" nodeType="mainSeq">
@@ -6977,7 +6977,7 @@
   <p:timing>
     <p:tnLst>
       <p:par>
-        <p:cTn id="1" dur="indefinite" restart="never" nodeType="tmRoot">
+        <p:cTn xmlns:p14="http://schemas.microsoft.com/office/powerpoint/2010/main" id="1" dur="indefinite" restart="never" nodeType="tmRoot">
           <p:childTnLst>
             <p:seq concurrent="1" nextAc="seek">
               <p:cTn id="2" dur="indefinite" nodeType="mainSeq">
@@ -8701,7 +8701,7 @@
   <p:timing>
     <p:tnLst>
       <p:par>
-        <p:cTn id="1" dur="indefinite" restart="never" nodeType="tmRoot">
+        <p:cTn xmlns:p14="http://schemas.microsoft.com/office/powerpoint/2010/main" id="1" dur="indefinite" restart="never" nodeType="tmRoot">
           <p:childTnLst>
             <p:seq concurrent="1" nextAc="seek">
               <p:cTn id="2" dur="indefinite" nodeType="mainSeq">
@@ -8931,7 +8931,7 @@
   <p:timing>
     <p:tnLst>
       <p:par>
-        <p:cTn id="1" dur="indefinite" restart="never" nodeType="tmRoot"/>
+        <p:cTn xmlns:p14="http://schemas.microsoft.com/office/powerpoint/2010/main" id="1" dur="indefinite" restart="never" nodeType="tmRoot"/>
       </p:par>
     </p:tnLst>
   </p:timing>
@@ -9132,7 +9132,7 @@
   <p:timing>
     <p:tnLst>
       <p:par>
-        <p:cTn id="1" dur="indefinite" restart="never" nodeType="tmRoot"/>
+        <p:cTn xmlns:p14="http://schemas.microsoft.com/office/powerpoint/2010/main" id="1" dur="indefinite" restart="never" nodeType="tmRoot"/>
       </p:par>
     </p:tnLst>
   </p:timing>
@@ -9211,7 +9211,7 @@
   <p:timing>
     <p:tnLst>
       <p:par>
-        <p:cTn id="1" dur="indefinite" restart="never" nodeType="tmRoot"/>
+        <p:cTn xmlns:p14="http://schemas.microsoft.com/office/powerpoint/2010/main" id="1" dur="indefinite" restart="never" nodeType="tmRoot"/>
       </p:par>
     </p:tnLst>
   </p:timing>
@@ -9902,7 +9902,7 @@
   <p:timing>
     <p:tnLst>
       <p:par>
-        <p:cTn id="1" dur="indefinite" restart="never" nodeType="tmRoot">
+        <p:cTn xmlns:p14="http://schemas.microsoft.com/office/powerpoint/2010/main" id="1" dur="indefinite" restart="never" nodeType="tmRoot">
           <p:childTnLst>
             <p:seq concurrent="1" nextAc="seek">
               <p:cTn id="2" dur="indefinite" nodeType="mainSeq">
@@ -10838,7 +10838,7 @@
   <p:timing>
     <p:tnLst>
       <p:par>
-        <p:cTn id="1" dur="indefinite" restart="never" nodeType="tmRoot">
+        <p:cTn xmlns:p14="http://schemas.microsoft.com/office/powerpoint/2010/main" id="1" dur="indefinite" restart="never" nodeType="tmRoot">
           <p:childTnLst>
             <p:seq concurrent="1" nextAc="seek">
               <p:cTn id="2" dur="indefinite" nodeType="mainSeq">
@@ -11095,7 +11095,7 @@
   <p:timing>
     <p:tnLst>
       <p:par>
-        <p:cTn id="1" dur="indefinite" restart="never" nodeType="tmRoot"/>
+        <p:cTn xmlns:p14="http://schemas.microsoft.com/office/powerpoint/2010/main" id="1" dur="indefinite" restart="never" nodeType="tmRoot"/>
       </p:par>
     </p:tnLst>
   </p:timing>
@@ -11795,7 +11795,7 @@
   <p:timing>
     <p:tnLst>
       <p:par>
-        <p:cTn id="1" dur="indefinite" restart="never" nodeType="tmRoot"/>
+        <p:cTn xmlns:p14="http://schemas.microsoft.com/office/powerpoint/2010/main" id="1" dur="indefinite" restart="never" nodeType="tmRoot"/>
       </p:par>
     </p:tnLst>
   </p:timing>
@@ -11954,7 +11954,7 @@
   <p:timing>
     <p:tnLst>
       <p:par>
-        <p:cTn id="1" dur="indefinite" restart="never" nodeType="tmRoot"/>
+        <p:cTn xmlns:p14="http://schemas.microsoft.com/office/powerpoint/2010/main" id="1" dur="indefinite" restart="never" nodeType="tmRoot"/>
       </p:par>
     </p:tnLst>
   </p:timing>
@@ -12033,7 +12033,7 @@
   <p:timing>
     <p:tnLst>
       <p:par>
-        <p:cTn id="1" dur="indefinite" restart="never" nodeType="tmRoot"/>
+        <p:cTn xmlns:p14="http://schemas.microsoft.com/office/powerpoint/2010/main" id="1" dur="indefinite" restart="never" nodeType="tmRoot"/>
       </p:par>
     </p:tnLst>
   </p:timing>
@@ -12730,7 +12730,7 @@
   <p:timing>
     <p:tnLst>
       <p:par>
-        <p:cTn id="1" dur="indefinite" restart="never" nodeType="tmRoot">
+        <p:cTn xmlns:p14="http://schemas.microsoft.com/office/powerpoint/2010/main" id="1" dur="indefinite" restart="never" nodeType="tmRoot">
           <p:childTnLst>
             <p:seq concurrent="1" nextAc="seek">
               <p:cTn id="2" dur="indefinite" nodeType="mainSeq">
@@ -13667,7 +13667,7 @@
   <p:timing>
     <p:tnLst>
       <p:par>
-        <p:cTn id="1" dur="indefinite" restart="never" nodeType="tmRoot">
+        <p:cTn xmlns:p14="http://schemas.microsoft.com/office/powerpoint/2010/main" id="1" dur="indefinite" restart="never" nodeType="tmRoot">
           <p:childTnLst>
             <p:seq concurrent="1" nextAc="seek">
               <p:cTn id="2" dur="indefinite" nodeType="mainSeq">
@@ -13898,7 +13898,7 @@
   <p:timing>
     <p:tnLst>
       <p:par>
-        <p:cTn id="1" dur="indefinite" restart="never" nodeType="tmRoot"/>
+        <p:cTn xmlns:p14="http://schemas.microsoft.com/office/powerpoint/2010/main" id="1" dur="indefinite" restart="never" nodeType="tmRoot"/>
       </p:par>
     </p:tnLst>
   </p:timing>
@@ -14735,7 +14735,7 @@
   <p:timing>
     <p:tnLst>
       <p:par>
-        <p:cTn id="1" dur="indefinite" restart="never" nodeType="tmRoot"/>
+        <p:cTn xmlns:p14="http://schemas.microsoft.com/office/powerpoint/2010/main" id="1" dur="indefinite" restart="never" nodeType="tmRoot"/>
       </p:par>
     </p:tnLst>
   </p:timing>
@@ -14921,7 +14921,7 @@
   <p:timing>
     <p:tnLst>
       <p:par>
-        <p:cTn id="1" dur="indefinite" restart="never" nodeType="tmRoot"/>
+        <p:cTn xmlns:p14="http://schemas.microsoft.com/office/powerpoint/2010/main" id="1" dur="indefinite" restart="never" nodeType="tmRoot"/>
       </p:par>
     </p:tnLst>
   </p:timing>
@@ -15000,7 +15000,7 @@
   <p:timing>
     <p:tnLst>
       <p:par>
-        <p:cTn id="1" dur="indefinite" restart="never" nodeType="tmRoot"/>
+        <p:cTn xmlns:p14="http://schemas.microsoft.com/office/powerpoint/2010/main" id="1" dur="indefinite" restart="never" nodeType="tmRoot"/>
       </p:par>
     </p:tnLst>
   </p:timing>
@@ -16322,7 +16322,7 @@
   <p:timing>
     <p:tnLst>
       <p:par>
-        <p:cTn id="1" dur="indefinite" restart="never" nodeType="tmRoot">
+        <p:cTn xmlns:p14="http://schemas.microsoft.com/office/powerpoint/2010/main" id="1" dur="indefinite" restart="never" nodeType="tmRoot">
           <p:childTnLst>
             <p:seq concurrent="1" nextAc="seek">
               <p:cTn id="2" dur="indefinite" nodeType="mainSeq">
@@ -16604,7 +16604,7 @@
   <p:timing>
     <p:tnLst>
       <p:par>
-        <p:cTn id="1" dur="indefinite" restart="never" nodeType="tmRoot"/>
+        <p:cTn xmlns:p14="http://schemas.microsoft.com/office/powerpoint/2010/main" id="1" dur="indefinite" restart="never" nodeType="tmRoot"/>
       </p:par>
     </p:tnLst>
   </p:timing>
@@ -17516,7 +17516,7 @@
   <p:timing>
     <p:tnLst>
       <p:par>
-        <p:cTn id="1" dur="indefinite" restart="never" nodeType="tmRoot">
+        <p:cTn xmlns:p14="http://schemas.microsoft.com/office/powerpoint/2010/main" id="1" dur="indefinite" restart="never" nodeType="tmRoot">
           <p:childTnLst>
             <p:seq concurrent="1" nextAc="seek">
               <p:cTn id="2" dur="indefinite" nodeType="mainSeq">
@@ -17985,7 +17985,7 @@
   <p:timing>
     <p:tnLst>
       <p:par>
-        <p:cTn id="1" dur="indefinite" restart="never" nodeType="tmRoot"/>
+        <p:cTn xmlns:p14="http://schemas.microsoft.com/office/powerpoint/2010/main" id="1" dur="indefinite" restart="never" nodeType="tmRoot"/>
       </p:par>
     </p:tnLst>
   </p:timing>
@@ -19446,7 +19446,7 @@
   <p:timing>
     <p:tnLst>
       <p:par>
-        <p:cTn id="1" dur="indefinite" restart="never" nodeType="tmRoot"/>
+        <p:cTn xmlns:p14="http://schemas.microsoft.com/office/powerpoint/2010/main" id="1" dur="indefinite" restart="never" nodeType="tmRoot"/>
       </p:par>
     </p:tnLst>
   </p:timing>
@@ -19611,7 +19611,7 @@
   <p:timing>
     <p:tnLst>
       <p:par>
-        <p:cTn id="1" dur="indefinite" restart="never" nodeType="tmRoot"/>
+        <p:cTn xmlns:p14="http://schemas.microsoft.com/office/powerpoint/2010/main" id="1" dur="indefinite" restart="never" nodeType="tmRoot"/>
       </p:par>
     </p:tnLst>
   </p:timing>
@@ -20927,7 +20927,7 @@
   <p:timing>
     <p:tnLst>
       <p:par>
-        <p:cTn id="1" dur="indefinite" restart="never" nodeType="tmRoot"/>
+        <p:cTn xmlns:p14="http://schemas.microsoft.com/office/powerpoint/2010/main" id="1" dur="indefinite" restart="never" nodeType="tmRoot"/>
       </p:par>
     </p:tnLst>
   </p:timing>
@@ -21040,7 +21040,7 @@
   <p:timing>
     <p:tnLst>
       <p:par>
-        <p:cTn id="1" dur="indefinite" restart="never" nodeType="tmRoot"/>
+        <p:cTn xmlns:p14="http://schemas.microsoft.com/office/powerpoint/2010/main" id="1" dur="indefinite" restart="never" nodeType="tmRoot"/>
       </p:par>
     </p:tnLst>
   </p:timing>
@@ -21852,7 +21852,7 @@
   <p:timing>
     <p:tnLst>
       <p:par>
-        <p:cTn id="1" dur="indefinite" restart="never" nodeType="tmRoot">
+        <p:cTn xmlns:p14="http://schemas.microsoft.com/office/powerpoint/2010/main" id="1" dur="indefinite" restart="never" nodeType="tmRoot">
           <p:childTnLst>
             <p:seq concurrent="1" nextAc="seek">
               <p:cTn id="2" dur="indefinite" nodeType="mainSeq">
@@ -22604,7 +22604,7 @@
   <p:timing>
     <p:tnLst>
       <p:par>
-        <p:cTn id="1" dur="indefinite" restart="never" nodeType="tmRoot">
+        <p:cTn xmlns:p14="http://schemas.microsoft.com/office/powerpoint/2010/main" id="1" dur="indefinite" restart="never" nodeType="tmRoot">
           <p:childTnLst>
             <p:seq concurrent="1" nextAc="seek">
               <p:cTn id="2" dur="indefinite" nodeType="mainSeq">
@@ -23117,7 +23117,7 @@
   <p:timing>
     <p:tnLst>
       <p:par>
-        <p:cTn id="1" dur="indefinite" restart="never" nodeType="tmRoot"/>
+        <p:cTn xmlns:p14="http://schemas.microsoft.com/office/powerpoint/2010/main" id="1" dur="indefinite" restart="never" nodeType="tmRoot"/>
       </p:par>
     </p:tnLst>
   </p:timing>
@@ -23962,7 +23962,7 @@
   <p:timing>
     <p:tnLst>
       <p:par>
-        <p:cTn id="1" dur="indefinite" restart="never" nodeType="tmRoot"/>
+        <p:cTn xmlns:p14="http://schemas.microsoft.com/office/powerpoint/2010/main" id="1" dur="indefinite" restart="never" nodeType="tmRoot"/>
       </p:par>
     </p:tnLst>
   </p:timing>
@@ -24480,7 +24480,7 @@
   <p:timing>
     <p:tnLst>
       <p:par>
-        <p:cTn id="1" dur="indefinite" restart="never" nodeType="tmRoot"/>
+        <p:cTn xmlns:p14="http://schemas.microsoft.com/office/powerpoint/2010/main" id="1" dur="indefinite" restart="never" nodeType="tmRoot"/>
       </p:par>
     </p:tnLst>
   </p:timing>
@@ -24639,7 +24639,7 @@
   <p:timing>
     <p:tnLst>
       <p:par>
-        <p:cTn id="1" dur="indefinite" restart="never" nodeType="tmRoot"/>
+        <p:cTn xmlns:p14="http://schemas.microsoft.com/office/powerpoint/2010/main" id="1" dur="indefinite" restart="never" nodeType="tmRoot"/>
       </p:par>
     </p:tnLst>
   </p:timing>
@@ -24809,7 +24809,7 @@
   <p:timing>
     <p:tnLst>
       <p:par>
-        <p:cTn id="1" dur="indefinite" restart="never" nodeType="tmRoot"/>
+        <p:cTn xmlns:p14="http://schemas.microsoft.com/office/powerpoint/2010/main" id="1" dur="indefinite" restart="never" nodeType="tmRoot"/>
       </p:par>
     </p:tnLst>
   </p:timing>
@@ -24817,7 +24817,7 @@
 </file>
 
 <file path=ppt/slides/slide42.xml><?xml version="1.0" encoding="utf-8"?>
-<p:sld xmlns:a="http://schemas.openxmlformats.org/drawingml/2006/main" xmlns:r="http://schemas.openxmlformats.org/officeDocument/2006/relationships" xmlns:p="http://schemas.openxmlformats.org/presentationml/2006/main">
+<p:sld xmlns:a="http://schemas.openxmlformats.org/drawingml/2006/main" xmlns:r="http://schemas.openxmlformats.org/officeDocument/2006/relationships" xmlns:p="http://schemas.openxmlformats.org/presentationml/2006/main" show="0">
   <p:cSld>
     <p:spTree>
       <p:nvGrpSpPr>
@@ -24842,14 +24842,14 @@
           <p:nvPr>
             <p:extLst>
               <p:ext uri="{D42A27DB-BD31-4B8C-83A1-F6EECF244321}">
-                <p14:modId xmlns:p14="http://schemas.microsoft.com/office/powerpoint/2010/main" val="3509913423"/>
+                <p14:modId xmlns:p14="http://schemas.microsoft.com/office/powerpoint/2010/main" val="1337341595"/>
               </p:ext>
             </p:extLst>
           </p:nvPr>
         </p:nvGraphicFramePr>
         <p:xfrm>
-          <a:off x="-2" y="2"/>
-          <a:ext cx="12192005" cy="6293222"/>
+          <a:off x="479596" y="1989243"/>
+          <a:ext cx="11243908" cy="3319998"/>
         </p:xfrm>
         <a:graphic>
           <a:graphicData uri="http://schemas.openxmlformats.org/drawingml/2006/table">
@@ -24858,20 +24858,18 @@
                 <a:tableStyleId>{5940675A-B579-460E-94D1-54222C63F5DA}</a:tableStyleId>
               </a:tblPr>
               <a:tblGrid>
-                <a:gridCol w="1741715"/>
-                <a:gridCol w="1741715"/>
-                <a:gridCol w="1741715"/>
-                <a:gridCol w="1741715"/>
-                <a:gridCol w="1741715"/>
-                <a:gridCol w="1741715"/>
-                <a:gridCol w="1741715"/>
+                <a:gridCol w="2810977"/>
+                <a:gridCol w="2810977"/>
+                <a:gridCol w="2810977"/>
+                <a:gridCol w="2810977"/>
               </a:tblGrid>
-              <a:tr h="3035030">
+              <a:tr h="1154470">
                 <a:tc>
                   <a:txBody>
                     <a:bodyPr/>
                     <a:lstStyle/>
                     <a:p>
+                      <a:pPr algn="ctr"/>
                       <a:r>
                         <a:rPr lang="en-US" dirty="0" smtClean="0"/>
                         <a:t>Your options are</a:t>
@@ -24879,13 +24877,14 @@
                       <a:endParaRPr lang="en-US" dirty="0"/>
                     </a:p>
                   </a:txBody>
-                  <a:tcPr/>
+                  <a:tcPr anchor="ctr"/>
                 </a:tc>
                 <a:tc>
                   <a:txBody>
                     <a:bodyPr/>
                     <a:lstStyle/>
                     <a:p>
+                      <a:pPr algn="ctr"/>
                       <a:r>
                         <a:rPr lang="en-US" dirty="0" smtClean="0"/>
                         <a:t>How can you make this exceptional?</a:t>
@@ -24893,13 +24892,14 @@
                       <a:endParaRPr lang="en-US" dirty="0"/>
                     </a:p>
                   </a:txBody>
-                  <a:tcPr/>
+                  <a:tcPr anchor="ctr"/>
                 </a:tc>
                 <a:tc>
                   <a:txBody>
                     <a:bodyPr/>
                     <a:lstStyle/>
                     <a:p>
+                      <a:pPr algn="ctr"/>
                       <a:r>
                         <a:rPr lang="en-US" dirty="0" smtClean="0"/>
                         <a:t>Show me the</a:t>
@@ -24911,13 +24911,14 @@
                       <a:endParaRPr lang="en-US" dirty="0"/>
                     </a:p>
                   </a:txBody>
-                  <a:tcPr/>
+                  <a:tcPr anchor="ctr"/>
                 </a:tc>
                 <a:tc>
                   <a:txBody>
                     <a:bodyPr/>
                     <a:lstStyle/>
                     <a:p>
+                      <a:pPr algn="ctr"/>
                       <a:r>
                         <a:rPr lang="en-US" dirty="0" smtClean="0"/>
                         <a:t>Lets ask</a:t>
@@ -24929,13 +24930,47 @@
                       <a:endParaRPr lang="en-US" dirty="0"/>
                     </a:p>
                   </a:txBody>
-                  <a:tcPr/>
+                  <a:tcPr anchor="ctr"/>
+                </a:tc>
+              </a:tr>
+              <a:tr h="1082764">
+                <a:tc>
+                  <a:txBody>
+                    <a:bodyPr/>
+                    <a:lstStyle/>
+                    <a:p>
+                      <a:pPr algn="ctr"/>
+                      <a:r>
+                        <a:rPr lang="en-US" dirty="0" smtClean="0"/>
+                        <a:t>Unfortunately, when I run this…</a:t>
+                      </a:r>
+                      <a:endParaRPr lang="en-US" dirty="0"/>
+                    </a:p>
+                  </a:txBody>
+                  <a:tcPr anchor="ctr"/>
                 </a:tc>
                 <a:tc>
                   <a:txBody>
                     <a:bodyPr/>
                     <a:lstStyle/>
                     <a:p>
+                      <a:pPr marL="0" marR="0" indent="0" algn="ctr" defTabSz="914400" rtl="0" eaLnBrk="1" fontAlgn="auto" latinLnBrk="0" hangingPunct="1">
+                        <a:lnSpc>
+                          <a:spcPct val="100000"/>
+                        </a:lnSpc>
+                        <a:spcBef>
+                          <a:spcPts val="0"/>
+                        </a:spcBef>
+                        <a:spcAft>
+                          <a:spcPts val="0"/>
+                        </a:spcAft>
+                        <a:buClrTx/>
+                        <a:buSzTx/>
+                        <a:buFontTx/>
+                        <a:buNone/>
+                        <a:tabLst/>
+                        <a:defRPr/>
+                      </a:pPr>
                       <a:r>
                         <a:rPr lang="en-US" dirty="0" smtClean="0"/>
                         <a:t>Prove to me that you can do this</a:t>
@@ -24944,188 +24979,161 @@
                         <a:rPr lang="en-US" baseline="0" dirty="0" smtClean="0"/>
                         <a:t> in code</a:t>
                       </a:r>
+                      <a:endParaRPr lang="en-US" dirty="0" smtClean="0"/>
+                    </a:p>
+                    <a:p>
+                      <a:pPr algn="ctr"/>
                       <a:endParaRPr lang="en-US" dirty="0"/>
                     </a:p>
                   </a:txBody>
-                  <a:tcPr/>
+                  <a:tcPr anchor="ctr"/>
                 </a:tc>
                 <a:tc>
                   <a:txBody>
                     <a:bodyPr/>
                     <a:lstStyle/>
                     <a:p>
+                      <a:pPr marL="0" marR="0" indent="0" algn="ctr" defTabSz="914400" rtl="0" eaLnBrk="1" fontAlgn="auto" latinLnBrk="0" hangingPunct="1">
+                        <a:lnSpc>
+                          <a:spcPct val="100000"/>
+                        </a:lnSpc>
+                        <a:spcBef>
+                          <a:spcPts val="0"/>
+                        </a:spcBef>
+                        <a:spcAft>
+                          <a:spcPts val="0"/>
+                        </a:spcAft>
+                        <a:buClrTx/>
+                        <a:buSzTx/>
+                        <a:buFontTx/>
+                        <a:buNone/>
+                        <a:tabLst/>
+                        <a:defRPr/>
+                      </a:pPr>
                       <a:r>
                         <a:rPr lang="en-US" dirty="0" smtClean="0"/>
                         <a:t>Lets go back in time</a:t>
                       </a:r>
+                    </a:p>
+                    <a:p>
+                      <a:pPr algn="ctr"/>
                       <a:endParaRPr lang="en-US" dirty="0"/>
                     </a:p>
                   </a:txBody>
-                  <a:tcPr/>
+                  <a:tcPr anchor="ctr"/>
                 </a:tc>
                 <a:tc>
                   <a:txBody>
                     <a:bodyPr/>
                     <a:lstStyle/>
                     <a:p>
+                      <a:pPr marL="0" marR="0" indent="0" algn="ctr" defTabSz="914400" rtl="0" eaLnBrk="1" fontAlgn="auto" latinLnBrk="0" hangingPunct="1">
+                        <a:lnSpc>
+                          <a:spcPct val="100000"/>
+                        </a:lnSpc>
+                        <a:spcBef>
+                          <a:spcPts val="0"/>
+                        </a:spcBef>
+                        <a:spcAft>
+                          <a:spcPts val="0"/>
+                        </a:spcAft>
+                        <a:buClrTx/>
+                        <a:buSzTx/>
+                        <a:buFontTx/>
+                        <a:buNone/>
+                        <a:tabLst/>
+                        <a:defRPr/>
+                      </a:pPr>
                       <a:r>
                         <a:rPr lang="en-US" dirty="0" smtClean="0"/>
                         <a:t>What am I supposed to learn from this?</a:t>
                       </a:r>
+                    </a:p>
+                    <a:p>
+                      <a:pPr algn="ctr"/>
                       <a:endParaRPr lang="en-US" dirty="0"/>
                     </a:p>
                   </a:txBody>
-                  <a:tcPr/>
+                  <a:tcPr anchor="ctr"/>
                 </a:tc>
               </a:tr>
-              <a:tr h="1629096">
+              <a:tr h="1082764">
                 <a:tc>
                   <a:txBody>
                     <a:bodyPr/>
                     <a:lstStyle/>
                     <a:p>
+                      <a:pPr algn="ctr"/>
+                      <a:r>
+                        <a:rPr lang="en-US" dirty="0" smtClean="0"/>
+                        <a:t>Applause </a:t>
+                      </a:r>
                       <a:endParaRPr lang="en-US" dirty="0"/>
                     </a:p>
                   </a:txBody>
-                  <a:tcPr/>
+                  <a:tcPr anchor="ctr"/>
                 </a:tc>
                 <a:tc>
                   <a:txBody>
                     <a:bodyPr/>
                     <a:lstStyle/>
                     <a:p>
+                      <a:pPr algn="ctr"/>
                       <a:endParaRPr lang="en-US"/>
                     </a:p>
                   </a:txBody>
-                  <a:tcPr/>
+                  <a:tcPr anchor="ctr"/>
                 </a:tc>
                 <a:tc>
                   <a:txBody>
                     <a:bodyPr/>
                     <a:lstStyle/>
                     <a:p>
-                      <a:endParaRPr lang="en-US"/>
+                      <a:pPr algn="ctr"/>
+                      <a:endParaRPr lang="en-US" dirty="0"/>
                     </a:p>
                   </a:txBody>
-                  <a:tcPr/>
+                  <a:tcPr anchor="ctr"/>
                 </a:tc>
                 <a:tc>
                   <a:txBody>
                     <a:bodyPr/>
                     <a:lstStyle/>
                     <a:p>
-                      <a:endParaRPr lang="en-US"/>
-                    </a:p>
-                  </a:txBody>
-                  <a:tcPr/>
-                </a:tc>
-                <a:tc>
-                  <a:txBody>
-                    <a:bodyPr/>
-                    <a:lstStyle/>
-                    <a:p>
-                      <a:endParaRPr lang="en-US"/>
-                    </a:p>
-                  </a:txBody>
-                  <a:tcPr/>
-                </a:tc>
-                <a:tc>
-                  <a:txBody>
-                    <a:bodyPr/>
-                    <a:lstStyle/>
-                    <a:p>
-                      <a:endParaRPr lang="en-US"/>
-                    </a:p>
-                  </a:txBody>
-                  <a:tcPr/>
-                </a:tc>
-                <a:tc>
-                  <a:txBody>
-                    <a:bodyPr/>
-                    <a:lstStyle/>
-                    <a:p>
-                      <a:endParaRPr lang="en-US"/>
-                    </a:p>
-                  </a:txBody>
-                  <a:tcPr/>
-                </a:tc>
-              </a:tr>
-              <a:tr h="1629096">
-                <a:tc>
-                  <a:txBody>
-                    <a:bodyPr/>
-                    <a:lstStyle/>
-                    <a:p>
-                      <a:endParaRPr lang="en-US"/>
-                    </a:p>
-                  </a:txBody>
-                  <a:tcPr/>
-                </a:tc>
-                <a:tc>
-                  <a:txBody>
-                    <a:bodyPr/>
-                    <a:lstStyle/>
-                    <a:p>
-                      <a:endParaRPr lang="en-US"/>
-                    </a:p>
-                  </a:txBody>
-                  <a:tcPr/>
-                </a:tc>
-                <a:tc>
-                  <a:txBody>
-                    <a:bodyPr/>
-                    <a:lstStyle/>
-                    <a:p>
-                      <a:endParaRPr lang="en-US"/>
-                    </a:p>
-                  </a:txBody>
-                  <a:tcPr/>
-                </a:tc>
-                <a:tc>
-                  <a:txBody>
-                    <a:bodyPr/>
-                    <a:lstStyle/>
-                    <a:p>
-                      <a:endParaRPr lang="en-US"/>
-                    </a:p>
-                  </a:txBody>
-                  <a:tcPr/>
-                </a:tc>
-                <a:tc>
-                  <a:txBody>
-                    <a:bodyPr/>
-                    <a:lstStyle/>
-                    <a:p>
-                      <a:endParaRPr lang="en-US"/>
-                    </a:p>
-                  </a:txBody>
-                  <a:tcPr/>
-                </a:tc>
-                <a:tc>
-                  <a:txBody>
-                    <a:bodyPr/>
-                    <a:lstStyle/>
-                    <a:p>
-                      <a:endParaRPr lang="en-US"/>
-                    </a:p>
-                  </a:txBody>
-                  <a:tcPr/>
-                </a:tc>
-                <a:tc>
-                  <a:txBody>
-                    <a:bodyPr/>
-                    <a:lstStyle/>
-                    <a:p>
+                      <a:pPr algn="ctr"/>
                       <a:endParaRPr lang="en-US" dirty="0"/>
                     </a:p>
                   </a:txBody>
-                  <a:tcPr/>
+                  <a:tcPr anchor="ctr"/>
                 </a:tc>
               </a:tr>
             </a:tbl>
           </a:graphicData>
         </a:graphic>
       </p:graphicFrame>
+      <p:sp>
+        <p:nvSpPr>
+          <p:cNvPr id="5" name="Title 4"/>
+          <p:cNvSpPr>
+            <a:spLocks noGrp="1"/>
+          </p:cNvSpPr>
+          <p:nvPr>
+            <p:ph type="title"/>
+          </p:nvPr>
+        </p:nvSpPr>
+        <p:spPr/>
+        <p:txBody>
+          <a:bodyPr/>
+          <a:lstStyle/>
+          <a:p>
+            <a:r>
+              <a:rPr lang="en-US" dirty="0" smtClean="0"/>
+              <a:t>Cue Cards</a:t>
+            </a:r>
+            <a:endParaRPr lang="en-US" dirty="0"/>
+          </a:p>
+        </p:txBody>
+      </p:sp>
     </p:spTree>
     <p:extLst>
       <p:ext uri="{BB962C8B-B14F-4D97-AF65-F5344CB8AC3E}">
@@ -25136,6 +25144,14 @@
   <p:clrMapOvr>
     <a:masterClrMapping/>
   </p:clrMapOvr>
+  <mc:AlternateContent xmlns:mc="http://schemas.openxmlformats.org/markup-compatibility/2006">
+    <mc:Choice xmlns:p14="http://schemas.microsoft.com/office/powerpoint/2010/main" Requires="p14">
+      <p:transition spd="slow" p14:dur="2000"/>
+    </mc:Choice>
+    <mc:Fallback>
+      <p:transition xmlns:p14="http://schemas.microsoft.com/office/powerpoint/2010/main" spd="slow"/>
+    </mc:Fallback>
+  </mc:AlternateContent>
 </p:sld>
 </file>
 
@@ -25348,7 +25364,7 @@
   <p:timing>
     <p:tnLst>
       <p:par>
-        <p:cTn id="1" dur="indefinite" restart="never" nodeType="tmRoot"/>
+        <p:cTn xmlns:p14="http://schemas.microsoft.com/office/powerpoint/2010/main" id="1" dur="indefinite" restart="never" nodeType="tmRoot"/>
       </p:par>
     </p:tnLst>
   </p:timing>
@@ -25415,7 +25431,7 @@
   <p:timing>
     <p:tnLst>
       <p:par>
-        <p:cTn id="1" dur="indefinite" restart="never" nodeType="tmRoot"/>
+        <p:cTn xmlns:p14="http://schemas.microsoft.com/office/powerpoint/2010/main" id="1" dur="indefinite" restart="never" nodeType="tmRoot"/>
       </p:par>
     </p:tnLst>
   </p:timing>
@@ -25827,7 +25843,7 @@
   <p:timing>
     <p:tnLst>
       <p:par>
-        <p:cTn id="1" dur="indefinite" restart="never" nodeType="tmRoot"/>
+        <p:cTn xmlns:p14="http://schemas.microsoft.com/office/powerpoint/2010/main" id="1" dur="indefinite" restart="never" nodeType="tmRoot"/>
       </p:par>
     </p:tnLst>
   </p:timing>
@@ -26244,14 +26260,14 @@
           </a:effectLst>
           <a:extLst>
             <a:ext uri="{909E8E84-426E-40dd-AFC4-6F175D3DCCD1}">
-              <a14:hiddenFill xmlns:a14="http://schemas.microsoft.com/office/drawing/2010/main" xmlns="">
+              <a14:hiddenFill xmlns:a14="http://schemas.microsoft.com/office/drawing/2010/main">
                 <a:solidFill>
                   <a:schemeClr val="accent1"/>
                 </a:solidFill>
               </a14:hiddenFill>
             </a:ext>
             <a:ext uri="{91240B29-F687-4f45-9708-019B960494DF}">
-              <a14:hiddenLine xmlns:a14="http://schemas.microsoft.com/office/drawing/2010/main" xmlns="" w="9525">
+              <a14:hiddenLine xmlns:a14="http://schemas.microsoft.com/office/drawing/2010/main" w="9525">
                 <a:solidFill>
                   <a:schemeClr val="tx1"/>
                 </a:solidFill>
@@ -26678,7 +26694,7 @@
   <p:timing>
     <p:tnLst>
       <p:par>
-        <p:cTn id="1" dur="indefinite" restart="never" nodeType="tmRoot"/>
+        <p:cTn xmlns:p14="http://schemas.microsoft.com/office/powerpoint/2010/main" id="1" dur="indefinite" restart="never" nodeType="tmRoot"/>
       </p:par>
     </p:tnLst>
   </p:timing>
@@ -26866,18 +26882,18 @@
   <p:clrMapOvr>
     <a:masterClrMapping/>
   </p:clrMapOvr>
-  <mc:AlternateContent xmlns:mc="http://schemas.openxmlformats.org/markup-compatibility/2006" xmlns:p14="http://schemas.microsoft.com/office/powerpoint/2010/main">
-    <mc:Choice Requires="p14">
+  <mc:AlternateContent xmlns:mc="http://schemas.openxmlformats.org/markup-compatibility/2006">
+    <mc:Choice xmlns:p14="http://schemas.microsoft.com/office/powerpoint/2010/main" Requires="p14">
       <p:transition spd="slow" p14:dur="2000"/>
     </mc:Choice>
-    <mc:Fallback xmlns="">
+    <mc:Fallback>
       <p:transition xmlns:p14="http://schemas.microsoft.com/office/powerpoint/2010/main" spd="slow"/>
     </mc:Fallback>
   </mc:AlternateContent>
   <p:timing>
     <p:tnLst>
       <p:par>
-        <p:cTn id="1" dur="indefinite" restart="never" nodeType="tmRoot"/>
+        <p:cTn xmlns:p14="http://schemas.microsoft.com/office/powerpoint/2010/main" id="1" dur="indefinite" restart="never" nodeType="tmRoot"/>
       </p:par>
     </p:tnLst>
   </p:timing>
@@ -27033,18 +27049,18 @@
   <p:clrMapOvr>
     <a:masterClrMapping/>
   </p:clrMapOvr>
-  <mc:AlternateContent xmlns:mc="http://schemas.openxmlformats.org/markup-compatibility/2006" xmlns:p14="http://schemas.microsoft.com/office/powerpoint/2010/main">
-    <mc:Choice Requires="p14">
+  <mc:AlternateContent xmlns:mc="http://schemas.openxmlformats.org/markup-compatibility/2006">
+    <mc:Choice xmlns:p14="http://schemas.microsoft.com/office/powerpoint/2010/main" Requires="p14">
       <p:transition spd="slow" p14:dur="2000"/>
     </mc:Choice>
-    <mc:Fallback xmlns="">
+    <mc:Fallback>
       <p:transition xmlns:p14="http://schemas.microsoft.com/office/powerpoint/2010/main" spd="slow"/>
     </mc:Fallback>
   </mc:AlternateContent>
   <p:timing>
     <p:tnLst>
       <p:par>
-        <p:cTn id="1" dur="indefinite" restart="never" nodeType="tmRoot"/>
+        <p:cTn xmlns:p14="http://schemas.microsoft.com/office/powerpoint/2010/main" id="1" dur="indefinite" restart="never" nodeType="tmRoot"/>
       </p:par>
     </p:tnLst>
   </p:timing>
@@ -27170,18 +27186,18 @@
   <p:clrMapOvr>
     <a:masterClrMapping/>
   </p:clrMapOvr>
-  <mc:AlternateContent xmlns:mc="http://schemas.openxmlformats.org/markup-compatibility/2006" xmlns:p14="http://schemas.microsoft.com/office/powerpoint/2010/main">
-    <mc:Choice Requires="p14">
+  <mc:AlternateContent xmlns:mc="http://schemas.openxmlformats.org/markup-compatibility/2006">
+    <mc:Choice xmlns:p14="http://schemas.microsoft.com/office/powerpoint/2010/main" Requires="p14">
       <p:transition spd="slow" p14:dur="2000"/>
     </mc:Choice>
-    <mc:Fallback xmlns="">
+    <mc:Fallback>
       <p:transition xmlns:p14="http://schemas.microsoft.com/office/powerpoint/2010/main" spd="slow"/>
     </mc:Fallback>
   </mc:AlternateContent>
   <p:timing>
     <p:tnLst>
       <p:par>
-        <p:cTn id="1" dur="indefinite" restart="never" nodeType="tmRoot"/>
+        <p:cTn xmlns:p14="http://schemas.microsoft.com/office/powerpoint/2010/main" id="1" dur="indefinite" restart="never" nodeType="tmRoot"/>
       </p:par>
     </p:tnLst>
   </p:timing>
@@ -27260,7 +27276,7 @@
   <p:timing>
     <p:tnLst>
       <p:par>
-        <p:cTn id="1" dur="indefinite" restart="never" nodeType="tmRoot"/>
+        <p:cTn xmlns:p14="http://schemas.microsoft.com/office/powerpoint/2010/main" id="1" dur="indefinite" restart="never" nodeType="tmRoot"/>
       </p:par>
     </p:tnLst>
   </p:timing>
@@ -28027,7 +28043,7 @@
   <p:timing>
     <p:tnLst>
       <p:par>
-        <p:cTn id="1" dur="indefinite" restart="never" nodeType="tmRoot">
+        <p:cTn xmlns:p14="http://schemas.microsoft.com/office/powerpoint/2010/main" id="1" dur="indefinite" restart="never" nodeType="tmRoot">
           <p:childTnLst>
             <p:seq concurrent="1" nextAc="seek">
               <p:cTn id="2" dur="indefinite" nodeType="mainSeq">
@@ -28915,7 +28931,7 @@
   <p:timing>
     <p:tnLst>
       <p:par>
-        <p:cTn id="1" dur="indefinite" restart="never" nodeType="tmRoot">
+        <p:cTn xmlns:p14="http://schemas.microsoft.com/office/powerpoint/2010/main" id="1" dur="indefinite" restart="never" nodeType="tmRoot">
           <p:childTnLst>
             <p:seq concurrent="1" nextAc="seek">
               <p:cTn id="2" dur="indefinite" nodeType="mainSeq">
@@ -29903,7 +29919,7 @@
   <p:timing>
     <p:tnLst>
       <p:par>
-        <p:cTn id="1" dur="indefinite" restart="never" nodeType="tmRoot"/>
+        <p:cTn xmlns:p14="http://schemas.microsoft.com/office/powerpoint/2010/main" id="1" dur="indefinite" restart="never" nodeType="tmRoot"/>
       </p:par>
     </p:tnLst>
   </p:timing>
@@ -30187,7 +30203,7 @@
   <a:extraClrSchemeLst/>
   <a:extLst>
     <a:ext uri="{05A4C25C-085E-4340-85A3-A5531E510DB2}">
-      <thm15:themeFamily xmlns:thm15="http://schemas.microsoft.com/office/thememl/2012/main" name="Retrospect" id="{5F128B03-DCCA-4EEB-AB3B-CF2899314A46}" vid="{9CC26709-368C-4D72-9060-94E5B3FF3CD6}"/>
+      <thm15:themeFamily xmlns:thm15="http://schemas.microsoft.com/office/thememl/2012/main" xmlns="" name="Retrospect" id="{5F128B03-DCCA-4EEB-AB3B-CF2899314A46}" vid="{9CC26709-368C-4D72-9060-94E5B3FF3CD6}"/>
     </a:ext>
   </a:extLst>
 </a:theme>

--- a/Exceptional Exceptions.pptx
+++ b/Exceptional Exceptions.pptx
@@ -45,14 +45,15 @@
     <p:sldId id="310" r:id="rId39"/>
     <p:sldId id="296" r:id="rId40"/>
     <p:sldId id="291" r:id="rId41"/>
-    <p:sldId id="311" r:id="rId42"/>
-    <p:sldId id="312" r:id="rId43"/>
-    <p:sldId id="297" r:id="rId44"/>
-    <p:sldId id="299" r:id="rId45"/>
-    <p:sldId id="300" r:id="rId46"/>
-    <p:sldId id="298" r:id="rId47"/>
-    <p:sldId id="262" r:id="rId48"/>
-    <p:sldId id="265" r:id="rId49"/>
+    <p:sldId id="313" r:id="rId42"/>
+    <p:sldId id="311" r:id="rId43"/>
+    <p:sldId id="312" r:id="rId44"/>
+    <p:sldId id="297" r:id="rId45"/>
+    <p:sldId id="299" r:id="rId46"/>
+    <p:sldId id="300" r:id="rId47"/>
+    <p:sldId id="298" r:id="rId48"/>
+    <p:sldId id="262" r:id="rId49"/>
+    <p:sldId id="265" r:id="rId50"/>
   </p:sldIdLst>
   <p:sldSz cx="12192000" cy="6858000"/>
   <p:notesSz cx="6858000" cy="9144000"/>
@@ -153,7 +154,7 @@
   </p:defaultTextStyle>
   <p:extLst>
     <p:ext uri="{EFAFB233-063F-42B5-8137-9DF3F51BA10A}">
-      <p15:sldGuideLst xmlns:p15="http://schemas.microsoft.com/office/powerpoint/2012/main" xmlns="">
+      <p15:sldGuideLst xmlns="" xmlns:p15="http://schemas.microsoft.com/office/powerpoint/2012/main">
         <p15:guide id="1" orient="horz" pos="2160">
           <p15:clr>
             <a:srgbClr val="A4A3A4"/>
@@ -24665,6 +24666,524 @@
       </p:grpSpPr>
       <p:sp>
         <p:nvSpPr>
+          <p:cNvPr id="2" name="Title 1"/>
+          <p:cNvSpPr>
+            <a:spLocks noGrp="1"/>
+          </p:cNvSpPr>
+          <p:nvPr>
+            <p:ph type="title"/>
+          </p:nvPr>
+        </p:nvSpPr>
+        <p:spPr/>
+        <p:txBody>
+          <a:bodyPr/>
+          <a:lstStyle/>
+          <a:p>
+            <a:r>
+              <a:rPr lang="en-US" dirty="0" smtClean="0"/>
+              <a:t>Today’s Goal</a:t>
+            </a:r>
+            <a:endParaRPr lang="en-US" dirty="0"/>
+          </a:p>
+        </p:txBody>
+      </p:sp>
+      <p:sp>
+        <p:nvSpPr>
+          <p:cNvPr id="5" name="Title 1"/>
+          <p:cNvSpPr txBox="1">
+            <a:spLocks/>
+          </p:cNvSpPr>
+          <p:nvPr/>
+        </p:nvSpPr>
+        <p:spPr>
+          <a:xfrm>
+            <a:off x="1097280" y="1468005"/>
+            <a:ext cx="10058400" cy="1025525"/>
+          </a:xfrm>
+          <a:prstGeom prst="rect">
+            <a:avLst/>
+          </a:prstGeom>
+        </p:spPr>
+        <p:txBody>
+          <a:bodyPr vert="horz" lIns="91440" tIns="45720" rIns="91440" bIns="45720" rtlCol="0" anchor="b">
+            <a:normAutofit/>
+          </a:bodyPr>
+          <a:lstStyle>
+            <a:lvl1pPr algn="l" defTabSz="914400" rtl="0" eaLnBrk="1" latinLnBrk="0" hangingPunct="1">
+              <a:lnSpc>
+                <a:spcPct val="85000"/>
+              </a:lnSpc>
+              <a:spcBef>
+                <a:spcPct val="0"/>
+              </a:spcBef>
+              <a:buNone/>
+              <a:defRPr sz="4800" kern="1200" spc="-50" baseline="0">
+                <a:solidFill>
+                  <a:schemeClr val="tx1">
+                    <a:lumMod val="75000"/>
+                    <a:lumOff val="25000"/>
+                  </a:schemeClr>
+                </a:solidFill>
+                <a:latin typeface="+mj-lt"/>
+                <a:ea typeface="+mj-ea"/>
+                <a:cs typeface="+mj-cs"/>
+              </a:defRPr>
+            </a:lvl1pPr>
+          </a:lstStyle>
+          <a:p>
+            <a:r>
+              <a:rPr lang="en-US" sz="3600" dirty="0" smtClean="0"/>
+              <a:t>The next time you write</a:t>
+            </a:r>
+            <a:endParaRPr lang="en-US" sz="3600" dirty="0"/>
+          </a:p>
+        </p:txBody>
+      </p:sp>
+      <p:sp>
+        <p:nvSpPr>
+          <p:cNvPr id="6" name="Content Placeholder 2"/>
+          <p:cNvSpPr txBox="1">
+            <a:spLocks/>
+          </p:cNvSpPr>
+          <p:nvPr/>
+        </p:nvSpPr>
+        <p:spPr>
+          <a:xfrm>
+            <a:off x="1097280" y="1662775"/>
+            <a:ext cx="10058400" cy="4024313"/>
+          </a:xfrm>
+          <a:prstGeom prst="rect">
+            <a:avLst/>
+          </a:prstGeom>
+        </p:spPr>
+        <p:txBody>
+          <a:bodyPr vert="horz" lIns="0" tIns="45720" rIns="0" bIns="45720" rtlCol="0" anchor="ctr">
+            <a:normAutofit/>
+          </a:bodyPr>
+          <a:lstStyle>
+            <a:lvl1pPr marL="91440" indent="-91440" algn="l" defTabSz="914400" rtl="0" eaLnBrk="1" latinLnBrk="0" hangingPunct="1">
+              <a:lnSpc>
+                <a:spcPct val="90000"/>
+              </a:lnSpc>
+              <a:spcBef>
+                <a:spcPts val="1200"/>
+              </a:spcBef>
+              <a:spcAft>
+                <a:spcPts val="200"/>
+              </a:spcAft>
+              <a:buClr>
+                <a:schemeClr val="accent1"/>
+              </a:buClr>
+              <a:buSzPct val="100000"/>
+              <a:buFont typeface="Calibri" panose="020F0502020204030204" pitchFamily="34" charset="0"/>
+              <a:buChar char=" "/>
+              <a:defRPr sz="2000" kern="1200">
+                <a:solidFill>
+                  <a:schemeClr val="tx1">
+                    <a:lumMod val="75000"/>
+                    <a:lumOff val="25000"/>
+                  </a:schemeClr>
+                </a:solidFill>
+                <a:latin typeface="+mn-lt"/>
+                <a:ea typeface="+mn-ea"/>
+                <a:cs typeface="+mn-cs"/>
+              </a:defRPr>
+            </a:lvl1pPr>
+            <a:lvl2pPr marL="384048" indent="-182880" algn="l" defTabSz="914400" rtl="0" eaLnBrk="1" latinLnBrk="0" hangingPunct="1">
+              <a:lnSpc>
+                <a:spcPct val="90000"/>
+              </a:lnSpc>
+              <a:spcBef>
+                <a:spcPts val="200"/>
+              </a:spcBef>
+              <a:spcAft>
+                <a:spcPts val="400"/>
+              </a:spcAft>
+              <a:buClr>
+                <a:schemeClr val="accent1"/>
+              </a:buClr>
+              <a:buFont typeface="Calibri" pitchFamily="34" charset="0"/>
+              <a:buChar char="◦"/>
+              <a:defRPr sz="1800" kern="1200">
+                <a:solidFill>
+                  <a:schemeClr val="tx1">
+                    <a:lumMod val="75000"/>
+                    <a:lumOff val="25000"/>
+                  </a:schemeClr>
+                </a:solidFill>
+                <a:latin typeface="+mn-lt"/>
+                <a:ea typeface="+mn-ea"/>
+                <a:cs typeface="+mn-cs"/>
+              </a:defRPr>
+            </a:lvl2pPr>
+            <a:lvl3pPr marL="566928" indent="-182880" algn="l" defTabSz="914400" rtl="0" eaLnBrk="1" latinLnBrk="0" hangingPunct="1">
+              <a:lnSpc>
+                <a:spcPct val="90000"/>
+              </a:lnSpc>
+              <a:spcBef>
+                <a:spcPts val="200"/>
+              </a:spcBef>
+              <a:spcAft>
+                <a:spcPts val="400"/>
+              </a:spcAft>
+              <a:buClr>
+                <a:schemeClr val="accent1"/>
+              </a:buClr>
+              <a:buFont typeface="Calibri" pitchFamily="34" charset="0"/>
+              <a:buChar char="◦"/>
+              <a:defRPr sz="1400" kern="1200">
+                <a:solidFill>
+                  <a:schemeClr val="tx1">
+                    <a:lumMod val="75000"/>
+                    <a:lumOff val="25000"/>
+                  </a:schemeClr>
+                </a:solidFill>
+                <a:latin typeface="+mn-lt"/>
+                <a:ea typeface="+mn-ea"/>
+                <a:cs typeface="+mn-cs"/>
+              </a:defRPr>
+            </a:lvl3pPr>
+            <a:lvl4pPr marL="749808" indent="-182880" algn="l" defTabSz="914400" rtl="0" eaLnBrk="1" latinLnBrk="0" hangingPunct="1">
+              <a:lnSpc>
+                <a:spcPct val="90000"/>
+              </a:lnSpc>
+              <a:spcBef>
+                <a:spcPts val="200"/>
+              </a:spcBef>
+              <a:spcAft>
+                <a:spcPts val="400"/>
+              </a:spcAft>
+              <a:buClr>
+                <a:schemeClr val="accent1"/>
+              </a:buClr>
+              <a:buFont typeface="Calibri" pitchFamily="34" charset="0"/>
+              <a:buChar char="◦"/>
+              <a:defRPr sz="1400" kern="1200">
+                <a:solidFill>
+                  <a:schemeClr val="tx1">
+                    <a:lumMod val="75000"/>
+                    <a:lumOff val="25000"/>
+                  </a:schemeClr>
+                </a:solidFill>
+                <a:latin typeface="+mn-lt"/>
+                <a:ea typeface="+mn-ea"/>
+                <a:cs typeface="+mn-cs"/>
+              </a:defRPr>
+            </a:lvl4pPr>
+            <a:lvl5pPr marL="932688" indent="-182880" algn="l" defTabSz="914400" rtl="0" eaLnBrk="1" latinLnBrk="0" hangingPunct="1">
+              <a:lnSpc>
+                <a:spcPct val="90000"/>
+              </a:lnSpc>
+              <a:spcBef>
+                <a:spcPts val="200"/>
+              </a:spcBef>
+              <a:spcAft>
+                <a:spcPts val="400"/>
+              </a:spcAft>
+              <a:buClr>
+                <a:schemeClr val="accent1"/>
+              </a:buClr>
+              <a:buFont typeface="Calibri" pitchFamily="34" charset="0"/>
+              <a:buChar char="◦"/>
+              <a:defRPr sz="1400" kern="1200">
+                <a:solidFill>
+                  <a:schemeClr val="tx1">
+                    <a:lumMod val="75000"/>
+                    <a:lumOff val="25000"/>
+                  </a:schemeClr>
+                </a:solidFill>
+                <a:latin typeface="+mn-lt"/>
+                <a:ea typeface="+mn-ea"/>
+                <a:cs typeface="+mn-cs"/>
+              </a:defRPr>
+            </a:lvl5pPr>
+            <a:lvl6pPr marL="1100000" indent="-228600" algn="l" defTabSz="914400" rtl="0" eaLnBrk="1" latinLnBrk="0" hangingPunct="1">
+              <a:lnSpc>
+                <a:spcPct val="90000"/>
+              </a:lnSpc>
+              <a:spcBef>
+                <a:spcPts val="200"/>
+              </a:spcBef>
+              <a:spcAft>
+                <a:spcPts val="400"/>
+              </a:spcAft>
+              <a:buClr>
+                <a:schemeClr val="accent1"/>
+              </a:buClr>
+              <a:buFont typeface="Calibri" pitchFamily="34" charset="0"/>
+              <a:buChar char="◦"/>
+              <a:defRPr sz="1400" kern="1200">
+                <a:solidFill>
+                  <a:schemeClr val="tx1">
+                    <a:lumMod val="75000"/>
+                    <a:lumOff val="25000"/>
+                  </a:schemeClr>
+                </a:solidFill>
+                <a:latin typeface="+mn-lt"/>
+                <a:ea typeface="+mn-ea"/>
+                <a:cs typeface="+mn-cs"/>
+              </a:defRPr>
+            </a:lvl6pPr>
+            <a:lvl7pPr marL="1300000" indent="-228600" algn="l" defTabSz="914400" rtl="0" eaLnBrk="1" latinLnBrk="0" hangingPunct="1">
+              <a:lnSpc>
+                <a:spcPct val="90000"/>
+              </a:lnSpc>
+              <a:spcBef>
+                <a:spcPts val="200"/>
+              </a:spcBef>
+              <a:spcAft>
+                <a:spcPts val="400"/>
+              </a:spcAft>
+              <a:buClr>
+                <a:schemeClr val="accent1"/>
+              </a:buClr>
+              <a:buFont typeface="Calibri" pitchFamily="34" charset="0"/>
+              <a:buChar char="◦"/>
+              <a:defRPr sz="1400" kern="1200">
+                <a:solidFill>
+                  <a:schemeClr val="tx1">
+                    <a:lumMod val="75000"/>
+                    <a:lumOff val="25000"/>
+                  </a:schemeClr>
+                </a:solidFill>
+                <a:latin typeface="+mn-lt"/>
+                <a:ea typeface="+mn-ea"/>
+                <a:cs typeface="+mn-cs"/>
+              </a:defRPr>
+            </a:lvl7pPr>
+            <a:lvl8pPr marL="1500000" indent="-228600" algn="l" defTabSz="914400" rtl="0" eaLnBrk="1" latinLnBrk="0" hangingPunct="1">
+              <a:lnSpc>
+                <a:spcPct val="90000"/>
+              </a:lnSpc>
+              <a:spcBef>
+                <a:spcPts val="200"/>
+              </a:spcBef>
+              <a:spcAft>
+                <a:spcPts val="400"/>
+              </a:spcAft>
+              <a:buClr>
+                <a:schemeClr val="accent1"/>
+              </a:buClr>
+              <a:buFont typeface="Calibri" pitchFamily="34" charset="0"/>
+              <a:buChar char="◦"/>
+              <a:defRPr sz="1400" kern="1200">
+                <a:solidFill>
+                  <a:schemeClr val="tx1">
+                    <a:lumMod val="75000"/>
+                    <a:lumOff val="25000"/>
+                  </a:schemeClr>
+                </a:solidFill>
+                <a:latin typeface="+mn-lt"/>
+                <a:ea typeface="+mn-ea"/>
+                <a:cs typeface="+mn-cs"/>
+              </a:defRPr>
+            </a:lvl8pPr>
+            <a:lvl9pPr marL="1700000" indent="-228600" algn="l" defTabSz="914400" rtl="0" eaLnBrk="1" latinLnBrk="0" hangingPunct="1">
+              <a:lnSpc>
+                <a:spcPct val="90000"/>
+              </a:lnSpc>
+              <a:spcBef>
+                <a:spcPts val="200"/>
+              </a:spcBef>
+              <a:spcAft>
+                <a:spcPts val="400"/>
+              </a:spcAft>
+              <a:buClr>
+                <a:schemeClr val="accent1"/>
+              </a:buClr>
+              <a:buFont typeface="Calibri" pitchFamily="34" charset="0"/>
+              <a:buChar char="◦"/>
+              <a:defRPr sz="1400" kern="1200">
+                <a:solidFill>
+                  <a:schemeClr val="tx1">
+                    <a:lumMod val="75000"/>
+                    <a:lumOff val="25000"/>
+                  </a:schemeClr>
+                </a:solidFill>
+                <a:latin typeface="+mn-lt"/>
+                <a:ea typeface="+mn-ea"/>
+                <a:cs typeface="+mn-cs"/>
+              </a:defRPr>
+            </a:lvl9pPr>
+          </a:lstStyle>
+          <a:p>
+            <a:pPr algn="ctr"/>
+            <a:r>
+              <a:rPr lang="en-US" sz="4800" dirty="0">
+                <a:solidFill>
+                  <a:srgbClr val="0000FF"/>
+                </a:solidFill>
+                <a:highlight>
+                  <a:srgbClr val="FFFFFF"/>
+                </a:highlight>
+                <a:latin typeface="Consolas" panose="020B0609020204030204" pitchFamily="49" charset="0"/>
+              </a:rPr>
+              <a:t>throw</a:t>
+            </a:r>
+            <a:r>
+              <a:rPr lang="en-US" sz="4800" dirty="0">
+                <a:solidFill>
+                  <a:srgbClr val="000000"/>
+                </a:solidFill>
+                <a:highlight>
+                  <a:srgbClr val="FFFFFF"/>
+                </a:highlight>
+                <a:latin typeface="Consolas" panose="020B0609020204030204" pitchFamily="49" charset="0"/>
+              </a:rPr>
+              <a:t> </a:t>
+            </a:r>
+            <a:r>
+              <a:rPr lang="en-US" sz="4800" dirty="0" smtClean="0">
+                <a:solidFill>
+                  <a:srgbClr val="0000FF"/>
+                </a:solidFill>
+                <a:highlight>
+                  <a:srgbClr val="FFFFFF"/>
+                </a:highlight>
+                <a:latin typeface="Consolas" panose="020B0609020204030204" pitchFamily="49" charset="0"/>
+              </a:rPr>
+              <a:t>new</a:t>
+            </a:r>
+            <a:r>
+              <a:rPr lang="en-US" sz="4800" dirty="0" smtClean="0">
+                <a:solidFill>
+                  <a:srgbClr val="000000"/>
+                </a:solidFill>
+                <a:highlight>
+                  <a:srgbClr val="FFFFFF"/>
+                </a:highlight>
+                <a:latin typeface="Consolas" panose="020B0609020204030204" pitchFamily="49" charset="0"/>
+              </a:rPr>
+              <a:t> </a:t>
+            </a:r>
+            <a:r>
+              <a:rPr lang="en-US" sz="4800" dirty="0" smtClean="0">
+                <a:solidFill>
+                  <a:srgbClr val="2B91AF"/>
+                </a:solidFill>
+                <a:highlight>
+                  <a:srgbClr val="FFFFFF"/>
+                </a:highlight>
+                <a:latin typeface="Consolas" panose="020B0609020204030204" pitchFamily="49" charset="0"/>
+              </a:rPr>
+              <a:t>Exception</a:t>
+            </a:r>
+            <a:r>
+              <a:rPr lang="en-US" sz="4800" dirty="0" smtClean="0">
+                <a:solidFill>
+                  <a:srgbClr val="000000"/>
+                </a:solidFill>
+                <a:highlight>
+                  <a:srgbClr val="FFFFFF"/>
+                </a:highlight>
+                <a:latin typeface="Consolas" panose="020B0609020204030204" pitchFamily="49" charset="0"/>
+              </a:rPr>
+              <a:t>(…);</a:t>
+            </a:r>
+            <a:endParaRPr lang="en-US" sz="4800" dirty="0">
+              <a:solidFill>
+                <a:srgbClr val="000000"/>
+              </a:solidFill>
+              <a:highlight>
+                <a:srgbClr val="FFFFFF"/>
+              </a:highlight>
+              <a:latin typeface="Consolas" panose="020B0609020204030204" pitchFamily="49" charset="0"/>
+            </a:endParaRPr>
+          </a:p>
+        </p:txBody>
+      </p:sp>
+      <p:sp>
+        <p:nvSpPr>
+          <p:cNvPr id="7" name="Title 1"/>
+          <p:cNvSpPr txBox="1">
+            <a:spLocks/>
+          </p:cNvSpPr>
+          <p:nvPr/>
+        </p:nvSpPr>
+        <p:spPr>
+          <a:xfrm>
+            <a:off x="1097280" y="4749936"/>
+            <a:ext cx="10058400" cy="1025730"/>
+          </a:xfrm>
+          <a:prstGeom prst="rect">
+            <a:avLst/>
+          </a:prstGeom>
+        </p:spPr>
+        <p:txBody>
+          <a:bodyPr vert="horz" lIns="91440" tIns="45720" rIns="91440" bIns="45720" rtlCol="0" anchor="b">
+            <a:normAutofit/>
+          </a:bodyPr>
+          <a:lstStyle>
+            <a:lvl1pPr algn="l" defTabSz="914400" rtl="0" eaLnBrk="1" latinLnBrk="0" hangingPunct="1">
+              <a:lnSpc>
+                <a:spcPct val="85000"/>
+              </a:lnSpc>
+              <a:spcBef>
+                <a:spcPct val="0"/>
+              </a:spcBef>
+              <a:buNone/>
+              <a:defRPr sz="4800" kern="1200" spc="-50" baseline="0">
+                <a:solidFill>
+                  <a:schemeClr val="tx1">
+                    <a:lumMod val="75000"/>
+                    <a:lumOff val="25000"/>
+                  </a:schemeClr>
+                </a:solidFill>
+                <a:latin typeface="+mj-lt"/>
+                <a:ea typeface="+mj-ea"/>
+                <a:cs typeface="+mj-cs"/>
+              </a:defRPr>
+            </a:lvl1pPr>
+          </a:lstStyle>
+          <a:p>
+            <a:pPr algn="r"/>
+            <a:r>
+              <a:rPr lang="en-US" sz="3600" dirty="0" smtClean="0"/>
+              <a:t>…you will remember this talk</a:t>
+            </a:r>
+            <a:endParaRPr lang="en-US" sz="3600" dirty="0"/>
+          </a:p>
+        </p:txBody>
+      </p:sp>
+    </p:spTree>
+    <p:extLst>
+      <p:ext uri="{BB962C8B-B14F-4D97-AF65-F5344CB8AC3E}">
+        <p14:creationId xmlns:p14="http://schemas.microsoft.com/office/powerpoint/2010/main" val="1576483403"/>
+      </p:ext>
+    </p:extLst>
+  </p:cSld>
+  <p:clrMapOvr>
+    <a:masterClrMapping/>
+  </p:clrMapOvr>
+  <p:timing>
+    <p:tnLst>
+      <p:par>
+        <p:cTn xmlns:p14="http://schemas.microsoft.com/office/powerpoint/2010/main" id="1" dur="indefinite" restart="never" nodeType="tmRoot"/>
+      </p:par>
+    </p:tnLst>
+  </p:timing>
+</p:sld>
+</file>
+
+<file path=ppt/slides/slide42.xml><?xml version="1.0" encoding="utf-8"?>
+<p:sld xmlns:a="http://schemas.openxmlformats.org/drawingml/2006/main" xmlns:r="http://schemas.openxmlformats.org/officeDocument/2006/relationships" xmlns:p="http://schemas.openxmlformats.org/presentationml/2006/main">
+  <p:cSld>
+    <p:spTree>
+      <p:nvGrpSpPr>
+        <p:cNvPr id="1" name=""/>
+        <p:cNvGrpSpPr/>
+        <p:nvPr/>
+      </p:nvGrpSpPr>
+      <p:grpSpPr>
+        <a:xfrm>
+          <a:off x="0" y="0"/>
+          <a:ext cx="0" cy="0"/>
+          <a:chOff x="0" y="0"/>
+          <a:chExt cx="0" cy="0"/>
+        </a:xfrm>
+      </p:grpSpPr>
+      <p:sp>
+        <p:nvSpPr>
           <p:cNvPr id="4" name="Content Placeholder 3"/>
           <p:cNvSpPr>
             <a:spLocks noGrp="1"/>
@@ -24816,7 +25335,7 @@
 </p:sld>
 </file>
 
-<file path=ppt/slides/slide42.xml><?xml version="1.0" encoding="utf-8"?>
+<file path=ppt/slides/slide43.xml><?xml version="1.0" encoding="utf-8"?>
 <p:sld xmlns:a="http://schemas.openxmlformats.org/drawingml/2006/main" xmlns:r="http://schemas.openxmlformats.org/officeDocument/2006/relationships" xmlns:p="http://schemas.openxmlformats.org/presentationml/2006/main" show="0">
   <p:cSld>
     <p:spTree>
@@ -25155,7 +25674,7 @@
 </p:sld>
 </file>
 
-<file path=ppt/slides/slide43.xml><?xml version="1.0" encoding="utf-8"?>
+<file path=ppt/slides/slide44.xml><?xml version="1.0" encoding="utf-8"?>
 <p:sld xmlns:a="http://schemas.openxmlformats.org/drawingml/2006/main" xmlns:r="http://schemas.openxmlformats.org/officeDocument/2006/relationships" xmlns:p="http://schemas.openxmlformats.org/presentationml/2006/main">
   <p:cSld>
     <p:spTree>
@@ -25371,7 +25890,7 @@
 </p:sld>
 </file>
 
-<file path=ppt/slides/slide44.xml><?xml version="1.0" encoding="utf-8"?>
+<file path=ppt/slides/slide45.xml><?xml version="1.0" encoding="utf-8"?>
 <p:sld xmlns:a="http://schemas.openxmlformats.org/drawingml/2006/main" xmlns:r="http://schemas.openxmlformats.org/officeDocument/2006/relationships" xmlns:p="http://schemas.openxmlformats.org/presentationml/2006/main">
   <p:cSld>
     <p:spTree>
@@ -25438,7 +25957,7 @@
 </p:sld>
 </file>
 
-<file path=ppt/slides/slide45.xml><?xml version="1.0" encoding="utf-8"?>
+<file path=ppt/slides/slide46.xml><?xml version="1.0" encoding="utf-8"?>
 <p:sld xmlns:a="http://schemas.openxmlformats.org/drawingml/2006/main" xmlns:r="http://schemas.openxmlformats.org/officeDocument/2006/relationships" xmlns:p="http://schemas.openxmlformats.org/presentationml/2006/main">
   <p:cSld>
     <p:spTree>
@@ -25850,7 +26369,7 @@
 </p:sld>
 </file>
 
-<file path=ppt/slides/slide46.xml><?xml version="1.0" encoding="utf-8"?>
+<file path=ppt/slides/slide47.xml><?xml version="1.0" encoding="utf-8"?>
 <p:sld xmlns:a="http://schemas.openxmlformats.org/drawingml/2006/main" xmlns:r="http://schemas.openxmlformats.org/officeDocument/2006/relationships" xmlns:p="http://schemas.openxmlformats.org/presentationml/2006/main">
   <p:cSld>
     <p:spTree>
@@ -26701,7 +27220,7 @@
 </p:sld>
 </file>
 
-<file path=ppt/slides/slide47.xml><?xml version="1.0" encoding="utf-8"?>
+<file path=ppt/slides/slide48.xml><?xml version="1.0" encoding="utf-8"?>
 <p:sld xmlns:a="http://schemas.openxmlformats.org/drawingml/2006/main" xmlns:r="http://schemas.openxmlformats.org/officeDocument/2006/relationships" xmlns:p="http://schemas.openxmlformats.org/presentationml/2006/main" show="0">
   <p:cSld>
     <p:spTree>
@@ -26900,7 +27419,7 @@
 </p:sld>
 </file>
 
-<file path=ppt/slides/slide48.xml><?xml version="1.0" encoding="utf-8"?>
+<file path=ppt/slides/slide49.xml><?xml version="1.0" encoding="utf-8"?>
 <p:sld xmlns:a="http://schemas.openxmlformats.org/drawingml/2006/main" xmlns:r="http://schemas.openxmlformats.org/officeDocument/2006/relationships" xmlns:p="http://schemas.openxmlformats.org/presentationml/2006/main" show="0">
   <p:cSld>
     <p:spTree>
@@ -30203,7 +30722,7 @@
   <a:extraClrSchemeLst/>
   <a:extLst>
     <a:ext uri="{05A4C25C-085E-4340-85A3-A5531E510DB2}">
-      <thm15:themeFamily xmlns:thm15="http://schemas.microsoft.com/office/thememl/2012/main" xmlns="" name="Retrospect" id="{5F128B03-DCCA-4EEB-AB3B-CF2899314A46}" vid="{9CC26709-368C-4D72-9060-94E5B3FF3CD6}"/>
+      <thm15:themeFamily xmlns="" xmlns:thm15="http://schemas.microsoft.com/office/thememl/2012/main" name="Retrospect" id="{5F128B03-DCCA-4EEB-AB3B-CF2899314A46}" vid="{9CC26709-368C-4D72-9060-94E5B3FF3CD6}"/>
     </a:ext>
   </a:extLst>
 </a:theme>
